--- a/ppt/Study Design.pptx
+++ b/ppt/Study Design.pptx
@@ -242,7 +242,7 @@
           <a:p>
             <a:fld id="{EB97FE8D-238D-4EE6-80A4-85F1DD8976F8}" type="datetimeFigureOut">
               <a:rPr lang="ko-KR" altLang="en-US" smtClean="0"/>
-              <a:t>2024-08-23</a:t>
+              <a:t>2024-08-26</a:t>
             </a:fld>
             <a:endParaRPr lang="ko-KR" altLang="en-US"/>
           </a:p>
@@ -677,6 +677,90 @@
 </p:notes>
 </file>
 
+<file path=ppt/notesSlides/notesSlide3.xml><?xml version="1.0" encoding="utf-8"?>
+<p:notes xmlns:a="http://schemas.openxmlformats.org/drawingml/2006/main" xmlns:r="http://schemas.openxmlformats.org/officeDocument/2006/relationships" xmlns:p="http://schemas.openxmlformats.org/presentationml/2006/main">
+  <p:cSld>
+    <p:spTree>
+      <p:nvGrpSpPr>
+        <p:cNvPr id="1" name=""/>
+        <p:cNvGrpSpPr/>
+        <p:nvPr/>
+      </p:nvGrpSpPr>
+      <p:grpSpPr>
+        <a:xfrm>
+          <a:off x="0" y="0"/>
+          <a:ext cx="0" cy="0"/>
+          <a:chOff x="0" y="0"/>
+          <a:chExt cx="0" cy="0"/>
+        </a:xfrm>
+      </p:grpSpPr>
+      <p:sp>
+        <p:nvSpPr>
+          <p:cNvPr id="2" name="슬라이드 이미지 개체 틀 1"/>
+          <p:cNvSpPr>
+            <a:spLocks noGrp="1" noRot="1" noChangeAspect="1"/>
+          </p:cNvSpPr>
+          <p:nvPr>
+            <p:ph type="sldImg"/>
+          </p:nvPr>
+        </p:nvSpPr>
+        <p:spPr/>
+      </p:sp>
+      <p:sp>
+        <p:nvSpPr>
+          <p:cNvPr id="3" name="슬라이드 노트 개체 틀 2"/>
+          <p:cNvSpPr>
+            <a:spLocks noGrp="1"/>
+          </p:cNvSpPr>
+          <p:nvPr>
+            <p:ph type="body" idx="1"/>
+          </p:nvPr>
+        </p:nvSpPr>
+        <p:spPr/>
+        <p:txBody>
+          <a:bodyPr/>
+          <a:lstStyle/>
+          <a:p>
+            <a:endParaRPr lang="ko-KR" altLang="en-US" dirty="0"/>
+          </a:p>
+        </p:txBody>
+      </p:sp>
+      <p:sp>
+        <p:nvSpPr>
+          <p:cNvPr id="4" name="슬라이드 번호 개체 틀 3"/>
+          <p:cNvSpPr>
+            <a:spLocks noGrp="1"/>
+          </p:cNvSpPr>
+          <p:nvPr>
+            <p:ph type="sldNum" sz="quarter" idx="5"/>
+          </p:nvPr>
+        </p:nvSpPr>
+        <p:spPr/>
+        <p:txBody>
+          <a:bodyPr/>
+          <a:lstStyle/>
+          <a:p>
+            <a:fld id="{A691DA44-60AB-41A9-A0E4-71F5E41717A3}" type="slidenum">
+              <a:rPr lang="ko-KR" altLang="en-US" smtClean="0"/>
+              <a:t>4</a:t>
+            </a:fld>
+            <a:endParaRPr lang="ko-KR" altLang="en-US"/>
+          </a:p>
+        </p:txBody>
+      </p:sp>
+    </p:spTree>
+    <p:extLst>
+      <p:ext uri="{BB962C8B-B14F-4D97-AF65-F5344CB8AC3E}">
+        <p14:creationId xmlns:p14="http://schemas.microsoft.com/office/powerpoint/2010/main" val="927210265"/>
+      </p:ext>
+    </p:extLst>
+  </p:cSld>
+  <p:clrMapOvr>
+    <a:masterClrMapping/>
+  </p:clrMapOvr>
+</p:notes>
+</file>
+
 <file path=ppt/slideLayouts/slideLayout1.xml><?xml version="1.0" encoding="utf-8"?>
 <p:sldLayout xmlns:a="http://schemas.openxmlformats.org/drawingml/2006/main" xmlns:r="http://schemas.openxmlformats.org/officeDocument/2006/relationships" xmlns:p="http://schemas.openxmlformats.org/presentationml/2006/main" type="title" preserve="1">
   <p:cSld name="제목 슬라이드">
@@ -824,7 +908,7 @@
           <a:p>
             <a:fld id="{914E928F-484F-4321-94D7-7697F8901549}" type="datetimeFigureOut">
               <a:rPr lang="ko-KR" altLang="en-US" smtClean="0"/>
-              <a:t>2024-08-23</a:t>
+              <a:t>2024-08-26</a:t>
             </a:fld>
             <a:endParaRPr lang="ko-KR" altLang="en-US"/>
           </a:p>
@@ -1022,7 +1106,7 @@
           <a:p>
             <a:fld id="{914E928F-484F-4321-94D7-7697F8901549}" type="datetimeFigureOut">
               <a:rPr lang="ko-KR" altLang="en-US" smtClean="0"/>
-              <a:t>2024-08-23</a:t>
+              <a:t>2024-08-26</a:t>
             </a:fld>
             <a:endParaRPr lang="ko-KR" altLang="en-US"/>
           </a:p>
@@ -1230,7 +1314,7 @@
           <a:p>
             <a:fld id="{914E928F-484F-4321-94D7-7697F8901549}" type="datetimeFigureOut">
               <a:rPr lang="ko-KR" altLang="en-US" smtClean="0"/>
-              <a:t>2024-08-23</a:t>
+              <a:t>2024-08-26</a:t>
             </a:fld>
             <a:endParaRPr lang="ko-KR" altLang="en-US"/>
           </a:p>
@@ -1428,7 +1512,7 @@
           <a:p>
             <a:fld id="{914E928F-484F-4321-94D7-7697F8901549}" type="datetimeFigureOut">
               <a:rPr lang="ko-KR" altLang="en-US" smtClean="0"/>
-              <a:t>2024-08-23</a:t>
+              <a:t>2024-08-26</a:t>
             </a:fld>
             <a:endParaRPr lang="ko-KR" altLang="en-US"/>
           </a:p>
@@ -1703,7 +1787,7 @@
           <a:p>
             <a:fld id="{914E928F-484F-4321-94D7-7697F8901549}" type="datetimeFigureOut">
               <a:rPr lang="ko-KR" altLang="en-US" smtClean="0"/>
-              <a:t>2024-08-23</a:t>
+              <a:t>2024-08-26</a:t>
             </a:fld>
             <a:endParaRPr lang="ko-KR" altLang="en-US"/>
           </a:p>
@@ -1968,7 +2052,7 @@
           <a:p>
             <a:fld id="{914E928F-484F-4321-94D7-7697F8901549}" type="datetimeFigureOut">
               <a:rPr lang="ko-KR" altLang="en-US" smtClean="0"/>
-              <a:t>2024-08-23</a:t>
+              <a:t>2024-08-26</a:t>
             </a:fld>
             <a:endParaRPr lang="ko-KR" altLang="en-US"/>
           </a:p>
@@ -2380,7 +2464,7 @@
           <a:p>
             <a:fld id="{914E928F-484F-4321-94D7-7697F8901549}" type="datetimeFigureOut">
               <a:rPr lang="ko-KR" altLang="en-US" smtClean="0"/>
-              <a:t>2024-08-23</a:t>
+              <a:t>2024-08-26</a:t>
             </a:fld>
             <a:endParaRPr lang="ko-KR" altLang="en-US"/>
           </a:p>
@@ -2521,7 +2605,7 @@
           <a:p>
             <a:fld id="{914E928F-484F-4321-94D7-7697F8901549}" type="datetimeFigureOut">
               <a:rPr lang="ko-KR" altLang="en-US" smtClean="0"/>
-              <a:t>2024-08-23</a:t>
+              <a:t>2024-08-26</a:t>
             </a:fld>
             <a:endParaRPr lang="ko-KR" altLang="en-US"/>
           </a:p>
@@ -2634,7 +2718,7 @@
           <a:p>
             <a:fld id="{914E928F-484F-4321-94D7-7697F8901549}" type="datetimeFigureOut">
               <a:rPr lang="ko-KR" altLang="en-US" smtClean="0"/>
-              <a:t>2024-08-23</a:t>
+              <a:t>2024-08-26</a:t>
             </a:fld>
             <a:endParaRPr lang="ko-KR" altLang="en-US"/>
           </a:p>
@@ -2945,7 +3029,7 @@
           <a:p>
             <a:fld id="{914E928F-484F-4321-94D7-7697F8901549}" type="datetimeFigureOut">
               <a:rPr lang="ko-KR" altLang="en-US" smtClean="0"/>
-              <a:t>2024-08-23</a:t>
+              <a:t>2024-08-26</a:t>
             </a:fld>
             <a:endParaRPr lang="ko-KR" altLang="en-US"/>
           </a:p>
@@ -3233,7 +3317,7 @@
           <a:p>
             <a:fld id="{914E928F-484F-4321-94D7-7697F8901549}" type="datetimeFigureOut">
               <a:rPr lang="ko-KR" altLang="en-US" smtClean="0"/>
-              <a:t>2024-08-23</a:t>
+              <a:t>2024-08-26</a:t>
             </a:fld>
             <a:endParaRPr lang="ko-KR" altLang="en-US"/>
           </a:p>
@@ -3474,7 +3558,7 @@
           <a:p>
             <a:fld id="{914E928F-484F-4321-94D7-7697F8901549}" type="datetimeFigureOut">
               <a:rPr lang="ko-KR" altLang="en-US" smtClean="0"/>
-              <a:t>2024-08-23</a:t>
+              <a:t>2024-08-26</a:t>
             </a:fld>
             <a:endParaRPr lang="ko-KR" altLang="en-US"/>
           </a:p>
@@ -20715,8 +20799,8 @@
         </p:nvSpPr>
         <p:spPr>
           <a:xfrm>
-            <a:off x="829927" y="-842546"/>
-            <a:ext cx="9151011" cy="8284746"/>
+            <a:off x="829927" y="-4514849"/>
+            <a:ext cx="9151011" cy="16833849"/>
           </a:xfrm>
           <a:prstGeom prst="rect">
             <a:avLst/>
@@ -20769,7 +20853,7 @@
         </p:nvSpPr>
         <p:spPr>
           <a:xfrm>
-            <a:off x="1377844" y="5637609"/>
+            <a:off x="1377844" y="5260240"/>
             <a:ext cx="2203450" cy="1622425"/>
           </a:xfrm>
           <a:custGeom>
@@ -20906,7 +20990,7 @@
         </p:nvSpPr>
         <p:spPr>
           <a:xfrm>
-            <a:off x="1367805" y="2702652"/>
+            <a:off x="1367805" y="2325283"/>
             <a:ext cx="2203450" cy="1622425"/>
           </a:xfrm>
           <a:custGeom>
@@ -21038,7 +21122,7 @@
         </p:nvSpPr>
         <p:spPr>
           <a:xfrm>
-            <a:off x="1899835" y="2714273"/>
+            <a:off x="1899835" y="2336904"/>
             <a:ext cx="1647825" cy="723900"/>
           </a:xfrm>
           <a:custGeom>
@@ -21154,7 +21238,7 @@
         </p:nvSpPr>
         <p:spPr>
           <a:xfrm>
-            <a:off x="1418823" y="3228669"/>
+            <a:off x="1418823" y="2851300"/>
             <a:ext cx="433387" cy="252413"/>
           </a:xfrm>
           <a:custGeom>
@@ -21254,7 +21338,7 @@
         </p:nvSpPr>
         <p:spPr>
           <a:xfrm>
-            <a:off x="1475973" y="3490607"/>
+            <a:off x="1475973" y="3113238"/>
             <a:ext cx="423862" cy="252412"/>
           </a:xfrm>
           <a:custGeom>
@@ -21354,7 +21438,7 @@
         </p:nvSpPr>
         <p:spPr>
           <a:xfrm>
-            <a:off x="1528360" y="3719207"/>
+            <a:off x="1528360" y="3341838"/>
             <a:ext cx="404813" cy="209550"/>
           </a:xfrm>
           <a:custGeom>
@@ -21454,7 +21538,7 @@
         </p:nvSpPr>
         <p:spPr>
           <a:xfrm>
-            <a:off x="6254877" y="4158774"/>
+            <a:off x="6254877" y="3781405"/>
             <a:ext cx="1253599" cy="261610"/>
           </a:xfrm>
           <a:prstGeom prst="rect">
@@ -21539,7 +21623,7 @@
         </p:nvSpPr>
         <p:spPr>
           <a:xfrm>
-            <a:off x="5816779" y="3688194"/>
+            <a:off x="5816779" y="3310825"/>
             <a:ext cx="1136446" cy="836778"/>
           </a:xfrm>
           <a:custGeom>
@@ -21671,7 +21755,7 @@
         </p:nvSpPr>
         <p:spPr>
           <a:xfrm>
-            <a:off x="6234625" y="2638634"/>
+            <a:off x="6234625" y="2261265"/>
             <a:ext cx="849880" cy="373358"/>
           </a:xfrm>
           <a:custGeom>
@@ -21787,7 +21871,7 @@
         </p:nvSpPr>
         <p:spPr>
           <a:xfrm>
-            <a:off x="5963223" y="2911015"/>
+            <a:off x="5963223" y="2533646"/>
             <a:ext cx="223524" cy="130184"/>
           </a:xfrm>
           <a:custGeom>
@@ -21887,7 +21971,7 @@
         </p:nvSpPr>
         <p:spPr>
           <a:xfrm>
-            <a:off x="5999745" y="3034784"/>
+            <a:off x="5999745" y="2657415"/>
             <a:ext cx="218610" cy="130184"/>
           </a:xfrm>
           <a:custGeom>
@@ -21987,7 +22071,7 @@
         </p:nvSpPr>
         <p:spPr>
           <a:xfrm>
-            <a:off x="6046091" y="3161942"/>
+            <a:off x="6046091" y="2784573"/>
             <a:ext cx="208786" cy="108078"/>
           </a:xfrm>
           <a:custGeom>
@@ -22087,7 +22171,7 @@
         </p:nvSpPr>
         <p:spPr>
           <a:xfrm>
-            <a:off x="6254877" y="3099876"/>
+            <a:off x="6254877" y="2722507"/>
             <a:ext cx="1253599" cy="261610"/>
           </a:xfrm>
           <a:prstGeom prst="rect">
@@ -22174,7 +22258,7 @@
         </p:nvCxnSpPr>
         <p:spPr>
           <a:xfrm>
-            <a:off x="5580797" y="3550328"/>
+            <a:off x="5580797" y="3172959"/>
             <a:ext cx="1800000" cy="0"/>
           </a:xfrm>
           <a:prstGeom prst="line">
@@ -22216,7 +22300,7 @@
           <p:nvPr/>
         </p:nvPicPr>
         <p:blipFill>
-          <a:blip r:embed="rId2"/>
+          <a:blip r:embed="rId3"/>
           <a:stretch>
             <a:fillRect/>
           </a:stretch>
@@ -22245,7 +22329,7 @@
         </p:nvSpPr>
         <p:spPr>
           <a:xfrm>
-            <a:off x="885158" y="2553271"/>
+            <a:off x="885158" y="2175902"/>
             <a:ext cx="465973" cy="400110"/>
           </a:xfrm>
           <a:prstGeom prst="rect">
@@ -22264,7 +22348,7 @@
           <a:p>
             <a:r>
               <a:rPr lang="en-US" altLang="ko-KR" sz="2000" b="1" dirty="0"/>
-              <a:t>(b)</a:t>
+              <a:t>(c)</a:t>
             </a:r>
             <a:endParaRPr lang="ko-KR" altLang="en-US" sz="2000" b="1" dirty="0"/>
           </a:p>
@@ -22284,8 +22368,8 @@
         </p:nvSpPr>
         <p:spPr>
           <a:xfrm>
-            <a:off x="7966931" y="3388401"/>
-            <a:ext cx="783598" cy="430887"/>
+            <a:off x="7966931" y="3011032"/>
+            <a:ext cx="939731" cy="430887"/>
           </a:xfrm>
           <a:prstGeom prst="rect">
             <a:avLst/>
@@ -22342,7 +22426,11 @@
           <a:p>
             <a:r>
               <a:rPr lang="en-US" altLang="ko-KR" sz="2800" dirty="0"/>
-              <a:t>0.64</a:t>
+              <a:t>64</a:t>
+            </a:r>
+            <a:r>
+              <a:rPr lang="en-US" altLang="ko-KR" dirty="0"/>
+              <a:t> (%)</a:t>
             </a:r>
           </a:p>
         </p:txBody>
@@ -22363,7 +22451,7 @@
             </p:nvSpPr>
             <p:spPr>
               <a:xfrm>
-                <a:off x="4111169" y="3244402"/>
+                <a:off x="4111169" y="2867033"/>
                 <a:ext cx="914948" cy="617220"/>
               </a:xfrm>
               <a:prstGeom prst="rect">
@@ -22476,14 +22564,14 @@
             </p:nvSpPr>
             <p:spPr>
               <a:xfrm>
-                <a:off x="4111169" y="3244402"/>
+                <a:off x="4111169" y="2867033"/>
                 <a:ext cx="914948" cy="617220"/>
               </a:xfrm>
               <a:prstGeom prst="rect">
                 <a:avLst/>
               </a:prstGeom>
               <a:blipFill>
-                <a:blip r:embed="rId3"/>
+                <a:blip r:embed="rId4"/>
                 <a:stretch>
                   <a:fillRect/>
                 </a:stretch>
@@ -22518,7 +22606,7 @@
         </p:nvSpPr>
         <p:spPr>
           <a:xfrm flipV="1">
-            <a:off x="5039431" y="3361485"/>
+            <a:off x="5039431" y="2984116"/>
             <a:ext cx="494127" cy="646331"/>
           </a:xfrm>
           <a:prstGeom prst="rect">
@@ -22557,7 +22645,7 @@
         </p:nvSpPr>
         <p:spPr>
           <a:xfrm>
-            <a:off x="1921656" y="5659632"/>
+            <a:off x="1921656" y="5282263"/>
             <a:ext cx="1647825" cy="723900"/>
           </a:xfrm>
           <a:custGeom>
@@ -22673,7 +22761,7 @@
         </p:nvSpPr>
         <p:spPr>
           <a:xfrm flipV="1">
-            <a:off x="7622656" y="3361485"/>
+            <a:off x="7622656" y="2984116"/>
             <a:ext cx="494127" cy="646331"/>
           </a:xfrm>
           <a:prstGeom prst="rect">
@@ -22712,7 +22800,7 @@
         </p:nvSpPr>
         <p:spPr>
           <a:xfrm>
-            <a:off x="1440644" y="6174028"/>
+            <a:off x="1440644" y="5796659"/>
             <a:ext cx="433387" cy="252413"/>
           </a:xfrm>
           <a:custGeom>
@@ -22812,7 +22900,7 @@
         </p:nvSpPr>
         <p:spPr>
           <a:xfrm>
-            <a:off x="1497794" y="6435966"/>
+            <a:off x="1497794" y="6058597"/>
             <a:ext cx="423862" cy="252412"/>
           </a:xfrm>
           <a:custGeom>
@@ -22912,7 +23000,7 @@
         </p:nvSpPr>
         <p:spPr>
           <a:xfrm>
-            <a:off x="1550181" y="6664566"/>
+            <a:off x="1550181" y="6287197"/>
             <a:ext cx="404813" cy="209550"/>
           </a:xfrm>
           <a:custGeom>
@@ -23013,10 +23101,10 @@
           <p:nvPr/>
         </p:nvPicPr>
         <p:blipFill>
-          <a:blip r:embed="rId4">
+          <a:blip r:embed="rId5">
             <a:extLst>
               <a:ext uri="{96DAC541-7B7A-43D3-8B79-37D633B846F1}">
-                <asvg:svgBlip xmlns:asvg="http://schemas.microsoft.com/office/drawing/2016/SVG/main" r:embed="rId5"/>
+                <asvg:svgBlip xmlns:asvg="http://schemas.microsoft.com/office/drawing/2016/SVG/main" r:embed="rId6"/>
               </a:ext>
             </a:extLst>
           </a:blip>
@@ -23026,7 +23114,7 @@
         </p:blipFill>
         <p:spPr>
           <a:xfrm rot="20678531">
-            <a:off x="3089346" y="5674264"/>
+            <a:off x="3089346" y="5296895"/>
             <a:ext cx="430781" cy="430781"/>
           </a:xfrm>
           <a:prstGeom prst="rect">
@@ -23050,7 +23138,7 @@
         </p:nvCxnSpPr>
         <p:spPr>
           <a:xfrm>
-            <a:off x="5708199" y="6278448"/>
+            <a:off x="5708199" y="5901079"/>
             <a:ext cx="1800000" cy="0"/>
           </a:xfrm>
           <a:prstGeom prst="line">
@@ -23092,10 +23180,10 @@
           <p:nvPr/>
         </p:nvPicPr>
         <p:blipFill>
-          <a:blip r:embed="rId4">
+          <a:blip r:embed="rId5">
             <a:extLst>
               <a:ext uri="{96DAC541-7B7A-43D3-8B79-37D633B846F1}">
-                <asvg:svgBlip xmlns:asvg="http://schemas.microsoft.com/office/drawing/2016/SVG/main" r:embed="rId5"/>
+                <asvg:svgBlip xmlns:asvg="http://schemas.microsoft.com/office/drawing/2016/SVG/main" r:embed="rId6"/>
               </a:ext>
             </a:extLst>
           </a:blip>
@@ -23105,7 +23193,7 @@
         </p:blipFill>
         <p:spPr>
           <a:xfrm>
-            <a:off x="5799754" y="6340983"/>
+            <a:off x="5799754" y="5963614"/>
             <a:ext cx="753836" cy="753836"/>
           </a:xfrm>
           <a:prstGeom prst="rect">
@@ -23127,7 +23215,7 @@
         </p:nvSpPr>
         <p:spPr>
           <a:xfrm>
-            <a:off x="6490814" y="6726233"/>
+            <a:off x="6490814" y="6348864"/>
             <a:ext cx="1133374" cy="261610"/>
           </a:xfrm>
           <a:prstGeom prst="rect">
@@ -23204,7 +23292,7 @@
         </p:nvSpPr>
         <p:spPr>
           <a:xfrm>
-            <a:off x="6362027" y="5399984"/>
+            <a:off x="6362027" y="5022615"/>
             <a:ext cx="849880" cy="373358"/>
           </a:xfrm>
           <a:custGeom>
@@ -23320,7 +23408,7 @@
         </p:nvSpPr>
         <p:spPr>
           <a:xfrm>
-            <a:off x="6090625" y="5672365"/>
+            <a:off x="6090625" y="5294996"/>
             <a:ext cx="223524" cy="130184"/>
           </a:xfrm>
           <a:custGeom>
@@ -23420,7 +23508,7 @@
         </p:nvSpPr>
         <p:spPr>
           <a:xfrm>
-            <a:off x="6127147" y="5796134"/>
+            <a:off x="6127147" y="5418765"/>
             <a:ext cx="218610" cy="130184"/>
           </a:xfrm>
           <a:custGeom>
@@ -23520,7 +23608,7 @@
         </p:nvSpPr>
         <p:spPr>
           <a:xfrm>
-            <a:off x="6173493" y="5923292"/>
+            <a:off x="6173493" y="5545923"/>
             <a:ext cx="208786" cy="108078"/>
           </a:xfrm>
           <a:custGeom>
@@ -23620,7 +23708,7 @@
         </p:nvSpPr>
         <p:spPr>
           <a:xfrm>
-            <a:off x="6382279" y="5861226"/>
+            <a:off x="6382279" y="5483857"/>
             <a:ext cx="1253599" cy="261610"/>
           </a:xfrm>
           <a:prstGeom prst="rect">
@@ -23705,7 +23793,7 @@
         </p:nvSpPr>
         <p:spPr>
           <a:xfrm>
-            <a:off x="8071909" y="6085845"/>
+            <a:off x="8071909" y="5708476"/>
             <a:ext cx="1748927" cy="430887"/>
           </a:xfrm>
           <a:prstGeom prst="rect">
@@ -23795,7 +23883,7 @@
         </p:nvSpPr>
         <p:spPr>
           <a:xfrm flipV="1">
-            <a:off x="7727634" y="6058929"/>
+            <a:off x="7727634" y="5681560"/>
             <a:ext cx="494127" cy="646331"/>
           </a:xfrm>
           <a:prstGeom prst="rect">
@@ -23834,7 +23922,7 @@
         </p:nvSpPr>
         <p:spPr>
           <a:xfrm>
-            <a:off x="885158" y="5479992"/>
+            <a:off x="885158" y="5102623"/>
             <a:ext cx="465973" cy="400110"/>
           </a:xfrm>
           <a:prstGeom prst="rect">
@@ -23853,7 +23941,7 @@
           <a:p>
             <a:r>
               <a:rPr lang="en-US" altLang="ko-KR" sz="2000" b="1" dirty="0"/>
-              <a:t>(c)</a:t>
+              <a:t>(d)</a:t>
             </a:r>
             <a:endParaRPr lang="ko-KR" altLang="en-US" sz="2000" b="1" dirty="0"/>
           </a:p>
@@ -24084,7 +24172,7 @@
         </p:nvSpPr>
         <p:spPr>
           <a:xfrm>
-            <a:off x="3636064" y="3066453"/>
+            <a:off x="3636064" y="2689084"/>
             <a:ext cx="619558" cy="1171575"/>
           </a:xfrm>
           <a:custGeom>
@@ -24297,7 +24385,7 @@
             </p:nvSpPr>
             <p:spPr>
               <a:xfrm>
-                <a:off x="4384186" y="6144938"/>
+                <a:off x="4384186" y="5767569"/>
                 <a:ext cx="628276" cy="617220"/>
               </a:xfrm>
               <a:prstGeom prst="rect">
@@ -24379,14 +24467,14 @@
             </p:nvSpPr>
             <p:spPr>
               <a:xfrm>
-                <a:off x="4384186" y="6144938"/>
+                <a:off x="4384186" y="5767569"/>
                 <a:ext cx="628276" cy="617220"/>
               </a:xfrm>
               <a:prstGeom prst="rect">
                 <a:avLst/>
               </a:prstGeom>
               <a:blipFill>
-                <a:blip r:embed="rId6"/>
+                <a:blip r:embed="rId7"/>
                 <a:stretch>
                   <a:fillRect/>
                 </a:stretch>
@@ -24421,7 +24509,7 @@
         </p:nvSpPr>
         <p:spPr>
           <a:xfrm>
-            <a:off x="3636064" y="5992367"/>
+            <a:off x="3636064" y="5614998"/>
             <a:ext cx="619558" cy="1171575"/>
           </a:xfrm>
           <a:custGeom>
@@ -24633,10 +24721,10 @@
           <p:nvPr/>
         </p:nvPicPr>
         <p:blipFill>
-          <a:blip r:embed="rId4">
+          <a:blip r:embed="rId5">
             <a:extLst>
               <a:ext uri="{96DAC541-7B7A-43D3-8B79-37D633B846F1}">
-                <asvg:svgBlip xmlns:asvg="http://schemas.microsoft.com/office/drawing/2016/SVG/main" r:embed="rId5"/>
+                <asvg:svgBlip xmlns:asvg="http://schemas.microsoft.com/office/drawing/2016/SVG/main" r:embed="rId6"/>
               </a:ext>
             </a:extLst>
           </a:blip>
@@ -24646,7 +24734,7 @@
         </p:blipFill>
         <p:spPr>
           <a:xfrm rot="20678531">
-            <a:off x="2657256" y="5786810"/>
+            <a:off x="2657256" y="5409441"/>
             <a:ext cx="430781" cy="430781"/>
           </a:xfrm>
           <a:prstGeom prst="rect">
@@ -24669,10 +24757,10 @@
           <p:nvPr/>
         </p:nvPicPr>
         <p:blipFill>
-          <a:blip r:embed="rId4">
+          <a:blip r:embed="rId5">
             <a:extLst>
               <a:ext uri="{96DAC541-7B7A-43D3-8B79-37D633B846F1}">
-                <asvg:svgBlip xmlns:asvg="http://schemas.microsoft.com/office/drawing/2016/SVG/main" r:embed="rId5"/>
+                <asvg:svgBlip xmlns:asvg="http://schemas.microsoft.com/office/drawing/2016/SVG/main" r:embed="rId6"/>
               </a:ext>
             </a:extLst>
           </a:blip>
@@ -24682,7 +24770,7 @@
         </p:blipFill>
         <p:spPr>
           <a:xfrm rot="20678531">
-            <a:off x="2206435" y="5912016"/>
+            <a:off x="2206435" y="5534647"/>
             <a:ext cx="430781" cy="430781"/>
           </a:xfrm>
           <a:prstGeom prst="rect">
@@ -24705,10 +24793,10 @@
           <p:nvPr/>
         </p:nvPicPr>
         <p:blipFill>
-          <a:blip r:embed="rId4">
+          <a:blip r:embed="rId5">
             <a:extLst>
               <a:ext uri="{96DAC541-7B7A-43D3-8B79-37D633B846F1}">
-                <asvg:svgBlip xmlns:asvg="http://schemas.microsoft.com/office/drawing/2016/SVG/main" r:embed="rId5"/>
+                <asvg:svgBlip xmlns:asvg="http://schemas.microsoft.com/office/drawing/2016/SVG/main" r:embed="rId6"/>
               </a:ext>
             </a:extLst>
           </a:blip>
@@ -24718,7 +24806,7 @@
         </p:blipFill>
         <p:spPr>
           <a:xfrm rot="20678531">
-            <a:off x="1464766" y="6232843"/>
+            <a:off x="1464766" y="5855474"/>
             <a:ext cx="183862" cy="183862"/>
           </a:xfrm>
           <a:prstGeom prst="rect">
@@ -24741,10 +24829,10 @@
           <p:nvPr/>
         </p:nvPicPr>
         <p:blipFill>
-          <a:blip r:embed="rId4">
+          <a:blip r:embed="rId5">
             <a:extLst>
               <a:ext uri="{96DAC541-7B7A-43D3-8B79-37D633B846F1}">
-                <asvg:svgBlip xmlns:asvg="http://schemas.microsoft.com/office/drawing/2016/SVG/main" r:embed="rId5"/>
+                <asvg:svgBlip xmlns:asvg="http://schemas.microsoft.com/office/drawing/2016/SVG/main" r:embed="rId6"/>
               </a:ext>
             </a:extLst>
           </a:blip>
@@ -24754,7 +24842,7 @@
         </p:blipFill>
         <p:spPr>
           <a:xfrm rot="20678531">
-            <a:off x="1656345" y="6180753"/>
+            <a:off x="1656345" y="5803384"/>
             <a:ext cx="183862" cy="183862"/>
           </a:xfrm>
           <a:prstGeom prst="rect">
@@ -24777,10 +24865,10 @@
           <p:nvPr/>
         </p:nvPicPr>
         <p:blipFill>
-          <a:blip r:embed="rId4">
+          <a:blip r:embed="rId5">
             <a:extLst>
               <a:ext uri="{96DAC541-7B7A-43D3-8B79-37D633B846F1}">
-                <asvg:svgBlip xmlns:asvg="http://schemas.microsoft.com/office/drawing/2016/SVG/main" r:embed="rId5"/>
+                <asvg:svgBlip xmlns:asvg="http://schemas.microsoft.com/office/drawing/2016/SVG/main" r:embed="rId6"/>
               </a:ext>
             </a:extLst>
           </a:blip>
@@ -24790,7 +24878,7 @@
         </p:blipFill>
         <p:spPr>
           <a:xfrm rot="20678531">
-            <a:off x="1518465" y="6485256"/>
+            <a:off x="1518465" y="6107887"/>
             <a:ext cx="183862" cy="183862"/>
           </a:xfrm>
           <a:prstGeom prst="rect">
@@ -24813,10 +24901,10 @@
           <p:nvPr/>
         </p:nvPicPr>
         <p:blipFill>
-          <a:blip r:embed="rId4">
+          <a:blip r:embed="rId5">
             <a:extLst>
               <a:ext uri="{96DAC541-7B7A-43D3-8B79-37D633B846F1}">
-                <asvg:svgBlip xmlns:asvg="http://schemas.microsoft.com/office/drawing/2016/SVG/main" r:embed="rId5"/>
+                <asvg:svgBlip xmlns:asvg="http://schemas.microsoft.com/office/drawing/2016/SVG/main" r:embed="rId6"/>
               </a:ext>
             </a:extLst>
           </a:blip>
@@ -24826,7 +24914,7 @@
         </p:blipFill>
         <p:spPr>
           <a:xfrm rot="20678531">
-            <a:off x="1716729" y="6426053"/>
+            <a:off x="1716729" y="6048684"/>
             <a:ext cx="183862" cy="183862"/>
           </a:xfrm>
           <a:prstGeom prst="rect">
@@ -24849,10 +24937,10 @@
           <p:nvPr/>
         </p:nvPicPr>
         <p:blipFill>
-          <a:blip r:embed="rId4">
+          <a:blip r:embed="rId5">
             <a:extLst>
               <a:ext uri="{96DAC541-7B7A-43D3-8B79-37D633B846F1}">
-                <asvg:svgBlip xmlns:asvg="http://schemas.microsoft.com/office/drawing/2016/SVG/main" r:embed="rId5"/>
+                <asvg:svgBlip xmlns:asvg="http://schemas.microsoft.com/office/drawing/2016/SVG/main" r:embed="rId6"/>
               </a:ext>
             </a:extLst>
           </a:blip>
@@ -24862,7 +24950,7 @@
         </p:blipFill>
         <p:spPr>
           <a:xfrm rot="20678531">
-            <a:off x="1577763" y="6689666"/>
+            <a:off x="1577763" y="6312297"/>
             <a:ext cx="183862" cy="183862"/>
           </a:xfrm>
           <a:prstGeom prst="rect">
@@ -24885,10 +24973,10 @@
           <p:nvPr/>
         </p:nvPicPr>
         <p:blipFill>
-          <a:blip r:embed="rId4">
+          <a:blip r:embed="rId5">
             <a:extLst>
               <a:ext uri="{96DAC541-7B7A-43D3-8B79-37D633B846F1}">
-                <asvg:svgBlip xmlns:asvg="http://schemas.microsoft.com/office/drawing/2016/SVG/main" r:embed="rId5"/>
+                <asvg:svgBlip xmlns:asvg="http://schemas.microsoft.com/office/drawing/2016/SVG/main" r:embed="rId6"/>
               </a:ext>
             </a:extLst>
           </a:blip>
@@ -24898,38 +24986,8 @@
         </p:blipFill>
         <p:spPr>
           <a:xfrm rot="20678531">
-            <a:off x="1775633" y="6642666"/>
+            <a:off x="1775633" y="6265297"/>
             <a:ext cx="183862" cy="183862"/>
-          </a:xfrm>
-          <a:prstGeom prst="rect">
-            <a:avLst/>
-          </a:prstGeom>
-        </p:spPr>
-      </p:pic>
-      <p:pic>
-        <p:nvPicPr>
-          <p:cNvPr id="121" name="그림 120">
-            <a:extLst>
-              <a:ext uri="{FF2B5EF4-FFF2-40B4-BE49-F238E27FC236}">
-                <a16:creationId xmlns:a16="http://schemas.microsoft.com/office/drawing/2014/main" id="{06B8AA6D-C6EC-B1A2-EA50-2FB038335952}"/>
-              </a:ext>
-            </a:extLst>
-          </p:cNvPr>
-          <p:cNvPicPr>
-            <a:picLocks noChangeAspect="1"/>
-          </p:cNvPicPr>
-          <p:nvPr/>
-        </p:nvPicPr>
-        <p:blipFill>
-          <a:blip r:embed="rId7"/>
-          <a:stretch>
-            <a:fillRect/>
-          </a:stretch>
-        </p:blipFill>
-        <p:spPr>
-          <a:xfrm>
-            <a:off x="1346228" y="-637615"/>
-            <a:ext cx="3763508" cy="2705640"/>
           </a:xfrm>
           <a:prstGeom prst="rect">
             <a:avLst/>
@@ -24950,7 +25008,7 @@
         </p:nvSpPr>
         <p:spPr>
           <a:xfrm>
-            <a:off x="885277" y="-686378"/>
+            <a:off x="885277" y="-729918"/>
             <a:ext cx="465973" cy="400110"/>
           </a:xfrm>
           <a:prstGeom prst="rect">
@@ -24969,7 +25027,7 @@
           <a:p>
             <a:r>
               <a:rPr lang="en-US" altLang="ko-KR" sz="2000" b="1" dirty="0"/>
-              <a:t>(a)</a:t>
+              <a:t>(b)</a:t>
             </a:r>
             <a:endParaRPr lang="ko-KR" altLang="en-US" sz="2000" b="1" dirty="0"/>
           </a:p>
@@ -24977,307 +25035,19 @@
       </p:sp>
       <p:sp>
         <p:nvSpPr>
-          <p:cNvPr id="123" name="TextBox 122">
-            <a:extLst>
-              <a:ext uri="{FF2B5EF4-FFF2-40B4-BE49-F238E27FC236}">
-                <a16:creationId xmlns:a16="http://schemas.microsoft.com/office/drawing/2014/main" id="{2A434841-C08E-CD56-9979-8E9952E9F6F4}"/>
-              </a:ext>
-            </a:extLst>
-          </p:cNvPr>
-          <p:cNvSpPr txBox="1"/>
+          <p:cNvPr id="20" name="자유형: 도형 19">
+            <a:extLst>
+              <a:ext uri="{FF2B5EF4-FFF2-40B4-BE49-F238E27FC236}">
+                <a16:creationId xmlns:a16="http://schemas.microsoft.com/office/drawing/2014/main" id="{5493EBE7-1792-0F62-86E5-05931B233CF3}"/>
+              </a:ext>
+            </a:extLst>
+          </p:cNvPr>
+          <p:cNvSpPr/>
           <p:nvPr/>
         </p:nvSpPr>
         <p:spPr>
           <a:xfrm>
-            <a:off x="5405432" y="202219"/>
-            <a:ext cx="4415404" cy="1015663"/>
-          </a:xfrm>
-          <a:prstGeom prst="rect">
-            <a:avLst/>
-          </a:prstGeom>
-          <a:noFill/>
-          <a:ln>
-            <a:noFill/>
-          </a:ln>
-        </p:spPr>
-        <p:txBody>
-          <a:bodyPr wrap="square">
-            <a:spAutoFit/>
-          </a:bodyPr>
-          <a:lstStyle/>
-          <a:p>
-            <a:r>
-              <a:rPr lang="en-US" altLang="ko-KR" sz="2000" dirty="0"/>
-              <a:t>Total area of the rooftop : 3,300 (m</a:t>
-            </a:r>
-            <a:r>
-              <a:rPr lang="en-US" altLang="ko-KR" sz="2000" baseline="30000" dirty="0"/>
-              <a:t>2</a:t>
-            </a:r>
-            <a:r>
-              <a:rPr lang="en-US" altLang="ko-KR" sz="2000" dirty="0"/>
-              <a:t>)</a:t>
-            </a:r>
-          </a:p>
-          <a:p>
-            <a:r>
-              <a:rPr lang="en-US" altLang="ko-KR" sz="2000" dirty="0"/>
-              <a:t>PV installation area : 2,100 (m</a:t>
-            </a:r>
-            <a:r>
-              <a:rPr lang="en-US" altLang="ko-KR" sz="2000" baseline="30000" dirty="0"/>
-              <a:t>2</a:t>
-            </a:r>
-            <a:r>
-              <a:rPr lang="en-US" altLang="ko-KR" sz="2000" dirty="0"/>
-              <a:t>)</a:t>
-            </a:r>
-          </a:p>
-          <a:p>
-            <a:r>
-              <a:rPr lang="en-US" altLang="ko-KR" sz="2000" dirty="0"/>
-              <a:t>PV capacity : 348 (kW)</a:t>
-            </a:r>
-            <a:endParaRPr lang="ko-KR" altLang="en-US" sz="2000" dirty="0"/>
-          </a:p>
-        </p:txBody>
-      </p:sp>
-    </p:spTree>
-    <p:extLst>
-      <p:ext uri="{BB962C8B-B14F-4D97-AF65-F5344CB8AC3E}">
-        <p14:creationId xmlns:p14="http://schemas.microsoft.com/office/powerpoint/2010/main" val="4226081907"/>
-      </p:ext>
-    </p:extLst>
-  </p:cSld>
-  <p:clrMapOvr>
-    <a:masterClrMapping/>
-  </p:clrMapOvr>
-</p:sld>
-</file>
-
-<file path=ppt/slides/slide5.xml><?xml version="1.0" encoding="utf-8"?>
-<p:sld xmlns:a="http://schemas.openxmlformats.org/drawingml/2006/main" xmlns:r="http://schemas.openxmlformats.org/officeDocument/2006/relationships" xmlns:p="http://schemas.openxmlformats.org/presentationml/2006/main">
-  <p:cSld>
-    <p:spTree>
-      <p:nvGrpSpPr>
-        <p:cNvPr id="1" name=""/>
-        <p:cNvGrpSpPr/>
-        <p:nvPr/>
-      </p:nvGrpSpPr>
-      <p:grpSpPr>
-        <a:xfrm>
-          <a:off x="0" y="0"/>
-          <a:ext cx="0" cy="0"/>
-          <a:chOff x="0" y="0"/>
-          <a:chExt cx="0" cy="0"/>
-        </a:xfrm>
-      </p:grpSpPr>
-      <p:sp>
-        <p:nvSpPr>
-          <p:cNvPr id="107" name="직사각형 106">
-            <a:extLst>
-              <a:ext uri="{FF2B5EF4-FFF2-40B4-BE49-F238E27FC236}">
-                <a16:creationId xmlns:a16="http://schemas.microsoft.com/office/drawing/2014/main" id="{95E750C0-9C54-D301-6E4B-119DC130090E}"/>
-              </a:ext>
-            </a:extLst>
-          </p:cNvPr>
-          <p:cNvSpPr/>
-          <p:nvPr/>
-        </p:nvSpPr>
-        <p:spPr>
-          <a:xfrm>
-            <a:off x="829927" y="-842546"/>
-            <a:ext cx="9151011" cy="8259346"/>
-          </a:xfrm>
-          <a:prstGeom prst="rect">
-            <a:avLst/>
-          </a:prstGeom>
-          <a:solidFill>
-            <a:schemeClr val="bg1"/>
-          </a:solidFill>
-          <a:ln>
-            <a:solidFill>
-              <a:schemeClr val="tx1"/>
-            </a:solidFill>
-          </a:ln>
-        </p:spPr>
-        <p:style>
-          <a:lnRef idx="2">
-            <a:schemeClr val="accent1">
-              <a:shade val="15000"/>
-            </a:schemeClr>
-          </a:lnRef>
-          <a:fillRef idx="1">
-            <a:schemeClr val="accent1"/>
-          </a:fillRef>
-          <a:effectRef idx="0">
-            <a:schemeClr val="accent1"/>
-          </a:effectRef>
-          <a:fontRef idx="minor">
-            <a:schemeClr val="lt1"/>
-          </a:fontRef>
-        </p:style>
-        <p:txBody>
-          <a:bodyPr rtlCol="0" anchor="ctr"/>
-          <a:lstStyle/>
-          <a:p>
-            <a:pPr algn="ctr"/>
-            <a:endParaRPr lang="ko-KR" altLang="en-US"/>
-          </a:p>
-        </p:txBody>
-      </p:sp>
-      <p:sp>
-        <p:nvSpPr>
-          <p:cNvPr id="66" name="자유형: 도형 65">
-            <a:extLst>
-              <a:ext uri="{FF2B5EF4-FFF2-40B4-BE49-F238E27FC236}">
-                <a16:creationId xmlns:a16="http://schemas.microsoft.com/office/drawing/2014/main" id="{E20B321A-6B16-C9DE-CBD0-24DEA1B35394}"/>
-              </a:ext>
-            </a:extLst>
-          </p:cNvPr>
-          <p:cNvSpPr/>
-          <p:nvPr/>
-        </p:nvSpPr>
-        <p:spPr>
-          <a:xfrm>
-            <a:off x="1377844" y="5637609"/>
-            <a:ext cx="2203450" cy="1622425"/>
-          </a:xfrm>
-          <a:custGeom>
-            <a:avLst/>
-            <a:gdLst>
-              <a:gd name="connsiteX0" fmla="*/ 288925 w 2203450"/>
-              <a:gd name="connsiteY0" fmla="*/ 1622425 h 1622425"/>
-              <a:gd name="connsiteX1" fmla="*/ 793750 w 2203450"/>
-              <a:gd name="connsiteY1" fmla="*/ 1492250 h 1622425"/>
-              <a:gd name="connsiteX2" fmla="*/ 654050 w 2203450"/>
-              <a:gd name="connsiteY2" fmla="*/ 1009650 h 1622425"/>
-              <a:gd name="connsiteX3" fmla="*/ 787400 w 2203450"/>
-              <a:gd name="connsiteY3" fmla="*/ 977900 h 1622425"/>
-              <a:gd name="connsiteX4" fmla="*/ 736600 w 2203450"/>
-              <a:gd name="connsiteY4" fmla="*/ 787400 h 1622425"/>
-              <a:gd name="connsiteX5" fmla="*/ 2203450 w 2203450"/>
-              <a:gd name="connsiteY5" fmla="*/ 425450 h 1622425"/>
-              <a:gd name="connsiteX6" fmla="*/ 2095500 w 2203450"/>
-              <a:gd name="connsiteY6" fmla="*/ 0 h 1622425"/>
-              <a:gd name="connsiteX7" fmla="*/ 0 w 2203450"/>
-              <a:gd name="connsiteY7" fmla="*/ 476250 h 1622425"/>
-              <a:gd name="connsiteX8" fmla="*/ 288925 w 2203450"/>
-              <a:gd name="connsiteY8" fmla="*/ 1622425 h 1622425"/>
-            </a:gdLst>
-            <a:ahLst/>
-            <a:cxnLst>
-              <a:cxn ang="0">
-                <a:pos x="connsiteX0" y="connsiteY0"/>
-              </a:cxn>
-              <a:cxn ang="0">
-                <a:pos x="connsiteX1" y="connsiteY1"/>
-              </a:cxn>
-              <a:cxn ang="0">
-                <a:pos x="connsiteX2" y="connsiteY2"/>
-              </a:cxn>
-              <a:cxn ang="0">
-                <a:pos x="connsiteX3" y="connsiteY3"/>
-              </a:cxn>
-              <a:cxn ang="0">
-                <a:pos x="connsiteX4" y="connsiteY4"/>
-              </a:cxn>
-              <a:cxn ang="0">
-                <a:pos x="connsiteX5" y="connsiteY5"/>
-              </a:cxn>
-              <a:cxn ang="0">
-                <a:pos x="connsiteX6" y="connsiteY6"/>
-              </a:cxn>
-              <a:cxn ang="0">
-                <a:pos x="connsiteX7" y="connsiteY7"/>
-              </a:cxn>
-              <a:cxn ang="0">
-                <a:pos x="connsiteX8" y="connsiteY8"/>
-              </a:cxn>
-            </a:cxnLst>
-            <a:rect l="l" t="t" r="r" b="b"/>
-            <a:pathLst>
-              <a:path w="2203450" h="1622425">
-                <a:moveTo>
-                  <a:pt x="288925" y="1622425"/>
-                </a:moveTo>
-                <a:lnTo>
-                  <a:pt x="793750" y="1492250"/>
-                </a:lnTo>
-                <a:lnTo>
-                  <a:pt x="654050" y="1009650"/>
-                </a:lnTo>
-                <a:lnTo>
-                  <a:pt x="787400" y="977900"/>
-                </a:lnTo>
-                <a:lnTo>
-                  <a:pt x="736600" y="787400"/>
-                </a:lnTo>
-                <a:lnTo>
-                  <a:pt x="2203450" y="425450"/>
-                </a:lnTo>
-                <a:lnTo>
-                  <a:pt x="2095500" y="0"/>
-                </a:lnTo>
-                <a:lnTo>
-                  <a:pt x="0" y="476250"/>
-                </a:lnTo>
-                <a:lnTo>
-                  <a:pt x="288925" y="1622425"/>
-                </a:lnTo>
-                <a:close/>
-              </a:path>
-            </a:pathLst>
-          </a:custGeom>
-          <a:solidFill>
-            <a:schemeClr val="accent1">
-              <a:alpha val="0"/>
-            </a:schemeClr>
-          </a:solidFill>
-          <a:ln>
-            <a:prstDash val="sysDot"/>
-          </a:ln>
-        </p:spPr>
-        <p:style>
-          <a:lnRef idx="2">
-            <a:schemeClr val="accent1">
-              <a:shade val="15000"/>
-            </a:schemeClr>
-          </a:lnRef>
-          <a:fillRef idx="1">
-            <a:schemeClr val="accent1"/>
-          </a:fillRef>
-          <a:effectRef idx="0">
-            <a:schemeClr val="accent1"/>
-          </a:effectRef>
-          <a:fontRef idx="minor">
-            <a:schemeClr val="lt1"/>
-          </a:fontRef>
-        </p:style>
-        <p:txBody>
-          <a:bodyPr rtlCol="0" anchor="ctr"/>
-          <a:lstStyle/>
-          <a:p>
-            <a:pPr algn="ctr"/>
-            <a:endParaRPr lang="ko-KR" altLang="en-US" dirty="0"/>
-          </a:p>
-        </p:txBody>
-      </p:sp>
-      <p:sp>
-        <p:nvSpPr>
-          <p:cNvPr id="5" name="자유형: 도형 4">
-            <a:extLst>
-              <a:ext uri="{FF2B5EF4-FFF2-40B4-BE49-F238E27FC236}">
-                <a16:creationId xmlns:a16="http://schemas.microsoft.com/office/drawing/2014/main" id="{A38DDB3A-5DC2-BC3F-7222-999FFE805B8B}"/>
-              </a:ext>
-            </a:extLst>
-          </p:cNvPr>
-          <p:cNvSpPr/>
-          <p:nvPr/>
-        </p:nvSpPr>
-        <p:spPr>
-          <a:xfrm>
-            <a:off x="1367805" y="2702652"/>
+            <a:off x="1367805" y="-686936"/>
             <a:ext cx="2203450" cy="1622425"/>
           </a:xfrm>
           <a:custGeom>
@@ -25397,10 +25167,49 @@
       </p:sp>
       <p:sp>
         <p:nvSpPr>
-          <p:cNvPr id="6" name="자유형: 도형 5">
-            <a:extLst>
-              <a:ext uri="{FF2B5EF4-FFF2-40B4-BE49-F238E27FC236}">
-                <a16:creationId xmlns:a16="http://schemas.microsoft.com/office/drawing/2014/main" id="{8B421901-AF6F-717E-8632-15FD1E8D4E73}"/>
+          <p:cNvPr id="39" name="TextBox 38">
+            <a:extLst>
+              <a:ext uri="{FF2B5EF4-FFF2-40B4-BE49-F238E27FC236}">
+                <a16:creationId xmlns:a16="http://schemas.microsoft.com/office/drawing/2014/main" id="{BBC8C497-A898-10B3-1099-496E690FC34A}"/>
+              </a:ext>
+            </a:extLst>
+          </p:cNvPr>
+          <p:cNvSpPr txBox="1"/>
+          <p:nvPr/>
+        </p:nvSpPr>
+        <p:spPr>
+          <a:xfrm flipV="1">
+            <a:off x="5489370" y="23956"/>
+            <a:ext cx="494127" cy="646331"/>
+          </a:xfrm>
+          <a:prstGeom prst="rect">
+            <a:avLst/>
+          </a:prstGeom>
+          <a:noFill/>
+          <a:ln>
+            <a:noFill/>
+          </a:ln>
+        </p:spPr>
+        <p:txBody>
+          <a:bodyPr wrap="square">
+            <a:spAutoFit/>
+          </a:bodyPr>
+          <a:lstStyle/>
+          <a:p>
+            <a:r>
+              <a:rPr lang="en-US" altLang="ko-KR" sz="3600" b="1" dirty="0"/>
+              <a:t>=</a:t>
+            </a:r>
+            <a:endParaRPr lang="ko-KR" altLang="en-US" sz="3600" b="1" dirty="0"/>
+          </a:p>
+        </p:txBody>
+      </p:sp>
+      <p:sp>
+        <p:nvSpPr>
+          <p:cNvPr id="41" name="그래픽 7">
+            <a:extLst>
+              <a:ext uri="{FF2B5EF4-FFF2-40B4-BE49-F238E27FC236}">
+                <a16:creationId xmlns:a16="http://schemas.microsoft.com/office/drawing/2014/main" id="{911D24C8-122A-DD79-E6F4-DDB7E3523E73}"/>
               </a:ext>
             </a:extLst>
           </p:cNvPr>
@@ -25409,26 +25218,44 @@
         </p:nvSpPr>
         <p:spPr>
           <a:xfrm>
-            <a:off x="1899835" y="2714273"/>
-            <a:ext cx="1647825" cy="723900"/>
+            <a:off x="3636064" y="-271076"/>
+            <a:ext cx="619558" cy="1171575"/>
           </a:xfrm>
           <a:custGeom>
             <a:avLst/>
             <a:gdLst>
-              <a:gd name="connsiteX0" fmla="*/ 0 w 1647825"/>
-              <a:gd name="connsiteY0" fmla="*/ 361950 h 723900"/>
-              <a:gd name="connsiteX1" fmla="*/ 57150 w 1647825"/>
-              <a:gd name="connsiteY1" fmla="*/ 633413 h 723900"/>
-              <a:gd name="connsiteX2" fmla="*/ 219075 w 1647825"/>
-              <a:gd name="connsiteY2" fmla="*/ 590550 h 723900"/>
-              <a:gd name="connsiteX3" fmla="*/ 257175 w 1647825"/>
-              <a:gd name="connsiteY3" fmla="*/ 723900 h 723900"/>
-              <a:gd name="connsiteX4" fmla="*/ 1647825 w 1647825"/>
-              <a:gd name="connsiteY4" fmla="*/ 371475 h 723900"/>
-              <a:gd name="connsiteX5" fmla="*/ 1562100 w 1647825"/>
-              <a:gd name="connsiteY5" fmla="*/ 0 h 723900"/>
-              <a:gd name="connsiteX6" fmla="*/ 0 w 1647825"/>
-              <a:gd name="connsiteY6" fmla="*/ 361950 h 723900"/>
+              <a:gd name="connsiteX0" fmla="*/ 394121 w 943350"/>
+              <a:gd name="connsiteY0" fmla="*/ 443627 h 703373"/>
+              <a:gd name="connsiteX1" fmla="*/ 671655 w 943350"/>
+              <a:gd name="connsiteY1" fmla="*/ 443627 h 703373"/>
+              <a:gd name="connsiteX2" fmla="*/ 687300 w 943350"/>
+              <a:gd name="connsiteY2" fmla="*/ 459272 h 703373"/>
+              <a:gd name="connsiteX3" fmla="*/ 687300 w 943350"/>
+              <a:gd name="connsiteY3" fmla="*/ 515636 h 703373"/>
+              <a:gd name="connsiteX4" fmla="*/ 722019 w 943350"/>
+              <a:gd name="connsiteY4" fmla="*/ 531495 h 703373"/>
+              <a:gd name="connsiteX5" fmla="*/ 937403 w 943350"/>
+              <a:gd name="connsiteY5" fmla="*/ 345900 h 703373"/>
+              <a:gd name="connsiteX6" fmla="*/ 937403 w 943350"/>
+              <a:gd name="connsiteY6" fmla="*/ 319540 h 703373"/>
+              <a:gd name="connsiteX7" fmla="*/ 722019 w 943350"/>
+              <a:gd name="connsiteY7" fmla="*/ 134160 h 703373"/>
+              <a:gd name="connsiteX8" fmla="*/ 687300 w 943350"/>
+              <a:gd name="connsiteY8" fmla="*/ 150019 h 703373"/>
+              <a:gd name="connsiteX9" fmla="*/ 687300 w 943350"/>
+              <a:gd name="connsiteY9" fmla="*/ 206383 h 703373"/>
+              <a:gd name="connsiteX10" fmla="*/ 671655 w 943350"/>
+              <a:gd name="connsiteY10" fmla="*/ 222028 h 703373"/>
+              <a:gd name="connsiteX11" fmla="*/ 394121 w 943350"/>
+              <a:gd name="connsiteY11" fmla="*/ 222028 h 703373"/>
+              <a:gd name="connsiteX12" fmla="*/ 0 w 943350"/>
+              <a:gd name="connsiteY12" fmla="*/ 0 h 703373"/>
+              <a:gd name="connsiteX13" fmla="*/ 0 w 943350"/>
+              <a:gd name="connsiteY13" fmla="*/ 332827 h 703373"/>
+              <a:gd name="connsiteX14" fmla="*/ 0 w 943350"/>
+              <a:gd name="connsiteY14" fmla="*/ 703373 h 703373"/>
+              <a:gd name="connsiteX15" fmla="*/ 394121 w 943350"/>
+              <a:gd name="connsiteY15" fmla="*/ 443627 h 703373"/>
             </a:gdLst>
             <a:ahLst/>
             <a:cxnLst>
@@ -25453,380 +25280,294 @@
               <a:cxn ang="0">
                 <a:pos x="connsiteX6" y="connsiteY6"/>
               </a:cxn>
+              <a:cxn ang="0">
+                <a:pos x="connsiteX7" y="connsiteY7"/>
+              </a:cxn>
+              <a:cxn ang="0">
+                <a:pos x="connsiteX8" y="connsiteY8"/>
+              </a:cxn>
+              <a:cxn ang="0">
+                <a:pos x="connsiteX9" y="connsiteY9"/>
+              </a:cxn>
+              <a:cxn ang="0">
+                <a:pos x="connsiteX10" y="connsiteY10"/>
+              </a:cxn>
+              <a:cxn ang="0">
+                <a:pos x="connsiteX11" y="connsiteY11"/>
+              </a:cxn>
+              <a:cxn ang="0">
+                <a:pos x="connsiteX12" y="connsiteY12"/>
+              </a:cxn>
+              <a:cxn ang="0">
+                <a:pos x="connsiteX13" y="connsiteY13"/>
+              </a:cxn>
+              <a:cxn ang="0">
+                <a:pos x="connsiteX14" y="connsiteY14"/>
+              </a:cxn>
+              <a:cxn ang="0">
+                <a:pos x="connsiteX15" y="connsiteY15"/>
+              </a:cxn>
             </a:cxnLst>
             <a:rect l="l" t="t" r="r" b="b"/>
             <a:pathLst>
-              <a:path w="1647825" h="723900">
+              <a:path w="943350" h="703373">
                 <a:moveTo>
-                  <a:pt x="0" y="361950"/>
+                  <a:pt x="394121" y="443627"/>
                 </a:moveTo>
                 <a:lnTo>
-                  <a:pt x="57150" y="633413"/>
+                  <a:pt x="671655" y="443627"/>
                 </a:lnTo>
+                <a:cubicBezTo>
+                  <a:pt x="680228" y="443627"/>
+                  <a:pt x="687300" y="450699"/>
+                  <a:pt x="687300" y="459272"/>
+                </a:cubicBezTo>
                 <a:lnTo>
-                  <a:pt x="219075" y="590550"/>
+                  <a:pt x="687300" y="515636"/>
                 </a:lnTo>
+                <a:cubicBezTo>
+                  <a:pt x="687300" y="533638"/>
+                  <a:pt x="708303" y="543282"/>
+                  <a:pt x="722019" y="531495"/>
+                </a:cubicBezTo>
                 <a:lnTo>
-                  <a:pt x="257175" y="723900"/>
+                  <a:pt x="937403" y="345900"/>
                 </a:lnTo>
+                <a:cubicBezTo>
+                  <a:pt x="945332" y="339042"/>
+                  <a:pt x="945332" y="326612"/>
+                  <a:pt x="937403" y="319540"/>
+                </a:cubicBezTo>
                 <a:lnTo>
-                  <a:pt x="1647825" y="371475"/>
+                  <a:pt x="722019" y="134160"/>
                 </a:lnTo>
+                <a:cubicBezTo>
+                  <a:pt x="708303" y="122372"/>
+                  <a:pt x="687300" y="132016"/>
+                  <a:pt x="687300" y="150019"/>
+                </a:cubicBezTo>
                 <a:lnTo>
-                  <a:pt x="1562100" y="0"/>
+                  <a:pt x="687300" y="206383"/>
                 </a:lnTo>
+                <a:cubicBezTo>
+                  <a:pt x="687300" y="214955"/>
+                  <a:pt x="680228" y="222028"/>
+                  <a:pt x="671655" y="222028"/>
+                </a:cubicBezTo>
                 <a:lnTo>
-                  <a:pt x="0" y="361950"/>
+                  <a:pt x="394121" y="222028"/>
                 </a:lnTo>
+                <a:cubicBezTo>
+                  <a:pt x="186238" y="222242"/>
+                  <a:pt x="0" y="0"/>
+                  <a:pt x="0" y="0"/>
+                </a:cubicBezTo>
+                <a:cubicBezTo>
+                  <a:pt x="0" y="0"/>
+                  <a:pt x="0" y="189024"/>
+                  <a:pt x="0" y="332827"/>
+                </a:cubicBezTo>
+                <a:cubicBezTo>
+                  <a:pt x="0" y="476845"/>
+                  <a:pt x="0" y="703373"/>
+                  <a:pt x="0" y="703373"/>
+                </a:cubicBezTo>
+                <a:cubicBezTo>
+                  <a:pt x="0" y="703373"/>
+                  <a:pt x="171879" y="443627"/>
+                  <a:pt x="394121" y="443627"/>
+                </a:cubicBezTo>
                 <a:close/>
               </a:path>
             </a:pathLst>
           </a:custGeom>
-          <a:solidFill>
-            <a:srgbClr val="FFE699"/>
-          </a:solidFill>
-        </p:spPr>
-        <p:style>
-          <a:lnRef idx="2">
-            <a:schemeClr val="accent1">
-              <a:shade val="15000"/>
-            </a:schemeClr>
-          </a:lnRef>
-          <a:fillRef idx="1">
-            <a:schemeClr val="accent1"/>
-          </a:fillRef>
-          <a:effectRef idx="0">
-            <a:schemeClr val="accent1"/>
-          </a:effectRef>
-          <a:fontRef idx="minor">
-            <a:schemeClr val="lt1"/>
-          </a:fontRef>
-        </p:style>
+          <a:gradFill flip="none" rotWithShape="1">
+            <a:gsLst>
+              <a:gs pos="0">
+                <a:schemeClr val="bg1">
+                  <a:lumMod val="75000"/>
+                  <a:alpha val="0"/>
+                </a:schemeClr>
+              </a:gs>
+              <a:gs pos="100000">
+                <a:schemeClr val="bg1">
+                  <a:lumMod val="75000"/>
+                </a:schemeClr>
+              </a:gs>
+            </a:gsLst>
+            <a:lin ang="0" scaled="1"/>
+            <a:tileRect/>
+          </a:gradFill>
+          <a:ln w="21431" cap="flat">
+            <a:noFill/>
+            <a:prstDash val="solid"/>
+            <a:miter/>
+          </a:ln>
+        </p:spPr>
         <p:txBody>
           <a:bodyPr rtlCol="0" anchor="ctr"/>
           <a:lstStyle/>
           <a:p>
-            <a:pPr algn="ctr"/>
-            <a:endParaRPr lang="ko-KR" altLang="en-US"/>
+            <a:endParaRPr lang="ko-KR" altLang="en-US" spc="-60">
+              <a:latin typeface="경기천년제목 Medium" panose="02020603020101020101" pitchFamily="18" charset="-127"/>
+              <a:ea typeface="경기천년제목 Medium" panose="02020603020101020101" pitchFamily="18" charset="-127"/>
+            </a:endParaRPr>
           </a:p>
         </p:txBody>
       </p:sp>
+      <mc:AlternateContent xmlns:mc="http://schemas.openxmlformats.org/markup-compatibility/2006">
+        <mc:Choice xmlns:a14="http://schemas.microsoft.com/office/drawing/2010/main" Requires="a14">
+          <p:sp>
+            <p:nvSpPr>
+              <p:cNvPr id="43" name="TextBox 42">
+                <a:extLst>
+                  <a:ext uri="{FF2B5EF4-FFF2-40B4-BE49-F238E27FC236}">
+                    <a16:creationId xmlns:a16="http://schemas.microsoft.com/office/drawing/2014/main" id="{B9975479-B177-3A11-0566-B0F919BA0568}"/>
+                  </a:ext>
+                </a:extLst>
+              </p:cNvPr>
+              <p:cNvSpPr txBox="1"/>
+              <p:nvPr/>
+            </p:nvSpPr>
+            <p:spPr>
+              <a:xfrm>
+                <a:off x="4384186" y="-62161"/>
+                <a:ext cx="1063169" cy="631391"/>
+              </a:xfrm>
+              <a:prstGeom prst="rect">
+                <a:avLst/>
+              </a:prstGeom>
+              <a:noFill/>
+            </p:spPr>
+            <p:txBody>
+              <a:bodyPr wrap="square">
+                <a:spAutoFit/>
+              </a:bodyPr>
+              <a:lstStyle/>
+              <a:p>
+                <a:pPr/>
+                <a14:m>
+                  <m:oMathPara xmlns:m="http://schemas.openxmlformats.org/officeDocument/2006/math">
+                    <m:oMathParaPr>
+                      <m:jc m:val="centerGroup"/>
+                    </m:oMathParaPr>
+                    <m:oMath xmlns:m="http://schemas.openxmlformats.org/officeDocument/2006/math">
+                      <m:sSub>
+                        <m:sSubPr>
+                          <m:ctrlPr>
+                            <a:rPr lang="ko-KR" altLang="en-US" sz="3200" i="1" smtClean="0">
+                              <a:solidFill>
+                                <a:srgbClr val="836967"/>
+                              </a:solidFill>
+                            </a:rPr>
+                          </m:ctrlPr>
+                        </m:sSubPr>
+                        <m:e>
+                          <m:r>
+                            <a:rPr lang="ko-KR" altLang="en-US" sz="3200" i="1"/>
+                            <m:t>𝑎</m:t>
+                          </m:r>
+                        </m:e>
+                        <m:sub>
+                          <m:r>
+                            <a:rPr lang="ko-KR" altLang="en-US" sz="3200" i="1"/>
+                            <m:t>𝑖</m:t>
+                          </m:r>
+                          <m:r>
+                            <a:rPr lang="ko-KR" altLang="en-US" sz="3200" i="0"/>
+                            <m:t>,</m:t>
+                          </m:r>
+                          <m:r>
+                            <a:rPr lang="ko-KR" altLang="en-US" sz="3200" i="1"/>
+                            <m:t>𝑗</m:t>
+                          </m:r>
+                          <m:r>
+                            <a:rPr lang="ko-KR" altLang="en-US" sz="3200" i="0"/>
+                            <m:t>,</m:t>
+                          </m:r>
+                          <m:r>
+                            <a:rPr lang="ko-KR" altLang="en-US" sz="3200" i="1"/>
+                            <m:t>𝑘</m:t>
+                          </m:r>
+                          <m:r>
+                            <a:rPr lang="ko-KR" altLang="en-US" sz="3200" i="0"/>
+                            <m:t>,</m:t>
+                          </m:r>
+                          <m:r>
+                            <a:rPr lang="ko-KR" altLang="en-US" sz="3200" i="1"/>
+                            <m:t>𝑙</m:t>
+                          </m:r>
+                        </m:sub>
+                      </m:sSub>
+                    </m:oMath>
+                  </m:oMathPara>
+                </a14:m>
+                <a:endParaRPr lang="ko-KR" altLang="en-US" sz="3200" dirty="0"/>
+              </a:p>
+            </p:txBody>
+          </p:sp>
+        </mc:Choice>
+        <mc:Fallback>
+          <p:sp>
+            <p:nvSpPr>
+              <p:cNvPr id="43" name="TextBox 42">
+                <a:extLst>
+                  <a:ext uri="{FF2B5EF4-FFF2-40B4-BE49-F238E27FC236}">
+                    <a16:creationId xmlns:a16="http://schemas.microsoft.com/office/drawing/2014/main" id="{B9975479-B177-3A11-0566-B0F919BA0568}"/>
+                  </a:ext>
+                </a:extLst>
+              </p:cNvPr>
+              <p:cNvSpPr txBox="1">
+                <a:spLocks noRot="1" noChangeAspect="1" noMove="1" noResize="1" noEditPoints="1" noAdjustHandles="1" noChangeArrowheads="1" noChangeShapeType="1" noTextEdit="1"/>
+              </p:cNvSpPr>
+              <p:nvPr/>
+            </p:nvSpPr>
+            <p:spPr>
+              <a:xfrm>
+                <a:off x="4384186" y="-62161"/>
+                <a:ext cx="1063169" cy="631391"/>
+              </a:xfrm>
+              <a:prstGeom prst="rect">
+                <a:avLst/>
+              </a:prstGeom>
+              <a:blipFill>
+                <a:blip r:embed="rId8"/>
+                <a:stretch>
+                  <a:fillRect/>
+                </a:stretch>
+              </a:blipFill>
+            </p:spPr>
+            <p:txBody>
+              <a:bodyPr/>
+              <a:lstStyle/>
+              <a:p>
+                <a:r>
+                  <a:rPr lang="ko-KR" altLang="en-US">
+                    <a:noFill/>
+                  </a:rPr>
+                  <a:t> </a:t>
+                </a:r>
+              </a:p>
+            </p:txBody>
+          </p:sp>
+        </mc:Fallback>
+      </mc:AlternateContent>
       <p:sp>
         <p:nvSpPr>
-          <p:cNvPr id="7" name="자유형: 도형 6">
-            <a:extLst>
-              <a:ext uri="{FF2B5EF4-FFF2-40B4-BE49-F238E27FC236}">
-                <a16:creationId xmlns:a16="http://schemas.microsoft.com/office/drawing/2014/main" id="{B7B1B81C-3971-810E-C64B-F17AEA80E9CC}"/>
-              </a:ext>
-            </a:extLst>
-          </p:cNvPr>
-          <p:cNvSpPr/>
+          <p:cNvPr id="45" name="TextBox 44">
+            <a:extLst>
+              <a:ext uri="{FF2B5EF4-FFF2-40B4-BE49-F238E27FC236}">
+                <a16:creationId xmlns:a16="http://schemas.microsoft.com/office/drawing/2014/main" id="{623023A7-0D3C-63A1-B8F6-5D79CC4F425F}"/>
+              </a:ext>
+            </a:extLst>
+          </p:cNvPr>
+          <p:cNvSpPr txBox="1"/>
           <p:nvPr/>
         </p:nvSpPr>
         <p:spPr>
           <a:xfrm>
-            <a:off x="1418823" y="3228669"/>
-            <a:ext cx="433387" cy="252413"/>
-          </a:xfrm>
-          <a:custGeom>
-            <a:avLst/>
-            <a:gdLst>
-              <a:gd name="connsiteX0" fmla="*/ 0 w 433387"/>
-              <a:gd name="connsiteY0" fmla="*/ 100013 h 252413"/>
-              <a:gd name="connsiteX1" fmla="*/ 390525 w 433387"/>
-              <a:gd name="connsiteY1" fmla="*/ 0 h 252413"/>
-              <a:gd name="connsiteX2" fmla="*/ 433387 w 433387"/>
-              <a:gd name="connsiteY2" fmla="*/ 157163 h 252413"/>
-              <a:gd name="connsiteX3" fmla="*/ 33337 w 433387"/>
-              <a:gd name="connsiteY3" fmla="*/ 252413 h 252413"/>
-              <a:gd name="connsiteX4" fmla="*/ 0 w 433387"/>
-              <a:gd name="connsiteY4" fmla="*/ 100013 h 252413"/>
-            </a:gdLst>
-            <a:ahLst/>
-            <a:cxnLst>
-              <a:cxn ang="0">
-                <a:pos x="connsiteX0" y="connsiteY0"/>
-              </a:cxn>
-              <a:cxn ang="0">
-                <a:pos x="connsiteX1" y="connsiteY1"/>
-              </a:cxn>
-              <a:cxn ang="0">
-                <a:pos x="connsiteX2" y="connsiteY2"/>
-              </a:cxn>
-              <a:cxn ang="0">
-                <a:pos x="connsiteX3" y="connsiteY3"/>
-              </a:cxn>
-              <a:cxn ang="0">
-                <a:pos x="connsiteX4" y="connsiteY4"/>
-              </a:cxn>
-            </a:cxnLst>
-            <a:rect l="l" t="t" r="r" b="b"/>
-            <a:pathLst>
-              <a:path w="433387" h="252413">
-                <a:moveTo>
-                  <a:pt x="0" y="100013"/>
-                </a:moveTo>
-                <a:lnTo>
-                  <a:pt x="390525" y="0"/>
-                </a:lnTo>
-                <a:lnTo>
-                  <a:pt x="433387" y="157163"/>
-                </a:lnTo>
-                <a:lnTo>
-                  <a:pt x="33337" y="252413"/>
-                </a:lnTo>
-                <a:lnTo>
-                  <a:pt x="0" y="100013"/>
-                </a:lnTo>
-                <a:close/>
-              </a:path>
-            </a:pathLst>
-          </a:custGeom>
-          <a:solidFill>
-            <a:srgbClr val="FFE699"/>
-          </a:solidFill>
-        </p:spPr>
-        <p:style>
-          <a:lnRef idx="2">
-            <a:schemeClr val="accent1">
-              <a:shade val="15000"/>
-            </a:schemeClr>
-          </a:lnRef>
-          <a:fillRef idx="1">
-            <a:schemeClr val="accent1"/>
-          </a:fillRef>
-          <a:effectRef idx="0">
-            <a:schemeClr val="accent1"/>
-          </a:effectRef>
-          <a:fontRef idx="minor">
-            <a:schemeClr val="lt1"/>
-          </a:fontRef>
-        </p:style>
-        <p:txBody>
-          <a:bodyPr rtlCol="0" anchor="ctr"/>
-          <a:lstStyle/>
-          <a:p>
-            <a:pPr algn="ctr"/>
-            <a:endParaRPr lang="ko-KR" altLang="en-US"/>
-          </a:p>
-        </p:txBody>
-      </p:sp>
-      <p:sp>
-        <p:nvSpPr>
-          <p:cNvPr id="8" name="자유형: 도형 7">
-            <a:extLst>
-              <a:ext uri="{FF2B5EF4-FFF2-40B4-BE49-F238E27FC236}">
-                <a16:creationId xmlns:a16="http://schemas.microsoft.com/office/drawing/2014/main" id="{EAE701E5-17DF-8493-3E51-4CE8DE47F507}"/>
-              </a:ext>
-            </a:extLst>
-          </p:cNvPr>
-          <p:cNvSpPr/>
-          <p:nvPr/>
-        </p:nvSpPr>
-        <p:spPr>
-          <a:xfrm>
-            <a:off x="1475973" y="3490607"/>
-            <a:ext cx="423862" cy="252412"/>
-          </a:xfrm>
-          <a:custGeom>
-            <a:avLst/>
-            <a:gdLst>
-              <a:gd name="connsiteX0" fmla="*/ 42862 w 423862"/>
-              <a:gd name="connsiteY0" fmla="*/ 252412 h 252412"/>
-              <a:gd name="connsiteX1" fmla="*/ 0 w 423862"/>
-              <a:gd name="connsiteY1" fmla="*/ 95250 h 252412"/>
-              <a:gd name="connsiteX2" fmla="*/ 385762 w 423862"/>
-              <a:gd name="connsiteY2" fmla="*/ 0 h 252412"/>
-              <a:gd name="connsiteX3" fmla="*/ 423862 w 423862"/>
-              <a:gd name="connsiteY3" fmla="*/ 128587 h 252412"/>
-              <a:gd name="connsiteX4" fmla="*/ 42862 w 423862"/>
-              <a:gd name="connsiteY4" fmla="*/ 252412 h 252412"/>
-            </a:gdLst>
-            <a:ahLst/>
-            <a:cxnLst>
-              <a:cxn ang="0">
-                <a:pos x="connsiteX0" y="connsiteY0"/>
-              </a:cxn>
-              <a:cxn ang="0">
-                <a:pos x="connsiteX1" y="connsiteY1"/>
-              </a:cxn>
-              <a:cxn ang="0">
-                <a:pos x="connsiteX2" y="connsiteY2"/>
-              </a:cxn>
-              <a:cxn ang="0">
-                <a:pos x="connsiteX3" y="connsiteY3"/>
-              </a:cxn>
-              <a:cxn ang="0">
-                <a:pos x="connsiteX4" y="connsiteY4"/>
-              </a:cxn>
-            </a:cxnLst>
-            <a:rect l="l" t="t" r="r" b="b"/>
-            <a:pathLst>
-              <a:path w="423862" h="252412">
-                <a:moveTo>
-                  <a:pt x="42862" y="252412"/>
-                </a:moveTo>
-                <a:lnTo>
-                  <a:pt x="0" y="95250"/>
-                </a:lnTo>
-                <a:lnTo>
-                  <a:pt x="385762" y="0"/>
-                </a:lnTo>
-                <a:lnTo>
-                  <a:pt x="423862" y="128587"/>
-                </a:lnTo>
-                <a:lnTo>
-                  <a:pt x="42862" y="252412"/>
-                </a:lnTo>
-                <a:close/>
-              </a:path>
-            </a:pathLst>
-          </a:custGeom>
-          <a:solidFill>
-            <a:srgbClr val="FFE699"/>
-          </a:solidFill>
-        </p:spPr>
-        <p:style>
-          <a:lnRef idx="2">
-            <a:schemeClr val="accent1">
-              <a:shade val="15000"/>
-            </a:schemeClr>
-          </a:lnRef>
-          <a:fillRef idx="1">
-            <a:schemeClr val="accent1"/>
-          </a:fillRef>
-          <a:effectRef idx="0">
-            <a:schemeClr val="accent1"/>
-          </a:effectRef>
-          <a:fontRef idx="minor">
-            <a:schemeClr val="lt1"/>
-          </a:fontRef>
-        </p:style>
-        <p:txBody>
-          <a:bodyPr rtlCol="0" anchor="ctr"/>
-          <a:lstStyle/>
-          <a:p>
-            <a:pPr algn="ctr"/>
-            <a:endParaRPr lang="ko-KR" altLang="en-US"/>
-          </a:p>
-        </p:txBody>
-      </p:sp>
-      <p:sp>
-        <p:nvSpPr>
-          <p:cNvPr id="9" name="자유형: 도형 8">
-            <a:extLst>
-              <a:ext uri="{FF2B5EF4-FFF2-40B4-BE49-F238E27FC236}">
-                <a16:creationId xmlns:a16="http://schemas.microsoft.com/office/drawing/2014/main" id="{40212231-4F12-7577-5663-BA11310D4E26}"/>
-              </a:ext>
-            </a:extLst>
-          </p:cNvPr>
-          <p:cNvSpPr/>
-          <p:nvPr/>
-        </p:nvSpPr>
-        <p:spPr>
-          <a:xfrm>
-            <a:off x="1528360" y="3719207"/>
-            <a:ext cx="404813" cy="209550"/>
-          </a:xfrm>
-          <a:custGeom>
-            <a:avLst/>
-            <a:gdLst>
-              <a:gd name="connsiteX0" fmla="*/ 0 w 404813"/>
-              <a:gd name="connsiteY0" fmla="*/ 100012 h 209550"/>
-              <a:gd name="connsiteX1" fmla="*/ 385763 w 404813"/>
-              <a:gd name="connsiteY1" fmla="*/ 0 h 209550"/>
-              <a:gd name="connsiteX2" fmla="*/ 404813 w 404813"/>
-              <a:gd name="connsiteY2" fmla="*/ 114300 h 209550"/>
-              <a:gd name="connsiteX3" fmla="*/ 23813 w 404813"/>
-              <a:gd name="connsiteY3" fmla="*/ 209550 h 209550"/>
-              <a:gd name="connsiteX4" fmla="*/ 0 w 404813"/>
-              <a:gd name="connsiteY4" fmla="*/ 100012 h 209550"/>
-            </a:gdLst>
-            <a:ahLst/>
-            <a:cxnLst>
-              <a:cxn ang="0">
-                <a:pos x="connsiteX0" y="connsiteY0"/>
-              </a:cxn>
-              <a:cxn ang="0">
-                <a:pos x="connsiteX1" y="connsiteY1"/>
-              </a:cxn>
-              <a:cxn ang="0">
-                <a:pos x="connsiteX2" y="connsiteY2"/>
-              </a:cxn>
-              <a:cxn ang="0">
-                <a:pos x="connsiteX3" y="connsiteY3"/>
-              </a:cxn>
-              <a:cxn ang="0">
-                <a:pos x="connsiteX4" y="connsiteY4"/>
-              </a:cxn>
-            </a:cxnLst>
-            <a:rect l="l" t="t" r="r" b="b"/>
-            <a:pathLst>
-              <a:path w="404813" h="209550">
-                <a:moveTo>
-                  <a:pt x="0" y="100012"/>
-                </a:moveTo>
-                <a:lnTo>
-                  <a:pt x="385763" y="0"/>
-                </a:lnTo>
-                <a:lnTo>
-                  <a:pt x="404813" y="114300"/>
-                </a:lnTo>
-                <a:lnTo>
-                  <a:pt x="23813" y="209550"/>
-                </a:lnTo>
-                <a:lnTo>
-                  <a:pt x="0" y="100012"/>
-                </a:lnTo>
-                <a:close/>
-              </a:path>
-            </a:pathLst>
-          </a:custGeom>
-          <a:solidFill>
-            <a:srgbClr val="FFE699"/>
-          </a:solidFill>
-        </p:spPr>
-        <p:style>
-          <a:lnRef idx="2">
-            <a:schemeClr val="accent1">
-              <a:shade val="15000"/>
-            </a:schemeClr>
-          </a:lnRef>
-          <a:fillRef idx="1">
-            <a:schemeClr val="accent1"/>
-          </a:fillRef>
-          <a:effectRef idx="0">
-            <a:schemeClr val="accent1"/>
-          </a:effectRef>
-          <a:fontRef idx="minor">
-            <a:schemeClr val="lt1"/>
-          </a:fontRef>
-        </p:style>
-        <p:txBody>
-          <a:bodyPr rtlCol="0" anchor="ctr"/>
-          <a:lstStyle/>
-          <a:p>
-            <a:pPr algn="ctr"/>
-            <a:endParaRPr lang="ko-KR" altLang="en-US"/>
-          </a:p>
-        </p:txBody>
-      </p:sp>
-      <p:sp>
-        <p:nvSpPr>
-          <p:cNvPr id="10" name="TextBox 9">
-            <a:extLst>
-              <a:ext uri="{FF2B5EF4-FFF2-40B4-BE49-F238E27FC236}">
-                <a16:creationId xmlns:a16="http://schemas.microsoft.com/office/drawing/2014/main" id="{B40BC46A-329F-8974-D4D0-F32AA78AE81D}"/>
-              </a:ext>
-            </a:extLst>
-          </p:cNvPr>
-          <p:cNvSpPr txBox="1"/>
-          <p:nvPr/>
-        </p:nvSpPr>
-        <p:spPr>
-          <a:xfrm>
-            <a:off x="6254877" y="4158774"/>
-            <a:ext cx="1253599" cy="261610"/>
+            <a:off x="5862999" y="64074"/>
+            <a:ext cx="1511042" cy="430887"/>
           </a:xfrm>
           <a:prstGeom prst="rect">
             <a:avLst/>
@@ -25882,26 +25623,235 @@
           </a:lstStyle>
           <a:p>
             <a:r>
-              <a:rPr lang="en-US" altLang="ko-KR" sz="1700" dirty="0"/>
-              <a:t>= 3,300 (m</a:t>
-            </a:r>
-            <a:r>
-              <a:rPr lang="en-US" altLang="ko-KR" sz="1700" baseline="30000" dirty="0"/>
+              <a:rPr lang="en-US" altLang="ko-KR" sz="2800" dirty="0"/>
+              <a:t>3,300 </a:t>
+            </a:r>
+            <a:r>
+              <a:rPr lang="en-US" altLang="ko-KR" dirty="0"/>
+              <a:t>(m</a:t>
+            </a:r>
+            <a:r>
+              <a:rPr lang="en-US" altLang="ko-KR" baseline="30000" dirty="0"/>
               <a:t>2</a:t>
             </a:r>
             <a:r>
-              <a:rPr lang="en-US" altLang="ko-KR" sz="1700" dirty="0"/>
+              <a:rPr lang="en-US" altLang="ko-KR" dirty="0"/>
               <a:t>)</a:t>
             </a:r>
+          </a:p>
+        </p:txBody>
+      </p:sp>
+      <p:pic>
+        <p:nvPicPr>
+          <p:cNvPr id="46" name="그림 45">
+            <a:extLst>
+              <a:ext uri="{FF2B5EF4-FFF2-40B4-BE49-F238E27FC236}">
+                <a16:creationId xmlns:a16="http://schemas.microsoft.com/office/drawing/2014/main" id="{BBE29369-9863-DE25-E217-55F98DD2EE13}"/>
+              </a:ext>
+            </a:extLst>
+          </p:cNvPr>
+          <p:cNvPicPr>
+            <a:picLocks noChangeAspect="1"/>
+          </p:cNvPicPr>
+          <p:nvPr/>
+        </p:nvPicPr>
+        <p:blipFill>
+          <a:blip r:embed="rId9"/>
+          <a:stretch>
+            <a:fillRect/>
+          </a:stretch>
+        </p:blipFill>
+        <p:spPr>
+          <a:xfrm>
+            <a:off x="1346228" y="-4167859"/>
+            <a:ext cx="3763508" cy="2705640"/>
+          </a:xfrm>
+          <a:prstGeom prst="rect">
+            <a:avLst/>
+          </a:prstGeom>
+        </p:spPr>
+      </p:pic>
+      <p:sp>
+        <p:nvSpPr>
+          <p:cNvPr id="47" name="TextBox 46">
+            <a:extLst>
+              <a:ext uri="{FF2B5EF4-FFF2-40B4-BE49-F238E27FC236}">
+                <a16:creationId xmlns:a16="http://schemas.microsoft.com/office/drawing/2014/main" id="{1818589B-182A-FA9C-726E-4B65F608ECEE}"/>
+              </a:ext>
+            </a:extLst>
+          </p:cNvPr>
+          <p:cNvSpPr txBox="1"/>
+          <p:nvPr/>
+        </p:nvSpPr>
+        <p:spPr>
+          <a:xfrm>
+            <a:off x="885277" y="-4216622"/>
+            <a:ext cx="465973" cy="400110"/>
+          </a:xfrm>
+          <a:prstGeom prst="rect">
+            <a:avLst/>
+          </a:prstGeom>
+          <a:noFill/>
+          <a:ln>
+            <a:noFill/>
+          </a:ln>
+        </p:spPr>
+        <p:txBody>
+          <a:bodyPr wrap="square">
+            <a:spAutoFit/>
+          </a:bodyPr>
+          <a:lstStyle/>
+          <a:p>
+            <a:r>
+              <a:rPr lang="en-US" altLang="ko-KR" sz="2000" b="1" dirty="0"/>
+              <a:t>(a)</a:t>
+            </a:r>
+            <a:endParaRPr lang="ko-KR" altLang="en-US" sz="2000" b="1" dirty="0"/>
           </a:p>
         </p:txBody>
       </p:sp>
       <p:sp>
         <p:nvSpPr>
-          <p:cNvPr id="11" name="자유형: 도형 10">
-            <a:extLst>
-              <a:ext uri="{FF2B5EF4-FFF2-40B4-BE49-F238E27FC236}">
-                <a16:creationId xmlns:a16="http://schemas.microsoft.com/office/drawing/2014/main" id="{92D622AA-E34D-0FC4-F7BC-A52E034F20A1}"/>
+          <p:cNvPr id="48" name="TextBox 47">
+            <a:extLst>
+              <a:ext uri="{FF2B5EF4-FFF2-40B4-BE49-F238E27FC236}">
+                <a16:creationId xmlns:a16="http://schemas.microsoft.com/office/drawing/2014/main" id="{6FBA6AEC-4683-A412-DBD4-00B19DC9307B}"/>
+              </a:ext>
+            </a:extLst>
+          </p:cNvPr>
+          <p:cNvSpPr txBox="1"/>
+          <p:nvPr/>
+        </p:nvSpPr>
+        <p:spPr>
+          <a:xfrm>
+            <a:off x="5405432" y="-3328025"/>
+            <a:ext cx="4415404" cy="1015663"/>
+          </a:xfrm>
+          <a:prstGeom prst="rect">
+            <a:avLst/>
+          </a:prstGeom>
+          <a:noFill/>
+          <a:ln>
+            <a:noFill/>
+          </a:ln>
+        </p:spPr>
+        <p:txBody>
+          <a:bodyPr wrap="square">
+            <a:spAutoFit/>
+          </a:bodyPr>
+          <a:lstStyle/>
+          <a:p>
+            <a:r>
+              <a:rPr lang="en-US" altLang="ko-KR" sz="2000" dirty="0"/>
+              <a:t>Total area of the rooftop : 3,300 (m</a:t>
+            </a:r>
+            <a:r>
+              <a:rPr lang="en-US" altLang="ko-KR" sz="2000" baseline="30000" dirty="0"/>
+              <a:t>2</a:t>
+            </a:r>
+            <a:r>
+              <a:rPr lang="en-US" altLang="ko-KR" sz="2000" dirty="0"/>
+              <a:t>)</a:t>
+            </a:r>
+          </a:p>
+          <a:p>
+            <a:r>
+              <a:rPr lang="en-US" altLang="ko-KR" sz="2000" dirty="0"/>
+              <a:t>PV installation area : 2,100 (m</a:t>
+            </a:r>
+            <a:r>
+              <a:rPr lang="en-US" altLang="ko-KR" sz="2000" baseline="30000" dirty="0"/>
+              <a:t>2</a:t>
+            </a:r>
+            <a:r>
+              <a:rPr lang="en-US" altLang="ko-KR" sz="2000" dirty="0"/>
+              <a:t>)</a:t>
+            </a:r>
+          </a:p>
+          <a:p>
+            <a:r>
+              <a:rPr lang="en-US" altLang="ko-KR" sz="2000" dirty="0"/>
+              <a:t>PV capacity : 348 (kW)</a:t>
+            </a:r>
+            <a:endParaRPr lang="ko-KR" altLang="en-US" sz="2000" dirty="0"/>
+          </a:p>
+        </p:txBody>
+      </p:sp>
+      <p:pic>
+        <p:nvPicPr>
+          <p:cNvPr id="50" name="그림 49">
+            <a:extLst>
+              <a:ext uri="{FF2B5EF4-FFF2-40B4-BE49-F238E27FC236}">
+                <a16:creationId xmlns:a16="http://schemas.microsoft.com/office/drawing/2014/main" id="{7924915C-5B89-7854-290C-853347FC9549}"/>
+              </a:ext>
+            </a:extLst>
+          </p:cNvPr>
+          <p:cNvPicPr>
+            <a:picLocks noChangeAspect="1"/>
+          </p:cNvPicPr>
+          <p:nvPr/>
+        </p:nvPicPr>
+        <p:blipFill>
+          <a:blip r:embed="rId10"/>
+          <a:stretch>
+            <a:fillRect/>
+          </a:stretch>
+        </p:blipFill>
+        <p:spPr>
+          <a:xfrm>
+            <a:off x="1346228" y="8110869"/>
+            <a:ext cx="2888894" cy="3709085"/>
+          </a:xfrm>
+          <a:prstGeom prst="rect">
+            <a:avLst/>
+          </a:prstGeom>
+        </p:spPr>
+      </p:pic>
+      <p:sp>
+        <p:nvSpPr>
+          <p:cNvPr id="51" name="TextBox 50">
+            <a:extLst>
+              <a:ext uri="{FF2B5EF4-FFF2-40B4-BE49-F238E27FC236}">
+                <a16:creationId xmlns:a16="http://schemas.microsoft.com/office/drawing/2014/main" id="{0FA5B117-4215-0CB9-B42F-0E364D338AF9}"/>
+              </a:ext>
+            </a:extLst>
+          </p:cNvPr>
+          <p:cNvSpPr txBox="1"/>
+          <p:nvPr/>
+        </p:nvSpPr>
+        <p:spPr>
+          <a:xfrm>
+            <a:off x="885158" y="7829289"/>
+            <a:ext cx="465973" cy="400110"/>
+          </a:xfrm>
+          <a:prstGeom prst="rect">
+            <a:avLst/>
+          </a:prstGeom>
+          <a:noFill/>
+          <a:ln>
+            <a:noFill/>
+          </a:ln>
+        </p:spPr>
+        <p:txBody>
+          <a:bodyPr wrap="square">
+            <a:spAutoFit/>
+          </a:bodyPr>
+          <a:lstStyle/>
+          <a:p>
+            <a:r>
+              <a:rPr lang="en-US" altLang="ko-KR" sz="2000" b="1" dirty="0"/>
+              <a:t>(e)</a:t>
+            </a:r>
+            <a:endParaRPr lang="ko-KR" altLang="en-US" sz="2000" b="1" dirty="0"/>
+          </a:p>
+        </p:txBody>
+      </p:sp>
+      <p:sp>
+        <p:nvSpPr>
+          <p:cNvPr id="52" name="타원 51">
+            <a:extLst>
+              <a:ext uri="{FF2B5EF4-FFF2-40B4-BE49-F238E27FC236}">
+                <a16:creationId xmlns:a16="http://schemas.microsoft.com/office/drawing/2014/main" id="{7BB366A8-A124-4272-5660-A2FC1B9D2774}"/>
               </a:ext>
             </a:extLst>
           </p:cNvPr>
@@ -25910,98 +25860,18 @@
         </p:nvSpPr>
         <p:spPr>
           <a:xfrm>
-            <a:off x="5816779" y="3688194"/>
-            <a:ext cx="1136446" cy="836778"/>
-          </a:xfrm>
-          <a:custGeom>
-            <a:avLst/>
-            <a:gdLst>
-              <a:gd name="connsiteX0" fmla="*/ 288925 w 2203450"/>
-              <a:gd name="connsiteY0" fmla="*/ 1622425 h 1622425"/>
-              <a:gd name="connsiteX1" fmla="*/ 793750 w 2203450"/>
-              <a:gd name="connsiteY1" fmla="*/ 1492250 h 1622425"/>
-              <a:gd name="connsiteX2" fmla="*/ 654050 w 2203450"/>
-              <a:gd name="connsiteY2" fmla="*/ 1009650 h 1622425"/>
-              <a:gd name="connsiteX3" fmla="*/ 787400 w 2203450"/>
-              <a:gd name="connsiteY3" fmla="*/ 977900 h 1622425"/>
-              <a:gd name="connsiteX4" fmla="*/ 736600 w 2203450"/>
-              <a:gd name="connsiteY4" fmla="*/ 787400 h 1622425"/>
-              <a:gd name="connsiteX5" fmla="*/ 2203450 w 2203450"/>
-              <a:gd name="connsiteY5" fmla="*/ 425450 h 1622425"/>
-              <a:gd name="connsiteX6" fmla="*/ 2095500 w 2203450"/>
-              <a:gd name="connsiteY6" fmla="*/ 0 h 1622425"/>
-              <a:gd name="connsiteX7" fmla="*/ 0 w 2203450"/>
-              <a:gd name="connsiteY7" fmla="*/ 476250 h 1622425"/>
-              <a:gd name="connsiteX8" fmla="*/ 288925 w 2203450"/>
-              <a:gd name="connsiteY8" fmla="*/ 1622425 h 1622425"/>
-            </a:gdLst>
-            <a:ahLst/>
-            <a:cxnLst>
-              <a:cxn ang="0">
-                <a:pos x="connsiteX0" y="connsiteY0"/>
-              </a:cxn>
-              <a:cxn ang="0">
-                <a:pos x="connsiteX1" y="connsiteY1"/>
-              </a:cxn>
-              <a:cxn ang="0">
-                <a:pos x="connsiteX2" y="connsiteY2"/>
-              </a:cxn>
-              <a:cxn ang="0">
-                <a:pos x="connsiteX3" y="connsiteY3"/>
-              </a:cxn>
-              <a:cxn ang="0">
-                <a:pos x="connsiteX4" y="connsiteY4"/>
-              </a:cxn>
-              <a:cxn ang="0">
-                <a:pos x="connsiteX5" y="connsiteY5"/>
-              </a:cxn>
-              <a:cxn ang="0">
-                <a:pos x="connsiteX6" y="connsiteY6"/>
-              </a:cxn>
-              <a:cxn ang="0">
-                <a:pos x="connsiteX7" y="connsiteY7"/>
-              </a:cxn>
-              <a:cxn ang="0">
-                <a:pos x="connsiteX8" y="connsiteY8"/>
-              </a:cxn>
-            </a:cxnLst>
-            <a:rect l="l" t="t" r="r" b="b"/>
-            <a:pathLst>
-              <a:path w="2203450" h="1622425">
-                <a:moveTo>
-                  <a:pt x="288925" y="1622425"/>
-                </a:moveTo>
-                <a:lnTo>
-                  <a:pt x="793750" y="1492250"/>
-                </a:lnTo>
-                <a:lnTo>
-                  <a:pt x="654050" y="1009650"/>
-                </a:lnTo>
-                <a:lnTo>
-                  <a:pt x="787400" y="977900"/>
-                </a:lnTo>
-                <a:lnTo>
-                  <a:pt x="736600" y="787400"/>
-                </a:lnTo>
-                <a:lnTo>
-                  <a:pt x="2203450" y="425450"/>
-                </a:lnTo>
-                <a:lnTo>
-                  <a:pt x="2095500" y="0"/>
-                </a:lnTo>
-                <a:lnTo>
-                  <a:pt x="0" y="476250"/>
-                </a:lnTo>
-                <a:lnTo>
-                  <a:pt x="288925" y="1622425"/>
-                </a:lnTo>
-                <a:close/>
-              </a:path>
-            </a:pathLst>
-          </a:custGeom>
+            <a:off x="2330187" y="10985039"/>
+            <a:ext cx="93664" cy="93664"/>
+          </a:xfrm>
+          <a:prstGeom prst="ellipse">
+            <a:avLst/>
+          </a:prstGeom>
           <a:solidFill>
-            <a:srgbClr val="B4C7E7"/>
+            <a:srgbClr val="FF0000"/>
           </a:solidFill>
+          <a:ln>
+            <a:noFill/>
+          </a:ln>
         </p:spPr>
         <p:style>
           <a:lnRef idx="2">
@@ -26028,438 +25898,225 @@
           </a:p>
         </p:txBody>
       </p:sp>
+      <p:cxnSp>
+        <p:nvCxnSpPr>
+          <p:cNvPr id="54" name="직선 연결선 53">
+            <a:extLst>
+              <a:ext uri="{FF2B5EF4-FFF2-40B4-BE49-F238E27FC236}">
+                <a16:creationId xmlns:a16="http://schemas.microsoft.com/office/drawing/2014/main" id="{725F17C5-45A8-758B-5502-8CC6EC08A018}"/>
+              </a:ext>
+            </a:extLst>
+          </p:cNvPr>
+          <p:cNvCxnSpPr>
+            <a:cxnSpLocks/>
+            <a:endCxn id="67" idx="1"/>
+          </p:cNvCxnSpPr>
+          <p:nvPr/>
+        </p:nvCxnSpPr>
+        <p:spPr>
+          <a:xfrm flipV="1">
+            <a:off x="2497814" y="9342894"/>
+            <a:ext cx="1808304" cy="1674868"/>
+          </a:xfrm>
+          <a:prstGeom prst="line">
+            <a:avLst/>
+          </a:prstGeom>
+          <a:ln>
+            <a:solidFill>
+              <a:srgbClr val="FF0000"/>
+            </a:solidFill>
+            <a:prstDash val="sysDash"/>
+            <a:tailEnd type="triangle" w="lg" len="lg"/>
+          </a:ln>
+        </p:spPr>
+        <p:style>
+          <a:lnRef idx="2">
+            <a:schemeClr val="accent1"/>
+          </a:lnRef>
+          <a:fillRef idx="0">
+            <a:schemeClr val="accent1"/>
+          </a:fillRef>
+          <a:effectRef idx="1">
+            <a:schemeClr val="accent1"/>
+          </a:effectRef>
+          <a:fontRef idx="minor">
+            <a:schemeClr val="tx1"/>
+          </a:fontRef>
+        </p:style>
+      </p:cxnSp>
+      <mc:AlternateContent xmlns:mc="http://schemas.openxmlformats.org/markup-compatibility/2006">
+        <mc:Choice xmlns:a14="http://schemas.microsoft.com/office/drawing/2010/main" Requires="a14">
+          <p:sp>
+            <p:nvSpPr>
+              <p:cNvPr id="67" name="TextBox 66">
+                <a:extLst>
+                  <a:ext uri="{FF2B5EF4-FFF2-40B4-BE49-F238E27FC236}">
+                    <a16:creationId xmlns:a16="http://schemas.microsoft.com/office/drawing/2014/main" id="{B27640AC-D53F-892A-2229-61D4AFF48685}"/>
+                  </a:ext>
+                </a:extLst>
+              </p:cNvPr>
+              <p:cNvSpPr txBox="1"/>
+              <p:nvPr/>
+            </p:nvSpPr>
+            <p:spPr>
+              <a:xfrm>
+                <a:off x="4306118" y="9030725"/>
+                <a:ext cx="827110" cy="624338"/>
+              </a:xfrm>
+              <a:prstGeom prst="rect">
+                <a:avLst/>
+              </a:prstGeom>
+              <a:noFill/>
+            </p:spPr>
+            <p:txBody>
+              <a:bodyPr wrap="square">
+                <a:spAutoFit/>
+              </a:bodyPr>
+              <a:lstStyle/>
+              <a:p>
+                <a:pPr/>
+                <a14:m>
+                  <m:oMathPara xmlns:m="http://schemas.openxmlformats.org/officeDocument/2006/math">
+                    <m:oMathParaPr>
+                      <m:jc m:val="centerGroup"/>
+                    </m:oMathParaPr>
+                    <m:oMath xmlns:m="http://schemas.openxmlformats.org/officeDocument/2006/math">
+                      <m:sSub>
+                        <m:sSubPr>
+                          <m:ctrlPr>
+                            <a:rPr lang="ko-KR" altLang="en-US" sz="3200" i="1" smtClean="0">
+                              <a:solidFill>
+                                <a:srgbClr val="836967"/>
+                              </a:solidFill>
+                              <a:latin typeface="Cambria Math" panose="02040503050406030204" pitchFamily="18" charset="0"/>
+                            </a:rPr>
+                          </m:ctrlPr>
+                        </m:sSubPr>
+                        <m:e>
+                          <m:r>
+                            <a:rPr lang="ko-KR" altLang="en-US" sz="3200" i="1">
+                              <a:latin typeface="Cambria Math" panose="02040503050406030204" pitchFamily="18" charset="0"/>
+                            </a:rPr>
+                            <m:t>𝑐𝑓</m:t>
+                          </m:r>
+                        </m:e>
+                        <m:sub>
+                          <m:r>
+                            <a:rPr lang="ko-KR" altLang="en-US" sz="3200" i="1">
+                              <a:latin typeface="Cambria Math" panose="02040503050406030204" pitchFamily="18" charset="0"/>
+                            </a:rPr>
+                            <m:t>𝑗</m:t>
+                          </m:r>
+                        </m:sub>
+                      </m:sSub>
+                    </m:oMath>
+                  </m:oMathPara>
+                </a14:m>
+                <a:endParaRPr lang="ko-KR" altLang="en-US" sz="3200" dirty="0"/>
+              </a:p>
+            </p:txBody>
+          </p:sp>
+        </mc:Choice>
+        <mc:Fallback>
+          <p:sp>
+            <p:nvSpPr>
+              <p:cNvPr id="67" name="TextBox 66">
+                <a:extLst>
+                  <a:ext uri="{FF2B5EF4-FFF2-40B4-BE49-F238E27FC236}">
+                    <a16:creationId xmlns:a16="http://schemas.microsoft.com/office/drawing/2014/main" id="{B27640AC-D53F-892A-2229-61D4AFF48685}"/>
+                  </a:ext>
+                </a:extLst>
+              </p:cNvPr>
+              <p:cNvSpPr txBox="1">
+                <a:spLocks noRot="1" noChangeAspect="1" noMove="1" noResize="1" noEditPoints="1" noAdjustHandles="1" noChangeArrowheads="1" noChangeShapeType="1" noTextEdit="1"/>
+              </p:cNvSpPr>
+              <p:nvPr/>
+            </p:nvSpPr>
+            <p:spPr>
+              <a:xfrm>
+                <a:off x="4306118" y="9030725"/>
+                <a:ext cx="827110" cy="624338"/>
+              </a:xfrm>
+              <a:prstGeom prst="rect">
+                <a:avLst/>
+              </a:prstGeom>
+              <a:blipFill>
+                <a:blip r:embed="rId11"/>
+                <a:stretch>
+                  <a:fillRect/>
+                </a:stretch>
+              </a:blipFill>
+            </p:spPr>
+            <p:txBody>
+              <a:bodyPr/>
+              <a:lstStyle/>
+              <a:p>
+                <a:r>
+                  <a:rPr lang="ko-KR" altLang="en-US">
+                    <a:noFill/>
+                  </a:rPr>
+                  <a:t> </a:t>
+                </a:r>
+              </a:p>
+            </p:txBody>
+          </p:sp>
+        </mc:Fallback>
+      </mc:AlternateContent>
       <p:sp>
         <p:nvSpPr>
-          <p:cNvPr id="13" name="자유형: 도형 12">
-            <a:extLst>
-              <a:ext uri="{FF2B5EF4-FFF2-40B4-BE49-F238E27FC236}">
-                <a16:creationId xmlns:a16="http://schemas.microsoft.com/office/drawing/2014/main" id="{A5CB5758-76B5-0E22-FC49-2440F3DD59DB}"/>
-              </a:ext>
-            </a:extLst>
-          </p:cNvPr>
-          <p:cNvSpPr/>
+          <p:cNvPr id="70" name="TextBox 69">
+            <a:extLst>
+              <a:ext uri="{FF2B5EF4-FFF2-40B4-BE49-F238E27FC236}">
+                <a16:creationId xmlns:a16="http://schemas.microsoft.com/office/drawing/2014/main" id="{2C4652F6-38A3-099E-6233-D9F9802A1530}"/>
+              </a:ext>
+            </a:extLst>
+          </p:cNvPr>
+          <p:cNvSpPr txBox="1"/>
           <p:nvPr/>
         </p:nvSpPr>
         <p:spPr>
-          <a:xfrm>
-            <a:off x="6234625" y="2638634"/>
-            <a:ext cx="849880" cy="373358"/>
-          </a:xfrm>
-          <a:custGeom>
-            <a:avLst/>
-            <a:gdLst>
-              <a:gd name="connsiteX0" fmla="*/ 0 w 1647825"/>
-              <a:gd name="connsiteY0" fmla="*/ 361950 h 723900"/>
-              <a:gd name="connsiteX1" fmla="*/ 57150 w 1647825"/>
-              <a:gd name="connsiteY1" fmla="*/ 633413 h 723900"/>
-              <a:gd name="connsiteX2" fmla="*/ 219075 w 1647825"/>
-              <a:gd name="connsiteY2" fmla="*/ 590550 h 723900"/>
-              <a:gd name="connsiteX3" fmla="*/ 257175 w 1647825"/>
-              <a:gd name="connsiteY3" fmla="*/ 723900 h 723900"/>
-              <a:gd name="connsiteX4" fmla="*/ 1647825 w 1647825"/>
-              <a:gd name="connsiteY4" fmla="*/ 371475 h 723900"/>
-              <a:gd name="connsiteX5" fmla="*/ 1562100 w 1647825"/>
-              <a:gd name="connsiteY5" fmla="*/ 0 h 723900"/>
-              <a:gd name="connsiteX6" fmla="*/ 0 w 1647825"/>
-              <a:gd name="connsiteY6" fmla="*/ 361950 h 723900"/>
-            </a:gdLst>
-            <a:ahLst/>
-            <a:cxnLst>
-              <a:cxn ang="0">
-                <a:pos x="connsiteX0" y="connsiteY0"/>
-              </a:cxn>
-              <a:cxn ang="0">
-                <a:pos x="connsiteX1" y="connsiteY1"/>
-              </a:cxn>
-              <a:cxn ang="0">
-                <a:pos x="connsiteX2" y="connsiteY2"/>
-              </a:cxn>
-              <a:cxn ang="0">
-                <a:pos x="connsiteX3" y="connsiteY3"/>
-              </a:cxn>
-              <a:cxn ang="0">
-                <a:pos x="connsiteX4" y="connsiteY4"/>
-              </a:cxn>
-              <a:cxn ang="0">
-                <a:pos x="connsiteX5" y="connsiteY5"/>
-              </a:cxn>
-              <a:cxn ang="0">
-                <a:pos x="connsiteX6" y="connsiteY6"/>
-              </a:cxn>
-            </a:cxnLst>
-            <a:rect l="l" t="t" r="r" b="b"/>
-            <a:pathLst>
-              <a:path w="1647825" h="723900">
-                <a:moveTo>
-                  <a:pt x="0" y="361950"/>
-                </a:moveTo>
-                <a:lnTo>
-                  <a:pt x="57150" y="633413"/>
-                </a:lnTo>
-                <a:lnTo>
-                  <a:pt x="219075" y="590550"/>
-                </a:lnTo>
-                <a:lnTo>
-                  <a:pt x="257175" y="723900"/>
-                </a:lnTo>
-                <a:lnTo>
-                  <a:pt x="1647825" y="371475"/>
-                </a:lnTo>
-                <a:lnTo>
-                  <a:pt x="1562100" y="0"/>
-                </a:lnTo>
-                <a:lnTo>
-                  <a:pt x="0" y="361950"/>
-                </a:lnTo>
-                <a:close/>
-              </a:path>
-            </a:pathLst>
-          </a:custGeom>
-          <a:solidFill>
-            <a:srgbClr val="FFE699"/>
-          </a:solidFill>
-        </p:spPr>
-        <p:style>
-          <a:lnRef idx="2">
-            <a:schemeClr val="accent1">
-              <a:shade val="15000"/>
-            </a:schemeClr>
-          </a:lnRef>
-          <a:fillRef idx="1">
-            <a:schemeClr val="accent1"/>
-          </a:fillRef>
-          <a:effectRef idx="0">
-            <a:schemeClr val="accent1"/>
-          </a:effectRef>
-          <a:fontRef idx="minor">
-            <a:schemeClr val="lt1"/>
-          </a:fontRef>
-        </p:style>
+          <a:xfrm flipV="1">
+            <a:off x="5133770" y="9087332"/>
+            <a:ext cx="494127" cy="646331"/>
+          </a:xfrm>
+          <a:prstGeom prst="rect">
+            <a:avLst/>
+          </a:prstGeom>
+          <a:noFill/>
+          <a:ln>
+            <a:noFill/>
+          </a:ln>
+        </p:spPr>
         <p:txBody>
-          <a:bodyPr rtlCol="0" anchor="ctr"/>
+          <a:bodyPr wrap="square">
+            <a:spAutoFit/>
+          </a:bodyPr>
           <a:lstStyle/>
           <a:p>
-            <a:pPr algn="ctr"/>
-            <a:endParaRPr lang="ko-KR" altLang="en-US" dirty="0"/>
+            <a:r>
+              <a:rPr lang="en-US" altLang="ko-KR" sz="3600" b="1" dirty="0"/>
+              <a:t>=</a:t>
+            </a:r>
+            <a:endParaRPr lang="ko-KR" altLang="en-US" sz="3600" b="1" dirty="0"/>
           </a:p>
         </p:txBody>
       </p:sp>
       <p:sp>
         <p:nvSpPr>
-          <p:cNvPr id="14" name="자유형: 도형 13">
-            <a:extLst>
-              <a:ext uri="{FF2B5EF4-FFF2-40B4-BE49-F238E27FC236}">
-                <a16:creationId xmlns:a16="http://schemas.microsoft.com/office/drawing/2014/main" id="{6D8A29AC-4D6B-B095-BCEB-9F458C865F10}"/>
-              </a:ext>
-            </a:extLst>
-          </p:cNvPr>
-          <p:cNvSpPr/>
+          <p:cNvPr id="74" name="TextBox 73">
+            <a:extLst>
+              <a:ext uri="{FF2B5EF4-FFF2-40B4-BE49-F238E27FC236}">
+                <a16:creationId xmlns:a16="http://schemas.microsoft.com/office/drawing/2014/main" id="{81B8818F-2D2E-EFDC-D1A6-050D5549FD99}"/>
+              </a:ext>
+            </a:extLst>
+          </p:cNvPr>
+          <p:cNvSpPr txBox="1"/>
           <p:nvPr/>
         </p:nvSpPr>
         <p:spPr>
           <a:xfrm>
-            <a:off x="5963223" y="2911015"/>
-            <a:ext cx="223524" cy="130184"/>
-          </a:xfrm>
-          <a:custGeom>
-            <a:avLst/>
-            <a:gdLst>
-              <a:gd name="connsiteX0" fmla="*/ 0 w 433387"/>
-              <a:gd name="connsiteY0" fmla="*/ 100013 h 252413"/>
-              <a:gd name="connsiteX1" fmla="*/ 390525 w 433387"/>
-              <a:gd name="connsiteY1" fmla="*/ 0 h 252413"/>
-              <a:gd name="connsiteX2" fmla="*/ 433387 w 433387"/>
-              <a:gd name="connsiteY2" fmla="*/ 157163 h 252413"/>
-              <a:gd name="connsiteX3" fmla="*/ 33337 w 433387"/>
-              <a:gd name="connsiteY3" fmla="*/ 252413 h 252413"/>
-              <a:gd name="connsiteX4" fmla="*/ 0 w 433387"/>
-              <a:gd name="connsiteY4" fmla="*/ 100013 h 252413"/>
-            </a:gdLst>
-            <a:ahLst/>
-            <a:cxnLst>
-              <a:cxn ang="0">
-                <a:pos x="connsiteX0" y="connsiteY0"/>
-              </a:cxn>
-              <a:cxn ang="0">
-                <a:pos x="connsiteX1" y="connsiteY1"/>
-              </a:cxn>
-              <a:cxn ang="0">
-                <a:pos x="connsiteX2" y="connsiteY2"/>
-              </a:cxn>
-              <a:cxn ang="0">
-                <a:pos x="connsiteX3" y="connsiteY3"/>
-              </a:cxn>
-              <a:cxn ang="0">
-                <a:pos x="connsiteX4" y="connsiteY4"/>
-              </a:cxn>
-            </a:cxnLst>
-            <a:rect l="l" t="t" r="r" b="b"/>
-            <a:pathLst>
-              <a:path w="433387" h="252413">
-                <a:moveTo>
-                  <a:pt x="0" y="100013"/>
-                </a:moveTo>
-                <a:lnTo>
-                  <a:pt x="390525" y="0"/>
-                </a:lnTo>
-                <a:lnTo>
-                  <a:pt x="433387" y="157163"/>
-                </a:lnTo>
-                <a:lnTo>
-                  <a:pt x="33337" y="252413"/>
-                </a:lnTo>
-                <a:lnTo>
-                  <a:pt x="0" y="100013"/>
-                </a:lnTo>
-                <a:close/>
-              </a:path>
-            </a:pathLst>
-          </a:custGeom>
-          <a:solidFill>
-            <a:srgbClr val="FFE699"/>
-          </a:solidFill>
-        </p:spPr>
-        <p:style>
-          <a:lnRef idx="2">
-            <a:schemeClr val="accent1">
-              <a:shade val="15000"/>
-            </a:schemeClr>
-          </a:lnRef>
-          <a:fillRef idx="1">
-            <a:schemeClr val="accent1"/>
-          </a:fillRef>
-          <a:effectRef idx="0">
-            <a:schemeClr val="accent1"/>
-          </a:effectRef>
-          <a:fontRef idx="minor">
-            <a:schemeClr val="lt1"/>
-          </a:fontRef>
-        </p:style>
-        <p:txBody>
-          <a:bodyPr rtlCol="0" anchor="ctr"/>
-          <a:lstStyle/>
-          <a:p>
-            <a:pPr algn="ctr"/>
-            <a:endParaRPr lang="ko-KR" altLang="en-US"/>
-          </a:p>
-        </p:txBody>
-      </p:sp>
-      <p:sp>
-        <p:nvSpPr>
-          <p:cNvPr id="15" name="자유형: 도형 14">
-            <a:extLst>
-              <a:ext uri="{FF2B5EF4-FFF2-40B4-BE49-F238E27FC236}">
-                <a16:creationId xmlns:a16="http://schemas.microsoft.com/office/drawing/2014/main" id="{198DE682-A5A5-EA47-06E5-FDFEDB19C04B}"/>
-              </a:ext>
-            </a:extLst>
-          </p:cNvPr>
-          <p:cNvSpPr/>
-          <p:nvPr/>
-        </p:nvSpPr>
-        <p:spPr>
-          <a:xfrm>
-            <a:off x="5999745" y="3034784"/>
-            <a:ext cx="218610" cy="130184"/>
-          </a:xfrm>
-          <a:custGeom>
-            <a:avLst/>
-            <a:gdLst>
-              <a:gd name="connsiteX0" fmla="*/ 42862 w 423862"/>
-              <a:gd name="connsiteY0" fmla="*/ 252412 h 252412"/>
-              <a:gd name="connsiteX1" fmla="*/ 0 w 423862"/>
-              <a:gd name="connsiteY1" fmla="*/ 95250 h 252412"/>
-              <a:gd name="connsiteX2" fmla="*/ 385762 w 423862"/>
-              <a:gd name="connsiteY2" fmla="*/ 0 h 252412"/>
-              <a:gd name="connsiteX3" fmla="*/ 423862 w 423862"/>
-              <a:gd name="connsiteY3" fmla="*/ 128587 h 252412"/>
-              <a:gd name="connsiteX4" fmla="*/ 42862 w 423862"/>
-              <a:gd name="connsiteY4" fmla="*/ 252412 h 252412"/>
-            </a:gdLst>
-            <a:ahLst/>
-            <a:cxnLst>
-              <a:cxn ang="0">
-                <a:pos x="connsiteX0" y="connsiteY0"/>
-              </a:cxn>
-              <a:cxn ang="0">
-                <a:pos x="connsiteX1" y="connsiteY1"/>
-              </a:cxn>
-              <a:cxn ang="0">
-                <a:pos x="connsiteX2" y="connsiteY2"/>
-              </a:cxn>
-              <a:cxn ang="0">
-                <a:pos x="connsiteX3" y="connsiteY3"/>
-              </a:cxn>
-              <a:cxn ang="0">
-                <a:pos x="connsiteX4" y="connsiteY4"/>
-              </a:cxn>
-            </a:cxnLst>
-            <a:rect l="l" t="t" r="r" b="b"/>
-            <a:pathLst>
-              <a:path w="423862" h="252412">
-                <a:moveTo>
-                  <a:pt x="42862" y="252412"/>
-                </a:moveTo>
-                <a:lnTo>
-                  <a:pt x="0" y="95250"/>
-                </a:lnTo>
-                <a:lnTo>
-                  <a:pt x="385762" y="0"/>
-                </a:lnTo>
-                <a:lnTo>
-                  <a:pt x="423862" y="128587"/>
-                </a:lnTo>
-                <a:lnTo>
-                  <a:pt x="42862" y="252412"/>
-                </a:lnTo>
-                <a:close/>
-              </a:path>
-            </a:pathLst>
-          </a:custGeom>
-          <a:solidFill>
-            <a:srgbClr val="FFE699"/>
-          </a:solidFill>
-        </p:spPr>
-        <p:style>
-          <a:lnRef idx="2">
-            <a:schemeClr val="accent1">
-              <a:shade val="15000"/>
-            </a:schemeClr>
-          </a:lnRef>
-          <a:fillRef idx="1">
-            <a:schemeClr val="accent1"/>
-          </a:fillRef>
-          <a:effectRef idx="0">
-            <a:schemeClr val="accent1"/>
-          </a:effectRef>
-          <a:fontRef idx="minor">
-            <a:schemeClr val="lt1"/>
-          </a:fontRef>
-        </p:style>
-        <p:txBody>
-          <a:bodyPr rtlCol="0" anchor="ctr"/>
-          <a:lstStyle/>
-          <a:p>
-            <a:pPr algn="ctr"/>
-            <a:endParaRPr lang="ko-KR" altLang="en-US"/>
-          </a:p>
-        </p:txBody>
-      </p:sp>
-      <p:sp>
-        <p:nvSpPr>
-          <p:cNvPr id="16" name="자유형: 도형 15">
-            <a:extLst>
-              <a:ext uri="{FF2B5EF4-FFF2-40B4-BE49-F238E27FC236}">
-                <a16:creationId xmlns:a16="http://schemas.microsoft.com/office/drawing/2014/main" id="{F7B18A0A-20FF-63A4-2462-E0892326A350}"/>
-              </a:ext>
-            </a:extLst>
-          </p:cNvPr>
-          <p:cNvSpPr/>
-          <p:nvPr/>
-        </p:nvSpPr>
-        <p:spPr>
-          <a:xfrm>
-            <a:off x="6046091" y="3161942"/>
-            <a:ext cx="208786" cy="108078"/>
-          </a:xfrm>
-          <a:custGeom>
-            <a:avLst/>
-            <a:gdLst>
-              <a:gd name="connsiteX0" fmla="*/ 0 w 404813"/>
-              <a:gd name="connsiteY0" fmla="*/ 100012 h 209550"/>
-              <a:gd name="connsiteX1" fmla="*/ 385763 w 404813"/>
-              <a:gd name="connsiteY1" fmla="*/ 0 h 209550"/>
-              <a:gd name="connsiteX2" fmla="*/ 404813 w 404813"/>
-              <a:gd name="connsiteY2" fmla="*/ 114300 h 209550"/>
-              <a:gd name="connsiteX3" fmla="*/ 23813 w 404813"/>
-              <a:gd name="connsiteY3" fmla="*/ 209550 h 209550"/>
-              <a:gd name="connsiteX4" fmla="*/ 0 w 404813"/>
-              <a:gd name="connsiteY4" fmla="*/ 100012 h 209550"/>
-            </a:gdLst>
-            <a:ahLst/>
-            <a:cxnLst>
-              <a:cxn ang="0">
-                <a:pos x="connsiteX0" y="connsiteY0"/>
-              </a:cxn>
-              <a:cxn ang="0">
-                <a:pos x="connsiteX1" y="connsiteY1"/>
-              </a:cxn>
-              <a:cxn ang="0">
-                <a:pos x="connsiteX2" y="connsiteY2"/>
-              </a:cxn>
-              <a:cxn ang="0">
-                <a:pos x="connsiteX3" y="connsiteY3"/>
-              </a:cxn>
-              <a:cxn ang="0">
-                <a:pos x="connsiteX4" y="connsiteY4"/>
-              </a:cxn>
-            </a:cxnLst>
-            <a:rect l="l" t="t" r="r" b="b"/>
-            <a:pathLst>
-              <a:path w="404813" h="209550">
-                <a:moveTo>
-                  <a:pt x="0" y="100012"/>
-                </a:moveTo>
-                <a:lnTo>
-                  <a:pt x="385763" y="0"/>
-                </a:lnTo>
-                <a:lnTo>
-                  <a:pt x="404813" y="114300"/>
-                </a:lnTo>
-                <a:lnTo>
-                  <a:pt x="23813" y="209550"/>
-                </a:lnTo>
-                <a:lnTo>
-                  <a:pt x="0" y="100012"/>
-                </a:lnTo>
-                <a:close/>
-              </a:path>
-            </a:pathLst>
-          </a:custGeom>
-          <a:solidFill>
-            <a:srgbClr val="FFE699"/>
-          </a:solidFill>
-        </p:spPr>
-        <p:style>
-          <a:lnRef idx="2">
-            <a:schemeClr val="accent1">
-              <a:shade val="15000"/>
-            </a:schemeClr>
-          </a:lnRef>
-          <a:fillRef idx="1">
-            <a:schemeClr val="accent1"/>
-          </a:fillRef>
-          <a:effectRef idx="0">
-            <a:schemeClr val="accent1"/>
-          </a:effectRef>
-          <a:fontRef idx="minor">
-            <a:schemeClr val="lt1"/>
-          </a:fontRef>
-        </p:style>
-        <p:txBody>
-          <a:bodyPr rtlCol="0" anchor="ctr"/>
-          <a:lstStyle/>
-          <a:p>
-            <a:pPr algn="ctr"/>
-            <a:endParaRPr lang="ko-KR" altLang="en-US"/>
-          </a:p>
-        </p:txBody>
-      </p:sp>
-      <p:sp>
-        <p:nvSpPr>
-          <p:cNvPr id="17" name="TextBox 16">
-            <a:extLst>
-              <a:ext uri="{FF2B5EF4-FFF2-40B4-BE49-F238E27FC236}">
-                <a16:creationId xmlns:a16="http://schemas.microsoft.com/office/drawing/2014/main" id="{E5CAB8BB-88B8-2440-2480-7B100C7B5E99}"/>
-              </a:ext>
-            </a:extLst>
-          </p:cNvPr>
-          <p:cNvSpPr txBox="1"/>
-          <p:nvPr/>
-        </p:nvSpPr>
-        <p:spPr>
-          <a:xfrm>
-            <a:off x="6254877" y="3099876"/>
-            <a:ext cx="1253599" cy="261610"/>
+            <a:off x="5507399" y="9127450"/>
+            <a:ext cx="1252958" cy="430887"/>
           </a:xfrm>
           <a:prstGeom prst="rect">
             <a:avLst/>
@@ -26515,138 +26172,791 @@
           </a:lstStyle>
           <a:p>
             <a:r>
-              <a:rPr lang="en-US" altLang="ko-KR" sz="1700" dirty="0"/>
-              <a:t>= 2,100 (m</a:t>
-            </a:r>
-            <a:r>
-              <a:rPr lang="en-US" altLang="ko-KR" sz="1700" baseline="30000" dirty="0"/>
-              <a:t>2</a:t>
-            </a:r>
-            <a:r>
-              <a:rPr lang="en-US" altLang="ko-KR" sz="1700" dirty="0"/>
-              <a:t>)</a:t>
+              <a:rPr lang="en-US" altLang="ko-KR" sz="2800" dirty="0"/>
+              <a:t>14.9 </a:t>
+            </a:r>
+            <a:r>
+              <a:rPr lang="en-US" altLang="ko-KR" dirty="0"/>
+              <a:t>(%)</a:t>
             </a:r>
           </a:p>
         </p:txBody>
       </p:sp>
-      <p:cxnSp>
-        <p:nvCxnSpPr>
-          <p:cNvPr id="19" name="직선 연결선 18">
-            <a:extLst>
-              <a:ext uri="{FF2B5EF4-FFF2-40B4-BE49-F238E27FC236}">
-                <a16:creationId xmlns:a16="http://schemas.microsoft.com/office/drawing/2014/main" id="{445F0B0C-1CC0-8C64-8C54-58C680B49646}"/>
-              </a:ext>
-            </a:extLst>
-          </p:cNvPr>
-          <p:cNvCxnSpPr>
-            <a:cxnSpLocks/>
-          </p:cNvCxnSpPr>
-          <p:nvPr/>
-        </p:nvCxnSpPr>
+    </p:spTree>
+    <p:extLst>
+      <p:ext uri="{BB962C8B-B14F-4D97-AF65-F5344CB8AC3E}">
+        <p14:creationId xmlns:p14="http://schemas.microsoft.com/office/powerpoint/2010/main" val="4226081907"/>
+      </p:ext>
+    </p:extLst>
+  </p:cSld>
+  <p:clrMapOvr>
+    <a:masterClrMapping/>
+  </p:clrMapOvr>
+</p:sld>
+</file>
+
+<file path=ppt/slides/slide5.xml><?xml version="1.0" encoding="utf-8"?>
+<p:sld xmlns:a="http://schemas.openxmlformats.org/drawingml/2006/main" xmlns:r="http://schemas.openxmlformats.org/officeDocument/2006/relationships" xmlns:p="http://schemas.openxmlformats.org/presentationml/2006/main">
+  <p:cSld>
+    <p:spTree>
+      <p:nvGrpSpPr>
+        <p:cNvPr id="1" name=""/>
+        <p:cNvGrpSpPr/>
+        <p:nvPr/>
+      </p:nvGrpSpPr>
+      <p:grpSpPr>
+        <a:xfrm>
+          <a:off x="0" y="0"/>
+          <a:ext cx="0" cy="0"/>
+          <a:chOff x="0" y="0"/>
+          <a:chExt cx="0" cy="0"/>
+        </a:xfrm>
+      </p:grpSpPr>
+      <p:sp>
+        <p:nvSpPr>
+          <p:cNvPr id="107" name="직사각형 106">
+            <a:extLst>
+              <a:ext uri="{FF2B5EF4-FFF2-40B4-BE49-F238E27FC236}">
+                <a16:creationId xmlns:a16="http://schemas.microsoft.com/office/drawing/2014/main" id="{95E750C0-9C54-D301-6E4B-119DC130090E}"/>
+              </a:ext>
+            </a:extLst>
+          </p:cNvPr>
+          <p:cNvSpPr/>
+          <p:nvPr/>
+        </p:nvSpPr>
         <p:spPr>
           <a:xfrm>
-            <a:off x="5580797" y="3550328"/>
-            <a:ext cx="1800000" cy="0"/>
-          </a:xfrm>
-          <a:prstGeom prst="line">
-            <a:avLst/>
-          </a:prstGeom>
-          <a:ln w="19050">
+            <a:off x="829927" y="-842546"/>
+            <a:ext cx="9151011" cy="8259346"/>
+          </a:xfrm>
+          <a:prstGeom prst="rect">
+            <a:avLst/>
+          </a:prstGeom>
+          <a:solidFill>
+            <a:schemeClr val="bg1"/>
+          </a:solidFill>
+          <a:ln>
             <a:solidFill>
               <a:schemeClr val="tx1"/>
             </a:solidFill>
           </a:ln>
         </p:spPr>
         <p:style>
-          <a:lnRef idx="1">
-            <a:schemeClr val="accent1"/>
+          <a:lnRef idx="2">
+            <a:schemeClr val="accent1">
+              <a:shade val="15000"/>
+            </a:schemeClr>
           </a:lnRef>
-          <a:fillRef idx="0">
+          <a:fillRef idx="1">
             <a:schemeClr val="accent1"/>
           </a:fillRef>
           <a:effectRef idx="0">
             <a:schemeClr val="accent1"/>
           </a:effectRef>
           <a:fontRef idx="minor">
-            <a:schemeClr val="tx1"/>
+            <a:schemeClr val="lt1"/>
           </a:fontRef>
         </p:style>
-      </p:cxnSp>
-      <p:pic>
-        <p:nvPicPr>
-          <p:cNvPr id="28" name="그림 27">
-            <a:extLst>
-              <a:ext uri="{FF2B5EF4-FFF2-40B4-BE49-F238E27FC236}">
-                <a16:creationId xmlns:a16="http://schemas.microsoft.com/office/drawing/2014/main" id="{4C67289B-3E7F-3964-6A97-71D83AE78A07}"/>
-              </a:ext>
-            </a:extLst>
-          </p:cNvPr>
-          <p:cNvPicPr>
-            <a:picLocks noChangeAspect="1"/>
-          </p:cNvPicPr>
-          <p:nvPr/>
-        </p:nvPicPr>
-        <p:blipFill>
-          <a:blip r:embed="rId2"/>
-          <a:stretch>
-            <a:fillRect/>
-          </a:stretch>
-        </p:blipFill>
-        <p:spPr>
-          <a:xfrm>
-            <a:off x="11371033" y="733888"/>
-            <a:ext cx="770537" cy="2476500"/>
-          </a:xfrm>
-          <a:prstGeom prst="rect">
-            <a:avLst/>
-          </a:prstGeom>
-        </p:spPr>
-      </p:pic>
-      <p:sp>
-        <p:nvSpPr>
-          <p:cNvPr id="31" name="TextBox 30">
-            <a:extLst>
-              <a:ext uri="{FF2B5EF4-FFF2-40B4-BE49-F238E27FC236}">
-                <a16:creationId xmlns:a16="http://schemas.microsoft.com/office/drawing/2014/main" id="{B2F57DF9-9469-3BC9-2A4E-7C9357F80BB8}"/>
-              </a:ext>
-            </a:extLst>
-          </p:cNvPr>
-          <p:cNvSpPr txBox="1"/>
-          <p:nvPr/>
-        </p:nvSpPr>
-        <p:spPr>
-          <a:xfrm>
-            <a:off x="885158" y="2553271"/>
-            <a:ext cx="465973" cy="400110"/>
-          </a:xfrm>
-          <a:prstGeom prst="rect">
-            <a:avLst/>
-          </a:prstGeom>
-          <a:noFill/>
-          <a:ln>
-            <a:noFill/>
-          </a:ln>
-        </p:spPr>
         <p:txBody>
-          <a:bodyPr wrap="square">
-            <a:spAutoFit/>
-          </a:bodyPr>
+          <a:bodyPr rtlCol="0" anchor="ctr"/>
           <a:lstStyle/>
           <a:p>
-            <a:r>
-              <a:rPr lang="en-US" altLang="ko-KR" sz="2000" b="1" dirty="0"/>
-              <a:t>(b)</a:t>
-            </a:r>
-            <a:endParaRPr lang="ko-KR" altLang="en-US" sz="2000" b="1" dirty="0"/>
+            <a:pPr algn="ctr"/>
+            <a:endParaRPr lang="ko-KR" altLang="en-US"/>
           </a:p>
         </p:txBody>
       </p:sp>
       <p:sp>
         <p:nvSpPr>
-          <p:cNvPr id="33" name="TextBox 32">
-            <a:extLst>
-              <a:ext uri="{FF2B5EF4-FFF2-40B4-BE49-F238E27FC236}">
-                <a16:creationId xmlns:a16="http://schemas.microsoft.com/office/drawing/2014/main" id="{72C3F7F4-57A4-BA25-7C9A-557C2D3AF994}"/>
+          <p:cNvPr id="66" name="자유형: 도형 65">
+            <a:extLst>
+              <a:ext uri="{FF2B5EF4-FFF2-40B4-BE49-F238E27FC236}">
+                <a16:creationId xmlns:a16="http://schemas.microsoft.com/office/drawing/2014/main" id="{E20B321A-6B16-C9DE-CBD0-24DEA1B35394}"/>
+              </a:ext>
+            </a:extLst>
+          </p:cNvPr>
+          <p:cNvSpPr/>
+          <p:nvPr/>
+        </p:nvSpPr>
+        <p:spPr>
+          <a:xfrm>
+            <a:off x="1377844" y="5637609"/>
+            <a:ext cx="2203450" cy="1622425"/>
+          </a:xfrm>
+          <a:custGeom>
+            <a:avLst/>
+            <a:gdLst>
+              <a:gd name="connsiteX0" fmla="*/ 288925 w 2203450"/>
+              <a:gd name="connsiteY0" fmla="*/ 1622425 h 1622425"/>
+              <a:gd name="connsiteX1" fmla="*/ 793750 w 2203450"/>
+              <a:gd name="connsiteY1" fmla="*/ 1492250 h 1622425"/>
+              <a:gd name="connsiteX2" fmla="*/ 654050 w 2203450"/>
+              <a:gd name="connsiteY2" fmla="*/ 1009650 h 1622425"/>
+              <a:gd name="connsiteX3" fmla="*/ 787400 w 2203450"/>
+              <a:gd name="connsiteY3" fmla="*/ 977900 h 1622425"/>
+              <a:gd name="connsiteX4" fmla="*/ 736600 w 2203450"/>
+              <a:gd name="connsiteY4" fmla="*/ 787400 h 1622425"/>
+              <a:gd name="connsiteX5" fmla="*/ 2203450 w 2203450"/>
+              <a:gd name="connsiteY5" fmla="*/ 425450 h 1622425"/>
+              <a:gd name="connsiteX6" fmla="*/ 2095500 w 2203450"/>
+              <a:gd name="connsiteY6" fmla="*/ 0 h 1622425"/>
+              <a:gd name="connsiteX7" fmla="*/ 0 w 2203450"/>
+              <a:gd name="connsiteY7" fmla="*/ 476250 h 1622425"/>
+              <a:gd name="connsiteX8" fmla="*/ 288925 w 2203450"/>
+              <a:gd name="connsiteY8" fmla="*/ 1622425 h 1622425"/>
+            </a:gdLst>
+            <a:ahLst/>
+            <a:cxnLst>
+              <a:cxn ang="0">
+                <a:pos x="connsiteX0" y="connsiteY0"/>
+              </a:cxn>
+              <a:cxn ang="0">
+                <a:pos x="connsiteX1" y="connsiteY1"/>
+              </a:cxn>
+              <a:cxn ang="0">
+                <a:pos x="connsiteX2" y="connsiteY2"/>
+              </a:cxn>
+              <a:cxn ang="0">
+                <a:pos x="connsiteX3" y="connsiteY3"/>
+              </a:cxn>
+              <a:cxn ang="0">
+                <a:pos x="connsiteX4" y="connsiteY4"/>
+              </a:cxn>
+              <a:cxn ang="0">
+                <a:pos x="connsiteX5" y="connsiteY5"/>
+              </a:cxn>
+              <a:cxn ang="0">
+                <a:pos x="connsiteX6" y="connsiteY6"/>
+              </a:cxn>
+              <a:cxn ang="0">
+                <a:pos x="connsiteX7" y="connsiteY7"/>
+              </a:cxn>
+              <a:cxn ang="0">
+                <a:pos x="connsiteX8" y="connsiteY8"/>
+              </a:cxn>
+            </a:cxnLst>
+            <a:rect l="l" t="t" r="r" b="b"/>
+            <a:pathLst>
+              <a:path w="2203450" h="1622425">
+                <a:moveTo>
+                  <a:pt x="288925" y="1622425"/>
+                </a:moveTo>
+                <a:lnTo>
+                  <a:pt x="793750" y="1492250"/>
+                </a:lnTo>
+                <a:lnTo>
+                  <a:pt x="654050" y="1009650"/>
+                </a:lnTo>
+                <a:lnTo>
+                  <a:pt x="787400" y="977900"/>
+                </a:lnTo>
+                <a:lnTo>
+                  <a:pt x="736600" y="787400"/>
+                </a:lnTo>
+                <a:lnTo>
+                  <a:pt x="2203450" y="425450"/>
+                </a:lnTo>
+                <a:lnTo>
+                  <a:pt x="2095500" y="0"/>
+                </a:lnTo>
+                <a:lnTo>
+                  <a:pt x="0" y="476250"/>
+                </a:lnTo>
+                <a:lnTo>
+                  <a:pt x="288925" y="1622425"/>
+                </a:lnTo>
+                <a:close/>
+              </a:path>
+            </a:pathLst>
+          </a:custGeom>
+          <a:solidFill>
+            <a:schemeClr val="accent1">
+              <a:alpha val="0"/>
+            </a:schemeClr>
+          </a:solidFill>
+          <a:ln>
+            <a:prstDash val="sysDot"/>
+          </a:ln>
+        </p:spPr>
+        <p:style>
+          <a:lnRef idx="2">
+            <a:schemeClr val="accent1">
+              <a:shade val="15000"/>
+            </a:schemeClr>
+          </a:lnRef>
+          <a:fillRef idx="1">
+            <a:schemeClr val="accent1"/>
+          </a:fillRef>
+          <a:effectRef idx="0">
+            <a:schemeClr val="accent1"/>
+          </a:effectRef>
+          <a:fontRef idx="minor">
+            <a:schemeClr val="lt1"/>
+          </a:fontRef>
+        </p:style>
+        <p:txBody>
+          <a:bodyPr rtlCol="0" anchor="ctr"/>
+          <a:lstStyle/>
+          <a:p>
+            <a:pPr algn="ctr"/>
+            <a:endParaRPr lang="ko-KR" altLang="en-US" dirty="0"/>
+          </a:p>
+        </p:txBody>
+      </p:sp>
+      <p:sp>
+        <p:nvSpPr>
+          <p:cNvPr id="5" name="자유형: 도형 4">
+            <a:extLst>
+              <a:ext uri="{FF2B5EF4-FFF2-40B4-BE49-F238E27FC236}">
+                <a16:creationId xmlns:a16="http://schemas.microsoft.com/office/drawing/2014/main" id="{A38DDB3A-5DC2-BC3F-7222-999FFE805B8B}"/>
+              </a:ext>
+            </a:extLst>
+          </p:cNvPr>
+          <p:cNvSpPr/>
+          <p:nvPr/>
+        </p:nvSpPr>
+        <p:spPr>
+          <a:xfrm>
+            <a:off x="1367805" y="2702652"/>
+            <a:ext cx="2203450" cy="1622425"/>
+          </a:xfrm>
+          <a:custGeom>
+            <a:avLst/>
+            <a:gdLst>
+              <a:gd name="connsiteX0" fmla="*/ 288925 w 2203450"/>
+              <a:gd name="connsiteY0" fmla="*/ 1622425 h 1622425"/>
+              <a:gd name="connsiteX1" fmla="*/ 793750 w 2203450"/>
+              <a:gd name="connsiteY1" fmla="*/ 1492250 h 1622425"/>
+              <a:gd name="connsiteX2" fmla="*/ 654050 w 2203450"/>
+              <a:gd name="connsiteY2" fmla="*/ 1009650 h 1622425"/>
+              <a:gd name="connsiteX3" fmla="*/ 787400 w 2203450"/>
+              <a:gd name="connsiteY3" fmla="*/ 977900 h 1622425"/>
+              <a:gd name="connsiteX4" fmla="*/ 736600 w 2203450"/>
+              <a:gd name="connsiteY4" fmla="*/ 787400 h 1622425"/>
+              <a:gd name="connsiteX5" fmla="*/ 2203450 w 2203450"/>
+              <a:gd name="connsiteY5" fmla="*/ 425450 h 1622425"/>
+              <a:gd name="connsiteX6" fmla="*/ 2095500 w 2203450"/>
+              <a:gd name="connsiteY6" fmla="*/ 0 h 1622425"/>
+              <a:gd name="connsiteX7" fmla="*/ 0 w 2203450"/>
+              <a:gd name="connsiteY7" fmla="*/ 476250 h 1622425"/>
+              <a:gd name="connsiteX8" fmla="*/ 288925 w 2203450"/>
+              <a:gd name="connsiteY8" fmla="*/ 1622425 h 1622425"/>
+            </a:gdLst>
+            <a:ahLst/>
+            <a:cxnLst>
+              <a:cxn ang="0">
+                <a:pos x="connsiteX0" y="connsiteY0"/>
+              </a:cxn>
+              <a:cxn ang="0">
+                <a:pos x="connsiteX1" y="connsiteY1"/>
+              </a:cxn>
+              <a:cxn ang="0">
+                <a:pos x="connsiteX2" y="connsiteY2"/>
+              </a:cxn>
+              <a:cxn ang="0">
+                <a:pos x="connsiteX3" y="connsiteY3"/>
+              </a:cxn>
+              <a:cxn ang="0">
+                <a:pos x="connsiteX4" y="connsiteY4"/>
+              </a:cxn>
+              <a:cxn ang="0">
+                <a:pos x="connsiteX5" y="connsiteY5"/>
+              </a:cxn>
+              <a:cxn ang="0">
+                <a:pos x="connsiteX6" y="connsiteY6"/>
+              </a:cxn>
+              <a:cxn ang="0">
+                <a:pos x="connsiteX7" y="connsiteY7"/>
+              </a:cxn>
+              <a:cxn ang="0">
+                <a:pos x="connsiteX8" y="connsiteY8"/>
+              </a:cxn>
+            </a:cxnLst>
+            <a:rect l="l" t="t" r="r" b="b"/>
+            <a:pathLst>
+              <a:path w="2203450" h="1622425">
+                <a:moveTo>
+                  <a:pt x="288925" y="1622425"/>
+                </a:moveTo>
+                <a:lnTo>
+                  <a:pt x="793750" y="1492250"/>
+                </a:lnTo>
+                <a:lnTo>
+                  <a:pt x="654050" y="1009650"/>
+                </a:lnTo>
+                <a:lnTo>
+                  <a:pt x="787400" y="977900"/>
+                </a:lnTo>
+                <a:lnTo>
+                  <a:pt x="736600" y="787400"/>
+                </a:lnTo>
+                <a:lnTo>
+                  <a:pt x="2203450" y="425450"/>
+                </a:lnTo>
+                <a:lnTo>
+                  <a:pt x="2095500" y="0"/>
+                </a:lnTo>
+                <a:lnTo>
+                  <a:pt x="0" y="476250"/>
+                </a:lnTo>
+                <a:lnTo>
+                  <a:pt x="288925" y="1622425"/>
+                </a:lnTo>
+                <a:close/>
+              </a:path>
+            </a:pathLst>
+          </a:custGeom>
+          <a:solidFill>
+            <a:srgbClr val="B4C7E7"/>
+          </a:solidFill>
+        </p:spPr>
+        <p:style>
+          <a:lnRef idx="2">
+            <a:schemeClr val="accent1">
+              <a:shade val="15000"/>
+            </a:schemeClr>
+          </a:lnRef>
+          <a:fillRef idx="1">
+            <a:schemeClr val="accent1"/>
+          </a:fillRef>
+          <a:effectRef idx="0">
+            <a:schemeClr val="accent1"/>
+          </a:effectRef>
+          <a:fontRef idx="minor">
+            <a:schemeClr val="lt1"/>
+          </a:fontRef>
+        </p:style>
+        <p:txBody>
+          <a:bodyPr rtlCol="0" anchor="ctr"/>
+          <a:lstStyle/>
+          <a:p>
+            <a:pPr algn="ctr"/>
+            <a:endParaRPr lang="ko-KR" altLang="en-US"/>
+          </a:p>
+        </p:txBody>
+      </p:sp>
+      <p:sp>
+        <p:nvSpPr>
+          <p:cNvPr id="6" name="자유형: 도형 5">
+            <a:extLst>
+              <a:ext uri="{FF2B5EF4-FFF2-40B4-BE49-F238E27FC236}">
+                <a16:creationId xmlns:a16="http://schemas.microsoft.com/office/drawing/2014/main" id="{8B421901-AF6F-717E-8632-15FD1E8D4E73}"/>
+              </a:ext>
+            </a:extLst>
+          </p:cNvPr>
+          <p:cNvSpPr/>
+          <p:nvPr/>
+        </p:nvSpPr>
+        <p:spPr>
+          <a:xfrm>
+            <a:off x="1899835" y="2714273"/>
+            <a:ext cx="1647825" cy="723900"/>
+          </a:xfrm>
+          <a:custGeom>
+            <a:avLst/>
+            <a:gdLst>
+              <a:gd name="connsiteX0" fmla="*/ 0 w 1647825"/>
+              <a:gd name="connsiteY0" fmla="*/ 361950 h 723900"/>
+              <a:gd name="connsiteX1" fmla="*/ 57150 w 1647825"/>
+              <a:gd name="connsiteY1" fmla="*/ 633413 h 723900"/>
+              <a:gd name="connsiteX2" fmla="*/ 219075 w 1647825"/>
+              <a:gd name="connsiteY2" fmla="*/ 590550 h 723900"/>
+              <a:gd name="connsiteX3" fmla="*/ 257175 w 1647825"/>
+              <a:gd name="connsiteY3" fmla="*/ 723900 h 723900"/>
+              <a:gd name="connsiteX4" fmla="*/ 1647825 w 1647825"/>
+              <a:gd name="connsiteY4" fmla="*/ 371475 h 723900"/>
+              <a:gd name="connsiteX5" fmla="*/ 1562100 w 1647825"/>
+              <a:gd name="connsiteY5" fmla="*/ 0 h 723900"/>
+              <a:gd name="connsiteX6" fmla="*/ 0 w 1647825"/>
+              <a:gd name="connsiteY6" fmla="*/ 361950 h 723900"/>
+            </a:gdLst>
+            <a:ahLst/>
+            <a:cxnLst>
+              <a:cxn ang="0">
+                <a:pos x="connsiteX0" y="connsiteY0"/>
+              </a:cxn>
+              <a:cxn ang="0">
+                <a:pos x="connsiteX1" y="connsiteY1"/>
+              </a:cxn>
+              <a:cxn ang="0">
+                <a:pos x="connsiteX2" y="connsiteY2"/>
+              </a:cxn>
+              <a:cxn ang="0">
+                <a:pos x="connsiteX3" y="connsiteY3"/>
+              </a:cxn>
+              <a:cxn ang="0">
+                <a:pos x="connsiteX4" y="connsiteY4"/>
+              </a:cxn>
+              <a:cxn ang="0">
+                <a:pos x="connsiteX5" y="connsiteY5"/>
+              </a:cxn>
+              <a:cxn ang="0">
+                <a:pos x="connsiteX6" y="connsiteY6"/>
+              </a:cxn>
+            </a:cxnLst>
+            <a:rect l="l" t="t" r="r" b="b"/>
+            <a:pathLst>
+              <a:path w="1647825" h="723900">
+                <a:moveTo>
+                  <a:pt x="0" y="361950"/>
+                </a:moveTo>
+                <a:lnTo>
+                  <a:pt x="57150" y="633413"/>
+                </a:lnTo>
+                <a:lnTo>
+                  <a:pt x="219075" y="590550"/>
+                </a:lnTo>
+                <a:lnTo>
+                  <a:pt x="257175" y="723900"/>
+                </a:lnTo>
+                <a:lnTo>
+                  <a:pt x="1647825" y="371475"/>
+                </a:lnTo>
+                <a:lnTo>
+                  <a:pt x="1562100" y="0"/>
+                </a:lnTo>
+                <a:lnTo>
+                  <a:pt x="0" y="361950"/>
+                </a:lnTo>
+                <a:close/>
+              </a:path>
+            </a:pathLst>
+          </a:custGeom>
+          <a:solidFill>
+            <a:srgbClr val="FFE699"/>
+          </a:solidFill>
+        </p:spPr>
+        <p:style>
+          <a:lnRef idx="2">
+            <a:schemeClr val="accent1">
+              <a:shade val="15000"/>
+            </a:schemeClr>
+          </a:lnRef>
+          <a:fillRef idx="1">
+            <a:schemeClr val="accent1"/>
+          </a:fillRef>
+          <a:effectRef idx="0">
+            <a:schemeClr val="accent1"/>
+          </a:effectRef>
+          <a:fontRef idx="minor">
+            <a:schemeClr val="lt1"/>
+          </a:fontRef>
+        </p:style>
+        <p:txBody>
+          <a:bodyPr rtlCol="0" anchor="ctr"/>
+          <a:lstStyle/>
+          <a:p>
+            <a:pPr algn="ctr"/>
+            <a:endParaRPr lang="ko-KR" altLang="en-US"/>
+          </a:p>
+        </p:txBody>
+      </p:sp>
+      <p:sp>
+        <p:nvSpPr>
+          <p:cNvPr id="7" name="자유형: 도형 6">
+            <a:extLst>
+              <a:ext uri="{FF2B5EF4-FFF2-40B4-BE49-F238E27FC236}">
+                <a16:creationId xmlns:a16="http://schemas.microsoft.com/office/drawing/2014/main" id="{B7B1B81C-3971-810E-C64B-F17AEA80E9CC}"/>
+              </a:ext>
+            </a:extLst>
+          </p:cNvPr>
+          <p:cNvSpPr/>
+          <p:nvPr/>
+        </p:nvSpPr>
+        <p:spPr>
+          <a:xfrm>
+            <a:off x="1418823" y="3228669"/>
+            <a:ext cx="433387" cy="252413"/>
+          </a:xfrm>
+          <a:custGeom>
+            <a:avLst/>
+            <a:gdLst>
+              <a:gd name="connsiteX0" fmla="*/ 0 w 433387"/>
+              <a:gd name="connsiteY0" fmla="*/ 100013 h 252413"/>
+              <a:gd name="connsiteX1" fmla="*/ 390525 w 433387"/>
+              <a:gd name="connsiteY1" fmla="*/ 0 h 252413"/>
+              <a:gd name="connsiteX2" fmla="*/ 433387 w 433387"/>
+              <a:gd name="connsiteY2" fmla="*/ 157163 h 252413"/>
+              <a:gd name="connsiteX3" fmla="*/ 33337 w 433387"/>
+              <a:gd name="connsiteY3" fmla="*/ 252413 h 252413"/>
+              <a:gd name="connsiteX4" fmla="*/ 0 w 433387"/>
+              <a:gd name="connsiteY4" fmla="*/ 100013 h 252413"/>
+            </a:gdLst>
+            <a:ahLst/>
+            <a:cxnLst>
+              <a:cxn ang="0">
+                <a:pos x="connsiteX0" y="connsiteY0"/>
+              </a:cxn>
+              <a:cxn ang="0">
+                <a:pos x="connsiteX1" y="connsiteY1"/>
+              </a:cxn>
+              <a:cxn ang="0">
+                <a:pos x="connsiteX2" y="connsiteY2"/>
+              </a:cxn>
+              <a:cxn ang="0">
+                <a:pos x="connsiteX3" y="connsiteY3"/>
+              </a:cxn>
+              <a:cxn ang="0">
+                <a:pos x="connsiteX4" y="connsiteY4"/>
+              </a:cxn>
+            </a:cxnLst>
+            <a:rect l="l" t="t" r="r" b="b"/>
+            <a:pathLst>
+              <a:path w="433387" h="252413">
+                <a:moveTo>
+                  <a:pt x="0" y="100013"/>
+                </a:moveTo>
+                <a:lnTo>
+                  <a:pt x="390525" y="0"/>
+                </a:lnTo>
+                <a:lnTo>
+                  <a:pt x="433387" y="157163"/>
+                </a:lnTo>
+                <a:lnTo>
+                  <a:pt x="33337" y="252413"/>
+                </a:lnTo>
+                <a:lnTo>
+                  <a:pt x="0" y="100013"/>
+                </a:lnTo>
+                <a:close/>
+              </a:path>
+            </a:pathLst>
+          </a:custGeom>
+          <a:solidFill>
+            <a:srgbClr val="FFE699"/>
+          </a:solidFill>
+        </p:spPr>
+        <p:style>
+          <a:lnRef idx="2">
+            <a:schemeClr val="accent1">
+              <a:shade val="15000"/>
+            </a:schemeClr>
+          </a:lnRef>
+          <a:fillRef idx="1">
+            <a:schemeClr val="accent1"/>
+          </a:fillRef>
+          <a:effectRef idx="0">
+            <a:schemeClr val="accent1"/>
+          </a:effectRef>
+          <a:fontRef idx="minor">
+            <a:schemeClr val="lt1"/>
+          </a:fontRef>
+        </p:style>
+        <p:txBody>
+          <a:bodyPr rtlCol="0" anchor="ctr"/>
+          <a:lstStyle/>
+          <a:p>
+            <a:pPr algn="ctr"/>
+            <a:endParaRPr lang="ko-KR" altLang="en-US"/>
+          </a:p>
+        </p:txBody>
+      </p:sp>
+      <p:sp>
+        <p:nvSpPr>
+          <p:cNvPr id="8" name="자유형: 도형 7">
+            <a:extLst>
+              <a:ext uri="{FF2B5EF4-FFF2-40B4-BE49-F238E27FC236}">
+                <a16:creationId xmlns:a16="http://schemas.microsoft.com/office/drawing/2014/main" id="{EAE701E5-17DF-8493-3E51-4CE8DE47F507}"/>
+              </a:ext>
+            </a:extLst>
+          </p:cNvPr>
+          <p:cNvSpPr/>
+          <p:nvPr/>
+        </p:nvSpPr>
+        <p:spPr>
+          <a:xfrm>
+            <a:off x="1475973" y="3490607"/>
+            <a:ext cx="423862" cy="252412"/>
+          </a:xfrm>
+          <a:custGeom>
+            <a:avLst/>
+            <a:gdLst>
+              <a:gd name="connsiteX0" fmla="*/ 42862 w 423862"/>
+              <a:gd name="connsiteY0" fmla="*/ 252412 h 252412"/>
+              <a:gd name="connsiteX1" fmla="*/ 0 w 423862"/>
+              <a:gd name="connsiteY1" fmla="*/ 95250 h 252412"/>
+              <a:gd name="connsiteX2" fmla="*/ 385762 w 423862"/>
+              <a:gd name="connsiteY2" fmla="*/ 0 h 252412"/>
+              <a:gd name="connsiteX3" fmla="*/ 423862 w 423862"/>
+              <a:gd name="connsiteY3" fmla="*/ 128587 h 252412"/>
+              <a:gd name="connsiteX4" fmla="*/ 42862 w 423862"/>
+              <a:gd name="connsiteY4" fmla="*/ 252412 h 252412"/>
+            </a:gdLst>
+            <a:ahLst/>
+            <a:cxnLst>
+              <a:cxn ang="0">
+                <a:pos x="connsiteX0" y="connsiteY0"/>
+              </a:cxn>
+              <a:cxn ang="0">
+                <a:pos x="connsiteX1" y="connsiteY1"/>
+              </a:cxn>
+              <a:cxn ang="0">
+                <a:pos x="connsiteX2" y="connsiteY2"/>
+              </a:cxn>
+              <a:cxn ang="0">
+                <a:pos x="connsiteX3" y="connsiteY3"/>
+              </a:cxn>
+              <a:cxn ang="0">
+                <a:pos x="connsiteX4" y="connsiteY4"/>
+              </a:cxn>
+            </a:cxnLst>
+            <a:rect l="l" t="t" r="r" b="b"/>
+            <a:pathLst>
+              <a:path w="423862" h="252412">
+                <a:moveTo>
+                  <a:pt x="42862" y="252412"/>
+                </a:moveTo>
+                <a:lnTo>
+                  <a:pt x="0" y="95250"/>
+                </a:lnTo>
+                <a:lnTo>
+                  <a:pt x="385762" y="0"/>
+                </a:lnTo>
+                <a:lnTo>
+                  <a:pt x="423862" y="128587"/>
+                </a:lnTo>
+                <a:lnTo>
+                  <a:pt x="42862" y="252412"/>
+                </a:lnTo>
+                <a:close/>
+              </a:path>
+            </a:pathLst>
+          </a:custGeom>
+          <a:solidFill>
+            <a:srgbClr val="FFE699"/>
+          </a:solidFill>
+        </p:spPr>
+        <p:style>
+          <a:lnRef idx="2">
+            <a:schemeClr val="accent1">
+              <a:shade val="15000"/>
+            </a:schemeClr>
+          </a:lnRef>
+          <a:fillRef idx="1">
+            <a:schemeClr val="accent1"/>
+          </a:fillRef>
+          <a:effectRef idx="0">
+            <a:schemeClr val="accent1"/>
+          </a:effectRef>
+          <a:fontRef idx="minor">
+            <a:schemeClr val="lt1"/>
+          </a:fontRef>
+        </p:style>
+        <p:txBody>
+          <a:bodyPr rtlCol="0" anchor="ctr"/>
+          <a:lstStyle/>
+          <a:p>
+            <a:pPr algn="ctr"/>
+            <a:endParaRPr lang="ko-KR" altLang="en-US"/>
+          </a:p>
+        </p:txBody>
+      </p:sp>
+      <p:sp>
+        <p:nvSpPr>
+          <p:cNvPr id="9" name="자유형: 도형 8">
+            <a:extLst>
+              <a:ext uri="{FF2B5EF4-FFF2-40B4-BE49-F238E27FC236}">
+                <a16:creationId xmlns:a16="http://schemas.microsoft.com/office/drawing/2014/main" id="{40212231-4F12-7577-5663-BA11310D4E26}"/>
+              </a:ext>
+            </a:extLst>
+          </p:cNvPr>
+          <p:cNvSpPr/>
+          <p:nvPr/>
+        </p:nvSpPr>
+        <p:spPr>
+          <a:xfrm>
+            <a:off x="1528360" y="3719207"/>
+            <a:ext cx="404813" cy="209550"/>
+          </a:xfrm>
+          <a:custGeom>
+            <a:avLst/>
+            <a:gdLst>
+              <a:gd name="connsiteX0" fmla="*/ 0 w 404813"/>
+              <a:gd name="connsiteY0" fmla="*/ 100012 h 209550"/>
+              <a:gd name="connsiteX1" fmla="*/ 385763 w 404813"/>
+              <a:gd name="connsiteY1" fmla="*/ 0 h 209550"/>
+              <a:gd name="connsiteX2" fmla="*/ 404813 w 404813"/>
+              <a:gd name="connsiteY2" fmla="*/ 114300 h 209550"/>
+              <a:gd name="connsiteX3" fmla="*/ 23813 w 404813"/>
+              <a:gd name="connsiteY3" fmla="*/ 209550 h 209550"/>
+              <a:gd name="connsiteX4" fmla="*/ 0 w 404813"/>
+              <a:gd name="connsiteY4" fmla="*/ 100012 h 209550"/>
+            </a:gdLst>
+            <a:ahLst/>
+            <a:cxnLst>
+              <a:cxn ang="0">
+                <a:pos x="connsiteX0" y="connsiteY0"/>
+              </a:cxn>
+              <a:cxn ang="0">
+                <a:pos x="connsiteX1" y="connsiteY1"/>
+              </a:cxn>
+              <a:cxn ang="0">
+                <a:pos x="connsiteX2" y="connsiteY2"/>
+              </a:cxn>
+              <a:cxn ang="0">
+                <a:pos x="connsiteX3" y="connsiteY3"/>
+              </a:cxn>
+              <a:cxn ang="0">
+                <a:pos x="connsiteX4" y="connsiteY4"/>
+              </a:cxn>
+            </a:cxnLst>
+            <a:rect l="l" t="t" r="r" b="b"/>
+            <a:pathLst>
+              <a:path w="404813" h="209550">
+                <a:moveTo>
+                  <a:pt x="0" y="100012"/>
+                </a:moveTo>
+                <a:lnTo>
+                  <a:pt x="385763" y="0"/>
+                </a:lnTo>
+                <a:lnTo>
+                  <a:pt x="404813" y="114300"/>
+                </a:lnTo>
+                <a:lnTo>
+                  <a:pt x="23813" y="209550"/>
+                </a:lnTo>
+                <a:lnTo>
+                  <a:pt x="0" y="100012"/>
+                </a:lnTo>
+                <a:close/>
+              </a:path>
+            </a:pathLst>
+          </a:custGeom>
+          <a:solidFill>
+            <a:srgbClr val="FFE699"/>
+          </a:solidFill>
+        </p:spPr>
+        <p:style>
+          <a:lnRef idx="2">
+            <a:schemeClr val="accent1">
+              <a:shade val="15000"/>
+            </a:schemeClr>
+          </a:lnRef>
+          <a:fillRef idx="1">
+            <a:schemeClr val="accent1"/>
+          </a:fillRef>
+          <a:effectRef idx="0">
+            <a:schemeClr val="accent1"/>
+          </a:effectRef>
+          <a:fontRef idx="minor">
+            <a:schemeClr val="lt1"/>
+          </a:fontRef>
+        </p:style>
+        <p:txBody>
+          <a:bodyPr rtlCol="0" anchor="ctr"/>
+          <a:lstStyle/>
+          <a:p>
+            <a:pPr algn="ctr"/>
+            <a:endParaRPr lang="ko-KR" altLang="en-US"/>
+          </a:p>
+        </p:txBody>
+      </p:sp>
+      <p:sp>
+        <p:nvSpPr>
+          <p:cNvPr id="10" name="TextBox 9">
+            <a:extLst>
+              <a:ext uri="{FF2B5EF4-FFF2-40B4-BE49-F238E27FC236}">
+                <a16:creationId xmlns:a16="http://schemas.microsoft.com/office/drawing/2014/main" id="{B40BC46A-329F-8974-D4D0-F32AA78AE81D}"/>
               </a:ext>
             </a:extLst>
           </p:cNvPr>
@@ -26655,8 +26965,8 @@
         </p:nvSpPr>
         <p:spPr>
           <a:xfrm>
-            <a:off x="7966931" y="3388401"/>
-            <a:ext cx="783598" cy="430887"/>
+            <a:off x="6254877" y="4158774"/>
+            <a:ext cx="1253599" cy="261610"/>
           </a:xfrm>
           <a:prstGeom prst="rect">
             <a:avLst/>
@@ -26712,14 +27022,844 @@
           </a:lstStyle>
           <a:p>
             <a:r>
+              <a:rPr lang="en-US" altLang="ko-KR" sz="1700" dirty="0"/>
+              <a:t>= 3,300 (m</a:t>
+            </a:r>
+            <a:r>
+              <a:rPr lang="en-US" altLang="ko-KR" sz="1700" baseline="30000" dirty="0"/>
+              <a:t>2</a:t>
+            </a:r>
+            <a:r>
+              <a:rPr lang="en-US" altLang="ko-KR" sz="1700" dirty="0"/>
+              <a:t>)</a:t>
+            </a:r>
+          </a:p>
+        </p:txBody>
+      </p:sp>
+      <p:sp>
+        <p:nvSpPr>
+          <p:cNvPr id="11" name="자유형: 도형 10">
+            <a:extLst>
+              <a:ext uri="{FF2B5EF4-FFF2-40B4-BE49-F238E27FC236}">
+                <a16:creationId xmlns:a16="http://schemas.microsoft.com/office/drawing/2014/main" id="{92D622AA-E34D-0FC4-F7BC-A52E034F20A1}"/>
+              </a:ext>
+            </a:extLst>
+          </p:cNvPr>
+          <p:cNvSpPr/>
+          <p:nvPr/>
+        </p:nvSpPr>
+        <p:spPr>
+          <a:xfrm>
+            <a:off x="5816779" y="3688194"/>
+            <a:ext cx="1136446" cy="836778"/>
+          </a:xfrm>
+          <a:custGeom>
+            <a:avLst/>
+            <a:gdLst>
+              <a:gd name="connsiteX0" fmla="*/ 288925 w 2203450"/>
+              <a:gd name="connsiteY0" fmla="*/ 1622425 h 1622425"/>
+              <a:gd name="connsiteX1" fmla="*/ 793750 w 2203450"/>
+              <a:gd name="connsiteY1" fmla="*/ 1492250 h 1622425"/>
+              <a:gd name="connsiteX2" fmla="*/ 654050 w 2203450"/>
+              <a:gd name="connsiteY2" fmla="*/ 1009650 h 1622425"/>
+              <a:gd name="connsiteX3" fmla="*/ 787400 w 2203450"/>
+              <a:gd name="connsiteY3" fmla="*/ 977900 h 1622425"/>
+              <a:gd name="connsiteX4" fmla="*/ 736600 w 2203450"/>
+              <a:gd name="connsiteY4" fmla="*/ 787400 h 1622425"/>
+              <a:gd name="connsiteX5" fmla="*/ 2203450 w 2203450"/>
+              <a:gd name="connsiteY5" fmla="*/ 425450 h 1622425"/>
+              <a:gd name="connsiteX6" fmla="*/ 2095500 w 2203450"/>
+              <a:gd name="connsiteY6" fmla="*/ 0 h 1622425"/>
+              <a:gd name="connsiteX7" fmla="*/ 0 w 2203450"/>
+              <a:gd name="connsiteY7" fmla="*/ 476250 h 1622425"/>
+              <a:gd name="connsiteX8" fmla="*/ 288925 w 2203450"/>
+              <a:gd name="connsiteY8" fmla="*/ 1622425 h 1622425"/>
+            </a:gdLst>
+            <a:ahLst/>
+            <a:cxnLst>
+              <a:cxn ang="0">
+                <a:pos x="connsiteX0" y="connsiteY0"/>
+              </a:cxn>
+              <a:cxn ang="0">
+                <a:pos x="connsiteX1" y="connsiteY1"/>
+              </a:cxn>
+              <a:cxn ang="0">
+                <a:pos x="connsiteX2" y="connsiteY2"/>
+              </a:cxn>
+              <a:cxn ang="0">
+                <a:pos x="connsiteX3" y="connsiteY3"/>
+              </a:cxn>
+              <a:cxn ang="0">
+                <a:pos x="connsiteX4" y="connsiteY4"/>
+              </a:cxn>
+              <a:cxn ang="0">
+                <a:pos x="connsiteX5" y="connsiteY5"/>
+              </a:cxn>
+              <a:cxn ang="0">
+                <a:pos x="connsiteX6" y="connsiteY6"/>
+              </a:cxn>
+              <a:cxn ang="0">
+                <a:pos x="connsiteX7" y="connsiteY7"/>
+              </a:cxn>
+              <a:cxn ang="0">
+                <a:pos x="connsiteX8" y="connsiteY8"/>
+              </a:cxn>
+            </a:cxnLst>
+            <a:rect l="l" t="t" r="r" b="b"/>
+            <a:pathLst>
+              <a:path w="2203450" h="1622425">
+                <a:moveTo>
+                  <a:pt x="288925" y="1622425"/>
+                </a:moveTo>
+                <a:lnTo>
+                  <a:pt x="793750" y="1492250"/>
+                </a:lnTo>
+                <a:lnTo>
+                  <a:pt x="654050" y="1009650"/>
+                </a:lnTo>
+                <a:lnTo>
+                  <a:pt x="787400" y="977900"/>
+                </a:lnTo>
+                <a:lnTo>
+                  <a:pt x="736600" y="787400"/>
+                </a:lnTo>
+                <a:lnTo>
+                  <a:pt x="2203450" y="425450"/>
+                </a:lnTo>
+                <a:lnTo>
+                  <a:pt x="2095500" y="0"/>
+                </a:lnTo>
+                <a:lnTo>
+                  <a:pt x="0" y="476250"/>
+                </a:lnTo>
+                <a:lnTo>
+                  <a:pt x="288925" y="1622425"/>
+                </a:lnTo>
+                <a:close/>
+              </a:path>
+            </a:pathLst>
+          </a:custGeom>
+          <a:solidFill>
+            <a:srgbClr val="B4C7E7"/>
+          </a:solidFill>
+        </p:spPr>
+        <p:style>
+          <a:lnRef idx="2">
+            <a:schemeClr val="accent1">
+              <a:shade val="15000"/>
+            </a:schemeClr>
+          </a:lnRef>
+          <a:fillRef idx="1">
+            <a:schemeClr val="accent1"/>
+          </a:fillRef>
+          <a:effectRef idx="0">
+            <a:schemeClr val="accent1"/>
+          </a:effectRef>
+          <a:fontRef idx="minor">
+            <a:schemeClr val="lt1"/>
+          </a:fontRef>
+        </p:style>
+        <p:txBody>
+          <a:bodyPr rtlCol="0" anchor="ctr"/>
+          <a:lstStyle/>
+          <a:p>
+            <a:pPr algn="ctr"/>
+            <a:endParaRPr lang="ko-KR" altLang="en-US"/>
+          </a:p>
+        </p:txBody>
+      </p:sp>
+      <p:sp>
+        <p:nvSpPr>
+          <p:cNvPr id="13" name="자유형: 도형 12">
+            <a:extLst>
+              <a:ext uri="{FF2B5EF4-FFF2-40B4-BE49-F238E27FC236}">
+                <a16:creationId xmlns:a16="http://schemas.microsoft.com/office/drawing/2014/main" id="{A5CB5758-76B5-0E22-FC49-2440F3DD59DB}"/>
+              </a:ext>
+            </a:extLst>
+          </p:cNvPr>
+          <p:cNvSpPr/>
+          <p:nvPr/>
+        </p:nvSpPr>
+        <p:spPr>
+          <a:xfrm>
+            <a:off x="6234625" y="2638634"/>
+            <a:ext cx="849880" cy="373358"/>
+          </a:xfrm>
+          <a:custGeom>
+            <a:avLst/>
+            <a:gdLst>
+              <a:gd name="connsiteX0" fmla="*/ 0 w 1647825"/>
+              <a:gd name="connsiteY0" fmla="*/ 361950 h 723900"/>
+              <a:gd name="connsiteX1" fmla="*/ 57150 w 1647825"/>
+              <a:gd name="connsiteY1" fmla="*/ 633413 h 723900"/>
+              <a:gd name="connsiteX2" fmla="*/ 219075 w 1647825"/>
+              <a:gd name="connsiteY2" fmla="*/ 590550 h 723900"/>
+              <a:gd name="connsiteX3" fmla="*/ 257175 w 1647825"/>
+              <a:gd name="connsiteY3" fmla="*/ 723900 h 723900"/>
+              <a:gd name="connsiteX4" fmla="*/ 1647825 w 1647825"/>
+              <a:gd name="connsiteY4" fmla="*/ 371475 h 723900"/>
+              <a:gd name="connsiteX5" fmla="*/ 1562100 w 1647825"/>
+              <a:gd name="connsiteY5" fmla="*/ 0 h 723900"/>
+              <a:gd name="connsiteX6" fmla="*/ 0 w 1647825"/>
+              <a:gd name="connsiteY6" fmla="*/ 361950 h 723900"/>
+            </a:gdLst>
+            <a:ahLst/>
+            <a:cxnLst>
+              <a:cxn ang="0">
+                <a:pos x="connsiteX0" y="connsiteY0"/>
+              </a:cxn>
+              <a:cxn ang="0">
+                <a:pos x="connsiteX1" y="connsiteY1"/>
+              </a:cxn>
+              <a:cxn ang="0">
+                <a:pos x="connsiteX2" y="connsiteY2"/>
+              </a:cxn>
+              <a:cxn ang="0">
+                <a:pos x="connsiteX3" y="connsiteY3"/>
+              </a:cxn>
+              <a:cxn ang="0">
+                <a:pos x="connsiteX4" y="connsiteY4"/>
+              </a:cxn>
+              <a:cxn ang="0">
+                <a:pos x="connsiteX5" y="connsiteY5"/>
+              </a:cxn>
+              <a:cxn ang="0">
+                <a:pos x="connsiteX6" y="connsiteY6"/>
+              </a:cxn>
+            </a:cxnLst>
+            <a:rect l="l" t="t" r="r" b="b"/>
+            <a:pathLst>
+              <a:path w="1647825" h="723900">
+                <a:moveTo>
+                  <a:pt x="0" y="361950"/>
+                </a:moveTo>
+                <a:lnTo>
+                  <a:pt x="57150" y="633413"/>
+                </a:lnTo>
+                <a:lnTo>
+                  <a:pt x="219075" y="590550"/>
+                </a:lnTo>
+                <a:lnTo>
+                  <a:pt x="257175" y="723900"/>
+                </a:lnTo>
+                <a:lnTo>
+                  <a:pt x="1647825" y="371475"/>
+                </a:lnTo>
+                <a:lnTo>
+                  <a:pt x="1562100" y="0"/>
+                </a:lnTo>
+                <a:lnTo>
+                  <a:pt x="0" y="361950"/>
+                </a:lnTo>
+                <a:close/>
+              </a:path>
+            </a:pathLst>
+          </a:custGeom>
+          <a:solidFill>
+            <a:srgbClr val="FFE699"/>
+          </a:solidFill>
+        </p:spPr>
+        <p:style>
+          <a:lnRef idx="2">
+            <a:schemeClr val="accent1">
+              <a:shade val="15000"/>
+            </a:schemeClr>
+          </a:lnRef>
+          <a:fillRef idx="1">
+            <a:schemeClr val="accent1"/>
+          </a:fillRef>
+          <a:effectRef idx="0">
+            <a:schemeClr val="accent1"/>
+          </a:effectRef>
+          <a:fontRef idx="minor">
+            <a:schemeClr val="lt1"/>
+          </a:fontRef>
+        </p:style>
+        <p:txBody>
+          <a:bodyPr rtlCol="0" anchor="ctr"/>
+          <a:lstStyle/>
+          <a:p>
+            <a:pPr algn="ctr"/>
+            <a:endParaRPr lang="ko-KR" altLang="en-US" dirty="0"/>
+          </a:p>
+        </p:txBody>
+      </p:sp>
+      <p:sp>
+        <p:nvSpPr>
+          <p:cNvPr id="14" name="자유형: 도형 13">
+            <a:extLst>
+              <a:ext uri="{FF2B5EF4-FFF2-40B4-BE49-F238E27FC236}">
+                <a16:creationId xmlns:a16="http://schemas.microsoft.com/office/drawing/2014/main" id="{6D8A29AC-4D6B-B095-BCEB-9F458C865F10}"/>
+              </a:ext>
+            </a:extLst>
+          </p:cNvPr>
+          <p:cNvSpPr/>
+          <p:nvPr/>
+        </p:nvSpPr>
+        <p:spPr>
+          <a:xfrm>
+            <a:off x="5963223" y="2911015"/>
+            <a:ext cx="223524" cy="130184"/>
+          </a:xfrm>
+          <a:custGeom>
+            <a:avLst/>
+            <a:gdLst>
+              <a:gd name="connsiteX0" fmla="*/ 0 w 433387"/>
+              <a:gd name="connsiteY0" fmla="*/ 100013 h 252413"/>
+              <a:gd name="connsiteX1" fmla="*/ 390525 w 433387"/>
+              <a:gd name="connsiteY1" fmla="*/ 0 h 252413"/>
+              <a:gd name="connsiteX2" fmla="*/ 433387 w 433387"/>
+              <a:gd name="connsiteY2" fmla="*/ 157163 h 252413"/>
+              <a:gd name="connsiteX3" fmla="*/ 33337 w 433387"/>
+              <a:gd name="connsiteY3" fmla="*/ 252413 h 252413"/>
+              <a:gd name="connsiteX4" fmla="*/ 0 w 433387"/>
+              <a:gd name="connsiteY4" fmla="*/ 100013 h 252413"/>
+            </a:gdLst>
+            <a:ahLst/>
+            <a:cxnLst>
+              <a:cxn ang="0">
+                <a:pos x="connsiteX0" y="connsiteY0"/>
+              </a:cxn>
+              <a:cxn ang="0">
+                <a:pos x="connsiteX1" y="connsiteY1"/>
+              </a:cxn>
+              <a:cxn ang="0">
+                <a:pos x="connsiteX2" y="connsiteY2"/>
+              </a:cxn>
+              <a:cxn ang="0">
+                <a:pos x="connsiteX3" y="connsiteY3"/>
+              </a:cxn>
+              <a:cxn ang="0">
+                <a:pos x="connsiteX4" y="connsiteY4"/>
+              </a:cxn>
+            </a:cxnLst>
+            <a:rect l="l" t="t" r="r" b="b"/>
+            <a:pathLst>
+              <a:path w="433387" h="252413">
+                <a:moveTo>
+                  <a:pt x="0" y="100013"/>
+                </a:moveTo>
+                <a:lnTo>
+                  <a:pt x="390525" y="0"/>
+                </a:lnTo>
+                <a:lnTo>
+                  <a:pt x="433387" y="157163"/>
+                </a:lnTo>
+                <a:lnTo>
+                  <a:pt x="33337" y="252413"/>
+                </a:lnTo>
+                <a:lnTo>
+                  <a:pt x="0" y="100013"/>
+                </a:lnTo>
+                <a:close/>
+              </a:path>
+            </a:pathLst>
+          </a:custGeom>
+          <a:solidFill>
+            <a:srgbClr val="FFE699"/>
+          </a:solidFill>
+        </p:spPr>
+        <p:style>
+          <a:lnRef idx="2">
+            <a:schemeClr val="accent1">
+              <a:shade val="15000"/>
+            </a:schemeClr>
+          </a:lnRef>
+          <a:fillRef idx="1">
+            <a:schemeClr val="accent1"/>
+          </a:fillRef>
+          <a:effectRef idx="0">
+            <a:schemeClr val="accent1"/>
+          </a:effectRef>
+          <a:fontRef idx="minor">
+            <a:schemeClr val="lt1"/>
+          </a:fontRef>
+        </p:style>
+        <p:txBody>
+          <a:bodyPr rtlCol="0" anchor="ctr"/>
+          <a:lstStyle/>
+          <a:p>
+            <a:pPr algn="ctr"/>
+            <a:endParaRPr lang="ko-KR" altLang="en-US"/>
+          </a:p>
+        </p:txBody>
+      </p:sp>
+      <p:sp>
+        <p:nvSpPr>
+          <p:cNvPr id="15" name="자유형: 도형 14">
+            <a:extLst>
+              <a:ext uri="{FF2B5EF4-FFF2-40B4-BE49-F238E27FC236}">
+                <a16:creationId xmlns:a16="http://schemas.microsoft.com/office/drawing/2014/main" id="{198DE682-A5A5-EA47-06E5-FDFEDB19C04B}"/>
+              </a:ext>
+            </a:extLst>
+          </p:cNvPr>
+          <p:cNvSpPr/>
+          <p:nvPr/>
+        </p:nvSpPr>
+        <p:spPr>
+          <a:xfrm>
+            <a:off x="5999745" y="3034784"/>
+            <a:ext cx="218610" cy="130184"/>
+          </a:xfrm>
+          <a:custGeom>
+            <a:avLst/>
+            <a:gdLst>
+              <a:gd name="connsiteX0" fmla="*/ 42862 w 423862"/>
+              <a:gd name="connsiteY0" fmla="*/ 252412 h 252412"/>
+              <a:gd name="connsiteX1" fmla="*/ 0 w 423862"/>
+              <a:gd name="connsiteY1" fmla="*/ 95250 h 252412"/>
+              <a:gd name="connsiteX2" fmla="*/ 385762 w 423862"/>
+              <a:gd name="connsiteY2" fmla="*/ 0 h 252412"/>
+              <a:gd name="connsiteX3" fmla="*/ 423862 w 423862"/>
+              <a:gd name="connsiteY3" fmla="*/ 128587 h 252412"/>
+              <a:gd name="connsiteX4" fmla="*/ 42862 w 423862"/>
+              <a:gd name="connsiteY4" fmla="*/ 252412 h 252412"/>
+            </a:gdLst>
+            <a:ahLst/>
+            <a:cxnLst>
+              <a:cxn ang="0">
+                <a:pos x="connsiteX0" y="connsiteY0"/>
+              </a:cxn>
+              <a:cxn ang="0">
+                <a:pos x="connsiteX1" y="connsiteY1"/>
+              </a:cxn>
+              <a:cxn ang="0">
+                <a:pos x="connsiteX2" y="connsiteY2"/>
+              </a:cxn>
+              <a:cxn ang="0">
+                <a:pos x="connsiteX3" y="connsiteY3"/>
+              </a:cxn>
+              <a:cxn ang="0">
+                <a:pos x="connsiteX4" y="connsiteY4"/>
+              </a:cxn>
+            </a:cxnLst>
+            <a:rect l="l" t="t" r="r" b="b"/>
+            <a:pathLst>
+              <a:path w="423862" h="252412">
+                <a:moveTo>
+                  <a:pt x="42862" y="252412"/>
+                </a:moveTo>
+                <a:lnTo>
+                  <a:pt x="0" y="95250"/>
+                </a:lnTo>
+                <a:lnTo>
+                  <a:pt x="385762" y="0"/>
+                </a:lnTo>
+                <a:lnTo>
+                  <a:pt x="423862" y="128587"/>
+                </a:lnTo>
+                <a:lnTo>
+                  <a:pt x="42862" y="252412"/>
+                </a:lnTo>
+                <a:close/>
+              </a:path>
+            </a:pathLst>
+          </a:custGeom>
+          <a:solidFill>
+            <a:srgbClr val="FFE699"/>
+          </a:solidFill>
+        </p:spPr>
+        <p:style>
+          <a:lnRef idx="2">
+            <a:schemeClr val="accent1">
+              <a:shade val="15000"/>
+            </a:schemeClr>
+          </a:lnRef>
+          <a:fillRef idx="1">
+            <a:schemeClr val="accent1"/>
+          </a:fillRef>
+          <a:effectRef idx="0">
+            <a:schemeClr val="accent1"/>
+          </a:effectRef>
+          <a:fontRef idx="minor">
+            <a:schemeClr val="lt1"/>
+          </a:fontRef>
+        </p:style>
+        <p:txBody>
+          <a:bodyPr rtlCol="0" anchor="ctr"/>
+          <a:lstStyle/>
+          <a:p>
+            <a:pPr algn="ctr"/>
+            <a:endParaRPr lang="ko-KR" altLang="en-US"/>
+          </a:p>
+        </p:txBody>
+      </p:sp>
+      <p:sp>
+        <p:nvSpPr>
+          <p:cNvPr id="16" name="자유형: 도형 15">
+            <a:extLst>
+              <a:ext uri="{FF2B5EF4-FFF2-40B4-BE49-F238E27FC236}">
+                <a16:creationId xmlns:a16="http://schemas.microsoft.com/office/drawing/2014/main" id="{F7B18A0A-20FF-63A4-2462-E0892326A350}"/>
+              </a:ext>
+            </a:extLst>
+          </p:cNvPr>
+          <p:cNvSpPr/>
+          <p:nvPr/>
+        </p:nvSpPr>
+        <p:spPr>
+          <a:xfrm>
+            <a:off x="6046091" y="3161942"/>
+            <a:ext cx="208786" cy="108078"/>
+          </a:xfrm>
+          <a:custGeom>
+            <a:avLst/>
+            <a:gdLst>
+              <a:gd name="connsiteX0" fmla="*/ 0 w 404813"/>
+              <a:gd name="connsiteY0" fmla="*/ 100012 h 209550"/>
+              <a:gd name="connsiteX1" fmla="*/ 385763 w 404813"/>
+              <a:gd name="connsiteY1" fmla="*/ 0 h 209550"/>
+              <a:gd name="connsiteX2" fmla="*/ 404813 w 404813"/>
+              <a:gd name="connsiteY2" fmla="*/ 114300 h 209550"/>
+              <a:gd name="connsiteX3" fmla="*/ 23813 w 404813"/>
+              <a:gd name="connsiteY3" fmla="*/ 209550 h 209550"/>
+              <a:gd name="connsiteX4" fmla="*/ 0 w 404813"/>
+              <a:gd name="connsiteY4" fmla="*/ 100012 h 209550"/>
+            </a:gdLst>
+            <a:ahLst/>
+            <a:cxnLst>
+              <a:cxn ang="0">
+                <a:pos x="connsiteX0" y="connsiteY0"/>
+              </a:cxn>
+              <a:cxn ang="0">
+                <a:pos x="connsiteX1" y="connsiteY1"/>
+              </a:cxn>
+              <a:cxn ang="0">
+                <a:pos x="connsiteX2" y="connsiteY2"/>
+              </a:cxn>
+              <a:cxn ang="0">
+                <a:pos x="connsiteX3" y="connsiteY3"/>
+              </a:cxn>
+              <a:cxn ang="0">
+                <a:pos x="connsiteX4" y="connsiteY4"/>
+              </a:cxn>
+            </a:cxnLst>
+            <a:rect l="l" t="t" r="r" b="b"/>
+            <a:pathLst>
+              <a:path w="404813" h="209550">
+                <a:moveTo>
+                  <a:pt x="0" y="100012"/>
+                </a:moveTo>
+                <a:lnTo>
+                  <a:pt x="385763" y="0"/>
+                </a:lnTo>
+                <a:lnTo>
+                  <a:pt x="404813" y="114300"/>
+                </a:lnTo>
+                <a:lnTo>
+                  <a:pt x="23813" y="209550"/>
+                </a:lnTo>
+                <a:lnTo>
+                  <a:pt x="0" y="100012"/>
+                </a:lnTo>
+                <a:close/>
+              </a:path>
+            </a:pathLst>
+          </a:custGeom>
+          <a:solidFill>
+            <a:srgbClr val="FFE699"/>
+          </a:solidFill>
+        </p:spPr>
+        <p:style>
+          <a:lnRef idx="2">
+            <a:schemeClr val="accent1">
+              <a:shade val="15000"/>
+            </a:schemeClr>
+          </a:lnRef>
+          <a:fillRef idx="1">
+            <a:schemeClr val="accent1"/>
+          </a:fillRef>
+          <a:effectRef idx="0">
+            <a:schemeClr val="accent1"/>
+          </a:effectRef>
+          <a:fontRef idx="minor">
+            <a:schemeClr val="lt1"/>
+          </a:fontRef>
+        </p:style>
+        <p:txBody>
+          <a:bodyPr rtlCol="0" anchor="ctr"/>
+          <a:lstStyle/>
+          <a:p>
+            <a:pPr algn="ctr"/>
+            <a:endParaRPr lang="ko-KR" altLang="en-US"/>
+          </a:p>
+        </p:txBody>
+      </p:sp>
+      <p:sp>
+        <p:nvSpPr>
+          <p:cNvPr id="17" name="TextBox 16">
+            <a:extLst>
+              <a:ext uri="{FF2B5EF4-FFF2-40B4-BE49-F238E27FC236}">
+                <a16:creationId xmlns:a16="http://schemas.microsoft.com/office/drawing/2014/main" id="{E5CAB8BB-88B8-2440-2480-7B100C7B5E99}"/>
+              </a:ext>
+            </a:extLst>
+          </p:cNvPr>
+          <p:cNvSpPr txBox="1"/>
+          <p:nvPr/>
+        </p:nvSpPr>
+        <p:spPr>
+          <a:xfrm>
+            <a:off x="6254877" y="3099876"/>
+            <a:ext cx="1253599" cy="261610"/>
+          </a:xfrm>
+          <a:prstGeom prst="rect">
+            <a:avLst/>
+          </a:prstGeom>
+          <a:noFill/>
+        </p:spPr>
+        <p:txBody>
+          <a:bodyPr wrap="none" lIns="108000" tIns="0" rIns="0" bIns="0" anchor="ctr" anchorCtr="0">
+            <a:spAutoFit/>
+          </a:bodyPr>
+          <a:lstStyle>
+            <a:defPPr>
+              <a:defRPr lang="en-US"/>
+            </a:defPPr>
+            <a:lvl1pPr marR="0" lvl="0" indent="0" fontAlgn="auto">
+              <a:lnSpc>
+                <a:spcPct val="100000"/>
+              </a:lnSpc>
+              <a:spcBef>
+                <a:spcPts val="0"/>
+              </a:spcBef>
+              <a:spcAft>
+                <a:spcPts val="0"/>
+              </a:spcAft>
+              <a:buClrTx/>
+              <a:buSzPct val="120000"/>
+              <a:buFontTx/>
+              <a:buNone/>
+              <a:tabLst/>
+              <a:defRPr kumimoji="1" b="0" i="0" u="none" strike="noStrike" cap="none" spc="-60" normalizeH="0" baseline="0">
+                <a:ln>
+                  <a:solidFill>
+                    <a:srgbClr val="5B9BD5">
+                      <a:shade val="50000"/>
+                      <a:alpha val="0"/>
+                    </a:srgbClr>
+                  </a:solidFill>
+                </a:ln>
+                <a:solidFill>
+                  <a:prstClr val="black">
+                    <a:lumMod val="85000"/>
+                    <a:lumOff val="15000"/>
+                  </a:prstClr>
+                </a:solidFill>
+                <a:effectLst/>
+                <a:uLnTx/>
+                <a:uFillTx/>
+                <a:latin typeface="경기천년제목 Medium" panose="02020603020101020101" pitchFamily="18" charset="-127"/>
+                <a:ea typeface="경기천년제목 Medium" panose="02020603020101020101" pitchFamily="18" charset="-127"/>
+                <a:cs typeface="Pretendard SemiBold" panose="02000703000000020004" pitchFamily="50" charset="-127"/>
+              </a:defRPr>
+            </a:lvl1pPr>
+          </a:lstStyle>
+          <a:p>
+            <a:r>
+              <a:rPr lang="en-US" altLang="ko-KR" sz="1700" dirty="0"/>
+              <a:t>= 2,100 (m</a:t>
+            </a:r>
+            <a:r>
+              <a:rPr lang="en-US" altLang="ko-KR" sz="1700" baseline="30000" dirty="0"/>
+              <a:t>2</a:t>
+            </a:r>
+            <a:r>
+              <a:rPr lang="en-US" altLang="ko-KR" sz="1700" dirty="0"/>
+              <a:t>)</a:t>
+            </a:r>
+          </a:p>
+        </p:txBody>
+      </p:sp>
+      <p:cxnSp>
+        <p:nvCxnSpPr>
+          <p:cNvPr id="19" name="직선 연결선 18">
+            <a:extLst>
+              <a:ext uri="{FF2B5EF4-FFF2-40B4-BE49-F238E27FC236}">
+                <a16:creationId xmlns:a16="http://schemas.microsoft.com/office/drawing/2014/main" id="{445F0B0C-1CC0-8C64-8C54-58C680B49646}"/>
+              </a:ext>
+            </a:extLst>
+          </p:cNvPr>
+          <p:cNvCxnSpPr>
+            <a:cxnSpLocks/>
+          </p:cNvCxnSpPr>
+          <p:nvPr/>
+        </p:nvCxnSpPr>
+        <p:spPr>
+          <a:xfrm>
+            <a:off x="5580797" y="3550328"/>
+            <a:ext cx="1800000" cy="0"/>
+          </a:xfrm>
+          <a:prstGeom prst="line">
+            <a:avLst/>
+          </a:prstGeom>
+          <a:ln w="19050">
+            <a:solidFill>
+              <a:schemeClr val="tx1"/>
+            </a:solidFill>
+          </a:ln>
+        </p:spPr>
+        <p:style>
+          <a:lnRef idx="1">
+            <a:schemeClr val="accent1"/>
+          </a:lnRef>
+          <a:fillRef idx="0">
+            <a:schemeClr val="accent1"/>
+          </a:fillRef>
+          <a:effectRef idx="0">
+            <a:schemeClr val="accent1"/>
+          </a:effectRef>
+          <a:fontRef idx="minor">
+            <a:schemeClr val="tx1"/>
+          </a:fontRef>
+        </p:style>
+      </p:cxnSp>
+      <p:pic>
+        <p:nvPicPr>
+          <p:cNvPr id="28" name="그림 27">
+            <a:extLst>
+              <a:ext uri="{FF2B5EF4-FFF2-40B4-BE49-F238E27FC236}">
+                <a16:creationId xmlns:a16="http://schemas.microsoft.com/office/drawing/2014/main" id="{4C67289B-3E7F-3964-6A97-71D83AE78A07}"/>
+              </a:ext>
+            </a:extLst>
+          </p:cNvPr>
+          <p:cNvPicPr>
+            <a:picLocks noChangeAspect="1"/>
+          </p:cNvPicPr>
+          <p:nvPr/>
+        </p:nvPicPr>
+        <p:blipFill>
+          <a:blip r:embed="rId2"/>
+          <a:stretch>
+            <a:fillRect/>
+          </a:stretch>
+        </p:blipFill>
+        <p:spPr>
+          <a:xfrm>
+            <a:off x="11371033" y="733888"/>
+            <a:ext cx="770537" cy="2476500"/>
+          </a:xfrm>
+          <a:prstGeom prst="rect">
+            <a:avLst/>
+          </a:prstGeom>
+        </p:spPr>
+      </p:pic>
+      <p:sp>
+        <p:nvSpPr>
+          <p:cNvPr id="31" name="TextBox 30">
+            <a:extLst>
+              <a:ext uri="{FF2B5EF4-FFF2-40B4-BE49-F238E27FC236}">
+                <a16:creationId xmlns:a16="http://schemas.microsoft.com/office/drawing/2014/main" id="{B2F57DF9-9469-3BC9-2A4E-7C9357F80BB8}"/>
+              </a:ext>
+            </a:extLst>
+          </p:cNvPr>
+          <p:cNvSpPr txBox="1"/>
+          <p:nvPr/>
+        </p:nvSpPr>
+        <p:spPr>
+          <a:xfrm>
+            <a:off x="885158" y="2553271"/>
+            <a:ext cx="465973" cy="400110"/>
+          </a:xfrm>
+          <a:prstGeom prst="rect">
+            <a:avLst/>
+          </a:prstGeom>
+          <a:noFill/>
+          <a:ln>
+            <a:noFill/>
+          </a:ln>
+        </p:spPr>
+        <p:txBody>
+          <a:bodyPr wrap="square">
+            <a:spAutoFit/>
+          </a:bodyPr>
+          <a:lstStyle/>
+          <a:p>
+            <a:r>
+              <a:rPr lang="en-US" altLang="ko-KR" sz="2000" b="1" dirty="0"/>
+              <a:t>(b)</a:t>
+            </a:r>
+            <a:endParaRPr lang="ko-KR" altLang="en-US" sz="2000" b="1" dirty="0"/>
+          </a:p>
+        </p:txBody>
+      </p:sp>
+      <p:sp>
+        <p:nvSpPr>
+          <p:cNvPr id="33" name="TextBox 32">
+            <a:extLst>
+              <a:ext uri="{FF2B5EF4-FFF2-40B4-BE49-F238E27FC236}">
+                <a16:creationId xmlns:a16="http://schemas.microsoft.com/office/drawing/2014/main" id="{72C3F7F4-57A4-BA25-7C9A-557C2D3AF994}"/>
+              </a:ext>
+            </a:extLst>
+          </p:cNvPr>
+          <p:cNvSpPr txBox="1"/>
+          <p:nvPr/>
+        </p:nvSpPr>
+        <p:spPr>
+          <a:xfrm>
+            <a:off x="7966931" y="3388401"/>
+            <a:ext cx="783598" cy="430887"/>
+          </a:xfrm>
+          <a:prstGeom prst="rect">
+            <a:avLst/>
+          </a:prstGeom>
+          <a:noFill/>
+        </p:spPr>
+        <p:txBody>
+          <a:bodyPr wrap="none" lIns="108000" tIns="0" rIns="0" bIns="0" anchor="ctr" anchorCtr="0">
+            <a:spAutoFit/>
+          </a:bodyPr>
+          <a:lstStyle>
+            <a:defPPr>
+              <a:defRPr lang="en-US"/>
+            </a:defPPr>
+            <a:lvl1pPr marR="0" lvl="0" indent="0" fontAlgn="auto">
+              <a:lnSpc>
+                <a:spcPct val="100000"/>
+              </a:lnSpc>
+              <a:spcBef>
+                <a:spcPts val="0"/>
+              </a:spcBef>
+              <a:spcAft>
+                <a:spcPts val="0"/>
+              </a:spcAft>
+              <a:buClrTx/>
+              <a:buSzPct val="120000"/>
+              <a:buFontTx/>
+              <a:buNone/>
+              <a:tabLst/>
+              <a:defRPr kumimoji="1" b="0" i="0" u="none" strike="noStrike" cap="none" spc="-60" normalizeH="0" baseline="0">
+                <a:ln>
+                  <a:solidFill>
+                    <a:srgbClr val="5B9BD5">
+                      <a:shade val="50000"/>
+                      <a:alpha val="0"/>
+                    </a:srgbClr>
+                  </a:solidFill>
+                </a:ln>
+                <a:solidFill>
+                  <a:prstClr val="black">
+                    <a:lumMod val="85000"/>
+                    <a:lumOff val="15000"/>
+                  </a:prstClr>
+                </a:solidFill>
+                <a:effectLst/>
+                <a:uLnTx/>
+                <a:uFillTx/>
+                <a:latin typeface="경기천년제목 Medium" panose="02020603020101020101" pitchFamily="18" charset="-127"/>
+                <a:ea typeface="경기천년제목 Medium" panose="02020603020101020101" pitchFamily="18" charset="-127"/>
+                <a:cs typeface="Pretendard SemiBold" panose="02000703000000020004" pitchFamily="50" charset="-127"/>
+              </a:defRPr>
+            </a:lvl1pPr>
+          </a:lstStyle>
+          <a:p>
+            <a:r>
               <a:rPr lang="en-US" altLang="ko-KR" sz="2800" dirty="0"/>
               <a:t>0.64</a:t>
             </a:r>
           </a:p>
         </p:txBody>
       </p:sp>
-      <mc:AlternateContent xmlns:mc="http://schemas.openxmlformats.org/markup-compatibility/2006">
-        <mc:Choice xmlns:a14="http://schemas.microsoft.com/office/drawing/2010/main" Requires="a14">
+      <mc:AlternateContent xmlns:mc="http://schemas.openxmlformats.org/markup-compatibility/2006" xmlns:a14="http://schemas.microsoft.com/office/drawing/2010/main">
+        <mc:Choice Requires="a14">
           <p:sp>
             <p:nvSpPr>
               <p:cNvPr id="3" name="TextBox 2">
@@ -26830,7 +27970,7 @@
             </p:txBody>
           </p:sp>
         </mc:Choice>
-        <mc:Fallback>
+        <mc:Fallback xmlns="">
           <p:sp>
             <p:nvSpPr>
               <p:cNvPr id="3" name="TextBox 2">
@@ -29258,8 +30398,8 @@
           </a:p>
         </p:txBody>
       </p:sp>
-      <mc:AlternateContent xmlns:mc="http://schemas.openxmlformats.org/markup-compatibility/2006">
-        <mc:Choice xmlns:a14="http://schemas.microsoft.com/office/drawing/2010/main" Requires="a14">
+      <mc:AlternateContent xmlns:mc="http://schemas.openxmlformats.org/markup-compatibility/2006" xmlns:a14="http://schemas.microsoft.com/office/drawing/2010/main">
+        <mc:Choice Requires="a14">
           <p:sp>
             <p:nvSpPr>
               <p:cNvPr id="82" name="TextBox 81">
@@ -29339,7 +30479,7 @@
             </p:txBody>
           </p:sp>
         </mc:Choice>
-        <mc:Fallback>
+        <mc:Fallback xmlns="">
           <p:sp>
             <p:nvSpPr>
               <p:cNvPr id="82" name="TextBox 81">

--- a/ppt/Study Design.pptx
+++ b/ppt/Study Design.pptx
@@ -5,24 +5,26 @@
     <p:sldMasterId id="2147483648" r:id="rId1"/>
   </p:sldMasterIdLst>
   <p:notesMasterIdLst>
-    <p:notesMasterId r:id="rId17"/>
+    <p:notesMasterId r:id="rId19"/>
   </p:notesMasterIdLst>
   <p:sldIdLst>
     <p:sldId id="262" r:id="rId2"/>
-    <p:sldId id="270" r:id="rId3"/>
-    <p:sldId id="271" r:id="rId4"/>
-    <p:sldId id="260" r:id="rId5"/>
-    <p:sldId id="264" r:id="rId6"/>
-    <p:sldId id="268" r:id="rId7"/>
-    <p:sldId id="269" r:id="rId8"/>
-    <p:sldId id="266" r:id="rId9"/>
-    <p:sldId id="263" r:id="rId10"/>
-    <p:sldId id="265" r:id="rId11"/>
-    <p:sldId id="256" r:id="rId12"/>
-    <p:sldId id="257" r:id="rId13"/>
-    <p:sldId id="258" r:id="rId14"/>
-    <p:sldId id="259" r:id="rId15"/>
-    <p:sldId id="261" r:id="rId16"/>
+    <p:sldId id="272" r:id="rId3"/>
+    <p:sldId id="273" r:id="rId4"/>
+    <p:sldId id="270" r:id="rId5"/>
+    <p:sldId id="271" r:id="rId6"/>
+    <p:sldId id="260" r:id="rId7"/>
+    <p:sldId id="264" r:id="rId8"/>
+    <p:sldId id="268" r:id="rId9"/>
+    <p:sldId id="269" r:id="rId10"/>
+    <p:sldId id="266" r:id="rId11"/>
+    <p:sldId id="263" r:id="rId12"/>
+    <p:sldId id="265" r:id="rId13"/>
+    <p:sldId id="256" r:id="rId14"/>
+    <p:sldId id="257" r:id="rId15"/>
+    <p:sldId id="258" r:id="rId16"/>
+    <p:sldId id="259" r:id="rId17"/>
+    <p:sldId id="261" r:id="rId18"/>
   </p:sldIdLst>
   <p:sldSz cx="12192000" cy="6858000"/>
   <p:notesSz cx="6858000" cy="9144000"/>
@@ -131,6 +133,8 @@
         </p14:section>
         <p14:section name="Fig" id="{848EB37F-F1EE-4AD9-8FF2-5243F8D4B475}">
           <p14:sldIdLst>
+            <p14:sldId id="272"/>
+            <p14:sldId id="273"/>
             <p14:sldId id="270"/>
             <p14:sldId id="271"/>
             <p14:sldId id="260"/>
@@ -246,7 +250,7 @@
           <a:p>
             <a:fld id="{EB97FE8D-238D-4EE6-80A4-85F1DD8976F8}" type="datetimeFigureOut">
               <a:rPr lang="ko-KR" altLang="en-US" smtClean="0"/>
-              <a:t>2024-09-27</a:t>
+              <a:t>2024-10-15</a:t>
             </a:fld>
             <a:endParaRPr lang="ko-KR" altLang="en-US"/>
           </a:p>
@@ -578,7 +582,7 @@
           <a:p>
             <a:fld id="{A691DA44-60AB-41A9-A0E4-71F5E41717A3}" type="slidenum">
               <a:rPr lang="ko-KR" altLang="en-US" smtClean="0"/>
-              <a:t>4</a:t>
+              <a:t>6</a:t>
             </a:fld>
             <a:endParaRPr lang="ko-KR" altLang="en-US"/>
           </a:p>
@@ -662,7 +666,7 @@
           <a:p>
             <a:fld id="{A691DA44-60AB-41A9-A0E4-71F5E41717A3}" type="slidenum">
               <a:rPr lang="ko-KR" altLang="en-US" smtClean="0"/>
-              <a:t>5</a:t>
+              <a:t>7</a:t>
             </a:fld>
             <a:endParaRPr lang="ko-KR" altLang="en-US"/>
           </a:p>
@@ -746,7 +750,7 @@
           <a:p>
             <a:fld id="{A691DA44-60AB-41A9-A0E4-71F5E41717A3}" type="slidenum">
               <a:rPr lang="ko-KR" altLang="en-US" smtClean="0"/>
-              <a:t>6</a:t>
+              <a:t>8</a:t>
             </a:fld>
             <a:endParaRPr lang="ko-KR" altLang="en-US"/>
           </a:p>
@@ -912,7 +916,7 @@
           <a:p>
             <a:fld id="{914E928F-484F-4321-94D7-7697F8901549}" type="datetimeFigureOut">
               <a:rPr lang="ko-KR" altLang="en-US" smtClean="0"/>
-              <a:t>2024-09-27</a:t>
+              <a:t>2024-10-15</a:t>
             </a:fld>
             <a:endParaRPr lang="ko-KR" altLang="en-US"/>
           </a:p>
@@ -1110,7 +1114,7 @@
           <a:p>
             <a:fld id="{914E928F-484F-4321-94D7-7697F8901549}" type="datetimeFigureOut">
               <a:rPr lang="ko-KR" altLang="en-US" smtClean="0"/>
-              <a:t>2024-09-27</a:t>
+              <a:t>2024-10-15</a:t>
             </a:fld>
             <a:endParaRPr lang="ko-KR" altLang="en-US"/>
           </a:p>
@@ -1318,7 +1322,7 @@
           <a:p>
             <a:fld id="{914E928F-484F-4321-94D7-7697F8901549}" type="datetimeFigureOut">
               <a:rPr lang="ko-KR" altLang="en-US" smtClean="0"/>
-              <a:t>2024-09-27</a:t>
+              <a:t>2024-10-15</a:t>
             </a:fld>
             <a:endParaRPr lang="ko-KR" altLang="en-US"/>
           </a:p>
@@ -1516,7 +1520,7 @@
           <a:p>
             <a:fld id="{914E928F-484F-4321-94D7-7697F8901549}" type="datetimeFigureOut">
               <a:rPr lang="ko-KR" altLang="en-US" smtClean="0"/>
-              <a:t>2024-09-27</a:t>
+              <a:t>2024-10-15</a:t>
             </a:fld>
             <a:endParaRPr lang="ko-KR" altLang="en-US"/>
           </a:p>
@@ -1791,7 +1795,7 @@
           <a:p>
             <a:fld id="{914E928F-484F-4321-94D7-7697F8901549}" type="datetimeFigureOut">
               <a:rPr lang="ko-KR" altLang="en-US" smtClean="0"/>
-              <a:t>2024-09-27</a:t>
+              <a:t>2024-10-15</a:t>
             </a:fld>
             <a:endParaRPr lang="ko-KR" altLang="en-US"/>
           </a:p>
@@ -2056,7 +2060,7 @@
           <a:p>
             <a:fld id="{914E928F-484F-4321-94D7-7697F8901549}" type="datetimeFigureOut">
               <a:rPr lang="ko-KR" altLang="en-US" smtClean="0"/>
-              <a:t>2024-09-27</a:t>
+              <a:t>2024-10-15</a:t>
             </a:fld>
             <a:endParaRPr lang="ko-KR" altLang="en-US"/>
           </a:p>
@@ -2468,7 +2472,7 @@
           <a:p>
             <a:fld id="{914E928F-484F-4321-94D7-7697F8901549}" type="datetimeFigureOut">
               <a:rPr lang="ko-KR" altLang="en-US" smtClean="0"/>
-              <a:t>2024-09-27</a:t>
+              <a:t>2024-10-15</a:t>
             </a:fld>
             <a:endParaRPr lang="ko-KR" altLang="en-US"/>
           </a:p>
@@ -2609,7 +2613,7 @@
           <a:p>
             <a:fld id="{914E928F-484F-4321-94D7-7697F8901549}" type="datetimeFigureOut">
               <a:rPr lang="ko-KR" altLang="en-US" smtClean="0"/>
-              <a:t>2024-09-27</a:t>
+              <a:t>2024-10-15</a:t>
             </a:fld>
             <a:endParaRPr lang="ko-KR" altLang="en-US"/>
           </a:p>
@@ -2722,7 +2726,7 @@
           <a:p>
             <a:fld id="{914E928F-484F-4321-94D7-7697F8901549}" type="datetimeFigureOut">
               <a:rPr lang="ko-KR" altLang="en-US" smtClean="0"/>
-              <a:t>2024-09-27</a:t>
+              <a:t>2024-10-15</a:t>
             </a:fld>
             <a:endParaRPr lang="ko-KR" altLang="en-US"/>
           </a:p>
@@ -3033,7 +3037,7 @@
           <a:p>
             <a:fld id="{914E928F-484F-4321-94D7-7697F8901549}" type="datetimeFigureOut">
               <a:rPr lang="ko-KR" altLang="en-US" smtClean="0"/>
-              <a:t>2024-09-27</a:t>
+              <a:t>2024-10-15</a:t>
             </a:fld>
             <a:endParaRPr lang="ko-KR" altLang="en-US"/>
           </a:p>
@@ -3321,7 +3325,7 @@
           <a:p>
             <a:fld id="{914E928F-484F-4321-94D7-7697F8901549}" type="datetimeFigureOut">
               <a:rPr lang="ko-KR" altLang="en-US" smtClean="0"/>
-              <a:t>2024-09-27</a:t>
+              <a:t>2024-10-15</a:t>
             </a:fld>
             <a:endParaRPr lang="ko-KR" altLang="en-US"/>
           </a:p>
@@ -3562,7 +3566,7 @@
           <a:p>
             <a:fld id="{914E928F-484F-4321-94D7-7697F8901549}" type="datetimeFigureOut">
               <a:rPr lang="ko-KR" altLang="en-US" smtClean="0"/>
-              <a:t>2024-09-27</a:t>
+              <a:t>2024-10-15</a:t>
             </a:fld>
             <a:endParaRPr lang="ko-KR" altLang="en-US"/>
           </a:p>
@@ -7826,6 +7830,1252 @@
       </p:grpSpPr>
       <p:sp>
         <p:nvSpPr>
+          <p:cNvPr id="29" name="직사각형 28">
+            <a:extLst>
+              <a:ext uri="{FF2B5EF4-FFF2-40B4-BE49-F238E27FC236}">
+                <a16:creationId xmlns:a16="http://schemas.microsoft.com/office/drawing/2014/main" id="{7D5C7917-964F-EBEC-8A6F-BAF95B4D2F4A}"/>
+              </a:ext>
+            </a:extLst>
+          </p:cNvPr>
+          <p:cNvSpPr/>
+          <p:nvPr/>
+        </p:nvSpPr>
+        <p:spPr>
+          <a:xfrm>
+            <a:off x="-49709" y="-415270"/>
+            <a:ext cx="3897809" cy="7533640"/>
+          </a:xfrm>
+          <a:prstGeom prst="rect">
+            <a:avLst/>
+          </a:prstGeom>
+          <a:solidFill>
+            <a:schemeClr val="bg1"/>
+          </a:solidFill>
+          <a:ln>
+            <a:solidFill>
+              <a:schemeClr val="tx1"/>
+            </a:solidFill>
+          </a:ln>
+        </p:spPr>
+        <p:style>
+          <a:lnRef idx="2">
+            <a:schemeClr val="accent1">
+              <a:shade val="15000"/>
+            </a:schemeClr>
+          </a:lnRef>
+          <a:fillRef idx="1">
+            <a:schemeClr val="accent1"/>
+          </a:fillRef>
+          <a:effectRef idx="0">
+            <a:schemeClr val="accent1"/>
+          </a:effectRef>
+          <a:fontRef idx="minor">
+            <a:schemeClr val="lt1"/>
+          </a:fontRef>
+        </p:style>
+        <p:txBody>
+          <a:bodyPr rtlCol="0" anchor="ctr"/>
+          <a:lstStyle/>
+          <a:p>
+            <a:pPr algn="ctr"/>
+            <a:endParaRPr lang="ko-KR" altLang="en-US"/>
+          </a:p>
+        </p:txBody>
+      </p:sp>
+      <p:pic>
+        <p:nvPicPr>
+          <p:cNvPr id="11" name="그림 10">
+            <a:extLst>
+              <a:ext uri="{FF2B5EF4-FFF2-40B4-BE49-F238E27FC236}">
+                <a16:creationId xmlns:a16="http://schemas.microsoft.com/office/drawing/2014/main" id="{4FF1F429-EB7D-9590-A692-95D4ABD15930}"/>
+              </a:ext>
+            </a:extLst>
+          </p:cNvPr>
+          <p:cNvPicPr>
+            <a:picLocks noChangeAspect="1"/>
+          </p:cNvPicPr>
+          <p:nvPr/>
+        </p:nvPicPr>
+        <p:blipFill>
+          <a:blip r:embed="rId2"/>
+          <a:stretch>
+            <a:fillRect/>
+          </a:stretch>
+        </p:blipFill>
+        <p:spPr>
+          <a:xfrm>
+            <a:off x="203200" y="88900"/>
+            <a:ext cx="2513440" cy="6858000"/>
+          </a:xfrm>
+          <a:prstGeom prst="rect">
+            <a:avLst/>
+          </a:prstGeom>
+        </p:spPr>
+      </p:pic>
+      <p:sp>
+        <p:nvSpPr>
+          <p:cNvPr id="13" name="TextBox 12">
+            <a:extLst>
+              <a:ext uri="{FF2B5EF4-FFF2-40B4-BE49-F238E27FC236}">
+                <a16:creationId xmlns:a16="http://schemas.microsoft.com/office/drawing/2014/main" id="{A0C04691-EC6D-2B87-4199-7DC485AA0B6B}"/>
+              </a:ext>
+            </a:extLst>
+          </p:cNvPr>
+          <p:cNvSpPr txBox="1"/>
+          <p:nvPr/>
+        </p:nvSpPr>
+        <p:spPr>
+          <a:xfrm>
+            <a:off x="203200" y="-1255931"/>
+            <a:ext cx="7404100" cy="369332"/>
+          </a:xfrm>
+          <a:prstGeom prst="rect">
+            <a:avLst/>
+          </a:prstGeom>
+          <a:noFill/>
+        </p:spPr>
+        <p:txBody>
+          <a:bodyPr wrap="square">
+            <a:spAutoFit/>
+          </a:bodyPr>
+          <a:lstStyle/>
+          <a:p>
+            <a:r>
+              <a:rPr lang="ko-KR" altLang="en-US" b="0" i="0" dirty="0">
+                <a:solidFill>
+                  <a:srgbClr val="000000"/>
+                </a:solidFill>
+                <a:effectLst/>
+                <a:highlight>
+                  <a:srgbClr val="F0F0F3"/>
+                </a:highlight>
+                <a:latin typeface="-apple-system"/>
+              </a:rPr>
+              <a:t>경기 시흥시 </a:t>
+            </a:r>
+            <a:r>
+              <a:rPr lang="ko-KR" altLang="en-US" b="0" i="0" dirty="0" err="1">
+                <a:solidFill>
+                  <a:srgbClr val="000000"/>
+                </a:solidFill>
+                <a:effectLst/>
+                <a:highlight>
+                  <a:srgbClr val="F0F0F3"/>
+                </a:highlight>
+                <a:latin typeface="-apple-system"/>
+              </a:rPr>
+              <a:t>옥구천서로</a:t>
+            </a:r>
+            <a:r>
+              <a:rPr lang="en-US" altLang="ko-KR" b="0" i="0" dirty="0">
+                <a:solidFill>
+                  <a:srgbClr val="000000"/>
+                </a:solidFill>
+                <a:effectLst/>
+                <a:highlight>
+                  <a:srgbClr val="F0F0F3"/>
+                </a:highlight>
+                <a:latin typeface="-apple-system"/>
+              </a:rPr>
+              <a:t>131</a:t>
+            </a:r>
+            <a:r>
+              <a:rPr lang="ko-KR" altLang="en-US" b="0" i="0" dirty="0" err="1">
+                <a:solidFill>
+                  <a:srgbClr val="000000"/>
+                </a:solidFill>
+                <a:effectLst/>
+                <a:highlight>
+                  <a:srgbClr val="F0F0F3"/>
+                </a:highlight>
+                <a:latin typeface="-apple-system"/>
+              </a:rPr>
+              <a:t>번길</a:t>
+            </a:r>
+            <a:r>
+              <a:rPr lang="ko-KR" altLang="en-US" b="0" i="0" dirty="0">
+                <a:solidFill>
+                  <a:srgbClr val="000000"/>
+                </a:solidFill>
+                <a:effectLst/>
+                <a:highlight>
+                  <a:srgbClr val="F0F0F3"/>
+                </a:highlight>
+                <a:latin typeface="-apple-system"/>
+              </a:rPr>
+              <a:t> </a:t>
+            </a:r>
+            <a:r>
+              <a:rPr lang="en-US" altLang="ko-KR" b="0" i="0" dirty="0">
+                <a:solidFill>
+                  <a:srgbClr val="000000"/>
+                </a:solidFill>
+                <a:effectLst/>
+                <a:highlight>
+                  <a:srgbClr val="F0F0F3"/>
+                </a:highlight>
+                <a:latin typeface="-apple-system"/>
+              </a:rPr>
+              <a:t>15 </a:t>
+            </a:r>
+            <a:r>
+              <a:rPr lang="ko-KR" altLang="en-US" b="0" i="0" dirty="0">
+                <a:solidFill>
+                  <a:srgbClr val="000000"/>
+                </a:solidFill>
+                <a:effectLst/>
+                <a:highlight>
+                  <a:srgbClr val="F0F0F3"/>
+                </a:highlight>
+                <a:latin typeface="-apple-system"/>
+              </a:rPr>
+              <a:t>시화단지 </a:t>
+            </a:r>
+            <a:r>
+              <a:rPr lang="en-US" altLang="ko-KR" b="0" i="0" dirty="0">
+                <a:solidFill>
+                  <a:srgbClr val="000000"/>
+                </a:solidFill>
+                <a:effectLst/>
+                <a:highlight>
+                  <a:srgbClr val="F0F0F3"/>
+                </a:highlight>
+                <a:latin typeface="-apple-system"/>
+              </a:rPr>
+              <a:t>1</a:t>
+            </a:r>
+            <a:r>
+              <a:rPr lang="ko-KR" altLang="en-US" b="0" i="0" dirty="0">
+                <a:solidFill>
+                  <a:srgbClr val="000000"/>
+                </a:solidFill>
+                <a:effectLst/>
+                <a:highlight>
+                  <a:srgbClr val="F0F0F3"/>
+                </a:highlight>
+                <a:latin typeface="-apple-system"/>
+              </a:rPr>
+              <a:t>라 </a:t>
+            </a:r>
+            <a:r>
+              <a:rPr lang="en-US" altLang="ko-KR" b="0" i="0" dirty="0">
+                <a:solidFill>
+                  <a:srgbClr val="000000"/>
+                </a:solidFill>
+                <a:effectLst/>
+                <a:highlight>
+                  <a:srgbClr val="F0F0F3"/>
+                </a:highlight>
+                <a:latin typeface="-apple-system"/>
+              </a:rPr>
+              <a:t>503</a:t>
+            </a:r>
+            <a:r>
+              <a:rPr lang="ko-KR" altLang="en-US" b="0" i="0" dirty="0">
+                <a:solidFill>
+                  <a:srgbClr val="000000"/>
+                </a:solidFill>
+                <a:effectLst/>
+                <a:highlight>
+                  <a:srgbClr val="F0F0F3"/>
+                </a:highlight>
+                <a:latin typeface="-apple-system"/>
+              </a:rPr>
+              <a:t>호</a:t>
+            </a:r>
+            <a:r>
+              <a:rPr lang="en-US" altLang="ko-KR" b="0" i="0" dirty="0">
+                <a:solidFill>
+                  <a:srgbClr val="000000"/>
+                </a:solidFill>
+                <a:effectLst/>
+                <a:highlight>
+                  <a:srgbClr val="F0F0F3"/>
+                </a:highlight>
+                <a:latin typeface="-apple-system"/>
+              </a:rPr>
+              <a:t>(</a:t>
+            </a:r>
+            <a:r>
+              <a:rPr lang="ko-KR" altLang="en-US" b="0" i="0" dirty="0" err="1">
+                <a:solidFill>
+                  <a:srgbClr val="000000"/>
+                </a:solidFill>
+                <a:effectLst/>
+                <a:highlight>
+                  <a:srgbClr val="F0F0F3"/>
+                </a:highlight>
+                <a:latin typeface="-apple-system"/>
+              </a:rPr>
+              <a:t>정왕동</a:t>
+            </a:r>
+            <a:r>
+              <a:rPr lang="en-US" altLang="ko-KR" b="0" i="0" dirty="0">
+                <a:solidFill>
+                  <a:srgbClr val="000000"/>
+                </a:solidFill>
+                <a:effectLst/>
+                <a:highlight>
+                  <a:srgbClr val="F0F0F3"/>
+                </a:highlight>
+                <a:latin typeface="-apple-system"/>
+              </a:rPr>
+              <a:t>)</a:t>
+            </a:r>
+            <a:endParaRPr lang="ko-KR" altLang="en-US" dirty="0"/>
+          </a:p>
+        </p:txBody>
+      </p:sp>
+      <p:sp>
+        <p:nvSpPr>
+          <p:cNvPr id="14" name="직사각형 13">
+            <a:extLst>
+              <a:ext uri="{FF2B5EF4-FFF2-40B4-BE49-F238E27FC236}">
+                <a16:creationId xmlns:a16="http://schemas.microsoft.com/office/drawing/2014/main" id="{C3424074-0E90-DC8E-3F48-D412FAF9991E}"/>
+              </a:ext>
+            </a:extLst>
+          </p:cNvPr>
+          <p:cNvSpPr/>
+          <p:nvPr/>
+        </p:nvSpPr>
+        <p:spPr>
+          <a:xfrm>
+            <a:off x="419100" y="342900"/>
+            <a:ext cx="2032000" cy="6426200"/>
+          </a:xfrm>
+          <a:prstGeom prst="rect">
+            <a:avLst/>
+          </a:prstGeom>
+          <a:noFill/>
+          <a:ln w="66675">
+            <a:solidFill>
+              <a:srgbClr val="FF0000"/>
+            </a:solidFill>
+          </a:ln>
+        </p:spPr>
+        <p:style>
+          <a:lnRef idx="2">
+            <a:schemeClr val="accent1">
+              <a:shade val="15000"/>
+            </a:schemeClr>
+          </a:lnRef>
+          <a:fillRef idx="1">
+            <a:schemeClr val="accent1"/>
+          </a:fillRef>
+          <a:effectRef idx="0">
+            <a:schemeClr val="accent1"/>
+          </a:effectRef>
+          <a:fontRef idx="minor">
+            <a:schemeClr val="lt1"/>
+          </a:fontRef>
+        </p:style>
+        <p:txBody>
+          <a:bodyPr rtlCol="0" anchor="ctr"/>
+          <a:lstStyle/>
+          <a:p>
+            <a:pPr algn="ctr"/>
+            <a:endParaRPr lang="ko-KR" altLang="en-US"/>
+          </a:p>
+        </p:txBody>
+      </p:sp>
+      <p:sp>
+        <p:nvSpPr>
+          <p:cNvPr id="16" name="TextBox 15">
+            <a:extLst>
+              <a:ext uri="{FF2B5EF4-FFF2-40B4-BE49-F238E27FC236}">
+                <a16:creationId xmlns:a16="http://schemas.microsoft.com/office/drawing/2014/main" id="{C1C8FFD9-DD66-8C4A-F660-582B17AC7627}"/>
+              </a:ext>
+            </a:extLst>
+          </p:cNvPr>
+          <p:cNvSpPr txBox="1"/>
+          <p:nvPr/>
+        </p:nvSpPr>
+        <p:spPr>
+          <a:xfrm>
+            <a:off x="2094340" y="-444258"/>
+            <a:ext cx="622300" cy="523220"/>
+          </a:xfrm>
+          <a:prstGeom prst="rect">
+            <a:avLst/>
+          </a:prstGeom>
+          <a:solidFill>
+            <a:schemeClr val="bg1"/>
+          </a:solidFill>
+        </p:spPr>
+        <p:txBody>
+          <a:bodyPr wrap="square">
+            <a:spAutoFit/>
+          </a:bodyPr>
+          <a:lstStyle/>
+          <a:p>
+            <a:r>
+              <a:rPr lang="en-US" altLang="ko-KR" sz="2800" b="1" dirty="0">
+                <a:solidFill>
+                  <a:srgbClr val="FF0000"/>
+                </a:solidFill>
+              </a:rPr>
+              <a:t>(a)</a:t>
+            </a:r>
+            <a:endParaRPr lang="ko-KR" altLang="en-US" sz="2800" b="1" dirty="0">
+              <a:solidFill>
+                <a:srgbClr val="FF0000"/>
+              </a:solidFill>
+            </a:endParaRPr>
+          </a:p>
+        </p:txBody>
+      </p:sp>
+      <p:sp>
+        <p:nvSpPr>
+          <p:cNvPr id="18" name="직사각형 17">
+            <a:extLst>
+              <a:ext uri="{FF2B5EF4-FFF2-40B4-BE49-F238E27FC236}">
+                <a16:creationId xmlns:a16="http://schemas.microsoft.com/office/drawing/2014/main" id="{BE62DB93-6022-8C4E-6F7B-FC2A76F1F39E}"/>
+              </a:ext>
+            </a:extLst>
+          </p:cNvPr>
+          <p:cNvSpPr/>
+          <p:nvPr/>
+        </p:nvSpPr>
+        <p:spPr>
+          <a:xfrm>
+            <a:off x="465137" y="409575"/>
+            <a:ext cx="1939926" cy="3438525"/>
+          </a:xfrm>
+          <a:prstGeom prst="rect">
+            <a:avLst/>
+          </a:prstGeom>
+          <a:noFill/>
+          <a:ln w="66675">
+            <a:solidFill>
+              <a:schemeClr val="tx1"/>
+            </a:solidFill>
+          </a:ln>
+        </p:spPr>
+        <p:style>
+          <a:lnRef idx="2">
+            <a:schemeClr val="accent1">
+              <a:shade val="15000"/>
+            </a:schemeClr>
+          </a:lnRef>
+          <a:fillRef idx="1">
+            <a:schemeClr val="accent1"/>
+          </a:fillRef>
+          <a:effectRef idx="0">
+            <a:schemeClr val="accent1"/>
+          </a:effectRef>
+          <a:fontRef idx="minor">
+            <a:schemeClr val="lt1"/>
+          </a:fontRef>
+        </p:style>
+        <p:txBody>
+          <a:bodyPr rtlCol="0" anchor="ctr"/>
+          <a:lstStyle/>
+          <a:p>
+            <a:pPr algn="ctr"/>
+            <a:endParaRPr lang="ko-KR" altLang="en-US"/>
+          </a:p>
+        </p:txBody>
+      </p:sp>
+      <p:cxnSp>
+        <p:nvCxnSpPr>
+          <p:cNvPr id="20" name="연결선: 꺾임 19">
+            <a:extLst>
+              <a:ext uri="{FF2B5EF4-FFF2-40B4-BE49-F238E27FC236}">
+                <a16:creationId xmlns:a16="http://schemas.microsoft.com/office/drawing/2014/main" id="{36D1418A-667C-0052-DC76-878B8551B4E0}"/>
+              </a:ext>
+            </a:extLst>
+          </p:cNvPr>
+          <p:cNvCxnSpPr>
+            <a:cxnSpLocks/>
+            <a:stCxn id="14" idx="0"/>
+            <a:endCxn id="16" idx="1"/>
+          </p:cNvCxnSpPr>
+          <p:nvPr/>
+        </p:nvCxnSpPr>
+        <p:spPr>
+          <a:xfrm rot="5400000" flipH="1" flipV="1">
+            <a:off x="1501946" y="-249494"/>
+            <a:ext cx="525548" cy="659240"/>
+          </a:xfrm>
+          <a:prstGeom prst="bentConnector2">
+            <a:avLst/>
+          </a:prstGeom>
+          <a:ln w="66675">
+            <a:solidFill>
+              <a:srgbClr val="FF0000"/>
+            </a:solidFill>
+            <a:tailEnd type="triangle"/>
+          </a:ln>
+        </p:spPr>
+        <p:style>
+          <a:lnRef idx="2">
+            <a:schemeClr val="accent1"/>
+          </a:lnRef>
+          <a:fillRef idx="0">
+            <a:schemeClr val="accent1"/>
+          </a:fillRef>
+          <a:effectRef idx="1">
+            <a:schemeClr val="accent1"/>
+          </a:effectRef>
+          <a:fontRef idx="minor">
+            <a:schemeClr val="tx1"/>
+          </a:fontRef>
+        </p:style>
+      </p:cxnSp>
+      <p:cxnSp>
+        <p:nvCxnSpPr>
+          <p:cNvPr id="23" name="연결선: 꺾임 22">
+            <a:extLst>
+              <a:ext uri="{FF2B5EF4-FFF2-40B4-BE49-F238E27FC236}">
+                <a16:creationId xmlns:a16="http://schemas.microsoft.com/office/drawing/2014/main" id="{13C2B4FF-53D3-3D9E-12D4-10E3BA34FC04}"/>
+              </a:ext>
+            </a:extLst>
+          </p:cNvPr>
+          <p:cNvCxnSpPr>
+            <a:cxnSpLocks/>
+            <a:stCxn id="18" idx="2"/>
+            <a:endCxn id="26" idx="1"/>
+          </p:cNvCxnSpPr>
+          <p:nvPr/>
+        </p:nvCxnSpPr>
+        <p:spPr>
+          <a:xfrm rot="5400000" flipH="1" flipV="1">
+            <a:off x="1944869" y="2841780"/>
+            <a:ext cx="496550" cy="1516089"/>
+          </a:xfrm>
+          <a:prstGeom prst="bentConnector4">
+            <a:avLst>
+              <a:gd name="adj1" fmla="val -46038"/>
+              <a:gd name="adj2" fmla="val 76460"/>
+            </a:avLst>
+          </a:prstGeom>
+          <a:ln w="66675">
+            <a:solidFill>
+              <a:schemeClr val="tx1"/>
+            </a:solidFill>
+            <a:tailEnd type="triangle"/>
+          </a:ln>
+        </p:spPr>
+        <p:style>
+          <a:lnRef idx="2">
+            <a:schemeClr val="accent1"/>
+          </a:lnRef>
+          <a:fillRef idx="0">
+            <a:schemeClr val="accent1"/>
+          </a:fillRef>
+          <a:effectRef idx="1">
+            <a:schemeClr val="accent1"/>
+          </a:effectRef>
+          <a:fontRef idx="minor">
+            <a:schemeClr val="tx1"/>
+          </a:fontRef>
+        </p:style>
+      </p:cxnSp>
+      <p:sp>
+        <p:nvSpPr>
+          <p:cNvPr id="26" name="TextBox 25">
+            <a:extLst>
+              <a:ext uri="{FF2B5EF4-FFF2-40B4-BE49-F238E27FC236}">
+                <a16:creationId xmlns:a16="http://schemas.microsoft.com/office/drawing/2014/main" id="{860E48AC-A900-E9FA-7CF3-2F4AB998D237}"/>
+              </a:ext>
+            </a:extLst>
+          </p:cNvPr>
+          <p:cNvSpPr txBox="1"/>
+          <p:nvPr/>
+        </p:nvSpPr>
+        <p:spPr>
+          <a:xfrm>
+            <a:off x="2951189" y="3089940"/>
+            <a:ext cx="622300" cy="523220"/>
+          </a:xfrm>
+          <a:prstGeom prst="rect">
+            <a:avLst/>
+          </a:prstGeom>
+          <a:solidFill>
+            <a:schemeClr val="bg1"/>
+          </a:solidFill>
+          <a:ln>
+            <a:noFill/>
+          </a:ln>
+        </p:spPr>
+        <p:txBody>
+          <a:bodyPr wrap="square">
+            <a:spAutoFit/>
+          </a:bodyPr>
+          <a:lstStyle/>
+          <a:p>
+            <a:r>
+              <a:rPr lang="en-US" altLang="ko-KR" sz="2800" b="1" dirty="0"/>
+              <a:t>(b)</a:t>
+            </a:r>
+            <a:endParaRPr lang="ko-KR" altLang="en-US" sz="2800" b="1" dirty="0"/>
+          </a:p>
+        </p:txBody>
+      </p:sp>
+    </p:spTree>
+    <p:extLst>
+      <p:ext uri="{BB962C8B-B14F-4D97-AF65-F5344CB8AC3E}">
+        <p14:creationId xmlns:p14="http://schemas.microsoft.com/office/powerpoint/2010/main" val="2613354958"/>
+      </p:ext>
+    </p:extLst>
+  </p:cSld>
+  <p:clrMapOvr>
+    <a:masterClrMapping/>
+  </p:clrMapOvr>
+</p:sld>
+</file>
+
+<file path=ppt/slides/slide11.xml><?xml version="1.0" encoding="utf-8"?>
+<p:sld xmlns:a="http://schemas.openxmlformats.org/drawingml/2006/main" xmlns:r="http://schemas.openxmlformats.org/officeDocument/2006/relationships" xmlns:p="http://schemas.openxmlformats.org/presentationml/2006/main">
+  <p:cSld>
+    <p:spTree>
+      <p:nvGrpSpPr>
+        <p:cNvPr id="1" name=""/>
+        <p:cNvGrpSpPr/>
+        <p:nvPr/>
+      </p:nvGrpSpPr>
+      <p:grpSpPr>
+        <a:xfrm>
+          <a:off x="0" y="0"/>
+          <a:ext cx="0" cy="0"/>
+          <a:chOff x="0" y="0"/>
+          <a:chExt cx="0" cy="0"/>
+        </a:xfrm>
+      </p:grpSpPr>
+      <p:sp>
+        <p:nvSpPr>
+          <p:cNvPr id="10" name="직사각형 9">
+            <a:extLst>
+              <a:ext uri="{FF2B5EF4-FFF2-40B4-BE49-F238E27FC236}">
+                <a16:creationId xmlns:a16="http://schemas.microsoft.com/office/drawing/2014/main" id="{81D67261-C1D5-77F9-19FC-CCD455B29649}"/>
+              </a:ext>
+            </a:extLst>
+          </p:cNvPr>
+          <p:cNvSpPr/>
+          <p:nvPr/>
+        </p:nvSpPr>
+        <p:spPr>
+          <a:xfrm>
+            <a:off x="493216" y="-187960"/>
+            <a:ext cx="11556543" cy="7533640"/>
+          </a:xfrm>
+          <a:prstGeom prst="rect">
+            <a:avLst/>
+          </a:prstGeom>
+          <a:solidFill>
+            <a:schemeClr val="bg1"/>
+          </a:solidFill>
+          <a:ln>
+            <a:solidFill>
+              <a:schemeClr val="tx1"/>
+            </a:solidFill>
+          </a:ln>
+        </p:spPr>
+        <p:style>
+          <a:lnRef idx="2">
+            <a:schemeClr val="accent1">
+              <a:shade val="15000"/>
+            </a:schemeClr>
+          </a:lnRef>
+          <a:fillRef idx="1">
+            <a:schemeClr val="accent1"/>
+          </a:fillRef>
+          <a:effectRef idx="0">
+            <a:schemeClr val="accent1"/>
+          </a:effectRef>
+          <a:fontRef idx="minor">
+            <a:schemeClr val="lt1"/>
+          </a:fontRef>
+        </p:style>
+        <p:txBody>
+          <a:bodyPr rtlCol="0" anchor="ctr"/>
+          <a:lstStyle/>
+          <a:p>
+            <a:pPr algn="ctr"/>
+            <a:endParaRPr lang="ko-KR" altLang="en-US"/>
+          </a:p>
+        </p:txBody>
+      </p:sp>
+      <p:pic>
+        <p:nvPicPr>
+          <p:cNvPr id="5" name="그림 4">
+            <a:extLst>
+              <a:ext uri="{FF2B5EF4-FFF2-40B4-BE49-F238E27FC236}">
+                <a16:creationId xmlns:a16="http://schemas.microsoft.com/office/drawing/2014/main" id="{17677500-5F6D-7E3C-8F21-79634D23DD37}"/>
+              </a:ext>
+            </a:extLst>
+          </p:cNvPr>
+          <p:cNvPicPr>
+            <a:picLocks noChangeAspect="1"/>
+          </p:cNvPicPr>
+          <p:nvPr/>
+        </p:nvPicPr>
+        <p:blipFill>
+          <a:blip r:embed="rId2"/>
+          <a:stretch>
+            <a:fillRect/>
+          </a:stretch>
+        </p:blipFill>
+        <p:spPr>
+          <a:xfrm>
+            <a:off x="1390226" y="0"/>
+            <a:ext cx="9411547" cy="6858000"/>
+          </a:xfrm>
+          <a:prstGeom prst="rect">
+            <a:avLst/>
+          </a:prstGeom>
+        </p:spPr>
+      </p:pic>
+      <p:sp>
+        <p:nvSpPr>
+          <p:cNvPr id="8" name="TextBox 7">
+            <a:extLst>
+              <a:ext uri="{FF2B5EF4-FFF2-40B4-BE49-F238E27FC236}">
+                <a16:creationId xmlns:a16="http://schemas.microsoft.com/office/drawing/2014/main" id="{70791883-B36B-3255-4CFD-2A71C8F7D810}"/>
+              </a:ext>
+            </a:extLst>
+          </p:cNvPr>
+          <p:cNvSpPr txBox="1"/>
+          <p:nvPr/>
+        </p:nvSpPr>
+        <p:spPr>
+          <a:xfrm rot="16200000">
+            <a:off x="-294640" y="2919214"/>
+            <a:ext cx="2875280" cy="369332"/>
+          </a:xfrm>
+          <a:prstGeom prst="rect">
+            <a:avLst/>
+          </a:prstGeom>
+          <a:noFill/>
+        </p:spPr>
+        <p:txBody>
+          <a:bodyPr wrap="square">
+            <a:spAutoFit/>
+          </a:bodyPr>
+          <a:lstStyle/>
+          <a:p>
+            <a:pPr algn="ctr"/>
+            <a:r>
+              <a:rPr lang="en-US" altLang="ko-KR" spc="-60" dirty="0">
+                <a:ln w="3175">
+                  <a:solidFill>
+                    <a:schemeClr val="tx1">
+                      <a:lumMod val="75000"/>
+                      <a:lumOff val="25000"/>
+                      <a:alpha val="10000"/>
+                    </a:schemeClr>
+                  </a:solidFill>
+                </a:ln>
+                <a:solidFill>
+                  <a:schemeClr val="tx1">
+                    <a:lumMod val="75000"/>
+                    <a:lumOff val="25000"/>
+                  </a:schemeClr>
+                </a:solidFill>
+                <a:ea typeface="경기천년제목 Light" panose="02020403020101020101" pitchFamily="18" charset="-127"/>
+              </a:rPr>
+              <a:t>PV installation Area (m</a:t>
+            </a:r>
+            <a:r>
+              <a:rPr lang="en-US" altLang="ko-KR" spc="-60" baseline="30000" dirty="0">
+                <a:ln w="3175">
+                  <a:solidFill>
+                    <a:schemeClr val="tx1">
+                      <a:lumMod val="75000"/>
+                      <a:lumOff val="25000"/>
+                      <a:alpha val="10000"/>
+                    </a:schemeClr>
+                  </a:solidFill>
+                </a:ln>
+                <a:solidFill>
+                  <a:schemeClr val="tx1">
+                    <a:lumMod val="75000"/>
+                    <a:lumOff val="25000"/>
+                  </a:schemeClr>
+                </a:solidFill>
+                <a:ea typeface="경기천년제목 Light" panose="02020403020101020101" pitchFamily="18" charset="-127"/>
+              </a:rPr>
+              <a:t>2</a:t>
+            </a:r>
+            <a:r>
+              <a:rPr lang="en-US" altLang="ko-KR" spc="-60" dirty="0">
+                <a:ln w="3175">
+                  <a:solidFill>
+                    <a:schemeClr val="tx1">
+                      <a:lumMod val="75000"/>
+                      <a:lumOff val="25000"/>
+                      <a:alpha val="10000"/>
+                    </a:schemeClr>
+                  </a:solidFill>
+                </a:ln>
+                <a:solidFill>
+                  <a:schemeClr val="tx1">
+                    <a:lumMod val="75000"/>
+                    <a:lumOff val="25000"/>
+                  </a:schemeClr>
+                </a:solidFill>
+                <a:ea typeface="경기천년제목 Light" panose="02020403020101020101" pitchFamily="18" charset="-127"/>
+              </a:rPr>
+              <a:t>)</a:t>
+            </a:r>
+            <a:endParaRPr lang="ko-KR" altLang="en-US" dirty="0"/>
+          </a:p>
+        </p:txBody>
+      </p:sp>
+      <p:sp>
+        <p:nvSpPr>
+          <p:cNvPr id="9" name="TextBox 8">
+            <a:extLst>
+              <a:ext uri="{FF2B5EF4-FFF2-40B4-BE49-F238E27FC236}">
+                <a16:creationId xmlns:a16="http://schemas.microsoft.com/office/drawing/2014/main" id="{50D1CBE8-135C-E4AD-C6D1-1297C9D2282B}"/>
+              </a:ext>
+            </a:extLst>
+          </p:cNvPr>
+          <p:cNvSpPr txBox="1"/>
+          <p:nvPr/>
+        </p:nvSpPr>
+        <p:spPr>
+          <a:xfrm>
+            <a:off x="5435600" y="6872208"/>
+            <a:ext cx="1673860" cy="369332"/>
+          </a:xfrm>
+          <a:prstGeom prst="rect">
+            <a:avLst/>
+          </a:prstGeom>
+          <a:noFill/>
+        </p:spPr>
+        <p:txBody>
+          <a:bodyPr wrap="square">
+            <a:spAutoFit/>
+          </a:bodyPr>
+          <a:lstStyle/>
+          <a:p>
+            <a:pPr algn="ctr"/>
+            <a:r>
+              <a:rPr lang="en-US" altLang="ko-KR" spc="-60" dirty="0">
+                <a:ln w="3175">
+                  <a:solidFill>
+                    <a:schemeClr val="tx1">
+                      <a:lumMod val="75000"/>
+                      <a:lumOff val="25000"/>
+                      <a:alpha val="10000"/>
+                    </a:schemeClr>
+                  </a:solidFill>
+                </a:ln>
+                <a:solidFill>
+                  <a:schemeClr val="tx1">
+                    <a:lumMod val="75000"/>
+                    <a:lumOff val="25000"/>
+                  </a:schemeClr>
+                </a:solidFill>
+                <a:ea typeface="경기천년제목 Light" panose="02020403020101020101" pitchFamily="18" charset="-127"/>
+              </a:rPr>
+              <a:t>Total Area (m</a:t>
+            </a:r>
+            <a:r>
+              <a:rPr lang="en-US" altLang="ko-KR" spc="-60" baseline="30000" dirty="0">
+                <a:ln w="3175">
+                  <a:solidFill>
+                    <a:schemeClr val="tx1">
+                      <a:lumMod val="75000"/>
+                      <a:lumOff val="25000"/>
+                      <a:alpha val="10000"/>
+                    </a:schemeClr>
+                  </a:solidFill>
+                </a:ln>
+                <a:solidFill>
+                  <a:schemeClr val="tx1">
+                    <a:lumMod val="75000"/>
+                    <a:lumOff val="25000"/>
+                  </a:schemeClr>
+                </a:solidFill>
+                <a:ea typeface="경기천년제목 Light" panose="02020403020101020101" pitchFamily="18" charset="-127"/>
+              </a:rPr>
+              <a:t>2</a:t>
+            </a:r>
+            <a:r>
+              <a:rPr lang="en-US" altLang="ko-KR" spc="-60" dirty="0">
+                <a:ln w="3175">
+                  <a:solidFill>
+                    <a:schemeClr val="tx1">
+                      <a:lumMod val="75000"/>
+                      <a:lumOff val="25000"/>
+                      <a:alpha val="10000"/>
+                    </a:schemeClr>
+                  </a:solidFill>
+                </a:ln>
+                <a:solidFill>
+                  <a:schemeClr val="tx1">
+                    <a:lumMod val="75000"/>
+                    <a:lumOff val="25000"/>
+                  </a:schemeClr>
+                </a:solidFill>
+                <a:ea typeface="경기천년제목 Light" panose="02020403020101020101" pitchFamily="18" charset="-127"/>
+              </a:rPr>
+              <a:t>)</a:t>
+            </a:r>
+            <a:endParaRPr lang="ko-KR" altLang="en-US" dirty="0"/>
+          </a:p>
+        </p:txBody>
+      </p:sp>
+      <p:cxnSp>
+        <p:nvCxnSpPr>
+          <p:cNvPr id="11" name="직선 연결선 10">
+            <a:extLst>
+              <a:ext uri="{FF2B5EF4-FFF2-40B4-BE49-F238E27FC236}">
+                <a16:creationId xmlns:a16="http://schemas.microsoft.com/office/drawing/2014/main" id="{97EC718E-4115-DC25-E253-CCE5A5E6B122}"/>
+              </a:ext>
+            </a:extLst>
+          </p:cNvPr>
+          <p:cNvCxnSpPr>
+            <a:cxnSpLocks/>
+          </p:cNvCxnSpPr>
+          <p:nvPr/>
+        </p:nvCxnSpPr>
+        <p:spPr>
+          <a:xfrm>
+            <a:off x="3334639" y="3985260"/>
+            <a:ext cx="0" cy="556260"/>
+          </a:xfrm>
+          <a:prstGeom prst="line">
+            <a:avLst/>
+          </a:prstGeom>
+          <a:ln w="31750">
+            <a:solidFill>
+              <a:srgbClr val="619CFF"/>
+            </a:solidFill>
+            <a:headEnd type="triangle" w="lg" len="lg"/>
+            <a:tailEnd type="none" w="lg" len="lg"/>
+          </a:ln>
+        </p:spPr>
+        <p:style>
+          <a:lnRef idx="1">
+            <a:schemeClr val="accent1"/>
+          </a:lnRef>
+          <a:fillRef idx="0">
+            <a:schemeClr val="accent1"/>
+          </a:fillRef>
+          <a:effectRef idx="0">
+            <a:schemeClr val="accent1"/>
+          </a:effectRef>
+          <a:fontRef idx="minor">
+            <a:schemeClr val="tx1"/>
+          </a:fontRef>
+        </p:style>
+      </p:cxnSp>
+      <p:sp>
+        <p:nvSpPr>
+          <p:cNvPr id="13" name="TextBox 12">
+            <a:extLst>
+              <a:ext uri="{FF2B5EF4-FFF2-40B4-BE49-F238E27FC236}">
+                <a16:creationId xmlns:a16="http://schemas.microsoft.com/office/drawing/2014/main" id="{34D834ED-6F69-1057-FC56-6921D17A2022}"/>
+              </a:ext>
+            </a:extLst>
+          </p:cNvPr>
+          <p:cNvSpPr txBox="1"/>
+          <p:nvPr/>
+        </p:nvSpPr>
+        <p:spPr>
+          <a:xfrm>
+            <a:off x="2705100" y="3731344"/>
+            <a:ext cx="987678" cy="253916"/>
+          </a:xfrm>
+          <a:prstGeom prst="rect">
+            <a:avLst/>
+          </a:prstGeom>
+          <a:noFill/>
+        </p:spPr>
+        <p:txBody>
+          <a:bodyPr wrap="square">
+            <a:spAutoFit/>
+          </a:bodyPr>
+          <a:lstStyle/>
+          <a:p>
+            <a:pPr algn="ctr"/>
+            <a:r>
+              <a:rPr lang="en-US" altLang="ko-KR" sz="1050" dirty="0">
+                <a:ln w="3175">
+                  <a:solidFill>
+                    <a:schemeClr val="tx1">
+                      <a:lumMod val="75000"/>
+                      <a:lumOff val="25000"/>
+                      <a:alpha val="10000"/>
+                    </a:schemeClr>
+                  </a:solidFill>
+                </a:ln>
+                <a:solidFill>
+                  <a:schemeClr val="tx1">
+                    <a:lumMod val="75000"/>
+                    <a:lumOff val="25000"/>
+                  </a:schemeClr>
+                </a:solidFill>
+                <a:ea typeface="경기천년제목 Light" panose="02020403020101020101" pitchFamily="18" charset="-127"/>
+              </a:rPr>
+              <a:t>Slope : 0.545</a:t>
+            </a:r>
+            <a:endParaRPr lang="ko-KR" altLang="en-US" sz="1050" dirty="0"/>
+          </a:p>
+        </p:txBody>
+      </p:sp>
+      <p:cxnSp>
+        <p:nvCxnSpPr>
+          <p:cNvPr id="14" name="직선 연결선 13">
+            <a:extLst>
+              <a:ext uri="{FF2B5EF4-FFF2-40B4-BE49-F238E27FC236}">
+                <a16:creationId xmlns:a16="http://schemas.microsoft.com/office/drawing/2014/main" id="{03DEFADB-FF26-281E-B4BE-776687B5AD01}"/>
+              </a:ext>
+            </a:extLst>
+          </p:cNvPr>
+          <p:cNvCxnSpPr>
+            <a:cxnSpLocks/>
+          </p:cNvCxnSpPr>
+          <p:nvPr/>
+        </p:nvCxnSpPr>
+        <p:spPr>
+          <a:xfrm flipV="1">
+            <a:off x="5208778" y="4541520"/>
+            <a:ext cx="0" cy="556260"/>
+          </a:xfrm>
+          <a:prstGeom prst="line">
+            <a:avLst/>
+          </a:prstGeom>
+          <a:ln w="31750">
+            <a:solidFill>
+              <a:srgbClr val="F8766D"/>
+            </a:solidFill>
+            <a:headEnd type="triangle" w="lg" len="lg"/>
+            <a:tailEnd type="none" w="lg" len="lg"/>
+          </a:ln>
+        </p:spPr>
+        <p:style>
+          <a:lnRef idx="1">
+            <a:schemeClr val="accent1"/>
+          </a:lnRef>
+          <a:fillRef idx="0">
+            <a:schemeClr val="accent1"/>
+          </a:fillRef>
+          <a:effectRef idx="0">
+            <a:schemeClr val="accent1"/>
+          </a:effectRef>
+          <a:fontRef idx="minor">
+            <a:schemeClr val="tx1"/>
+          </a:fontRef>
+        </p:style>
+      </p:cxnSp>
+      <p:sp>
+        <p:nvSpPr>
+          <p:cNvPr id="15" name="TextBox 14">
+            <a:extLst>
+              <a:ext uri="{FF2B5EF4-FFF2-40B4-BE49-F238E27FC236}">
+                <a16:creationId xmlns:a16="http://schemas.microsoft.com/office/drawing/2014/main" id="{D4C9CB4A-BDB4-76A7-8F74-2549E8FB4DFD}"/>
+              </a:ext>
+            </a:extLst>
+          </p:cNvPr>
+          <p:cNvSpPr txBox="1"/>
+          <p:nvPr/>
+        </p:nvSpPr>
+        <p:spPr>
+          <a:xfrm>
+            <a:off x="4998339" y="5097780"/>
+            <a:ext cx="987678" cy="253916"/>
+          </a:xfrm>
+          <a:prstGeom prst="rect">
+            <a:avLst/>
+          </a:prstGeom>
+          <a:noFill/>
+        </p:spPr>
+        <p:txBody>
+          <a:bodyPr wrap="square">
+            <a:spAutoFit/>
+          </a:bodyPr>
+          <a:lstStyle/>
+          <a:p>
+            <a:pPr algn="ctr"/>
+            <a:r>
+              <a:rPr lang="en-US" altLang="ko-KR" sz="1050" dirty="0">
+                <a:ln w="3175">
+                  <a:solidFill>
+                    <a:schemeClr val="tx1">
+                      <a:lumMod val="75000"/>
+                      <a:lumOff val="25000"/>
+                      <a:alpha val="10000"/>
+                    </a:schemeClr>
+                  </a:solidFill>
+                </a:ln>
+                <a:solidFill>
+                  <a:schemeClr val="tx1">
+                    <a:lumMod val="75000"/>
+                    <a:lumOff val="25000"/>
+                  </a:schemeClr>
+                </a:solidFill>
+                <a:ea typeface="경기천년제목 Light" panose="02020403020101020101" pitchFamily="18" charset="-127"/>
+              </a:rPr>
+              <a:t>Slope : 0.189</a:t>
+            </a:r>
+            <a:endParaRPr lang="ko-KR" altLang="en-US" sz="1050" dirty="0"/>
+          </a:p>
+        </p:txBody>
+      </p:sp>
+      <p:cxnSp>
+        <p:nvCxnSpPr>
+          <p:cNvPr id="16" name="직선 연결선 15">
+            <a:extLst>
+              <a:ext uri="{FF2B5EF4-FFF2-40B4-BE49-F238E27FC236}">
+                <a16:creationId xmlns:a16="http://schemas.microsoft.com/office/drawing/2014/main" id="{E604F276-91FC-CE95-1815-B2B06FB73FFE}"/>
+              </a:ext>
+            </a:extLst>
+          </p:cNvPr>
+          <p:cNvCxnSpPr>
+            <a:cxnSpLocks/>
+          </p:cNvCxnSpPr>
+          <p:nvPr/>
+        </p:nvCxnSpPr>
+        <p:spPr>
+          <a:xfrm flipV="1">
+            <a:off x="4010661" y="4667250"/>
+            <a:ext cx="0" cy="792000"/>
+          </a:xfrm>
+          <a:prstGeom prst="line">
+            <a:avLst/>
+          </a:prstGeom>
+          <a:ln w="31750">
+            <a:solidFill>
+              <a:srgbClr val="00BA38"/>
+            </a:solidFill>
+            <a:headEnd type="triangle" w="lg" len="lg"/>
+            <a:tailEnd type="none" w="lg" len="lg"/>
+          </a:ln>
+        </p:spPr>
+        <p:style>
+          <a:lnRef idx="1">
+            <a:schemeClr val="accent1"/>
+          </a:lnRef>
+          <a:fillRef idx="0">
+            <a:schemeClr val="accent1"/>
+          </a:fillRef>
+          <a:effectRef idx="0">
+            <a:schemeClr val="accent1"/>
+          </a:effectRef>
+          <a:fontRef idx="minor">
+            <a:schemeClr val="tx1"/>
+          </a:fontRef>
+        </p:style>
+      </p:cxnSp>
+      <p:sp>
+        <p:nvSpPr>
+          <p:cNvPr id="17" name="TextBox 16">
+            <a:extLst>
+              <a:ext uri="{FF2B5EF4-FFF2-40B4-BE49-F238E27FC236}">
+                <a16:creationId xmlns:a16="http://schemas.microsoft.com/office/drawing/2014/main" id="{C76089F3-D3D8-98BD-3392-5F54277976E6}"/>
+              </a:ext>
+            </a:extLst>
+          </p:cNvPr>
+          <p:cNvSpPr txBox="1"/>
+          <p:nvPr/>
+        </p:nvSpPr>
+        <p:spPr>
+          <a:xfrm>
+            <a:off x="3812551" y="5449174"/>
+            <a:ext cx="987678" cy="253916"/>
+          </a:xfrm>
+          <a:prstGeom prst="rect">
+            <a:avLst/>
+          </a:prstGeom>
+          <a:noFill/>
+        </p:spPr>
+        <p:txBody>
+          <a:bodyPr wrap="square">
+            <a:spAutoFit/>
+          </a:bodyPr>
+          <a:lstStyle/>
+          <a:p>
+            <a:pPr algn="ctr"/>
+            <a:r>
+              <a:rPr lang="en-US" altLang="ko-KR" sz="1050" dirty="0">
+                <a:ln w="3175">
+                  <a:solidFill>
+                    <a:schemeClr val="tx1">
+                      <a:lumMod val="75000"/>
+                      <a:lumOff val="25000"/>
+                      <a:alpha val="10000"/>
+                    </a:schemeClr>
+                  </a:solidFill>
+                </a:ln>
+                <a:solidFill>
+                  <a:schemeClr val="tx1">
+                    <a:lumMod val="75000"/>
+                    <a:lumOff val="25000"/>
+                  </a:schemeClr>
+                </a:solidFill>
+                <a:ea typeface="경기천년제목 Light" panose="02020403020101020101" pitchFamily="18" charset="-127"/>
+              </a:rPr>
+              <a:t>Slope : 0.284</a:t>
+            </a:r>
+            <a:endParaRPr lang="ko-KR" altLang="en-US" sz="1050" dirty="0"/>
+          </a:p>
+        </p:txBody>
+      </p:sp>
+      <p:pic>
+        <p:nvPicPr>
+          <p:cNvPr id="19" name="그림 18">
+            <a:extLst>
+              <a:ext uri="{FF2B5EF4-FFF2-40B4-BE49-F238E27FC236}">
+                <a16:creationId xmlns:a16="http://schemas.microsoft.com/office/drawing/2014/main" id="{6394B9C0-D0D1-3A15-6B89-2AD946F89B1D}"/>
+              </a:ext>
+            </a:extLst>
+          </p:cNvPr>
+          <p:cNvPicPr>
+            <a:picLocks noChangeAspect="1"/>
+          </p:cNvPicPr>
+          <p:nvPr/>
+        </p:nvPicPr>
+        <p:blipFill rotWithShape="1">
+          <a:blip r:embed="rId3"/>
+          <a:srcRect t="2101"/>
+          <a:stretch/>
+        </p:blipFill>
+        <p:spPr>
+          <a:xfrm>
+            <a:off x="2294843" y="352349"/>
+            <a:ext cx="4226607" cy="802561"/>
+          </a:xfrm>
+          <a:prstGeom prst="rect">
+            <a:avLst/>
+          </a:prstGeom>
+        </p:spPr>
+      </p:pic>
+    </p:spTree>
+    <p:extLst>
+      <p:ext uri="{BB962C8B-B14F-4D97-AF65-F5344CB8AC3E}">
+        <p14:creationId xmlns:p14="http://schemas.microsoft.com/office/powerpoint/2010/main" val="3852742283"/>
+      </p:ext>
+    </p:extLst>
+  </p:cSld>
+  <p:clrMapOvr>
+    <a:masterClrMapping/>
+  </p:clrMapOvr>
+</p:sld>
+</file>
+
+<file path=ppt/slides/slide12.xml><?xml version="1.0" encoding="utf-8"?>
+<p:sld xmlns:a="http://schemas.openxmlformats.org/drawingml/2006/main" xmlns:r="http://schemas.openxmlformats.org/officeDocument/2006/relationships" xmlns:p="http://schemas.openxmlformats.org/presentationml/2006/main">
+  <p:cSld>
+    <p:spTree>
+      <p:nvGrpSpPr>
+        <p:cNvPr id="1" name=""/>
+        <p:cNvGrpSpPr/>
+        <p:nvPr/>
+      </p:nvGrpSpPr>
+      <p:grpSpPr>
+        <a:xfrm>
+          <a:off x="0" y="0"/>
+          <a:ext cx="0" cy="0"/>
+          <a:chOff x="0" y="0"/>
+          <a:chExt cx="0" cy="0"/>
+        </a:xfrm>
+      </p:grpSpPr>
+      <p:sp>
+        <p:nvSpPr>
           <p:cNvPr id="10" name="직사각형 9">
             <a:extLst>
               <a:ext uri="{FF2B5EF4-FFF2-40B4-BE49-F238E27FC236}">
@@ -8439,7 +9689,7 @@
 </p:sld>
 </file>
 
-<file path=ppt/slides/slide11.xml><?xml version="1.0" encoding="utf-8"?>
+<file path=ppt/slides/slide13.xml><?xml version="1.0" encoding="utf-8"?>
 <p:sld xmlns:a="http://schemas.openxmlformats.org/drawingml/2006/main" xmlns:r="http://schemas.openxmlformats.org/officeDocument/2006/relationships" xmlns:p="http://schemas.openxmlformats.org/presentationml/2006/main">
   <p:cSld>
     <p:spTree>
@@ -11452,7 +12702,7 @@
 </p:sld>
 </file>
 
-<file path=ppt/slides/slide12.xml><?xml version="1.0" encoding="utf-8"?>
+<file path=ppt/slides/slide14.xml><?xml version="1.0" encoding="utf-8"?>
 <p:sld xmlns:a="http://schemas.openxmlformats.org/drawingml/2006/main" xmlns:r="http://schemas.openxmlformats.org/officeDocument/2006/relationships" xmlns:p="http://schemas.openxmlformats.org/presentationml/2006/main">
   <p:cSld>
     <p:spTree>
@@ -14630,7 +15880,7 @@
 </p:sld>
 </file>
 
-<file path=ppt/slides/slide13.xml><?xml version="1.0" encoding="utf-8"?>
+<file path=ppt/slides/slide15.xml><?xml version="1.0" encoding="utf-8"?>
 <p:sld xmlns:a="http://schemas.openxmlformats.org/drawingml/2006/main" xmlns:r="http://schemas.openxmlformats.org/officeDocument/2006/relationships" xmlns:p="http://schemas.openxmlformats.org/presentationml/2006/main">
   <p:cSld>
     <p:spTree>
@@ -17363,7 +18613,7 @@
 </p:sld>
 </file>
 
-<file path=ppt/slides/slide14.xml><?xml version="1.0" encoding="utf-8"?>
+<file path=ppt/slides/slide16.xml><?xml version="1.0" encoding="utf-8"?>
 <p:sld xmlns:a="http://schemas.openxmlformats.org/drawingml/2006/main" xmlns:r="http://schemas.openxmlformats.org/officeDocument/2006/relationships" xmlns:p="http://schemas.openxmlformats.org/presentationml/2006/main">
   <p:cSld>
     <p:spTree>
@@ -20930,7 +22180,7 @@
 </p:sld>
 </file>
 
-<file path=ppt/slides/slide15.xml><?xml version="1.0" encoding="utf-8"?>
+<file path=ppt/slides/slide17.xml><?xml version="1.0" encoding="utf-8"?>
 <p:sld xmlns:a="http://schemas.openxmlformats.org/drawingml/2006/main" xmlns:r="http://schemas.openxmlformats.org/officeDocument/2006/relationships" xmlns:p="http://schemas.openxmlformats.org/presentationml/2006/main">
   <p:cSld>
     <p:spTree>
@@ -23452,10 +24702,10 @@
       </p:grpSpPr>
       <p:sp>
         <p:nvSpPr>
-          <p:cNvPr id="10" name="직사각형 9">
-            <a:extLst>
-              <a:ext uri="{FF2B5EF4-FFF2-40B4-BE49-F238E27FC236}">
-                <a16:creationId xmlns:a16="http://schemas.microsoft.com/office/drawing/2014/main" id="{4E32A52F-E5AA-87E6-0C12-B52176EBD689}"/>
+          <p:cNvPr id="14" name="직사각형 13">
+            <a:extLst>
+              <a:ext uri="{FF2B5EF4-FFF2-40B4-BE49-F238E27FC236}">
+                <a16:creationId xmlns:a16="http://schemas.microsoft.com/office/drawing/2014/main" id="{629CEB57-D545-1AC2-51F5-AB814C41C70D}"/>
               </a:ext>
             </a:extLst>
           </p:cNvPr>
@@ -23464,8 +24714,8 @@
         </p:nvSpPr>
         <p:spPr>
           <a:xfrm>
-            <a:off x="340816" y="-203200"/>
-            <a:ext cx="11556543" cy="7533640"/>
+            <a:off x="-53340" y="-177800"/>
+            <a:ext cx="12443460" cy="7533640"/>
           </a:xfrm>
           <a:prstGeom prst="rect">
             <a:avLst/>
@@ -23506,10 +24756,10 @@
       </p:sp>
       <p:pic>
         <p:nvPicPr>
-          <p:cNvPr id="5" name="그림 4">
-            <a:extLst>
-              <a:ext uri="{FF2B5EF4-FFF2-40B4-BE49-F238E27FC236}">
-                <a16:creationId xmlns:a16="http://schemas.microsoft.com/office/drawing/2014/main" id="{08DBECEE-4384-D015-E686-63B9BBFCFDBC}"/>
+          <p:cNvPr id="18" name="그림 17">
+            <a:extLst>
+              <a:ext uri="{FF2B5EF4-FFF2-40B4-BE49-F238E27FC236}">
+                <a16:creationId xmlns:a16="http://schemas.microsoft.com/office/drawing/2014/main" id="{BA50C9F9-54D0-A03B-1704-E444866BF1E9}"/>
               </a:ext>
             </a:extLst>
           </p:cNvPr>
@@ -23526,189 +24776,48 @@
         </p:blipFill>
         <p:spPr>
           <a:xfrm>
-            <a:off x="562721" y="0"/>
-            <a:ext cx="11066557" cy="6858000"/>
+            <a:off x="0" y="187362"/>
+            <a:ext cx="12192000" cy="6483275"/>
           </a:xfrm>
           <a:prstGeom prst="rect">
             <a:avLst/>
           </a:prstGeom>
         </p:spPr>
       </p:pic>
-      <p:sp>
-        <p:nvSpPr>
-          <p:cNvPr id="7" name="TextBox 6">
-            <a:extLst>
-              <a:ext uri="{FF2B5EF4-FFF2-40B4-BE49-F238E27FC236}">
-                <a16:creationId xmlns:a16="http://schemas.microsoft.com/office/drawing/2014/main" id="{F1BAE41F-9AB0-059D-8DC1-940589CF8DDA}"/>
-              </a:ext>
-            </a:extLst>
-          </p:cNvPr>
-          <p:cNvSpPr txBox="1"/>
-          <p:nvPr/>
-        </p:nvSpPr>
-        <p:spPr>
-          <a:xfrm>
-            <a:off x="3009900" y="-66675"/>
-            <a:ext cx="942975" cy="369332"/>
+      <p:pic>
+        <p:nvPicPr>
+          <p:cNvPr id="19" name="그림 18">
+            <a:extLst>
+              <a:ext uri="{FF2B5EF4-FFF2-40B4-BE49-F238E27FC236}">
+                <a16:creationId xmlns:a16="http://schemas.microsoft.com/office/drawing/2014/main" id="{E9D254A1-9D2B-94DC-DDCF-A7D09B931A7E}"/>
+              </a:ext>
+            </a:extLst>
+          </p:cNvPr>
+          <p:cNvPicPr>
+            <a:picLocks noChangeAspect="1"/>
+          </p:cNvPicPr>
+          <p:nvPr/>
+        </p:nvPicPr>
+        <p:blipFill>
+          <a:blip r:embed="rId3"/>
+          <a:stretch>
+            <a:fillRect/>
+          </a:stretch>
+        </p:blipFill>
+        <p:spPr>
+          <a:xfrm>
+            <a:off x="4407324" y="875608"/>
+            <a:ext cx="7573432" cy="819264"/>
           </a:xfrm>
           <a:prstGeom prst="rect">
             <a:avLst/>
           </a:prstGeom>
-          <a:noFill/>
-        </p:spPr>
-        <p:txBody>
-          <a:bodyPr wrap="square">
-            <a:spAutoFit/>
-          </a:bodyPr>
-          <a:lstStyle/>
-          <a:p>
-            <a:r>
-              <a:rPr lang="en-US" altLang="ko-KR" spc="-60" dirty="0">
-                <a:ln w="3175">
-                  <a:solidFill>
-                    <a:schemeClr val="tx1">
-                      <a:lumMod val="75000"/>
-                      <a:lumOff val="25000"/>
-                      <a:alpha val="10000"/>
-                    </a:schemeClr>
-                  </a:solidFill>
-                </a:ln>
-                <a:ea typeface="경기천년제목 Light" panose="02020403020101020101" pitchFamily="18" charset="-127"/>
-              </a:rPr>
-              <a:t>(km</a:t>
-            </a:r>
-            <a:r>
-              <a:rPr lang="en-US" altLang="ko-KR" spc="-60" baseline="30000" dirty="0">
-                <a:ln w="3175">
-                  <a:solidFill>
-                    <a:schemeClr val="tx1">
-                      <a:lumMod val="75000"/>
-                      <a:lumOff val="25000"/>
-                      <a:alpha val="10000"/>
-                    </a:schemeClr>
-                  </a:solidFill>
-                </a:ln>
-                <a:ea typeface="경기천년제목 Light" panose="02020403020101020101" pitchFamily="18" charset="-127"/>
-              </a:rPr>
-              <a:t>2</a:t>
-            </a:r>
-            <a:r>
-              <a:rPr lang="en-US" altLang="ko-KR" spc="-60" dirty="0">
-                <a:ln w="3175">
-                  <a:solidFill>
-                    <a:schemeClr val="tx1">
-                      <a:lumMod val="75000"/>
-                      <a:lumOff val="25000"/>
-                      <a:alpha val="10000"/>
-                    </a:schemeClr>
-                  </a:solidFill>
-                </a:ln>
-                <a:ea typeface="경기천년제목 Light" panose="02020403020101020101" pitchFamily="18" charset="-127"/>
-              </a:rPr>
-              <a:t>)</a:t>
-            </a:r>
-            <a:endParaRPr lang="ko-KR" altLang="en-US" dirty="0"/>
-          </a:p>
-        </p:txBody>
-      </p:sp>
-      <p:sp>
-        <p:nvSpPr>
-          <p:cNvPr id="8" name="TextBox 7">
-            <a:extLst>
-              <a:ext uri="{FF2B5EF4-FFF2-40B4-BE49-F238E27FC236}">
-                <a16:creationId xmlns:a16="http://schemas.microsoft.com/office/drawing/2014/main" id="{5498672F-6063-3978-4C05-6867FA9E9241}"/>
-              </a:ext>
-            </a:extLst>
-          </p:cNvPr>
-          <p:cNvSpPr txBox="1"/>
-          <p:nvPr/>
-        </p:nvSpPr>
-        <p:spPr>
-          <a:xfrm>
-            <a:off x="6829051" y="-66675"/>
-            <a:ext cx="942975" cy="369332"/>
-          </a:xfrm>
-          <a:prstGeom prst="rect">
-            <a:avLst/>
-          </a:prstGeom>
-          <a:noFill/>
-        </p:spPr>
-        <p:txBody>
-          <a:bodyPr wrap="square">
-            <a:spAutoFit/>
-          </a:bodyPr>
-          <a:lstStyle/>
-          <a:p>
-            <a:r>
-              <a:rPr lang="en-US" altLang="ko-KR" spc="-60" dirty="0">
-                <a:ln w="3175">
-                  <a:solidFill>
-                    <a:schemeClr val="tx1">
-                      <a:lumMod val="75000"/>
-                      <a:lumOff val="25000"/>
-                      <a:alpha val="10000"/>
-                    </a:schemeClr>
-                  </a:solidFill>
-                </a:ln>
-                <a:ea typeface="경기천년제목 Light" panose="02020403020101020101" pitchFamily="18" charset="-127"/>
-              </a:rPr>
-              <a:t>(GW)</a:t>
-            </a:r>
-            <a:endParaRPr lang="ko-KR" altLang="en-US" dirty="0"/>
-          </a:p>
-        </p:txBody>
-      </p:sp>
-      <p:sp>
-        <p:nvSpPr>
-          <p:cNvPr id="9" name="TextBox 8">
-            <a:extLst>
-              <a:ext uri="{FF2B5EF4-FFF2-40B4-BE49-F238E27FC236}">
-                <a16:creationId xmlns:a16="http://schemas.microsoft.com/office/drawing/2014/main" id="{6ACC5DAF-E9F9-D021-0EFC-0F3C138C16D6}"/>
-              </a:ext>
-            </a:extLst>
-          </p:cNvPr>
-          <p:cNvSpPr txBox="1"/>
-          <p:nvPr/>
-        </p:nvSpPr>
-        <p:spPr>
-          <a:xfrm>
-            <a:off x="10553326" y="-66675"/>
-            <a:ext cx="942975" cy="369332"/>
-          </a:xfrm>
-          <a:prstGeom prst="rect">
-            <a:avLst/>
-          </a:prstGeom>
-          <a:noFill/>
-        </p:spPr>
-        <p:txBody>
-          <a:bodyPr wrap="square">
-            <a:spAutoFit/>
-          </a:bodyPr>
-          <a:lstStyle/>
-          <a:p>
-            <a:r>
-              <a:rPr lang="en-US" altLang="ko-KR" spc="-60" dirty="0">
-                <a:ln w="3175">
-                  <a:solidFill>
-                    <a:schemeClr val="tx1">
-                      <a:lumMod val="75000"/>
-                      <a:lumOff val="25000"/>
-                      <a:alpha val="10000"/>
-                    </a:schemeClr>
-                  </a:solidFill>
-                </a:ln>
-                <a:ea typeface="경기천년제목 Light" panose="02020403020101020101" pitchFamily="18" charset="-127"/>
-              </a:rPr>
-              <a:t>(TWh)</a:t>
-            </a:r>
-            <a:endParaRPr lang="ko-KR" altLang="en-US" dirty="0"/>
-          </a:p>
-        </p:txBody>
-      </p:sp>
+        </p:spPr>
+      </p:pic>
     </p:spTree>
     <p:extLst>
       <p:ext uri="{BB962C8B-B14F-4D97-AF65-F5344CB8AC3E}">
-        <p14:creationId xmlns:p14="http://schemas.microsoft.com/office/powerpoint/2010/main" val="381363147"/>
+        <p14:creationId xmlns:p14="http://schemas.microsoft.com/office/powerpoint/2010/main" val="2253573760"/>
       </p:ext>
     </p:extLst>
   </p:cSld>
@@ -23723,7 +24832,13 @@
   <p:cSld>
     <p:spTree>
       <p:nvGrpSpPr>
-        <p:cNvPr id="1" name=""/>
+        <p:cNvPr id="1" name="">
+          <a:extLst>
+            <a:ext uri="{FF2B5EF4-FFF2-40B4-BE49-F238E27FC236}">
+              <a16:creationId xmlns:a16="http://schemas.microsoft.com/office/drawing/2014/main" id="{98D38950-AF02-7765-07E7-6322D28DA159}"/>
+            </a:ext>
+          </a:extLst>
+        </p:cNvPr>
         <p:cNvGrpSpPr/>
         <p:nvPr/>
       </p:nvGrpSpPr>
@@ -23737,10 +24852,10 @@
       </p:grpSpPr>
       <p:sp>
         <p:nvSpPr>
-          <p:cNvPr id="36" name="직사각형 35">
-            <a:extLst>
-              <a:ext uri="{FF2B5EF4-FFF2-40B4-BE49-F238E27FC236}">
-                <a16:creationId xmlns:a16="http://schemas.microsoft.com/office/drawing/2014/main" id="{79727932-5B85-E518-554E-2ED2E2E01630}"/>
+          <p:cNvPr id="14" name="직사각형 13">
+            <a:extLst>
+              <a:ext uri="{FF2B5EF4-FFF2-40B4-BE49-F238E27FC236}">
+                <a16:creationId xmlns:a16="http://schemas.microsoft.com/office/drawing/2014/main" id="{0274B03F-5844-EE06-7B66-230AB35D6CDB}"/>
               </a:ext>
             </a:extLst>
           </p:cNvPr>
@@ -23749,8 +24864,8 @@
         </p:nvSpPr>
         <p:spPr>
           <a:xfrm>
-            <a:off x="340816" y="-203200"/>
-            <a:ext cx="11556543" cy="7533640"/>
+            <a:off x="-53340" y="-177800"/>
+            <a:ext cx="12443460" cy="7533640"/>
           </a:xfrm>
           <a:prstGeom prst="rect">
             <a:avLst/>
@@ -23791,10 +24906,10 @@
       </p:sp>
       <p:pic>
         <p:nvPicPr>
-          <p:cNvPr id="12" name="그림 11">
-            <a:extLst>
-              <a:ext uri="{FF2B5EF4-FFF2-40B4-BE49-F238E27FC236}">
-                <a16:creationId xmlns:a16="http://schemas.microsoft.com/office/drawing/2014/main" id="{60539E56-5B90-8AA3-F838-53D8F113ABEA}"/>
+          <p:cNvPr id="7" name="그림 6">
+            <a:extLst>
+              <a:ext uri="{FF2B5EF4-FFF2-40B4-BE49-F238E27FC236}">
+                <a16:creationId xmlns:a16="http://schemas.microsoft.com/office/drawing/2014/main" id="{4333DC74-AF0F-80AF-841F-A4CA20A4300C}"/>
               </a:ext>
             </a:extLst>
           </p:cNvPr>
@@ -23811,118 +24926,50 @@
         </p:blipFill>
         <p:spPr>
           <a:xfrm>
-            <a:off x="552582" y="0"/>
-            <a:ext cx="11086836" cy="6858000"/>
+            <a:off x="32556" y="0"/>
+            <a:ext cx="12126887" cy="6858000"/>
           </a:xfrm>
           <a:prstGeom prst="rect">
             <a:avLst/>
           </a:prstGeom>
         </p:spPr>
       </p:pic>
-      <p:sp>
-        <p:nvSpPr>
-          <p:cNvPr id="6" name="이등변 삼각형 5">
-            <a:extLst>
-              <a:ext uri="{FF2B5EF4-FFF2-40B4-BE49-F238E27FC236}">
-                <a16:creationId xmlns:a16="http://schemas.microsoft.com/office/drawing/2014/main" id="{2F672663-6C5B-7309-594F-F562AFBEBFB4}"/>
-              </a:ext>
-            </a:extLst>
-          </p:cNvPr>
-          <p:cNvSpPr/>
-          <p:nvPr/>
-        </p:nvSpPr>
-        <p:spPr>
-          <a:xfrm flipH="1" flipV="1">
-            <a:off x="2245360" y="502725"/>
-            <a:ext cx="158496" cy="136634"/>
-          </a:xfrm>
-          <a:prstGeom prst="triangle">
-            <a:avLst/>
-          </a:prstGeom>
-          <a:solidFill>
-            <a:schemeClr val="tx1"/>
-          </a:solidFill>
-        </p:spPr>
-        <p:style>
-          <a:lnRef idx="2">
-            <a:schemeClr val="accent1">
-              <a:shade val="15000"/>
-            </a:schemeClr>
-          </a:lnRef>
-          <a:fillRef idx="1">
-            <a:schemeClr val="accent1"/>
-          </a:fillRef>
-          <a:effectRef idx="0">
-            <a:schemeClr val="accent1"/>
-          </a:effectRef>
-          <a:fontRef idx="minor">
-            <a:schemeClr val="lt1"/>
-          </a:fontRef>
-        </p:style>
-        <p:txBody>
-          <a:bodyPr rtlCol="0" anchor="ctr"/>
-          <a:lstStyle/>
-          <a:p>
-            <a:pPr algn="ctr"/>
-            <a:endParaRPr lang="ko-KR" altLang="en-US"/>
-          </a:p>
-        </p:txBody>
-      </p:sp>
-      <p:sp>
-        <p:nvSpPr>
-          <p:cNvPr id="7" name="이등변 삼각형 6">
-            <a:extLst>
-              <a:ext uri="{FF2B5EF4-FFF2-40B4-BE49-F238E27FC236}">
-                <a16:creationId xmlns:a16="http://schemas.microsoft.com/office/drawing/2014/main" id="{91F10FC1-B92A-F635-46A8-514F49176209}"/>
-              </a:ext>
-            </a:extLst>
-          </p:cNvPr>
-          <p:cNvSpPr/>
-          <p:nvPr/>
-        </p:nvSpPr>
-        <p:spPr>
-          <a:xfrm flipH="1">
-            <a:off x="-1842770" y="450850"/>
-            <a:ext cx="250444" cy="215900"/>
-          </a:xfrm>
-          <a:prstGeom prst="triangle">
-            <a:avLst/>
-          </a:prstGeom>
-          <a:solidFill>
-            <a:schemeClr val="tx1"/>
-          </a:solidFill>
-        </p:spPr>
-        <p:style>
-          <a:lnRef idx="2">
-            <a:schemeClr val="accent1">
-              <a:shade val="15000"/>
-            </a:schemeClr>
-          </a:lnRef>
-          <a:fillRef idx="1">
-            <a:schemeClr val="accent1"/>
-          </a:fillRef>
-          <a:effectRef idx="0">
-            <a:schemeClr val="accent1"/>
-          </a:effectRef>
-          <a:fontRef idx="minor">
-            <a:schemeClr val="lt1"/>
-          </a:fontRef>
-        </p:style>
-        <p:txBody>
-          <a:bodyPr rtlCol="0" anchor="ctr"/>
-          <a:lstStyle/>
-          <a:p>
-            <a:pPr algn="ctr"/>
-            <a:endParaRPr lang="ko-KR" altLang="en-US"/>
-          </a:p>
-        </p:txBody>
-      </p:sp>
-      <p:sp>
-        <p:nvSpPr>
-          <p:cNvPr id="9" name="TextBox 8">
-            <a:extLst>
-              <a:ext uri="{FF2B5EF4-FFF2-40B4-BE49-F238E27FC236}">
-                <a16:creationId xmlns:a16="http://schemas.microsoft.com/office/drawing/2014/main" id="{6A10FD17-BC4E-B5D7-51DF-EF3651BD48DF}"/>
+      <p:pic>
+        <p:nvPicPr>
+          <p:cNvPr id="12" name="그림 11">
+            <a:extLst>
+              <a:ext uri="{FF2B5EF4-FFF2-40B4-BE49-F238E27FC236}">
+                <a16:creationId xmlns:a16="http://schemas.microsoft.com/office/drawing/2014/main" id="{2787CBC2-B89C-E2DA-A26F-2B8DD992F1B8}"/>
+              </a:ext>
+            </a:extLst>
+          </p:cNvPr>
+          <p:cNvPicPr>
+            <a:picLocks noChangeAspect="1"/>
+          </p:cNvPicPr>
+          <p:nvPr/>
+        </p:nvPicPr>
+        <p:blipFill>
+          <a:blip r:embed="rId3"/>
+          <a:stretch>
+            <a:fillRect/>
+          </a:stretch>
+        </p:blipFill>
+        <p:spPr>
+          <a:xfrm>
+            <a:off x="4402244" y="337128"/>
+            <a:ext cx="7573432" cy="819264"/>
+          </a:xfrm>
+          <a:prstGeom prst="rect">
+            <a:avLst/>
+          </a:prstGeom>
+        </p:spPr>
+      </p:pic>
+      <p:sp>
+        <p:nvSpPr>
+          <p:cNvPr id="13" name="TextBox 12">
+            <a:extLst>
+              <a:ext uri="{FF2B5EF4-FFF2-40B4-BE49-F238E27FC236}">
+                <a16:creationId xmlns:a16="http://schemas.microsoft.com/office/drawing/2014/main" id="{670BBD20-A66C-AA51-E2D6-36CDBDA87DC5}"/>
               </a:ext>
             </a:extLst>
           </p:cNvPr>
@@ -23931,8 +24978,8 @@
         </p:nvSpPr>
         <p:spPr>
           <a:xfrm>
-            <a:off x="2370074" y="404911"/>
-            <a:ext cx="652526" cy="307777"/>
+            <a:off x="-53340" y="-71755"/>
+            <a:ext cx="942975" cy="369332"/>
           </a:xfrm>
           <a:prstGeom prst="rect">
             <a:avLst/>
@@ -23946,7 +24993,7 @@
           <a:lstStyle/>
           <a:p>
             <a:r>
-              <a:rPr lang="en-US" altLang="ko-KR" sz="1400" spc="-60" dirty="0">
+              <a:rPr lang="en-US" altLang="ko-KR" spc="-60" dirty="0">
                 <a:ln w="3175">
                   <a:solidFill>
                     <a:schemeClr val="tx1">
@@ -23958,1024 +25005,16 @@
                 </a:ln>
                 <a:ea typeface="경기천년제목 Light" panose="02020403020101020101" pitchFamily="18" charset="-127"/>
               </a:rPr>
-              <a:t>14.2%</a:t>
-            </a:r>
-            <a:endParaRPr lang="ko-KR" altLang="en-US" sz="1400" dirty="0"/>
-          </a:p>
-        </p:txBody>
-      </p:sp>
-      <p:sp>
-        <p:nvSpPr>
-          <p:cNvPr id="13" name="직사각형 12">
-            <a:extLst>
-              <a:ext uri="{FF2B5EF4-FFF2-40B4-BE49-F238E27FC236}">
-                <a16:creationId xmlns:a16="http://schemas.microsoft.com/office/drawing/2014/main" id="{A2E2B265-3760-9991-FFAD-09DA1F9B0408}"/>
-              </a:ext>
-            </a:extLst>
-          </p:cNvPr>
-          <p:cNvSpPr/>
-          <p:nvPr/>
-        </p:nvSpPr>
-        <p:spPr>
-          <a:xfrm>
-            <a:off x="922020" y="3215482"/>
-            <a:ext cx="10717398" cy="213518"/>
-          </a:xfrm>
-          <a:prstGeom prst="rect">
-            <a:avLst/>
-          </a:prstGeom>
-          <a:solidFill>
-            <a:schemeClr val="bg1"/>
-          </a:solidFill>
-          <a:ln>
-            <a:noFill/>
-          </a:ln>
-        </p:spPr>
-        <p:style>
-          <a:lnRef idx="2">
-            <a:schemeClr val="accent1">
-              <a:shade val="15000"/>
-            </a:schemeClr>
-          </a:lnRef>
-          <a:fillRef idx="1">
-            <a:schemeClr val="accent1"/>
-          </a:fillRef>
-          <a:effectRef idx="0">
-            <a:schemeClr val="accent1"/>
-          </a:effectRef>
-          <a:fontRef idx="minor">
-            <a:schemeClr val="lt1"/>
-          </a:fontRef>
-        </p:style>
-        <p:txBody>
-          <a:bodyPr rtlCol="0" anchor="ctr"/>
-          <a:lstStyle/>
-          <a:p>
-            <a:pPr algn="ctr"/>
-            <a:endParaRPr lang="ko-KR" altLang="en-US"/>
-          </a:p>
-        </p:txBody>
-      </p:sp>
-      <p:sp>
-        <p:nvSpPr>
-          <p:cNvPr id="14" name="직사각형 13">
-            <a:extLst>
-              <a:ext uri="{FF2B5EF4-FFF2-40B4-BE49-F238E27FC236}">
-                <a16:creationId xmlns:a16="http://schemas.microsoft.com/office/drawing/2014/main" id="{B283EDF2-A942-22F3-3EC6-5D10C09874CB}"/>
-              </a:ext>
-            </a:extLst>
-          </p:cNvPr>
-          <p:cNvSpPr/>
-          <p:nvPr/>
-        </p:nvSpPr>
-        <p:spPr>
-          <a:xfrm>
-            <a:off x="922020" y="6644482"/>
-            <a:ext cx="10717398" cy="213518"/>
-          </a:xfrm>
-          <a:prstGeom prst="rect">
-            <a:avLst/>
-          </a:prstGeom>
-          <a:solidFill>
-            <a:schemeClr val="bg1"/>
-          </a:solidFill>
-          <a:ln>
-            <a:noFill/>
-          </a:ln>
-        </p:spPr>
-        <p:style>
-          <a:lnRef idx="2">
-            <a:schemeClr val="accent1">
-              <a:shade val="15000"/>
-            </a:schemeClr>
-          </a:lnRef>
-          <a:fillRef idx="1">
-            <a:schemeClr val="accent1"/>
-          </a:fillRef>
-          <a:effectRef idx="0">
-            <a:schemeClr val="accent1"/>
-          </a:effectRef>
-          <a:fontRef idx="minor">
-            <a:schemeClr val="lt1"/>
-          </a:fontRef>
-        </p:style>
-        <p:txBody>
-          <a:bodyPr rtlCol="0" anchor="ctr"/>
-          <a:lstStyle/>
-          <a:p>
-            <a:pPr algn="ctr"/>
-            <a:endParaRPr lang="ko-KR" altLang="en-US"/>
-          </a:p>
-        </p:txBody>
-      </p:sp>
-      <p:pic>
-        <p:nvPicPr>
-          <p:cNvPr id="10" name="그림 9">
-            <a:extLst>
-              <a:ext uri="{FF2B5EF4-FFF2-40B4-BE49-F238E27FC236}">
-                <a16:creationId xmlns:a16="http://schemas.microsoft.com/office/drawing/2014/main" id="{C698687E-7BEA-A2C9-F71E-A876A6DB8918}"/>
-              </a:ext>
-            </a:extLst>
-          </p:cNvPr>
-          <p:cNvPicPr>
-            <a:picLocks noChangeAspect="1"/>
-          </p:cNvPicPr>
-          <p:nvPr/>
-        </p:nvPicPr>
-        <p:blipFill>
-          <a:blip r:embed="rId3"/>
-          <a:srcRect l="4668" t="47505" r="79006" b="50297"/>
-          <a:stretch/>
-        </p:blipFill>
-        <p:spPr>
-          <a:xfrm>
-            <a:off x="1112520" y="3225642"/>
-            <a:ext cx="1910080" cy="150812"/>
-          </a:xfrm>
-          <a:prstGeom prst="rect">
-            <a:avLst/>
-          </a:prstGeom>
-        </p:spPr>
-      </p:pic>
-      <p:pic>
-        <p:nvPicPr>
-          <p:cNvPr id="15" name="그림 14">
-            <a:extLst>
-              <a:ext uri="{FF2B5EF4-FFF2-40B4-BE49-F238E27FC236}">
-                <a16:creationId xmlns:a16="http://schemas.microsoft.com/office/drawing/2014/main" id="{F32299CA-D4AE-F4BF-82E2-1F66986C9568}"/>
-              </a:ext>
-            </a:extLst>
-          </p:cNvPr>
-          <p:cNvPicPr>
-            <a:picLocks noChangeAspect="1"/>
-          </p:cNvPicPr>
-          <p:nvPr/>
-        </p:nvPicPr>
-        <p:blipFill>
-          <a:blip r:embed="rId3"/>
-          <a:srcRect l="4668" t="47505" r="79006" b="50297"/>
-          <a:stretch/>
-        </p:blipFill>
-        <p:spPr>
-          <a:xfrm>
-            <a:off x="3860800" y="3225642"/>
-            <a:ext cx="1910080" cy="150812"/>
-          </a:xfrm>
-          <a:prstGeom prst="rect">
-            <a:avLst/>
-          </a:prstGeom>
-        </p:spPr>
-      </p:pic>
-      <p:pic>
-        <p:nvPicPr>
-          <p:cNvPr id="16" name="그림 15">
-            <a:extLst>
-              <a:ext uri="{FF2B5EF4-FFF2-40B4-BE49-F238E27FC236}">
-                <a16:creationId xmlns:a16="http://schemas.microsoft.com/office/drawing/2014/main" id="{E776C361-FBB9-4CFC-1CF7-0F4FF3E312B1}"/>
-              </a:ext>
-            </a:extLst>
-          </p:cNvPr>
-          <p:cNvPicPr>
-            <a:picLocks noChangeAspect="1"/>
-          </p:cNvPicPr>
-          <p:nvPr/>
-        </p:nvPicPr>
-        <p:blipFill>
-          <a:blip r:embed="rId3"/>
-          <a:srcRect l="4668" t="47505" r="79006" b="50297"/>
-          <a:stretch/>
-        </p:blipFill>
-        <p:spPr>
-          <a:xfrm>
-            <a:off x="6739468" y="3225642"/>
-            <a:ext cx="1910080" cy="150812"/>
-          </a:xfrm>
-          <a:prstGeom prst="rect">
-            <a:avLst/>
-          </a:prstGeom>
-        </p:spPr>
-      </p:pic>
-      <p:pic>
-        <p:nvPicPr>
-          <p:cNvPr id="17" name="그림 16">
-            <a:extLst>
-              <a:ext uri="{FF2B5EF4-FFF2-40B4-BE49-F238E27FC236}">
-                <a16:creationId xmlns:a16="http://schemas.microsoft.com/office/drawing/2014/main" id="{4FDA546C-8BB1-B052-3503-00BCD02B1738}"/>
-              </a:ext>
-            </a:extLst>
-          </p:cNvPr>
-          <p:cNvPicPr>
-            <a:picLocks noChangeAspect="1"/>
-          </p:cNvPicPr>
-          <p:nvPr/>
-        </p:nvPicPr>
-        <p:blipFill>
-          <a:blip r:embed="rId3"/>
-          <a:srcRect l="4668" t="47505" r="79006" b="50297"/>
-          <a:stretch/>
-        </p:blipFill>
-        <p:spPr>
-          <a:xfrm>
-            <a:off x="9469123" y="3225642"/>
-            <a:ext cx="1910080" cy="150812"/>
-          </a:xfrm>
-          <a:prstGeom prst="rect">
-            <a:avLst/>
-          </a:prstGeom>
-        </p:spPr>
-      </p:pic>
-      <p:pic>
-        <p:nvPicPr>
-          <p:cNvPr id="18" name="그림 17">
-            <a:extLst>
-              <a:ext uri="{FF2B5EF4-FFF2-40B4-BE49-F238E27FC236}">
-                <a16:creationId xmlns:a16="http://schemas.microsoft.com/office/drawing/2014/main" id="{D2F3E4E1-CA0F-BF7E-7BE3-8E23DB0A1A59}"/>
-              </a:ext>
-            </a:extLst>
-          </p:cNvPr>
-          <p:cNvPicPr>
-            <a:picLocks noChangeAspect="1"/>
-          </p:cNvPicPr>
-          <p:nvPr/>
-        </p:nvPicPr>
-        <p:blipFill>
-          <a:blip r:embed="rId3"/>
-          <a:srcRect l="4668" t="47505" r="79006" b="50297"/>
-          <a:stretch/>
-        </p:blipFill>
-        <p:spPr>
-          <a:xfrm>
-            <a:off x="1112520" y="6654642"/>
-            <a:ext cx="1910080" cy="150812"/>
-          </a:xfrm>
-          <a:prstGeom prst="rect">
-            <a:avLst/>
-          </a:prstGeom>
-        </p:spPr>
-      </p:pic>
-      <p:pic>
-        <p:nvPicPr>
-          <p:cNvPr id="19" name="그림 18">
-            <a:extLst>
-              <a:ext uri="{FF2B5EF4-FFF2-40B4-BE49-F238E27FC236}">
-                <a16:creationId xmlns:a16="http://schemas.microsoft.com/office/drawing/2014/main" id="{DD7D1F59-6301-E8A9-EF8C-E6A42FDE54C4}"/>
-              </a:ext>
-            </a:extLst>
-          </p:cNvPr>
-          <p:cNvPicPr>
-            <a:picLocks noChangeAspect="1"/>
-          </p:cNvPicPr>
-          <p:nvPr/>
-        </p:nvPicPr>
-        <p:blipFill>
-          <a:blip r:embed="rId3"/>
-          <a:srcRect l="4668" t="47505" r="79006" b="50297"/>
-          <a:stretch/>
-        </p:blipFill>
-        <p:spPr>
-          <a:xfrm>
-            <a:off x="3860800" y="6654642"/>
-            <a:ext cx="1910080" cy="150812"/>
-          </a:xfrm>
-          <a:prstGeom prst="rect">
-            <a:avLst/>
-          </a:prstGeom>
-        </p:spPr>
-      </p:pic>
-      <p:pic>
-        <p:nvPicPr>
-          <p:cNvPr id="20" name="그림 19">
-            <a:extLst>
-              <a:ext uri="{FF2B5EF4-FFF2-40B4-BE49-F238E27FC236}">
-                <a16:creationId xmlns:a16="http://schemas.microsoft.com/office/drawing/2014/main" id="{904EB464-0A24-17CD-98F3-DAA9FA2662B1}"/>
-              </a:ext>
-            </a:extLst>
-          </p:cNvPr>
-          <p:cNvPicPr>
-            <a:picLocks noChangeAspect="1"/>
-          </p:cNvPicPr>
-          <p:nvPr/>
-        </p:nvPicPr>
-        <p:blipFill>
-          <a:blip r:embed="rId3"/>
-          <a:srcRect l="4668" t="47505" r="79006" b="50297"/>
-          <a:stretch/>
-        </p:blipFill>
-        <p:spPr>
-          <a:xfrm>
-            <a:off x="6739468" y="6654642"/>
-            <a:ext cx="1910080" cy="150812"/>
-          </a:xfrm>
-          <a:prstGeom prst="rect">
-            <a:avLst/>
-          </a:prstGeom>
-        </p:spPr>
-      </p:pic>
-      <p:pic>
-        <p:nvPicPr>
-          <p:cNvPr id="21" name="그림 20">
-            <a:extLst>
-              <a:ext uri="{FF2B5EF4-FFF2-40B4-BE49-F238E27FC236}">
-                <a16:creationId xmlns:a16="http://schemas.microsoft.com/office/drawing/2014/main" id="{1CAE9D2B-98FC-C6CC-C47B-F58F5D95182D}"/>
-              </a:ext>
-            </a:extLst>
-          </p:cNvPr>
-          <p:cNvPicPr>
-            <a:picLocks noChangeAspect="1"/>
-          </p:cNvPicPr>
-          <p:nvPr/>
-        </p:nvPicPr>
-        <p:blipFill>
-          <a:blip r:embed="rId3"/>
-          <a:srcRect l="4668" t="47505" r="79006" b="50297"/>
-          <a:stretch/>
-        </p:blipFill>
-        <p:spPr>
-          <a:xfrm>
-            <a:off x="9469123" y="6654642"/>
-            <a:ext cx="1910080" cy="150812"/>
-          </a:xfrm>
-          <a:prstGeom prst="rect">
-            <a:avLst/>
-          </a:prstGeom>
-        </p:spPr>
-      </p:pic>
-      <p:sp>
-        <p:nvSpPr>
-          <p:cNvPr id="22" name="이등변 삼각형 21">
-            <a:extLst>
-              <a:ext uri="{FF2B5EF4-FFF2-40B4-BE49-F238E27FC236}">
-                <a16:creationId xmlns:a16="http://schemas.microsoft.com/office/drawing/2014/main" id="{D89EFAD1-C22C-DBD7-2A39-40A17725A305}"/>
-              </a:ext>
-            </a:extLst>
-          </p:cNvPr>
-          <p:cNvSpPr/>
-          <p:nvPr/>
-        </p:nvSpPr>
-        <p:spPr>
-          <a:xfrm flipH="1" flipV="1">
-            <a:off x="4993640" y="502725"/>
-            <a:ext cx="158496" cy="136634"/>
-          </a:xfrm>
-          <a:prstGeom prst="triangle">
-            <a:avLst/>
-          </a:prstGeom>
-          <a:solidFill>
-            <a:schemeClr val="tx1"/>
-          </a:solidFill>
-        </p:spPr>
-        <p:style>
-          <a:lnRef idx="2">
-            <a:schemeClr val="accent1">
-              <a:shade val="15000"/>
-            </a:schemeClr>
-          </a:lnRef>
-          <a:fillRef idx="1">
-            <a:schemeClr val="accent1"/>
-          </a:fillRef>
-          <a:effectRef idx="0">
-            <a:schemeClr val="accent1"/>
-          </a:effectRef>
-          <a:fontRef idx="minor">
-            <a:schemeClr val="lt1"/>
-          </a:fontRef>
-        </p:style>
-        <p:txBody>
-          <a:bodyPr rtlCol="0" anchor="ctr"/>
-          <a:lstStyle/>
-          <a:p>
-            <a:pPr algn="ctr"/>
-            <a:endParaRPr lang="ko-KR" altLang="en-US"/>
-          </a:p>
-        </p:txBody>
-      </p:sp>
-      <p:sp>
-        <p:nvSpPr>
-          <p:cNvPr id="23" name="TextBox 22">
-            <a:extLst>
-              <a:ext uri="{FF2B5EF4-FFF2-40B4-BE49-F238E27FC236}">
-                <a16:creationId xmlns:a16="http://schemas.microsoft.com/office/drawing/2014/main" id="{084E04BE-F387-6423-C8E5-CDDC9EAF9DFC}"/>
-              </a:ext>
-            </a:extLst>
-          </p:cNvPr>
-          <p:cNvSpPr txBox="1"/>
-          <p:nvPr/>
-        </p:nvSpPr>
-        <p:spPr>
-          <a:xfrm>
-            <a:off x="5118354" y="404911"/>
-            <a:ext cx="652526" cy="307777"/>
-          </a:xfrm>
-          <a:prstGeom prst="rect">
-            <a:avLst/>
-          </a:prstGeom>
-          <a:noFill/>
-        </p:spPr>
-        <p:txBody>
-          <a:bodyPr wrap="square">
-            <a:spAutoFit/>
-          </a:bodyPr>
-          <a:lstStyle/>
-          <a:p>
-            <a:r>
-              <a:rPr lang="en-US" altLang="ko-KR" sz="1400" spc="-60" dirty="0">
-                <a:ln w="3175">
-                  <a:solidFill>
-                    <a:schemeClr val="tx1">
-                      <a:lumMod val="75000"/>
-                      <a:lumOff val="25000"/>
-                      <a:alpha val="10000"/>
-                    </a:schemeClr>
-                  </a:solidFill>
-                </a:ln>
-                <a:ea typeface="경기천년제목 Light" panose="02020403020101020101" pitchFamily="18" charset="-127"/>
-              </a:rPr>
-              <a:t>42.1%</a:t>
-            </a:r>
-            <a:endParaRPr lang="ko-KR" altLang="en-US" sz="1400" dirty="0"/>
-          </a:p>
-        </p:txBody>
-      </p:sp>
-      <p:sp>
-        <p:nvSpPr>
-          <p:cNvPr id="24" name="이등변 삼각형 23">
-            <a:extLst>
-              <a:ext uri="{FF2B5EF4-FFF2-40B4-BE49-F238E27FC236}">
-                <a16:creationId xmlns:a16="http://schemas.microsoft.com/office/drawing/2014/main" id="{97B81EFB-08D9-1A39-CD67-B9354D8EB754}"/>
-              </a:ext>
-            </a:extLst>
-          </p:cNvPr>
-          <p:cNvSpPr/>
-          <p:nvPr/>
-        </p:nvSpPr>
-        <p:spPr>
-          <a:xfrm flipH="1" flipV="1">
-            <a:off x="7872308" y="502725"/>
-            <a:ext cx="158496" cy="136634"/>
-          </a:xfrm>
-          <a:prstGeom prst="triangle">
-            <a:avLst/>
-          </a:prstGeom>
-          <a:solidFill>
-            <a:schemeClr val="tx1"/>
-          </a:solidFill>
-        </p:spPr>
-        <p:style>
-          <a:lnRef idx="2">
-            <a:schemeClr val="accent1">
-              <a:shade val="15000"/>
-            </a:schemeClr>
-          </a:lnRef>
-          <a:fillRef idx="1">
-            <a:schemeClr val="accent1"/>
-          </a:fillRef>
-          <a:effectRef idx="0">
-            <a:schemeClr val="accent1"/>
-          </a:effectRef>
-          <a:fontRef idx="minor">
-            <a:schemeClr val="lt1"/>
-          </a:fontRef>
-        </p:style>
-        <p:txBody>
-          <a:bodyPr rtlCol="0" anchor="ctr"/>
-          <a:lstStyle/>
-          <a:p>
-            <a:pPr algn="ctr"/>
-            <a:endParaRPr lang="ko-KR" altLang="en-US"/>
-          </a:p>
-        </p:txBody>
-      </p:sp>
-      <p:sp>
-        <p:nvSpPr>
-          <p:cNvPr id="25" name="TextBox 24">
-            <a:extLst>
-              <a:ext uri="{FF2B5EF4-FFF2-40B4-BE49-F238E27FC236}">
-                <a16:creationId xmlns:a16="http://schemas.microsoft.com/office/drawing/2014/main" id="{11F3B2A8-DFFB-6924-0F78-559204DFEC9A}"/>
-              </a:ext>
-            </a:extLst>
-          </p:cNvPr>
-          <p:cNvSpPr txBox="1"/>
-          <p:nvPr/>
-        </p:nvSpPr>
-        <p:spPr>
-          <a:xfrm>
-            <a:off x="7997022" y="404911"/>
-            <a:ext cx="652526" cy="307777"/>
-          </a:xfrm>
-          <a:prstGeom prst="rect">
-            <a:avLst/>
-          </a:prstGeom>
-          <a:noFill/>
-        </p:spPr>
-        <p:txBody>
-          <a:bodyPr wrap="square">
-            <a:spAutoFit/>
-          </a:bodyPr>
-          <a:lstStyle/>
-          <a:p>
-            <a:r>
-              <a:rPr lang="en-US" altLang="ko-KR" sz="1400" spc="-60" dirty="0">
-                <a:ln w="3175">
-                  <a:solidFill>
-                    <a:schemeClr val="tx1">
-                      <a:lumMod val="75000"/>
-                      <a:lumOff val="25000"/>
-                      <a:alpha val="10000"/>
-                    </a:schemeClr>
-                  </a:solidFill>
-                </a:ln>
-                <a:ea typeface="경기천년제목 Light" panose="02020403020101020101" pitchFamily="18" charset="-127"/>
-              </a:rPr>
-              <a:t>13.1%</a:t>
-            </a:r>
-            <a:endParaRPr lang="ko-KR" altLang="en-US" sz="1400" dirty="0"/>
-          </a:p>
-        </p:txBody>
-      </p:sp>
-      <p:sp>
-        <p:nvSpPr>
-          <p:cNvPr id="26" name="이등변 삼각형 25">
-            <a:extLst>
-              <a:ext uri="{FF2B5EF4-FFF2-40B4-BE49-F238E27FC236}">
-                <a16:creationId xmlns:a16="http://schemas.microsoft.com/office/drawing/2014/main" id="{90B57F32-10EA-E9FD-0036-ABCDA5CE284E}"/>
-              </a:ext>
-            </a:extLst>
-          </p:cNvPr>
-          <p:cNvSpPr/>
-          <p:nvPr/>
-        </p:nvSpPr>
-        <p:spPr>
-          <a:xfrm flipH="1" flipV="1">
-            <a:off x="10622117" y="502725"/>
-            <a:ext cx="158496" cy="136634"/>
-          </a:xfrm>
-          <a:prstGeom prst="triangle">
-            <a:avLst/>
-          </a:prstGeom>
-          <a:solidFill>
-            <a:schemeClr val="tx1"/>
-          </a:solidFill>
-        </p:spPr>
-        <p:style>
-          <a:lnRef idx="2">
-            <a:schemeClr val="accent1">
-              <a:shade val="15000"/>
-            </a:schemeClr>
-          </a:lnRef>
-          <a:fillRef idx="1">
-            <a:schemeClr val="accent1"/>
-          </a:fillRef>
-          <a:effectRef idx="0">
-            <a:schemeClr val="accent1"/>
-          </a:effectRef>
-          <a:fontRef idx="minor">
-            <a:schemeClr val="lt1"/>
-          </a:fontRef>
-        </p:style>
-        <p:txBody>
-          <a:bodyPr rtlCol="0" anchor="ctr"/>
-          <a:lstStyle/>
-          <a:p>
-            <a:pPr algn="ctr"/>
-            <a:endParaRPr lang="ko-KR" altLang="en-US"/>
-          </a:p>
-        </p:txBody>
-      </p:sp>
-      <p:sp>
-        <p:nvSpPr>
-          <p:cNvPr id="27" name="TextBox 26">
-            <a:extLst>
-              <a:ext uri="{FF2B5EF4-FFF2-40B4-BE49-F238E27FC236}">
-                <a16:creationId xmlns:a16="http://schemas.microsoft.com/office/drawing/2014/main" id="{1DEC1260-D5DB-5A01-94A7-2FD36392704F}"/>
-              </a:ext>
-            </a:extLst>
-          </p:cNvPr>
-          <p:cNvSpPr txBox="1"/>
-          <p:nvPr/>
-        </p:nvSpPr>
-        <p:spPr>
-          <a:xfrm>
-            <a:off x="10746831" y="404911"/>
-            <a:ext cx="652526" cy="307777"/>
-          </a:xfrm>
-          <a:prstGeom prst="rect">
-            <a:avLst/>
-          </a:prstGeom>
-          <a:noFill/>
-        </p:spPr>
-        <p:txBody>
-          <a:bodyPr wrap="square">
-            <a:spAutoFit/>
-          </a:bodyPr>
-          <a:lstStyle/>
-          <a:p>
-            <a:r>
-              <a:rPr lang="en-US" altLang="ko-KR" sz="1400" spc="-60" dirty="0">
-                <a:ln w="3175">
-                  <a:solidFill>
-                    <a:schemeClr val="tx1">
-                      <a:lumMod val="75000"/>
-                      <a:lumOff val="25000"/>
-                      <a:alpha val="10000"/>
-                    </a:schemeClr>
-                  </a:solidFill>
-                </a:ln>
-                <a:ea typeface="경기천년제목 Light" panose="02020403020101020101" pitchFamily="18" charset="-127"/>
-              </a:rPr>
-              <a:t>22.0%</a:t>
-            </a:r>
-            <a:endParaRPr lang="ko-KR" altLang="en-US" sz="1400" dirty="0"/>
-          </a:p>
-        </p:txBody>
-      </p:sp>
-      <p:sp>
-        <p:nvSpPr>
-          <p:cNvPr id="28" name="이등변 삼각형 27">
-            <a:extLst>
-              <a:ext uri="{FF2B5EF4-FFF2-40B4-BE49-F238E27FC236}">
-                <a16:creationId xmlns:a16="http://schemas.microsoft.com/office/drawing/2014/main" id="{8CCDFCD3-AD2F-C392-3CBA-E2864F31D43C}"/>
-              </a:ext>
-            </a:extLst>
-          </p:cNvPr>
-          <p:cNvSpPr/>
-          <p:nvPr/>
-        </p:nvSpPr>
-        <p:spPr>
-          <a:xfrm flipH="1" flipV="1">
-            <a:off x="10622117" y="3925375"/>
-            <a:ext cx="158496" cy="136634"/>
-          </a:xfrm>
-          <a:prstGeom prst="triangle">
-            <a:avLst/>
-          </a:prstGeom>
-          <a:solidFill>
-            <a:schemeClr val="tx1"/>
-          </a:solidFill>
-        </p:spPr>
-        <p:style>
-          <a:lnRef idx="2">
-            <a:schemeClr val="accent1">
-              <a:shade val="15000"/>
-            </a:schemeClr>
-          </a:lnRef>
-          <a:fillRef idx="1">
-            <a:schemeClr val="accent1"/>
-          </a:fillRef>
-          <a:effectRef idx="0">
-            <a:schemeClr val="accent1"/>
-          </a:effectRef>
-          <a:fontRef idx="minor">
-            <a:schemeClr val="lt1"/>
-          </a:fontRef>
-        </p:style>
-        <p:txBody>
-          <a:bodyPr rtlCol="0" anchor="ctr"/>
-          <a:lstStyle/>
-          <a:p>
-            <a:pPr algn="ctr"/>
-            <a:endParaRPr lang="ko-KR" altLang="en-US"/>
-          </a:p>
-        </p:txBody>
-      </p:sp>
-      <p:sp>
-        <p:nvSpPr>
-          <p:cNvPr id="29" name="TextBox 28">
-            <a:extLst>
-              <a:ext uri="{FF2B5EF4-FFF2-40B4-BE49-F238E27FC236}">
-                <a16:creationId xmlns:a16="http://schemas.microsoft.com/office/drawing/2014/main" id="{BFEBF2C3-A0BE-AAC1-4022-910A3B97F1CC}"/>
-              </a:ext>
-            </a:extLst>
-          </p:cNvPr>
-          <p:cNvSpPr txBox="1"/>
-          <p:nvPr/>
-        </p:nvSpPr>
-        <p:spPr>
-          <a:xfrm>
-            <a:off x="10746831" y="3827561"/>
-            <a:ext cx="652526" cy="307777"/>
-          </a:xfrm>
-          <a:prstGeom prst="rect">
-            <a:avLst/>
-          </a:prstGeom>
-          <a:noFill/>
-        </p:spPr>
-        <p:txBody>
-          <a:bodyPr wrap="square">
-            <a:spAutoFit/>
-          </a:bodyPr>
-          <a:lstStyle/>
-          <a:p>
-            <a:r>
-              <a:rPr lang="en-US" altLang="ko-KR" sz="1400" spc="-60" dirty="0">
-                <a:ln w="3175">
-                  <a:solidFill>
-                    <a:schemeClr val="tx1">
-                      <a:lumMod val="75000"/>
-                      <a:lumOff val="25000"/>
-                      <a:alpha val="10000"/>
-                    </a:schemeClr>
-                  </a:solidFill>
-                </a:ln>
-                <a:ea typeface="경기천년제목 Light" panose="02020403020101020101" pitchFamily="18" charset="-127"/>
-              </a:rPr>
-              <a:t>12.9%</a:t>
-            </a:r>
-            <a:endParaRPr lang="ko-KR" altLang="en-US" sz="1400" dirty="0"/>
-          </a:p>
-        </p:txBody>
-      </p:sp>
-      <p:sp>
-        <p:nvSpPr>
-          <p:cNvPr id="30" name="이등변 삼각형 29">
-            <a:extLst>
-              <a:ext uri="{FF2B5EF4-FFF2-40B4-BE49-F238E27FC236}">
-                <a16:creationId xmlns:a16="http://schemas.microsoft.com/office/drawing/2014/main" id="{CEDD3149-4C0D-9071-C40C-53BAC6C51DDE}"/>
-              </a:ext>
-            </a:extLst>
-          </p:cNvPr>
-          <p:cNvSpPr/>
-          <p:nvPr/>
-        </p:nvSpPr>
-        <p:spPr>
-          <a:xfrm flipH="1" flipV="1">
-            <a:off x="7872308" y="3925375"/>
-            <a:ext cx="158496" cy="136634"/>
-          </a:xfrm>
-          <a:prstGeom prst="triangle">
-            <a:avLst/>
-          </a:prstGeom>
-          <a:solidFill>
-            <a:schemeClr val="tx1"/>
-          </a:solidFill>
-        </p:spPr>
-        <p:style>
-          <a:lnRef idx="2">
-            <a:schemeClr val="accent1">
-              <a:shade val="15000"/>
-            </a:schemeClr>
-          </a:lnRef>
-          <a:fillRef idx="1">
-            <a:schemeClr val="accent1"/>
-          </a:fillRef>
-          <a:effectRef idx="0">
-            <a:schemeClr val="accent1"/>
-          </a:effectRef>
-          <a:fontRef idx="minor">
-            <a:schemeClr val="lt1"/>
-          </a:fontRef>
-        </p:style>
-        <p:txBody>
-          <a:bodyPr rtlCol="0" anchor="ctr"/>
-          <a:lstStyle/>
-          <a:p>
-            <a:pPr algn="ctr"/>
-            <a:endParaRPr lang="ko-KR" altLang="en-US"/>
-          </a:p>
-        </p:txBody>
-      </p:sp>
-      <p:sp>
-        <p:nvSpPr>
-          <p:cNvPr id="31" name="TextBox 30">
-            <a:extLst>
-              <a:ext uri="{FF2B5EF4-FFF2-40B4-BE49-F238E27FC236}">
-                <a16:creationId xmlns:a16="http://schemas.microsoft.com/office/drawing/2014/main" id="{5F345714-A2A6-EB62-BDDD-1B9A9A5C1687}"/>
-              </a:ext>
-            </a:extLst>
-          </p:cNvPr>
-          <p:cNvSpPr txBox="1"/>
-          <p:nvPr/>
-        </p:nvSpPr>
-        <p:spPr>
-          <a:xfrm>
-            <a:off x="7997022" y="3827561"/>
-            <a:ext cx="652526" cy="307777"/>
-          </a:xfrm>
-          <a:prstGeom prst="rect">
-            <a:avLst/>
-          </a:prstGeom>
-          <a:noFill/>
-        </p:spPr>
-        <p:txBody>
-          <a:bodyPr wrap="square">
-            <a:spAutoFit/>
-          </a:bodyPr>
-          <a:lstStyle/>
-          <a:p>
-            <a:r>
-              <a:rPr lang="en-US" altLang="ko-KR" sz="1400" spc="-60" dirty="0">
-                <a:ln w="3175">
-                  <a:solidFill>
-                    <a:schemeClr val="tx1">
-                      <a:lumMod val="75000"/>
-                      <a:lumOff val="25000"/>
-                      <a:alpha val="10000"/>
-                    </a:schemeClr>
-                  </a:solidFill>
-                </a:ln>
-                <a:ea typeface="경기천년제목 Light" panose="02020403020101020101" pitchFamily="18" charset="-127"/>
-              </a:rPr>
-              <a:t>17.7%</a:t>
-            </a:r>
-            <a:endParaRPr lang="ko-KR" altLang="en-US" sz="1400" dirty="0"/>
-          </a:p>
-        </p:txBody>
-      </p:sp>
-      <p:sp>
-        <p:nvSpPr>
-          <p:cNvPr id="32" name="이등변 삼각형 31">
-            <a:extLst>
-              <a:ext uri="{FF2B5EF4-FFF2-40B4-BE49-F238E27FC236}">
-                <a16:creationId xmlns:a16="http://schemas.microsoft.com/office/drawing/2014/main" id="{9525F0C7-1A69-49CA-5990-407B4B69FCD5}"/>
-              </a:ext>
-            </a:extLst>
-          </p:cNvPr>
-          <p:cNvSpPr/>
-          <p:nvPr/>
-        </p:nvSpPr>
-        <p:spPr>
-          <a:xfrm flipH="1" flipV="1">
-            <a:off x="4993640" y="3925375"/>
-            <a:ext cx="158496" cy="136634"/>
-          </a:xfrm>
-          <a:prstGeom prst="triangle">
-            <a:avLst/>
-          </a:prstGeom>
-          <a:solidFill>
-            <a:schemeClr val="tx1"/>
-          </a:solidFill>
-        </p:spPr>
-        <p:style>
-          <a:lnRef idx="2">
-            <a:schemeClr val="accent1">
-              <a:shade val="15000"/>
-            </a:schemeClr>
-          </a:lnRef>
-          <a:fillRef idx="1">
-            <a:schemeClr val="accent1"/>
-          </a:fillRef>
-          <a:effectRef idx="0">
-            <a:schemeClr val="accent1"/>
-          </a:effectRef>
-          <a:fontRef idx="minor">
-            <a:schemeClr val="lt1"/>
-          </a:fontRef>
-        </p:style>
-        <p:txBody>
-          <a:bodyPr rtlCol="0" anchor="ctr"/>
-          <a:lstStyle/>
-          <a:p>
-            <a:pPr algn="ctr"/>
-            <a:endParaRPr lang="ko-KR" altLang="en-US"/>
-          </a:p>
-        </p:txBody>
-      </p:sp>
-      <p:sp>
-        <p:nvSpPr>
-          <p:cNvPr id="33" name="TextBox 32">
-            <a:extLst>
-              <a:ext uri="{FF2B5EF4-FFF2-40B4-BE49-F238E27FC236}">
-                <a16:creationId xmlns:a16="http://schemas.microsoft.com/office/drawing/2014/main" id="{3106270F-5317-40E9-FFF9-94EA52E7A504}"/>
-              </a:ext>
-            </a:extLst>
-          </p:cNvPr>
-          <p:cNvSpPr txBox="1"/>
-          <p:nvPr/>
-        </p:nvSpPr>
-        <p:spPr>
-          <a:xfrm>
-            <a:off x="5118354" y="3827561"/>
-            <a:ext cx="652526" cy="307777"/>
-          </a:xfrm>
-          <a:prstGeom prst="rect">
-            <a:avLst/>
-          </a:prstGeom>
-          <a:noFill/>
-        </p:spPr>
-        <p:txBody>
-          <a:bodyPr wrap="square">
-            <a:spAutoFit/>
-          </a:bodyPr>
-          <a:lstStyle/>
-          <a:p>
-            <a:r>
-              <a:rPr lang="en-US" altLang="ko-KR" sz="1400" spc="-60" dirty="0">
-                <a:ln w="3175">
-                  <a:solidFill>
-                    <a:schemeClr val="tx1">
-                      <a:lumMod val="75000"/>
-                      <a:lumOff val="25000"/>
-                      <a:alpha val="10000"/>
-                    </a:schemeClr>
-                  </a:solidFill>
-                </a:ln>
-                <a:ea typeface="경기천년제목 Light" panose="02020403020101020101" pitchFamily="18" charset="-127"/>
-              </a:rPr>
-              <a:t>48.4%</a:t>
-            </a:r>
-            <a:endParaRPr lang="ko-KR" altLang="en-US" sz="1400" dirty="0"/>
-          </a:p>
-        </p:txBody>
-      </p:sp>
-      <p:sp>
-        <p:nvSpPr>
-          <p:cNvPr id="34" name="이등변 삼각형 33">
-            <a:extLst>
-              <a:ext uri="{FF2B5EF4-FFF2-40B4-BE49-F238E27FC236}">
-                <a16:creationId xmlns:a16="http://schemas.microsoft.com/office/drawing/2014/main" id="{93B9689C-B969-A1D6-ACC2-AA25C18CDAE7}"/>
-              </a:ext>
-            </a:extLst>
-          </p:cNvPr>
-          <p:cNvSpPr/>
-          <p:nvPr/>
-        </p:nvSpPr>
-        <p:spPr>
-          <a:xfrm flipH="1" flipV="1">
-            <a:off x="2262210" y="3925375"/>
-            <a:ext cx="158496" cy="136634"/>
-          </a:xfrm>
-          <a:prstGeom prst="triangle">
-            <a:avLst/>
-          </a:prstGeom>
-          <a:solidFill>
-            <a:schemeClr val="tx1"/>
-          </a:solidFill>
-        </p:spPr>
-        <p:style>
-          <a:lnRef idx="2">
-            <a:schemeClr val="accent1">
-              <a:shade val="15000"/>
-            </a:schemeClr>
-          </a:lnRef>
-          <a:fillRef idx="1">
-            <a:schemeClr val="accent1"/>
-          </a:fillRef>
-          <a:effectRef idx="0">
-            <a:schemeClr val="accent1"/>
-          </a:effectRef>
-          <a:fontRef idx="minor">
-            <a:schemeClr val="lt1"/>
-          </a:fontRef>
-        </p:style>
-        <p:txBody>
-          <a:bodyPr rtlCol="0" anchor="ctr"/>
-          <a:lstStyle/>
-          <a:p>
-            <a:pPr algn="ctr"/>
-            <a:endParaRPr lang="ko-KR" altLang="en-US"/>
-          </a:p>
-        </p:txBody>
-      </p:sp>
-      <p:sp>
-        <p:nvSpPr>
-          <p:cNvPr id="35" name="TextBox 34">
-            <a:extLst>
-              <a:ext uri="{FF2B5EF4-FFF2-40B4-BE49-F238E27FC236}">
-                <a16:creationId xmlns:a16="http://schemas.microsoft.com/office/drawing/2014/main" id="{82353BE5-8862-5B7D-B371-A7C707CCCBF5}"/>
-              </a:ext>
-            </a:extLst>
-          </p:cNvPr>
-          <p:cNvSpPr txBox="1"/>
-          <p:nvPr/>
-        </p:nvSpPr>
-        <p:spPr>
-          <a:xfrm>
-            <a:off x="2386924" y="3827561"/>
-            <a:ext cx="652526" cy="307777"/>
-          </a:xfrm>
-          <a:prstGeom prst="rect">
-            <a:avLst/>
-          </a:prstGeom>
-          <a:noFill/>
-        </p:spPr>
-        <p:txBody>
-          <a:bodyPr wrap="square">
-            <a:spAutoFit/>
-          </a:bodyPr>
-          <a:lstStyle/>
-          <a:p>
-            <a:r>
-              <a:rPr lang="en-US" altLang="ko-KR" sz="1400" spc="-60" dirty="0">
-                <a:ln w="3175">
-                  <a:solidFill>
-                    <a:schemeClr val="tx1">
-                      <a:lumMod val="75000"/>
-                      <a:lumOff val="25000"/>
-                      <a:alpha val="10000"/>
-                    </a:schemeClr>
-                  </a:solidFill>
-                </a:ln>
-                <a:ea typeface="경기천년제목 Light" panose="02020403020101020101" pitchFamily="18" charset="-127"/>
-              </a:rPr>
-              <a:t>45.9%</a:t>
-            </a:r>
-            <a:endParaRPr lang="ko-KR" altLang="en-US" sz="1400" dirty="0"/>
+              <a:t>(TWh)</a:t>
+            </a:r>
+            <a:endParaRPr lang="ko-KR" altLang="en-US" dirty="0"/>
           </a:p>
         </p:txBody>
       </p:sp>
     </p:spTree>
     <p:extLst>
       <p:ext uri="{BB962C8B-B14F-4D97-AF65-F5344CB8AC3E}">
-        <p14:creationId xmlns:p14="http://schemas.microsoft.com/office/powerpoint/2010/main" val="2920881228"/>
+        <p14:creationId xmlns:p14="http://schemas.microsoft.com/office/powerpoint/2010/main" val="3815606150"/>
       </p:ext>
     </p:extLst>
   </p:cSld>
@@ -25004,10 +25043,10 @@
       </p:grpSpPr>
       <p:sp>
         <p:nvSpPr>
-          <p:cNvPr id="13" name="직사각형 12">
-            <a:extLst>
-              <a:ext uri="{FF2B5EF4-FFF2-40B4-BE49-F238E27FC236}">
-                <a16:creationId xmlns:a16="http://schemas.microsoft.com/office/drawing/2014/main" id="{EA05F71D-33F2-0CBA-1B35-CBF63D9C0266}"/>
+          <p:cNvPr id="10" name="직사각형 9">
+            <a:extLst>
+              <a:ext uri="{FF2B5EF4-FFF2-40B4-BE49-F238E27FC236}">
+                <a16:creationId xmlns:a16="http://schemas.microsoft.com/office/drawing/2014/main" id="{4E32A52F-E5AA-87E6-0C12-B52176EBD689}"/>
               </a:ext>
             </a:extLst>
           </p:cNvPr>
@@ -25056,12 +25095,42 @@
           </a:p>
         </p:txBody>
       </p:sp>
+      <p:pic>
+        <p:nvPicPr>
+          <p:cNvPr id="5" name="그림 4">
+            <a:extLst>
+              <a:ext uri="{FF2B5EF4-FFF2-40B4-BE49-F238E27FC236}">
+                <a16:creationId xmlns:a16="http://schemas.microsoft.com/office/drawing/2014/main" id="{08DBECEE-4384-D015-E686-63B9BBFCFDBC}"/>
+              </a:ext>
+            </a:extLst>
+          </p:cNvPr>
+          <p:cNvPicPr>
+            <a:picLocks noChangeAspect="1"/>
+          </p:cNvPicPr>
+          <p:nvPr/>
+        </p:nvPicPr>
+        <p:blipFill>
+          <a:blip r:embed="rId2"/>
+          <a:stretch>
+            <a:fillRect/>
+          </a:stretch>
+        </p:blipFill>
+        <p:spPr>
+          <a:xfrm>
+            <a:off x="562721" y="0"/>
+            <a:ext cx="11066557" cy="6858000"/>
+          </a:xfrm>
+          <a:prstGeom prst="rect">
+            <a:avLst/>
+          </a:prstGeom>
+        </p:spPr>
+      </p:pic>
       <p:sp>
         <p:nvSpPr>
           <p:cNvPr id="7" name="TextBox 6">
             <a:extLst>
               <a:ext uri="{FF2B5EF4-FFF2-40B4-BE49-F238E27FC236}">
-                <a16:creationId xmlns:a16="http://schemas.microsoft.com/office/drawing/2014/main" id="{D028093B-FECC-DA82-AB86-960DDCFFFC4B}"/>
+                <a16:creationId xmlns:a16="http://schemas.microsoft.com/office/drawing/2014/main" id="{F1BAE41F-9AB0-059D-8DC1-940589CF8DDA}"/>
               </a:ext>
             </a:extLst>
           </p:cNvPr>
@@ -25070,8 +25139,8 @@
         </p:nvSpPr>
         <p:spPr>
           <a:xfrm>
-            <a:off x="4719320" y="6840974"/>
-            <a:ext cx="3098800" cy="369332"/>
+            <a:off x="3009900" y="-66675"/>
+            <a:ext cx="942975" cy="369332"/>
           </a:xfrm>
           <a:prstGeom prst="rect">
             <a:avLst/>
@@ -25095,48 +25164,25 @@
                     </a:schemeClr>
                   </a:solidFill>
                 </a:ln>
-                <a:solidFill>
-                  <a:schemeClr val="tx1">
-                    <a:lumMod val="75000"/>
-                    <a:lumOff val="25000"/>
-                  </a:schemeClr>
-                </a:solidFill>
                 <a:ea typeface="경기천년제목 Light" panose="02020403020101020101" pitchFamily="18" charset="-127"/>
               </a:rPr>
-              <a:t>Installed capacity of PV (kW)</a:t>
-            </a:r>
-            <a:endParaRPr lang="ko-KR" altLang="en-US" dirty="0"/>
-          </a:p>
-        </p:txBody>
-      </p:sp>
-      <p:sp>
-        <p:nvSpPr>
-          <p:cNvPr id="8" name="TextBox 7">
-            <a:extLst>
-              <a:ext uri="{FF2B5EF4-FFF2-40B4-BE49-F238E27FC236}">
-                <a16:creationId xmlns:a16="http://schemas.microsoft.com/office/drawing/2014/main" id="{A62B0139-A100-3A95-A8B9-5C6B10084AB9}"/>
-              </a:ext>
-            </a:extLst>
-          </p:cNvPr>
-          <p:cNvSpPr txBox="1"/>
-          <p:nvPr/>
-        </p:nvSpPr>
-        <p:spPr>
-          <a:xfrm rot="16200000">
-            <a:off x="-751840" y="2858254"/>
-            <a:ext cx="2875280" cy="369332"/>
-          </a:xfrm>
-          <a:prstGeom prst="rect">
-            <a:avLst/>
-          </a:prstGeom>
-          <a:noFill/>
-        </p:spPr>
-        <p:txBody>
-          <a:bodyPr wrap="square">
-            <a:spAutoFit/>
-          </a:bodyPr>
-          <a:lstStyle/>
-          <a:p>
+              <a:t>(km</a:t>
+            </a:r>
+            <a:r>
+              <a:rPr lang="en-US" altLang="ko-KR" spc="-60" baseline="30000" dirty="0">
+                <a:ln w="3175">
+                  <a:solidFill>
+                    <a:schemeClr val="tx1">
+                      <a:lumMod val="75000"/>
+                      <a:lumOff val="25000"/>
+                      <a:alpha val="10000"/>
+                    </a:schemeClr>
+                  </a:solidFill>
+                </a:ln>
+                <a:ea typeface="경기천년제목 Light" panose="02020403020101020101" pitchFamily="18" charset="-127"/>
+              </a:rPr>
+              <a:t>2</a:t>
+            </a:r>
             <a:r>
               <a:rPr lang="en-US" altLang="ko-KR" spc="-60" dirty="0">
                 <a:ln w="3175">
@@ -25148,37 +25194,42 @@
                     </a:schemeClr>
                   </a:solidFill>
                 </a:ln>
-                <a:solidFill>
-                  <a:schemeClr val="tx1">
-                    <a:lumMod val="75000"/>
-                    <a:lumOff val="25000"/>
-                  </a:schemeClr>
-                </a:solidFill>
                 <a:ea typeface="경기천년제목 Light" panose="02020403020101020101" pitchFamily="18" charset="-127"/>
               </a:rPr>
-              <a:t>PV installation Area (m</a:t>
-            </a:r>
-            <a:r>
-              <a:rPr lang="en-US" altLang="ko-KR" spc="-60" baseline="30000" dirty="0">
-                <a:ln w="3175">
-                  <a:solidFill>
-                    <a:schemeClr val="tx1">
-                      <a:lumMod val="75000"/>
-                      <a:lumOff val="25000"/>
-                      <a:alpha val="10000"/>
-                    </a:schemeClr>
-                  </a:solidFill>
-                </a:ln>
-                <a:solidFill>
-                  <a:schemeClr val="tx1">
-                    <a:lumMod val="75000"/>
-                    <a:lumOff val="25000"/>
-                  </a:schemeClr>
-                </a:solidFill>
-                <a:ea typeface="경기천년제목 Light" panose="02020403020101020101" pitchFamily="18" charset="-127"/>
-              </a:rPr>
-              <a:t>2</a:t>
-            </a:r>
+              <a:t>)</a:t>
+            </a:r>
+            <a:endParaRPr lang="ko-KR" altLang="en-US" dirty="0"/>
+          </a:p>
+        </p:txBody>
+      </p:sp>
+      <p:sp>
+        <p:nvSpPr>
+          <p:cNvPr id="8" name="TextBox 7">
+            <a:extLst>
+              <a:ext uri="{FF2B5EF4-FFF2-40B4-BE49-F238E27FC236}">
+                <a16:creationId xmlns:a16="http://schemas.microsoft.com/office/drawing/2014/main" id="{5498672F-6063-3978-4C05-6867FA9E9241}"/>
+              </a:ext>
+            </a:extLst>
+          </p:cNvPr>
+          <p:cNvSpPr txBox="1"/>
+          <p:nvPr/>
+        </p:nvSpPr>
+        <p:spPr>
+          <a:xfrm>
+            <a:off x="6829051" y="-66675"/>
+            <a:ext cx="942975" cy="369332"/>
+          </a:xfrm>
+          <a:prstGeom prst="rect">
+            <a:avLst/>
+          </a:prstGeom>
+          <a:noFill/>
+        </p:spPr>
+        <p:txBody>
+          <a:bodyPr wrap="square">
+            <a:spAutoFit/>
+          </a:bodyPr>
+          <a:lstStyle/>
+          <a:p>
             <a:r>
               <a:rPr lang="en-US" altLang="ko-KR" spc="-60" dirty="0">
                 <a:ln w="3175">
@@ -25190,101 +25241,20 @@
                     </a:schemeClr>
                   </a:solidFill>
                 </a:ln>
-                <a:solidFill>
-                  <a:schemeClr val="tx1">
-                    <a:lumMod val="75000"/>
-                    <a:lumOff val="25000"/>
-                  </a:schemeClr>
-                </a:solidFill>
                 <a:ea typeface="경기천년제목 Light" panose="02020403020101020101" pitchFamily="18" charset="-127"/>
               </a:rPr>
-              <a:t>)</a:t>
+              <a:t>(GW)</a:t>
             </a:r>
             <a:endParaRPr lang="ko-KR" altLang="en-US" dirty="0"/>
           </a:p>
         </p:txBody>
       </p:sp>
-      <p:pic>
-        <p:nvPicPr>
-          <p:cNvPr id="3" name="그림 2">
-            <a:extLst>
-              <a:ext uri="{FF2B5EF4-FFF2-40B4-BE49-F238E27FC236}">
-                <a16:creationId xmlns:a16="http://schemas.microsoft.com/office/drawing/2014/main" id="{73D71E1A-4F0D-8830-19EF-51779484F777}"/>
-              </a:ext>
-            </a:extLst>
-          </p:cNvPr>
-          <p:cNvPicPr>
-            <a:picLocks noChangeAspect="1"/>
-          </p:cNvPicPr>
-          <p:nvPr/>
-        </p:nvPicPr>
-        <p:blipFill>
-          <a:blip r:embed="rId3"/>
-          <a:stretch>
-            <a:fillRect/>
-          </a:stretch>
-        </p:blipFill>
-        <p:spPr>
-          <a:xfrm>
-            <a:off x="783715" y="0"/>
-            <a:ext cx="10624570" cy="6858000"/>
-          </a:xfrm>
-          <a:prstGeom prst="rect">
-            <a:avLst/>
-          </a:prstGeom>
-        </p:spPr>
-      </p:pic>
-      <p:cxnSp>
-        <p:nvCxnSpPr>
-          <p:cNvPr id="4" name="직선 연결선 3">
-            <a:extLst>
-              <a:ext uri="{FF2B5EF4-FFF2-40B4-BE49-F238E27FC236}">
-                <a16:creationId xmlns:a16="http://schemas.microsoft.com/office/drawing/2014/main" id="{BCF5F8F0-9B2E-2F62-C116-3599823D3910}"/>
-              </a:ext>
-            </a:extLst>
-          </p:cNvPr>
-          <p:cNvCxnSpPr>
-            <a:cxnSpLocks/>
-          </p:cNvCxnSpPr>
-          <p:nvPr/>
-        </p:nvCxnSpPr>
-        <p:spPr>
-          <a:xfrm flipV="1">
-            <a:off x="4463174" y="5357977"/>
-            <a:ext cx="0" cy="556260"/>
-          </a:xfrm>
-          <a:prstGeom prst="line">
-            <a:avLst/>
-          </a:prstGeom>
-          <a:ln w="31750">
-            <a:solidFill>
-              <a:srgbClr val="F8766D"/>
-            </a:solidFill>
-            <a:headEnd type="triangle" w="lg" len="lg"/>
-            <a:tailEnd type="none" w="lg" len="lg"/>
-          </a:ln>
-        </p:spPr>
-        <p:style>
-          <a:lnRef idx="1">
-            <a:schemeClr val="accent1"/>
-          </a:lnRef>
-          <a:fillRef idx="0">
-            <a:schemeClr val="accent1"/>
-          </a:fillRef>
-          <a:effectRef idx="0">
-            <a:schemeClr val="accent1"/>
-          </a:effectRef>
-          <a:fontRef idx="minor">
-            <a:schemeClr val="tx1"/>
-          </a:fontRef>
-        </p:style>
-      </p:cxnSp>
-      <p:sp>
-        <p:nvSpPr>
-          <p:cNvPr id="5" name="TextBox 4">
-            <a:extLst>
-              <a:ext uri="{FF2B5EF4-FFF2-40B4-BE49-F238E27FC236}">
-                <a16:creationId xmlns:a16="http://schemas.microsoft.com/office/drawing/2014/main" id="{8AC72AB2-0EA5-3654-75AB-D8B2338F0A35}"/>
+      <p:sp>
+        <p:nvSpPr>
+          <p:cNvPr id="9" name="TextBox 8">
+            <a:extLst>
+              <a:ext uri="{FF2B5EF4-FFF2-40B4-BE49-F238E27FC236}">
+                <a16:creationId xmlns:a16="http://schemas.microsoft.com/office/drawing/2014/main" id="{6ACC5DAF-E9F9-D021-0EFC-0F3C138C16D6}"/>
               </a:ext>
             </a:extLst>
           </p:cNvPr>
@@ -25293,8 +25263,8 @@
         </p:nvSpPr>
         <p:spPr>
           <a:xfrm>
-            <a:off x="4226200" y="5896541"/>
-            <a:ext cx="987678" cy="253916"/>
+            <a:off x="10553326" y="-66675"/>
+            <a:ext cx="942975" cy="369332"/>
           </a:xfrm>
           <a:prstGeom prst="rect">
             <a:avLst/>
@@ -25307,9 +25277,8 @@
           </a:bodyPr>
           <a:lstStyle/>
           <a:p>
-            <a:pPr algn="ctr"/>
-            <a:r>
-              <a:rPr lang="en-US" altLang="ko-KR" sz="1050" dirty="0">
+            <a:r>
+              <a:rPr lang="en-US" altLang="ko-KR" spc="-60" dirty="0">
                 <a:ln w="3175">
                   <a:solidFill>
                     <a:schemeClr val="tx1">
@@ -25319,153 +25288,18 @@
                     </a:schemeClr>
                   </a:solidFill>
                 </a:ln>
-                <a:solidFill>
-                  <a:schemeClr val="tx1">
-                    <a:lumMod val="75000"/>
-                    <a:lumOff val="25000"/>
-                  </a:schemeClr>
-                </a:solidFill>
                 <a:ea typeface="경기천년제목 Light" panose="02020403020101020101" pitchFamily="18" charset="-127"/>
               </a:rPr>
-              <a:t>Slope : 11.50</a:t>
-            </a:r>
-            <a:endParaRPr lang="ko-KR" altLang="en-US" sz="1050" dirty="0"/>
-          </a:p>
-        </p:txBody>
-      </p:sp>
-      <p:cxnSp>
-        <p:nvCxnSpPr>
-          <p:cNvPr id="6" name="직선 연결선 5">
-            <a:extLst>
-              <a:ext uri="{FF2B5EF4-FFF2-40B4-BE49-F238E27FC236}">
-                <a16:creationId xmlns:a16="http://schemas.microsoft.com/office/drawing/2014/main" id="{BEA97245-3A8F-9C8F-04A4-E75C40C87A98}"/>
-              </a:ext>
-            </a:extLst>
-          </p:cNvPr>
-          <p:cNvCxnSpPr>
-            <a:cxnSpLocks/>
-          </p:cNvCxnSpPr>
-          <p:nvPr/>
-        </p:nvCxnSpPr>
-        <p:spPr>
-          <a:xfrm flipV="1">
-            <a:off x="4094243" y="5776407"/>
-            <a:ext cx="0" cy="504000"/>
-          </a:xfrm>
-          <a:prstGeom prst="line">
-            <a:avLst/>
-          </a:prstGeom>
-          <a:ln w="31750">
-            <a:solidFill>
-              <a:srgbClr val="00BFC4"/>
-            </a:solidFill>
-            <a:headEnd type="triangle" w="lg" len="lg"/>
-            <a:tailEnd type="none" w="lg" len="lg"/>
-          </a:ln>
-        </p:spPr>
-        <p:style>
-          <a:lnRef idx="1">
-            <a:schemeClr val="accent1"/>
-          </a:lnRef>
-          <a:fillRef idx="0">
-            <a:schemeClr val="accent1"/>
-          </a:fillRef>
-          <a:effectRef idx="0">
-            <a:schemeClr val="accent1"/>
-          </a:effectRef>
-          <a:fontRef idx="minor">
-            <a:schemeClr val="tx1"/>
-          </a:fontRef>
-        </p:style>
-      </p:cxnSp>
-      <p:sp>
-        <p:nvSpPr>
-          <p:cNvPr id="9" name="TextBox 8">
-            <a:extLst>
-              <a:ext uri="{FF2B5EF4-FFF2-40B4-BE49-F238E27FC236}">
-                <a16:creationId xmlns:a16="http://schemas.microsoft.com/office/drawing/2014/main" id="{BCECC4BB-C50C-4517-58A0-FC3A5410CDE0}"/>
-              </a:ext>
-            </a:extLst>
-          </p:cNvPr>
-          <p:cNvSpPr txBox="1"/>
-          <p:nvPr/>
-        </p:nvSpPr>
-        <p:spPr>
-          <a:xfrm>
-            <a:off x="3814246" y="6280407"/>
-            <a:ext cx="987678" cy="253916"/>
-          </a:xfrm>
-          <a:prstGeom prst="rect">
-            <a:avLst/>
-          </a:prstGeom>
-          <a:noFill/>
-        </p:spPr>
-        <p:txBody>
-          <a:bodyPr wrap="square">
-            <a:spAutoFit/>
-          </a:bodyPr>
-          <a:lstStyle/>
-          <a:p>
-            <a:pPr algn="ctr"/>
-            <a:r>
-              <a:rPr lang="en-US" altLang="ko-KR" sz="1050" dirty="0">
-                <a:ln w="3175">
-                  <a:solidFill>
-                    <a:schemeClr val="tx1">
-                      <a:lumMod val="75000"/>
-                      <a:lumOff val="25000"/>
-                      <a:alpha val="10000"/>
-                    </a:schemeClr>
-                  </a:solidFill>
-                </a:ln>
-                <a:solidFill>
-                  <a:schemeClr val="tx1">
-                    <a:lumMod val="75000"/>
-                    <a:lumOff val="25000"/>
-                  </a:schemeClr>
-                </a:solidFill>
-                <a:ea typeface="경기천년제목 Light" panose="02020403020101020101" pitchFamily="18" charset="-127"/>
-              </a:rPr>
-              <a:t>Slope : 7.23</a:t>
-            </a:r>
-            <a:endParaRPr lang="ko-KR" altLang="en-US" sz="1050" dirty="0"/>
-          </a:p>
-        </p:txBody>
-      </p:sp>
-      <p:pic>
-        <p:nvPicPr>
-          <p:cNvPr id="15" name="그림 14">
-            <a:extLst>
-              <a:ext uri="{FF2B5EF4-FFF2-40B4-BE49-F238E27FC236}">
-                <a16:creationId xmlns:a16="http://schemas.microsoft.com/office/drawing/2014/main" id="{C508FC98-E720-264A-FA2B-B2E7409D12BF}"/>
-              </a:ext>
-            </a:extLst>
-          </p:cNvPr>
-          <p:cNvPicPr>
-            <a:picLocks noChangeAspect="1"/>
-          </p:cNvPicPr>
-          <p:nvPr/>
-        </p:nvPicPr>
-        <p:blipFill>
-          <a:blip r:embed="rId4"/>
-          <a:stretch>
-            <a:fillRect/>
-          </a:stretch>
-        </p:blipFill>
-        <p:spPr>
-          <a:xfrm>
-            <a:off x="8142634" y="4806363"/>
-            <a:ext cx="2708489" cy="551614"/>
-          </a:xfrm>
-          <a:prstGeom prst="rect">
-            <a:avLst/>
-          </a:prstGeom>
-        </p:spPr>
-      </p:pic>
+              <a:t>(TWh)</a:t>
+            </a:r>
+            <a:endParaRPr lang="ko-KR" altLang="en-US" dirty="0"/>
+          </a:p>
+        </p:txBody>
+      </p:sp>
     </p:spTree>
     <p:extLst>
       <p:ext uri="{BB962C8B-B14F-4D97-AF65-F5344CB8AC3E}">
-        <p14:creationId xmlns:p14="http://schemas.microsoft.com/office/powerpoint/2010/main" val="225102661"/>
+        <p14:creationId xmlns:p14="http://schemas.microsoft.com/office/powerpoint/2010/main" val="381363147"/>
       </p:ext>
     </p:extLst>
   </p:cSld>
@@ -25494,10 +25328,10 @@
       </p:grpSpPr>
       <p:sp>
         <p:nvSpPr>
-          <p:cNvPr id="13" name="직사각형 12">
-            <a:extLst>
-              <a:ext uri="{FF2B5EF4-FFF2-40B4-BE49-F238E27FC236}">
-                <a16:creationId xmlns:a16="http://schemas.microsoft.com/office/drawing/2014/main" id="{EA05F71D-33F2-0CBA-1B35-CBF63D9C0266}"/>
+          <p:cNvPr id="36" name="직사각형 35">
+            <a:extLst>
+              <a:ext uri="{FF2B5EF4-FFF2-40B4-BE49-F238E27FC236}">
+                <a16:creationId xmlns:a16="http://schemas.microsoft.com/office/drawing/2014/main" id="{79727932-5B85-E518-554E-2ED2E2E01630}"/>
               </a:ext>
             </a:extLst>
           </p:cNvPr>
@@ -25548,10 +25382,10 @@
       </p:sp>
       <p:pic>
         <p:nvPicPr>
-          <p:cNvPr id="10" name="그림 9">
-            <a:extLst>
-              <a:ext uri="{FF2B5EF4-FFF2-40B4-BE49-F238E27FC236}">
-                <a16:creationId xmlns:a16="http://schemas.microsoft.com/office/drawing/2014/main" id="{1955B8DA-1C38-7F25-424D-7C44C758E810}"/>
+          <p:cNvPr id="12" name="그림 11">
+            <a:extLst>
+              <a:ext uri="{FF2B5EF4-FFF2-40B4-BE49-F238E27FC236}">
+                <a16:creationId xmlns:a16="http://schemas.microsoft.com/office/drawing/2014/main" id="{60539E56-5B90-8AA3-F838-53D8F113ABEA}"/>
               </a:ext>
             </a:extLst>
           </p:cNvPr>
@@ -25561,15 +25395,15 @@
           <p:nvPr/>
         </p:nvPicPr>
         <p:blipFill>
-          <a:blip r:embed="rId3"/>
+          <a:blip r:embed="rId2"/>
           <a:stretch>
             <a:fillRect/>
           </a:stretch>
         </p:blipFill>
         <p:spPr>
           <a:xfrm>
-            <a:off x="775895" y="0"/>
-            <a:ext cx="10640209" cy="6858000"/>
+            <a:off x="552582" y="0"/>
+            <a:ext cx="11086836" cy="6858000"/>
           </a:xfrm>
           <a:prstGeom prst="rect">
             <a:avLst/>
@@ -25578,10 +25412,108 @@
       </p:pic>
       <p:sp>
         <p:nvSpPr>
-          <p:cNvPr id="7" name="TextBox 6">
-            <a:extLst>
-              <a:ext uri="{FF2B5EF4-FFF2-40B4-BE49-F238E27FC236}">
-                <a16:creationId xmlns:a16="http://schemas.microsoft.com/office/drawing/2014/main" id="{D028093B-FECC-DA82-AB86-960DDCFFFC4B}"/>
+          <p:cNvPr id="6" name="이등변 삼각형 5">
+            <a:extLst>
+              <a:ext uri="{FF2B5EF4-FFF2-40B4-BE49-F238E27FC236}">
+                <a16:creationId xmlns:a16="http://schemas.microsoft.com/office/drawing/2014/main" id="{2F672663-6C5B-7309-594F-F562AFBEBFB4}"/>
+              </a:ext>
+            </a:extLst>
+          </p:cNvPr>
+          <p:cNvSpPr/>
+          <p:nvPr/>
+        </p:nvSpPr>
+        <p:spPr>
+          <a:xfrm flipH="1" flipV="1">
+            <a:off x="2245360" y="502725"/>
+            <a:ext cx="158496" cy="136634"/>
+          </a:xfrm>
+          <a:prstGeom prst="triangle">
+            <a:avLst/>
+          </a:prstGeom>
+          <a:solidFill>
+            <a:schemeClr val="tx1"/>
+          </a:solidFill>
+        </p:spPr>
+        <p:style>
+          <a:lnRef idx="2">
+            <a:schemeClr val="accent1">
+              <a:shade val="15000"/>
+            </a:schemeClr>
+          </a:lnRef>
+          <a:fillRef idx="1">
+            <a:schemeClr val="accent1"/>
+          </a:fillRef>
+          <a:effectRef idx="0">
+            <a:schemeClr val="accent1"/>
+          </a:effectRef>
+          <a:fontRef idx="minor">
+            <a:schemeClr val="lt1"/>
+          </a:fontRef>
+        </p:style>
+        <p:txBody>
+          <a:bodyPr rtlCol="0" anchor="ctr"/>
+          <a:lstStyle/>
+          <a:p>
+            <a:pPr algn="ctr"/>
+            <a:endParaRPr lang="ko-KR" altLang="en-US"/>
+          </a:p>
+        </p:txBody>
+      </p:sp>
+      <p:sp>
+        <p:nvSpPr>
+          <p:cNvPr id="7" name="이등변 삼각형 6">
+            <a:extLst>
+              <a:ext uri="{FF2B5EF4-FFF2-40B4-BE49-F238E27FC236}">
+                <a16:creationId xmlns:a16="http://schemas.microsoft.com/office/drawing/2014/main" id="{91F10FC1-B92A-F635-46A8-514F49176209}"/>
+              </a:ext>
+            </a:extLst>
+          </p:cNvPr>
+          <p:cNvSpPr/>
+          <p:nvPr/>
+        </p:nvSpPr>
+        <p:spPr>
+          <a:xfrm flipH="1">
+            <a:off x="-1842770" y="450850"/>
+            <a:ext cx="250444" cy="215900"/>
+          </a:xfrm>
+          <a:prstGeom prst="triangle">
+            <a:avLst/>
+          </a:prstGeom>
+          <a:solidFill>
+            <a:schemeClr val="tx1"/>
+          </a:solidFill>
+        </p:spPr>
+        <p:style>
+          <a:lnRef idx="2">
+            <a:schemeClr val="accent1">
+              <a:shade val="15000"/>
+            </a:schemeClr>
+          </a:lnRef>
+          <a:fillRef idx="1">
+            <a:schemeClr val="accent1"/>
+          </a:fillRef>
+          <a:effectRef idx="0">
+            <a:schemeClr val="accent1"/>
+          </a:effectRef>
+          <a:fontRef idx="minor">
+            <a:schemeClr val="lt1"/>
+          </a:fontRef>
+        </p:style>
+        <p:txBody>
+          <a:bodyPr rtlCol="0" anchor="ctr"/>
+          <a:lstStyle/>
+          <a:p>
+            <a:pPr algn="ctr"/>
+            <a:endParaRPr lang="ko-KR" altLang="en-US"/>
+          </a:p>
+        </p:txBody>
+      </p:sp>
+      <p:sp>
+        <p:nvSpPr>
+          <p:cNvPr id="9" name="TextBox 8">
+            <a:extLst>
+              <a:ext uri="{FF2B5EF4-FFF2-40B4-BE49-F238E27FC236}">
+                <a16:creationId xmlns:a16="http://schemas.microsoft.com/office/drawing/2014/main" id="{6A10FD17-BC4E-B5D7-51DF-EF3651BD48DF}"/>
               </a:ext>
             </a:extLst>
           </p:cNvPr>
@@ -25590,8 +25522,8 @@
         </p:nvSpPr>
         <p:spPr>
           <a:xfrm>
-            <a:off x="4719320" y="6840974"/>
-            <a:ext cx="3098800" cy="369332"/>
+            <a:off x="2370074" y="404911"/>
+            <a:ext cx="652526" cy="307777"/>
           </a:xfrm>
           <a:prstGeom prst="rect">
             <a:avLst/>
@@ -25604,7 +25536,1145 @@
           </a:bodyPr>
           <a:lstStyle/>
           <a:p>
+            <a:r>
+              <a:rPr lang="en-US" altLang="ko-KR" sz="1400" spc="-60" dirty="0">
+                <a:ln w="3175">
+                  <a:solidFill>
+                    <a:schemeClr val="tx1">
+                      <a:lumMod val="75000"/>
+                      <a:lumOff val="25000"/>
+                      <a:alpha val="10000"/>
+                    </a:schemeClr>
+                  </a:solidFill>
+                </a:ln>
+                <a:ea typeface="경기천년제목 Light" panose="02020403020101020101" pitchFamily="18" charset="-127"/>
+              </a:rPr>
+              <a:t>14.2%</a:t>
+            </a:r>
+            <a:endParaRPr lang="ko-KR" altLang="en-US" sz="1400" dirty="0"/>
+          </a:p>
+        </p:txBody>
+      </p:sp>
+      <p:sp>
+        <p:nvSpPr>
+          <p:cNvPr id="13" name="직사각형 12">
+            <a:extLst>
+              <a:ext uri="{FF2B5EF4-FFF2-40B4-BE49-F238E27FC236}">
+                <a16:creationId xmlns:a16="http://schemas.microsoft.com/office/drawing/2014/main" id="{A2E2B265-3760-9991-FFAD-09DA1F9B0408}"/>
+              </a:ext>
+            </a:extLst>
+          </p:cNvPr>
+          <p:cNvSpPr/>
+          <p:nvPr/>
+        </p:nvSpPr>
+        <p:spPr>
+          <a:xfrm>
+            <a:off x="922020" y="3215482"/>
+            <a:ext cx="10717398" cy="213518"/>
+          </a:xfrm>
+          <a:prstGeom prst="rect">
+            <a:avLst/>
+          </a:prstGeom>
+          <a:solidFill>
+            <a:schemeClr val="bg1"/>
+          </a:solidFill>
+          <a:ln>
+            <a:noFill/>
+          </a:ln>
+        </p:spPr>
+        <p:style>
+          <a:lnRef idx="2">
+            <a:schemeClr val="accent1">
+              <a:shade val="15000"/>
+            </a:schemeClr>
+          </a:lnRef>
+          <a:fillRef idx="1">
+            <a:schemeClr val="accent1"/>
+          </a:fillRef>
+          <a:effectRef idx="0">
+            <a:schemeClr val="accent1"/>
+          </a:effectRef>
+          <a:fontRef idx="minor">
+            <a:schemeClr val="lt1"/>
+          </a:fontRef>
+        </p:style>
+        <p:txBody>
+          <a:bodyPr rtlCol="0" anchor="ctr"/>
+          <a:lstStyle/>
+          <a:p>
             <a:pPr algn="ctr"/>
+            <a:endParaRPr lang="ko-KR" altLang="en-US"/>
+          </a:p>
+        </p:txBody>
+      </p:sp>
+      <p:sp>
+        <p:nvSpPr>
+          <p:cNvPr id="14" name="직사각형 13">
+            <a:extLst>
+              <a:ext uri="{FF2B5EF4-FFF2-40B4-BE49-F238E27FC236}">
+                <a16:creationId xmlns:a16="http://schemas.microsoft.com/office/drawing/2014/main" id="{B283EDF2-A942-22F3-3EC6-5D10C09874CB}"/>
+              </a:ext>
+            </a:extLst>
+          </p:cNvPr>
+          <p:cNvSpPr/>
+          <p:nvPr/>
+        </p:nvSpPr>
+        <p:spPr>
+          <a:xfrm>
+            <a:off x="922020" y="6644482"/>
+            <a:ext cx="10717398" cy="213518"/>
+          </a:xfrm>
+          <a:prstGeom prst="rect">
+            <a:avLst/>
+          </a:prstGeom>
+          <a:solidFill>
+            <a:schemeClr val="bg1"/>
+          </a:solidFill>
+          <a:ln>
+            <a:noFill/>
+          </a:ln>
+        </p:spPr>
+        <p:style>
+          <a:lnRef idx="2">
+            <a:schemeClr val="accent1">
+              <a:shade val="15000"/>
+            </a:schemeClr>
+          </a:lnRef>
+          <a:fillRef idx="1">
+            <a:schemeClr val="accent1"/>
+          </a:fillRef>
+          <a:effectRef idx="0">
+            <a:schemeClr val="accent1"/>
+          </a:effectRef>
+          <a:fontRef idx="minor">
+            <a:schemeClr val="lt1"/>
+          </a:fontRef>
+        </p:style>
+        <p:txBody>
+          <a:bodyPr rtlCol="0" anchor="ctr"/>
+          <a:lstStyle/>
+          <a:p>
+            <a:pPr algn="ctr"/>
+            <a:endParaRPr lang="ko-KR" altLang="en-US"/>
+          </a:p>
+        </p:txBody>
+      </p:sp>
+      <p:pic>
+        <p:nvPicPr>
+          <p:cNvPr id="10" name="그림 9">
+            <a:extLst>
+              <a:ext uri="{FF2B5EF4-FFF2-40B4-BE49-F238E27FC236}">
+                <a16:creationId xmlns:a16="http://schemas.microsoft.com/office/drawing/2014/main" id="{C698687E-7BEA-A2C9-F71E-A876A6DB8918}"/>
+              </a:ext>
+            </a:extLst>
+          </p:cNvPr>
+          <p:cNvPicPr>
+            <a:picLocks noChangeAspect="1"/>
+          </p:cNvPicPr>
+          <p:nvPr/>
+        </p:nvPicPr>
+        <p:blipFill>
+          <a:blip r:embed="rId3"/>
+          <a:srcRect l="4668" t="47505" r="79006" b="50297"/>
+          <a:stretch/>
+        </p:blipFill>
+        <p:spPr>
+          <a:xfrm>
+            <a:off x="1112520" y="3225642"/>
+            <a:ext cx="1910080" cy="150812"/>
+          </a:xfrm>
+          <a:prstGeom prst="rect">
+            <a:avLst/>
+          </a:prstGeom>
+        </p:spPr>
+      </p:pic>
+      <p:pic>
+        <p:nvPicPr>
+          <p:cNvPr id="15" name="그림 14">
+            <a:extLst>
+              <a:ext uri="{FF2B5EF4-FFF2-40B4-BE49-F238E27FC236}">
+                <a16:creationId xmlns:a16="http://schemas.microsoft.com/office/drawing/2014/main" id="{F32299CA-D4AE-F4BF-82E2-1F66986C9568}"/>
+              </a:ext>
+            </a:extLst>
+          </p:cNvPr>
+          <p:cNvPicPr>
+            <a:picLocks noChangeAspect="1"/>
+          </p:cNvPicPr>
+          <p:nvPr/>
+        </p:nvPicPr>
+        <p:blipFill>
+          <a:blip r:embed="rId3"/>
+          <a:srcRect l="4668" t="47505" r="79006" b="50297"/>
+          <a:stretch/>
+        </p:blipFill>
+        <p:spPr>
+          <a:xfrm>
+            <a:off x="3860800" y="3225642"/>
+            <a:ext cx="1910080" cy="150812"/>
+          </a:xfrm>
+          <a:prstGeom prst="rect">
+            <a:avLst/>
+          </a:prstGeom>
+        </p:spPr>
+      </p:pic>
+      <p:pic>
+        <p:nvPicPr>
+          <p:cNvPr id="16" name="그림 15">
+            <a:extLst>
+              <a:ext uri="{FF2B5EF4-FFF2-40B4-BE49-F238E27FC236}">
+                <a16:creationId xmlns:a16="http://schemas.microsoft.com/office/drawing/2014/main" id="{E776C361-FBB9-4CFC-1CF7-0F4FF3E312B1}"/>
+              </a:ext>
+            </a:extLst>
+          </p:cNvPr>
+          <p:cNvPicPr>
+            <a:picLocks noChangeAspect="1"/>
+          </p:cNvPicPr>
+          <p:nvPr/>
+        </p:nvPicPr>
+        <p:blipFill>
+          <a:blip r:embed="rId3"/>
+          <a:srcRect l="4668" t="47505" r="79006" b="50297"/>
+          <a:stretch/>
+        </p:blipFill>
+        <p:spPr>
+          <a:xfrm>
+            <a:off x="6739468" y="3225642"/>
+            <a:ext cx="1910080" cy="150812"/>
+          </a:xfrm>
+          <a:prstGeom prst="rect">
+            <a:avLst/>
+          </a:prstGeom>
+        </p:spPr>
+      </p:pic>
+      <p:pic>
+        <p:nvPicPr>
+          <p:cNvPr id="17" name="그림 16">
+            <a:extLst>
+              <a:ext uri="{FF2B5EF4-FFF2-40B4-BE49-F238E27FC236}">
+                <a16:creationId xmlns:a16="http://schemas.microsoft.com/office/drawing/2014/main" id="{4FDA546C-8BB1-B052-3503-00BCD02B1738}"/>
+              </a:ext>
+            </a:extLst>
+          </p:cNvPr>
+          <p:cNvPicPr>
+            <a:picLocks noChangeAspect="1"/>
+          </p:cNvPicPr>
+          <p:nvPr/>
+        </p:nvPicPr>
+        <p:blipFill>
+          <a:blip r:embed="rId3"/>
+          <a:srcRect l="4668" t="47505" r="79006" b="50297"/>
+          <a:stretch/>
+        </p:blipFill>
+        <p:spPr>
+          <a:xfrm>
+            <a:off x="9469123" y="3225642"/>
+            <a:ext cx="1910080" cy="150812"/>
+          </a:xfrm>
+          <a:prstGeom prst="rect">
+            <a:avLst/>
+          </a:prstGeom>
+        </p:spPr>
+      </p:pic>
+      <p:pic>
+        <p:nvPicPr>
+          <p:cNvPr id="18" name="그림 17">
+            <a:extLst>
+              <a:ext uri="{FF2B5EF4-FFF2-40B4-BE49-F238E27FC236}">
+                <a16:creationId xmlns:a16="http://schemas.microsoft.com/office/drawing/2014/main" id="{D2F3E4E1-CA0F-BF7E-7BE3-8E23DB0A1A59}"/>
+              </a:ext>
+            </a:extLst>
+          </p:cNvPr>
+          <p:cNvPicPr>
+            <a:picLocks noChangeAspect="1"/>
+          </p:cNvPicPr>
+          <p:nvPr/>
+        </p:nvPicPr>
+        <p:blipFill>
+          <a:blip r:embed="rId3"/>
+          <a:srcRect l="4668" t="47505" r="79006" b="50297"/>
+          <a:stretch/>
+        </p:blipFill>
+        <p:spPr>
+          <a:xfrm>
+            <a:off x="1112520" y="6654642"/>
+            <a:ext cx="1910080" cy="150812"/>
+          </a:xfrm>
+          <a:prstGeom prst="rect">
+            <a:avLst/>
+          </a:prstGeom>
+        </p:spPr>
+      </p:pic>
+      <p:pic>
+        <p:nvPicPr>
+          <p:cNvPr id="19" name="그림 18">
+            <a:extLst>
+              <a:ext uri="{FF2B5EF4-FFF2-40B4-BE49-F238E27FC236}">
+                <a16:creationId xmlns:a16="http://schemas.microsoft.com/office/drawing/2014/main" id="{DD7D1F59-6301-E8A9-EF8C-E6A42FDE54C4}"/>
+              </a:ext>
+            </a:extLst>
+          </p:cNvPr>
+          <p:cNvPicPr>
+            <a:picLocks noChangeAspect="1"/>
+          </p:cNvPicPr>
+          <p:nvPr/>
+        </p:nvPicPr>
+        <p:blipFill>
+          <a:blip r:embed="rId3"/>
+          <a:srcRect l="4668" t="47505" r="79006" b="50297"/>
+          <a:stretch/>
+        </p:blipFill>
+        <p:spPr>
+          <a:xfrm>
+            <a:off x="3860800" y="6654642"/>
+            <a:ext cx="1910080" cy="150812"/>
+          </a:xfrm>
+          <a:prstGeom prst="rect">
+            <a:avLst/>
+          </a:prstGeom>
+        </p:spPr>
+      </p:pic>
+      <p:pic>
+        <p:nvPicPr>
+          <p:cNvPr id="20" name="그림 19">
+            <a:extLst>
+              <a:ext uri="{FF2B5EF4-FFF2-40B4-BE49-F238E27FC236}">
+                <a16:creationId xmlns:a16="http://schemas.microsoft.com/office/drawing/2014/main" id="{904EB464-0A24-17CD-98F3-DAA9FA2662B1}"/>
+              </a:ext>
+            </a:extLst>
+          </p:cNvPr>
+          <p:cNvPicPr>
+            <a:picLocks noChangeAspect="1"/>
+          </p:cNvPicPr>
+          <p:nvPr/>
+        </p:nvPicPr>
+        <p:blipFill>
+          <a:blip r:embed="rId3"/>
+          <a:srcRect l="4668" t="47505" r="79006" b="50297"/>
+          <a:stretch/>
+        </p:blipFill>
+        <p:spPr>
+          <a:xfrm>
+            <a:off x="6739468" y="6654642"/>
+            <a:ext cx="1910080" cy="150812"/>
+          </a:xfrm>
+          <a:prstGeom prst="rect">
+            <a:avLst/>
+          </a:prstGeom>
+        </p:spPr>
+      </p:pic>
+      <p:pic>
+        <p:nvPicPr>
+          <p:cNvPr id="21" name="그림 20">
+            <a:extLst>
+              <a:ext uri="{FF2B5EF4-FFF2-40B4-BE49-F238E27FC236}">
+                <a16:creationId xmlns:a16="http://schemas.microsoft.com/office/drawing/2014/main" id="{1CAE9D2B-98FC-C6CC-C47B-F58F5D95182D}"/>
+              </a:ext>
+            </a:extLst>
+          </p:cNvPr>
+          <p:cNvPicPr>
+            <a:picLocks noChangeAspect="1"/>
+          </p:cNvPicPr>
+          <p:nvPr/>
+        </p:nvPicPr>
+        <p:blipFill>
+          <a:blip r:embed="rId3"/>
+          <a:srcRect l="4668" t="47505" r="79006" b="50297"/>
+          <a:stretch/>
+        </p:blipFill>
+        <p:spPr>
+          <a:xfrm>
+            <a:off x="9469123" y="6654642"/>
+            <a:ext cx="1910080" cy="150812"/>
+          </a:xfrm>
+          <a:prstGeom prst="rect">
+            <a:avLst/>
+          </a:prstGeom>
+        </p:spPr>
+      </p:pic>
+      <p:sp>
+        <p:nvSpPr>
+          <p:cNvPr id="22" name="이등변 삼각형 21">
+            <a:extLst>
+              <a:ext uri="{FF2B5EF4-FFF2-40B4-BE49-F238E27FC236}">
+                <a16:creationId xmlns:a16="http://schemas.microsoft.com/office/drawing/2014/main" id="{D89EFAD1-C22C-DBD7-2A39-40A17725A305}"/>
+              </a:ext>
+            </a:extLst>
+          </p:cNvPr>
+          <p:cNvSpPr/>
+          <p:nvPr/>
+        </p:nvSpPr>
+        <p:spPr>
+          <a:xfrm flipH="1" flipV="1">
+            <a:off x="4993640" y="502725"/>
+            <a:ext cx="158496" cy="136634"/>
+          </a:xfrm>
+          <a:prstGeom prst="triangle">
+            <a:avLst/>
+          </a:prstGeom>
+          <a:solidFill>
+            <a:schemeClr val="tx1"/>
+          </a:solidFill>
+        </p:spPr>
+        <p:style>
+          <a:lnRef idx="2">
+            <a:schemeClr val="accent1">
+              <a:shade val="15000"/>
+            </a:schemeClr>
+          </a:lnRef>
+          <a:fillRef idx="1">
+            <a:schemeClr val="accent1"/>
+          </a:fillRef>
+          <a:effectRef idx="0">
+            <a:schemeClr val="accent1"/>
+          </a:effectRef>
+          <a:fontRef idx="minor">
+            <a:schemeClr val="lt1"/>
+          </a:fontRef>
+        </p:style>
+        <p:txBody>
+          <a:bodyPr rtlCol="0" anchor="ctr"/>
+          <a:lstStyle/>
+          <a:p>
+            <a:pPr algn="ctr"/>
+            <a:endParaRPr lang="ko-KR" altLang="en-US"/>
+          </a:p>
+        </p:txBody>
+      </p:sp>
+      <p:sp>
+        <p:nvSpPr>
+          <p:cNvPr id="23" name="TextBox 22">
+            <a:extLst>
+              <a:ext uri="{FF2B5EF4-FFF2-40B4-BE49-F238E27FC236}">
+                <a16:creationId xmlns:a16="http://schemas.microsoft.com/office/drawing/2014/main" id="{084E04BE-F387-6423-C8E5-CDDC9EAF9DFC}"/>
+              </a:ext>
+            </a:extLst>
+          </p:cNvPr>
+          <p:cNvSpPr txBox="1"/>
+          <p:nvPr/>
+        </p:nvSpPr>
+        <p:spPr>
+          <a:xfrm>
+            <a:off x="5118354" y="404911"/>
+            <a:ext cx="652526" cy="307777"/>
+          </a:xfrm>
+          <a:prstGeom prst="rect">
+            <a:avLst/>
+          </a:prstGeom>
+          <a:noFill/>
+        </p:spPr>
+        <p:txBody>
+          <a:bodyPr wrap="square">
+            <a:spAutoFit/>
+          </a:bodyPr>
+          <a:lstStyle/>
+          <a:p>
+            <a:r>
+              <a:rPr lang="en-US" altLang="ko-KR" sz="1400" spc="-60" dirty="0">
+                <a:ln w="3175">
+                  <a:solidFill>
+                    <a:schemeClr val="tx1">
+                      <a:lumMod val="75000"/>
+                      <a:lumOff val="25000"/>
+                      <a:alpha val="10000"/>
+                    </a:schemeClr>
+                  </a:solidFill>
+                </a:ln>
+                <a:ea typeface="경기천년제목 Light" panose="02020403020101020101" pitchFamily="18" charset="-127"/>
+              </a:rPr>
+              <a:t>42.1%</a:t>
+            </a:r>
+            <a:endParaRPr lang="ko-KR" altLang="en-US" sz="1400" dirty="0"/>
+          </a:p>
+        </p:txBody>
+      </p:sp>
+      <p:sp>
+        <p:nvSpPr>
+          <p:cNvPr id="24" name="이등변 삼각형 23">
+            <a:extLst>
+              <a:ext uri="{FF2B5EF4-FFF2-40B4-BE49-F238E27FC236}">
+                <a16:creationId xmlns:a16="http://schemas.microsoft.com/office/drawing/2014/main" id="{97B81EFB-08D9-1A39-CD67-B9354D8EB754}"/>
+              </a:ext>
+            </a:extLst>
+          </p:cNvPr>
+          <p:cNvSpPr/>
+          <p:nvPr/>
+        </p:nvSpPr>
+        <p:spPr>
+          <a:xfrm flipH="1" flipV="1">
+            <a:off x="7872308" y="502725"/>
+            <a:ext cx="158496" cy="136634"/>
+          </a:xfrm>
+          <a:prstGeom prst="triangle">
+            <a:avLst/>
+          </a:prstGeom>
+          <a:solidFill>
+            <a:schemeClr val="tx1"/>
+          </a:solidFill>
+        </p:spPr>
+        <p:style>
+          <a:lnRef idx="2">
+            <a:schemeClr val="accent1">
+              <a:shade val="15000"/>
+            </a:schemeClr>
+          </a:lnRef>
+          <a:fillRef idx="1">
+            <a:schemeClr val="accent1"/>
+          </a:fillRef>
+          <a:effectRef idx="0">
+            <a:schemeClr val="accent1"/>
+          </a:effectRef>
+          <a:fontRef idx="minor">
+            <a:schemeClr val="lt1"/>
+          </a:fontRef>
+        </p:style>
+        <p:txBody>
+          <a:bodyPr rtlCol="0" anchor="ctr"/>
+          <a:lstStyle/>
+          <a:p>
+            <a:pPr algn="ctr"/>
+            <a:endParaRPr lang="ko-KR" altLang="en-US"/>
+          </a:p>
+        </p:txBody>
+      </p:sp>
+      <p:sp>
+        <p:nvSpPr>
+          <p:cNvPr id="25" name="TextBox 24">
+            <a:extLst>
+              <a:ext uri="{FF2B5EF4-FFF2-40B4-BE49-F238E27FC236}">
+                <a16:creationId xmlns:a16="http://schemas.microsoft.com/office/drawing/2014/main" id="{11F3B2A8-DFFB-6924-0F78-559204DFEC9A}"/>
+              </a:ext>
+            </a:extLst>
+          </p:cNvPr>
+          <p:cNvSpPr txBox="1"/>
+          <p:nvPr/>
+        </p:nvSpPr>
+        <p:spPr>
+          <a:xfrm>
+            <a:off x="7997022" y="404911"/>
+            <a:ext cx="652526" cy="307777"/>
+          </a:xfrm>
+          <a:prstGeom prst="rect">
+            <a:avLst/>
+          </a:prstGeom>
+          <a:noFill/>
+        </p:spPr>
+        <p:txBody>
+          <a:bodyPr wrap="square">
+            <a:spAutoFit/>
+          </a:bodyPr>
+          <a:lstStyle/>
+          <a:p>
+            <a:r>
+              <a:rPr lang="en-US" altLang="ko-KR" sz="1400" spc="-60" dirty="0">
+                <a:ln w="3175">
+                  <a:solidFill>
+                    <a:schemeClr val="tx1">
+                      <a:lumMod val="75000"/>
+                      <a:lumOff val="25000"/>
+                      <a:alpha val="10000"/>
+                    </a:schemeClr>
+                  </a:solidFill>
+                </a:ln>
+                <a:ea typeface="경기천년제목 Light" panose="02020403020101020101" pitchFamily="18" charset="-127"/>
+              </a:rPr>
+              <a:t>13.1%</a:t>
+            </a:r>
+            <a:endParaRPr lang="ko-KR" altLang="en-US" sz="1400" dirty="0"/>
+          </a:p>
+        </p:txBody>
+      </p:sp>
+      <p:sp>
+        <p:nvSpPr>
+          <p:cNvPr id="26" name="이등변 삼각형 25">
+            <a:extLst>
+              <a:ext uri="{FF2B5EF4-FFF2-40B4-BE49-F238E27FC236}">
+                <a16:creationId xmlns:a16="http://schemas.microsoft.com/office/drawing/2014/main" id="{90B57F32-10EA-E9FD-0036-ABCDA5CE284E}"/>
+              </a:ext>
+            </a:extLst>
+          </p:cNvPr>
+          <p:cNvSpPr/>
+          <p:nvPr/>
+        </p:nvSpPr>
+        <p:spPr>
+          <a:xfrm flipH="1" flipV="1">
+            <a:off x="10622117" y="502725"/>
+            <a:ext cx="158496" cy="136634"/>
+          </a:xfrm>
+          <a:prstGeom prst="triangle">
+            <a:avLst/>
+          </a:prstGeom>
+          <a:solidFill>
+            <a:schemeClr val="tx1"/>
+          </a:solidFill>
+        </p:spPr>
+        <p:style>
+          <a:lnRef idx="2">
+            <a:schemeClr val="accent1">
+              <a:shade val="15000"/>
+            </a:schemeClr>
+          </a:lnRef>
+          <a:fillRef idx="1">
+            <a:schemeClr val="accent1"/>
+          </a:fillRef>
+          <a:effectRef idx="0">
+            <a:schemeClr val="accent1"/>
+          </a:effectRef>
+          <a:fontRef idx="minor">
+            <a:schemeClr val="lt1"/>
+          </a:fontRef>
+        </p:style>
+        <p:txBody>
+          <a:bodyPr rtlCol="0" anchor="ctr"/>
+          <a:lstStyle/>
+          <a:p>
+            <a:pPr algn="ctr"/>
+            <a:endParaRPr lang="ko-KR" altLang="en-US"/>
+          </a:p>
+        </p:txBody>
+      </p:sp>
+      <p:sp>
+        <p:nvSpPr>
+          <p:cNvPr id="27" name="TextBox 26">
+            <a:extLst>
+              <a:ext uri="{FF2B5EF4-FFF2-40B4-BE49-F238E27FC236}">
+                <a16:creationId xmlns:a16="http://schemas.microsoft.com/office/drawing/2014/main" id="{1DEC1260-D5DB-5A01-94A7-2FD36392704F}"/>
+              </a:ext>
+            </a:extLst>
+          </p:cNvPr>
+          <p:cNvSpPr txBox="1"/>
+          <p:nvPr/>
+        </p:nvSpPr>
+        <p:spPr>
+          <a:xfrm>
+            <a:off x="10746831" y="404911"/>
+            <a:ext cx="652526" cy="307777"/>
+          </a:xfrm>
+          <a:prstGeom prst="rect">
+            <a:avLst/>
+          </a:prstGeom>
+          <a:noFill/>
+        </p:spPr>
+        <p:txBody>
+          <a:bodyPr wrap="square">
+            <a:spAutoFit/>
+          </a:bodyPr>
+          <a:lstStyle/>
+          <a:p>
+            <a:r>
+              <a:rPr lang="en-US" altLang="ko-KR" sz="1400" spc="-60" dirty="0">
+                <a:ln w="3175">
+                  <a:solidFill>
+                    <a:schemeClr val="tx1">
+                      <a:lumMod val="75000"/>
+                      <a:lumOff val="25000"/>
+                      <a:alpha val="10000"/>
+                    </a:schemeClr>
+                  </a:solidFill>
+                </a:ln>
+                <a:ea typeface="경기천년제목 Light" panose="02020403020101020101" pitchFamily="18" charset="-127"/>
+              </a:rPr>
+              <a:t>22.0%</a:t>
+            </a:r>
+            <a:endParaRPr lang="ko-KR" altLang="en-US" sz="1400" dirty="0"/>
+          </a:p>
+        </p:txBody>
+      </p:sp>
+      <p:sp>
+        <p:nvSpPr>
+          <p:cNvPr id="28" name="이등변 삼각형 27">
+            <a:extLst>
+              <a:ext uri="{FF2B5EF4-FFF2-40B4-BE49-F238E27FC236}">
+                <a16:creationId xmlns:a16="http://schemas.microsoft.com/office/drawing/2014/main" id="{8CCDFCD3-AD2F-C392-3CBA-E2864F31D43C}"/>
+              </a:ext>
+            </a:extLst>
+          </p:cNvPr>
+          <p:cNvSpPr/>
+          <p:nvPr/>
+        </p:nvSpPr>
+        <p:spPr>
+          <a:xfrm flipH="1" flipV="1">
+            <a:off x="10622117" y="3925375"/>
+            <a:ext cx="158496" cy="136634"/>
+          </a:xfrm>
+          <a:prstGeom prst="triangle">
+            <a:avLst/>
+          </a:prstGeom>
+          <a:solidFill>
+            <a:schemeClr val="tx1"/>
+          </a:solidFill>
+        </p:spPr>
+        <p:style>
+          <a:lnRef idx="2">
+            <a:schemeClr val="accent1">
+              <a:shade val="15000"/>
+            </a:schemeClr>
+          </a:lnRef>
+          <a:fillRef idx="1">
+            <a:schemeClr val="accent1"/>
+          </a:fillRef>
+          <a:effectRef idx="0">
+            <a:schemeClr val="accent1"/>
+          </a:effectRef>
+          <a:fontRef idx="minor">
+            <a:schemeClr val="lt1"/>
+          </a:fontRef>
+        </p:style>
+        <p:txBody>
+          <a:bodyPr rtlCol="0" anchor="ctr"/>
+          <a:lstStyle/>
+          <a:p>
+            <a:pPr algn="ctr"/>
+            <a:endParaRPr lang="ko-KR" altLang="en-US"/>
+          </a:p>
+        </p:txBody>
+      </p:sp>
+      <p:sp>
+        <p:nvSpPr>
+          <p:cNvPr id="29" name="TextBox 28">
+            <a:extLst>
+              <a:ext uri="{FF2B5EF4-FFF2-40B4-BE49-F238E27FC236}">
+                <a16:creationId xmlns:a16="http://schemas.microsoft.com/office/drawing/2014/main" id="{BFEBF2C3-A0BE-AAC1-4022-910A3B97F1CC}"/>
+              </a:ext>
+            </a:extLst>
+          </p:cNvPr>
+          <p:cNvSpPr txBox="1"/>
+          <p:nvPr/>
+        </p:nvSpPr>
+        <p:spPr>
+          <a:xfrm>
+            <a:off x="10746831" y="3827561"/>
+            <a:ext cx="652526" cy="307777"/>
+          </a:xfrm>
+          <a:prstGeom prst="rect">
+            <a:avLst/>
+          </a:prstGeom>
+          <a:noFill/>
+        </p:spPr>
+        <p:txBody>
+          <a:bodyPr wrap="square">
+            <a:spAutoFit/>
+          </a:bodyPr>
+          <a:lstStyle/>
+          <a:p>
+            <a:r>
+              <a:rPr lang="en-US" altLang="ko-KR" sz="1400" spc="-60" dirty="0">
+                <a:ln w="3175">
+                  <a:solidFill>
+                    <a:schemeClr val="tx1">
+                      <a:lumMod val="75000"/>
+                      <a:lumOff val="25000"/>
+                      <a:alpha val="10000"/>
+                    </a:schemeClr>
+                  </a:solidFill>
+                </a:ln>
+                <a:ea typeface="경기천년제목 Light" panose="02020403020101020101" pitchFamily="18" charset="-127"/>
+              </a:rPr>
+              <a:t>12.9%</a:t>
+            </a:r>
+            <a:endParaRPr lang="ko-KR" altLang="en-US" sz="1400" dirty="0"/>
+          </a:p>
+        </p:txBody>
+      </p:sp>
+      <p:sp>
+        <p:nvSpPr>
+          <p:cNvPr id="30" name="이등변 삼각형 29">
+            <a:extLst>
+              <a:ext uri="{FF2B5EF4-FFF2-40B4-BE49-F238E27FC236}">
+                <a16:creationId xmlns:a16="http://schemas.microsoft.com/office/drawing/2014/main" id="{CEDD3149-4C0D-9071-C40C-53BAC6C51DDE}"/>
+              </a:ext>
+            </a:extLst>
+          </p:cNvPr>
+          <p:cNvSpPr/>
+          <p:nvPr/>
+        </p:nvSpPr>
+        <p:spPr>
+          <a:xfrm flipH="1" flipV="1">
+            <a:off x="7872308" y="3925375"/>
+            <a:ext cx="158496" cy="136634"/>
+          </a:xfrm>
+          <a:prstGeom prst="triangle">
+            <a:avLst/>
+          </a:prstGeom>
+          <a:solidFill>
+            <a:schemeClr val="tx1"/>
+          </a:solidFill>
+        </p:spPr>
+        <p:style>
+          <a:lnRef idx="2">
+            <a:schemeClr val="accent1">
+              <a:shade val="15000"/>
+            </a:schemeClr>
+          </a:lnRef>
+          <a:fillRef idx="1">
+            <a:schemeClr val="accent1"/>
+          </a:fillRef>
+          <a:effectRef idx="0">
+            <a:schemeClr val="accent1"/>
+          </a:effectRef>
+          <a:fontRef idx="minor">
+            <a:schemeClr val="lt1"/>
+          </a:fontRef>
+        </p:style>
+        <p:txBody>
+          <a:bodyPr rtlCol="0" anchor="ctr"/>
+          <a:lstStyle/>
+          <a:p>
+            <a:pPr algn="ctr"/>
+            <a:endParaRPr lang="ko-KR" altLang="en-US"/>
+          </a:p>
+        </p:txBody>
+      </p:sp>
+      <p:sp>
+        <p:nvSpPr>
+          <p:cNvPr id="31" name="TextBox 30">
+            <a:extLst>
+              <a:ext uri="{FF2B5EF4-FFF2-40B4-BE49-F238E27FC236}">
+                <a16:creationId xmlns:a16="http://schemas.microsoft.com/office/drawing/2014/main" id="{5F345714-A2A6-EB62-BDDD-1B9A9A5C1687}"/>
+              </a:ext>
+            </a:extLst>
+          </p:cNvPr>
+          <p:cNvSpPr txBox="1"/>
+          <p:nvPr/>
+        </p:nvSpPr>
+        <p:spPr>
+          <a:xfrm>
+            <a:off x="7997022" y="3827561"/>
+            <a:ext cx="652526" cy="307777"/>
+          </a:xfrm>
+          <a:prstGeom prst="rect">
+            <a:avLst/>
+          </a:prstGeom>
+          <a:noFill/>
+        </p:spPr>
+        <p:txBody>
+          <a:bodyPr wrap="square">
+            <a:spAutoFit/>
+          </a:bodyPr>
+          <a:lstStyle/>
+          <a:p>
+            <a:r>
+              <a:rPr lang="en-US" altLang="ko-KR" sz="1400" spc="-60" dirty="0">
+                <a:ln w="3175">
+                  <a:solidFill>
+                    <a:schemeClr val="tx1">
+                      <a:lumMod val="75000"/>
+                      <a:lumOff val="25000"/>
+                      <a:alpha val="10000"/>
+                    </a:schemeClr>
+                  </a:solidFill>
+                </a:ln>
+                <a:ea typeface="경기천년제목 Light" panose="02020403020101020101" pitchFamily="18" charset="-127"/>
+              </a:rPr>
+              <a:t>17.7%</a:t>
+            </a:r>
+            <a:endParaRPr lang="ko-KR" altLang="en-US" sz="1400" dirty="0"/>
+          </a:p>
+        </p:txBody>
+      </p:sp>
+      <p:sp>
+        <p:nvSpPr>
+          <p:cNvPr id="32" name="이등변 삼각형 31">
+            <a:extLst>
+              <a:ext uri="{FF2B5EF4-FFF2-40B4-BE49-F238E27FC236}">
+                <a16:creationId xmlns:a16="http://schemas.microsoft.com/office/drawing/2014/main" id="{9525F0C7-1A69-49CA-5990-407B4B69FCD5}"/>
+              </a:ext>
+            </a:extLst>
+          </p:cNvPr>
+          <p:cNvSpPr/>
+          <p:nvPr/>
+        </p:nvSpPr>
+        <p:spPr>
+          <a:xfrm flipH="1" flipV="1">
+            <a:off x="4993640" y="3925375"/>
+            <a:ext cx="158496" cy="136634"/>
+          </a:xfrm>
+          <a:prstGeom prst="triangle">
+            <a:avLst/>
+          </a:prstGeom>
+          <a:solidFill>
+            <a:schemeClr val="tx1"/>
+          </a:solidFill>
+        </p:spPr>
+        <p:style>
+          <a:lnRef idx="2">
+            <a:schemeClr val="accent1">
+              <a:shade val="15000"/>
+            </a:schemeClr>
+          </a:lnRef>
+          <a:fillRef idx="1">
+            <a:schemeClr val="accent1"/>
+          </a:fillRef>
+          <a:effectRef idx="0">
+            <a:schemeClr val="accent1"/>
+          </a:effectRef>
+          <a:fontRef idx="minor">
+            <a:schemeClr val="lt1"/>
+          </a:fontRef>
+        </p:style>
+        <p:txBody>
+          <a:bodyPr rtlCol="0" anchor="ctr"/>
+          <a:lstStyle/>
+          <a:p>
+            <a:pPr algn="ctr"/>
+            <a:endParaRPr lang="ko-KR" altLang="en-US"/>
+          </a:p>
+        </p:txBody>
+      </p:sp>
+      <p:sp>
+        <p:nvSpPr>
+          <p:cNvPr id="33" name="TextBox 32">
+            <a:extLst>
+              <a:ext uri="{FF2B5EF4-FFF2-40B4-BE49-F238E27FC236}">
+                <a16:creationId xmlns:a16="http://schemas.microsoft.com/office/drawing/2014/main" id="{3106270F-5317-40E9-FFF9-94EA52E7A504}"/>
+              </a:ext>
+            </a:extLst>
+          </p:cNvPr>
+          <p:cNvSpPr txBox="1"/>
+          <p:nvPr/>
+        </p:nvSpPr>
+        <p:spPr>
+          <a:xfrm>
+            <a:off x="5118354" y="3827561"/>
+            <a:ext cx="652526" cy="307777"/>
+          </a:xfrm>
+          <a:prstGeom prst="rect">
+            <a:avLst/>
+          </a:prstGeom>
+          <a:noFill/>
+        </p:spPr>
+        <p:txBody>
+          <a:bodyPr wrap="square">
+            <a:spAutoFit/>
+          </a:bodyPr>
+          <a:lstStyle/>
+          <a:p>
+            <a:r>
+              <a:rPr lang="en-US" altLang="ko-KR" sz="1400" spc="-60" dirty="0">
+                <a:ln w="3175">
+                  <a:solidFill>
+                    <a:schemeClr val="tx1">
+                      <a:lumMod val="75000"/>
+                      <a:lumOff val="25000"/>
+                      <a:alpha val="10000"/>
+                    </a:schemeClr>
+                  </a:solidFill>
+                </a:ln>
+                <a:ea typeface="경기천년제목 Light" panose="02020403020101020101" pitchFamily="18" charset="-127"/>
+              </a:rPr>
+              <a:t>48.4%</a:t>
+            </a:r>
+            <a:endParaRPr lang="ko-KR" altLang="en-US" sz="1400" dirty="0"/>
+          </a:p>
+        </p:txBody>
+      </p:sp>
+      <p:sp>
+        <p:nvSpPr>
+          <p:cNvPr id="34" name="이등변 삼각형 33">
+            <a:extLst>
+              <a:ext uri="{FF2B5EF4-FFF2-40B4-BE49-F238E27FC236}">
+                <a16:creationId xmlns:a16="http://schemas.microsoft.com/office/drawing/2014/main" id="{93B9689C-B969-A1D6-ACC2-AA25C18CDAE7}"/>
+              </a:ext>
+            </a:extLst>
+          </p:cNvPr>
+          <p:cNvSpPr/>
+          <p:nvPr/>
+        </p:nvSpPr>
+        <p:spPr>
+          <a:xfrm flipH="1" flipV="1">
+            <a:off x="2262210" y="3925375"/>
+            <a:ext cx="158496" cy="136634"/>
+          </a:xfrm>
+          <a:prstGeom prst="triangle">
+            <a:avLst/>
+          </a:prstGeom>
+          <a:solidFill>
+            <a:schemeClr val="tx1"/>
+          </a:solidFill>
+        </p:spPr>
+        <p:style>
+          <a:lnRef idx="2">
+            <a:schemeClr val="accent1">
+              <a:shade val="15000"/>
+            </a:schemeClr>
+          </a:lnRef>
+          <a:fillRef idx="1">
+            <a:schemeClr val="accent1"/>
+          </a:fillRef>
+          <a:effectRef idx="0">
+            <a:schemeClr val="accent1"/>
+          </a:effectRef>
+          <a:fontRef idx="minor">
+            <a:schemeClr val="lt1"/>
+          </a:fontRef>
+        </p:style>
+        <p:txBody>
+          <a:bodyPr rtlCol="0" anchor="ctr"/>
+          <a:lstStyle/>
+          <a:p>
+            <a:pPr algn="ctr"/>
+            <a:endParaRPr lang="ko-KR" altLang="en-US"/>
+          </a:p>
+        </p:txBody>
+      </p:sp>
+      <p:sp>
+        <p:nvSpPr>
+          <p:cNvPr id="35" name="TextBox 34">
+            <a:extLst>
+              <a:ext uri="{FF2B5EF4-FFF2-40B4-BE49-F238E27FC236}">
+                <a16:creationId xmlns:a16="http://schemas.microsoft.com/office/drawing/2014/main" id="{82353BE5-8862-5B7D-B371-A7C707CCCBF5}"/>
+              </a:ext>
+            </a:extLst>
+          </p:cNvPr>
+          <p:cNvSpPr txBox="1"/>
+          <p:nvPr/>
+        </p:nvSpPr>
+        <p:spPr>
+          <a:xfrm>
+            <a:off x="2386924" y="3827561"/>
+            <a:ext cx="652526" cy="307777"/>
+          </a:xfrm>
+          <a:prstGeom prst="rect">
+            <a:avLst/>
+          </a:prstGeom>
+          <a:noFill/>
+        </p:spPr>
+        <p:txBody>
+          <a:bodyPr wrap="square">
+            <a:spAutoFit/>
+          </a:bodyPr>
+          <a:lstStyle/>
+          <a:p>
+            <a:r>
+              <a:rPr lang="en-US" altLang="ko-KR" sz="1400" spc="-60" dirty="0">
+                <a:ln w="3175">
+                  <a:solidFill>
+                    <a:schemeClr val="tx1">
+                      <a:lumMod val="75000"/>
+                      <a:lumOff val="25000"/>
+                      <a:alpha val="10000"/>
+                    </a:schemeClr>
+                  </a:solidFill>
+                </a:ln>
+                <a:ea typeface="경기천년제목 Light" panose="02020403020101020101" pitchFamily="18" charset="-127"/>
+              </a:rPr>
+              <a:t>45.9%</a:t>
+            </a:r>
+            <a:endParaRPr lang="ko-KR" altLang="en-US" sz="1400" dirty="0"/>
+          </a:p>
+        </p:txBody>
+      </p:sp>
+    </p:spTree>
+    <p:extLst>
+      <p:ext uri="{BB962C8B-B14F-4D97-AF65-F5344CB8AC3E}">
+        <p14:creationId xmlns:p14="http://schemas.microsoft.com/office/powerpoint/2010/main" val="2920881228"/>
+      </p:ext>
+    </p:extLst>
+  </p:cSld>
+  <p:clrMapOvr>
+    <a:masterClrMapping/>
+  </p:clrMapOvr>
+</p:sld>
+</file>
+
+<file path=ppt/slides/slide6.xml><?xml version="1.0" encoding="utf-8"?>
+<p:sld xmlns:a="http://schemas.openxmlformats.org/drawingml/2006/main" xmlns:r="http://schemas.openxmlformats.org/officeDocument/2006/relationships" xmlns:p="http://schemas.openxmlformats.org/presentationml/2006/main">
+  <p:cSld>
+    <p:spTree>
+      <p:nvGrpSpPr>
+        <p:cNvPr id="1" name=""/>
+        <p:cNvGrpSpPr/>
+        <p:nvPr/>
+      </p:nvGrpSpPr>
+      <p:grpSpPr>
+        <a:xfrm>
+          <a:off x="0" y="0"/>
+          <a:ext cx="0" cy="0"/>
+          <a:chOff x="0" y="0"/>
+          <a:chExt cx="0" cy="0"/>
+        </a:xfrm>
+      </p:grpSpPr>
+      <p:sp>
+        <p:nvSpPr>
+          <p:cNvPr id="13" name="직사각형 12">
+            <a:extLst>
+              <a:ext uri="{FF2B5EF4-FFF2-40B4-BE49-F238E27FC236}">
+                <a16:creationId xmlns:a16="http://schemas.microsoft.com/office/drawing/2014/main" id="{EA05F71D-33F2-0CBA-1B35-CBF63D9C0266}"/>
+              </a:ext>
+            </a:extLst>
+          </p:cNvPr>
+          <p:cNvSpPr/>
+          <p:nvPr/>
+        </p:nvSpPr>
+        <p:spPr>
+          <a:xfrm>
+            <a:off x="340816" y="-203200"/>
+            <a:ext cx="11556543" cy="7533640"/>
+          </a:xfrm>
+          <a:prstGeom prst="rect">
+            <a:avLst/>
+          </a:prstGeom>
+          <a:solidFill>
+            <a:schemeClr val="bg1"/>
+          </a:solidFill>
+          <a:ln>
+            <a:solidFill>
+              <a:schemeClr val="tx1"/>
+            </a:solidFill>
+          </a:ln>
+        </p:spPr>
+        <p:style>
+          <a:lnRef idx="2">
+            <a:schemeClr val="accent1">
+              <a:shade val="15000"/>
+            </a:schemeClr>
+          </a:lnRef>
+          <a:fillRef idx="1">
+            <a:schemeClr val="accent1"/>
+          </a:fillRef>
+          <a:effectRef idx="0">
+            <a:schemeClr val="accent1"/>
+          </a:effectRef>
+          <a:fontRef idx="minor">
+            <a:schemeClr val="lt1"/>
+          </a:fontRef>
+        </p:style>
+        <p:txBody>
+          <a:bodyPr rtlCol="0" anchor="ctr"/>
+          <a:lstStyle/>
+          <a:p>
+            <a:pPr algn="ctr"/>
+            <a:endParaRPr lang="ko-KR" altLang="en-US"/>
+          </a:p>
+        </p:txBody>
+      </p:sp>
+      <p:sp>
+        <p:nvSpPr>
+          <p:cNvPr id="7" name="TextBox 6">
+            <a:extLst>
+              <a:ext uri="{FF2B5EF4-FFF2-40B4-BE49-F238E27FC236}">
+                <a16:creationId xmlns:a16="http://schemas.microsoft.com/office/drawing/2014/main" id="{D028093B-FECC-DA82-AB86-960DDCFFFC4B}"/>
+              </a:ext>
+            </a:extLst>
+          </p:cNvPr>
+          <p:cNvSpPr txBox="1"/>
+          <p:nvPr/>
+        </p:nvSpPr>
+        <p:spPr>
+          <a:xfrm>
+            <a:off x="4719320" y="6840974"/>
+            <a:ext cx="3098800" cy="369332"/>
+          </a:xfrm>
+          <a:prstGeom prst="rect">
+            <a:avLst/>
+          </a:prstGeom>
+          <a:noFill/>
+        </p:spPr>
+        <p:txBody>
+          <a:bodyPr wrap="square">
+            <a:spAutoFit/>
+          </a:bodyPr>
+          <a:lstStyle/>
+          <a:p>
             <a:r>
               <a:rPr lang="en-US" altLang="ko-KR" spc="-60" dirty="0">
                 <a:ln w="3175">
@@ -25644,7 +26714,7 @@
         </p:nvSpPr>
         <p:spPr>
           <a:xfrm rot="16200000">
-            <a:off x="-858520" y="2888734"/>
+            <a:off x="-751840" y="2858254"/>
             <a:ext cx="2875280" cy="369332"/>
           </a:xfrm>
           <a:prstGeom prst="rect">
@@ -25658,7 +26728,6 @@
           </a:bodyPr>
           <a:lstStyle/>
           <a:p>
-            <a:pPr algn="ctr"/>
             <a:r>
               <a:rPr lang="en-US" altLang="ko-KR" spc="-60" dirty="0">
                 <a:ln w="3175">
@@ -25726,6 +26795,528 @@
           </a:p>
         </p:txBody>
       </p:sp>
+      <p:pic>
+        <p:nvPicPr>
+          <p:cNvPr id="3" name="그림 2">
+            <a:extLst>
+              <a:ext uri="{FF2B5EF4-FFF2-40B4-BE49-F238E27FC236}">
+                <a16:creationId xmlns:a16="http://schemas.microsoft.com/office/drawing/2014/main" id="{73D71E1A-4F0D-8830-19EF-51779484F777}"/>
+              </a:ext>
+            </a:extLst>
+          </p:cNvPr>
+          <p:cNvPicPr>
+            <a:picLocks noChangeAspect="1"/>
+          </p:cNvPicPr>
+          <p:nvPr/>
+        </p:nvPicPr>
+        <p:blipFill>
+          <a:blip r:embed="rId3"/>
+          <a:stretch>
+            <a:fillRect/>
+          </a:stretch>
+        </p:blipFill>
+        <p:spPr>
+          <a:xfrm>
+            <a:off x="783715" y="0"/>
+            <a:ext cx="10624570" cy="6858000"/>
+          </a:xfrm>
+          <a:prstGeom prst="rect">
+            <a:avLst/>
+          </a:prstGeom>
+        </p:spPr>
+      </p:pic>
+      <p:cxnSp>
+        <p:nvCxnSpPr>
+          <p:cNvPr id="4" name="직선 연결선 3">
+            <a:extLst>
+              <a:ext uri="{FF2B5EF4-FFF2-40B4-BE49-F238E27FC236}">
+                <a16:creationId xmlns:a16="http://schemas.microsoft.com/office/drawing/2014/main" id="{BCF5F8F0-9B2E-2F62-C116-3599823D3910}"/>
+              </a:ext>
+            </a:extLst>
+          </p:cNvPr>
+          <p:cNvCxnSpPr>
+            <a:cxnSpLocks/>
+          </p:cNvCxnSpPr>
+          <p:nvPr/>
+        </p:nvCxnSpPr>
+        <p:spPr>
+          <a:xfrm flipV="1">
+            <a:off x="4463174" y="5357977"/>
+            <a:ext cx="0" cy="556260"/>
+          </a:xfrm>
+          <a:prstGeom prst="line">
+            <a:avLst/>
+          </a:prstGeom>
+          <a:ln w="31750">
+            <a:solidFill>
+              <a:srgbClr val="F8766D"/>
+            </a:solidFill>
+            <a:headEnd type="triangle" w="lg" len="lg"/>
+            <a:tailEnd type="none" w="lg" len="lg"/>
+          </a:ln>
+        </p:spPr>
+        <p:style>
+          <a:lnRef idx="1">
+            <a:schemeClr val="accent1"/>
+          </a:lnRef>
+          <a:fillRef idx="0">
+            <a:schemeClr val="accent1"/>
+          </a:fillRef>
+          <a:effectRef idx="0">
+            <a:schemeClr val="accent1"/>
+          </a:effectRef>
+          <a:fontRef idx="minor">
+            <a:schemeClr val="tx1"/>
+          </a:fontRef>
+        </p:style>
+      </p:cxnSp>
+      <p:sp>
+        <p:nvSpPr>
+          <p:cNvPr id="5" name="TextBox 4">
+            <a:extLst>
+              <a:ext uri="{FF2B5EF4-FFF2-40B4-BE49-F238E27FC236}">
+                <a16:creationId xmlns:a16="http://schemas.microsoft.com/office/drawing/2014/main" id="{8AC72AB2-0EA5-3654-75AB-D8B2338F0A35}"/>
+              </a:ext>
+            </a:extLst>
+          </p:cNvPr>
+          <p:cNvSpPr txBox="1"/>
+          <p:nvPr/>
+        </p:nvSpPr>
+        <p:spPr>
+          <a:xfrm>
+            <a:off x="4226200" y="5896541"/>
+            <a:ext cx="987678" cy="253916"/>
+          </a:xfrm>
+          <a:prstGeom prst="rect">
+            <a:avLst/>
+          </a:prstGeom>
+          <a:noFill/>
+        </p:spPr>
+        <p:txBody>
+          <a:bodyPr wrap="square">
+            <a:spAutoFit/>
+          </a:bodyPr>
+          <a:lstStyle/>
+          <a:p>
+            <a:pPr algn="ctr"/>
+            <a:r>
+              <a:rPr lang="en-US" altLang="ko-KR" sz="1050" dirty="0">
+                <a:ln w="3175">
+                  <a:solidFill>
+                    <a:schemeClr val="tx1">
+                      <a:lumMod val="75000"/>
+                      <a:lumOff val="25000"/>
+                      <a:alpha val="10000"/>
+                    </a:schemeClr>
+                  </a:solidFill>
+                </a:ln>
+                <a:solidFill>
+                  <a:schemeClr val="tx1">
+                    <a:lumMod val="75000"/>
+                    <a:lumOff val="25000"/>
+                  </a:schemeClr>
+                </a:solidFill>
+                <a:ea typeface="경기천년제목 Light" panose="02020403020101020101" pitchFamily="18" charset="-127"/>
+              </a:rPr>
+              <a:t>Slope : 11.50</a:t>
+            </a:r>
+            <a:endParaRPr lang="ko-KR" altLang="en-US" sz="1050" dirty="0"/>
+          </a:p>
+        </p:txBody>
+      </p:sp>
+      <p:cxnSp>
+        <p:nvCxnSpPr>
+          <p:cNvPr id="6" name="직선 연결선 5">
+            <a:extLst>
+              <a:ext uri="{FF2B5EF4-FFF2-40B4-BE49-F238E27FC236}">
+                <a16:creationId xmlns:a16="http://schemas.microsoft.com/office/drawing/2014/main" id="{BEA97245-3A8F-9C8F-04A4-E75C40C87A98}"/>
+              </a:ext>
+            </a:extLst>
+          </p:cNvPr>
+          <p:cNvCxnSpPr>
+            <a:cxnSpLocks/>
+          </p:cNvCxnSpPr>
+          <p:nvPr/>
+        </p:nvCxnSpPr>
+        <p:spPr>
+          <a:xfrm flipV="1">
+            <a:off x="4094243" y="5776407"/>
+            <a:ext cx="0" cy="504000"/>
+          </a:xfrm>
+          <a:prstGeom prst="line">
+            <a:avLst/>
+          </a:prstGeom>
+          <a:ln w="31750">
+            <a:solidFill>
+              <a:srgbClr val="00BFC4"/>
+            </a:solidFill>
+            <a:headEnd type="triangle" w="lg" len="lg"/>
+            <a:tailEnd type="none" w="lg" len="lg"/>
+          </a:ln>
+        </p:spPr>
+        <p:style>
+          <a:lnRef idx="1">
+            <a:schemeClr val="accent1"/>
+          </a:lnRef>
+          <a:fillRef idx="0">
+            <a:schemeClr val="accent1"/>
+          </a:fillRef>
+          <a:effectRef idx="0">
+            <a:schemeClr val="accent1"/>
+          </a:effectRef>
+          <a:fontRef idx="minor">
+            <a:schemeClr val="tx1"/>
+          </a:fontRef>
+        </p:style>
+      </p:cxnSp>
+      <p:sp>
+        <p:nvSpPr>
+          <p:cNvPr id="9" name="TextBox 8">
+            <a:extLst>
+              <a:ext uri="{FF2B5EF4-FFF2-40B4-BE49-F238E27FC236}">
+                <a16:creationId xmlns:a16="http://schemas.microsoft.com/office/drawing/2014/main" id="{BCECC4BB-C50C-4517-58A0-FC3A5410CDE0}"/>
+              </a:ext>
+            </a:extLst>
+          </p:cNvPr>
+          <p:cNvSpPr txBox="1"/>
+          <p:nvPr/>
+        </p:nvSpPr>
+        <p:spPr>
+          <a:xfrm>
+            <a:off x="3814246" y="6280407"/>
+            <a:ext cx="987678" cy="253916"/>
+          </a:xfrm>
+          <a:prstGeom prst="rect">
+            <a:avLst/>
+          </a:prstGeom>
+          <a:noFill/>
+        </p:spPr>
+        <p:txBody>
+          <a:bodyPr wrap="square">
+            <a:spAutoFit/>
+          </a:bodyPr>
+          <a:lstStyle/>
+          <a:p>
+            <a:pPr algn="ctr"/>
+            <a:r>
+              <a:rPr lang="en-US" altLang="ko-KR" sz="1050" dirty="0">
+                <a:ln w="3175">
+                  <a:solidFill>
+                    <a:schemeClr val="tx1">
+                      <a:lumMod val="75000"/>
+                      <a:lumOff val="25000"/>
+                      <a:alpha val="10000"/>
+                    </a:schemeClr>
+                  </a:solidFill>
+                </a:ln>
+                <a:solidFill>
+                  <a:schemeClr val="tx1">
+                    <a:lumMod val="75000"/>
+                    <a:lumOff val="25000"/>
+                  </a:schemeClr>
+                </a:solidFill>
+                <a:ea typeface="경기천년제목 Light" panose="02020403020101020101" pitchFamily="18" charset="-127"/>
+              </a:rPr>
+              <a:t>Slope : 7.23</a:t>
+            </a:r>
+            <a:endParaRPr lang="ko-KR" altLang="en-US" sz="1050" dirty="0"/>
+          </a:p>
+        </p:txBody>
+      </p:sp>
+      <p:pic>
+        <p:nvPicPr>
+          <p:cNvPr id="15" name="그림 14">
+            <a:extLst>
+              <a:ext uri="{FF2B5EF4-FFF2-40B4-BE49-F238E27FC236}">
+                <a16:creationId xmlns:a16="http://schemas.microsoft.com/office/drawing/2014/main" id="{C508FC98-E720-264A-FA2B-B2E7409D12BF}"/>
+              </a:ext>
+            </a:extLst>
+          </p:cNvPr>
+          <p:cNvPicPr>
+            <a:picLocks noChangeAspect="1"/>
+          </p:cNvPicPr>
+          <p:nvPr/>
+        </p:nvPicPr>
+        <p:blipFill>
+          <a:blip r:embed="rId4"/>
+          <a:stretch>
+            <a:fillRect/>
+          </a:stretch>
+        </p:blipFill>
+        <p:spPr>
+          <a:xfrm>
+            <a:off x="8142634" y="4806363"/>
+            <a:ext cx="2708489" cy="551614"/>
+          </a:xfrm>
+          <a:prstGeom prst="rect">
+            <a:avLst/>
+          </a:prstGeom>
+        </p:spPr>
+      </p:pic>
+    </p:spTree>
+    <p:extLst>
+      <p:ext uri="{BB962C8B-B14F-4D97-AF65-F5344CB8AC3E}">
+        <p14:creationId xmlns:p14="http://schemas.microsoft.com/office/powerpoint/2010/main" val="225102661"/>
+      </p:ext>
+    </p:extLst>
+  </p:cSld>
+  <p:clrMapOvr>
+    <a:masterClrMapping/>
+  </p:clrMapOvr>
+</p:sld>
+</file>
+
+<file path=ppt/slides/slide7.xml><?xml version="1.0" encoding="utf-8"?>
+<p:sld xmlns:a="http://schemas.openxmlformats.org/drawingml/2006/main" xmlns:r="http://schemas.openxmlformats.org/officeDocument/2006/relationships" xmlns:p="http://schemas.openxmlformats.org/presentationml/2006/main">
+  <p:cSld>
+    <p:spTree>
+      <p:nvGrpSpPr>
+        <p:cNvPr id="1" name=""/>
+        <p:cNvGrpSpPr/>
+        <p:nvPr/>
+      </p:nvGrpSpPr>
+      <p:grpSpPr>
+        <a:xfrm>
+          <a:off x="0" y="0"/>
+          <a:ext cx="0" cy="0"/>
+          <a:chOff x="0" y="0"/>
+          <a:chExt cx="0" cy="0"/>
+        </a:xfrm>
+      </p:grpSpPr>
+      <p:sp>
+        <p:nvSpPr>
+          <p:cNvPr id="13" name="직사각형 12">
+            <a:extLst>
+              <a:ext uri="{FF2B5EF4-FFF2-40B4-BE49-F238E27FC236}">
+                <a16:creationId xmlns:a16="http://schemas.microsoft.com/office/drawing/2014/main" id="{EA05F71D-33F2-0CBA-1B35-CBF63D9C0266}"/>
+              </a:ext>
+            </a:extLst>
+          </p:cNvPr>
+          <p:cNvSpPr/>
+          <p:nvPr/>
+        </p:nvSpPr>
+        <p:spPr>
+          <a:xfrm>
+            <a:off x="340816" y="-203200"/>
+            <a:ext cx="11556543" cy="7533640"/>
+          </a:xfrm>
+          <a:prstGeom prst="rect">
+            <a:avLst/>
+          </a:prstGeom>
+          <a:solidFill>
+            <a:schemeClr val="bg1"/>
+          </a:solidFill>
+          <a:ln>
+            <a:solidFill>
+              <a:schemeClr val="tx1"/>
+            </a:solidFill>
+          </a:ln>
+        </p:spPr>
+        <p:style>
+          <a:lnRef idx="2">
+            <a:schemeClr val="accent1">
+              <a:shade val="15000"/>
+            </a:schemeClr>
+          </a:lnRef>
+          <a:fillRef idx="1">
+            <a:schemeClr val="accent1"/>
+          </a:fillRef>
+          <a:effectRef idx="0">
+            <a:schemeClr val="accent1"/>
+          </a:effectRef>
+          <a:fontRef idx="minor">
+            <a:schemeClr val="lt1"/>
+          </a:fontRef>
+        </p:style>
+        <p:txBody>
+          <a:bodyPr rtlCol="0" anchor="ctr"/>
+          <a:lstStyle/>
+          <a:p>
+            <a:pPr algn="ctr"/>
+            <a:endParaRPr lang="ko-KR" altLang="en-US"/>
+          </a:p>
+        </p:txBody>
+      </p:sp>
+      <p:pic>
+        <p:nvPicPr>
+          <p:cNvPr id="10" name="그림 9">
+            <a:extLst>
+              <a:ext uri="{FF2B5EF4-FFF2-40B4-BE49-F238E27FC236}">
+                <a16:creationId xmlns:a16="http://schemas.microsoft.com/office/drawing/2014/main" id="{1955B8DA-1C38-7F25-424D-7C44C758E810}"/>
+              </a:ext>
+            </a:extLst>
+          </p:cNvPr>
+          <p:cNvPicPr>
+            <a:picLocks noChangeAspect="1"/>
+          </p:cNvPicPr>
+          <p:nvPr/>
+        </p:nvPicPr>
+        <p:blipFill>
+          <a:blip r:embed="rId3"/>
+          <a:stretch>
+            <a:fillRect/>
+          </a:stretch>
+        </p:blipFill>
+        <p:spPr>
+          <a:xfrm>
+            <a:off x="775895" y="0"/>
+            <a:ext cx="10640209" cy="6858000"/>
+          </a:xfrm>
+          <a:prstGeom prst="rect">
+            <a:avLst/>
+          </a:prstGeom>
+        </p:spPr>
+      </p:pic>
+      <p:sp>
+        <p:nvSpPr>
+          <p:cNvPr id="7" name="TextBox 6">
+            <a:extLst>
+              <a:ext uri="{FF2B5EF4-FFF2-40B4-BE49-F238E27FC236}">
+                <a16:creationId xmlns:a16="http://schemas.microsoft.com/office/drawing/2014/main" id="{D028093B-FECC-DA82-AB86-960DDCFFFC4B}"/>
+              </a:ext>
+            </a:extLst>
+          </p:cNvPr>
+          <p:cNvSpPr txBox="1"/>
+          <p:nvPr/>
+        </p:nvSpPr>
+        <p:spPr>
+          <a:xfrm>
+            <a:off x="4719320" y="6840974"/>
+            <a:ext cx="3098800" cy="369332"/>
+          </a:xfrm>
+          <a:prstGeom prst="rect">
+            <a:avLst/>
+          </a:prstGeom>
+          <a:noFill/>
+        </p:spPr>
+        <p:txBody>
+          <a:bodyPr wrap="square">
+            <a:spAutoFit/>
+          </a:bodyPr>
+          <a:lstStyle/>
+          <a:p>
+            <a:pPr algn="ctr"/>
+            <a:r>
+              <a:rPr lang="en-US" altLang="ko-KR" spc="-60" dirty="0">
+                <a:ln w="3175">
+                  <a:solidFill>
+                    <a:schemeClr val="tx1">
+                      <a:lumMod val="75000"/>
+                      <a:lumOff val="25000"/>
+                      <a:alpha val="10000"/>
+                    </a:schemeClr>
+                  </a:solidFill>
+                </a:ln>
+                <a:solidFill>
+                  <a:schemeClr val="tx1">
+                    <a:lumMod val="75000"/>
+                    <a:lumOff val="25000"/>
+                  </a:schemeClr>
+                </a:solidFill>
+                <a:ea typeface="경기천년제목 Light" panose="02020403020101020101" pitchFamily="18" charset="-127"/>
+              </a:rPr>
+              <a:t>Installed capacity of PV (kW)</a:t>
+            </a:r>
+            <a:endParaRPr lang="ko-KR" altLang="en-US" dirty="0"/>
+          </a:p>
+        </p:txBody>
+      </p:sp>
+      <p:sp>
+        <p:nvSpPr>
+          <p:cNvPr id="8" name="TextBox 7">
+            <a:extLst>
+              <a:ext uri="{FF2B5EF4-FFF2-40B4-BE49-F238E27FC236}">
+                <a16:creationId xmlns:a16="http://schemas.microsoft.com/office/drawing/2014/main" id="{A62B0139-A100-3A95-A8B9-5C6B10084AB9}"/>
+              </a:ext>
+            </a:extLst>
+          </p:cNvPr>
+          <p:cNvSpPr txBox="1"/>
+          <p:nvPr/>
+        </p:nvSpPr>
+        <p:spPr>
+          <a:xfrm rot="16200000">
+            <a:off x="-858520" y="2888734"/>
+            <a:ext cx="2875280" cy="369332"/>
+          </a:xfrm>
+          <a:prstGeom prst="rect">
+            <a:avLst/>
+          </a:prstGeom>
+          <a:noFill/>
+        </p:spPr>
+        <p:txBody>
+          <a:bodyPr wrap="square">
+            <a:spAutoFit/>
+          </a:bodyPr>
+          <a:lstStyle/>
+          <a:p>
+            <a:pPr algn="ctr"/>
+            <a:r>
+              <a:rPr lang="en-US" altLang="ko-KR" spc="-60" dirty="0">
+                <a:ln w="3175">
+                  <a:solidFill>
+                    <a:schemeClr val="tx1">
+                      <a:lumMod val="75000"/>
+                      <a:lumOff val="25000"/>
+                      <a:alpha val="10000"/>
+                    </a:schemeClr>
+                  </a:solidFill>
+                </a:ln>
+                <a:solidFill>
+                  <a:schemeClr val="tx1">
+                    <a:lumMod val="75000"/>
+                    <a:lumOff val="25000"/>
+                  </a:schemeClr>
+                </a:solidFill>
+                <a:ea typeface="경기천년제목 Light" panose="02020403020101020101" pitchFamily="18" charset="-127"/>
+              </a:rPr>
+              <a:t>PV installation Area (m</a:t>
+            </a:r>
+            <a:r>
+              <a:rPr lang="en-US" altLang="ko-KR" spc="-60" baseline="30000" dirty="0">
+                <a:ln w="3175">
+                  <a:solidFill>
+                    <a:schemeClr val="tx1">
+                      <a:lumMod val="75000"/>
+                      <a:lumOff val="25000"/>
+                      <a:alpha val="10000"/>
+                    </a:schemeClr>
+                  </a:solidFill>
+                </a:ln>
+                <a:solidFill>
+                  <a:schemeClr val="tx1">
+                    <a:lumMod val="75000"/>
+                    <a:lumOff val="25000"/>
+                  </a:schemeClr>
+                </a:solidFill>
+                <a:ea typeface="경기천년제목 Light" panose="02020403020101020101" pitchFamily="18" charset="-127"/>
+              </a:rPr>
+              <a:t>2</a:t>
+            </a:r>
+            <a:r>
+              <a:rPr lang="en-US" altLang="ko-KR" spc="-60" dirty="0">
+                <a:ln w="3175">
+                  <a:solidFill>
+                    <a:schemeClr val="tx1">
+                      <a:lumMod val="75000"/>
+                      <a:lumOff val="25000"/>
+                      <a:alpha val="10000"/>
+                    </a:schemeClr>
+                  </a:solidFill>
+                </a:ln>
+                <a:solidFill>
+                  <a:schemeClr val="tx1">
+                    <a:lumMod val="75000"/>
+                    <a:lumOff val="25000"/>
+                  </a:schemeClr>
+                </a:solidFill>
+                <a:ea typeface="경기천년제목 Light" panose="02020403020101020101" pitchFamily="18" charset="-127"/>
+              </a:rPr>
+              <a:t>)</a:t>
+            </a:r>
+            <a:endParaRPr lang="ko-KR" altLang="en-US" dirty="0"/>
+          </a:p>
+        </p:txBody>
+      </p:sp>
       <p:cxnSp>
         <p:nvCxnSpPr>
           <p:cNvPr id="4" name="직선 연결선 3">
@@ -25969,7 +27560,7 @@
 </p:sld>
 </file>
 
-<file path=ppt/slides/slide6.xml><?xml version="1.0" encoding="utf-8"?>
+<file path=ppt/slides/slide8.xml><?xml version="1.0" encoding="utf-8"?>
 <p:sld xmlns:a="http://schemas.openxmlformats.org/drawingml/2006/main" xmlns:r="http://schemas.openxmlformats.org/officeDocument/2006/relationships" xmlns:p="http://schemas.openxmlformats.org/presentationml/2006/main">
   <p:cSld>
     <p:spTree>
@@ -29958,7 +31549,7 @@
           <p:nvPr/>
         </p:nvPicPr>
         <p:blipFill>
-          <a:blip r:embed="rId7">
+          <a:blip r:embed="rId5">
             <a:extLst>
               <a:ext uri="{96DAC541-7B7A-43D3-8B79-37D633B846F1}">
                 <asvg:svgBlip xmlns:asvg="http://schemas.microsoft.com/office/drawing/2016/SVG/main" r:embed="rId6"/>
@@ -29994,7 +31585,7 @@
           <p:nvPr/>
         </p:nvPicPr>
         <p:blipFill>
-          <a:blip r:embed="rId7">
+          <a:blip r:embed="rId5">
             <a:extLst>
               <a:ext uri="{96DAC541-7B7A-43D3-8B79-37D633B846F1}">
                 <asvg:svgBlip xmlns:asvg="http://schemas.microsoft.com/office/drawing/2016/SVG/main" r:embed="rId6"/>
@@ -30102,7 +31693,7 @@
           <p:nvPr/>
         </p:nvPicPr>
         <p:blipFill>
-          <a:blip r:embed="rId7">
+          <a:blip r:embed="rId5">
             <a:extLst>
               <a:ext uri="{96DAC541-7B7A-43D3-8B79-37D633B846F1}">
                 <asvg:svgBlip xmlns:asvg="http://schemas.microsoft.com/office/drawing/2016/SVG/main" r:embed="rId6"/>
@@ -31413,7 +33004,7 @@
 </p:sld>
 </file>
 
-<file path=ppt/slides/slide7.xml><?xml version="1.0" encoding="utf-8"?>
+<file path=ppt/slides/slide9.xml><?xml version="1.0" encoding="utf-8"?>
 <p:sld xmlns:a="http://schemas.openxmlformats.org/drawingml/2006/main" xmlns:r="http://schemas.openxmlformats.org/officeDocument/2006/relationships" xmlns:p="http://schemas.openxmlformats.org/presentationml/2006/main">
   <p:cSld>
     <p:spTree>
@@ -35996,1252 +37587,6 @@
     <p:extLst>
       <p:ext uri="{BB962C8B-B14F-4D97-AF65-F5344CB8AC3E}">
         <p14:creationId xmlns:p14="http://schemas.microsoft.com/office/powerpoint/2010/main" val="1953639318"/>
-      </p:ext>
-    </p:extLst>
-  </p:cSld>
-  <p:clrMapOvr>
-    <a:masterClrMapping/>
-  </p:clrMapOvr>
-</p:sld>
-</file>
-
-<file path=ppt/slides/slide8.xml><?xml version="1.0" encoding="utf-8"?>
-<p:sld xmlns:a="http://schemas.openxmlformats.org/drawingml/2006/main" xmlns:r="http://schemas.openxmlformats.org/officeDocument/2006/relationships" xmlns:p="http://schemas.openxmlformats.org/presentationml/2006/main">
-  <p:cSld>
-    <p:spTree>
-      <p:nvGrpSpPr>
-        <p:cNvPr id="1" name=""/>
-        <p:cNvGrpSpPr/>
-        <p:nvPr/>
-      </p:nvGrpSpPr>
-      <p:grpSpPr>
-        <a:xfrm>
-          <a:off x="0" y="0"/>
-          <a:ext cx="0" cy="0"/>
-          <a:chOff x="0" y="0"/>
-          <a:chExt cx="0" cy="0"/>
-        </a:xfrm>
-      </p:grpSpPr>
-      <p:sp>
-        <p:nvSpPr>
-          <p:cNvPr id="29" name="직사각형 28">
-            <a:extLst>
-              <a:ext uri="{FF2B5EF4-FFF2-40B4-BE49-F238E27FC236}">
-                <a16:creationId xmlns:a16="http://schemas.microsoft.com/office/drawing/2014/main" id="{7D5C7917-964F-EBEC-8A6F-BAF95B4D2F4A}"/>
-              </a:ext>
-            </a:extLst>
-          </p:cNvPr>
-          <p:cNvSpPr/>
-          <p:nvPr/>
-        </p:nvSpPr>
-        <p:spPr>
-          <a:xfrm>
-            <a:off x="-49709" y="-415270"/>
-            <a:ext cx="3897809" cy="7533640"/>
-          </a:xfrm>
-          <a:prstGeom prst="rect">
-            <a:avLst/>
-          </a:prstGeom>
-          <a:solidFill>
-            <a:schemeClr val="bg1"/>
-          </a:solidFill>
-          <a:ln>
-            <a:solidFill>
-              <a:schemeClr val="tx1"/>
-            </a:solidFill>
-          </a:ln>
-        </p:spPr>
-        <p:style>
-          <a:lnRef idx="2">
-            <a:schemeClr val="accent1">
-              <a:shade val="15000"/>
-            </a:schemeClr>
-          </a:lnRef>
-          <a:fillRef idx="1">
-            <a:schemeClr val="accent1"/>
-          </a:fillRef>
-          <a:effectRef idx="0">
-            <a:schemeClr val="accent1"/>
-          </a:effectRef>
-          <a:fontRef idx="minor">
-            <a:schemeClr val="lt1"/>
-          </a:fontRef>
-        </p:style>
-        <p:txBody>
-          <a:bodyPr rtlCol="0" anchor="ctr"/>
-          <a:lstStyle/>
-          <a:p>
-            <a:pPr algn="ctr"/>
-            <a:endParaRPr lang="ko-KR" altLang="en-US"/>
-          </a:p>
-        </p:txBody>
-      </p:sp>
-      <p:pic>
-        <p:nvPicPr>
-          <p:cNvPr id="11" name="그림 10">
-            <a:extLst>
-              <a:ext uri="{FF2B5EF4-FFF2-40B4-BE49-F238E27FC236}">
-                <a16:creationId xmlns:a16="http://schemas.microsoft.com/office/drawing/2014/main" id="{4FF1F429-EB7D-9590-A692-95D4ABD15930}"/>
-              </a:ext>
-            </a:extLst>
-          </p:cNvPr>
-          <p:cNvPicPr>
-            <a:picLocks noChangeAspect="1"/>
-          </p:cNvPicPr>
-          <p:nvPr/>
-        </p:nvPicPr>
-        <p:blipFill>
-          <a:blip r:embed="rId2"/>
-          <a:stretch>
-            <a:fillRect/>
-          </a:stretch>
-        </p:blipFill>
-        <p:spPr>
-          <a:xfrm>
-            <a:off x="203200" y="88900"/>
-            <a:ext cx="2513440" cy="6858000"/>
-          </a:xfrm>
-          <a:prstGeom prst="rect">
-            <a:avLst/>
-          </a:prstGeom>
-        </p:spPr>
-      </p:pic>
-      <p:sp>
-        <p:nvSpPr>
-          <p:cNvPr id="13" name="TextBox 12">
-            <a:extLst>
-              <a:ext uri="{FF2B5EF4-FFF2-40B4-BE49-F238E27FC236}">
-                <a16:creationId xmlns:a16="http://schemas.microsoft.com/office/drawing/2014/main" id="{A0C04691-EC6D-2B87-4199-7DC485AA0B6B}"/>
-              </a:ext>
-            </a:extLst>
-          </p:cNvPr>
-          <p:cNvSpPr txBox="1"/>
-          <p:nvPr/>
-        </p:nvSpPr>
-        <p:spPr>
-          <a:xfrm>
-            <a:off x="203200" y="-1255931"/>
-            <a:ext cx="7404100" cy="369332"/>
-          </a:xfrm>
-          <a:prstGeom prst="rect">
-            <a:avLst/>
-          </a:prstGeom>
-          <a:noFill/>
-        </p:spPr>
-        <p:txBody>
-          <a:bodyPr wrap="square">
-            <a:spAutoFit/>
-          </a:bodyPr>
-          <a:lstStyle/>
-          <a:p>
-            <a:r>
-              <a:rPr lang="ko-KR" altLang="en-US" b="0" i="0" dirty="0">
-                <a:solidFill>
-                  <a:srgbClr val="000000"/>
-                </a:solidFill>
-                <a:effectLst/>
-                <a:highlight>
-                  <a:srgbClr val="F0F0F3"/>
-                </a:highlight>
-                <a:latin typeface="-apple-system"/>
-              </a:rPr>
-              <a:t>경기 시흥시 </a:t>
-            </a:r>
-            <a:r>
-              <a:rPr lang="ko-KR" altLang="en-US" b="0" i="0" dirty="0" err="1">
-                <a:solidFill>
-                  <a:srgbClr val="000000"/>
-                </a:solidFill>
-                <a:effectLst/>
-                <a:highlight>
-                  <a:srgbClr val="F0F0F3"/>
-                </a:highlight>
-                <a:latin typeface="-apple-system"/>
-              </a:rPr>
-              <a:t>옥구천서로</a:t>
-            </a:r>
-            <a:r>
-              <a:rPr lang="en-US" altLang="ko-KR" b="0" i="0" dirty="0">
-                <a:solidFill>
-                  <a:srgbClr val="000000"/>
-                </a:solidFill>
-                <a:effectLst/>
-                <a:highlight>
-                  <a:srgbClr val="F0F0F3"/>
-                </a:highlight>
-                <a:latin typeface="-apple-system"/>
-              </a:rPr>
-              <a:t>131</a:t>
-            </a:r>
-            <a:r>
-              <a:rPr lang="ko-KR" altLang="en-US" b="0" i="0" dirty="0" err="1">
-                <a:solidFill>
-                  <a:srgbClr val="000000"/>
-                </a:solidFill>
-                <a:effectLst/>
-                <a:highlight>
-                  <a:srgbClr val="F0F0F3"/>
-                </a:highlight>
-                <a:latin typeface="-apple-system"/>
-              </a:rPr>
-              <a:t>번길</a:t>
-            </a:r>
-            <a:r>
-              <a:rPr lang="ko-KR" altLang="en-US" b="0" i="0" dirty="0">
-                <a:solidFill>
-                  <a:srgbClr val="000000"/>
-                </a:solidFill>
-                <a:effectLst/>
-                <a:highlight>
-                  <a:srgbClr val="F0F0F3"/>
-                </a:highlight>
-                <a:latin typeface="-apple-system"/>
-              </a:rPr>
-              <a:t> </a:t>
-            </a:r>
-            <a:r>
-              <a:rPr lang="en-US" altLang="ko-KR" b="0" i="0" dirty="0">
-                <a:solidFill>
-                  <a:srgbClr val="000000"/>
-                </a:solidFill>
-                <a:effectLst/>
-                <a:highlight>
-                  <a:srgbClr val="F0F0F3"/>
-                </a:highlight>
-                <a:latin typeface="-apple-system"/>
-              </a:rPr>
-              <a:t>15 </a:t>
-            </a:r>
-            <a:r>
-              <a:rPr lang="ko-KR" altLang="en-US" b="0" i="0" dirty="0">
-                <a:solidFill>
-                  <a:srgbClr val="000000"/>
-                </a:solidFill>
-                <a:effectLst/>
-                <a:highlight>
-                  <a:srgbClr val="F0F0F3"/>
-                </a:highlight>
-                <a:latin typeface="-apple-system"/>
-              </a:rPr>
-              <a:t>시화단지 </a:t>
-            </a:r>
-            <a:r>
-              <a:rPr lang="en-US" altLang="ko-KR" b="0" i="0" dirty="0">
-                <a:solidFill>
-                  <a:srgbClr val="000000"/>
-                </a:solidFill>
-                <a:effectLst/>
-                <a:highlight>
-                  <a:srgbClr val="F0F0F3"/>
-                </a:highlight>
-                <a:latin typeface="-apple-system"/>
-              </a:rPr>
-              <a:t>1</a:t>
-            </a:r>
-            <a:r>
-              <a:rPr lang="ko-KR" altLang="en-US" b="0" i="0" dirty="0">
-                <a:solidFill>
-                  <a:srgbClr val="000000"/>
-                </a:solidFill>
-                <a:effectLst/>
-                <a:highlight>
-                  <a:srgbClr val="F0F0F3"/>
-                </a:highlight>
-                <a:latin typeface="-apple-system"/>
-              </a:rPr>
-              <a:t>라 </a:t>
-            </a:r>
-            <a:r>
-              <a:rPr lang="en-US" altLang="ko-KR" b="0" i="0" dirty="0">
-                <a:solidFill>
-                  <a:srgbClr val="000000"/>
-                </a:solidFill>
-                <a:effectLst/>
-                <a:highlight>
-                  <a:srgbClr val="F0F0F3"/>
-                </a:highlight>
-                <a:latin typeface="-apple-system"/>
-              </a:rPr>
-              <a:t>503</a:t>
-            </a:r>
-            <a:r>
-              <a:rPr lang="ko-KR" altLang="en-US" b="0" i="0" dirty="0">
-                <a:solidFill>
-                  <a:srgbClr val="000000"/>
-                </a:solidFill>
-                <a:effectLst/>
-                <a:highlight>
-                  <a:srgbClr val="F0F0F3"/>
-                </a:highlight>
-                <a:latin typeface="-apple-system"/>
-              </a:rPr>
-              <a:t>호</a:t>
-            </a:r>
-            <a:r>
-              <a:rPr lang="en-US" altLang="ko-KR" b="0" i="0" dirty="0">
-                <a:solidFill>
-                  <a:srgbClr val="000000"/>
-                </a:solidFill>
-                <a:effectLst/>
-                <a:highlight>
-                  <a:srgbClr val="F0F0F3"/>
-                </a:highlight>
-                <a:latin typeface="-apple-system"/>
-              </a:rPr>
-              <a:t>(</a:t>
-            </a:r>
-            <a:r>
-              <a:rPr lang="ko-KR" altLang="en-US" b="0" i="0" dirty="0" err="1">
-                <a:solidFill>
-                  <a:srgbClr val="000000"/>
-                </a:solidFill>
-                <a:effectLst/>
-                <a:highlight>
-                  <a:srgbClr val="F0F0F3"/>
-                </a:highlight>
-                <a:latin typeface="-apple-system"/>
-              </a:rPr>
-              <a:t>정왕동</a:t>
-            </a:r>
-            <a:r>
-              <a:rPr lang="en-US" altLang="ko-KR" b="0" i="0" dirty="0">
-                <a:solidFill>
-                  <a:srgbClr val="000000"/>
-                </a:solidFill>
-                <a:effectLst/>
-                <a:highlight>
-                  <a:srgbClr val="F0F0F3"/>
-                </a:highlight>
-                <a:latin typeface="-apple-system"/>
-              </a:rPr>
-              <a:t>)</a:t>
-            </a:r>
-            <a:endParaRPr lang="ko-KR" altLang="en-US" dirty="0"/>
-          </a:p>
-        </p:txBody>
-      </p:sp>
-      <p:sp>
-        <p:nvSpPr>
-          <p:cNvPr id="14" name="직사각형 13">
-            <a:extLst>
-              <a:ext uri="{FF2B5EF4-FFF2-40B4-BE49-F238E27FC236}">
-                <a16:creationId xmlns:a16="http://schemas.microsoft.com/office/drawing/2014/main" id="{C3424074-0E90-DC8E-3F48-D412FAF9991E}"/>
-              </a:ext>
-            </a:extLst>
-          </p:cNvPr>
-          <p:cNvSpPr/>
-          <p:nvPr/>
-        </p:nvSpPr>
-        <p:spPr>
-          <a:xfrm>
-            <a:off x="419100" y="342900"/>
-            <a:ext cx="2032000" cy="6426200"/>
-          </a:xfrm>
-          <a:prstGeom prst="rect">
-            <a:avLst/>
-          </a:prstGeom>
-          <a:noFill/>
-          <a:ln w="66675">
-            <a:solidFill>
-              <a:srgbClr val="FF0000"/>
-            </a:solidFill>
-          </a:ln>
-        </p:spPr>
-        <p:style>
-          <a:lnRef idx="2">
-            <a:schemeClr val="accent1">
-              <a:shade val="15000"/>
-            </a:schemeClr>
-          </a:lnRef>
-          <a:fillRef idx="1">
-            <a:schemeClr val="accent1"/>
-          </a:fillRef>
-          <a:effectRef idx="0">
-            <a:schemeClr val="accent1"/>
-          </a:effectRef>
-          <a:fontRef idx="minor">
-            <a:schemeClr val="lt1"/>
-          </a:fontRef>
-        </p:style>
-        <p:txBody>
-          <a:bodyPr rtlCol="0" anchor="ctr"/>
-          <a:lstStyle/>
-          <a:p>
-            <a:pPr algn="ctr"/>
-            <a:endParaRPr lang="ko-KR" altLang="en-US"/>
-          </a:p>
-        </p:txBody>
-      </p:sp>
-      <p:sp>
-        <p:nvSpPr>
-          <p:cNvPr id="16" name="TextBox 15">
-            <a:extLst>
-              <a:ext uri="{FF2B5EF4-FFF2-40B4-BE49-F238E27FC236}">
-                <a16:creationId xmlns:a16="http://schemas.microsoft.com/office/drawing/2014/main" id="{C1C8FFD9-DD66-8C4A-F660-582B17AC7627}"/>
-              </a:ext>
-            </a:extLst>
-          </p:cNvPr>
-          <p:cNvSpPr txBox="1"/>
-          <p:nvPr/>
-        </p:nvSpPr>
-        <p:spPr>
-          <a:xfrm>
-            <a:off x="2094340" y="-444258"/>
-            <a:ext cx="622300" cy="523220"/>
-          </a:xfrm>
-          <a:prstGeom prst="rect">
-            <a:avLst/>
-          </a:prstGeom>
-          <a:solidFill>
-            <a:schemeClr val="bg1"/>
-          </a:solidFill>
-        </p:spPr>
-        <p:txBody>
-          <a:bodyPr wrap="square">
-            <a:spAutoFit/>
-          </a:bodyPr>
-          <a:lstStyle/>
-          <a:p>
-            <a:r>
-              <a:rPr lang="en-US" altLang="ko-KR" sz="2800" b="1" dirty="0">
-                <a:solidFill>
-                  <a:srgbClr val="FF0000"/>
-                </a:solidFill>
-              </a:rPr>
-              <a:t>(a)</a:t>
-            </a:r>
-            <a:endParaRPr lang="ko-KR" altLang="en-US" sz="2800" b="1" dirty="0">
-              <a:solidFill>
-                <a:srgbClr val="FF0000"/>
-              </a:solidFill>
-            </a:endParaRPr>
-          </a:p>
-        </p:txBody>
-      </p:sp>
-      <p:sp>
-        <p:nvSpPr>
-          <p:cNvPr id="18" name="직사각형 17">
-            <a:extLst>
-              <a:ext uri="{FF2B5EF4-FFF2-40B4-BE49-F238E27FC236}">
-                <a16:creationId xmlns:a16="http://schemas.microsoft.com/office/drawing/2014/main" id="{BE62DB93-6022-8C4E-6F7B-FC2A76F1F39E}"/>
-              </a:ext>
-            </a:extLst>
-          </p:cNvPr>
-          <p:cNvSpPr/>
-          <p:nvPr/>
-        </p:nvSpPr>
-        <p:spPr>
-          <a:xfrm>
-            <a:off x="465137" y="409575"/>
-            <a:ext cx="1939926" cy="3438525"/>
-          </a:xfrm>
-          <a:prstGeom prst="rect">
-            <a:avLst/>
-          </a:prstGeom>
-          <a:noFill/>
-          <a:ln w="66675">
-            <a:solidFill>
-              <a:schemeClr val="tx1"/>
-            </a:solidFill>
-          </a:ln>
-        </p:spPr>
-        <p:style>
-          <a:lnRef idx="2">
-            <a:schemeClr val="accent1">
-              <a:shade val="15000"/>
-            </a:schemeClr>
-          </a:lnRef>
-          <a:fillRef idx="1">
-            <a:schemeClr val="accent1"/>
-          </a:fillRef>
-          <a:effectRef idx="0">
-            <a:schemeClr val="accent1"/>
-          </a:effectRef>
-          <a:fontRef idx="minor">
-            <a:schemeClr val="lt1"/>
-          </a:fontRef>
-        </p:style>
-        <p:txBody>
-          <a:bodyPr rtlCol="0" anchor="ctr"/>
-          <a:lstStyle/>
-          <a:p>
-            <a:pPr algn="ctr"/>
-            <a:endParaRPr lang="ko-KR" altLang="en-US"/>
-          </a:p>
-        </p:txBody>
-      </p:sp>
-      <p:cxnSp>
-        <p:nvCxnSpPr>
-          <p:cNvPr id="20" name="연결선: 꺾임 19">
-            <a:extLst>
-              <a:ext uri="{FF2B5EF4-FFF2-40B4-BE49-F238E27FC236}">
-                <a16:creationId xmlns:a16="http://schemas.microsoft.com/office/drawing/2014/main" id="{36D1418A-667C-0052-DC76-878B8551B4E0}"/>
-              </a:ext>
-            </a:extLst>
-          </p:cNvPr>
-          <p:cNvCxnSpPr>
-            <a:cxnSpLocks/>
-            <a:stCxn id="14" idx="0"/>
-            <a:endCxn id="16" idx="1"/>
-          </p:cNvCxnSpPr>
-          <p:nvPr/>
-        </p:nvCxnSpPr>
-        <p:spPr>
-          <a:xfrm rot="5400000" flipH="1" flipV="1">
-            <a:off x="1501946" y="-249494"/>
-            <a:ext cx="525548" cy="659240"/>
-          </a:xfrm>
-          <a:prstGeom prst="bentConnector2">
-            <a:avLst/>
-          </a:prstGeom>
-          <a:ln w="66675">
-            <a:solidFill>
-              <a:srgbClr val="FF0000"/>
-            </a:solidFill>
-            <a:tailEnd type="triangle"/>
-          </a:ln>
-        </p:spPr>
-        <p:style>
-          <a:lnRef idx="2">
-            <a:schemeClr val="accent1"/>
-          </a:lnRef>
-          <a:fillRef idx="0">
-            <a:schemeClr val="accent1"/>
-          </a:fillRef>
-          <a:effectRef idx="1">
-            <a:schemeClr val="accent1"/>
-          </a:effectRef>
-          <a:fontRef idx="minor">
-            <a:schemeClr val="tx1"/>
-          </a:fontRef>
-        </p:style>
-      </p:cxnSp>
-      <p:cxnSp>
-        <p:nvCxnSpPr>
-          <p:cNvPr id="23" name="연결선: 꺾임 22">
-            <a:extLst>
-              <a:ext uri="{FF2B5EF4-FFF2-40B4-BE49-F238E27FC236}">
-                <a16:creationId xmlns:a16="http://schemas.microsoft.com/office/drawing/2014/main" id="{13C2B4FF-53D3-3D9E-12D4-10E3BA34FC04}"/>
-              </a:ext>
-            </a:extLst>
-          </p:cNvPr>
-          <p:cNvCxnSpPr>
-            <a:cxnSpLocks/>
-            <a:stCxn id="18" idx="2"/>
-            <a:endCxn id="26" idx="1"/>
-          </p:cNvCxnSpPr>
-          <p:nvPr/>
-        </p:nvCxnSpPr>
-        <p:spPr>
-          <a:xfrm rot="5400000" flipH="1" flipV="1">
-            <a:off x="1944869" y="2841780"/>
-            <a:ext cx="496550" cy="1516089"/>
-          </a:xfrm>
-          <a:prstGeom prst="bentConnector4">
-            <a:avLst>
-              <a:gd name="adj1" fmla="val -46038"/>
-              <a:gd name="adj2" fmla="val 76460"/>
-            </a:avLst>
-          </a:prstGeom>
-          <a:ln w="66675">
-            <a:solidFill>
-              <a:schemeClr val="tx1"/>
-            </a:solidFill>
-            <a:tailEnd type="triangle"/>
-          </a:ln>
-        </p:spPr>
-        <p:style>
-          <a:lnRef idx="2">
-            <a:schemeClr val="accent1"/>
-          </a:lnRef>
-          <a:fillRef idx="0">
-            <a:schemeClr val="accent1"/>
-          </a:fillRef>
-          <a:effectRef idx="1">
-            <a:schemeClr val="accent1"/>
-          </a:effectRef>
-          <a:fontRef idx="minor">
-            <a:schemeClr val="tx1"/>
-          </a:fontRef>
-        </p:style>
-      </p:cxnSp>
-      <p:sp>
-        <p:nvSpPr>
-          <p:cNvPr id="26" name="TextBox 25">
-            <a:extLst>
-              <a:ext uri="{FF2B5EF4-FFF2-40B4-BE49-F238E27FC236}">
-                <a16:creationId xmlns:a16="http://schemas.microsoft.com/office/drawing/2014/main" id="{860E48AC-A900-E9FA-7CF3-2F4AB998D237}"/>
-              </a:ext>
-            </a:extLst>
-          </p:cNvPr>
-          <p:cNvSpPr txBox="1"/>
-          <p:nvPr/>
-        </p:nvSpPr>
-        <p:spPr>
-          <a:xfrm>
-            <a:off x="2951189" y="3089940"/>
-            <a:ext cx="622300" cy="523220"/>
-          </a:xfrm>
-          <a:prstGeom prst="rect">
-            <a:avLst/>
-          </a:prstGeom>
-          <a:solidFill>
-            <a:schemeClr val="bg1"/>
-          </a:solidFill>
-          <a:ln>
-            <a:noFill/>
-          </a:ln>
-        </p:spPr>
-        <p:txBody>
-          <a:bodyPr wrap="square">
-            <a:spAutoFit/>
-          </a:bodyPr>
-          <a:lstStyle/>
-          <a:p>
-            <a:r>
-              <a:rPr lang="en-US" altLang="ko-KR" sz="2800" b="1" dirty="0"/>
-              <a:t>(b)</a:t>
-            </a:r>
-            <a:endParaRPr lang="ko-KR" altLang="en-US" sz="2800" b="1" dirty="0"/>
-          </a:p>
-        </p:txBody>
-      </p:sp>
-    </p:spTree>
-    <p:extLst>
-      <p:ext uri="{BB962C8B-B14F-4D97-AF65-F5344CB8AC3E}">
-        <p14:creationId xmlns:p14="http://schemas.microsoft.com/office/powerpoint/2010/main" val="2613354958"/>
-      </p:ext>
-    </p:extLst>
-  </p:cSld>
-  <p:clrMapOvr>
-    <a:masterClrMapping/>
-  </p:clrMapOvr>
-</p:sld>
-</file>
-
-<file path=ppt/slides/slide9.xml><?xml version="1.0" encoding="utf-8"?>
-<p:sld xmlns:a="http://schemas.openxmlformats.org/drawingml/2006/main" xmlns:r="http://schemas.openxmlformats.org/officeDocument/2006/relationships" xmlns:p="http://schemas.openxmlformats.org/presentationml/2006/main">
-  <p:cSld>
-    <p:spTree>
-      <p:nvGrpSpPr>
-        <p:cNvPr id="1" name=""/>
-        <p:cNvGrpSpPr/>
-        <p:nvPr/>
-      </p:nvGrpSpPr>
-      <p:grpSpPr>
-        <a:xfrm>
-          <a:off x="0" y="0"/>
-          <a:ext cx="0" cy="0"/>
-          <a:chOff x="0" y="0"/>
-          <a:chExt cx="0" cy="0"/>
-        </a:xfrm>
-      </p:grpSpPr>
-      <p:sp>
-        <p:nvSpPr>
-          <p:cNvPr id="10" name="직사각형 9">
-            <a:extLst>
-              <a:ext uri="{FF2B5EF4-FFF2-40B4-BE49-F238E27FC236}">
-                <a16:creationId xmlns:a16="http://schemas.microsoft.com/office/drawing/2014/main" id="{81D67261-C1D5-77F9-19FC-CCD455B29649}"/>
-              </a:ext>
-            </a:extLst>
-          </p:cNvPr>
-          <p:cNvSpPr/>
-          <p:nvPr/>
-        </p:nvSpPr>
-        <p:spPr>
-          <a:xfrm>
-            <a:off x="493216" y="-187960"/>
-            <a:ext cx="11556543" cy="7533640"/>
-          </a:xfrm>
-          <a:prstGeom prst="rect">
-            <a:avLst/>
-          </a:prstGeom>
-          <a:solidFill>
-            <a:schemeClr val="bg1"/>
-          </a:solidFill>
-          <a:ln>
-            <a:solidFill>
-              <a:schemeClr val="tx1"/>
-            </a:solidFill>
-          </a:ln>
-        </p:spPr>
-        <p:style>
-          <a:lnRef idx="2">
-            <a:schemeClr val="accent1">
-              <a:shade val="15000"/>
-            </a:schemeClr>
-          </a:lnRef>
-          <a:fillRef idx="1">
-            <a:schemeClr val="accent1"/>
-          </a:fillRef>
-          <a:effectRef idx="0">
-            <a:schemeClr val="accent1"/>
-          </a:effectRef>
-          <a:fontRef idx="minor">
-            <a:schemeClr val="lt1"/>
-          </a:fontRef>
-        </p:style>
-        <p:txBody>
-          <a:bodyPr rtlCol="0" anchor="ctr"/>
-          <a:lstStyle/>
-          <a:p>
-            <a:pPr algn="ctr"/>
-            <a:endParaRPr lang="ko-KR" altLang="en-US"/>
-          </a:p>
-        </p:txBody>
-      </p:sp>
-      <p:pic>
-        <p:nvPicPr>
-          <p:cNvPr id="5" name="그림 4">
-            <a:extLst>
-              <a:ext uri="{FF2B5EF4-FFF2-40B4-BE49-F238E27FC236}">
-                <a16:creationId xmlns:a16="http://schemas.microsoft.com/office/drawing/2014/main" id="{17677500-5F6D-7E3C-8F21-79634D23DD37}"/>
-              </a:ext>
-            </a:extLst>
-          </p:cNvPr>
-          <p:cNvPicPr>
-            <a:picLocks noChangeAspect="1"/>
-          </p:cNvPicPr>
-          <p:nvPr/>
-        </p:nvPicPr>
-        <p:blipFill>
-          <a:blip r:embed="rId2"/>
-          <a:stretch>
-            <a:fillRect/>
-          </a:stretch>
-        </p:blipFill>
-        <p:spPr>
-          <a:xfrm>
-            <a:off x="1390226" y="0"/>
-            <a:ext cx="9411547" cy="6858000"/>
-          </a:xfrm>
-          <a:prstGeom prst="rect">
-            <a:avLst/>
-          </a:prstGeom>
-        </p:spPr>
-      </p:pic>
-      <p:sp>
-        <p:nvSpPr>
-          <p:cNvPr id="8" name="TextBox 7">
-            <a:extLst>
-              <a:ext uri="{FF2B5EF4-FFF2-40B4-BE49-F238E27FC236}">
-                <a16:creationId xmlns:a16="http://schemas.microsoft.com/office/drawing/2014/main" id="{70791883-B36B-3255-4CFD-2A71C8F7D810}"/>
-              </a:ext>
-            </a:extLst>
-          </p:cNvPr>
-          <p:cNvSpPr txBox="1"/>
-          <p:nvPr/>
-        </p:nvSpPr>
-        <p:spPr>
-          <a:xfrm rot="16200000">
-            <a:off x="-294640" y="2919214"/>
-            <a:ext cx="2875280" cy="369332"/>
-          </a:xfrm>
-          <a:prstGeom prst="rect">
-            <a:avLst/>
-          </a:prstGeom>
-          <a:noFill/>
-        </p:spPr>
-        <p:txBody>
-          <a:bodyPr wrap="square">
-            <a:spAutoFit/>
-          </a:bodyPr>
-          <a:lstStyle/>
-          <a:p>
-            <a:pPr algn="ctr"/>
-            <a:r>
-              <a:rPr lang="en-US" altLang="ko-KR" spc="-60" dirty="0">
-                <a:ln w="3175">
-                  <a:solidFill>
-                    <a:schemeClr val="tx1">
-                      <a:lumMod val="75000"/>
-                      <a:lumOff val="25000"/>
-                      <a:alpha val="10000"/>
-                    </a:schemeClr>
-                  </a:solidFill>
-                </a:ln>
-                <a:solidFill>
-                  <a:schemeClr val="tx1">
-                    <a:lumMod val="75000"/>
-                    <a:lumOff val="25000"/>
-                  </a:schemeClr>
-                </a:solidFill>
-                <a:ea typeface="경기천년제목 Light" panose="02020403020101020101" pitchFamily="18" charset="-127"/>
-              </a:rPr>
-              <a:t>PV installation Area (m</a:t>
-            </a:r>
-            <a:r>
-              <a:rPr lang="en-US" altLang="ko-KR" spc="-60" baseline="30000" dirty="0">
-                <a:ln w="3175">
-                  <a:solidFill>
-                    <a:schemeClr val="tx1">
-                      <a:lumMod val="75000"/>
-                      <a:lumOff val="25000"/>
-                      <a:alpha val="10000"/>
-                    </a:schemeClr>
-                  </a:solidFill>
-                </a:ln>
-                <a:solidFill>
-                  <a:schemeClr val="tx1">
-                    <a:lumMod val="75000"/>
-                    <a:lumOff val="25000"/>
-                  </a:schemeClr>
-                </a:solidFill>
-                <a:ea typeface="경기천년제목 Light" panose="02020403020101020101" pitchFamily="18" charset="-127"/>
-              </a:rPr>
-              <a:t>2</a:t>
-            </a:r>
-            <a:r>
-              <a:rPr lang="en-US" altLang="ko-KR" spc="-60" dirty="0">
-                <a:ln w="3175">
-                  <a:solidFill>
-                    <a:schemeClr val="tx1">
-                      <a:lumMod val="75000"/>
-                      <a:lumOff val="25000"/>
-                      <a:alpha val="10000"/>
-                    </a:schemeClr>
-                  </a:solidFill>
-                </a:ln>
-                <a:solidFill>
-                  <a:schemeClr val="tx1">
-                    <a:lumMod val="75000"/>
-                    <a:lumOff val="25000"/>
-                  </a:schemeClr>
-                </a:solidFill>
-                <a:ea typeface="경기천년제목 Light" panose="02020403020101020101" pitchFamily="18" charset="-127"/>
-              </a:rPr>
-              <a:t>)</a:t>
-            </a:r>
-            <a:endParaRPr lang="ko-KR" altLang="en-US" dirty="0"/>
-          </a:p>
-        </p:txBody>
-      </p:sp>
-      <p:sp>
-        <p:nvSpPr>
-          <p:cNvPr id="9" name="TextBox 8">
-            <a:extLst>
-              <a:ext uri="{FF2B5EF4-FFF2-40B4-BE49-F238E27FC236}">
-                <a16:creationId xmlns:a16="http://schemas.microsoft.com/office/drawing/2014/main" id="{50D1CBE8-135C-E4AD-C6D1-1297C9D2282B}"/>
-              </a:ext>
-            </a:extLst>
-          </p:cNvPr>
-          <p:cNvSpPr txBox="1"/>
-          <p:nvPr/>
-        </p:nvSpPr>
-        <p:spPr>
-          <a:xfrm>
-            <a:off x="5435600" y="6872208"/>
-            <a:ext cx="1673860" cy="369332"/>
-          </a:xfrm>
-          <a:prstGeom prst="rect">
-            <a:avLst/>
-          </a:prstGeom>
-          <a:noFill/>
-        </p:spPr>
-        <p:txBody>
-          <a:bodyPr wrap="square">
-            <a:spAutoFit/>
-          </a:bodyPr>
-          <a:lstStyle/>
-          <a:p>
-            <a:pPr algn="ctr"/>
-            <a:r>
-              <a:rPr lang="en-US" altLang="ko-KR" spc="-60" dirty="0">
-                <a:ln w="3175">
-                  <a:solidFill>
-                    <a:schemeClr val="tx1">
-                      <a:lumMod val="75000"/>
-                      <a:lumOff val="25000"/>
-                      <a:alpha val="10000"/>
-                    </a:schemeClr>
-                  </a:solidFill>
-                </a:ln>
-                <a:solidFill>
-                  <a:schemeClr val="tx1">
-                    <a:lumMod val="75000"/>
-                    <a:lumOff val="25000"/>
-                  </a:schemeClr>
-                </a:solidFill>
-                <a:ea typeface="경기천년제목 Light" panose="02020403020101020101" pitchFamily="18" charset="-127"/>
-              </a:rPr>
-              <a:t>Total Area (m</a:t>
-            </a:r>
-            <a:r>
-              <a:rPr lang="en-US" altLang="ko-KR" spc="-60" baseline="30000" dirty="0">
-                <a:ln w="3175">
-                  <a:solidFill>
-                    <a:schemeClr val="tx1">
-                      <a:lumMod val="75000"/>
-                      <a:lumOff val="25000"/>
-                      <a:alpha val="10000"/>
-                    </a:schemeClr>
-                  </a:solidFill>
-                </a:ln>
-                <a:solidFill>
-                  <a:schemeClr val="tx1">
-                    <a:lumMod val="75000"/>
-                    <a:lumOff val="25000"/>
-                  </a:schemeClr>
-                </a:solidFill>
-                <a:ea typeface="경기천년제목 Light" panose="02020403020101020101" pitchFamily="18" charset="-127"/>
-              </a:rPr>
-              <a:t>2</a:t>
-            </a:r>
-            <a:r>
-              <a:rPr lang="en-US" altLang="ko-KR" spc="-60" dirty="0">
-                <a:ln w="3175">
-                  <a:solidFill>
-                    <a:schemeClr val="tx1">
-                      <a:lumMod val="75000"/>
-                      <a:lumOff val="25000"/>
-                      <a:alpha val="10000"/>
-                    </a:schemeClr>
-                  </a:solidFill>
-                </a:ln>
-                <a:solidFill>
-                  <a:schemeClr val="tx1">
-                    <a:lumMod val="75000"/>
-                    <a:lumOff val="25000"/>
-                  </a:schemeClr>
-                </a:solidFill>
-                <a:ea typeface="경기천년제목 Light" panose="02020403020101020101" pitchFamily="18" charset="-127"/>
-              </a:rPr>
-              <a:t>)</a:t>
-            </a:r>
-            <a:endParaRPr lang="ko-KR" altLang="en-US" dirty="0"/>
-          </a:p>
-        </p:txBody>
-      </p:sp>
-      <p:cxnSp>
-        <p:nvCxnSpPr>
-          <p:cNvPr id="11" name="직선 연결선 10">
-            <a:extLst>
-              <a:ext uri="{FF2B5EF4-FFF2-40B4-BE49-F238E27FC236}">
-                <a16:creationId xmlns:a16="http://schemas.microsoft.com/office/drawing/2014/main" id="{97EC718E-4115-DC25-E253-CCE5A5E6B122}"/>
-              </a:ext>
-            </a:extLst>
-          </p:cNvPr>
-          <p:cNvCxnSpPr>
-            <a:cxnSpLocks/>
-          </p:cNvCxnSpPr>
-          <p:nvPr/>
-        </p:nvCxnSpPr>
-        <p:spPr>
-          <a:xfrm>
-            <a:off x="3334639" y="3985260"/>
-            <a:ext cx="0" cy="556260"/>
-          </a:xfrm>
-          <a:prstGeom prst="line">
-            <a:avLst/>
-          </a:prstGeom>
-          <a:ln w="31750">
-            <a:solidFill>
-              <a:srgbClr val="619CFF"/>
-            </a:solidFill>
-            <a:headEnd type="triangle" w="lg" len="lg"/>
-            <a:tailEnd type="none" w="lg" len="lg"/>
-          </a:ln>
-        </p:spPr>
-        <p:style>
-          <a:lnRef idx="1">
-            <a:schemeClr val="accent1"/>
-          </a:lnRef>
-          <a:fillRef idx="0">
-            <a:schemeClr val="accent1"/>
-          </a:fillRef>
-          <a:effectRef idx="0">
-            <a:schemeClr val="accent1"/>
-          </a:effectRef>
-          <a:fontRef idx="minor">
-            <a:schemeClr val="tx1"/>
-          </a:fontRef>
-        </p:style>
-      </p:cxnSp>
-      <p:sp>
-        <p:nvSpPr>
-          <p:cNvPr id="13" name="TextBox 12">
-            <a:extLst>
-              <a:ext uri="{FF2B5EF4-FFF2-40B4-BE49-F238E27FC236}">
-                <a16:creationId xmlns:a16="http://schemas.microsoft.com/office/drawing/2014/main" id="{34D834ED-6F69-1057-FC56-6921D17A2022}"/>
-              </a:ext>
-            </a:extLst>
-          </p:cNvPr>
-          <p:cNvSpPr txBox="1"/>
-          <p:nvPr/>
-        </p:nvSpPr>
-        <p:spPr>
-          <a:xfrm>
-            <a:off x="2705100" y="3731344"/>
-            <a:ext cx="987678" cy="253916"/>
-          </a:xfrm>
-          <a:prstGeom prst="rect">
-            <a:avLst/>
-          </a:prstGeom>
-          <a:noFill/>
-        </p:spPr>
-        <p:txBody>
-          <a:bodyPr wrap="square">
-            <a:spAutoFit/>
-          </a:bodyPr>
-          <a:lstStyle/>
-          <a:p>
-            <a:pPr algn="ctr"/>
-            <a:r>
-              <a:rPr lang="en-US" altLang="ko-KR" sz="1050" dirty="0">
-                <a:ln w="3175">
-                  <a:solidFill>
-                    <a:schemeClr val="tx1">
-                      <a:lumMod val="75000"/>
-                      <a:lumOff val="25000"/>
-                      <a:alpha val="10000"/>
-                    </a:schemeClr>
-                  </a:solidFill>
-                </a:ln>
-                <a:solidFill>
-                  <a:schemeClr val="tx1">
-                    <a:lumMod val="75000"/>
-                    <a:lumOff val="25000"/>
-                  </a:schemeClr>
-                </a:solidFill>
-                <a:ea typeface="경기천년제목 Light" panose="02020403020101020101" pitchFamily="18" charset="-127"/>
-              </a:rPr>
-              <a:t>Slope : 0.545</a:t>
-            </a:r>
-            <a:endParaRPr lang="ko-KR" altLang="en-US" sz="1050" dirty="0"/>
-          </a:p>
-        </p:txBody>
-      </p:sp>
-      <p:cxnSp>
-        <p:nvCxnSpPr>
-          <p:cNvPr id="14" name="직선 연결선 13">
-            <a:extLst>
-              <a:ext uri="{FF2B5EF4-FFF2-40B4-BE49-F238E27FC236}">
-                <a16:creationId xmlns:a16="http://schemas.microsoft.com/office/drawing/2014/main" id="{03DEFADB-FF26-281E-B4BE-776687B5AD01}"/>
-              </a:ext>
-            </a:extLst>
-          </p:cNvPr>
-          <p:cNvCxnSpPr>
-            <a:cxnSpLocks/>
-          </p:cNvCxnSpPr>
-          <p:nvPr/>
-        </p:nvCxnSpPr>
-        <p:spPr>
-          <a:xfrm flipV="1">
-            <a:off x="5208778" y="4541520"/>
-            <a:ext cx="0" cy="556260"/>
-          </a:xfrm>
-          <a:prstGeom prst="line">
-            <a:avLst/>
-          </a:prstGeom>
-          <a:ln w="31750">
-            <a:solidFill>
-              <a:srgbClr val="F8766D"/>
-            </a:solidFill>
-            <a:headEnd type="triangle" w="lg" len="lg"/>
-            <a:tailEnd type="none" w="lg" len="lg"/>
-          </a:ln>
-        </p:spPr>
-        <p:style>
-          <a:lnRef idx="1">
-            <a:schemeClr val="accent1"/>
-          </a:lnRef>
-          <a:fillRef idx="0">
-            <a:schemeClr val="accent1"/>
-          </a:fillRef>
-          <a:effectRef idx="0">
-            <a:schemeClr val="accent1"/>
-          </a:effectRef>
-          <a:fontRef idx="minor">
-            <a:schemeClr val="tx1"/>
-          </a:fontRef>
-        </p:style>
-      </p:cxnSp>
-      <p:sp>
-        <p:nvSpPr>
-          <p:cNvPr id="15" name="TextBox 14">
-            <a:extLst>
-              <a:ext uri="{FF2B5EF4-FFF2-40B4-BE49-F238E27FC236}">
-                <a16:creationId xmlns:a16="http://schemas.microsoft.com/office/drawing/2014/main" id="{D4C9CB4A-BDB4-76A7-8F74-2549E8FB4DFD}"/>
-              </a:ext>
-            </a:extLst>
-          </p:cNvPr>
-          <p:cNvSpPr txBox="1"/>
-          <p:nvPr/>
-        </p:nvSpPr>
-        <p:spPr>
-          <a:xfrm>
-            <a:off x="4998339" y="5097780"/>
-            <a:ext cx="987678" cy="253916"/>
-          </a:xfrm>
-          <a:prstGeom prst="rect">
-            <a:avLst/>
-          </a:prstGeom>
-          <a:noFill/>
-        </p:spPr>
-        <p:txBody>
-          <a:bodyPr wrap="square">
-            <a:spAutoFit/>
-          </a:bodyPr>
-          <a:lstStyle/>
-          <a:p>
-            <a:pPr algn="ctr"/>
-            <a:r>
-              <a:rPr lang="en-US" altLang="ko-KR" sz="1050" dirty="0">
-                <a:ln w="3175">
-                  <a:solidFill>
-                    <a:schemeClr val="tx1">
-                      <a:lumMod val="75000"/>
-                      <a:lumOff val="25000"/>
-                      <a:alpha val="10000"/>
-                    </a:schemeClr>
-                  </a:solidFill>
-                </a:ln>
-                <a:solidFill>
-                  <a:schemeClr val="tx1">
-                    <a:lumMod val="75000"/>
-                    <a:lumOff val="25000"/>
-                  </a:schemeClr>
-                </a:solidFill>
-                <a:ea typeface="경기천년제목 Light" panose="02020403020101020101" pitchFamily="18" charset="-127"/>
-              </a:rPr>
-              <a:t>Slope : 0.189</a:t>
-            </a:r>
-            <a:endParaRPr lang="ko-KR" altLang="en-US" sz="1050" dirty="0"/>
-          </a:p>
-        </p:txBody>
-      </p:sp>
-      <p:cxnSp>
-        <p:nvCxnSpPr>
-          <p:cNvPr id="16" name="직선 연결선 15">
-            <a:extLst>
-              <a:ext uri="{FF2B5EF4-FFF2-40B4-BE49-F238E27FC236}">
-                <a16:creationId xmlns:a16="http://schemas.microsoft.com/office/drawing/2014/main" id="{E604F276-91FC-CE95-1815-B2B06FB73FFE}"/>
-              </a:ext>
-            </a:extLst>
-          </p:cNvPr>
-          <p:cNvCxnSpPr>
-            <a:cxnSpLocks/>
-          </p:cNvCxnSpPr>
-          <p:nvPr/>
-        </p:nvCxnSpPr>
-        <p:spPr>
-          <a:xfrm flipV="1">
-            <a:off x="4010661" y="4667250"/>
-            <a:ext cx="0" cy="792000"/>
-          </a:xfrm>
-          <a:prstGeom prst="line">
-            <a:avLst/>
-          </a:prstGeom>
-          <a:ln w="31750">
-            <a:solidFill>
-              <a:srgbClr val="00BA38"/>
-            </a:solidFill>
-            <a:headEnd type="triangle" w="lg" len="lg"/>
-            <a:tailEnd type="none" w="lg" len="lg"/>
-          </a:ln>
-        </p:spPr>
-        <p:style>
-          <a:lnRef idx="1">
-            <a:schemeClr val="accent1"/>
-          </a:lnRef>
-          <a:fillRef idx="0">
-            <a:schemeClr val="accent1"/>
-          </a:fillRef>
-          <a:effectRef idx="0">
-            <a:schemeClr val="accent1"/>
-          </a:effectRef>
-          <a:fontRef idx="minor">
-            <a:schemeClr val="tx1"/>
-          </a:fontRef>
-        </p:style>
-      </p:cxnSp>
-      <p:sp>
-        <p:nvSpPr>
-          <p:cNvPr id="17" name="TextBox 16">
-            <a:extLst>
-              <a:ext uri="{FF2B5EF4-FFF2-40B4-BE49-F238E27FC236}">
-                <a16:creationId xmlns:a16="http://schemas.microsoft.com/office/drawing/2014/main" id="{C76089F3-D3D8-98BD-3392-5F54277976E6}"/>
-              </a:ext>
-            </a:extLst>
-          </p:cNvPr>
-          <p:cNvSpPr txBox="1"/>
-          <p:nvPr/>
-        </p:nvSpPr>
-        <p:spPr>
-          <a:xfrm>
-            <a:off x="3812551" y="5449174"/>
-            <a:ext cx="987678" cy="253916"/>
-          </a:xfrm>
-          <a:prstGeom prst="rect">
-            <a:avLst/>
-          </a:prstGeom>
-          <a:noFill/>
-        </p:spPr>
-        <p:txBody>
-          <a:bodyPr wrap="square">
-            <a:spAutoFit/>
-          </a:bodyPr>
-          <a:lstStyle/>
-          <a:p>
-            <a:pPr algn="ctr"/>
-            <a:r>
-              <a:rPr lang="en-US" altLang="ko-KR" sz="1050" dirty="0">
-                <a:ln w="3175">
-                  <a:solidFill>
-                    <a:schemeClr val="tx1">
-                      <a:lumMod val="75000"/>
-                      <a:lumOff val="25000"/>
-                      <a:alpha val="10000"/>
-                    </a:schemeClr>
-                  </a:solidFill>
-                </a:ln>
-                <a:solidFill>
-                  <a:schemeClr val="tx1">
-                    <a:lumMod val="75000"/>
-                    <a:lumOff val="25000"/>
-                  </a:schemeClr>
-                </a:solidFill>
-                <a:ea typeface="경기천년제목 Light" panose="02020403020101020101" pitchFamily="18" charset="-127"/>
-              </a:rPr>
-              <a:t>Slope : 0.284</a:t>
-            </a:r>
-            <a:endParaRPr lang="ko-KR" altLang="en-US" sz="1050" dirty="0"/>
-          </a:p>
-        </p:txBody>
-      </p:sp>
-      <p:pic>
-        <p:nvPicPr>
-          <p:cNvPr id="19" name="그림 18">
-            <a:extLst>
-              <a:ext uri="{FF2B5EF4-FFF2-40B4-BE49-F238E27FC236}">
-                <a16:creationId xmlns:a16="http://schemas.microsoft.com/office/drawing/2014/main" id="{6394B9C0-D0D1-3A15-6B89-2AD946F89B1D}"/>
-              </a:ext>
-            </a:extLst>
-          </p:cNvPr>
-          <p:cNvPicPr>
-            <a:picLocks noChangeAspect="1"/>
-          </p:cNvPicPr>
-          <p:nvPr/>
-        </p:nvPicPr>
-        <p:blipFill rotWithShape="1">
-          <a:blip r:embed="rId3"/>
-          <a:srcRect t="2101"/>
-          <a:stretch/>
-        </p:blipFill>
-        <p:spPr>
-          <a:xfrm>
-            <a:off x="2294843" y="352349"/>
-            <a:ext cx="4226607" cy="802561"/>
-          </a:xfrm>
-          <a:prstGeom prst="rect">
-            <a:avLst/>
-          </a:prstGeom>
-        </p:spPr>
-      </p:pic>
-    </p:spTree>
-    <p:extLst>
-      <p:ext uri="{BB962C8B-B14F-4D97-AF65-F5344CB8AC3E}">
-        <p14:creationId xmlns:p14="http://schemas.microsoft.com/office/powerpoint/2010/main" val="3852742283"/>
       </p:ext>
     </p:extLst>
   </p:cSld>

--- a/ppt/Study Design.pptx
+++ b/ppt/Study Design.pptx
@@ -5,26 +5,27 @@
     <p:sldMasterId id="2147483648" r:id="rId1"/>
   </p:sldMasterIdLst>
   <p:notesMasterIdLst>
-    <p:notesMasterId r:id="rId19"/>
+    <p:notesMasterId r:id="rId20"/>
   </p:notesMasterIdLst>
   <p:sldIdLst>
     <p:sldId id="262" r:id="rId2"/>
-    <p:sldId id="272" r:id="rId3"/>
-    <p:sldId id="273" r:id="rId4"/>
-    <p:sldId id="270" r:id="rId5"/>
-    <p:sldId id="271" r:id="rId6"/>
-    <p:sldId id="260" r:id="rId7"/>
-    <p:sldId id="264" r:id="rId8"/>
-    <p:sldId id="268" r:id="rId9"/>
-    <p:sldId id="269" r:id="rId10"/>
-    <p:sldId id="266" r:id="rId11"/>
-    <p:sldId id="263" r:id="rId12"/>
-    <p:sldId id="265" r:id="rId13"/>
-    <p:sldId id="256" r:id="rId14"/>
-    <p:sldId id="257" r:id="rId15"/>
-    <p:sldId id="258" r:id="rId16"/>
-    <p:sldId id="259" r:id="rId17"/>
-    <p:sldId id="261" r:id="rId18"/>
+    <p:sldId id="270" r:id="rId3"/>
+    <p:sldId id="272" r:id="rId4"/>
+    <p:sldId id="273" r:id="rId5"/>
+    <p:sldId id="274" r:id="rId6"/>
+    <p:sldId id="268" r:id="rId7"/>
+    <p:sldId id="269" r:id="rId8"/>
+    <p:sldId id="266" r:id="rId9"/>
+    <p:sldId id="265" r:id="rId10"/>
+    <p:sldId id="264" r:id="rId11"/>
+    <p:sldId id="256" r:id="rId12"/>
+    <p:sldId id="257" r:id="rId13"/>
+    <p:sldId id="258" r:id="rId14"/>
+    <p:sldId id="259" r:id="rId15"/>
+    <p:sldId id="261" r:id="rId16"/>
+    <p:sldId id="271" r:id="rId17"/>
+    <p:sldId id="263" r:id="rId18"/>
+    <p:sldId id="260" r:id="rId19"/>
   </p:sldIdLst>
   <p:sldSz cx="12192000" cy="6858000"/>
   <p:notesSz cx="6858000" cy="9144000"/>
@@ -133,12 +134,10 @@
         </p14:section>
         <p14:section name="Fig" id="{848EB37F-F1EE-4AD9-8FF2-5243F8D4B475}">
           <p14:sldIdLst>
+            <p14:sldId id="270"/>
             <p14:sldId id="272"/>
             <p14:sldId id="273"/>
-            <p14:sldId id="270"/>
-            <p14:sldId id="271"/>
-            <p14:sldId id="260"/>
-            <p14:sldId id="264"/>
+            <p14:sldId id="274"/>
             <p14:sldId id="268"/>
             <p14:sldId id="269"/>
             <p14:sldId id="266"/>
@@ -146,8 +145,8 @@
         </p14:section>
         <p14:section name="SupplementaryData" id="{EA11FCF8-4481-4667-9AF4-E3435BD53BFA}">
           <p14:sldIdLst>
-            <p14:sldId id="263"/>
             <p14:sldId id="265"/>
+            <p14:sldId id="264"/>
           </p14:sldIdLst>
         </p14:section>
         <p14:section name="Others(JustInCase)" id="{2751B50D-4CB5-4E41-B99D-0A8196A1C3BF}">
@@ -157,6 +156,9 @@
             <p14:sldId id="258"/>
             <p14:sldId id="259"/>
             <p14:sldId id="261"/>
+            <p14:sldId id="271"/>
+            <p14:sldId id="263"/>
+            <p14:sldId id="260"/>
           </p14:sldIdLst>
         </p14:section>
       </p14:sectionLst>
@@ -250,7 +252,7 @@
           <a:p>
             <a:fld id="{EB97FE8D-238D-4EE6-80A4-85F1DD8976F8}" type="datetimeFigureOut">
               <a:rPr lang="ko-KR" altLang="en-US" smtClean="0"/>
-              <a:t>2024-10-15</a:t>
+              <a:t>2024-10-17</a:t>
             </a:fld>
             <a:endParaRPr lang="ko-KR" altLang="en-US"/>
           </a:p>
@@ -591,7 +593,7 @@
     </p:spTree>
     <p:extLst>
       <p:ext uri="{BB962C8B-B14F-4D97-AF65-F5344CB8AC3E}">
-        <p14:creationId xmlns:p14="http://schemas.microsoft.com/office/powerpoint/2010/main" val="1104436636"/>
+        <p14:creationId xmlns:p14="http://schemas.microsoft.com/office/powerpoint/2010/main" val="927210265"/>
       </p:ext>
     </p:extLst>
   </p:cSld>
@@ -666,7 +668,7 @@
           <a:p>
             <a:fld id="{A691DA44-60AB-41A9-A0E4-71F5E41717A3}" type="slidenum">
               <a:rPr lang="ko-KR" altLang="en-US" smtClean="0"/>
-              <a:t>7</a:t>
+              <a:t>10</a:t>
             </a:fld>
             <a:endParaRPr lang="ko-KR" altLang="en-US"/>
           </a:p>
@@ -750,7 +752,7 @@
           <a:p>
             <a:fld id="{A691DA44-60AB-41A9-A0E4-71F5E41717A3}" type="slidenum">
               <a:rPr lang="ko-KR" altLang="en-US" smtClean="0"/>
-              <a:t>8</a:t>
+              <a:t>18</a:t>
             </a:fld>
             <a:endParaRPr lang="ko-KR" altLang="en-US"/>
           </a:p>
@@ -759,7 +761,7 @@
     </p:spTree>
     <p:extLst>
       <p:ext uri="{BB962C8B-B14F-4D97-AF65-F5344CB8AC3E}">
-        <p14:creationId xmlns:p14="http://schemas.microsoft.com/office/powerpoint/2010/main" val="927210265"/>
+        <p14:creationId xmlns:p14="http://schemas.microsoft.com/office/powerpoint/2010/main" val="1104436636"/>
       </p:ext>
     </p:extLst>
   </p:cSld>
@@ -916,7 +918,7 @@
           <a:p>
             <a:fld id="{914E928F-484F-4321-94D7-7697F8901549}" type="datetimeFigureOut">
               <a:rPr lang="ko-KR" altLang="en-US" smtClean="0"/>
-              <a:t>2024-10-15</a:t>
+              <a:t>2024-10-17</a:t>
             </a:fld>
             <a:endParaRPr lang="ko-KR" altLang="en-US"/>
           </a:p>
@@ -1114,7 +1116,7 @@
           <a:p>
             <a:fld id="{914E928F-484F-4321-94D7-7697F8901549}" type="datetimeFigureOut">
               <a:rPr lang="ko-KR" altLang="en-US" smtClean="0"/>
-              <a:t>2024-10-15</a:t>
+              <a:t>2024-10-17</a:t>
             </a:fld>
             <a:endParaRPr lang="ko-KR" altLang="en-US"/>
           </a:p>
@@ -1322,7 +1324,7 @@
           <a:p>
             <a:fld id="{914E928F-484F-4321-94D7-7697F8901549}" type="datetimeFigureOut">
               <a:rPr lang="ko-KR" altLang="en-US" smtClean="0"/>
-              <a:t>2024-10-15</a:t>
+              <a:t>2024-10-17</a:t>
             </a:fld>
             <a:endParaRPr lang="ko-KR" altLang="en-US"/>
           </a:p>
@@ -1520,7 +1522,7 @@
           <a:p>
             <a:fld id="{914E928F-484F-4321-94D7-7697F8901549}" type="datetimeFigureOut">
               <a:rPr lang="ko-KR" altLang="en-US" smtClean="0"/>
-              <a:t>2024-10-15</a:t>
+              <a:t>2024-10-17</a:t>
             </a:fld>
             <a:endParaRPr lang="ko-KR" altLang="en-US"/>
           </a:p>
@@ -1795,7 +1797,7 @@
           <a:p>
             <a:fld id="{914E928F-484F-4321-94D7-7697F8901549}" type="datetimeFigureOut">
               <a:rPr lang="ko-KR" altLang="en-US" smtClean="0"/>
-              <a:t>2024-10-15</a:t>
+              <a:t>2024-10-17</a:t>
             </a:fld>
             <a:endParaRPr lang="ko-KR" altLang="en-US"/>
           </a:p>
@@ -2060,7 +2062,7 @@
           <a:p>
             <a:fld id="{914E928F-484F-4321-94D7-7697F8901549}" type="datetimeFigureOut">
               <a:rPr lang="ko-KR" altLang="en-US" smtClean="0"/>
-              <a:t>2024-10-15</a:t>
+              <a:t>2024-10-17</a:t>
             </a:fld>
             <a:endParaRPr lang="ko-KR" altLang="en-US"/>
           </a:p>
@@ -2472,7 +2474,7 @@
           <a:p>
             <a:fld id="{914E928F-484F-4321-94D7-7697F8901549}" type="datetimeFigureOut">
               <a:rPr lang="ko-KR" altLang="en-US" smtClean="0"/>
-              <a:t>2024-10-15</a:t>
+              <a:t>2024-10-17</a:t>
             </a:fld>
             <a:endParaRPr lang="ko-KR" altLang="en-US"/>
           </a:p>
@@ -2613,7 +2615,7 @@
           <a:p>
             <a:fld id="{914E928F-484F-4321-94D7-7697F8901549}" type="datetimeFigureOut">
               <a:rPr lang="ko-KR" altLang="en-US" smtClean="0"/>
-              <a:t>2024-10-15</a:t>
+              <a:t>2024-10-17</a:t>
             </a:fld>
             <a:endParaRPr lang="ko-KR" altLang="en-US"/>
           </a:p>
@@ -2726,7 +2728,7 @@
           <a:p>
             <a:fld id="{914E928F-484F-4321-94D7-7697F8901549}" type="datetimeFigureOut">
               <a:rPr lang="ko-KR" altLang="en-US" smtClean="0"/>
-              <a:t>2024-10-15</a:t>
+              <a:t>2024-10-17</a:t>
             </a:fld>
             <a:endParaRPr lang="ko-KR" altLang="en-US"/>
           </a:p>
@@ -3037,7 +3039,7 @@
           <a:p>
             <a:fld id="{914E928F-484F-4321-94D7-7697F8901549}" type="datetimeFigureOut">
               <a:rPr lang="ko-KR" altLang="en-US" smtClean="0"/>
-              <a:t>2024-10-15</a:t>
+              <a:t>2024-10-17</a:t>
             </a:fld>
             <a:endParaRPr lang="ko-KR" altLang="en-US"/>
           </a:p>
@@ -3325,7 +3327,7 @@
           <a:p>
             <a:fld id="{914E928F-484F-4321-94D7-7697F8901549}" type="datetimeFigureOut">
               <a:rPr lang="ko-KR" altLang="en-US" smtClean="0"/>
-              <a:t>2024-10-15</a:t>
+              <a:t>2024-10-17</a:t>
             </a:fld>
             <a:endParaRPr lang="ko-KR" altLang="en-US"/>
           </a:p>
@@ -3566,7 +3568,7 @@
           <a:p>
             <a:fld id="{914E928F-484F-4321-94D7-7697F8901549}" type="datetimeFigureOut">
               <a:rPr lang="ko-KR" altLang="en-US" smtClean="0"/>
-              <a:t>2024-10-15</a:t>
+              <a:t>2024-10-17</a:t>
             </a:fld>
             <a:endParaRPr lang="ko-KR" altLang="en-US"/>
           </a:p>
@@ -7830,10 +7832,10 @@
       </p:grpSpPr>
       <p:sp>
         <p:nvSpPr>
-          <p:cNvPr id="29" name="직사각형 28">
-            <a:extLst>
-              <a:ext uri="{FF2B5EF4-FFF2-40B4-BE49-F238E27FC236}">
-                <a16:creationId xmlns:a16="http://schemas.microsoft.com/office/drawing/2014/main" id="{7D5C7917-964F-EBEC-8A6F-BAF95B4D2F4A}"/>
+          <p:cNvPr id="13" name="직사각형 12">
+            <a:extLst>
+              <a:ext uri="{FF2B5EF4-FFF2-40B4-BE49-F238E27FC236}">
+                <a16:creationId xmlns:a16="http://schemas.microsoft.com/office/drawing/2014/main" id="{EA05F71D-33F2-0CBA-1B35-CBF63D9C0266}"/>
               </a:ext>
             </a:extLst>
           </p:cNvPr>
@@ -7842,8 +7844,8 @@
         </p:nvSpPr>
         <p:spPr>
           <a:xfrm>
-            <a:off x="-49709" y="-415270"/>
-            <a:ext cx="3897809" cy="7533640"/>
+            <a:off x="340816" y="-203200"/>
+            <a:ext cx="11556543" cy="7533640"/>
           </a:xfrm>
           <a:prstGeom prst="rect">
             <a:avLst/>
@@ -7884,10 +7886,10 @@
       </p:sp>
       <p:pic>
         <p:nvPicPr>
-          <p:cNvPr id="11" name="그림 10">
-            <a:extLst>
-              <a:ext uri="{FF2B5EF4-FFF2-40B4-BE49-F238E27FC236}">
-                <a16:creationId xmlns:a16="http://schemas.microsoft.com/office/drawing/2014/main" id="{4FF1F429-EB7D-9590-A692-95D4ABD15930}"/>
+          <p:cNvPr id="10" name="그림 9">
+            <a:extLst>
+              <a:ext uri="{FF2B5EF4-FFF2-40B4-BE49-F238E27FC236}">
+                <a16:creationId xmlns:a16="http://schemas.microsoft.com/office/drawing/2014/main" id="{1955B8DA-1C38-7F25-424D-7C44C758E810}"/>
               </a:ext>
             </a:extLst>
           </p:cNvPr>
@@ -7897,15 +7899,15 @@
           <p:nvPr/>
         </p:nvPicPr>
         <p:blipFill>
-          <a:blip r:embed="rId2"/>
+          <a:blip r:embed="rId3"/>
           <a:stretch>
             <a:fillRect/>
           </a:stretch>
         </p:blipFill>
         <p:spPr>
           <a:xfrm>
-            <a:off x="203200" y="88900"/>
-            <a:ext cx="2513440" cy="6858000"/>
+            <a:off x="775895" y="0"/>
+            <a:ext cx="10640209" cy="6858000"/>
           </a:xfrm>
           <a:prstGeom prst="rect">
             <a:avLst/>
@@ -7914,10 +7916,10 @@
       </p:pic>
       <p:sp>
         <p:nvSpPr>
-          <p:cNvPr id="13" name="TextBox 12">
-            <a:extLst>
-              <a:ext uri="{FF2B5EF4-FFF2-40B4-BE49-F238E27FC236}">
-                <a16:creationId xmlns:a16="http://schemas.microsoft.com/office/drawing/2014/main" id="{A0C04691-EC6D-2B87-4199-7DC485AA0B6B}"/>
+          <p:cNvPr id="7" name="TextBox 6">
+            <a:extLst>
+              <a:ext uri="{FF2B5EF4-FFF2-40B4-BE49-F238E27FC236}">
+                <a16:creationId xmlns:a16="http://schemas.microsoft.com/office/drawing/2014/main" id="{D028093B-FECC-DA82-AB86-960DDCFFFC4B}"/>
               </a:ext>
             </a:extLst>
           </p:cNvPr>
@@ -7926,8 +7928,8 @@
         </p:nvSpPr>
         <p:spPr>
           <a:xfrm>
-            <a:off x="203200" y="-1255931"/>
-            <a:ext cx="7404100" cy="369332"/>
+            <a:off x="4719320" y="6840974"/>
+            <a:ext cx="3098800" cy="369332"/>
           </a:xfrm>
           <a:prstGeom prst="rect">
             <a:avLst/>
@@ -7940,187 +7942,27 @@
           </a:bodyPr>
           <a:lstStyle/>
           <a:p>
-            <a:r>
-              <a:rPr lang="ko-KR" altLang="en-US" b="0" i="0" dirty="0">
+            <a:pPr algn="ctr"/>
+            <a:r>
+              <a:rPr lang="en-US" altLang="ko-KR" spc="-60" dirty="0">
+                <a:ln w="3175">
+                  <a:solidFill>
+                    <a:schemeClr val="tx1">
+                      <a:lumMod val="75000"/>
+                      <a:lumOff val="25000"/>
+                      <a:alpha val="10000"/>
+                    </a:schemeClr>
+                  </a:solidFill>
+                </a:ln>
                 <a:solidFill>
-                  <a:srgbClr val="000000"/>
+                  <a:schemeClr val="tx1">
+                    <a:lumMod val="75000"/>
+                    <a:lumOff val="25000"/>
+                  </a:schemeClr>
                 </a:solidFill>
-                <a:effectLst/>
-                <a:highlight>
-                  <a:srgbClr val="F0F0F3"/>
-                </a:highlight>
-                <a:latin typeface="-apple-system"/>
+                <a:ea typeface="경기천년제목 Light" panose="02020403020101020101" pitchFamily="18" charset="-127"/>
               </a:rPr>
-              <a:t>경기 시흥시 </a:t>
-            </a:r>
-            <a:r>
-              <a:rPr lang="ko-KR" altLang="en-US" b="0" i="0" dirty="0" err="1">
-                <a:solidFill>
-                  <a:srgbClr val="000000"/>
-                </a:solidFill>
-                <a:effectLst/>
-                <a:highlight>
-                  <a:srgbClr val="F0F0F3"/>
-                </a:highlight>
-                <a:latin typeface="-apple-system"/>
-              </a:rPr>
-              <a:t>옥구천서로</a:t>
-            </a:r>
-            <a:r>
-              <a:rPr lang="en-US" altLang="ko-KR" b="0" i="0" dirty="0">
-                <a:solidFill>
-                  <a:srgbClr val="000000"/>
-                </a:solidFill>
-                <a:effectLst/>
-                <a:highlight>
-                  <a:srgbClr val="F0F0F3"/>
-                </a:highlight>
-                <a:latin typeface="-apple-system"/>
-              </a:rPr>
-              <a:t>131</a:t>
-            </a:r>
-            <a:r>
-              <a:rPr lang="ko-KR" altLang="en-US" b="0" i="0" dirty="0" err="1">
-                <a:solidFill>
-                  <a:srgbClr val="000000"/>
-                </a:solidFill>
-                <a:effectLst/>
-                <a:highlight>
-                  <a:srgbClr val="F0F0F3"/>
-                </a:highlight>
-                <a:latin typeface="-apple-system"/>
-              </a:rPr>
-              <a:t>번길</a:t>
-            </a:r>
-            <a:r>
-              <a:rPr lang="ko-KR" altLang="en-US" b="0" i="0" dirty="0">
-                <a:solidFill>
-                  <a:srgbClr val="000000"/>
-                </a:solidFill>
-                <a:effectLst/>
-                <a:highlight>
-                  <a:srgbClr val="F0F0F3"/>
-                </a:highlight>
-                <a:latin typeface="-apple-system"/>
-              </a:rPr>
-              <a:t> </a:t>
-            </a:r>
-            <a:r>
-              <a:rPr lang="en-US" altLang="ko-KR" b="0" i="0" dirty="0">
-                <a:solidFill>
-                  <a:srgbClr val="000000"/>
-                </a:solidFill>
-                <a:effectLst/>
-                <a:highlight>
-                  <a:srgbClr val="F0F0F3"/>
-                </a:highlight>
-                <a:latin typeface="-apple-system"/>
-              </a:rPr>
-              <a:t>15 </a:t>
-            </a:r>
-            <a:r>
-              <a:rPr lang="ko-KR" altLang="en-US" b="0" i="0" dirty="0">
-                <a:solidFill>
-                  <a:srgbClr val="000000"/>
-                </a:solidFill>
-                <a:effectLst/>
-                <a:highlight>
-                  <a:srgbClr val="F0F0F3"/>
-                </a:highlight>
-                <a:latin typeface="-apple-system"/>
-              </a:rPr>
-              <a:t>시화단지 </a:t>
-            </a:r>
-            <a:r>
-              <a:rPr lang="en-US" altLang="ko-KR" b="0" i="0" dirty="0">
-                <a:solidFill>
-                  <a:srgbClr val="000000"/>
-                </a:solidFill>
-                <a:effectLst/>
-                <a:highlight>
-                  <a:srgbClr val="F0F0F3"/>
-                </a:highlight>
-                <a:latin typeface="-apple-system"/>
-              </a:rPr>
-              <a:t>1</a:t>
-            </a:r>
-            <a:r>
-              <a:rPr lang="ko-KR" altLang="en-US" b="0" i="0" dirty="0">
-                <a:solidFill>
-                  <a:srgbClr val="000000"/>
-                </a:solidFill>
-                <a:effectLst/>
-                <a:highlight>
-                  <a:srgbClr val="F0F0F3"/>
-                </a:highlight>
-                <a:latin typeface="-apple-system"/>
-              </a:rPr>
-              <a:t>라 </a:t>
-            </a:r>
-            <a:r>
-              <a:rPr lang="en-US" altLang="ko-KR" b="0" i="0" dirty="0">
-                <a:solidFill>
-                  <a:srgbClr val="000000"/>
-                </a:solidFill>
-                <a:effectLst/>
-                <a:highlight>
-                  <a:srgbClr val="F0F0F3"/>
-                </a:highlight>
-                <a:latin typeface="-apple-system"/>
-              </a:rPr>
-              <a:t>503</a:t>
-            </a:r>
-            <a:r>
-              <a:rPr lang="ko-KR" altLang="en-US" b="0" i="0" dirty="0">
-                <a:solidFill>
-                  <a:srgbClr val="000000"/>
-                </a:solidFill>
-                <a:effectLst/>
-                <a:highlight>
-                  <a:srgbClr val="F0F0F3"/>
-                </a:highlight>
-                <a:latin typeface="-apple-system"/>
-              </a:rPr>
-              <a:t>호</a:t>
-            </a:r>
-            <a:r>
-              <a:rPr lang="en-US" altLang="ko-KR" b="0" i="0" dirty="0">
-                <a:solidFill>
-                  <a:srgbClr val="000000"/>
-                </a:solidFill>
-                <a:effectLst/>
-                <a:highlight>
-                  <a:srgbClr val="F0F0F3"/>
-                </a:highlight>
-                <a:latin typeface="-apple-system"/>
-              </a:rPr>
-              <a:t>(</a:t>
-            </a:r>
-            <a:r>
-              <a:rPr lang="ko-KR" altLang="en-US" b="0" i="0" dirty="0" err="1">
-                <a:solidFill>
-                  <a:srgbClr val="000000"/>
-                </a:solidFill>
-                <a:effectLst/>
-                <a:highlight>
-                  <a:srgbClr val="F0F0F3"/>
-                </a:highlight>
-                <a:latin typeface="-apple-system"/>
-              </a:rPr>
-              <a:t>정왕동</a:t>
-            </a:r>
-            <a:r>
-              <a:rPr lang="en-US" altLang="ko-KR" b="0" i="0" dirty="0">
-                <a:solidFill>
-                  <a:srgbClr val="000000"/>
-                </a:solidFill>
-                <a:effectLst/>
-                <a:highlight>
-                  <a:srgbClr val="F0F0F3"/>
-                </a:highlight>
-                <a:latin typeface="-apple-system"/>
-              </a:rPr>
-              <a:t>)</a:t>
+              <a:t>Installed capacity of PV (kW)</a:t>
             </a:r>
             <a:endParaRPr lang="ko-KR" altLang="en-US" dirty="0"/>
           </a:p>
@@ -8128,62 +7970,10 @@
       </p:sp>
       <p:sp>
         <p:nvSpPr>
-          <p:cNvPr id="14" name="직사각형 13">
-            <a:extLst>
-              <a:ext uri="{FF2B5EF4-FFF2-40B4-BE49-F238E27FC236}">
-                <a16:creationId xmlns:a16="http://schemas.microsoft.com/office/drawing/2014/main" id="{C3424074-0E90-DC8E-3F48-D412FAF9991E}"/>
-              </a:ext>
-            </a:extLst>
-          </p:cNvPr>
-          <p:cNvSpPr/>
-          <p:nvPr/>
-        </p:nvSpPr>
-        <p:spPr>
-          <a:xfrm>
-            <a:off x="419100" y="342900"/>
-            <a:ext cx="2032000" cy="6426200"/>
-          </a:xfrm>
-          <a:prstGeom prst="rect">
-            <a:avLst/>
-          </a:prstGeom>
-          <a:noFill/>
-          <a:ln w="66675">
-            <a:solidFill>
-              <a:srgbClr val="FF0000"/>
-            </a:solidFill>
-          </a:ln>
-        </p:spPr>
-        <p:style>
-          <a:lnRef idx="2">
-            <a:schemeClr val="accent1">
-              <a:shade val="15000"/>
-            </a:schemeClr>
-          </a:lnRef>
-          <a:fillRef idx="1">
-            <a:schemeClr val="accent1"/>
-          </a:fillRef>
-          <a:effectRef idx="0">
-            <a:schemeClr val="accent1"/>
-          </a:effectRef>
-          <a:fontRef idx="minor">
-            <a:schemeClr val="lt1"/>
-          </a:fontRef>
-        </p:style>
-        <p:txBody>
-          <a:bodyPr rtlCol="0" anchor="ctr"/>
-          <a:lstStyle/>
-          <a:p>
-            <a:pPr algn="ctr"/>
-            <a:endParaRPr lang="ko-KR" altLang="en-US"/>
-          </a:p>
-        </p:txBody>
-      </p:sp>
-      <p:sp>
-        <p:nvSpPr>
-          <p:cNvPr id="16" name="TextBox 15">
-            <a:extLst>
-              <a:ext uri="{FF2B5EF4-FFF2-40B4-BE49-F238E27FC236}">
-                <a16:creationId xmlns:a16="http://schemas.microsoft.com/office/drawing/2014/main" id="{C1C8FFD9-DD66-8C4A-F660-582B17AC7627}"/>
+          <p:cNvPr id="8" name="TextBox 7">
+            <a:extLst>
+              <a:ext uri="{FF2B5EF4-FFF2-40B4-BE49-F238E27FC236}">
+                <a16:creationId xmlns:a16="http://schemas.microsoft.com/office/drawing/2014/main" id="{A62B0139-A100-3A95-A8B9-5C6B10084AB9}"/>
               </a:ext>
             </a:extLst>
           </p:cNvPr>
@@ -8191,356 +7981,8 @@
           <p:nvPr/>
         </p:nvSpPr>
         <p:spPr>
-          <a:xfrm>
-            <a:off x="2094340" y="-444258"/>
-            <a:ext cx="622300" cy="523220"/>
-          </a:xfrm>
-          <a:prstGeom prst="rect">
-            <a:avLst/>
-          </a:prstGeom>
-          <a:solidFill>
-            <a:schemeClr val="bg1"/>
-          </a:solidFill>
-        </p:spPr>
-        <p:txBody>
-          <a:bodyPr wrap="square">
-            <a:spAutoFit/>
-          </a:bodyPr>
-          <a:lstStyle/>
-          <a:p>
-            <a:r>
-              <a:rPr lang="en-US" altLang="ko-KR" sz="2800" b="1" dirty="0">
-                <a:solidFill>
-                  <a:srgbClr val="FF0000"/>
-                </a:solidFill>
-              </a:rPr>
-              <a:t>(a)</a:t>
-            </a:r>
-            <a:endParaRPr lang="ko-KR" altLang="en-US" sz="2800" b="1" dirty="0">
-              <a:solidFill>
-                <a:srgbClr val="FF0000"/>
-              </a:solidFill>
-            </a:endParaRPr>
-          </a:p>
-        </p:txBody>
-      </p:sp>
-      <p:sp>
-        <p:nvSpPr>
-          <p:cNvPr id="18" name="직사각형 17">
-            <a:extLst>
-              <a:ext uri="{FF2B5EF4-FFF2-40B4-BE49-F238E27FC236}">
-                <a16:creationId xmlns:a16="http://schemas.microsoft.com/office/drawing/2014/main" id="{BE62DB93-6022-8C4E-6F7B-FC2A76F1F39E}"/>
-              </a:ext>
-            </a:extLst>
-          </p:cNvPr>
-          <p:cNvSpPr/>
-          <p:nvPr/>
-        </p:nvSpPr>
-        <p:spPr>
-          <a:xfrm>
-            <a:off x="465137" y="409575"/>
-            <a:ext cx="1939926" cy="3438525"/>
-          </a:xfrm>
-          <a:prstGeom prst="rect">
-            <a:avLst/>
-          </a:prstGeom>
-          <a:noFill/>
-          <a:ln w="66675">
-            <a:solidFill>
-              <a:schemeClr val="tx1"/>
-            </a:solidFill>
-          </a:ln>
-        </p:spPr>
-        <p:style>
-          <a:lnRef idx="2">
-            <a:schemeClr val="accent1">
-              <a:shade val="15000"/>
-            </a:schemeClr>
-          </a:lnRef>
-          <a:fillRef idx="1">
-            <a:schemeClr val="accent1"/>
-          </a:fillRef>
-          <a:effectRef idx="0">
-            <a:schemeClr val="accent1"/>
-          </a:effectRef>
-          <a:fontRef idx="minor">
-            <a:schemeClr val="lt1"/>
-          </a:fontRef>
-        </p:style>
-        <p:txBody>
-          <a:bodyPr rtlCol="0" anchor="ctr"/>
-          <a:lstStyle/>
-          <a:p>
-            <a:pPr algn="ctr"/>
-            <a:endParaRPr lang="ko-KR" altLang="en-US"/>
-          </a:p>
-        </p:txBody>
-      </p:sp>
-      <p:cxnSp>
-        <p:nvCxnSpPr>
-          <p:cNvPr id="20" name="연결선: 꺾임 19">
-            <a:extLst>
-              <a:ext uri="{FF2B5EF4-FFF2-40B4-BE49-F238E27FC236}">
-                <a16:creationId xmlns:a16="http://schemas.microsoft.com/office/drawing/2014/main" id="{36D1418A-667C-0052-DC76-878B8551B4E0}"/>
-              </a:ext>
-            </a:extLst>
-          </p:cNvPr>
-          <p:cNvCxnSpPr>
-            <a:cxnSpLocks/>
-            <a:stCxn id="14" idx="0"/>
-            <a:endCxn id="16" idx="1"/>
-          </p:cNvCxnSpPr>
-          <p:nvPr/>
-        </p:nvCxnSpPr>
-        <p:spPr>
-          <a:xfrm rot="5400000" flipH="1" flipV="1">
-            <a:off x="1501946" y="-249494"/>
-            <a:ext cx="525548" cy="659240"/>
-          </a:xfrm>
-          <a:prstGeom prst="bentConnector2">
-            <a:avLst/>
-          </a:prstGeom>
-          <a:ln w="66675">
-            <a:solidFill>
-              <a:srgbClr val="FF0000"/>
-            </a:solidFill>
-            <a:tailEnd type="triangle"/>
-          </a:ln>
-        </p:spPr>
-        <p:style>
-          <a:lnRef idx="2">
-            <a:schemeClr val="accent1"/>
-          </a:lnRef>
-          <a:fillRef idx="0">
-            <a:schemeClr val="accent1"/>
-          </a:fillRef>
-          <a:effectRef idx="1">
-            <a:schemeClr val="accent1"/>
-          </a:effectRef>
-          <a:fontRef idx="minor">
-            <a:schemeClr val="tx1"/>
-          </a:fontRef>
-        </p:style>
-      </p:cxnSp>
-      <p:cxnSp>
-        <p:nvCxnSpPr>
-          <p:cNvPr id="23" name="연결선: 꺾임 22">
-            <a:extLst>
-              <a:ext uri="{FF2B5EF4-FFF2-40B4-BE49-F238E27FC236}">
-                <a16:creationId xmlns:a16="http://schemas.microsoft.com/office/drawing/2014/main" id="{13C2B4FF-53D3-3D9E-12D4-10E3BA34FC04}"/>
-              </a:ext>
-            </a:extLst>
-          </p:cNvPr>
-          <p:cNvCxnSpPr>
-            <a:cxnSpLocks/>
-            <a:stCxn id="18" idx="2"/>
-            <a:endCxn id="26" idx="1"/>
-          </p:cNvCxnSpPr>
-          <p:nvPr/>
-        </p:nvCxnSpPr>
-        <p:spPr>
-          <a:xfrm rot="5400000" flipH="1" flipV="1">
-            <a:off x="1944869" y="2841780"/>
-            <a:ext cx="496550" cy="1516089"/>
-          </a:xfrm>
-          <a:prstGeom prst="bentConnector4">
-            <a:avLst>
-              <a:gd name="adj1" fmla="val -46038"/>
-              <a:gd name="adj2" fmla="val 76460"/>
-            </a:avLst>
-          </a:prstGeom>
-          <a:ln w="66675">
-            <a:solidFill>
-              <a:schemeClr val="tx1"/>
-            </a:solidFill>
-            <a:tailEnd type="triangle"/>
-          </a:ln>
-        </p:spPr>
-        <p:style>
-          <a:lnRef idx="2">
-            <a:schemeClr val="accent1"/>
-          </a:lnRef>
-          <a:fillRef idx="0">
-            <a:schemeClr val="accent1"/>
-          </a:fillRef>
-          <a:effectRef idx="1">
-            <a:schemeClr val="accent1"/>
-          </a:effectRef>
-          <a:fontRef idx="minor">
-            <a:schemeClr val="tx1"/>
-          </a:fontRef>
-        </p:style>
-      </p:cxnSp>
-      <p:sp>
-        <p:nvSpPr>
-          <p:cNvPr id="26" name="TextBox 25">
-            <a:extLst>
-              <a:ext uri="{FF2B5EF4-FFF2-40B4-BE49-F238E27FC236}">
-                <a16:creationId xmlns:a16="http://schemas.microsoft.com/office/drawing/2014/main" id="{860E48AC-A900-E9FA-7CF3-2F4AB998D237}"/>
-              </a:ext>
-            </a:extLst>
-          </p:cNvPr>
-          <p:cNvSpPr txBox="1"/>
-          <p:nvPr/>
-        </p:nvSpPr>
-        <p:spPr>
-          <a:xfrm>
-            <a:off x="2951189" y="3089940"/>
-            <a:ext cx="622300" cy="523220"/>
-          </a:xfrm>
-          <a:prstGeom prst="rect">
-            <a:avLst/>
-          </a:prstGeom>
-          <a:solidFill>
-            <a:schemeClr val="bg1"/>
-          </a:solidFill>
-          <a:ln>
-            <a:noFill/>
-          </a:ln>
-        </p:spPr>
-        <p:txBody>
-          <a:bodyPr wrap="square">
-            <a:spAutoFit/>
-          </a:bodyPr>
-          <a:lstStyle/>
-          <a:p>
-            <a:r>
-              <a:rPr lang="en-US" altLang="ko-KR" sz="2800" b="1" dirty="0"/>
-              <a:t>(b)</a:t>
-            </a:r>
-            <a:endParaRPr lang="ko-KR" altLang="en-US" sz="2800" b="1" dirty="0"/>
-          </a:p>
-        </p:txBody>
-      </p:sp>
-    </p:spTree>
-    <p:extLst>
-      <p:ext uri="{BB962C8B-B14F-4D97-AF65-F5344CB8AC3E}">
-        <p14:creationId xmlns:p14="http://schemas.microsoft.com/office/powerpoint/2010/main" val="2613354958"/>
-      </p:ext>
-    </p:extLst>
-  </p:cSld>
-  <p:clrMapOvr>
-    <a:masterClrMapping/>
-  </p:clrMapOvr>
-</p:sld>
-</file>
-
-<file path=ppt/slides/slide11.xml><?xml version="1.0" encoding="utf-8"?>
-<p:sld xmlns:a="http://schemas.openxmlformats.org/drawingml/2006/main" xmlns:r="http://schemas.openxmlformats.org/officeDocument/2006/relationships" xmlns:p="http://schemas.openxmlformats.org/presentationml/2006/main">
-  <p:cSld>
-    <p:spTree>
-      <p:nvGrpSpPr>
-        <p:cNvPr id="1" name=""/>
-        <p:cNvGrpSpPr/>
-        <p:nvPr/>
-      </p:nvGrpSpPr>
-      <p:grpSpPr>
-        <a:xfrm>
-          <a:off x="0" y="0"/>
-          <a:ext cx="0" cy="0"/>
-          <a:chOff x="0" y="0"/>
-          <a:chExt cx="0" cy="0"/>
-        </a:xfrm>
-      </p:grpSpPr>
-      <p:sp>
-        <p:nvSpPr>
-          <p:cNvPr id="10" name="직사각형 9">
-            <a:extLst>
-              <a:ext uri="{FF2B5EF4-FFF2-40B4-BE49-F238E27FC236}">
-                <a16:creationId xmlns:a16="http://schemas.microsoft.com/office/drawing/2014/main" id="{81D67261-C1D5-77F9-19FC-CCD455B29649}"/>
-              </a:ext>
-            </a:extLst>
-          </p:cNvPr>
-          <p:cNvSpPr/>
-          <p:nvPr/>
-        </p:nvSpPr>
-        <p:spPr>
-          <a:xfrm>
-            <a:off x="493216" y="-187960"/>
-            <a:ext cx="11556543" cy="7533640"/>
-          </a:xfrm>
-          <a:prstGeom prst="rect">
-            <a:avLst/>
-          </a:prstGeom>
-          <a:solidFill>
-            <a:schemeClr val="bg1"/>
-          </a:solidFill>
-          <a:ln>
-            <a:solidFill>
-              <a:schemeClr val="tx1"/>
-            </a:solidFill>
-          </a:ln>
-        </p:spPr>
-        <p:style>
-          <a:lnRef idx="2">
-            <a:schemeClr val="accent1">
-              <a:shade val="15000"/>
-            </a:schemeClr>
-          </a:lnRef>
-          <a:fillRef idx="1">
-            <a:schemeClr val="accent1"/>
-          </a:fillRef>
-          <a:effectRef idx="0">
-            <a:schemeClr val="accent1"/>
-          </a:effectRef>
-          <a:fontRef idx="minor">
-            <a:schemeClr val="lt1"/>
-          </a:fontRef>
-        </p:style>
-        <p:txBody>
-          <a:bodyPr rtlCol="0" anchor="ctr"/>
-          <a:lstStyle/>
-          <a:p>
-            <a:pPr algn="ctr"/>
-            <a:endParaRPr lang="ko-KR" altLang="en-US"/>
-          </a:p>
-        </p:txBody>
-      </p:sp>
-      <p:pic>
-        <p:nvPicPr>
-          <p:cNvPr id="5" name="그림 4">
-            <a:extLst>
-              <a:ext uri="{FF2B5EF4-FFF2-40B4-BE49-F238E27FC236}">
-                <a16:creationId xmlns:a16="http://schemas.microsoft.com/office/drawing/2014/main" id="{17677500-5F6D-7E3C-8F21-79634D23DD37}"/>
-              </a:ext>
-            </a:extLst>
-          </p:cNvPr>
-          <p:cNvPicPr>
-            <a:picLocks noChangeAspect="1"/>
-          </p:cNvPicPr>
-          <p:nvPr/>
-        </p:nvPicPr>
-        <p:blipFill>
-          <a:blip r:embed="rId2"/>
-          <a:stretch>
-            <a:fillRect/>
-          </a:stretch>
-        </p:blipFill>
-        <p:spPr>
-          <a:xfrm>
-            <a:off x="1390226" y="0"/>
-            <a:ext cx="9411547" cy="6858000"/>
-          </a:xfrm>
-          <a:prstGeom prst="rect">
-            <a:avLst/>
-          </a:prstGeom>
-        </p:spPr>
-      </p:pic>
-      <p:sp>
-        <p:nvSpPr>
-          <p:cNvPr id="8" name="TextBox 7">
-            <a:extLst>
-              <a:ext uri="{FF2B5EF4-FFF2-40B4-BE49-F238E27FC236}">
-                <a16:creationId xmlns:a16="http://schemas.microsoft.com/office/drawing/2014/main" id="{70791883-B36B-3255-4CFD-2A71C8F7D810}"/>
-              </a:ext>
-            </a:extLst>
-          </p:cNvPr>
-          <p:cNvSpPr txBox="1"/>
-          <p:nvPr/>
-        </p:nvSpPr>
-        <p:spPr>
           <a:xfrm rot="16200000">
-            <a:off x="-294640" y="2919214"/>
+            <a:off x="-858520" y="2888734"/>
             <a:ext cx="2875280" cy="369332"/>
           </a:xfrm>
           <a:prstGeom prst="rect">
@@ -8622,108 +8064,12 @@
           </a:p>
         </p:txBody>
       </p:sp>
-      <p:sp>
-        <p:nvSpPr>
-          <p:cNvPr id="9" name="TextBox 8">
-            <a:extLst>
-              <a:ext uri="{FF2B5EF4-FFF2-40B4-BE49-F238E27FC236}">
-                <a16:creationId xmlns:a16="http://schemas.microsoft.com/office/drawing/2014/main" id="{50D1CBE8-135C-E4AD-C6D1-1297C9D2282B}"/>
-              </a:ext>
-            </a:extLst>
-          </p:cNvPr>
-          <p:cNvSpPr txBox="1"/>
-          <p:nvPr/>
-        </p:nvSpPr>
-        <p:spPr>
-          <a:xfrm>
-            <a:off x="5435600" y="6872208"/>
-            <a:ext cx="1673860" cy="369332"/>
-          </a:xfrm>
-          <a:prstGeom prst="rect">
-            <a:avLst/>
-          </a:prstGeom>
-          <a:noFill/>
-        </p:spPr>
-        <p:txBody>
-          <a:bodyPr wrap="square">
-            <a:spAutoFit/>
-          </a:bodyPr>
-          <a:lstStyle/>
-          <a:p>
-            <a:pPr algn="ctr"/>
-            <a:r>
-              <a:rPr lang="en-US" altLang="ko-KR" spc="-60" dirty="0">
-                <a:ln w="3175">
-                  <a:solidFill>
-                    <a:schemeClr val="tx1">
-                      <a:lumMod val="75000"/>
-                      <a:lumOff val="25000"/>
-                      <a:alpha val="10000"/>
-                    </a:schemeClr>
-                  </a:solidFill>
-                </a:ln>
-                <a:solidFill>
-                  <a:schemeClr val="tx1">
-                    <a:lumMod val="75000"/>
-                    <a:lumOff val="25000"/>
-                  </a:schemeClr>
-                </a:solidFill>
-                <a:ea typeface="경기천년제목 Light" panose="02020403020101020101" pitchFamily="18" charset="-127"/>
-              </a:rPr>
-              <a:t>Total Area (m</a:t>
-            </a:r>
-            <a:r>
-              <a:rPr lang="en-US" altLang="ko-KR" spc="-60" baseline="30000" dirty="0">
-                <a:ln w="3175">
-                  <a:solidFill>
-                    <a:schemeClr val="tx1">
-                      <a:lumMod val="75000"/>
-                      <a:lumOff val="25000"/>
-                      <a:alpha val="10000"/>
-                    </a:schemeClr>
-                  </a:solidFill>
-                </a:ln>
-                <a:solidFill>
-                  <a:schemeClr val="tx1">
-                    <a:lumMod val="75000"/>
-                    <a:lumOff val="25000"/>
-                  </a:schemeClr>
-                </a:solidFill>
-                <a:ea typeface="경기천년제목 Light" panose="02020403020101020101" pitchFamily="18" charset="-127"/>
-              </a:rPr>
-              <a:t>2</a:t>
-            </a:r>
-            <a:r>
-              <a:rPr lang="en-US" altLang="ko-KR" spc="-60" dirty="0">
-                <a:ln w="3175">
-                  <a:solidFill>
-                    <a:schemeClr val="tx1">
-                      <a:lumMod val="75000"/>
-                      <a:lumOff val="25000"/>
-                      <a:alpha val="10000"/>
-                    </a:schemeClr>
-                  </a:solidFill>
-                </a:ln>
-                <a:solidFill>
-                  <a:schemeClr val="tx1">
-                    <a:lumMod val="75000"/>
-                    <a:lumOff val="25000"/>
-                  </a:schemeClr>
-                </a:solidFill>
-                <a:ea typeface="경기천년제목 Light" panose="02020403020101020101" pitchFamily="18" charset="-127"/>
-              </a:rPr>
-              <a:t>)</a:t>
-            </a:r>
-            <a:endParaRPr lang="ko-KR" altLang="en-US" dirty="0"/>
-          </a:p>
-        </p:txBody>
-      </p:sp>
       <p:cxnSp>
         <p:nvCxnSpPr>
-          <p:cNvPr id="11" name="직선 연결선 10">
-            <a:extLst>
-              <a:ext uri="{FF2B5EF4-FFF2-40B4-BE49-F238E27FC236}">
-                <a16:creationId xmlns:a16="http://schemas.microsoft.com/office/drawing/2014/main" id="{97EC718E-4115-DC25-E253-CCE5A5E6B122}"/>
+          <p:cNvPr id="4" name="직선 연결선 3">
+            <a:extLst>
+              <a:ext uri="{FF2B5EF4-FFF2-40B4-BE49-F238E27FC236}">
+                <a16:creationId xmlns:a16="http://schemas.microsoft.com/office/drawing/2014/main" id="{BCF5F8F0-9B2E-2F62-C116-3599823D3910}"/>
               </a:ext>
             </a:extLst>
           </p:cNvPr>
@@ -8733,8 +8079,8 @@
           <p:nvPr/>
         </p:nvCxnSpPr>
         <p:spPr>
-          <a:xfrm>
-            <a:off x="3334639" y="3985260"/>
+          <a:xfrm flipV="1">
+            <a:off x="10124834" y="3563620"/>
             <a:ext cx="0" cy="556260"/>
           </a:xfrm>
           <a:prstGeom prst="line">
@@ -8742,9 +8088,10 @@
           </a:prstGeom>
           <a:ln w="31750">
             <a:solidFill>
-              <a:srgbClr val="619CFF"/>
+              <a:srgbClr val="F8766D"/>
             </a:solidFill>
-            <a:headEnd type="triangle" w="lg" len="lg"/>
+            <a:prstDash val="sysDot"/>
+            <a:headEnd type="triangle" w="lg" len="med"/>
             <a:tailEnd type="none" w="lg" len="lg"/>
           </a:ln>
         </p:spPr>
@@ -8765,10 +8112,10 @@
       </p:cxnSp>
       <p:sp>
         <p:nvSpPr>
-          <p:cNvPr id="13" name="TextBox 12">
-            <a:extLst>
-              <a:ext uri="{FF2B5EF4-FFF2-40B4-BE49-F238E27FC236}">
-                <a16:creationId xmlns:a16="http://schemas.microsoft.com/office/drawing/2014/main" id="{34D834ED-6F69-1057-FC56-6921D17A2022}"/>
+          <p:cNvPr id="5" name="TextBox 4">
+            <a:extLst>
+              <a:ext uri="{FF2B5EF4-FFF2-40B4-BE49-F238E27FC236}">
+                <a16:creationId xmlns:a16="http://schemas.microsoft.com/office/drawing/2014/main" id="{8AC72AB2-0EA5-3654-75AB-D8B2338F0A35}"/>
               </a:ext>
             </a:extLst>
           </p:cNvPr>
@@ -8777,640 +8124,8 @@
         </p:nvSpPr>
         <p:spPr>
           <a:xfrm>
-            <a:off x="2705100" y="3731344"/>
-            <a:ext cx="987678" cy="253916"/>
-          </a:xfrm>
-          <a:prstGeom prst="rect">
-            <a:avLst/>
-          </a:prstGeom>
-          <a:noFill/>
-        </p:spPr>
-        <p:txBody>
-          <a:bodyPr wrap="square">
-            <a:spAutoFit/>
-          </a:bodyPr>
-          <a:lstStyle/>
-          <a:p>
-            <a:pPr algn="ctr"/>
-            <a:r>
-              <a:rPr lang="en-US" altLang="ko-KR" sz="1050" dirty="0">
-                <a:ln w="3175">
-                  <a:solidFill>
-                    <a:schemeClr val="tx1">
-                      <a:lumMod val="75000"/>
-                      <a:lumOff val="25000"/>
-                      <a:alpha val="10000"/>
-                    </a:schemeClr>
-                  </a:solidFill>
-                </a:ln>
-                <a:solidFill>
-                  <a:schemeClr val="tx1">
-                    <a:lumMod val="75000"/>
-                    <a:lumOff val="25000"/>
-                  </a:schemeClr>
-                </a:solidFill>
-                <a:ea typeface="경기천년제목 Light" panose="02020403020101020101" pitchFamily="18" charset="-127"/>
-              </a:rPr>
-              <a:t>Slope : 0.545</a:t>
-            </a:r>
-            <a:endParaRPr lang="ko-KR" altLang="en-US" sz="1050" dirty="0"/>
-          </a:p>
-        </p:txBody>
-      </p:sp>
-      <p:cxnSp>
-        <p:nvCxnSpPr>
-          <p:cNvPr id="14" name="직선 연결선 13">
-            <a:extLst>
-              <a:ext uri="{FF2B5EF4-FFF2-40B4-BE49-F238E27FC236}">
-                <a16:creationId xmlns:a16="http://schemas.microsoft.com/office/drawing/2014/main" id="{03DEFADB-FF26-281E-B4BE-776687B5AD01}"/>
-              </a:ext>
-            </a:extLst>
-          </p:cNvPr>
-          <p:cNvCxnSpPr>
-            <a:cxnSpLocks/>
-          </p:cNvCxnSpPr>
-          <p:nvPr/>
-        </p:nvCxnSpPr>
-        <p:spPr>
-          <a:xfrm flipV="1">
-            <a:off x="5208778" y="4541520"/>
-            <a:ext cx="0" cy="556260"/>
-          </a:xfrm>
-          <a:prstGeom prst="line">
-            <a:avLst/>
-          </a:prstGeom>
-          <a:ln w="31750">
-            <a:solidFill>
-              <a:srgbClr val="F8766D"/>
-            </a:solidFill>
-            <a:headEnd type="triangle" w="lg" len="lg"/>
-            <a:tailEnd type="none" w="lg" len="lg"/>
-          </a:ln>
-        </p:spPr>
-        <p:style>
-          <a:lnRef idx="1">
-            <a:schemeClr val="accent1"/>
-          </a:lnRef>
-          <a:fillRef idx="0">
-            <a:schemeClr val="accent1"/>
-          </a:fillRef>
-          <a:effectRef idx="0">
-            <a:schemeClr val="accent1"/>
-          </a:effectRef>
-          <a:fontRef idx="minor">
-            <a:schemeClr val="tx1"/>
-          </a:fontRef>
-        </p:style>
-      </p:cxnSp>
-      <p:sp>
-        <p:nvSpPr>
-          <p:cNvPr id="15" name="TextBox 14">
-            <a:extLst>
-              <a:ext uri="{FF2B5EF4-FFF2-40B4-BE49-F238E27FC236}">
-                <a16:creationId xmlns:a16="http://schemas.microsoft.com/office/drawing/2014/main" id="{D4C9CB4A-BDB4-76A7-8F74-2549E8FB4DFD}"/>
-              </a:ext>
-            </a:extLst>
-          </p:cNvPr>
-          <p:cNvSpPr txBox="1"/>
-          <p:nvPr/>
-        </p:nvSpPr>
-        <p:spPr>
-          <a:xfrm>
-            <a:off x="4998339" y="5097780"/>
-            <a:ext cx="987678" cy="253916"/>
-          </a:xfrm>
-          <a:prstGeom prst="rect">
-            <a:avLst/>
-          </a:prstGeom>
-          <a:noFill/>
-        </p:spPr>
-        <p:txBody>
-          <a:bodyPr wrap="square">
-            <a:spAutoFit/>
-          </a:bodyPr>
-          <a:lstStyle/>
-          <a:p>
-            <a:pPr algn="ctr"/>
-            <a:r>
-              <a:rPr lang="en-US" altLang="ko-KR" sz="1050" dirty="0">
-                <a:ln w="3175">
-                  <a:solidFill>
-                    <a:schemeClr val="tx1">
-                      <a:lumMod val="75000"/>
-                      <a:lumOff val="25000"/>
-                      <a:alpha val="10000"/>
-                    </a:schemeClr>
-                  </a:solidFill>
-                </a:ln>
-                <a:solidFill>
-                  <a:schemeClr val="tx1">
-                    <a:lumMod val="75000"/>
-                    <a:lumOff val="25000"/>
-                  </a:schemeClr>
-                </a:solidFill>
-                <a:ea typeface="경기천년제목 Light" panose="02020403020101020101" pitchFamily="18" charset="-127"/>
-              </a:rPr>
-              <a:t>Slope : 0.189</a:t>
-            </a:r>
-            <a:endParaRPr lang="ko-KR" altLang="en-US" sz="1050" dirty="0"/>
-          </a:p>
-        </p:txBody>
-      </p:sp>
-      <p:cxnSp>
-        <p:nvCxnSpPr>
-          <p:cNvPr id="16" name="직선 연결선 15">
-            <a:extLst>
-              <a:ext uri="{FF2B5EF4-FFF2-40B4-BE49-F238E27FC236}">
-                <a16:creationId xmlns:a16="http://schemas.microsoft.com/office/drawing/2014/main" id="{E604F276-91FC-CE95-1815-B2B06FB73FFE}"/>
-              </a:ext>
-            </a:extLst>
-          </p:cNvPr>
-          <p:cNvCxnSpPr>
-            <a:cxnSpLocks/>
-          </p:cNvCxnSpPr>
-          <p:nvPr/>
-        </p:nvCxnSpPr>
-        <p:spPr>
-          <a:xfrm flipV="1">
-            <a:off x="4010661" y="4667250"/>
-            <a:ext cx="0" cy="792000"/>
-          </a:xfrm>
-          <a:prstGeom prst="line">
-            <a:avLst/>
-          </a:prstGeom>
-          <a:ln w="31750">
-            <a:solidFill>
-              <a:srgbClr val="00BA38"/>
-            </a:solidFill>
-            <a:headEnd type="triangle" w="lg" len="lg"/>
-            <a:tailEnd type="none" w="lg" len="lg"/>
-          </a:ln>
-        </p:spPr>
-        <p:style>
-          <a:lnRef idx="1">
-            <a:schemeClr val="accent1"/>
-          </a:lnRef>
-          <a:fillRef idx="0">
-            <a:schemeClr val="accent1"/>
-          </a:fillRef>
-          <a:effectRef idx="0">
-            <a:schemeClr val="accent1"/>
-          </a:effectRef>
-          <a:fontRef idx="minor">
-            <a:schemeClr val="tx1"/>
-          </a:fontRef>
-        </p:style>
-      </p:cxnSp>
-      <p:sp>
-        <p:nvSpPr>
-          <p:cNvPr id="17" name="TextBox 16">
-            <a:extLst>
-              <a:ext uri="{FF2B5EF4-FFF2-40B4-BE49-F238E27FC236}">
-                <a16:creationId xmlns:a16="http://schemas.microsoft.com/office/drawing/2014/main" id="{C76089F3-D3D8-98BD-3392-5F54277976E6}"/>
-              </a:ext>
-            </a:extLst>
-          </p:cNvPr>
-          <p:cNvSpPr txBox="1"/>
-          <p:nvPr/>
-        </p:nvSpPr>
-        <p:spPr>
-          <a:xfrm>
-            <a:off x="3812551" y="5449174"/>
-            <a:ext cx="987678" cy="253916"/>
-          </a:xfrm>
-          <a:prstGeom prst="rect">
-            <a:avLst/>
-          </a:prstGeom>
-          <a:noFill/>
-        </p:spPr>
-        <p:txBody>
-          <a:bodyPr wrap="square">
-            <a:spAutoFit/>
-          </a:bodyPr>
-          <a:lstStyle/>
-          <a:p>
-            <a:pPr algn="ctr"/>
-            <a:r>
-              <a:rPr lang="en-US" altLang="ko-KR" sz="1050" dirty="0">
-                <a:ln w="3175">
-                  <a:solidFill>
-                    <a:schemeClr val="tx1">
-                      <a:lumMod val="75000"/>
-                      <a:lumOff val="25000"/>
-                      <a:alpha val="10000"/>
-                    </a:schemeClr>
-                  </a:solidFill>
-                </a:ln>
-                <a:solidFill>
-                  <a:schemeClr val="tx1">
-                    <a:lumMod val="75000"/>
-                    <a:lumOff val="25000"/>
-                  </a:schemeClr>
-                </a:solidFill>
-                <a:ea typeface="경기천년제목 Light" panose="02020403020101020101" pitchFamily="18" charset="-127"/>
-              </a:rPr>
-              <a:t>Slope : 0.284</a:t>
-            </a:r>
-            <a:endParaRPr lang="ko-KR" altLang="en-US" sz="1050" dirty="0"/>
-          </a:p>
-        </p:txBody>
-      </p:sp>
-      <p:pic>
-        <p:nvPicPr>
-          <p:cNvPr id="19" name="그림 18">
-            <a:extLst>
-              <a:ext uri="{FF2B5EF4-FFF2-40B4-BE49-F238E27FC236}">
-                <a16:creationId xmlns:a16="http://schemas.microsoft.com/office/drawing/2014/main" id="{6394B9C0-D0D1-3A15-6B89-2AD946F89B1D}"/>
-              </a:ext>
-            </a:extLst>
-          </p:cNvPr>
-          <p:cNvPicPr>
-            <a:picLocks noChangeAspect="1"/>
-          </p:cNvPicPr>
-          <p:nvPr/>
-        </p:nvPicPr>
-        <p:blipFill rotWithShape="1">
-          <a:blip r:embed="rId3"/>
-          <a:srcRect t="2101"/>
-          <a:stretch/>
-        </p:blipFill>
-        <p:spPr>
-          <a:xfrm>
-            <a:off x="2294843" y="352349"/>
-            <a:ext cx="4226607" cy="802561"/>
-          </a:xfrm>
-          <a:prstGeom prst="rect">
-            <a:avLst/>
-          </a:prstGeom>
-        </p:spPr>
-      </p:pic>
-    </p:spTree>
-    <p:extLst>
-      <p:ext uri="{BB962C8B-B14F-4D97-AF65-F5344CB8AC3E}">
-        <p14:creationId xmlns:p14="http://schemas.microsoft.com/office/powerpoint/2010/main" val="3852742283"/>
-      </p:ext>
-    </p:extLst>
-  </p:cSld>
-  <p:clrMapOvr>
-    <a:masterClrMapping/>
-  </p:clrMapOvr>
-</p:sld>
-</file>
-
-<file path=ppt/slides/slide12.xml><?xml version="1.0" encoding="utf-8"?>
-<p:sld xmlns:a="http://schemas.openxmlformats.org/drawingml/2006/main" xmlns:r="http://schemas.openxmlformats.org/officeDocument/2006/relationships" xmlns:p="http://schemas.openxmlformats.org/presentationml/2006/main">
-  <p:cSld>
-    <p:spTree>
-      <p:nvGrpSpPr>
-        <p:cNvPr id="1" name=""/>
-        <p:cNvGrpSpPr/>
-        <p:nvPr/>
-      </p:nvGrpSpPr>
-      <p:grpSpPr>
-        <a:xfrm>
-          <a:off x="0" y="0"/>
-          <a:ext cx="0" cy="0"/>
-          <a:chOff x="0" y="0"/>
-          <a:chExt cx="0" cy="0"/>
-        </a:xfrm>
-      </p:grpSpPr>
-      <p:sp>
-        <p:nvSpPr>
-          <p:cNvPr id="10" name="직사각형 9">
-            <a:extLst>
-              <a:ext uri="{FF2B5EF4-FFF2-40B4-BE49-F238E27FC236}">
-                <a16:creationId xmlns:a16="http://schemas.microsoft.com/office/drawing/2014/main" id="{81D67261-C1D5-77F9-19FC-CCD455B29649}"/>
-              </a:ext>
-            </a:extLst>
-          </p:cNvPr>
-          <p:cNvSpPr/>
-          <p:nvPr/>
-        </p:nvSpPr>
-        <p:spPr>
-          <a:xfrm>
-            <a:off x="493216" y="-187960"/>
-            <a:ext cx="11556543" cy="7533640"/>
-          </a:xfrm>
-          <a:prstGeom prst="rect">
-            <a:avLst/>
-          </a:prstGeom>
-          <a:solidFill>
-            <a:schemeClr val="bg1"/>
-          </a:solidFill>
-          <a:ln>
-            <a:solidFill>
-              <a:schemeClr val="tx1"/>
-            </a:solidFill>
-          </a:ln>
-        </p:spPr>
-        <p:style>
-          <a:lnRef idx="2">
-            <a:schemeClr val="accent1">
-              <a:shade val="15000"/>
-            </a:schemeClr>
-          </a:lnRef>
-          <a:fillRef idx="1">
-            <a:schemeClr val="accent1"/>
-          </a:fillRef>
-          <a:effectRef idx="0">
-            <a:schemeClr val="accent1"/>
-          </a:effectRef>
-          <a:fontRef idx="minor">
-            <a:schemeClr val="lt1"/>
-          </a:fontRef>
-        </p:style>
-        <p:txBody>
-          <a:bodyPr rtlCol="0" anchor="ctr"/>
-          <a:lstStyle/>
-          <a:p>
-            <a:pPr algn="ctr"/>
-            <a:endParaRPr lang="ko-KR" altLang="en-US"/>
-          </a:p>
-        </p:txBody>
-      </p:sp>
-      <p:pic>
-        <p:nvPicPr>
-          <p:cNvPr id="3" name="그림 2">
-            <a:extLst>
-              <a:ext uri="{FF2B5EF4-FFF2-40B4-BE49-F238E27FC236}">
-                <a16:creationId xmlns:a16="http://schemas.microsoft.com/office/drawing/2014/main" id="{A280590B-1841-D0BF-444D-98ABD6F451C4}"/>
-              </a:ext>
-            </a:extLst>
-          </p:cNvPr>
-          <p:cNvPicPr>
-            <a:picLocks noChangeAspect="1"/>
-          </p:cNvPicPr>
-          <p:nvPr/>
-        </p:nvPicPr>
-        <p:blipFill>
-          <a:blip r:embed="rId2"/>
-          <a:stretch>
-            <a:fillRect/>
-          </a:stretch>
-        </p:blipFill>
-        <p:spPr>
-          <a:xfrm>
-            <a:off x="1439002" y="0"/>
-            <a:ext cx="9313996" cy="6858000"/>
-          </a:xfrm>
-          <a:prstGeom prst="rect">
-            <a:avLst/>
-          </a:prstGeom>
-        </p:spPr>
-      </p:pic>
-      <p:sp>
-        <p:nvSpPr>
-          <p:cNvPr id="8" name="TextBox 7">
-            <a:extLst>
-              <a:ext uri="{FF2B5EF4-FFF2-40B4-BE49-F238E27FC236}">
-                <a16:creationId xmlns:a16="http://schemas.microsoft.com/office/drawing/2014/main" id="{70791883-B36B-3255-4CFD-2A71C8F7D810}"/>
-              </a:ext>
-            </a:extLst>
-          </p:cNvPr>
-          <p:cNvSpPr txBox="1"/>
-          <p:nvPr/>
-        </p:nvSpPr>
-        <p:spPr>
-          <a:xfrm rot="16200000">
-            <a:off x="-294640" y="2919214"/>
-            <a:ext cx="2875280" cy="369332"/>
-          </a:xfrm>
-          <a:prstGeom prst="rect">
-            <a:avLst/>
-          </a:prstGeom>
-          <a:noFill/>
-        </p:spPr>
-        <p:txBody>
-          <a:bodyPr wrap="square">
-            <a:spAutoFit/>
-          </a:bodyPr>
-          <a:lstStyle/>
-          <a:p>
-            <a:pPr algn="ctr"/>
-            <a:r>
-              <a:rPr lang="en-US" altLang="ko-KR" spc="-60" dirty="0">
-                <a:ln w="3175">
-                  <a:solidFill>
-                    <a:schemeClr val="tx1">
-                      <a:lumMod val="75000"/>
-                      <a:lumOff val="25000"/>
-                      <a:alpha val="10000"/>
-                    </a:schemeClr>
-                  </a:solidFill>
-                </a:ln>
-                <a:solidFill>
-                  <a:schemeClr val="tx1">
-                    <a:lumMod val="75000"/>
-                    <a:lumOff val="25000"/>
-                  </a:schemeClr>
-                </a:solidFill>
-                <a:ea typeface="경기천년제목 Light" panose="02020403020101020101" pitchFamily="18" charset="-127"/>
-              </a:rPr>
-              <a:t>PV installation area (m</a:t>
-            </a:r>
-            <a:r>
-              <a:rPr lang="en-US" altLang="ko-KR" spc="-60" baseline="30000" dirty="0">
-                <a:ln w="3175">
-                  <a:solidFill>
-                    <a:schemeClr val="tx1">
-                      <a:lumMod val="75000"/>
-                      <a:lumOff val="25000"/>
-                      <a:alpha val="10000"/>
-                    </a:schemeClr>
-                  </a:solidFill>
-                </a:ln>
-                <a:solidFill>
-                  <a:schemeClr val="tx1">
-                    <a:lumMod val="75000"/>
-                    <a:lumOff val="25000"/>
-                  </a:schemeClr>
-                </a:solidFill>
-                <a:ea typeface="경기천년제목 Light" panose="02020403020101020101" pitchFamily="18" charset="-127"/>
-              </a:rPr>
-              <a:t>2</a:t>
-            </a:r>
-            <a:r>
-              <a:rPr lang="en-US" altLang="ko-KR" spc="-60" dirty="0">
-                <a:ln w="3175">
-                  <a:solidFill>
-                    <a:schemeClr val="tx1">
-                      <a:lumMod val="75000"/>
-                      <a:lumOff val="25000"/>
-                      <a:alpha val="10000"/>
-                    </a:schemeClr>
-                  </a:solidFill>
-                </a:ln>
-                <a:solidFill>
-                  <a:schemeClr val="tx1">
-                    <a:lumMod val="75000"/>
-                    <a:lumOff val="25000"/>
-                  </a:schemeClr>
-                </a:solidFill>
-                <a:ea typeface="경기천년제목 Light" panose="02020403020101020101" pitchFamily="18" charset="-127"/>
-              </a:rPr>
-              <a:t>)</a:t>
-            </a:r>
-            <a:endParaRPr lang="ko-KR" altLang="en-US" dirty="0"/>
-          </a:p>
-        </p:txBody>
-      </p:sp>
-      <p:sp>
-        <p:nvSpPr>
-          <p:cNvPr id="9" name="TextBox 8">
-            <a:extLst>
-              <a:ext uri="{FF2B5EF4-FFF2-40B4-BE49-F238E27FC236}">
-                <a16:creationId xmlns:a16="http://schemas.microsoft.com/office/drawing/2014/main" id="{50D1CBE8-135C-E4AD-C6D1-1297C9D2282B}"/>
-              </a:ext>
-            </a:extLst>
-          </p:cNvPr>
-          <p:cNvSpPr txBox="1"/>
-          <p:nvPr/>
-        </p:nvSpPr>
-        <p:spPr>
-          <a:xfrm>
-            <a:off x="5435600" y="6872208"/>
-            <a:ext cx="1673860" cy="369332"/>
-          </a:xfrm>
-          <a:prstGeom prst="rect">
-            <a:avLst/>
-          </a:prstGeom>
-          <a:noFill/>
-        </p:spPr>
-        <p:txBody>
-          <a:bodyPr wrap="square">
-            <a:spAutoFit/>
-          </a:bodyPr>
-          <a:lstStyle/>
-          <a:p>
-            <a:pPr algn="ctr"/>
-            <a:r>
-              <a:rPr lang="en-US" altLang="ko-KR" spc="-60" dirty="0">
-                <a:ln w="3175">
-                  <a:solidFill>
-                    <a:schemeClr val="tx1">
-                      <a:lumMod val="75000"/>
-                      <a:lumOff val="25000"/>
-                      <a:alpha val="10000"/>
-                    </a:schemeClr>
-                  </a:solidFill>
-                </a:ln>
-                <a:solidFill>
-                  <a:schemeClr val="tx1">
-                    <a:lumMod val="75000"/>
-                    <a:lumOff val="25000"/>
-                  </a:schemeClr>
-                </a:solidFill>
-                <a:ea typeface="경기천년제목 Light" panose="02020403020101020101" pitchFamily="18" charset="-127"/>
-              </a:rPr>
-              <a:t>Total area (m</a:t>
-            </a:r>
-            <a:r>
-              <a:rPr lang="en-US" altLang="ko-KR" spc="-60" baseline="30000" dirty="0">
-                <a:ln w="3175">
-                  <a:solidFill>
-                    <a:schemeClr val="tx1">
-                      <a:lumMod val="75000"/>
-                      <a:lumOff val="25000"/>
-                      <a:alpha val="10000"/>
-                    </a:schemeClr>
-                  </a:solidFill>
-                </a:ln>
-                <a:solidFill>
-                  <a:schemeClr val="tx1">
-                    <a:lumMod val="75000"/>
-                    <a:lumOff val="25000"/>
-                  </a:schemeClr>
-                </a:solidFill>
-                <a:ea typeface="경기천년제목 Light" panose="02020403020101020101" pitchFamily="18" charset="-127"/>
-              </a:rPr>
-              <a:t>2</a:t>
-            </a:r>
-            <a:r>
-              <a:rPr lang="en-US" altLang="ko-KR" spc="-60" dirty="0">
-                <a:ln w="3175">
-                  <a:solidFill>
-                    <a:schemeClr val="tx1">
-                      <a:lumMod val="75000"/>
-                      <a:lumOff val="25000"/>
-                      <a:alpha val="10000"/>
-                    </a:schemeClr>
-                  </a:solidFill>
-                </a:ln>
-                <a:solidFill>
-                  <a:schemeClr val="tx1">
-                    <a:lumMod val="75000"/>
-                    <a:lumOff val="25000"/>
-                  </a:schemeClr>
-                </a:solidFill>
-                <a:ea typeface="경기천년제목 Light" panose="02020403020101020101" pitchFamily="18" charset="-127"/>
-              </a:rPr>
-              <a:t>)</a:t>
-            </a:r>
-            <a:endParaRPr lang="ko-KR" altLang="en-US" dirty="0"/>
-          </a:p>
-        </p:txBody>
-      </p:sp>
-      <p:cxnSp>
-        <p:nvCxnSpPr>
-          <p:cNvPr id="11" name="직선 연결선 10">
-            <a:extLst>
-              <a:ext uri="{FF2B5EF4-FFF2-40B4-BE49-F238E27FC236}">
-                <a16:creationId xmlns:a16="http://schemas.microsoft.com/office/drawing/2014/main" id="{97EC718E-4115-DC25-E253-CCE5A5E6B122}"/>
-              </a:ext>
-            </a:extLst>
-          </p:cNvPr>
-          <p:cNvCxnSpPr>
-            <a:cxnSpLocks/>
-          </p:cNvCxnSpPr>
-          <p:nvPr/>
-        </p:nvCxnSpPr>
-        <p:spPr>
-          <a:xfrm rot="5400000" flipV="1">
-            <a:off x="5216082" y="2342328"/>
-            <a:ext cx="0" cy="612000"/>
-          </a:xfrm>
-          <a:prstGeom prst="line">
-            <a:avLst/>
-          </a:prstGeom>
-          <a:ln w="31750">
-            <a:solidFill>
-              <a:srgbClr val="619CFF"/>
-            </a:solidFill>
-            <a:headEnd type="triangle" w="lg" len="lg"/>
-            <a:tailEnd type="none" w="lg" len="lg"/>
-          </a:ln>
-        </p:spPr>
-        <p:style>
-          <a:lnRef idx="1">
-            <a:schemeClr val="accent1"/>
-          </a:lnRef>
-          <a:fillRef idx="0">
-            <a:schemeClr val="accent1"/>
-          </a:fillRef>
-          <a:effectRef idx="0">
-            <a:schemeClr val="accent1"/>
-          </a:effectRef>
-          <a:fontRef idx="minor">
-            <a:schemeClr val="tx1"/>
-          </a:fontRef>
-        </p:style>
-      </p:cxnSp>
-      <p:sp>
-        <p:nvSpPr>
-          <p:cNvPr id="13" name="TextBox 12">
-            <a:extLst>
-              <a:ext uri="{FF2B5EF4-FFF2-40B4-BE49-F238E27FC236}">
-                <a16:creationId xmlns:a16="http://schemas.microsoft.com/office/drawing/2014/main" id="{34D834ED-6F69-1057-FC56-6921D17A2022}"/>
-              </a:ext>
-            </a:extLst>
-          </p:cNvPr>
-          <p:cNvSpPr txBox="1"/>
-          <p:nvPr/>
-        </p:nvSpPr>
-        <p:spPr>
-          <a:xfrm>
-            <a:off x="3705598" y="2480426"/>
-            <a:ext cx="1241714" cy="307777"/>
+            <a:off x="9363879" y="3271520"/>
+            <a:ext cx="1349840" cy="307777"/>
           </a:xfrm>
           <a:prstGeom prst="rect">
             <a:avLst/>
@@ -9443,7 +8158,7 @@
                 </a:solidFill>
                 <a:ea typeface="경기천년제목 Light" panose="02020403020101020101" pitchFamily="18" charset="-127"/>
               </a:rPr>
-              <a:t>Slope : 0.545</a:t>
+              <a:t>Slope : 11.50</a:t>
             </a:r>
             <a:endParaRPr lang="ko-KR" altLang="en-US" sz="1400" dirty="0"/>
           </a:p>
@@ -9451,10 +8166,10 @@
       </p:sp>
       <p:cxnSp>
         <p:nvCxnSpPr>
-          <p:cNvPr id="14" name="직선 연결선 13">
-            <a:extLst>
-              <a:ext uri="{FF2B5EF4-FFF2-40B4-BE49-F238E27FC236}">
-                <a16:creationId xmlns:a16="http://schemas.microsoft.com/office/drawing/2014/main" id="{03DEFADB-FF26-281E-B4BE-776687B5AD01}"/>
+          <p:cNvPr id="6" name="직선 연결선 5">
+            <a:extLst>
+              <a:ext uri="{FF2B5EF4-FFF2-40B4-BE49-F238E27FC236}">
+                <a16:creationId xmlns:a16="http://schemas.microsoft.com/office/drawing/2014/main" id="{BEA97245-3A8F-9C8F-04A4-E75C40C87A98}"/>
               </a:ext>
             </a:extLst>
           </p:cNvPr>
@@ -9464,18 +8179,19 @@
           <p:nvPr/>
         </p:nvCxnSpPr>
         <p:spPr>
-          <a:xfrm flipV="1">
-            <a:off x="6792849" y="4640580"/>
-            <a:ext cx="0" cy="556260"/>
+          <a:xfrm>
+            <a:off x="10056342" y="5098227"/>
+            <a:ext cx="0" cy="864000"/>
           </a:xfrm>
           <a:prstGeom prst="line">
             <a:avLst/>
           </a:prstGeom>
           <a:ln w="31750">
             <a:solidFill>
-              <a:srgbClr val="F8766D"/>
+              <a:srgbClr val="00BFC4"/>
             </a:solidFill>
-            <a:headEnd type="triangle" w="lg" len="lg"/>
+            <a:prstDash val="sysDash"/>
+            <a:headEnd type="triangle" w="lg" len="med"/>
             <a:tailEnd type="none" w="lg" len="lg"/>
           </a:ln>
         </p:spPr>
@@ -9496,10 +8212,10 @@
       </p:cxnSp>
       <p:sp>
         <p:nvSpPr>
-          <p:cNvPr id="15" name="TextBox 14">
-            <a:extLst>
-              <a:ext uri="{FF2B5EF4-FFF2-40B4-BE49-F238E27FC236}">
-                <a16:creationId xmlns:a16="http://schemas.microsoft.com/office/drawing/2014/main" id="{D4C9CB4A-BDB4-76A7-8F74-2549E8FB4DFD}"/>
+          <p:cNvPr id="9" name="TextBox 8">
+            <a:extLst>
+              <a:ext uri="{FF2B5EF4-FFF2-40B4-BE49-F238E27FC236}">
+                <a16:creationId xmlns:a16="http://schemas.microsoft.com/office/drawing/2014/main" id="{BCECC4BB-C50C-4517-58A0-FC3A5410CDE0}"/>
               </a:ext>
             </a:extLst>
           </p:cNvPr>
@@ -9508,8 +8224,8 @@
         </p:nvSpPr>
         <p:spPr>
           <a:xfrm>
-            <a:off x="6171992" y="5186764"/>
-            <a:ext cx="1241714" cy="307777"/>
+            <a:off x="9359939" y="5962227"/>
+            <a:ext cx="1349840" cy="307777"/>
           </a:xfrm>
           <a:prstGeom prst="rect">
             <a:avLst/>
@@ -9542,106 +8258,7 @@
                 </a:solidFill>
                 <a:ea typeface="경기천년제목 Light" panose="02020403020101020101" pitchFamily="18" charset="-127"/>
               </a:rPr>
-              <a:t>Slope : 0.189</a:t>
-            </a:r>
-            <a:endParaRPr lang="ko-KR" altLang="en-US" sz="1400" dirty="0"/>
-          </a:p>
-        </p:txBody>
-      </p:sp>
-      <p:cxnSp>
-        <p:nvCxnSpPr>
-          <p:cNvPr id="16" name="직선 연결선 15">
-            <a:extLst>
-              <a:ext uri="{FF2B5EF4-FFF2-40B4-BE49-F238E27FC236}">
-                <a16:creationId xmlns:a16="http://schemas.microsoft.com/office/drawing/2014/main" id="{E604F276-91FC-CE95-1815-B2B06FB73FFE}"/>
-              </a:ext>
-            </a:extLst>
-          </p:cNvPr>
-          <p:cNvCxnSpPr>
-            <a:cxnSpLocks/>
-          </p:cNvCxnSpPr>
-          <p:nvPr/>
-        </p:nvCxnSpPr>
-        <p:spPr>
-          <a:xfrm flipV="1">
-            <a:off x="8049261" y="3002760"/>
-            <a:ext cx="0" cy="432000"/>
-          </a:xfrm>
-          <a:prstGeom prst="line">
-            <a:avLst/>
-          </a:prstGeom>
-          <a:ln w="31750">
-            <a:solidFill>
-              <a:srgbClr val="00BA38"/>
-            </a:solidFill>
-            <a:headEnd type="triangle" w="lg" len="lg"/>
-            <a:tailEnd type="none" w="lg" len="lg"/>
-          </a:ln>
-        </p:spPr>
-        <p:style>
-          <a:lnRef idx="1">
-            <a:schemeClr val="accent1"/>
-          </a:lnRef>
-          <a:fillRef idx="0">
-            <a:schemeClr val="accent1"/>
-          </a:fillRef>
-          <a:effectRef idx="0">
-            <a:schemeClr val="accent1"/>
-          </a:effectRef>
-          <a:fontRef idx="minor">
-            <a:schemeClr val="tx1"/>
-          </a:fontRef>
-        </p:style>
-      </p:cxnSp>
-      <p:sp>
-        <p:nvSpPr>
-          <p:cNvPr id="17" name="TextBox 16">
-            <a:extLst>
-              <a:ext uri="{FF2B5EF4-FFF2-40B4-BE49-F238E27FC236}">
-                <a16:creationId xmlns:a16="http://schemas.microsoft.com/office/drawing/2014/main" id="{C76089F3-D3D8-98BD-3392-5F54277976E6}"/>
-              </a:ext>
-            </a:extLst>
-          </p:cNvPr>
-          <p:cNvSpPr txBox="1"/>
-          <p:nvPr/>
-        </p:nvSpPr>
-        <p:spPr>
-          <a:xfrm>
-            <a:off x="7428404" y="3429000"/>
-            <a:ext cx="1241714" cy="307777"/>
-          </a:xfrm>
-          <a:prstGeom prst="rect">
-            <a:avLst/>
-          </a:prstGeom>
-          <a:noFill/>
-        </p:spPr>
-        <p:txBody>
-          <a:bodyPr wrap="square">
-            <a:spAutoFit/>
-          </a:bodyPr>
-          <a:lstStyle/>
-          <a:p>
-            <a:pPr algn="ctr"/>
-            <a:r>
-              <a:rPr lang="en-US" altLang="ko-KR" sz="1400" dirty="0">
-                <a:ln w="3175">
-                  <a:solidFill>
-                    <a:schemeClr val="tx1">
-                      <a:lumMod val="75000"/>
-                      <a:lumOff val="25000"/>
-                      <a:alpha val="10000"/>
-                    </a:schemeClr>
-                  </a:solidFill>
-                </a:ln>
-                <a:solidFill>
-                  <a:schemeClr val="tx1">
-                    <a:lumMod val="75000"/>
-                    <a:lumOff val="25000"/>
-                  </a:schemeClr>
-                </a:solidFill>
-                <a:ea typeface="경기천년제목 Light" panose="02020403020101020101" pitchFamily="18" charset="-127"/>
-              </a:rPr>
-              <a:t>Slope : 0.284</a:t>
+              <a:t>Slope : 7.23</a:t>
             </a:r>
             <a:endParaRPr lang="ko-KR" altLang="en-US" sz="1400" dirty="0"/>
           </a:p>
@@ -9649,10 +8266,10 @@
       </p:sp>
       <p:pic>
         <p:nvPicPr>
-          <p:cNvPr id="19" name="그림 18">
-            <a:extLst>
-              <a:ext uri="{FF2B5EF4-FFF2-40B4-BE49-F238E27FC236}">
-                <a16:creationId xmlns:a16="http://schemas.microsoft.com/office/drawing/2014/main" id="{6394B9C0-D0D1-3A15-6B89-2AD946F89B1D}"/>
+          <p:cNvPr id="15" name="그림 14">
+            <a:extLst>
+              <a:ext uri="{FF2B5EF4-FFF2-40B4-BE49-F238E27FC236}">
+                <a16:creationId xmlns:a16="http://schemas.microsoft.com/office/drawing/2014/main" id="{C508FC98-E720-264A-FA2B-B2E7409D12BF}"/>
               </a:ext>
             </a:extLst>
           </p:cNvPr>
@@ -9661,15 +8278,16 @@
           </p:cNvPicPr>
           <p:nvPr/>
         </p:nvPicPr>
-        <p:blipFill rotWithShape="1">
-          <a:blip r:embed="rId3"/>
-          <a:srcRect t="2101"/>
-          <a:stretch/>
+        <p:blipFill>
+          <a:blip r:embed="rId4"/>
+          <a:stretch>
+            <a:fillRect/>
+          </a:stretch>
         </p:blipFill>
         <p:spPr>
           <a:xfrm>
-            <a:off x="2294843" y="352349"/>
-            <a:ext cx="4226607" cy="802561"/>
+            <a:off x="1783371" y="2436873"/>
+            <a:ext cx="2708489" cy="551614"/>
           </a:xfrm>
           <a:prstGeom prst="rect">
             <a:avLst/>
@@ -9679,7 +8297,7 @@
     </p:spTree>
     <p:extLst>
       <p:ext uri="{BB962C8B-B14F-4D97-AF65-F5344CB8AC3E}">
-        <p14:creationId xmlns:p14="http://schemas.microsoft.com/office/powerpoint/2010/main" val="4043079544"/>
+        <p14:creationId xmlns:p14="http://schemas.microsoft.com/office/powerpoint/2010/main" val="1697348060"/>
       </p:ext>
     </p:extLst>
   </p:cSld>
@@ -9689,7 +8307,7 @@
 </p:sld>
 </file>
 
-<file path=ppt/slides/slide13.xml><?xml version="1.0" encoding="utf-8"?>
+<file path=ppt/slides/slide11.xml><?xml version="1.0" encoding="utf-8"?>
 <p:sld xmlns:a="http://schemas.openxmlformats.org/drawingml/2006/main" xmlns:r="http://schemas.openxmlformats.org/officeDocument/2006/relationships" xmlns:p="http://schemas.openxmlformats.org/presentationml/2006/main">
   <p:cSld>
     <p:spTree>
@@ -12702,7 +11320,7 @@
 </p:sld>
 </file>
 
-<file path=ppt/slides/slide14.xml><?xml version="1.0" encoding="utf-8"?>
+<file path=ppt/slides/slide12.xml><?xml version="1.0" encoding="utf-8"?>
 <p:sld xmlns:a="http://schemas.openxmlformats.org/drawingml/2006/main" xmlns:r="http://schemas.openxmlformats.org/officeDocument/2006/relationships" xmlns:p="http://schemas.openxmlformats.org/presentationml/2006/main">
   <p:cSld>
     <p:spTree>
@@ -15880,7 +14498,7 @@
 </p:sld>
 </file>
 
-<file path=ppt/slides/slide15.xml><?xml version="1.0" encoding="utf-8"?>
+<file path=ppt/slides/slide13.xml><?xml version="1.0" encoding="utf-8"?>
 <p:sld xmlns:a="http://schemas.openxmlformats.org/drawingml/2006/main" xmlns:r="http://schemas.openxmlformats.org/officeDocument/2006/relationships" xmlns:p="http://schemas.openxmlformats.org/presentationml/2006/main">
   <p:cSld>
     <p:spTree>
@@ -18613,7 +17231,7 @@
 </p:sld>
 </file>
 
-<file path=ppt/slides/slide16.xml><?xml version="1.0" encoding="utf-8"?>
+<file path=ppt/slides/slide14.xml><?xml version="1.0" encoding="utf-8"?>
 <p:sld xmlns:a="http://schemas.openxmlformats.org/drawingml/2006/main" xmlns:r="http://schemas.openxmlformats.org/officeDocument/2006/relationships" xmlns:p="http://schemas.openxmlformats.org/presentationml/2006/main">
   <p:cSld>
     <p:spTree>
@@ -22180,7 +20798,7 @@
 </p:sld>
 </file>
 
-<file path=ppt/slides/slide17.xml><?xml version="1.0" encoding="utf-8"?>
+<file path=ppt/slides/slide15.xml><?xml version="1.0" encoding="utf-8"?>
 <p:sld xmlns:a="http://schemas.openxmlformats.org/drawingml/2006/main" xmlns:r="http://schemas.openxmlformats.org/officeDocument/2006/relationships" xmlns:p="http://schemas.openxmlformats.org/presentationml/2006/main">
   <p:cSld>
     <p:spTree>
@@ -24683,6 +23301,2395 @@
 </p:sld>
 </file>
 
+<file path=ppt/slides/slide16.xml><?xml version="1.0" encoding="utf-8"?>
+<p:sld xmlns:a="http://schemas.openxmlformats.org/drawingml/2006/main" xmlns:r="http://schemas.openxmlformats.org/officeDocument/2006/relationships" xmlns:p="http://schemas.openxmlformats.org/presentationml/2006/main">
+  <p:cSld>
+    <p:spTree>
+      <p:nvGrpSpPr>
+        <p:cNvPr id="1" name=""/>
+        <p:cNvGrpSpPr/>
+        <p:nvPr/>
+      </p:nvGrpSpPr>
+      <p:grpSpPr>
+        <a:xfrm>
+          <a:off x="0" y="0"/>
+          <a:ext cx="0" cy="0"/>
+          <a:chOff x="0" y="0"/>
+          <a:chExt cx="0" cy="0"/>
+        </a:xfrm>
+      </p:grpSpPr>
+      <p:sp>
+        <p:nvSpPr>
+          <p:cNvPr id="36" name="직사각형 35">
+            <a:extLst>
+              <a:ext uri="{FF2B5EF4-FFF2-40B4-BE49-F238E27FC236}">
+                <a16:creationId xmlns:a16="http://schemas.microsoft.com/office/drawing/2014/main" id="{79727932-5B85-E518-554E-2ED2E2E01630}"/>
+              </a:ext>
+            </a:extLst>
+          </p:cNvPr>
+          <p:cNvSpPr/>
+          <p:nvPr/>
+        </p:nvSpPr>
+        <p:spPr>
+          <a:xfrm>
+            <a:off x="340816" y="-203200"/>
+            <a:ext cx="11556543" cy="7533640"/>
+          </a:xfrm>
+          <a:prstGeom prst="rect">
+            <a:avLst/>
+          </a:prstGeom>
+          <a:solidFill>
+            <a:schemeClr val="bg1"/>
+          </a:solidFill>
+          <a:ln>
+            <a:solidFill>
+              <a:schemeClr val="tx1"/>
+            </a:solidFill>
+          </a:ln>
+        </p:spPr>
+        <p:style>
+          <a:lnRef idx="2">
+            <a:schemeClr val="accent1">
+              <a:shade val="15000"/>
+            </a:schemeClr>
+          </a:lnRef>
+          <a:fillRef idx="1">
+            <a:schemeClr val="accent1"/>
+          </a:fillRef>
+          <a:effectRef idx="0">
+            <a:schemeClr val="accent1"/>
+          </a:effectRef>
+          <a:fontRef idx="minor">
+            <a:schemeClr val="lt1"/>
+          </a:fontRef>
+        </p:style>
+        <p:txBody>
+          <a:bodyPr rtlCol="0" anchor="ctr"/>
+          <a:lstStyle/>
+          <a:p>
+            <a:pPr algn="ctr"/>
+            <a:endParaRPr lang="ko-KR" altLang="en-US"/>
+          </a:p>
+        </p:txBody>
+      </p:sp>
+      <p:pic>
+        <p:nvPicPr>
+          <p:cNvPr id="12" name="그림 11">
+            <a:extLst>
+              <a:ext uri="{FF2B5EF4-FFF2-40B4-BE49-F238E27FC236}">
+                <a16:creationId xmlns:a16="http://schemas.microsoft.com/office/drawing/2014/main" id="{60539E56-5B90-8AA3-F838-53D8F113ABEA}"/>
+              </a:ext>
+            </a:extLst>
+          </p:cNvPr>
+          <p:cNvPicPr>
+            <a:picLocks noChangeAspect="1"/>
+          </p:cNvPicPr>
+          <p:nvPr/>
+        </p:nvPicPr>
+        <p:blipFill>
+          <a:blip r:embed="rId2"/>
+          <a:stretch>
+            <a:fillRect/>
+          </a:stretch>
+        </p:blipFill>
+        <p:spPr>
+          <a:xfrm>
+            <a:off x="552582" y="0"/>
+            <a:ext cx="11086836" cy="6858000"/>
+          </a:xfrm>
+          <a:prstGeom prst="rect">
+            <a:avLst/>
+          </a:prstGeom>
+        </p:spPr>
+      </p:pic>
+      <p:sp>
+        <p:nvSpPr>
+          <p:cNvPr id="6" name="이등변 삼각형 5">
+            <a:extLst>
+              <a:ext uri="{FF2B5EF4-FFF2-40B4-BE49-F238E27FC236}">
+                <a16:creationId xmlns:a16="http://schemas.microsoft.com/office/drawing/2014/main" id="{2F672663-6C5B-7309-594F-F562AFBEBFB4}"/>
+              </a:ext>
+            </a:extLst>
+          </p:cNvPr>
+          <p:cNvSpPr/>
+          <p:nvPr/>
+        </p:nvSpPr>
+        <p:spPr>
+          <a:xfrm flipH="1" flipV="1">
+            <a:off x="2245360" y="502725"/>
+            <a:ext cx="158496" cy="136634"/>
+          </a:xfrm>
+          <a:prstGeom prst="triangle">
+            <a:avLst/>
+          </a:prstGeom>
+          <a:solidFill>
+            <a:schemeClr val="tx1"/>
+          </a:solidFill>
+        </p:spPr>
+        <p:style>
+          <a:lnRef idx="2">
+            <a:schemeClr val="accent1">
+              <a:shade val="15000"/>
+            </a:schemeClr>
+          </a:lnRef>
+          <a:fillRef idx="1">
+            <a:schemeClr val="accent1"/>
+          </a:fillRef>
+          <a:effectRef idx="0">
+            <a:schemeClr val="accent1"/>
+          </a:effectRef>
+          <a:fontRef idx="minor">
+            <a:schemeClr val="lt1"/>
+          </a:fontRef>
+        </p:style>
+        <p:txBody>
+          <a:bodyPr rtlCol="0" anchor="ctr"/>
+          <a:lstStyle/>
+          <a:p>
+            <a:pPr algn="ctr"/>
+            <a:endParaRPr lang="ko-KR" altLang="en-US"/>
+          </a:p>
+        </p:txBody>
+      </p:sp>
+      <p:sp>
+        <p:nvSpPr>
+          <p:cNvPr id="7" name="이등변 삼각형 6">
+            <a:extLst>
+              <a:ext uri="{FF2B5EF4-FFF2-40B4-BE49-F238E27FC236}">
+                <a16:creationId xmlns:a16="http://schemas.microsoft.com/office/drawing/2014/main" id="{91F10FC1-B92A-F635-46A8-514F49176209}"/>
+              </a:ext>
+            </a:extLst>
+          </p:cNvPr>
+          <p:cNvSpPr/>
+          <p:nvPr/>
+        </p:nvSpPr>
+        <p:spPr>
+          <a:xfrm flipH="1">
+            <a:off x="-1842770" y="450850"/>
+            <a:ext cx="250444" cy="215900"/>
+          </a:xfrm>
+          <a:prstGeom prst="triangle">
+            <a:avLst/>
+          </a:prstGeom>
+          <a:solidFill>
+            <a:schemeClr val="tx1"/>
+          </a:solidFill>
+        </p:spPr>
+        <p:style>
+          <a:lnRef idx="2">
+            <a:schemeClr val="accent1">
+              <a:shade val="15000"/>
+            </a:schemeClr>
+          </a:lnRef>
+          <a:fillRef idx="1">
+            <a:schemeClr val="accent1"/>
+          </a:fillRef>
+          <a:effectRef idx="0">
+            <a:schemeClr val="accent1"/>
+          </a:effectRef>
+          <a:fontRef idx="minor">
+            <a:schemeClr val="lt1"/>
+          </a:fontRef>
+        </p:style>
+        <p:txBody>
+          <a:bodyPr rtlCol="0" anchor="ctr"/>
+          <a:lstStyle/>
+          <a:p>
+            <a:pPr algn="ctr"/>
+            <a:endParaRPr lang="ko-KR" altLang="en-US"/>
+          </a:p>
+        </p:txBody>
+      </p:sp>
+      <p:sp>
+        <p:nvSpPr>
+          <p:cNvPr id="9" name="TextBox 8">
+            <a:extLst>
+              <a:ext uri="{FF2B5EF4-FFF2-40B4-BE49-F238E27FC236}">
+                <a16:creationId xmlns:a16="http://schemas.microsoft.com/office/drawing/2014/main" id="{6A10FD17-BC4E-B5D7-51DF-EF3651BD48DF}"/>
+              </a:ext>
+            </a:extLst>
+          </p:cNvPr>
+          <p:cNvSpPr txBox="1"/>
+          <p:nvPr/>
+        </p:nvSpPr>
+        <p:spPr>
+          <a:xfrm>
+            <a:off x="2370074" y="404911"/>
+            <a:ext cx="652526" cy="307777"/>
+          </a:xfrm>
+          <a:prstGeom prst="rect">
+            <a:avLst/>
+          </a:prstGeom>
+          <a:noFill/>
+        </p:spPr>
+        <p:txBody>
+          <a:bodyPr wrap="square">
+            <a:spAutoFit/>
+          </a:bodyPr>
+          <a:lstStyle/>
+          <a:p>
+            <a:r>
+              <a:rPr lang="en-US" altLang="ko-KR" sz="1400" spc="-60" dirty="0">
+                <a:ln w="3175">
+                  <a:solidFill>
+                    <a:schemeClr val="tx1">
+                      <a:lumMod val="75000"/>
+                      <a:lumOff val="25000"/>
+                      <a:alpha val="10000"/>
+                    </a:schemeClr>
+                  </a:solidFill>
+                </a:ln>
+                <a:ea typeface="경기천년제목 Light" panose="02020403020101020101" pitchFamily="18" charset="-127"/>
+              </a:rPr>
+              <a:t>14.2%</a:t>
+            </a:r>
+            <a:endParaRPr lang="ko-KR" altLang="en-US" sz="1400" dirty="0"/>
+          </a:p>
+        </p:txBody>
+      </p:sp>
+      <p:sp>
+        <p:nvSpPr>
+          <p:cNvPr id="13" name="직사각형 12">
+            <a:extLst>
+              <a:ext uri="{FF2B5EF4-FFF2-40B4-BE49-F238E27FC236}">
+                <a16:creationId xmlns:a16="http://schemas.microsoft.com/office/drawing/2014/main" id="{A2E2B265-3760-9991-FFAD-09DA1F9B0408}"/>
+              </a:ext>
+            </a:extLst>
+          </p:cNvPr>
+          <p:cNvSpPr/>
+          <p:nvPr/>
+        </p:nvSpPr>
+        <p:spPr>
+          <a:xfrm>
+            <a:off x="922020" y="3215482"/>
+            <a:ext cx="10717398" cy="213518"/>
+          </a:xfrm>
+          <a:prstGeom prst="rect">
+            <a:avLst/>
+          </a:prstGeom>
+          <a:solidFill>
+            <a:schemeClr val="bg1"/>
+          </a:solidFill>
+          <a:ln>
+            <a:noFill/>
+          </a:ln>
+        </p:spPr>
+        <p:style>
+          <a:lnRef idx="2">
+            <a:schemeClr val="accent1">
+              <a:shade val="15000"/>
+            </a:schemeClr>
+          </a:lnRef>
+          <a:fillRef idx="1">
+            <a:schemeClr val="accent1"/>
+          </a:fillRef>
+          <a:effectRef idx="0">
+            <a:schemeClr val="accent1"/>
+          </a:effectRef>
+          <a:fontRef idx="minor">
+            <a:schemeClr val="lt1"/>
+          </a:fontRef>
+        </p:style>
+        <p:txBody>
+          <a:bodyPr rtlCol="0" anchor="ctr"/>
+          <a:lstStyle/>
+          <a:p>
+            <a:pPr algn="ctr"/>
+            <a:endParaRPr lang="ko-KR" altLang="en-US"/>
+          </a:p>
+        </p:txBody>
+      </p:sp>
+      <p:sp>
+        <p:nvSpPr>
+          <p:cNvPr id="14" name="직사각형 13">
+            <a:extLst>
+              <a:ext uri="{FF2B5EF4-FFF2-40B4-BE49-F238E27FC236}">
+                <a16:creationId xmlns:a16="http://schemas.microsoft.com/office/drawing/2014/main" id="{B283EDF2-A942-22F3-3EC6-5D10C09874CB}"/>
+              </a:ext>
+            </a:extLst>
+          </p:cNvPr>
+          <p:cNvSpPr/>
+          <p:nvPr/>
+        </p:nvSpPr>
+        <p:spPr>
+          <a:xfrm>
+            <a:off x="922020" y="6644482"/>
+            <a:ext cx="10717398" cy="213518"/>
+          </a:xfrm>
+          <a:prstGeom prst="rect">
+            <a:avLst/>
+          </a:prstGeom>
+          <a:solidFill>
+            <a:schemeClr val="bg1"/>
+          </a:solidFill>
+          <a:ln>
+            <a:noFill/>
+          </a:ln>
+        </p:spPr>
+        <p:style>
+          <a:lnRef idx="2">
+            <a:schemeClr val="accent1">
+              <a:shade val="15000"/>
+            </a:schemeClr>
+          </a:lnRef>
+          <a:fillRef idx="1">
+            <a:schemeClr val="accent1"/>
+          </a:fillRef>
+          <a:effectRef idx="0">
+            <a:schemeClr val="accent1"/>
+          </a:effectRef>
+          <a:fontRef idx="minor">
+            <a:schemeClr val="lt1"/>
+          </a:fontRef>
+        </p:style>
+        <p:txBody>
+          <a:bodyPr rtlCol="0" anchor="ctr"/>
+          <a:lstStyle/>
+          <a:p>
+            <a:pPr algn="ctr"/>
+            <a:endParaRPr lang="ko-KR" altLang="en-US"/>
+          </a:p>
+        </p:txBody>
+      </p:sp>
+      <p:pic>
+        <p:nvPicPr>
+          <p:cNvPr id="10" name="그림 9">
+            <a:extLst>
+              <a:ext uri="{FF2B5EF4-FFF2-40B4-BE49-F238E27FC236}">
+                <a16:creationId xmlns:a16="http://schemas.microsoft.com/office/drawing/2014/main" id="{C698687E-7BEA-A2C9-F71E-A876A6DB8918}"/>
+              </a:ext>
+            </a:extLst>
+          </p:cNvPr>
+          <p:cNvPicPr>
+            <a:picLocks noChangeAspect="1"/>
+          </p:cNvPicPr>
+          <p:nvPr/>
+        </p:nvPicPr>
+        <p:blipFill>
+          <a:blip r:embed="rId3"/>
+          <a:srcRect l="4668" t="47505" r="79006" b="50297"/>
+          <a:stretch/>
+        </p:blipFill>
+        <p:spPr>
+          <a:xfrm>
+            <a:off x="1112520" y="3225642"/>
+            <a:ext cx="1910080" cy="150812"/>
+          </a:xfrm>
+          <a:prstGeom prst="rect">
+            <a:avLst/>
+          </a:prstGeom>
+        </p:spPr>
+      </p:pic>
+      <p:pic>
+        <p:nvPicPr>
+          <p:cNvPr id="15" name="그림 14">
+            <a:extLst>
+              <a:ext uri="{FF2B5EF4-FFF2-40B4-BE49-F238E27FC236}">
+                <a16:creationId xmlns:a16="http://schemas.microsoft.com/office/drawing/2014/main" id="{F32299CA-D4AE-F4BF-82E2-1F66986C9568}"/>
+              </a:ext>
+            </a:extLst>
+          </p:cNvPr>
+          <p:cNvPicPr>
+            <a:picLocks noChangeAspect="1"/>
+          </p:cNvPicPr>
+          <p:nvPr/>
+        </p:nvPicPr>
+        <p:blipFill>
+          <a:blip r:embed="rId3"/>
+          <a:srcRect l="4668" t="47505" r="79006" b="50297"/>
+          <a:stretch/>
+        </p:blipFill>
+        <p:spPr>
+          <a:xfrm>
+            <a:off x="3860800" y="3225642"/>
+            <a:ext cx="1910080" cy="150812"/>
+          </a:xfrm>
+          <a:prstGeom prst="rect">
+            <a:avLst/>
+          </a:prstGeom>
+        </p:spPr>
+      </p:pic>
+      <p:pic>
+        <p:nvPicPr>
+          <p:cNvPr id="16" name="그림 15">
+            <a:extLst>
+              <a:ext uri="{FF2B5EF4-FFF2-40B4-BE49-F238E27FC236}">
+                <a16:creationId xmlns:a16="http://schemas.microsoft.com/office/drawing/2014/main" id="{E776C361-FBB9-4CFC-1CF7-0F4FF3E312B1}"/>
+              </a:ext>
+            </a:extLst>
+          </p:cNvPr>
+          <p:cNvPicPr>
+            <a:picLocks noChangeAspect="1"/>
+          </p:cNvPicPr>
+          <p:nvPr/>
+        </p:nvPicPr>
+        <p:blipFill>
+          <a:blip r:embed="rId3"/>
+          <a:srcRect l="4668" t="47505" r="79006" b="50297"/>
+          <a:stretch/>
+        </p:blipFill>
+        <p:spPr>
+          <a:xfrm>
+            <a:off x="6739468" y="3225642"/>
+            <a:ext cx="1910080" cy="150812"/>
+          </a:xfrm>
+          <a:prstGeom prst="rect">
+            <a:avLst/>
+          </a:prstGeom>
+        </p:spPr>
+      </p:pic>
+      <p:pic>
+        <p:nvPicPr>
+          <p:cNvPr id="17" name="그림 16">
+            <a:extLst>
+              <a:ext uri="{FF2B5EF4-FFF2-40B4-BE49-F238E27FC236}">
+                <a16:creationId xmlns:a16="http://schemas.microsoft.com/office/drawing/2014/main" id="{4FDA546C-8BB1-B052-3503-00BCD02B1738}"/>
+              </a:ext>
+            </a:extLst>
+          </p:cNvPr>
+          <p:cNvPicPr>
+            <a:picLocks noChangeAspect="1"/>
+          </p:cNvPicPr>
+          <p:nvPr/>
+        </p:nvPicPr>
+        <p:blipFill>
+          <a:blip r:embed="rId3"/>
+          <a:srcRect l="4668" t="47505" r="79006" b="50297"/>
+          <a:stretch/>
+        </p:blipFill>
+        <p:spPr>
+          <a:xfrm>
+            <a:off x="9469123" y="3225642"/>
+            <a:ext cx="1910080" cy="150812"/>
+          </a:xfrm>
+          <a:prstGeom prst="rect">
+            <a:avLst/>
+          </a:prstGeom>
+        </p:spPr>
+      </p:pic>
+      <p:pic>
+        <p:nvPicPr>
+          <p:cNvPr id="18" name="그림 17">
+            <a:extLst>
+              <a:ext uri="{FF2B5EF4-FFF2-40B4-BE49-F238E27FC236}">
+                <a16:creationId xmlns:a16="http://schemas.microsoft.com/office/drawing/2014/main" id="{D2F3E4E1-CA0F-BF7E-7BE3-8E23DB0A1A59}"/>
+              </a:ext>
+            </a:extLst>
+          </p:cNvPr>
+          <p:cNvPicPr>
+            <a:picLocks noChangeAspect="1"/>
+          </p:cNvPicPr>
+          <p:nvPr/>
+        </p:nvPicPr>
+        <p:blipFill>
+          <a:blip r:embed="rId3"/>
+          <a:srcRect l="4668" t="47505" r="79006" b="50297"/>
+          <a:stretch/>
+        </p:blipFill>
+        <p:spPr>
+          <a:xfrm>
+            <a:off x="1112520" y="6654642"/>
+            <a:ext cx="1910080" cy="150812"/>
+          </a:xfrm>
+          <a:prstGeom prst="rect">
+            <a:avLst/>
+          </a:prstGeom>
+        </p:spPr>
+      </p:pic>
+      <p:pic>
+        <p:nvPicPr>
+          <p:cNvPr id="19" name="그림 18">
+            <a:extLst>
+              <a:ext uri="{FF2B5EF4-FFF2-40B4-BE49-F238E27FC236}">
+                <a16:creationId xmlns:a16="http://schemas.microsoft.com/office/drawing/2014/main" id="{DD7D1F59-6301-E8A9-EF8C-E6A42FDE54C4}"/>
+              </a:ext>
+            </a:extLst>
+          </p:cNvPr>
+          <p:cNvPicPr>
+            <a:picLocks noChangeAspect="1"/>
+          </p:cNvPicPr>
+          <p:nvPr/>
+        </p:nvPicPr>
+        <p:blipFill>
+          <a:blip r:embed="rId3"/>
+          <a:srcRect l="4668" t="47505" r="79006" b="50297"/>
+          <a:stretch/>
+        </p:blipFill>
+        <p:spPr>
+          <a:xfrm>
+            <a:off x="3860800" y="6654642"/>
+            <a:ext cx="1910080" cy="150812"/>
+          </a:xfrm>
+          <a:prstGeom prst="rect">
+            <a:avLst/>
+          </a:prstGeom>
+        </p:spPr>
+      </p:pic>
+      <p:pic>
+        <p:nvPicPr>
+          <p:cNvPr id="20" name="그림 19">
+            <a:extLst>
+              <a:ext uri="{FF2B5EF4-FFF2-40B4-BE49-F238E27FC236}">
+                <a16:creationId xmlns:a16="http://schemas.microsoft.com/office/drawing/2014/main" id="{904EB464-0A24-17CD-98F3-DAA9FA2662B1}"/>
+              </a:ext>
+            </a:extLst>
+          </p:cNvPr>
+          <p:cNvPicPr>
+            <a:picLocks noChangeAspect="1"/>
+          </p:cNvPicPr>
+          <p:nvPr/>
+        </p:nvPicPr>
+        <p:blipFill>
+          <a:blip r:embed="rId3"/>
+          <a:srcRect l="4668" t="47505" r="79006" b="50297"/>
+          <a:stretch/>
+        </p:blipFill>
+        <p:spPr>
+          <a:xfrm>
+            <a:off x="6739468" y="6654642"/>
+            <a:ext cx="1910080" cy="150812"/>
+          </a:xfrm>
+          <a:prstGeom prst="rect">
+            <a:avLst/>
+          </a:prstGeom>
+        </p:spPr>
+      </p:pic>
+      <p:pic>
+        <p:nvPicPr>
+          <p:cNvPr id="21" name="그림 20">
+            <a:extLst>
+              <a:ext uri="{FF2B5EF4-FFF2-40B4-BE49-F238E27FC236}">
+                <a16:creationId xmlns:a16="http://schemas.microsoft.com/office/drawing/2014/main" id="{1CAE9D2B-98FC-C6CC-C47B-F58F5D95182D}"/>
+              </a:ext>
+            </a:extLst>
+          </p:cNvPr>
+          <p:cNvPicPr>
+            <a:picLocks noChangeAspect="1"/>
+          </p:cNvPicPr>
+          <p:nvPr/>
+        </p:nvPicPr>
+        <p:blipFill>
+          <a:blip r:embed="rId3"/>
+          <a:srcRect l="4668" t="47505" r="79006" b="50297"/>
+          <a:stretch/>
+        </p:blipFill>
+        <p:spPr>
+          <a:xfrm>
+            <a:off x="9469123" y="6654642"/>
+            <a:ext cx="1910080" cy="150812"/>
+          </a:xfrm>
+          <a:prstGeom prst="rect">
+            <a:avLst/>
+          </a:prstGeom>
+        </p:spPr>
+      </p:pic>
+      <p:sp>
+        <p:nvSpPr>
+          <p:cNvPr id="22" name="이등변 삼각형 21">
+            <a:extLst>
+              <a:ext uri="{FF2B5EF4-FFF2-40B4-BE49-F238E27FC236}">
+                <a16:creationId xmlns:a16="http://schemas.microsoft.com/office/drawing/2014/main" id="{D89EFAD1-C22C-DBD7-2A39-40A17725A305}"/>
+              </a:ext>
+            </a:extLst>
+          </p:cNvPr>
+          <p:cNvSpPr/>
+          <p:nvPr/>
+        </p:nvSpPr>
+        <p:spPr>
+          <a:xfrm flipH="1" flipV="1">
+            <a:off x="4993640" y="502725"/>
+            <a:ext cx="158496" cy="136634"/>
+          </a:xfrm>
+          <a:prstGeom prst="triangle">
+            <a:avLst/>
+          </a:prstGeom>
+          <a:solidFill>
+            <a:schemeClr val="tx1"/>
+          </a:solidFill>
+        </p:spPr>
+        <p:style>
+          <a:lnRef idx="2">
+            <a:schemeClr val="accent1">
+              <a:shade val="15000"/>
+            </a:schemeClr>
+          </a:lnRef>
+          <a:fillRef idx="1">
+            <a:schemeClr val="accent1"/>
+          </a:fillRef>
+          <a:effectRef idx="0">
+            <a:schemeClr val="accent1"/>
+          </a:effectRef>
+          <a:fontRef idx="minor">
+            <a:schemeClr val="lt1"/>
+          </a:fontRef>
+        </p:style>
+        <p:txBody>
+          <a:bodyPr rtlCol="0" anchor="ctr"/>
+          <a:lstStyle/>
+          <a:p>
+            <a:pPr algn="ctr"/>
+            <a:endParaRPr lang="ko-KR" altLang="en-US"/>
+          </a:p>
+        </p:txBody>
+      </p:sp>
+      <p:sp>
+        <p:nvSpPr>
+          <p:cNvPr id="23" name="TextBox 22">
+            <a:extLst>
+              <a:ext uri="{FF2B5EF4-FFF2-40B4-BE49-F238E27FC236}">
+                <a16:creationId xmlns:a16="http://schemas.microsoft.com/office/drawing/2014/main" id="{084E04BE-F387-6423-C8E5-CDDC9EAF9DFC}"/>
+              </a:ext>
+            </a:extLst>
+          </p:cNvPr>
+          <p:cNvSpPr txBox="1"/>
+          <p:nvPr/>
+        </p:nvSpPr>
+        <p:spPr>
+          <a:xfrm>
+            <a:off x="5118354" y="404911"/>
+            <a:ext cx="652526" cy="307777"/>
+          </a:xfrm>
+          <a:prstGeom prst="rect">
+            <a:avLst/>
+          </a:prstGeom>
+          <a:noFill/>
+        </p:spPr>
+        <p:txBody>
+          <a:bodyPr wrap="square">
+            <a:spAutoFit/>
+          </a:bodyPr>
+          <a:lstStyle/>
+          <a:p>
+            <a:r>
+              <a:rPr lang="en-US" altLang="ko-KR" sz="1400" spc="-60" dirty="0">
+                <a:ln w="3175">
+                  <a:solidFill>
+                    <a:schemeClr val="tx1">
+                      <a:lumMod val="75000"/>
+                      <a:lumOff val="25000"/>
+                      <a:alpha val="10000"/>
+                    </a:schemeClr>
+                  </a:solidFill>
+                </a:ln>
+                <a:ea typeface="경기천년제목 Light" panose="02020403020101020101" pitchFamily="18" charset="-127"/>
+              </a:rPr>
+              <a:t>42.1%</a:t>
+            </a:r>
+            <a:endParaRPr lang="ko-KR" altLang="en-US" sz="1400" dirty="0"/>
+          </a:p>
+        </p:txBody>
+      </p:sp>
+      <p:sp>
+        <p:nvSpPr>
+          <p:cNvPr id="24" name="이등변 삼각형 23">
+            <a:extLst>
+              <a:ext uri="{FF2B5EF4-FFF2-40B4-BE49-F238E27FC236}">
+                <a16:creationId xmlns:a16="http://schemas.microsoft.com/office/drawing/2014/main" id="{97B81EFB-08D9-1A39-CD67-B9354D8EB754}"/>
+              </a:ext>
+            </a:extLst>
+          </p:cNvPr>
+          <p:cNvSpPr/>
+          <p:nvPr/>
+        </p:nvSpPr>
+        <p:spPr>
+          <a:xfrm flipH="1" flipV="1">
+            <a:off x="7872308" y="502725"/>
+            <a:ext cx="158496" cy="136634"/>
+          </a:xfrm>
+          <a:prstGeom prst="triangle">
+            <a:avLst/>
+          </a:prstGeom>
+          <a:solidFill>
+            <a:schemeClr val="tx1"/>
+          </a:solidFill>
+        </p:spPr>
+        <p:style>
+          <a:lnRef idx="2">
+            <a:schemeClr val="accent1">
+              <a:shade val="15000"/>
+            </a:schemeClr>
+          </a:lnRef>
+          <a:fillRef idx="1">
+            <a:schemeClr val="accent1"/>
+          </a:fillRef>
+          <a:effectRef idx="0">
+            <a:schemeClr val="accent1"/>
+          </a:effectRef>
+          <a:fontRef idx="minor">
+            <a:schemeClr val="lt1"/>
+          </a:fontRef>
+        </p:style>
+        <p:txBody>
+          <a:bodyPr rtlCol="0" anchor="ctr"/>
+          <a:lstStyle/>
+          <a:p>
+            <a:pPr algn="ctr"/>
+            <a:endParaRPr lang="ko-KR" altLang="en-US"/>
+          </a:p>
+        </p:txBody>
+      </p:sp>
+      <p:sp>
+        <p:nvSpPr>
+          <p:cNvPr id="25" name="TextBox 24">
+            <a:extLst>
+              <a:ext uri="{FF2B5EF4-FFF2-40B4-BE49-F238E27FC236}">
+                <a16:creationId xmlns:a16="http://schemas.microsoft.com/office/drawing/2014/main" id="{11F3B2A8-DFFB-6924-0F78-559204DFEC9A}"/>
+              </a:ext>
+            </a:extLst>
+          </p:cNvPr>
+          <p:cNvSpPr txBox="1"/>
+          <p:nvPr/>
+        </p:nvSpPr>
+        <p:spPr>
+          <a:xfrm>
+            <a:off x="7997022" y="404911"/>
+            <a:ext cx="652526" cy="307777"/>
+          </a:xfrm>
+          <a:prstGeom prst="rect">
+            <a:avLst/>
+          </a:prstGeom>
+          <a:noFill/>
+        </p:spPr>
+        <p:txBody>
+          <a:bodyPr wrap="square">
+            <a:spAutoFit/>
+          </a:bodyPr>
+          <a:lstStyle/>
+          <a:p>
+            <a:r>
+              <a:rPr lang="en-US" altLang="ko-KR" sz="1400" spc="-60" dirty="0">
+                <a:ln w="3175">
+                  <a:solidFill>
+                    <a:schemeClr val="tx1">
+                      <a:lumMod val="75000"/>
+                      <a:lumOff val="25000"/>
+                      <a:alpha val="10000"/>
+                    </a:schemeClr>
+                  </a:solidFill>
+                </a:ln>
+                <a:ea typeface="경기천년제목 Light" panose="02020403020101020101" pitchFamily="18" charset="-127"/>
+              </a:rPr>
+              <a:t>13.1%</a:t>
+            </a:r>
+            <a:endParaRPr lang="ko-KR" altLang="en-US" sz="1400" dirty="0"/>
+          </a:p>
+        </p:txBody>
+      </p:sp>
+      <p:sp>
+        <p:nvSpPr>
+          <p:cNvPr id="26" name="이등변 삼각형 25">
+            <a:extLst>
+              <a:ext uri="{FF2B5EF4-FFF2-40B4-BE49-F238E27FC236}">
+                <a16:creationId xmlns:a16="http://schemas.microsoft.com/office/drawing/2014/main" id="{90B57F32-10EA-E9FD-0036-ABCDA5CE284E}"/>
+              </a:ext>
+            </a:extLst>
+          </p:cNvPr>
+          <p:cNvSpPr/>
+          <p:nvPr/>
+        </p:nvSpPr>
+        <p:spPr>
+          <a:xfrm flipH="1" flipV="1">
+            <a:off x="10622117" y="502725"/>
+            <a:ext cx="158496" cy="136634"/>
+          </a:xfrm>
+          <a:prstGeom prst="triangle">
+            <a:avLst/>
+          </a:prstGeom>
+          <a:solidFill>
+            <a:schemeClr val="tx1"/>
+          </a:solidFill>
+        </p:spPr>
+        <p:style>
+          <a:lnRef idx="2">
+            <a:schemeClr val="accent1">
+              <a:shade val="15000"/>
+            </a:schemeClr>
+          </a:lnRef>
+          <a:fillRef idx="1">
+            <a:schemeClr val="accent1"/>
+          </a:fillRef>
+          <a:effectRef idx="0">
+            <a:schemeClr val="accent1"/>
+          </a:effectRef>
+          <a:fontRef idx="minor">
+            <a:schemeClr val="lt1"/>
+          </a:fontRef>
+        </p:style>
+        <p:txBody>
+          <a:bodyPr rtlCol="0" anchor="ctr"/>
+          <a:lstStyle/>
+          <a:p>
+            <a:pPr algn="ctr"/>
+            <a:endParaRPr lang="ko-KR" altLang="en-US"/>
+          </a:p>
+        </p:txBody>
+      </p:sp>
+      <p:sp>
+        <p:nvSpPr>
+          <p:cNvPr id="27" name="TextBox 26">
+            <a:extLst>
+              <a:ext uri="{FF2B5EF4-FFF2-40B4-BE49-F238E27FC236}">
+                <a16:creationId xmlns:a16="http://schemas.microsoft.com/office/drawing/2014/main" id="{1DEC1260-D5DB-5A01-94A7-2FD36392704F}"/>
+              </a:ext>
+            </a:extLst>
+          </p:cNvPr>
+          <p:cNvSpPr txBox="1"/>
+          <p:nvPr/>
+        </p:nvSpPr>
+        <p:spPr>
+          <a:xfrm>
+            <a:off x="10746831" y="404911"/>
+            <a:ext cx="652526" cy="307777"/>
+          </a:xfrm>
+          <a:prstGeom prst="rect">
+            <a:avLst/>
+          </a:prstGeom>
+          <a:noFill/>
+        </p:spPr>
+        <p:txBody>
+          <a:bodyPr wrap="square">
+            <a:spAutoFit/>
+          </a:bodyPr>
+          <a:lstStyle/>
+          <a:p>
+            <a:r>
+              <a:rPr lang="en-US" altLang="ko-KR" sz="1400" spc="-60" dirty="0">
+                <a:ln w="3175">
+                  <a:solidFill>
+                    <a:schemeClr val="tx1">
+                      <a:lumMod val="75000"/>
+                      <a:lumOff val="25000"/>
+                      <a:alpha val="10000"/>
+                    </a:schemeClr>
+                  </a:solidFill>
+                </a:ln>
+                <a:ea typeface="경기천년제목 Light" panose="02020403020101020101" pitchFamily="18" charset="-127"/>
+              </a:rPr>
+              <a:t>22.0%</a:t>
+            </a:r>
+            <a:endParaRPr lang="ko-KR" altLang="en-US" sz="1400" dirty="0"/>
+          </a:p>
+        </p:txBody>
+      </p:sp>
+      <p:sp>
+        <p:nvSpPr>
+          <p:cNvPr id="28" name="이등변 삼각형 27">
+            <a:extLst>
+              <a:ext uri="{FF2B5EF4-FFF2-40B4-BE49-F238E27FC236}">
+                <a16:creationId xmlns:a16="http://schemas.microsoft.com/office/drawing/2014/main" id="{8CCDFCD3-AD2F-C392-3CBA-E2864F31D43C}"/>
+              </a:ext>
+            </a:extLst>
+          </p:cNvPr>
+          <p:cNvSpPr/>
+          <p:nvPr/>
+        </p:nvSpPr>
+        <p:spPr>
+          <a:xfrm flipH="1" flipV="1">
+            <a:off x="10622117" y="3925375"/>
+            <a:ext cx="158496" cy="136634"/>
+          </a:xfrm>
+          <a:prstGeom prst="triangle">
+            <a:avLst/>
+          </a:prstGeom>
+          <a:solidFill>
+            <a:schemeClr val="tx1"/>
+          </a:solidFill>
+        </p:spPr>
+        <p:style>
+          <a:lnRef idx="2">
+            <a:schemeClr val="accent1">
+              <a:shade val="15000"/>
+            </a:schemeClr>
+          </a:lnRef>
+          <a:fillRef idx="1">
+            <a:schemeClr val="accent1"/>
+          </a:fillRef>
+          <a:effectRef idx="0">
+            <a:schemeClr val="accent1"/>
+          </a:effectRef>
+          <a:fontRef idx="minor">
+            <a:schemeClr val="lt1"/>
+          </a:fontRef>
+        </p:style>
+        <p:txBody>
+          <a:bodyPr rtlCol="0" anchor="ctr"/>
+          <a:lstStyle/>
+          <a:p>
+            <a:pPr algn="ctr"/>
+            <a:endParaRPr lang="ko-KR" altLang="en-US"/>
+          </a:p>
+        </p:txBody>
+      </p:sp>
+      <p:sp>
+        <p:nvSpPr>
+          <p:cNvPr id="29" name="TextBox 28">
+            <a:extLst>
+              <a:ext uri="{FF2B5EF4-FFF2-40B4-BE49-F238E27FC236}">
+                <a16:creationId xmlns:a16="http://schemas.microsoft.com/office/drawing/2014/main" id="{BFEBF2C3-A0BE-AAC1-4022-910A3B97F1CC}"/>
+              </a:ext>
+            </a:extLst>
+          </p:cNvPr>
+          <p:cNvSpPr txBox="1"/>
+          <p:nvPr/>
+        </p:nvSpPr>
+        <p:spPr>
+          <a:xfrm>
+            <a:off x="10746831" y="3827561"/>
+            <a:ext cx="652526" cy="307777"/>
+          </a:xfrm>
+          <a:prstGeom prst="rect">
+            <a:avLst/>
+          </a:prstGeom>
+          <a:noFill/>
+        </p:spPr>
+        <p:txBody>
+          <a:bodyPr wrap="square">
+            <a:spAutoFit/>
+          </a:bodyPr>
+          <a:lstStyle/>
+          <a:p>
+            <a:r>
+              <a:rPr lang="en-US" altLang="ko-KR" sz="1400" spc="-60" dirty="0">
+                <a:ln w="3175">
+                  <a:solidFill>
+                    <a:schemeClr val="tx1">
+                      <a:lumMod val="75000"/>
+                      <a:lumOff val="25000"/>
+                      <a:alpha val="10000"/>
+                    </a:schemeClr>
+                  </a:solidFill>
+                </a:ln>
+                <a:ea typeface="경기천년제목 Light" panose="02020403020101020101" pitchFamily="18" charset="-127"/>
+              </a:rPr>
+              <a:t>12.9%</a:t>
+            </a:r>
+            <a:endParaRPr lang="ko-KR" altLang="en-US" sz="1400" dirty="0"/>
+          </a:p>
+        </p:txBody>
+      </p:sp>
+      <p:sp>
+        <p:nvSpPr>
+          <p:cNvPr id="30" name="이등변 삼각형 29">
+            <a:extLst>
+              <a:ext uri="{FF2B5EF4-FFF2-40B4-BE49-F238E27FC236}">
+                <a16:creationId xmlns:a16="http://schemas.microsoft.com/office/drawing/2014/main" id="{CEDD3149-4C0D-9071-C40C-53BAC6C51DDE}"/>
+              </a:ext>
+            </a:extLst>
+          </p:cNvPr>
+          <p:cNvSpPr/>
+          <p:nvPr/>
+        </p:nvSpPr>
+        <p:spPr>
+          <a:xfrm flipH="1" flipV="1">
+            <a:off x="7872308" y="3925375"/>
+            <a:ext cx="158496" cy="136634"/>
+          </a:xfrm>
+          <a:prstGeom prst="triangle">
+            <a:avLst/>
+          </a:prstGeom>
+          <a:solidFill>
+            <a:schemeClr val="tx1"/>
+          </a:solidFill>
+        </p:spPr>
+        <p:style>
+          <a:lnRef idx="2">
+            <a:schemeClr val="accent1">
+              <a:shade val="15000"/>
+            </a:schemeClr>
+          </a:lnRef>
+          <a:fillRef idx="1">
+            <a:schemeClr val="accent1"/>
+          </a:fillRef>
+          <a:effectRef idx="0">
+            <a:schemeClr val="accent1"/>
+          </a:effectRef>
+          <a:fontRef idx="minor">
+            <a:schemeClr val="lt1"/>
+          </a:fontRef>
+        </p:style>
+        <p:txBody>
+          <a:bodyPr rtlCol="0" anchor="ctr"/>
+          <a:lstStyle/>
+          <a:p>
+            <a:pPr algn="ctr"/>
+            <a:endParaRPr lang="ko-KR" altLang="en-US"/>
+          </a:p>
+        </p:txBody>
+      </p:sp>
+      <p:sp>
+        <p:nvSpPr>
+          <p:cNvPr id="31" name="TextBox 30">
+            <a:extLst>
+              <a:ext uri="{FF2B5EF4-FFF2-40B4-BE49-F238E27FC236}">
+                <a16:creationId xmlns:a16="http://schemas.microsoft.com/office/drawing/2014/main" id="{5F345714-A2A6-EB62-BDDD-1B9A9A5C1687}"/>
+              </a:ext>
+            </a:extLst>
+          </p:cNvPr>
+          <p:cNvSpPr txBox="1"/>
+          <p:nvPr/>
+        </p:nvSpPr>
+        <p:spPr>
+          <a:xfrm>
+            <a:off x="7997022" y="3827561"/>
+            <a:ext cx="652526" cy="307777"/>
+          </a:xfrm>
+          <a:prstGeom prst="rect">
+            <a:avLst/>
+          </a:prstGeom>
+          <a:noFill/>
+        </p:spPr>
+        <p:txBody>
+          <a:bodyPr wrap="square">
+            <a:spAutoFit/>
+          </a:bodyPr>
+          <a:lstStyle/>
+          <a:p>
+            <a:r>
+              <a:rPr lang="en-US" altLang="ko-KR" sz="1400" spc="-60" dirty="0">
+                <a:ln w="3175">
+                  <a:solidFill>
+                    <a:schemeClr val="tx1">
+                      <a:lumMod val="75000"/>
+                      <a:lumOff val="25000"/>
+                      <a:alpha val="10000"/>
+                    </a:schemeClr>
+                  </a:solidFill>
+                </a:ln>
+                <a:ea typeface="경기천년제목 Light" panose="02020403020101020101" pitchFamily="18" charset="-127"/>
+              </a:rPr>
+              <a:t>17.7%</a:t>
+            </a:r>
+            <a:endParaRPr lang="ko-KR" altLang="en-US" sz="1400" dirty="0"/>
+          </a:p>
+        </p:txBody>
+      </p:sp>
+      <p:sp>
+        <p:nvSpPr>
+          <p:cNvPr id="32" name="이등변 삼각형 31">
+            <a:extLst>
+              <a:ext uri="{FF2B5EF4-FFF2-40B4-BE49-F238E27FC236}">
+                <a16:creationId xmlns:a16="http://schemas.microsoft.com/office/drawing/2014/main" id="{9525F0C7-1A69-49CA-5990-407B4B69FCD5}"/>
+              </a:ext>
+            </a:extLst>
+          </p:cNvPr>
+          <p:cNvSpPr/>
+          <p:nvPr/>
+        </p:nvSpPr>
+        <p:spPr>
+          <a:xfrm flipH="1" flipV="1">
+            <a:off x="4993640" y="3925375"/>
+            <a:ext cx="158496" cy="136634"/>
+          </a:xfrm>
+          <a:prstGeom prst="triangle">
+            <a:avLst/>
+          </a:prstGeom>
+          <a:solidFill>
+            <a:schemeClr val="tx1"/>
+          </a:solidFill>
+        </p:spPr>
+        <p:style>
+          <a:lnRef idx="2">
+            <a:schemeClr val="accent1">
+              <a:shade val="15000"/>
+            </a:schemeClr>
+          </a:lnRef>
+          <a:fillRef idx="1">
+            <a:schemeClr val="accent1"/>
+          </a:fillRef>
+          <a:effectRef idx="0">
+            <a:schemeClr val="accent1"/>
+          </a:effectRef>
+          <a:fontRef idx="minor">
+            <a:schemeClr val="lt1"/>
+          </a:fontRef>
+        </p:style>
+        <p:txBody>
+          <a:bodyPr rtlCol="0" anchor="ctr"/>
+          <a:lstStyle/>
+          <a:p>
+            <a:pPr algn="ctr"/>
+            <a:endParaRPr lang="ko-KR" altLang="en-US"/>
+          </a:p>
+        </p:txBody>
+      </p:sp>
+      <p:sp>
+        <p:nvSpPr>
+          <p:cNvPr id="33" name="TextBox 32">
+            <a:extLst>
+              <a:ext uri="{FF2B5EF4-FFF2-40B4-BE49-F238E27FC236}">
+                <a16:creationId xmlns:a16="http://schemas.microsoft.com/office/drawing/2014/main" id="{3106270F-5317-40E9-FFF9-94EA52E7A504}"/>
+              </a:ext>
+            </a:extLst>
+          </p:cNvPr>
+          <p:cNvSpPr txBox="1"/>
+          <p:nvPr/>
+        </p:nvSpPr>
+        <p:spPr>
+          <a:xfrm>
+            <a:off x="5118354" y="3827561"/>
+            <a:ext cx="652526" cy="307777"/>
+          </a:xfrm>
+          <a:prstGeom prst="rect">
+            <a:avLst/>
+          </a:prstGeom>
+          <a:noFill/>
+        </p:spPr>
+        <p:txBody>
+          <a:bodyPr wrap="square">
+            <a:spAutoFit/>
+          </a:bodyPr>
+          <a:lstStyle/>
+          <a:p>
+            <a:r>
+              <a:rPr lang="en-US" altLang="ko-KR" sz="1400" spc="-60" dirty="0">
+                <a:ln w="3175">
+                  <a:solidFill>
+                    <a:schemeClr val="tx1">
+                      <a:lumMod val="75000"/>
+                      <a:lumOff val="25000"/>
+                      <a:alpha val="10000"/>
+                    </a:schemeClr>
+                  </a:solidFill>
+                </a:ln>
+                <a:ea typeface="경기천년제목 Light" panose="02020403020101020101" pitchFamily="18" charset="-127"/>
+              </a:rPr>
+              <a:t>48.4%</a:t>
+            </a:r>
+            <a:endParaRPr lang="ko-KR" altLang="en-US" sz="1400" dirty="0"/>
+          </a:p>
+        </p:txBody>
+      </p:sp>
+      <p:sp>
+        <p:nvSpPr>
+          <p:cNvPr id="34" name="이등변 삼각형 33">
+            <a:extLst>
+              <a:ext uri="{FF2B5EF4-FFF2-40B4-BE49-F238E27FC236}">
+                <a16:creationId xmlns:a16="http://schemas.microsoft.com/office/drawing/2014/main" id="{93B9689C-B969-A1D6-ACC2-AA25C18CDAE7}"/>
+              </a:ext>
+            </a:extLst>
+          </p:cNvPr>
+          <p:cNvSpPr/>
+          <p:nvPr/>
+        </p:nvSpPr>
+        <p:spPr>
+          <a:xfrm flipH="1" flipV="1">
+            <a:off x="2262210" y="3925375"/>
+            <a:ext cx="158496" cy="136634"/>
+          </a:xfrm>
+          <a:prstGeom prst="triangle">
+            <a:avLst/>
+          </a:prstGeom>
+          <a:solidFill>
+            <a:schemeClr val="tx1"/>
+          </a:solidFill>
+        </p:spPr>
+        <p:style>
+          <a:lnRef idx="2">
+            <a:schemeClr val="accent1">
+              <a:shade val="15000"/>
+            </a:schemeClr>
+          </a:lnRef>
+          <a:fillRef idx="1">
+            <a:schemeClr val="accent1"/>
+          </a:fillRef>
+          <a:effectRef idx="0">
+            <a:schemeClr val="accent1"/>
+          </a:effectRef>
+          <a:fontRef idx="minor">
+            <a:schemeClr val="lt1"/>
+          </a:fontRef>
+        </p:style>
+        <p:txBody>
+          <a:bodyPr rtlCol="0" anchor="ctr"/>
+          <a:lstStyle/>
+          <a:p>
+            <a:pPr algn="ctr"/>
+            <a:endParaRPr lang="ko-KR" altLang="en-US"/>
+          </a:p>
+        </p:txBody>
+      </p:sp>
+      <p:sp>
+        <p:nvSpPr>
+          <p:cNvPr id="35" name="TextBox 34">
+            <a:extLst>
+              <a:ext uri="{FF2B5EF4-FFF2-40B4-BE49-F238E27FC236}">
+                <a16:creationId xmlns:a16="http://schemas.microsoft.com/office/drawing/2014/main" id="{82353BE5-8862-5B7D-B371-A7C707CCCBF5}"/>
+              </a:ext>
+            </a:extLst>
+          </p:cNvPr>
+          <p:cNvSpPr txBox="1"/>
+          <p:nvPr/>
+        </p:nvSpPr>
+        <p:spPr>
+          <a:xfrm>
+            <a:off x="2386924" y="3827561"/>
+            <a:ext cx="652526" cy="307777"/>
+          </a:xfrm>
+          <a:prstGeom prst="rect">
+            <a:avLst/>
+          </a:prstGeom>
+          <a:noFill/>
+        </p:spPr>
+        <p:txBody>
+          <a:bodyPr wrap="square">
+            <a:spAutoFit/>
+          </a:bodyPr>
+          <a:lstStyle/>
+          <a:p>
+            <a:r>
+              <a:rPr lang="en-US" altLang="ko-KR" sz="1400" spc="-60" dirty="0">
+                <a:ln w="3175">
+                  <a:solidFill>
+                    <a:schemeClr val="tx1">
+                      <a:lumMod val="75000"/>
+                      <a:lumOff val="25000"/>
+                      <a:alpha val="10000"/>
+                    </a:schemeClr>
+                  </a:solidFill>
+                </a:ln>
+                <a:ea typeface="경기천년제목 Light" panose="02020403020101020101" pitchFamily="18" charset="-127"/>
+              </a:rPr>
+              <a:t>45.9%</a:t>
+            </a:r>
+            <a:endParaRPr lang="ko-KR" altLang="en-US" sz="1400" dirty="0"/>
+          </a:p>
+        </p:txBody>
+      </p:sp>
+    </p:spTree>
+    <p:extLst>
+      <p:ext uri="{BB962C8B-B14F-4D97-AF65-F5344CB8AC3E}">
+        <p14:creationId xmlns:p14="http://schemas.microsoft.com/office/powerpoint/2010/main" val="1956436735"/>
+      </p:ext>
+    </p:extLst>
+  </p:cSld>
+  <p:clrMapOvr>
+    <a:masterClrMapping/>
+  </p:clrMapOvr>
+</p:sld>
+</file>
+
+<file path=ppt/slides/slide17.xml><?xml version="1.0" encoding="utf-8"?>
+<p:sld xmlns:a="http://schemas.openxmlformats.org/drawingml/2006/main" xmlns:r="http://schemas.openxmlformats.org/officeDocument/2006/relationships" xmlns:p="http://schemas.openxmlformats.org/presentationml/2006/main">
+  <p:cSld>
+    <p:spTree>
+      <p:nvGrpSpPr>
+        <p:cNvPr id="1" name=""/>
+        <p:cNvGrpSpPr/>
+        <p:nvPr/>
+      </p:nvGrpSpPr>
+      <p:grpSpPr>
+        <a:xfrm>
+          <a:off x="0" y="0"/>
+          <a:ext cx="0" cy="0"/>
+          <a:chOff x="0" y="0"/>
+          <a:chExt cx="0" cy="0"/>
+        </a:xfrm>
+      </p:grpSpPr>
+      <p:sp>
+        <p:nvSpPr>
+          <p:cNvPr id="10" name="직사각형 9">
+            <a:extLst>
+              <a:ext uri="{FF2B5EF4-FFF2-40B4-BE49-F238E27FC236}">
+                <a16:creationId xmlns:a16="http://schemas.microsoft.com/office/drawing/2014/main" id="{81D67261-C1D5-77F9-19FC-CCD455B29649}"/>
+              </a:ext>
+            </a:extLst>
+          </p:cNvPr>
+          <p:cNvSpPr/>
+          <p:nvPr/>
+        </p:nvSpPr>
+        <p:spPr>
+          <a:xfrm>
+            <a:off x="493216" y="-187960"/>
+            <a:ext cx="11556543" cy="7533640"/>
+          </a:xfrm>
+          <a:prstGeom prst="rect">
+            <a:avLst/>
+          </a:prstGeom>
+          <a:solidFill>
+            <a:schemeClr val="bg1"/>
+          </a:solidFill>
+          <a:ln>
+            <a:solidFill>
+              <a:schemeClr val="tx1"/>
+            </a:solidFill>
+          </a:ln>
+        </p:spPr>
+        <p:style>
+          <a:lnRef idx="2">
+            <a:schemeClr val="accent1">
+              <a:shade val="15000"/>
+            </a:schemeClr>
+          </a:lnRef>
+          <a:fillRef idx="1">
+            <a:schemeClr val="accent1"/>
+          </a:fillRef>
+          <a:effectRef idx="0">
+            <a:schemeClr val="accent1"/>
+          </a:effectRef>
+          <a:fontRef idx="minor">
+            <a:schemeClr val="lt1"/>
+          </a:fontRef>
+        </p:style>
+        <p:txBody>
+          <a:bodyPr rtlCol="0" anchor="ctr"/>
+          <a:lstStyle/>
+          <a:p>
+            <a:pPr algn="ctr"/>
+            <a:endParaRPr lang="ko-KR" altLang="en-US"/>
+          </a:p>
+        </p:txBody>
+      </p:sp>
+      <p:pic>
+        <p:nvPicPr>
+          <p:cNvPr id="5" name="그림 4">
+            <a:extLst>
+              <a:ext uri="{FF2B5EF4-FFF2-40B4-BE49-F238E27FC236}">
+                <a16:creationId xmlns:a16="http://schemas.microsoft.com/office/drawing/2014/main" id="{17677500-5F6D-7E3C-8F21-79634D23DD37}"/>
+              </a:ext>
+            </a:extLst>
+          </p:cNvPr>
+          <p:cNvPicPr>
+            <a:picLocks noChangeAspect="1"/>
+          </p:cNvPicPr>
+          <p:nvPr/>
+        </p:nvPicPr>
+        <p:blipFill>
+          <a:blip r:embed="rId2"/>
+          <a:stretch>
+            <a:fillRect/>
+          </a:stretch>
+        </p:blipFill>
+        <p:spPr>
+          <a:xfrm>
+            <a:off x="1390226" y="0"/>
+            <a:ext cx="9411547" cy="6858000"/>
+          </a:xfrm>
+          <a:prstGeom prst="rect">
+            <a:avLst/>
+          </a:prstGeom>
+        </p:spPr>
+      </p:pic>
+      <p:sp>
+        <p:nvSpPr>
+          <p:cNvPr id="8" name="TextBox 7">
+            <a:extLst>
+              <a:ext uri="{FF2B5EF4-FFF2-40B4-BE49-F238E27FC236}">
+                <a16:creationId xmlns:a16="http://schemas.microsoft.com/office/drawing/2014/main" id="{70791883-B36B-3255-4CFD-2A71C8F7D810}"/>
+              </a:ext>
+            </a:extLst>
+          </p:cNvPr>
+          <p:cNvSpPr txBox="1"/>
+          <p:nvPr/>
+        </p:nvSpPr>
+        <p:spPr>
+          <a:xfrm rot="16200000">
+            <a:off x="-294640" y="2919214"/>
+            <a:ext cx="2875280" cy="369332"/>
+          </a:xfrm>
+          <a:prstGeom prst="rect">
+            <a:avLst/>
+          </a:prstGeom>
+          <a:noFill/>
+        </p:spPr>
+        <p:txBody>
+          <a:bodyPr wrap="square">
+            <a:spAutoFit/>
+          </a:bodyPr>
+          <a:lstStyle/>
+          <a:p>
+            <a:pPr algn="ctr"/>
+            <a:r>
+              <a:rPr lang="en-US" altLang="ko-KR" spc="-60" dirty="0">
+                <a:ln w="3175">
+                  <a:solidFill>
+                    <a:schemeClr val="tx1">
+                      <a:lumMod val="75000"/>
+                      <a:lumOff val="25000"/>
+                      <a:alpha val="10000"/>
+                    </a:schemeClr>
+                  </a:solidFill>
+                </a:ln>
+                <a:solidFill>
+                  <a:schemeClr val="tx1">
+                    <a:lumMod val="75000"/>
+                    <a:lumOff val="25000"/>
+                  </a:schemeClr>
+                </a:solidFill>
+                <a:ea typeface="경기천년제목 Light" panose="02020403020101020101" pitchFamily="18" charset="-127"/>
+              </a:rPr>
+              <a:t>PV installation Area (m</a:t>
+            </a:r>
+            <a:r>
+              <a:rPr lang="en-US" altLang="ko-KR" spc="-60" baseline="30000" dirty="0">
+                <a:ln w="3175">
+                  <a:solidFill>
+                    <a:schemeClr val="tx1">
+                      <a:lumMod val="75000"/>
+                      <a:lumOff val="25000"/>
+                      <a:alpha val="10000"/>
+                    </a:schemeClr>
+                  </a:solidFill>
+                </a:ln>
+                <a:solidFill>
+                  <a:schemeClr val="tx1">
+                    <a:lumMod val="75000"/>
+                    <a:lumOff val="25000"/>
+                  </a:schemeClr>
+                </a:solidFill>
+                <a:ea typeface="경기천년제목 Light" panose="02020403020101020101" pitchFamily="18" charset="-127"/>
+              </a:rPr>
+              <a:t>2</a:t>
+            </a:r>
+            <a:r>
+              <a:rPr lang="en-US" altLang="ko-KR" spc="-60" dirty="0">
+                <a:ln w="3175">
+                  <a:solidFill>
+                    <a:schemeClr val="tx1">
+                      <a:lumMod val="75000"/>
+                      <a:lumOff val="25000"/>
+                      <a:alpha val="10000"/>
+                    </a:schemeClr>
+                  </a:solidFill>
+                </a:ln>
+                <a:solidFill>
+                  <a:schemeClr val="tx1">
+                    <a:lumMod val="75000"/>
+                    <a:lumOff val="25000"/>
+                  </a:schemeClr>
+                </a:solidFill>
+                <a:ea typeface="경기천년제목 Light" panose="02020403020101020101" pitchFamily="18" charset="-127"/>
+              </a:rPr>
+              <a:t>)</a:t>
+            </a:r>
+            <a:endParaRPr lang="ko-KR" altLang="en-US" dirty="0"/>
+          </a:p>
+        </p:txBody>
+      </p:sp>
+      <p:sp>
+        <p:nvSpPr>
+          <p:cNvPr id="9" name="TextBox 8">
+            <a:extLst>
+              <a:ext uri="{FF2B5EF4-FFF2-40B4-BE49-F238E27FC236}">
+                <a16:creationId xmlns:a16="http://schemas.microsoft.com/office/drawing/2014/main" id="{50D1CBE8-135C-E4AD-C6D1-1297C9D2282B}"/>
+              </a:ext>
+            </a:extLst>
+          </p:cNvPr>
+          <p:cNvSpPr txBox="1"/>
+          <p:nvPr/>
+        </p:nvSpPr>
+        <p:spPr>
+          <a:xfrm>
+            <a:off x="5435600" y="6872208"/>
+            <a:ext cx="1673860" cy="369332"/>
+          </a:xfrm>
+          <a:prstGeom prst="rect">
+            <a:avLst/>
+          </a:prstGeom>
+          <a:noFill/>
+        </p:spPr>
+        <p:txBody>
+          <a:bodyPr wrap="square">
+            <a:spAutoFit/>
+          </a:bodyPr>
+          <a:lstStyle/>
+          <a:p>
+            <a:pPr algn="ctr"/>
+            <a:r>
+              <a:rPr lang="en-US" altLang="ko-KR" spc="-60" dirty="0">
+                <a:ln w="3175">
+                  <a:solidFill>
+                    <a:schemeClr val="tx1">
+                      <a:lumMod val="75000"/>
+                      <a:lumOff val="25000"/>
+                      <a:alpha val="10000"/>
+                    </a:schemeClr>
+                  </a:solidFill>
+                </a:ln>
+                <a:solidFill>
+                  <a:schemeClr val="tx1">
+                    <a:lumMod val="75000"/>
+                    <a:lumOff val="25000"/>
+                  </a:schemeClr>
+                </a:solidFill>
+                <a:ea typeface="경기천년제목 Light" panose="02020403020101020101" pitchFamily="18" charset="-127"/>
+              </a:rPr>
+              <a:t>Total Area (m</a:t>
+            </a:r>
+            <a:r>
+              <a:rPr lang="en-US" altLang="ko-KR" spc="-60" baseline="30000" dirty="0">
+                <a:ln w="3175">
+                  <a:solidFill>
+                    <a:schemeClr val="tx1">
+                      <a:lumMod val="75000"/>
+                      <a:lumOff val="25000"/>
+                      <a:alpha val="10000"/>
+                    </a:schemeClr>
+                  </a:solidFill>
+                </a:ln>
+                <a:solidFill>
+                  <a:schemeClr val="tx1">
+                    <a:lumMod val="75000"/>
+                    <a:lumOff val="25000"/>
+                  </a:schemeClr>
+                </a:solidFill>
+                <a:ea typeface="경기천년제목 Light" panose="02020403020101020101" pitchFamily="18" charset="-127"/>
+              </a:rPr>
+              <a:t>2</a:t>
+            </a:r>
+            <a:r>
+              <a:rPr lang="en-US" altLang="ko-KR" spc="-60" dirty="0">
+                <a:ln w="3175">
+                  <a:solidFill>
+                    <a:schemeClr val="tx1">
+                      <a:lumMod val="75000"/>
+                      <a:lumOff val="25000"/>
+                      <a:alpha val="10000"/>
+                    </a:schemeClr>
+                  </a:solidFill>
+                </a:ln>
+                <a:solidFill>
+                  <a:schemeClr val="tx1">
+                    <a:lumMod val="75000"/>
+                    <a:lumOff val="25000"/>
+                  </a:schemeClr>
+                </a:solidFill>
+                <a:ea typeface="경기천년제목 Light" panose="02020403020101020101" pitchFamily="18" charset="-127"/>
+              </a:rPr>
+              <a:t>)</a:t>
+            </a:r>
+            <a:endParaRPr lang="ko-KR" altLang="en-US" dirty="0"/>
+          </a:p>
+        </p:txBody>
+      </p:sp>
+      <p:cxnSp>
+        <p:nvCxnSpPr>
+          <p:cNvPr id="11" name="직선 연결선 10">
+            <a:extLst>
+              <a:ext uri="{FF2B5EF4-FFF2-40B4-BE49-F238E27FC236}">
+                <a16:creationId xmlns:a16="http://schemas.microsoft.com/office/drawing/2014/main" id="{97EC718E-4115-DC25-E253-CCE5A5E6B122}"/>
+              </a:ext>
+            </a:extLst>
+          </p:cNvPr>
+          <p:cNvCxnSpPr>
+            <a:cxnSpLocks/>
+          </p:cNvCxnSpPr>
+          <p:nvPr/>
+        </p:nvCxnSpPr>
+        <p:spPr>
+          <a:xfrm>
+            <a:off x="3334639" y="3985260"/>
+            <a:ext cx="0" cy="556260"/>
+          </a:xfrm>
+          <a:prstGeom prst="line">
+            <a:avLst/>
+          </a:prstGeom>
+          <a:ln w="31750">
+            <a:solidFill>
+              <a:srgbClr val="619CFF"/>
+            </a:solidFill>
+            <a:headEnd type="triangle" w="lg" len="lg"/>
+            <a:tailEnd type="none" w="lg" len="lg"/>
+          </a:ln>
+        </p:spPr>
+        <p:style>
+          <a:lnRef idx="1">
+            <a:schemeClr val="accent1"/>
+          </a:lnRef>
+          <a:fillRef idx="0">
+            <a:schemeClr val="accent1"/>
+          </a:fillRef>
+          <a:effectRef idx="0">
+            <a:schemeClr val="accent1"/>
+          </a:effectRef>
+          <a:fontRef idx="minor">
+            <a:schemeClr val="tx1"/>
+          </a:fontRef>
+        </p:style>
+      </p:cxnSp>
+      <p:sp>
+        <p:nvSpPr>
+          <p:cNvPr id="13" name="TextBox 12">
+            <a:extLst>
+              <a:ext uri="{FF2B5EF4-FFF2-40B4-BE49-F238E27FC236}">
+                <a16:creationId xmlns:a16="http://schemas.microsoft.com/office/drawing/2014/main" id="{34D834ED-6F69-1057-FC56-6921D17A2022}"/>
+              </a:ext>
+            </a:extLst>
+          </p:cNvPr>
+          <p:cNvSpPr txBox="1"/>
+          <p:nvPr/>
+        </p:nvSpPr>
+        <p:spPr>
+          <a:xfrm>
+            <a:off x="2705100" y="3731344"/>
+            <a:ext cx="987678" cy="253916"/>
+          </a:xfrm>
+          <a:prstGeom prst="rect">
+            <a:avLst/>
+          </a:prstGeom>
+          <a:noFill/>
+        </p:spPr>
+        <p:txBody>
+          <a:bodyPr wrap="square">
+            <a:spAutoFit/>
+          </a:bodyPr>
+          <a:lstStyle/>
+          <a:p>
+            <a:pPr algn="ctr"/>
+            <a:r>
+              <a:rPr lang="en-US" altLang="ko-KR" sz="1050" dirty="0">
+                <a:ln w="3175">
+                  <a:solidFill>
+                    <a:schemeClr val="tx1">
+                      <a:lumMod val="75000"/>
+                      <a:lumOff val="25000"/>
+                      <a:alpha val="10000"/>
+                    </a:schemeClr>
+                  </a:solidFill>
+                </a:ln>
+                <a:solidFill>
+                  <a:schemeClr val="tx1">
+                    <a:lumMod val="75000"/>
+                    <a:lumOff val="25000"/>
+                  </a:schemeClr>
+                </a:solidFill>
+                <a:ea typeface="경기천년제목 Light" panose="02020403020101020101" pitchFamily="18" charset="-127"/>
+              </a:rPr>
+              <a:t>Slope : 0.545</a:t>
+            </a:r>
+            <a:endParaRPr lang="ko-KR" altLang="en-US" sz="1050" dirty="0"/>
+          </a:p>
+        </p:txBody>
+      </p:sp>
+      <p:cxnSp>
+        <p:nvCxnSpPr>
+          <p:cNvPr id="14" name="직선 연결선 13">
+            <a:extLst>
+              <a:ext uri="{FF2B5EF4-FFF2-40B4-BE49-F238E27FC236}">
+                <a16:creationId xmlns:a16="http://schemas.microsoft.com/office/drawing/2014/main" id="{03DEFADB-FF26-281E-B4BE-776687B5AD01}"/>
+              </a:ext>
+            </a:extLst>
+          </p:cNvPr>
+          <p:cNvCxnSpPr>
+            <a:cxnSpLocks/>
+          </p:cNvCxnSpPr>
+          <p:nvPr/>
+        </p:nvCxnSpPr>
+        <p:spPr>
+          <a:xfrm flipV="1">
+            <a:off x="5208778" y="4541520"/>
+            <a:ext cx="0" cy="556260"/>
+          </a:xfrm>
+          <a:prstGeom prst="line">
+            <a:avLst/>
+          </a:prstGeom>
+          <a:ln w="31750">
+            <a:solidFill>
+              <a:srgbClr val="F8766D"/>
+            </a:solidFill>
+            <a:headEnd type="triangle" w="lg" len="lg"/>
+            <a:tailEnd type="none" w="lg" len="lg"/>
+          </a:ln>
+        </p:spPr>
+        <p:style>
+          <a:lnRef idx="1">
+            <a:schemeClr val="accent1"/>
+          </a:lnRef>
+          <a:fillRef idx="0">
+            <a:schemeClr val="accent1"/>
+          </a:fillRef>
+          <a:effectRef idx="0">
+            <a:schemeClr val="accent1"/>
+          </a:effectRef>
+          <a:fontRef idx="minor">
+            <a:schemeClr val="tx1"/>
+          </a:fontRef>
+        </p:style>
+      </p:cxnSp>
+      <p:sp>
+        <p:nvSpPr>
+          <p:cNvPr id="15" name="TextBox 14">
+            <a:extLst>
+              <a:ext uri="{FF2B5EF4-FFF2-40B4-BE49-F238E27FC236}">
+                <a16:creationId xmlns:a16="http://schemas.microsoft.com/office/drawing/2014/main" id="{D4C9CB4A-BDB4-76A7-8F74-2549E8FB4DFD}"/>
+              </a:ext>
+            </a:extLst>
+          </p:cNvPr>
+          <p:cNvSpPr txBox="1"/>
+          <p:nvPr/>
+        </p:nvSpPr>
+        <p:spPr>
+          <a:xfrm>
+            <a:off x="4998339" y="5097780"/>
+            <a:ext cx="987678" cy="253916"/>
+          </a:xfrm>
+          <a:prstGeom prst="rect">
+            <a:avLst/>
+          </a:prstGeom>
+          <a:noFill/>
+        </p:spPr>
+        <p:txBody>
+          <a:bodyPr wrap="square">
+            <a:spAutoFit/>
+          </a:bodyPr>
+          <a:lstStyle/>
+          <a:p>
+            <a:pPr algn="ctr"/>
+            <a:r>
+              <a:rPr lang="en-US" altLang="ko-KR" sz="1050" dirty="0">
+                <a:ln w="3175">
+                  <a:solidFill>
+                    <a:schemeClr val="tx1">
+                      <a:lumMod val="75000"/>
+                      <a:lumOff val="25000"/>
+                      <a:alpha val="10000"/>
+                    </a:schemeClr>
+                  </a:solidFill>
+                </a:ln>
+                <a:solidFill>
+                  <a:schemeClr val="tx1">
+                    <a:lumMod val="75000"/>
+                    <a:lumOff val="25000"/>
+                  </a:schemeClr>
+                </a:solidFill>
+                <a:ea typeface="경기천년제목 Light" panose="02020403020101020101" pitchFamily="18" charset="-127"/>
+              </a:rPr>
+              <a:t>Slope : 0.189</a:t>
+            </a:r>
+            <a:endParaRPr lang="ko-KR" altLang="en-US" sz="1050" dirty="0"/>
+          </a:p>
+        </p:txBody>
+      </p:sp>
+      <p:cxnSp>
+        <p:nvCxnSpPr>
+          <p:cNvPr id="16" name="직선 연결선 15">
+            <a:extLst>
+              <a:ext uri="{FF2B5EF4-FFF2-40B4-BE49-F238E27FC236}">
+                <a16:creationId xmlns:a16="http://schemas.microsoft.com/office/drawing/2014/main" id="{E604F276-91FC-CE95-1815-B2B06FB73FFE}"/>
+              </a:ext>
+            </a:extLst>
+          </p:cNvPr>
+          <p:cNvCxnSpPr>
+            <a:cxnSpLocks/>
+          </p:cNvCxnSpPr>
+          <p:nvPr/>
+        </p:nvCxnSpPr>
+        <p:spPr>
+          <a:xfrm flipV="1">
+            <a:off x="4010661" y="4667250"/>
+            <a:ext cx="0" cy="792000"/>
+          </a:xfrm>
+          <a:prstGeom prst="line">
+            <a:avLst/>
+          </a:prstGeom>
+          <a:ln w="31750">
+            <a:solidFill>
+              <a:srgbClr val="00BA38"/>
+            </a:solidFill>
+            <a:headEnd type="triangle" w="lg" len="lg"/>
+            <a:tailEnd type="none" w="lg" len="lg"/>
+          </a:ln>
+        </p:spPr>
+        <p:style>
+          <a:lnRef idx="1">
+            <a:schemeClr val="accent1"/>
+          </a:lnRef>
+          <a:fillRef idx="0">
+            <a:schemeClr val="accent1"/>
+          </a:fillRef>
+          <a:effectRef idx="0">
+            <a:schemeClr val="accent1"/>
+          </a:effectRef>
+          <a:fontRef idx="minor">
+            <a:schemeClr val="tx1"/>
+          </a:fontRef>
+        </p:style>
+      </p:cxnSp>
+      <p:sp>
+        <p:nvSpPr>
+          <p:cNvPr id="17" name="TextBox 16">
+            <a:extLst>
+              <a:ext uri="{FF2B5EF4-FFF2-40B4-BE49-F238E27FC236}">
+                <a16:creationId xmlns:a16="http://schemas.microsoft.com/office/drawing/2014/main" id="{C76089F3-D3D8-98BD-3392-5F54277976E6}"/>
+              </a:ext>
+            </a:extLst>
+          </p:cNvPr>
+          <p:cNvSpPr txBox="1"/>
+          <p:nvPr/>
+        </p:nvSpPr>
+        <p:spPr>
+          <a:xfrm>
+            <a:off x="3812551" y="5449174"/>
+            <a:ext cx="987678" cy="253916"/>
+          </a:xfrm>
+          <a:prstGeom prst="rect">
+            <a:avLst/>
+          </a:prstGeom>
+          <a:noFill/>
+        </p:spPr>
+        <p:txBody>
+          <a:bodyPr wrap="square">
+            <a:spAutoFit/>
+          </a:bodyPr>
+          <a:lstStyle/>
+          <a:p>
+            <a:pPr algn="ctr"/>
+            <a:r>
+              <a:rPr lang="en-US" altLang="ko-KR" sz="1050" dirty="0">
+                <a:ln w="3175">
+                  <a:solidFill>
+                    <a:schemeClr val="tx1">
+                      <a:lumMod val="75000"/>
+                      <a:lumOff val="25000"/>
+                      <a:alpha val="10000"/>
+                    </a:schemeClr>
+                  </a:solidFill>
+                </a:ln>
+                <a:solidFill>
+                  <a:schemeClr val="tx1">
+                    <a:lumMod val="75000"/>
+                    <a:lumOff val="25000"/>
+                  </a:schemeClr>
+                </a:solidFill>
+                <a:ea typeface="경기천년제목 Light" panose="02020403020101020101" pitchFamily="18" charset="-127"/>
+              </a:rPr>
+              <a:t>Slope : 0.284</a:t>
+            </a:r>
+            <a:endParaRPr lang="ko-KR" altLang="en-US" sz="1050" dirty="0"/>
+          </a:p>
+        </p:txBody>
+      </p:sp>
+      <p:pic>
+        <p:nvPicPr>
+          <p:cNvPr id="19" name="그림 18">
+            <a:extLst>
+              <a:ext uri="{FF2B5EF4-FFF2-40B4-BE49-F238E27FC236}">
+                <a16:creationId xmlns:a16="http://schemas.microsoft.com/office/drawing/2014/main" id="{6394B9C0-D0D1-3A15-6B89-2AD946F89B1D}"/>
+              </a:ext>
+            </a:extLst>
+          </p:cNvPr>
+          <p:cNvPicPr>
+            <a:picLocks noChangeAspect="1"/>
+          </p:cNvPicPr>
+          <p:nvPr/>
+        </p:nvPicPr>
+        <p:blipFill rotWithShape="1">
+          <a:blip r:embed="rId3"/>
+          <a:srcRect t="2101"/>
+          <a:stretch/>
+        </p:blipFill>
+        <p:spPr>
+          <a:xfrm>
+            <a:off x="2294843" y="352349"/>
+            <a:ext cx="4226607" cy="802561"/>
+          </a:xfrm>
+          <a:prstGeom prst="rect">
+            <a:avLst/>
+          </a:prstGeom>
+        </p:spPr>
+      </p:pic>
+    </p:spTree>
+    <p:extLst>
+      <p:ext uri="{BB962C8B-B14F-4D97-AF65-F5344CB8AC3E}">
+        <p14:creationId xmlns:p14="http://schemas.microsoft.com/office/powerpoint/2010/main" val="3852742283"/>
+      </p:ext>
+    </p:extLst>
+  </p:cSld>
+  <p:clrMapOvr>
+    <a:masterClrMapping/>
+  </p:clrMapOvr>
+</p:sld>
+</file>
+
+<file path=ppt/slides/slide18.xml><?xml version="1.0" encoding="utf-8"?>
+<p:sld xmlns:a="http://schemas.openxmlformats.org/drawingml/2006/main" xmlns:r="http://schemas.openxmlformats.org/officeDocument/2006/relationships" xmlns:p="http://schemas.openxmlformats.org/presentationml/2006/main">
+  <p:cSld>
+    <p:spTree>
+      <p:nvGrpSpPr>
+        <p:cNvPr id="1" name=""/>
+        <p:cNvGrpSpPr/>
+        <p:nvPr/>
+      </p:nvGrpSpPr>
+      <p:grpSpPr>
+        <a:xfrm>
+          <a:off x="0" y="0"/>
+          <a:ext cx="0" cy="0"/>
+          <a:chOff x="0" y="0"/>
+          <a:chExt cx="0" cy="0"/>
+        </a:xfrm>
+      </p:grpSpPr>
+      <p:sp>
+        <p:nvSpPr>
+          <p:cNvPr id="13" name="직사각형 12">
+            <a:extLst>
+              <a:ext uri="{FF2B5EF4-FFF2-40B4-BE49-F238E27FC236}">
+                <a16:creationId xmlns:a16="http://schemas.microsoft.com/office/drawing/2014/main" id="{EA05F71D-33F2-0CBA-1B35-CBF63D9C0266}"/>
+              </a:ext>
+            </a:extLst>
+          </p:cNvPr>
+          <p:cNvSpPr/>
+          <p:nvPr/>
+        </p:nvSpPr>
+        <p:spPr>
+          <a:xfrm>
+            <a:off x="340816" y="-203200"/>
+            <a:ext cx="11556543" cy="7533640"/>
+          </a:xfrm>
+          <a:prstGeom prst="rect">
+            <a:avLst/>
+          </a:prstGeom>
+          <a:solidFill>
+            <a:schemeClr val="bg1"/>
+          </a:solidFill>
+          <a:ln>
+            <a:solidFill>
+              <a:schemeClr val="tx1"/>
+            </a:solidFill>
+          </a:ln>
+        </p:spPr>
+        <p:style>
+          <a:lnRef idx="2">
+            <a:schemeClr val="accent1">
+              <a:shade val="15000"/>
+            </a:schemeClr>
+          </a:lnRef>
+          <a:fillRef idx="1">
+            <a:schemeClr val="accent1"/>
+          </a:fillRef>
+          <a:effectRef idx="0">
+            <a:schemeClr val="accent1"/>
+          </a:effectRef>
+          <a:fontRef idx="minor">
+            <a:schemeClr val="lt1"/>
+          </a:fontRef>
+        </p:style>
+        <p:txBody>
+          <a:bodyPr rtlCol="0" anchor="ctr"/>
+          <a:lstStyle/>
+          <a:p>
+            <a:pPr algn="ctr"/>
+            <a:endParaRPr lang="ko-KR" altLang="en-US"/>
+          </a:p>
+        </p:txBody>
+      </p:sp>
+      <p:sp>
+        <p:nvSpPr>
+          <p:cNvPr id="7" name="TextBox 6">
+            <a:extLst>
+              <a:ext uri="{FF2B5EF4-FFF2-40B4-BE49-F238E27FC236}">
+                <a16:creationId xmlns:a16="http://schemas.microsoft.com/office/drawing/2014/main" id="{D028093B-FECC-DA82-AB86-960DDCFFFC4B}"/>
+              </a:ext>
+            </a:extLst>
+          </p:cNvPr>
+          <p:cNvSpPr txBox="1"/>
+          <p:nvPr/>
+        </p:nvSpPr>
+        <p:spPr>
+          <a:xfrm>
+            <a:off x="4719320" y="6840974"/>
+            <a:ext cx="3098800" cy="369332"/>
+          </a:xfrm>
+          <a:prstGeom prst="rect">
+            <a:avLst/>
+          </a:prstGeom>
+          <a:noFill/>
+        </p:spPr>
+        <p:txBody>
+          <a:bodyPr wrap="square">
+            <a:spAutoFit/>
+          </a:bodyPr>
+          <a:lstStyle/>
+          <a:p>
+            <a:r>
+              <a:rPr lang="en-US" altLang="ko-KR" spc="-60" dirty="0">
+                <a:ln w="3175">
+                  <a:solidFill>
+                    <a:schemeClr val="tx1">
+                      <a:lumMod val="75000"/>
+                      <a:lumOff val="25000"/>
+                      <a:alpha val="10000"/>
+                    </a:schemeClr>
+                  </a:solidFill>
+                </a:ln>
+                <a:solidFill>
+                  <a:schemeClr val="tx1">
+                    <a:lumMod val="75000"/>
+                    <a:lumOff val="25000"/>
+                  </a:schemeClr>
+                </a:solidFill>
+                <a:ea typeface="경기천년제목 Light" panose="02020403020101020101" pitchFamily="18" charset="-127"/>
+              </a:rPr>
+              <a:t>Installed capacity of PV (kW)</a:t>
+            </a:r>
+            <a:endParaRPr lang="ko-KR" altLang="en-US" dirty="0"/>
+          </a:p>
+        </p:txBody>
+      </p:sp>
+      <p:sp>
+        <p:nvSpPr>
+          <p:cNvPr id="8" name="TextBox 7">
+            <a:extLst>
+              <a:ext uri="{FF2B5EF4-FFF2-40B4-BE49-F238E27FC236}">
+                <a16:creationId xmlns:a16="http://schemas.microsoft.com/office/drawing/2014/main" id="{A62B0139-A100-3A95-A8B9-5C6B10084AB9}"/>
+              </a:ext>
+            </a:extLst>
+          </p:cNvPr>
+          <p:cNvSpPr txBox="1"/>
+          <p:nvPr/>
+        </p:nvSpPr>
+        <p:spPr>
+          <a:xfrm rot="16200000">
+            <a:off x="-751840" y="2858254"/>
+            <a:ext cx="2875280" cy="369332"/>
+          </a:xfrm>
+          <a:prstGeom prst="rect">
+            <a:avLst/>
+          </a:prstGeom>
+          <a:noFill/>
+        </p:spPr>
+        <p:txBody>
+          <a:bodyPr wrap="square">
+            <a:spAutoFit/>
+          </a:bodyPr>
+          <a:lstStyle/>
+          <a:p>
+            <a:r>
+              <a:rPr lang="en-US" altLang="ko-KR" spc="-60" dirty="0">
+                <a:ln w="3175">
+                  <a:solidFill>
+                    <a:schemeClr val="tx1">
+                      <a:lumMod val="75000"/>
+                      <a:lumOff val="25000"/>
+                      <a:alpha val="10000"/>
+                    </a:schemeClr>
+                  </a:solidFill>
+                </a:ln>
+                <a:solidFill>
+                  <a:schemeClr val="tx1">
+                    <a:lumMod val="75000"/>
+                    <a:lumOff val="25000"/>
+                  </a:schemeClr>
+                </a:solidFill>
+                <a:ea typeface="경기천년제목 Light" panose="02020403020101020101" pitchFamily="18" charset="-127"/>
+              </a:rPr>
+              <a:t>PV installation Area (m</a:t>
+            </a:r>
+            <a:r>
+              <a:rPr lang="en-US" altLang="ko-KR" spc="-60" baseline="30000" dirty="0">
+                <a:ln w="3175">
+                  <a:solidFill>
+                    <a:schemeClr val="tx1">
+                      <a:lumMod val="75000"/>
+                      <a:lumOff val="25000"/>
+                      <a:alpha val="10000"/>
+                    </a:schemeClr>
+                  </a:solidFill>
+                </a:ln>
+                <a:solidFill>
+                  <a:schemeClr val="tx1">
+                    <a:lumMod val="75000"/>
+                    <a:lumOff val="25000"/>
+                  </a:schemeClr>
+                </a:solidFill>
+                <a:ea typeface="경기천년제목 Light" panose="02020403020101020101" pitchFamily="18" charset="-127"/>
+              </a:rPr>
+              <a:t>2</a:t>
+            </a:r>
+            <a:r>
+              <a:rPr lang="en-US" altLang="ko-KR" spc="-60" dirty="0">
+                <a:ln w="3175">
+                  <a:solidFill>
+                    <a:schemeClr val="tx1">
+                      <a:lumMod val="75000"/>
+                      <a:lumOff val="25000"/>
+                      <a:alpha val="10000"/>
+                    </a:schemeClr>
+                  </a:solidFill>
+                </a:ln>
+                <a:solidFill>
+                  <a:schemeClr val="tx1">
+                    <a:lumMod val="75000"/>
+                    <a:lumOff val="25000"/>
+                  </a:schemeClr>
+                </a:solidFill>
+                <a:ea typeface="경기천년제목 Light" panose="02020403020101020101" pitchFamily="18" charset="-127"/>
+              </a:rPr>
+              <a:t>)</a:t>
+            </a:r>
+            <a:endParaRPr lang="ko-KR" altLang="en-US" dirty="0"/>
+          </a:p>
+        </p:txBody>
+      </p:sp>
+      <p:pic>
+        <p:nvPicPr>
+          <p:cNvPr id="3" name="그림 2">
+            <a:extLst>
+              <a:ext uri="{FF2B5EF4-FFF2-40B4-BE49-F238E27FC236}">
+                <a16:creationId xmlns:a16="http://schemas.microsoft.com/office/drawing/2014/main" id="{73D71E1A-4F0D-8830-19EF-51779484F777}"/>
+              </a:ext>
+            </a:extLst>
+          </p:cNvPr>
+          <p:cNvPicPr>
+            <a:picLocks noChangeAspect="1"/>
+          </p:cNvPicPr>
+          <p:nvPr/>
+        </p:nvPicPr>
+        <p:blipFill>
+          <a:blip r:embed="rId3"/>
+          <a:stretch>
+            <a:fillRect/>
+          </a:stretch>
+        </p:blipFill>
+        <p:spPr>
+          <a:xfrm>
+            <a:off x="783715" y="0"/>
+            <a:ext cx="10624570" cy="6858000"/>
+          </a:xfrm>
+          <a:prstGeom prst="rect">
+            <a:avLst/>
+          </a:prstGeom>
+        </p:spPr>
+      </p:pic>
+      <p:cxnSp>
+        <p:nvCxnSpPr>
+          <p:cNvPr id="4" name="직선 연결선 3">
+            <a:extLst>
+              <a:ext uri="{FF2B5EF4-FFF2-40B4-BE49-F238E27FC236}">
+                <a16:creationId xmlns:a16="http://schemas.microsoft.com/office/drawing/2014/main" id="{BCF5F8F0-9B2E-2F62-C116-3599823D3910}"/>
+              </a:ext>
+            </a:extLst>
+          </p:cNvPr>
+          <p:cNvCxnSpPr>
+            <a:cxnSpLocks/>
+          </p:cNvCxnSpPr>
+          <p:nvPr/>
+        </p:nvCxnSpPr>
+        <p:spPr>
+          <a:xfrm flipV="1">
+            <a:off x="4463174" y="5357977"/>
+            <a:ext cx="0" cy="556260"/>
+          </a:xfrm>
+          <a:prstGeom prst="line">
+            <a:avLst/>
+          </a:prstGeom>
+          <a:ln w="31750">
+            <a:solidFill>
+              <a:srgbClr val="F8766D"/>
+            </a:solidFill>
+            <a:headEnd type="triangle" w="lg" len="lg"/>
+            <a:tailEnd type="none" w="lg" len="lg"/>
+          </a:ln>
+        </p:spPr>
+        <p:style>
+          <a:lnRef idx="1">
+            <a:schemeClr val="accent1"/>
+          </a:lnRef>
+          <a:fillRef idx="0">
+            <a:schemeClr val="accent1"/>
+          </a:fillRef>
+          <a:effectRef idx="0">
+            <a:schemeClr val="accent1"/>
+          </a:effectRef>
+          <a:fontRef idx="minor">
+            <a:schemeClr val="tx1"/>
+          </a:fontRef>
+        </p:style>
+      </p:cxnSp>
+      <p:sp>
+        <p:nvSpPr>
+          <p:cNvPr id="5" name="TextBox 4">
+            <a:extLst>
+              <a:ext uri="{FF2B5EF4-FFF2-40B4-BE49-F238E27FC236}">
+                <a16:creationId xmlns:a16="http://schemas.microsoft.com/office/drawing/2014/main" id="{8AC72AB2-0EA5-3654-75AB-D8B2338F0A35}"/>
+              </a:ext>
+            </a:extLst>
+          </p:cNvPr>
+          <p:cNvSpPr txBox="1"/>
+          <p:nvPr/>
+        </p:nvSpPr>
+        <p:spPr>
+          <a:xfrm>
+            <a:off x="4226200" y="5896541"/>
+            <a:ext cx="987678" cy="253916"/>
+          </a:xfrm>
+          <a:prstGeom prst="rect">
+            <a:avLst/>
+          </a:prstGeom>
+          <a:noFill/>
+        </p:spPr>
+        <p:txBody>
+          <a:bodyPr wrap="square">
+            <a:spAutoFit/>
+          </a:bodyPr>
+          <a:lstStyle/>
+          <a:p>
+            <a:pPr algn="ctr"/>
+            <a:r>
+              <a:rPr lang="en-US" altLang="ko-KR" sz="1050" dirty="0">
+                <a:ln w="3175">
+                  <a:solidFill>
+                    <a:schemeClr val="tx1">
+                      <a:lumMod val="75000"/>
+                      <a:lumOff val="25000"/>
+                      <a:alpha val="10000"/>
+                    </a:schemeClr>
+                  </a:solidFill>
+                </a:ln>
+                <a:solidFill>
+                  <a:schemeClr val="tx1">
+                    <a:lumMod val="75000"/>
+                    <a:lumOff val="25000"/>
+                  </a:schemeClr>
+                </a:solidFill>
+                <a:ea typeface="경기천년제목 Light" panose="02020403020101020101" pitchFamily="18" charset="-127"/>
+              </a:rPr>
+              <a:t>Slope : 11.50</a:t>
+            </a:r>
+            <a:endParaRPr lang="ko-KR" altLang="en-US" sz="1050" dirty="0"/>
+          </a:p>
+        </p:txBody>
+      </p:sp>
+      <p:cxnSp>
+        <p:nvCxnSpPr>
+          <p:cNvPr id="6" name="직선 연결선 5">
+            <a:extLst>
+              <a:ext uri="{FF2B5EF4-FFF2-40B4-BE49-F238E27FC236}">
+                <a16:creationId xmlns:a16="http://schemas.microsoft.com/office/drawing/2014/main" id="{BEA97245-3A8F-9C8F-04A4-E75C40C87A98}"/>
+              </a:ext>
+            </a:extLst>
+          </p:cNvPr>
+          <p:cNvCxnSpPr>
+            <a:cxnSpLocks/>
+          </p:cNvCxnSpPr>
+          <p:nvPr/>
+        </p:nvCxnSpPr>
+        <p:spPr>
+          <a:xfrm flipV="1">
+            <a:off x="4094243" y="5776407"/>
+            <a:ext cx="0" cy="504000"/>
+          </a:xfrm>
+          <a:prstGeom prst="line">
+            <a:avLst/>
+          </a:prstGeom>
+          <a:ln w="31750">
+            <a:solidFill>
+              <a:srgbClr val="00BFC4"/>
+            </a:solidFill>
+            <a:headEnd type="triangle" w="lg" len="lg"/>
+            <a:tailEnd type="none" w="lg" len="lg"/>
+          </a:ln>
+        </p:spPr>
+        <p:style>
+          <a:lnRef idx="1">
+            <a:schemeClr val="accent1"/>
+          </a:lnRef>
+          <a:fillRef idx="0">
+            <a:schemeClr val="accent1"/>
+          </a:fillRef>
+          <a:effectRef idx="0">
+            <a:schemeClr val="accent1"/>
+          </a:effectRef>
+          <a:fontRef idx="minor">
+            <a:schemeClr val="tx1"/>
+          </a:fontRef>
+        </p:style>
+      </p:cxnSp>
+      <p:sp>
+        <p:nvSpPr>
+          <p:cNvPr id="9" name="TextBox 8">
+            <a:extLst>
+              <a:ext uri="{FF2B5EF4-FFF2-40B4-BE49-F238E27FC236}">
+                <a16:creationId xmlns:a16="http://schemas.microsoft.com/office/drawing/2014/main" id="{BCECC4BB-C50C-4517-58A0-FC3A5410CDE0}"/>
+              </a:ext>
+            </a:extLst>
+          </p:cNvPr>
+          <p:cNvSpPr txBox="1"/>
+          <p:nvPr/>
+        </p:nvSpPr>
+        <p:spPr>
+          <a:xfrm>
+            <a:off x="3814246" y="6280407"/>
+            <a:ext cx="987678" cy="253916"/>
+          </a:xfrm>
+          <a:prstGeom prst="rect">
+            <a:avLst/>
+          </a:prstGeom>
+          <a:noFill/>
+        </p:spPr>
+        <p:txBody>
+          <a:bodyPr wrap="square">
+            <a:spAutoFit/>
+          </a:bodyPr>
+          <a:lstStyle/>
+          <a:p>
+            <a:pPr algn="ctr"/>
+            <a:r>
+              <a:rPr lang="en-US" altLang="ko-KR" sz="1050" dirty="0">
+                <a:ln w="3175">
+                  <a:solidFill>
+                    <a:schemeClr val="tx1">
+                      <a:lumMod val="75000"/>
+                      <a:lumOff val="25000"/>
+                      <a:alpha val="10000"/>
+                    </a:schemeClr>
+                  </a:solidFill>
+                </a:ln>
+                <a:solidFill>
+                  <a:schemeClr val="tx1">
+                    <a:lumMod val="75000"/>
+                    <a:lumOff val="25000"/>
+                  </a:schemeClr>
+                </a:solidFill>
+                <a:ea typeface="경기천년제목 Light" panose="02020403020101020101" pitchFamily="18" charset="-127"/>
+              </a:rPr>
+              <a:t>Slope : 7.23</a:t>
+            </a:r>
+            <a:endParaRPr lang="ko-KR" altLang="en-US" sz="1050" dirty="0"/>
+          </a:p>
+        </p:txBody>
+      </p:sp>
+      <p:pic>
+        <p:nvPicPr>
+          <p:cNvPr id="15" name="그림 14">
+            <a:extLst>
+              <a:ext uri="{FF2B5EF4-FFF2-40B4-BE49-F238E27FC236}">
+                <a16:creationId xmlns:a16="http://schemas.microsoft.com/office/drawing/2014/main" id="{C508FC98-E720-264A-FA2B-B2E7409D12BF}"/>
+              </a:ext>
+            </a:extLst>
+          </p:cNvPr>
+          <p:cNvPicPr>
+            <a:picLocks noChangeAspect="1"/>
+          </p:cNvPicPr>
+          <p:nvPr/>
+        </p:nvPicPr>
+        <p:blipFill>
+          <a:blip r:embed="rId4"/>
+          <a:stretch>
+            <a:fillRect/>
+          </a:stretch>
+        </p:blipFill>
+        <p:spPr>
+          <a:xfrm>
+            <a:off x="8142634" y="4806363"/>
+            <a:ext cx="2708489" cy="551614"/>
+          </a:xfrm>
+          <a:prstGeom prst="rect">
+            <a:avLst/>
+          </a:prstGeom>
+        </p:spPr>
+      </p:pic>
+    </p:spTree>
+    <p:extLst>
+      <p:ext uri="{BB962C8B-B14F-4D97-AF65-F5344CB8AC3E}">
+        <p14:creationId xmlns:p14="http://schemas.microsoft.com/office/powerpoint/2010/main" val="225102661"/>
+      </p:ext>
+    </p:extLst>
+  </p:cSld>
+  <p:clrMapOvr>
+    <a:masterClrMapping/>
+  </p:clrMapOvr>
+</p:sld>
+</file>
+
 <file path=ppt/slides/slide2.xml><?xml version="1.0" encoding="utf-8"?>
 <p:sld xmlns:a="http://schemas.openxmlformats.org/drawingml/2006/main" xmlns:r="http://schemas.openxmlformats.org/officeDocument/2006/relationships" xmlns:p="http://schemas.openxmlformats.org/presentationml/2006/main">
   <p:cSld>
@@ -24702,10 +25709,10 @@
       </p:grpSpPr>
       <p:sp>
         <p:nvSpPr>
-          <p:cNvPr id="14" name="직사각형 13">
-            <a:extLst>
-              <a:ext uri="{FF2B5EF4-FFF2-40B4-BE49-F238E27FC236}">
-                <a16:creationId xmlns:a16="http://schemas.microsoft.com/office/drawing/2014/main" id="{629CEB57-D545-1AC2-51F5-AB814C41C70D}"/>
+          <p:cNvPr id="10" name="직사각형 9">
+            <a:extLst>
+              <a:ext uri="{FF2B5EF4-FFF2-40B4-BE49-F238E27FC236}">
+                <a16:creationId xmlns:a16="http://schemas.microsoft.com/office/drawing/2014/main" id="{4E32A52F-E5AA-87E6-0C12-B52176EBD689}"/>
               </a:ext>
             </a:extLst>
           </p:cNvPr>
@@ -24714,8 +25721,8 @@
         </p:nvSpPr>
         <p:spPr>
           <a:xfrm>
-            <a:off x="-53340" y="-177800"/>
-            <a:ext cx="12443460" cy="7533640"/>
+            <a:off x="-281484" y="-260350"/>
+            <a:ext cx="12683034" cy="7533640"/>
           </a:xfrm>
           <a:prstGeom prst="rect">
             <a:avLst/>
@@ -24756,10 +25763,10 @@
       </p:sp>
       <p:pic>
         <p:nvPicPr>
-          <p:cNvPr id="18" name="그림 17">
-            <a:extLst>
-              <a:ext uri="{FF2B5EF4-FFF2-40B4-BE49-F238E27FC236}">
-                <a16:creationId xmlns:a16="http://schemas.microsoft.com/office/drawing/2014/main" id="{BA50C9F9-54D0-A03B-1704-E444866BF1E9}"/>
+          <p:cNvPr id="3" name="그림 2">
+            <a:extLst>
+              <a:ext uri="{FF2B5EF4-FFF2-40B4-BE49-F238E27FC236}">
+                <a16:creationId xmlns:a16="http://schemas.microsoft.com/office/drawing/2014/main" id="{8EA17E69-6FBA-DA72-4EDD-6A72AE94CDD3}"/>
               </a:ext>
             </a:extLst>
           </p:cNvPr>
@@ -24776,48 +25783,189 @@
         </p:blipFill>
         <p:spPr>
           <a:xfrm>
-            <a:off x="0" y="187362"/>
-            <a:ext cx="12192000" cy="6483275"/>
+            <a:off x="0" y="313053"/>
+            <a:ext cx="12192000" cy="6231893"/>
           </a:xfrm>
           <a:prstGeom prst="rect">
             <a:avLst/>
           </a:prstGeom>
         </p:spPr>
       </p:pic>
-      <p:pic>
-        <p:nvPicPr>
-          <p:cNvPr id="19" name="그림 18">
-            <a:extLst>
-              <a:ext uri="{FF2B5EF4-FFF2-40B4-BE49-F238E27FC236}">
-                <a16:creationId xmlns:a16="http://schemas.microsoft.com/office/drawing/2014/main" id="{E9D254A1-9D2B-94DC-DDCF-A7D09B931A7E}"/>
-              </a:ext>
-            </a:extLst>
-          </p:cNvPr>
-          <p:cNvPicPr>
-            <a:picLocks noChangeAspect="1"/>
-          </p:cNvPicPr>
-          <p:nvPr/>
-        </p:nvPicPr>
-        <p:blipFill>
-          <a:blip r:embed="rId3"/>
-          <a:stretch>
-            <a:fillRect/>
-          </a:stretch>
-        </p:blipFill>
-        <p:spPr>
-          <a:xfrm>
-            <a:off x="4407324" y="875608"/>
-            <a:ext cx="7573432" cy="819264"/>
+      <p:sp>
+        <p:nvSpPr>
+          <p:cNvPr id="7" name="TextBox 6">
+            <a:extLst>
+              <a:ext uri="{FF2B5EF4-FFF2-40B4-BE49-F238E27FC236}">
+                <a16:creationId xmlns:a16="http://schemas.microsoft.com/office/drawing/2014/main" id="{F1BAE41F-9AB0-059D-8DC1-940589CF8DDA}"/>
+              </a:ext>
+            </a:extLst>
+          </p:cNvPr>
+          <p:cNvSpPr txBox="1"/>
+          <p:nvPr/>
+        </p:nvSpPr>
+        <p:spPr>
+          <a:xfrm>
+            <a:off x="2463800" y="257175"/>
+            <a:ext cx="942975" cy="369332"/>
           </a:xfrm>
           <a:prstGeom prst="rect">
             <a:avLst/>
           </a:prstGeom>
-        </p:spPr>
-      </p:pic>
+          <a:noFill/>
+        </p:spPr>
+        <p:txBody>
+          <a:bodyPr wrap="square">
+            <a:spAutoFit/>
+          </a:bodyPr>
+          <a:lstStyle/>
+          <a:p>
+            <a:r>
+              <a:rPr lang="en-US" altLang="ko-KR" spc="-60" dirty="0">
+                <a:ln w="3175">
+                  <a:solidFill>
+                    <a:schemeClr val="tx1">
+                      <a:lumMod val="75000"/>
+                      <a:lumOff val="25000"/>
+                      <a:alpha val="10000"/>
+                    </a:schemeClr>
+                  </a:solidFill>
+                </a:ln>
+                <a:ea typeface="경기천년제목 Light" panose="02020403020101020101" pitchFamily="18" charset="-127"/>
+              </a:rPr>
+              <a:t>(km</a:t>
+            </a:r>
+            <a:r>
+              <a:rPr lang="en-US" altLang="ko-KR" spc="-60" baseline="30000" dirty="0">
+                <a:ln w="3175">
+                  <a:solidFill>
+                    <a:schemeClr val="tx1">
+                      <a:lumMod val="75000"/>
+                      <a:lumOff val="25000"/>
+                      <a:alpha val="10000"/>
+                    </a:schemeClr>
+                  </a:solidFill>
+                </a:ln>
+                <a:ea typeface="경기천년제목 Light" panose="02020403020101020101" pitchFamily="18" charset="-127"/>
+              </a:rPr>
+              <a:t>2</a:t>
+            </a:r>
+            <a:r>
+              <a:rPr lang="en-US" altLang="ko-KR" spc="-60" dirty="0">
+                <a:ln w="3175">
+                  <a:solidFill>
+                    <a:schemeClr val="tx1">
+                      <a:lumMod val="75000"/>
+                      <a:lumOff val="25000"/>
+                      <a:alpha val="10000"/>
+                    </a:schemeClr>
+                  </a:solidFill>
+                </a:ln>
+                <a:ea typeface="경기천년제목 Light" panose="02020403020101020101" pitchFamily="18" charset="-127"/>
+              </a:rPr>
+              <a:t>)</a:t>
+            </a:r>
+            <a:endParaRPr lang="ko-KR" altLang="en-US" dirty="0"/>
+          </a:p>
+        </p:txBody>
+      </p:sp>
+      <p:sp>
+        <p:nvSpPr>
+          <p:cNvPr id="8" name="TextBox 7">
+            <a:extLst>
+              <a:ext uri="{FF2B5EF4-FFF2-40B4-BE49-F238E27FC236}">
+                <a16:creationId xmlns:a16="http://schemas.microsoft.com/office/drawing/2014/main" id="{5498672F-6063-3978-4C05-6867FA9E9241}"/>
+              </a:ext>
+            </a:extLst>
+          </p:cNvPr>
+          <p:cNvSpPr txBox="1"/>
+          <p:nvPr/>
+        </p:nvSpPr>
+        <p:spPr>
+          <a:xfrm>
+            <a:off x="6282951" y="257175"/>
+            <a:ext cx="942975" cy="369332"/>
+          </a:xfrm>
+          <a:prstGeom prst="rect">
+            <a:avLst/>
+          </a:prstGeom>
+          <a:noFill/>
+        </p:spPr>
+        <p:txBody>
+          <a:bodyPr wrap="square">
+            <a:spAutoFit/>
+          </a:bodyPr>
+          <a:lstStyle/>
+          <a:p>
+            <a:r>
+              <a:rPr lang="en-US" altLang="ko-KR" spc="-60" dirty="0">
+                <a:ln w="3175">
+                  <a:solidFill>
+                    <a:schemeClr val="tx1">
+                      <a:lumMod val="75000"/>
+                      <a:lumOff val="25000"/>
+                      <a:alpha val="10000"/>
+                    </a:schemeClr>
+                  </a:solidFill>
+                </a:ln>
+                <a:ea typeface="경기천년제목 Light" panose="02020403020101020101" pitchFamily="18" charset="-127"/>
+              </a:rPr>
+              <a:t>(GW)</a:t>
+            </a:r>
+            <a:endParaRPr lang="ko-KR" altLang="en-US" dirty="0"/>
+          </a:p>
+        </p:txBody>
+      </p:sp>
+      <p:sp>
+        <p:nvSpPr>
+          <p:cNvPr id="9" name="TextBox 8">
+            <a:extLst>
+              <a:ext uri="{FF2B5EF4-FFF2-40B4-BE49-F238E27FC236}">
+                <a16:creationId xmlns:a16="http://schemas.microsoft.com/office/drawing/2014/main" id="{6ACC5DAF-E9F9-D021-0EFC-0F3C138C16D6}"/>
+              </a:ext>
+            </a:extLst>
+          </p:cNvPr>
+          <p:cNvSpPr txBox="1"/>
+          <p:nvPr/>
+        </p:nvSpPr>
+        <p:spPr>
+          <a:xfrm>
+            <a:off x="10007226" y="257175"/>
+            <a:ext cx="942975" cy="369332"/>
+          </a:xfrm>
+          <a:prstGeom prst="rect">
+            <a:avLst/>
+          </a:prstGeom>
+          <a:noFill/>
+        </p:spPr>
+        <p:txBody>
+          <a:bodyPr wrap="square">
+            <a:spAutoFit/>
+          </a:bodyPr>
+          <a:lstStyle/>
+          <a:p>
+            <a:r>
+              <a:rPr lang="en-US" altLang="ko-KR" spc="-60" dirty="0">
+                <a:ln w="3175">
+                  <a:solidFill>
+                    <a:schemeClr val="tx1">
+                      <a:lumMod val="75000"/>
+                      <a:lumOff val="25000"/>
+                      <a:alpha val="10000"/>
+                    </a:schemeClr>
+                  </a:solidFill>
+                </a:ln>
+                <a:ea typeface="경기천년제목 Light" panose="02020403020101020101" pitchFamily="18" charset="-127"/>
+              </a:rPr>
+              <a:t>(TWh)</a:t>
+            </a:r>
+            <a:endParaRPr lang="ko-KR" altLang="en-US" dirty="0"/>
+          </a:p>
+        </p:txBody>
+      </p:sp>
     </p:spTree>
     <p:extLst>
       <p:ext uri="{BB962C8B-B14F-4D97-AF65-F5344CB8AC3E}">
-        <p14:creationId xmlns:p14="http://schemas.microsoft.com/office/powerpoint/2010/main" val="2253573760"/>
+        <p14:creationId xmlns:p14="http://schemas.microsoft.com/office/powerpoint/2010/main" val="381363147"/>
       </p:ext>
     </p:extLst>
   </p:cSld>
@@ -24832,13 +25980,7 @@
   <p:cSld>
     <p:spTree>
       <p:nvGrpSpPr>
-        <p:cNvPr id="1" name="">
-          <a:extLst>
-            <a:ext uri="{FF2B5EF4-FFF2-40B4-BE49-F238E27FC236}">
-              <a16:creationId xmlns:a16="http://schemas.microsoft.com/office/drawing/2014/main" id="{98D38950-AF02-7765-07E7-6322D28DA159}"/>
-            </a:ext>
-          </a:extLst>
-        </p:cNvPr>
+        <p:cNvPr id="1" name=""/>
         <p:cNvGrpSpPr/>
         <p:nvPr/>
       </p:nvGrpSpPr>
@@ -24855,7 +25997,7 @@
           <p:cNvPr id="14" name="직사각형 13">
             <a:extLst>
               <a:ext uri="{FF2B5EF4-FFF2-40B4-BE49-F238E27FC236}">
-                <a16:creationId xmlns:a16="http://schemas.microsoft.com/office/drawing/2014/main" id="{0274B03F-5844-EE06-7B66-230AB35D6CDB}"/>
+                <a16:creationId xmlns:a16="http://schemas.microsoft.com/office/drawing/2014/main" id="{629CEB57-D545-1AC2-51F5-AB814C41C70D}"/>
               </a:ext>
             </a:extLst>
           </p:cNvPr>
@@ -24906,10 +26048,10 @@
       </p:sp>
       <p:pic>
         <p:nvPicPr>
-          <p:cNvPr id="7" name="그림 6">
-            <a:extLst>
-              <a:ext uri="{FF2B5EF4-FFF2-40B4-BE49-F238E27FC236}">
-                <a16:creationId xmlns:a16="http://schemas.microsoft.com/office/drawing/2014/main" id="{4333DC74-AF0F-80AF-841F-A4CA20A4300C}"/>
+          <p:cNvPr id="3" name="그림 2">
+            <a:extLst>
+              <a:ext uri="{FF2B5EF4-FFF2-40B4-BE49-F238E27FC236}">
+                <a16:creationId xmlns:a16="http://schemas.microsoft.com/office/drawing/2014/main" id="{92EEC4CE-CF9B-317C-6361-987265EE88FF}"/>
               </a:ext>
             </a:extLst>
           </p:cNvPr>
@@ -24926,8 +26068,8 @@
         </p:blipFill>
         <p:spPr>
           <a:xfrm>
-            <a:off x="32556" y="0"/>
-            <a:ext cx="12126887" cy="6858000"/>
+            <a:off x="0" y="184818"/>
+            <a:ext cx="12192000" cy="6488364"/>
           </a:xfrm>
           <a:prstGeom prst="rect">
             <a:avLst/>
@@ -24936,10 +26078,10 @@
       </p:pic>
       <p:pic>
         <p:nvPicPr>
-          <p:cNvPr id="12" name="그림 11">
-            <a:extLst>
-              <a:ext uri="{FF2B5EF4-FFF2-40B4-BE49-F238E27FC236}">
-                <a16:creationId xmlns:a16="http://schemas.microsoft.com/office/drawing/2014/main" id="{2787CBC2-B89C-E2DA-A26F-2B8DD992F1B8}"/>
+          <p:cNvPr id="5" name="그림 4">
+            <a:extLst>
+              <a:ext uri="{FF2B5EF4-FFF2-40B4-BE49-F238E27FC236}">
+                <a16:creationId xmlns:a16="http://schemas.microsoft.com/office/drawing/2014/main" id="{DBCD35E1-AB61-6B6E-3A2B-4EA3326E25E1}"/>
               </a:ext>
             </a:extLst>
           </p:cNvPr>
@@ -24956,65 +26098,18 @@
         </p:blipFill>
         <p:spPr>
           <a:xfrm>
-            <a:off x="4402244" y="337128"/>
-            <a:ext cx="7573432" cy="819264"/>
+            <a:off x="7696200" y="576796"/>
+            <a:ext cx="4135120" cy="883622"/>
           </a:xfrm>
           <a:prstGeom prst="rect">
             <a:avLst/>
           </a:prstGeom>
         </p:spPr>
       </p:pic>
-      <p:sp>
-        <p:nvSpPr>
-          <p:cNvPr id="13" name="TextBox 12">
-            <a:extLst>
-              <a:ext uri="{FF2B5EF4-FFF2-40B4-BE49-F238E27FC236}">
-                <a16:creationId xmlns:a16="http://schemas.microsoft.com/office/drawing/2014/main" id="{670BBD20-A66C-AA51-E2D6-36CDBDA87DC5}"/>
-              </a:ext>
-            </a:extLst>
-          </p:cNvPr>
-          <p:cNvSpPr txBox="1"/>
-          <p:nvPr/>
-        </p:nvSpPr>
-        <p:spPr>
-          <a:xfrm>
-            <a:off x="-53340" y="-71755"/>
-            <a:ext cx="942975" cy="369332"/>
-          </a:xfrm>
-          <a:prstGeom prst="rect">
-            <a:avLst/>
-          </a:prstGeom>
-          <a:noFill/>
-        </p:spPr>
-        <p:txBody>
-          <a:bodyPr wrap="square">
-            <a:spAutoFit/>
-          </a:bodyPr>
-          <a:lstStyle/>
-          <a:p>
-            <a:r>
-              <a:rPr lang="en-US" altLang="ko-KR" spc="-60" dirty="0">
-                <a:ln w="3175">
-                  <a:solidFill>
-                    <a:schemeClr val="tx1">
-                      <a:lumMod val="75000"/>
-                      <a:lumOff val="25000"/>
-                      <a:alpha val="10000"/>
-                    </a:schemeClr>
-                  </a:solidFill>
-                </a:ln>
-                <a:ea typeface="경기천년제목 Light" panose="02020403020101020101" pitchFamily="18" charset="-127"/>
-              </a:rPr>
-              <a:t>(TWh)</a:t>
-            </a:r>
-            <a:endParaRPr lang="ko-KR" altLang="en-US" dirty="0"/>
-          </a:p>
-        </p:txBody>
-      </p:sp>
     </p:spTree>
     <p:extLst>
       <p:ext uri="{BB962C8B-B14F-4D97-AF65-F5344CB8AC3E}">
-        <p14:creationId xmlns:p14="http://schemas.microsoft.com/office/powerpoint/2010/main" val="3815606150"/>
+        <p14:creationId xmlns:p14="http://schemas.microsoft.com/office/powerpoint/2010/main" val="2253573760"/>
       </p:ext>
     </p:extLst>
   </p:cSld>
@@ -25041,66 +26136,12 @@
           <a:chExt cx="0" cy="0"/>
         </a:xfrm>
       </p:grpSpPr>
-      <p:sp>
-        <p:nvSpPr>
-          <p:cNvPr id="10" name="직사각형 9">
-            <a:extLst>
-              <a:ext uri="{FF2B5EF4-FFF2-40B4-BE49-F238E27FC236}">
-                <a16:creationId xmlns:a16="http://schemas.microsoft.com/office/drawing/2014/main" id="{4E32A52F-E5AA-87E6-0C12-B52176EBD689}"/>
-              </a:ext>
-            </a:extLst>
-          </p:cNvPr>
-          <p:cNvSpPr/>
-          <p:nvPr/>
-        </p:nvSpPr>
-        <p:spPr>
-          <a:xfrm>
-            <a:off x="340816" y="-203200"/>
-            <a:ext cx="11556543" cy="7533640"/>
-          </a:xfrm>
-          <a:prstGeom prst="rect">
-            <a:avLst/>
-          </a:prstGeom>
-          <a:solidFill>
-            <a:schemeClr val="bg1"/>
-          </a:solidFill>
-          <a:ln>
-            <a:solidFill>
-              <a:schemeClr val="tx1"/>
-            </a:solidFill>
-          </a:ln>
-        </p:spPr>
-        <p:style>
-          <a:lnRef idx="2">
-            <a:schemeClr val="accent1">
-              <a:shade val="15000"/>
-            </a:schemeClr>
-          </a:lnRef>
-          <a:fillRef idx="1">
-            <a:schemeClr val="accent1"/>
-          </a:fillRef>
-          <a:effectRef idx="0">
-            <a:schemeClr val="accent1"/>
-          </a:effectRef>
-          <a:fontRef idx="minor">
-            <a:schemeClr val="lt1"/>
-          </a:fontRef>
-        </p:style>
-        <p:txBody>
-          <a:bodyPr rtlCol="0" anchor="ctr"/>
-          <a:lstStyle/>
-          <a:p>
-            <a:pPr algn="ctr"/>
-            <a:endParaRPr lang="ko-KR" altLang="en-US"/>
-          </a:p>
-        </p:txBody>
-      </p:sp>
       <p:pic>
         <p:nvPicPr>
           <p:cNvPr id="5" name="그림 4">
             <a:extLst>
               <a:ext uri="{FF2B5EF4-FFF2-40B4-BE49-F238E27FC236}">
-                <a16:creationId xmlns:a16="http://schemas.microsoft.com/office/drawing/2014/main" id="{08DBECEE-4384-D015-E686-63B9BBFCFDBC}"/>
+                <a16:creationId xmlns:a16="http://schemas.microsoft.com/office/drawing/2014/main" id="{9DC642BB-A8AF-FB59-236D-8AF4EE010FE4}"/>
               </a:ext>
             </a:extLst>
           </p:cNvPr>
@@ -25117,189 +26158,18 @@
         </p:blipFill>
         <p:spPr>
           <a:xfrm>
-            <a:off x="562721" y="0"/>
-            <a:ext cx="11066557" cy="6858000"/>
+            <a:off x="0" y="190649"/>
+            <a:ext cx="12192000" cy="6476701"/>
           </a:xfrm>
           <a:prstGeom prst="rect">
             <a:avLst/>
           </a:prstGeom>
         </p:spPr>
       </p:pic>
-      <p:sp>
-        <p:nvSpPr>
-          <p:cNvPr id="7" name="TextBox 6">
-            <a:extLst>
-              <a:ext uri="{FF2B5EF4-FFF2-40B4-BE49-F238E27FC236}">
-                <a16:creationId xmlns:a16="http://schemas.microsoft.com/office/drawing/2014/main" id="{F1BAE41F-9AB0-059D-8DC1-940589CF8DDA}"/>
-              </a:ext>
-            </a:extLst>
-          </p:cNvPr>
-          <p:cNvSpPr txBox="1"/>
-          <p:nvPr/>
-        </p:nvSpPr>
-        <p:spPr>
-          <a:xfrm>
-            <a:off x="3009900" y="-66675"/>
-            <a:ext cx="942975" cy="369332"/>
-          </a:xfrm>
-          <a:prstGeom prst="rect">
-            <a:avLst/>
-          </a:prstGeom>
-          <a:noFill/>
-        </p:spPr>
-        <p:txBody>
-          <a:bodyPr wrap="square">
-            <a:spAutoFit/>
-          </a:bodyPr>
-          <a:lstStyle/>
-          <a:p>
-            <a:r>
-              <a:rPr lang="en-US" altLang="ko-KR" spc="-60" dirty="0">
-                <a:ln w="3175">
-                  <a:solidFill>
-                    <a:schemeClr val="tx1">
-                      <a:lumMod val="75000"/>
-                      <a:lumOff val="25000"/>
-                      <a:alpha val="10000"/>
-                    </a:schemeClr>
-                  </a:solidFill>
-                </a:ln>
-                <a:ea typeface="경기천년제목 Light" panose="02020403020101020101" pitchFamily="18" charset="-127"/>
-              </a:rPr>
-              <a:t>(km</a:t>
-            </a:r>
-            <a:r>
-              <a:rPr lang="en-US" altLang="ko-KR" spc="-60" baseline="30000" dirty="0">
-                <a:ln w="3175">
-                  <a:solidFill>
-                    <a:schemeClr val="tx1">
-                      <a:lumMod val="75000"/>
-                      <a:lumOff val="25000"/>
-                      <a:alpha val="10000"/>
-                    </a:schemeClr>
-                  </a:solidFill>
-                </a:ln>
-                <a:ea typeface="경기천년제목 Light" panose="02020403020101020101" pitchFamily="18" charset="-127"/>
-              </a:rPr>
-              <a:t>2</a:t>
-            </a:r>
-            <a:r>
-              <a:rPr lang="en-US" altLang="ko-KR" spc="-60" dirty="0">
-                <a:ln w="3175">
-                  <a:solidFill>
-                    <a:schemeClr val="tx1">
-                      <a:lumMod val="75000"/>
-                      <a:lumOff val="25000"/>
-                      <a:alpha val="10000"/>
-                    </a:schemeClr>
-                  </a:solidFill>
-                </a:ln>
-                <a:ea typeface="경기천년제목 Light" panose="02020403020101020101" pitchFamily="18" charset="-127"/>
-              </a:rPr>
-              <a:t>)</a:t>
-            </a:r>
-            <a:endParaRPr lang="ko-KR" altLang="en-US" dirty="0"/>
-          </a:p>
-        </p:txBody>
-      </p:sp>
-      <p:sp>
-        <p:nvSpPr>
-          <p:cNvPr id="8" name="TextBox 7">
-            <a:extLst>
-              <a:ext uri="{FF2B5EF4-FFF2-40B4-BE49-F238E27FC236}">
-                <a16:creationId xmlns:a16="http://schemas.microsoft.com/office/drawing/2014/main" id="{5498672F-6063-3978-4C05-6867FA9E9241}"/>
-              </a:ext>
-            </a:extLst>
-          </p:cNvPr>
-          <p:cNvSpPr txBox="1"/>
-          <p:nvPr/>
-        </p:nvSpPr>
-        <p:spPr>
-          <a:xfrm>
-            <a:off x="6829051" y="-66675"/>
-            <a:ext cx="942975" cy="369332"/>
-          </a:xfrm>
-          <a:prstGeom prst="rect">
-            <a:avLst/>
-          </a:prstGeom>
-          <a:noFill/>
-        </p:spPr>
-        <p:txBody>
-          <a:bodyPr wrap="square">
-            <a:spAutoFit/>
-          </a:bodyPr>
-          <a:lstStyle/>
-          <a:p>
-            <a:r>
-              <a:rPr lang="en-US" altLang="ko-KR" spc="-60" dirty="0">
-                <a:ln w="3175">
-                  <a:solidFill>
-                    <a:schemeClr val="tx1">
-                      <a:lumMod val="75000"/>
-                      <a:lumOff val="25000"/>
-                      <a:alpha val="10000"/>
-                    </a:schemeClr>
-                  </a:solidFill>
-                </a:ln>
-                <a:ea typeface="경기천년제목 Light" panose="02020403020101020101" pitchFamily="18" charset="-127"/>
-              </a:rPr>
-              <a:t>(GW)</a:t>
-            </a:r>
-            <a:endParaRPr lang="ko-KR" altLang="en-US" dirty="0"/>
-          </a:p>
-        </p:txBody>
-      </p:sp>
-      <p:sp>
-        <p:nvSpPr>
-          <p:cNvPr id="9" name="TextBox 8">
-            <a:extLst>
-              <a:ext uri="{FF2B5EF4-FFF2-40B4-BE49-F238E27FC236}">
-                <a16:creationId xmlns:a16="http://schemas.microsoft.com/office/drawing/2014/main" id="{6ACC5DAF-E9F9-D021-0EFC-0F3C138C16D6}"/>
-              </a:ext>
-            </a:extLst>
-          </p:cNvPr>
-          <p:cNvSpPr txBox="1"/>
-          <p:nvPr/>
-        </p:nvSpPr>
-        <p:spPr>
-          <a:xfrm>
-            <a:off x="10553326" y="-66675"/>
-            <a:ext cx="942975" cy="369332"/>
-          </a:xfrm>
-          <a:prstGeom prst="rect">
-            <a:avLst/>
-          </a:prstGeom>
-          <a:noFill/>
-        </p:spPr>
-        <p:txBody>
-          <a:bodyPr wrap="square">
-            <a:spAutoFit/>
-          </a:bodyPr>
-          <a:lstStyle/>
-          <a:p>
-            <a:r>
-              <a:rPr lang="en-US" altLang="ko-KR" spc="-60" dirty="0">
-                <a:ln w="3175">
-                  <a:solidFill>
-                    <a:schemeClr val="tx1">
-                      <a:lumMod val="75000"/>
-                      <a:lumOff val="25000"/>
-                      <a:alpha val="10000"/>
-                    </a:schemeClr>
-                  </a:solidFill>
-                </a:ln>
-                <a:ea typeface="경기천년제목 Light" panose="02020403020101020101" pitchFamily="18" charset="-127"/>
-              </a:rPr>
-              <a:t>(TWh)</a:t>
-            </a:r>
-            <a:endParaRPr lang="ko-KR" altLang="en-US" dirty="0"/>
-          </a:p>
-        </p:txBody>
-      </p:sp>
     </p:spTree>
     <p:extLst>
       <p:ext uri="{BB962C8B-B14F-4D97-AF65-F5344CB8AC3E}">
-        <p14:creationId xmlns:p14="http://schemas.microsoft.com/office/powerpoint/2010/main" val="381363147"/>
+        <p14:creationId xmlns:p14="http://schemas.microsoft.com/office/powerpoint/2010/main" val="3838759184"/>
       </p:ext>
     </p:extLst>
   </p:cSld>
@@ -25328,10 +26198,10 @@
       </p:grpSpPr>
       <p:sp>
         <p:nvSpPr>
-          <p:cNvPr id="36" name="직사각형 35">
-            <a:extLst>
-              <a:ext uri="{FF2B5EF4-FFF2-40B4-BE49-F238E27FC236}">
-                <a16:creationId xmlns:a16="http://schemas.microsoft.com/office/drawing/2014/main" id="{79727932-5B85-E518-554E-2ED2E2E01630}"/>
+          <p:cNvPr id="6" name="직사각형 5">
+            <a:extLst>
+              <a:ext uri="{FF2B5EF4-FFF2-40B4-BE49-F238E27FC236}">
+                <a16:creationId xmlns:a16="http://schemas.microsoft.com/office/drawing/2014/main" id="{212BE4F7-E4FE-AE7C-B1A6-332B5B694BE3}"/>
               </a:ext>
             </a:extLst>
           </p:cNvPr>
@@ -25340,8 +26210,8 @@
         </p:nvSpPr>
         <p:spPr>
           <a:xfrm>
-            <a:off x="340816" y="-203200"/>
-            <a:ext cx="11556543" cy="7533640"/>
+            <a:off x="-599440" y="-1225550"/>
+            <a:ext cx="13121640" cy="8581390"/>
           </a:xfrm>
           <a:prstGeom prst="rect">
             <a:avLst/>
@@ -25382,10 +26252,10 @@
       </p:sp>
       <p:pic>
         <p:nvPicPr>
-          <p:cNvPr id="12" name="그림 11">
-            <a:extLst>
-              <a:ext uri="{FF2B5EF4-FFF2-40B4-BE49-F238E27FC236}">
-                <a16:creationId xmlns:a16="http://schemas.microsoft.com/office/drawing/2014/main" id="{60539E56-5B90-8AA3-F838-53D8F113ABEA}"/>
+          <p:cNvPr id="7" name="그림 6">
+            <a:extLst>
+              <a:ext uri="{FF2B5EF4-FFF2-40B4-BE49-F238E27FC236}">
+                <a16:creationId xmlns:a16="http://schemas.microsoft.com/office/drawing/2014/main" id="{D76F5C33-1011-8C4A-0D10-70F7D359BD69}"/>
               </a:ext>
             </a:extLst>
           </p:cNvPr>
@@ -25396,1177 +26266,82 @@
         </p:nvPicPr>
         <p:blipFill>
           <a:blip r:embed="rId2"/>
+          <a:srcRect t="26361" r="97531" b="38490"/>
+          <a:stretch/>
+        </p:blipFill>
+        <p:spPr>
+          <a:xfrm rot="5400000">
+            <a:off x="6456323" y="5789882"/>
+            <a:ext cx="301067" cy="2276475"/>
+          </a:xfrm>
+          <a:prstGeom prst="rect">
+            <a:avLst/>
+          </a:prstGeom>
+        </p:spPr>
+      </p:pic>
+      <p:pic>
+        <p:nvPicPr>
+          <p:cNvPr id="10" name="그림 9">
+            <a:extLst>
+              <a:ext uri="{FF2B5EF4-FFF2-40B4-BE49-F238E27FC236}">
+                <a16:creationId xmlns:a16="http://schemas.microsoft.com/office/drawing/2014/main" id="{017D3EC3-B18F-D3EE-C5DC-FD5F4183F58A}"/>
+              </a:ext>
+            </a:extLst>
+          </p:cNvPr>
+          <p:cNvPicPr>
+            <a:picLocks noChangeAspect="1"/>
+          </p:cNvPicPr>
+          <p:nvPr/>
+        </p:nvPicPr>
+        <p:blipFill>
+          <a:blip r:embed="rId3"/>
+          <a:srcRect l="375"/>
+          <a:stretch/>
+        </p:blipFill>
+        <p:spPr>
+          <a:xfrm>
+            <a:off x="187960" y="56531"/>
+            <a:ext cx="12146280" cy="6744937"/>
+          </a:xfrm>
+          <a:prstGeom prst="rect">
+            <a:avLst/>
+          </a:prstGeom>
+        </p:spPr>
+      </p:pic>
+      <p:pic>
+        <p:nvPicPr>
+          <p:cNvPr id="12" name="그림 11">
+            <a:extLst>
+              <a:ext uri="{FF2B5EF4-FFF2-40B4-BE49-F238E27FC236}">
+                <a16:creationId xmlns:a16="http://schemas.microsoft.com/office/drawing/2014/main" id="{5AF79A4E-FE01-E215-05CE-17E959645CAA}"/>
+              </a:ext>
+            </a:extLst>
+          </p:cNvPr>
+          <p:cNvPicPr>
+            <a:picLocks noChangeAspect="1"/>
+          </p:cNvPicPr>
+          <p:nvPr/>
+        </p:nvPicPr>
+        <p:blipFill>
+          <a:blip r:embed="rId4"/>
           <a:stretch>
             <a:fillRect/>
           </a:stretch>
         </p:blipFill>
         <p:spPr>
           <a:xfrm>
-            <a:off x="552582" y="0"/>
-            <a:ext cx="11086836" cy="6858000"/>
+            <a:off x="-244595" y="2057643"/>
+            <a:ext cx="315843" cy="2395547"/>
           </a:xfrm>
           <a:prstGeom prst="rect">
             <a:avLst/>
           </a:prstGeom>
         </p:spPr>
       </p:pic>
-      <p:sp>
-        <p:nvSpPr>
-          <p:cNvPr id="6" name="이등변 삼각형 5">
-            <a:extLst>
-              <a:ext uri="{FF2B5EF4-FFF2-40B4-BE49-F238E27FC236}">
-                <a16:creationId xmlns:a16="http://schemas.microsoft.com/office/drawing/2014/main" id="{2F672663-6C5B-7309-594F-F562AFBEBFB4}"/>
-              </a:ext>
-            </a:extLst>
-          </p:cNvPr>
-          <p:cNvSpPr/>
-          <p:nvPr/>
-        </p:nvSpPr>
-        <p:spPr>
-          <a:xfrm flipH="1" flipV="1">
-            <a:off x="2245360" y="502725"/>
-            <a:ext cx="158496" cy="136634"/>
-          </a:xfrm>
-          <a:prstGeom prst="triangle">
-            <a:avLst/>
-          </a:prstGeom>
-          <a:solidFill>
-            <a:schemeClr val="tx1"/>
-          </a:solidFill>
-        </p:spPr>
-        <p:style>
-          <a:lnRef idx="2">
-            <a:schemeClr val="accent1">
-              <a:shade val="15000"/>
-            </a:schemeClr>
-          </a:lnRef>
-          <a:fillRef idx="1">
-            <a:schemeClr val="accent1"/>
-          </a:fillRef>
-          <a:effectRef idx="0">
-            <a:schemeClr val="accent1"/>
-          </a:effectRef>
-          <a:fontRef idx="minor">
-            <a:schemeClr val="lt1"/>
-          </a:fontRef>
-        </p:style>
-        <p:txBody>
-          <a:bodyPr rtlCol="0" anchor="ctr"/>
-          <a:lstStyle/>
-          <a:p>
-            <a:pPr algn="ctr"/>
-            <a:endParaRPr lang="ko-KR" altLang="en-US"/>
-          </a:p>
-        </p:txBody>
-      </p:sp>
-      <p:sp>
-        <p:nvSpPr>
-          <p:cNvPr id="7" name="이등변 삼각형 6">
-            <a:extLst>
-              <a:ext uri="{FF2B5EF4-FFF2-40B4-BE49-F238E27FC236}">
-                <a16:creationId xmlns:a16="http://schemas.microsoft.com/office/drawing/2014/main" id="{91F10FC1-B92A-F635-46A8-514F49176209}"/>
-              </a:ext>
-            </a:extLst>
-          </p:cNvPr>
-          <p:cNvSpPr/>
-          <p:nvPr/>
-        </p:nvSpPr>
-        <p:spPr>
-          <a:xfrm flipH="1">
-            <a:off x="-1842770" y="450850"/>
-            <a:ext cx="250444" cy="215900"/>
-          </a:xfrm>
-          <a:prstGeom prst="triangle">
-            <a:avLst/>
-          </a:prstGeom>
-          <a:solidFill>
-            <a:schemeClr val="tx1"/>
-          </a:solidFill>
-        </p:spPr>
-        <p:style>
-          <a:lnRef idx="2">
-            <a:schemeClr val="accent1">
-              <a:shade val="15000"/>
-            </a:schemeClr>
-          </a:lnRef>
-          <a:fillRef idx="1">
-            <a:schemeClr val="accent1"/>
-          </a:fillRef>
-          <a:effectRef idx="0">
-            <a:schemeClr val="accent1"/>
-          </a:effectRef>
-          <a:fontRef idx="minor">
-            <a:schemeClr val="lt1"/>
-          </a:fontRef>
-        </p:style>
-        <p:txBody>
-          <a:bodyPr rtlCol="0" anchor="ctr"/>
-          <a:lstStyle/>
-          <a:p>
-            <a:pPr algn="ctr"/>
-            <a:endParaRPr lang="ko-KR" altLang="en-US"/>
-          </a:p>
-        </p:txBody>
-      </p:sp>
-      <p:sp>
-        <p:nvSpPr>
-          <p:cNvPr id="9" name="TextBox 8">
-            <a:extLst>
-              <a:ext uri="{FF2B5EF4-FFF2-40B4-BE49-F238E27FC236}">
-                <a16:creationId xmlns:a16="http://schemas.microsoft.com/office/drawing/2014/main" id="{6A10FD17-BC4E-B5D7-51DF-EF3651BD48DF}"/>
-              </a:ext>
-            </a:extLst>
-          </p:cNvPr>
-          <p:cNvSpPr txBox="1"/>
-          <p:nvPr/>
-        </p:nvSpPr>
-        <p:spPr>
-          <a:xfrm>
-            <a:off x="2370074" y="404911"/>
-            <a:ext cx="652526" cy="307777"/>
-          </a:xfrm>
-          <a:prstGeom prst="rect">
-            <a:avLst/>
-          </a:prstGeom>
-          <a:noFill/>
-        </p:spPr>
-        <p:txBody>
-          <a:bodyPr wrap="square">
-            <a:spAutoFit/>
-          </a:bodyPr>
-          <a:lstStyle/>
-          <a:p>
-            <a:r>
-              <a:rPr lang="en-US" altLang="ko-KR" sz="1400" spc="-60" dirty="0">
-                <a:ln w="3175">
-                  <a:solidFill>
-                    <a:schemeClr val="tx1">
-                      <a:lumMod val="75000"/>
-                      <a:lumOff val="25000"/>
-                      <a:alpha val="10000"/>
-                    </a:schemeClr>
-                  </a:solidFill>
-                </a:ln>
-                <a:ea typeface="경기천년제목 Light" panose="02020403020101020101" pitchFamily="18" charset="-127"/>
-              </a:rPr>
-              <a:t>14.2%</a:t>
-            </a:r>
-            <a:endParaRPr lang="ko-KR" altLang="en-US" sz="1400" dirty="0"/>
-          </a:p>
-        </p:txBody>
-      </p:sp>
-      <p:sp>
-        <p:nvSpPr>
-          <p:cNvPr id="13" name="직사각형 12">
-            <a:extLst>
-              <a:ext uri="{FF2B5EF4-FFF2-40B4-BE49-F238E27FC236}">
-                <a16:creationId xmlns:a16="http://schemas.microsoft.com/office/drawing/2014/main" id="{A2E2B265-3760-9991-FFAD-09DA1F9B0408}"/>
-              </a:ext>
-            </a:extLst>
-          </p:cNvPr>
-          <p:cNvSpPr/>
-          <p:nvPr/>
-        </p:nvSpPr>
-        <p:spPr>
-          <a:xfrm>
-            <a:off x="922020" y="3215482"/>
-            <a:ext cx="10717398" cy="213518"/>
-          </a:xfrm>
-          <a:prstGeom prst="rect">
-            <a:avLst/>
-          </a:prstGeom>
-          <a:solidFill>
-            <a:schemeClr val="bg1"/>
-          </a:solidFill>
-          <a:ln>
-            <a:noFill/>
-          </a:ln>
-        </p:spPr>
-        <p:style>
-          <a:lnRef idx="2">
-            <a:schemeClr val="accent1">
-              <a:shade val="15000"/>
-            </a:schemeClr>
-          </a:lnRef>
-          <a:fillRef idx="1">
-            <a:schemeClr val="accent1"/>
-          </a:fillRef>
-          <a:effectRef idx="0">
-            <a:schemeClr val="accent1"/>
-          </a:effectRef>
-          <a:fontRef idx="minor">
-            <a:schemeClr val="lt1"/>
-          </a:fontRef>
-        </p:style>
-        <p:txBody>
-          <a:bodyPr rtlCol="0" anchor="ctr"/>
-          <a:lstStyle/>
-          <a:p>
-            <a:pPr algn="ctr"/>
-            <a:endParaRPr lang="ko-KR" altLang="en-US"/>
-          </a:p>
-        </p:txBody>
-      </p:sp>
-      <p:sp>
-        <p:nvSpPr>
-          <p:cNvPr id="14" name="직사각형 13">
-            <a:extLst>
-              <a:ext uri="{FF2B5EF4-FFF2-40B4-BE49-F238E27FC236}">
-                <a16:creationId xmlns:a16="http://schemas.microsoft.com/office/drawing/2014/main" id="{B283EDF2-A942-22F3-3EC6-5D10C09874CB}"/>
-              </a:ext>
-            </a:extLst>
-          </p:cNvPr>
-          <p:cNvSpPr/>
-          <p:nvPr/>
-        </p:nvSpPr>
-        <p:spPr>
-          <a:xfrm>
-            <a:off x="922020" y="6644482"/>
-            <a:ext cx="10717398" cy="213518"/>
-          </a:xfrm>
-          <a:prstGeom prst="rect">
-            <a:avLst/>
-          </a:prstGeom>
-          <a:solidFill>
-            <a:schemeClr val="bg1"/>
-          </a:solidFill>
-          <a:ln>
-            <a:noFill/>
-          </a:ln>
-        </p:spPr>
-        <p:style>
-          <a:lnRef idx="2">
-            <a:schemeClr val="accent1">
-              <a:shade val="15000"/>
-            </a:schemeClr>
-          </a:lnRef>
-          <a:fillRef idx="1">
-            <a:schemeClr val="accent1"/>
-          </a:fillRef>
-          <a:effectRef idx="0">
-            <a:schemeClr val="accent1"/>
-          </a:effectRef>
-          <a:fontRef idx="minor">
-            <a:schemeClr val="lt1"/>
-          </a:fontRef>
-        </p:style>
-        <p:txBody>
-          <a:bodyPr rtlCol="0" anchor="ctr"/>
-          <a:lstStyle/>
-          <a:p>
-            <a:pPr algn="ctr"/>
-            <a:endParaRPr lang="ko-KR" altLang="en-US"/>
-          </a:p>
-        </p:txBody>
-      </p:sp>
-      <p:pic>
-        <p:nvPicPr>
-          <p:cNvPr id="10" name="그림 9">
-            <a:extLst>
-              <a:ext uri="{FF2B5EF4-FFF2-40B4-BE49-F238E27FC236}">
-                <a16:creationId xmlns:a16="http://schemas.microsoft.com/office/drawing/2014/main" id="{C698687E-7BEA-A2C9-F71E-A876A6DB8918}"/>
-              </a:ext>
-            </a:extLst>
-          </p:cNvPr>
-          <p:cNvPicPr>
-            <a:picLocks noChangeAspect="1"/>
-          </p:cNvPicPr>
-          <p:nvPr/>
-        </p:nvPicPr>
-        <p:blipFill>
-          <a:blip r:embed="rId3"/>
-          <a:srcRect l="4668" t="47505" r="79006" b="50297"/>
-          <a:stretch/>
-        </p:blipFill>
-        <p:spPr>
-          <a:xfrm>
-            <a:off x="1112520" y="3225642"/>
-            <a:ext cx="1910080" cy="150812"/>
-          </a:xfrm>
-          <a:prstGeom prst="rect">
-            <a:avLst/>
-          </a:prstGeom>
-        </p:spPr>
-      </p:pic>
-      <p:pic>
-        <p:nvPicPr>
-          <p:cNvPr id="15" name="그림 14">
-            <a:extLst>
-              <a:ext uri="{FF2B5EF4-FFF2-40B4-BE49-F238E27FC236}">
-                <a16:creationId xmlns:a16="http://schemas.microsoft.com/office/drawing/2014/main" id="{F32299CA-D4AE-F4BF-82E2-1F66986C9568}"/>
-              </a:ext>
-            </a:extLst>
-          </p:cNvPr>
-          <p:cNvPicPr>
-            <a:picLocks noChangeAspect="1"/>
-          </p:cNvPicPr>
-          <p:nvPr/>
-        </p:nvPicPr>
-        <p:blipFill>
-          <a:blip r:embed="rId3"/>
-          <a:srcRect l="4668" t="47505" r="79006" b="50297"/>
-          <a:stretch/>
-        </p:blipFill>
-        <p:spPr>
-          <a:xfrm>
-            <a:off x="3860800" y="3225642"/>
-            <a:ext cx="1910080" cy="150812"/>
-          </a:xfrm>
-          <a:prstGeom prst="rect">
-            <a:avLst/>
-          </a:prstGeom>
-        </p:spPr>
-      </p:pic>
-      <p:pic>
-        <p:nvPicPr>
-          <p:cNvPr id="16" name="그림 15">
-            <a:extLst>
-              <a:ext uri="{FF2B5EF4-FFF2-40B4-BE49-F238E27FC236}">
-                <a16:creationId xmlns:a16="http://schemas.microsoft.com/office/drawing/2014/main" id="{E776C361-FBB9-4CFC-1CF7-0F4FF3E312B1}"/>
-              </a:ext>
-            </a:extLst>
-          </p:cNvPr>
-          <p:cNvPicPr>
-            <a:picLocks noChangeAspect="1"/>
-          </p:cNvPicPr>
-          <p:nvPr/>
-        </p:nvPicPr>
-        <p:blipFill>
-          <a:blip r:embed="rId3"/>
-          <a:srcRect l="4668" t="47505" r="79006" b="50297"/>
-          <a:stretch/>
-        </p:blipFill>
-        <p:spPr>
-          <a:xfrm>
-            <a:off x="6739468" y="3225642"/>
-            <a:ext cx="1910080" cy="150812"/>
-          </a:xfrm>
-          <a:prstGeom prst="rect">
-            <a:avLst/>
-          </a:prstGeom>
-        </p:spPr>
-      </p:pic>
-      <p:pic>
-        <p:nvPicPr>
-          <p:cNvPr id="17" name="그림 16">
-            <a:extLst>
-              <a:ext uri="{FF2B5EF4-FFF2-40B4-BE49-F238E27FC236}">
-                <a16:creationId xmlns:a16="http://schemas.microsoft.com/office/drawing/2014/main" id="{4FDA546C-8BB1-B052-3503-00BCD02B1738}"/>
-              </a:ext>
-            </a:extLst>
-          </p:cNvPr>
-          <p:cNvPicPr>
-            <a:picLocks noChangeAspect="1"/>
-          </p:cNvPicPr>
-          <p:nvPr/>
-        </p:nvPicPr>
-        <p:blipFill>
-          <a:blip r:embed="rId3"/>
-          <a:srcRect l="4668" t="47505" r="79006" b="50297"/>
-          <a:stretch/>
-        </p:blipFill>
-        <p:spPr>
-          <a:xfrm>
-            <a:off x="9469123" y="3225642"/>
-            <a:ext cx="1910080" cy="150812"/>
-          </a:xfrm>
-          <a:prstGeom prst="rect">
-            <a:avLst/>
-          </a:prstGeom>
-        </p:spPr>
-      </p:pic>
-      <p:pic>
-        <p:nvPicPr>
-          <p:cNvPr id="18" name="그림 17">
-            <a:extLst>
-              <a:ext uri="{FF2B5EF4-FFF2-40B4-BE49-F238E27FC236}">
-                <a16:creationId xmlns:a16="http://schemas.microsoft.com/office/drawing/2014/main" id="{D2F3E4E1-CA0F-BF7E-7BE3-8E23DB0A1A59}"/>
-              </a:ext>
-            </a:extLst>
-          </p:cNvPr>
-          <p:cNvPicPr>
-            <a:picLocks noChangeAspect="1"/>
-          </p:cNvPicPr>
-          <p:nvPr/>
-        </p:nvPicPr>
-        <p:blipFill>
-          <a:blip r:embed="rId3"/>
-          <a:srcRect l="4668" t="47505" r="79006" b="50297"/>
-          <a:stretch/>
-        </p:blipFill>
-        <p:spPr>
-          <a:xfrm>
-            <a:off x="1112520" y="6654642"/>
-            <a:ext cx="1910080" cy="150812"/>
-          </a:xfrm>
-          <a:prstGeom prst="rect">
-            <a:avLst/>
-          </a:prstGeom>
-        </p:spPr>
-      </p:pic>
-      <p:pic>
-        <p:nvPicPr>
-          <p:cNvPr id="19" name="그림 18">
-            <a:extLst>
-              <a:ext uri="{FF2B5EF4-FFF2-40B4-BE49-F238E27FC236}">
-                <a16:creationId xmlns:a16="http://schemas.microsoft.com/office/drawing/2014/main" id="{DD7D1F59-6301-E8A9-EF8C-E6A42FDE54C4}"/>
-              </a:ext>
-            </a:extLst>
-          </p:cNvPr>
-          <p:cNvPicPr>
-            <a:picLocks noChangeAspect="1"/>
-          </p:cNvPicPr>
-          <p:nvPr/>
-        </p:nvPicPr>
-        <p:blipFill>
-          <a:blip r:embed="rId3"/>
-          <a:srcRect l="4668" t="47505" r="79006" b="50297"/>
-          <a:stretch/>
-        </p:blipFill>
-        <p:spPr>
-          <a:xfrm>
-            <a:off x="3860800" y="6654642"/>
-            <a:ext cx="1910080" cy="150812"/>
-          </a:xfrm>
-          <a:prstGeom prst="rect">
-            <a:avLst/>
-          </a:prstGeom>
-        </p:spPr>
-      </p:pic>
-      <p:pic>
-        <p:nvPicPr>
-          <p:cNvPr id="20" name="그림 19">
-            <a:extLst>
-              <a:ext uri="{FF2B5EF4-FFF2-40B4-BE49-F238E27FC236}">
-                <a16:creationId xmlns:a16="http://schemas.microsoft.com/office/drawing/2014/main" id="{904EB464-0A24-17CD-98F3-DAA9FA2662B1}"/>
-              </a:ext>
-            </a:extLst>
-          </p:cNvPr>
-          <p:cNvPicPr>
-            <a:picLocks noChangeAspect="1"/>
-          </p:cNvPicPr>
-          <p:nvPr/>
-        </p:nvPicPr>
-        <p:blipFill>
-          <a:blip r:embed="rId3"/>
-          <a:srcRect l="4668" t="47505" r="79006" b="50297"/>
-          <a:stretch/>
-        </p:blipFill>
-        <p:spPr>
-          <a:xfrm>
-            <a:off x="6739468" y="6654642"/>
-            <a:ext cx="1910080" cy="150812"/>
-          </a:xfrm>
-          <a:prstGeom prst="rect">
-            <a:avLst/>
-          </a:prstGeom>
-        </p:spPr>
-      </p:pic>
-      <p:pic>
-        <p:nvPicPr>
-          <p:cNvPr id="21" name="그림 20">
-            <a:extLst>
-              <a:ext uri="{FF2B5EF4-FFF2-40B4-BE49-F238E27FC236}">
-                <a16:creationId xmlns:a16="http://schemas.microsoft.com/office/drawing/2014/main" id="{1CAE9D2B-98FC-C6CC-C47B-F58F5D95182D}"/>
-              </a:ext>
-            </a:extLst>
-          </p:cNvPr>
-          <p:cNvPicPr>
-            <a:picLocks noChangeAspect="1"/>
-          </p:cNvPicPr>
-          <p:nvPr/>
-        </p:nvPicPr>
-        <p:blipFill>
-          <a:blip r:embed="rId3"/>
-          <a:srcRect l="4668" t="47505" r="79006" b="50297"/>
-          <a:stretch/>
-        </p:blipFill>
-        <p:spPr>
-          <a:xfrm>
-            <a:off x="9469123" y="6654642"/>
-            <a:ext cx="1910080" cy="150812"/>
-          </a:xfrm>
-          <a:prstGeom prst="rect">
-            <a:avLst/>
-          </a:prstGeom>
-        </p:spPr>
-      </p:pic>
-      <p:sp>
-        <p:nvSpPr>
-          <p:cNvPr id="22" name="이등변 삼각형 21">
-            <a:extLst>
-              <a:ext uri="{FF2B5EF4-FFF2-40B4-BE49-F238E27FC236}">
-                <a16:creationId xmlns:a16="http://schemas.microsoft.com/office/drawing/2014/main" id="{D89EFAD1-C22C-DBD7-2A39-40A17725A305}"/>
-              </a:ext>
-            </a:extLst>
-          </p:cNvPr>
-          <p:cNvSpPr/>
-          <p:nvPr/>
-        </p:nvSpPr>
-        <p:spPr>
-          <a:xfrm flipH="1" flipV="1">
-            <a:off x="4993640" y="502725"/>
-            <a:ext cx="158496" cy="136634"/>
-          </a:xfrm>
-          <a:prstGeom prst="triangle">
-            <a:avLst/>
-          </a:prstGeom>
-          <a:solidFill>
-            <a:schemeClr val="tx1"/>
-          </a:solidFill>
-        </p:spPr>
-        <p:style>
-          <a:lnRef idx="2">
-            <a:schemeClr val="accent1">
-              <a:shade val="15000"/>
-            </a:schemeClr>
-          </a:lnRef>
-          <a:fillRef idx="1">
-            <a:schemeClr val="accent1"/>
-          </a:fillRef>
-          <a:effectRef idx="0">
-            <a:schemeClr val="accent1"/>
-          </a:effectRef>
-          <a:fontRef idx="minor">
-            <a:schemeClr val="lt1"/>
-          </a:fontRef>
-        </p:style>
-        <p:txBody>
-          <a:bodyPr rtlCol="0" anchor="ctr"/>
-          <a:lstStyle/>
-          <a:p>
-            <a:pPr algn="ctr"/>
-            <a:endParaRPr lang="ko-KR" altLang="en-US"/>
-          </a:p>
-        </p:txBody>
-      </p:sp>
-      <p:sp>
-        <p:nvSpPr>
-          <p:cNvPr id="23" name="TextBox 22">
-            <a:extLst>
-              <a:ext uri="{FF2B5EF4-FFF2-40B4-BE49-F238E27FC236}">
-                <a16:creationId xmlns:a16="http://schemas.microsoft.com/office/drawing/2014/main" id="{084E04BE-F387-6423-C8E5-CDDC9EAF9DFC}"/>
-              </a:ext>
-            </a:extLst>
-          </p:cNvPr>
-          <p:cNvSpPr txBox="1"/>
-          <p:nvPr/>
-        </p:nvSpPr>
-        <p:spPr>
-          <a:xfrm>
-            <a:off x="5118354" y="404911"/>
-            <a:ext cx="652526" cy="307777"/>
-          </a:xfrm>
-          <a:prstGeom prst="rect">
-            <a:avLst/>
-          </a:prstGeom>
-          <a:noFill/>
-        </p:spPr>
-        <p:txBody>
-          <a:bodyPr wrap="square">
-            <a:spAutoFit/>
-          </a:bodyPr>
-          <a:lstStyle/>
-          <a:p>
-            <a:r>
-              <a:rPr lang="en-US" altLang="ko-KR" sz="1400" spc="-60" dirty="0">
-                <a:ln w="3175">
-                  <a:solidFill>
-                    <a:schemeClr val="tx1">
-                      <a:lumMod val="75000"/>
-                      <a:lumOff val="25000"/>
-                      <a:alpha val="10000"/>
-                    </a:schemeClr>
-                  </a:solidFill>
-                </a:ln>
-                <a:ea typeface="경기천년제목 Light" panose="02020403020101020101" pitchFamily="18" charset="-127"/>
-              </a:rPr>
-              <a:t>42.1%</a:t>
-            </a:r>
-            <a:endParaRPr lang="ko-KR" altLang="en-US" sz="1400" dirty="0"/>
-          </a:p>
-        </p:txBody>
-      </p:sp>
-      <p:sp>
-        <p:nvSpPr>
-          <p:cNvPr id="24" name="이등변 삼각형 23">
-            <a:extLst>
-              <a:ext uri="{FF2B5EF4-FFF2-40B4-BE49-F238E27FC236}">
-                <a16:creationId xmlns:a16="http://schemas.microsoft.com/office/drawing/2014/main" id="{97B81EFB-08D9-1A39-CD67-B9354D8EB754}"/>
-              </a:ext>
-            </a:extLst>
-          </p:cNvPr>
-          <p:cNvSpPr/>
-          <p:nvPr/>
-        </p:nvSpPr>
-        <p:spPr>
-          <a:xfrm flipH="1" flipV="1">
-            <a:off x="7872308" y="502725"/>
-            <a:ext cx="158496" cy="136634"/>
-          </a:xfrm>
-          <a:prstGeom prst="triangle">
-            <a:avLst/>
-          </a:prstGeom>
-          <a:solidFill>
-            <a:schemeClr val="tx1"/>
-          </a:solidFill>
-        </p:spPr>
-        <p:style>
-          <a:lnRef idx="2">
-            <a:schemeClr val="accent1">
-              <a:shade val="15000"/>
-            </a:schemeClr>
-          </a:lnRef>
-          <a:fillRef idx="1">
-            <a:schemeClr val="accent1"/>
-          </a:fillRef>
-          <a:effectRef idx="0">
-            <a:schemeClr val="accent1"/>
-          </a:effectRef>
-          <a:fontRef idx="minor">
-            <a:schemeClr val="lt1"/>
-          </a:fontRef>
-        </p:style>
-        <p:txBody>
-          <a:bodyPr rtlCol="0" anchor="ctr"/>
-          <a:lstStyle/>
-          <a:p>
-            <a:pPr algn="ctr"/>
-            <a:endParaRPr lang="ko-KR" altLang="en-US"/>
-          </a:p>
-        </p:txBody>
-      </p:sp>
-      <p:sp>
-        <p:nvSpPr>
-          <p:cNvPr id="25" name="TextBox 24">
-            <a:extLst>
-              <a:ext uri="{FF2B5EF4-FFF2-40B4-BE49-F238E27FC236}">
-                <a16:creationId xmlns:a16="http://schemas.microsoft.com/office/drawing/2014/main" id="{11F3B2A8-DFFB-6924-0F78-559204DFEC9A}"/>
-              </a:ext>
-            </a:extLst>
-          </p:cNvPr>
-          <p:cNvSpPr txBox="1"/>
-          <p:nvPr/>
-        </p:nvSpPr>
-        <p:spPr>
-          <a:xfrm>
-            <a:off x="7997022" y="404911"/>
-            <a:ext cx="652526" cy="307777"/>
-          </a:xfrm>
-          <a:prstGeom prst="rect">
-            <a:avLst/>
-          </a:prstGeom>
-          <a:noFill/>
-        </p:spPr>
-        <p:txBody>
-          <a:bodyPr wrap="square">
-            <a:spAutoFit/>
-          </a:bodyPr>
-          <a:lstStyle/>
-          <a:p>
-            <a:r>
-              <a:rPr lang="en-US" altLang="ko-KR" sz="1400" spc="-60" dirty="0">
-                <a:ln w="3175">
-                  <a:solidFill>
-                    <a:schemeClr val="tx1">
-                      <a:lumMod val="75000"/>
-                      <a:lumOff val="25000"/>
-                      <a:alpha val="10000"/>
-                    </a:schemeClr>
-                  </a:solidFill>
-                </a:ln>
-                <a:ea typeface="경기천년제목 Light" panose="02020403020101020101" pitchFamily="18" charset="-127"/>
-              </a:rPr>
-              <a:t>13.1%</a:t>
-            </a:r>
-            <a:endParaRPr lang="ko-KR" altLang="en-US" sz="1400" dirty="0"/>
-          </a:p>
-        </p:txBody>
-      </p:sp>
-      <p:sp>
-        <p:nvSpPr>
-          <p:cNvPr id="26" name="이등변 삼각형 25">
-            <a:extLst>
-              <a:ext uri="{FF2B5EF4-FFF2-40B4-BE49-F238E27FC236}">
-                <a16:creationId xmlns:a16="http://schemas.microsoft.com/office/drawing/2014/main" id="{90B57F32-10EA-E9FD-0036-ABCDA5CE284E}"/>
-              </a:ext>
-            </a:extLst>
-          </p:cNvPr>
-          <p:cNvSpPr/>
-          <p:nvPr/>
-        </p:nvSpPr>
-        <p:spPr>
-          <a:xfrm flipH="1" flipV="1">
-            <a:off x="10622117" y="502725"/>
-            <a:ext cx="158496" cy="136634"/>
-          </a:xfrm>
-          <a:prstGeom prst="triangle">
-            <a:avLst/>
-          </a:prstGeom>
-          <a:solidFill>
-            <a:schemeClr val="tx1"/>
-          </a:solidFill>
-        </p:spPr>
-        <p:style>
-          <a:lnRef idx="2">
-            <a:schemeClr val="accent1">
-              <a:shade val="15000"/>
-            </a:schemeClr>
-          </a:lnRef>
-          <a:fillRef idx="1">
-            <a:schemeClr val="accent1"/>
-          </a:fillRef>
-          <a:effectRef idx="0">
-            <a:schemeClr val="accent1"/>
-          </a:effectRef>
-          <a:fontRef idx="minor">
-            <a:schemeClr val="lt1"/>
-          </a:fontRef>
-        </p:style>
-        <p:txBody>
-          <a:bodyPr rtlCol="0" anchor="ctr"/>
-          <a:lstStyle/>
-          <a:p>
-            <a:pPr algn="ctr"/>
-            <a:endParaRPr lang="ko-KR" altLang="en-US"/>
-          </a:p>
-        </p:txBody>
-      </p:sp>
-      <p:sp>
-        <p:nvSpPr>
-          <p:cNvPr id="27" name="TextBox 26">
-            <a:extLst>
-              <a:ext uri="{FF2B5EF4-FFF2-40B4-BE49-F238E27FC236}">
-                <a16:creationId xmlns:a16="http://schemas.microsoft.com/office/drawing/2014/main" id="{1DEC1260-D5DB-5A01-94A7-2FD36392704F}"/>
-              </a:ext>
-            </a:extLst>
-          </p:cNvPr>
-          <p:cNvSpPr txBox="1"/>
-          <p:nvPr/>
-        </p:nvSpPr>
-        <p:spPr>
-          <a:xfrm>
-            <a:off x="10746831" y="404911"/>
-            <a:ext cx="652526" cy="307777"/>
-          </a:xfrm>
-          <a:prstGeom prst="rect">
-            <a:avLst/>
-          </a:prstGeom>
-          <a:noFill/>
-        </p:spPr>
-        <p:txBody>
-          <a:bodyPr wrap="square">
-            <a:spAutoFit/>
-          </a:bodyPr>
-          <a:lstStyle/>
-          <a:p>
-            <a:r>
-              <a:rPr lang="en-US" altLang="ko-KR" sz="1400" spc="-60" dirty="0">
-                <a:ln w="3175">
-                  <a:solidFill>
-                    <a:schemeClr val="tx1">
-                      <a:lumMod val="75000"/>
-                      <a:lumOff val="25000"/>
-                      <a:alpha val="10000"/>
-                    </a:schemeClr>
-                  </a:solidFill>
-                </a:ln>
-                <a:ea typeface="경기천년제목 Light" panose="02020403020101020101" pitchFamily="18" charset="-127"/>
-              </a:rPr>
-              <a:t>22.0%</a:t>
-            </a:r>
-            <a:endParaRPr lang="ko-KR" altLang="en-US" sz="1400" dirty="0"/>
-          </a:p>
-        </p:txBody>
-      </p:sp>
-      <p:sp>
-        <p:nvSpPr>
-          <p:cNvPr id="28" name="이등변 삼각형 27">
-            <a:extLst>
-              <a:ext uri="{FF2B5EF4-FFF2-40B4-BE49-F238E27FC236}">
-                <a16:creationId xmlns:a16="http://schemas.microsoft.com/office/drawing/2014/main" id="{8CCDFCD3-AD2F-C392-3CBA-E2864F31D43C}"/>
-              </a:ext>
-            </a:extLst>
-          </p:cNvPr>
-          <p:cNvSpPr/>
-          <p:nvPr/>
-        </p:nvSpPr>
-        <p:spPr>
-          <a:xfrm flipH="1" flipV="1">
-            <a:off x="10622117" y="3925375"/>
-            <a:ext cx="158496" cy="136634"/>
-          </a:xfrm>
-          <a:prstGeom prst="triangle">
-            <a:avLst/>
-          </a:prstGeom>
-          <a:solidFill>
-            <a:schemeClr val="tx1"/>
-          </a:solidFill>
-        </p:spPr>
-        <p:style>
-          <a:lnRef idx="2">
-            <a:schemeClr val="accent1">
-              <a:shade val="15000"/>
-            </a:schemeClr>
-          </a:lnRef>
-          <a:fillRef idx="1">
-            <a:schemeClr val="accent1"/>
-          </a:fillRef>
-          <a:effectRef idx="0">
-            <a:schemeClr val="accent1"/>
-          </a:effectRef>
-          <a:fontRef idx="minor">
-            <a:schemeClr val="lt1"/>
-          </a:fontRef>
-        </p:style>
-        <p:txBody>
-          <a:bodyPr rtlCol="0" anchor="ctr"/>
-          <a:lstStyle/>
-          <a:p>
-            <a:pPr algn="ctr"/>
-            <a:endParaRPr lang="ko-KR" altLang="en-US"/>
-          </a:p>
-        </p:txBody>
-      </p:sp>
-      <p:sp>
-        <p:nvSpPr>
-          <p:cNvPr id="29" name="TextBox 28">
-            <a:extLst>
-              <a:ext uri="{FF2B5EF4-FFF2-40B4-BE49-F238E27FC236}">
-                <a16:creationId xmlns:a16="http://schemas.microsoft.com/office/drawing/2014/main" id="{BFEBF2C3-A0BE-AAC1-4022-910A3B97F1CC}"/>
-              </a:ext>
-            </a:extLst>
-          </p:cNvPr>
-          <p:cNvSpPr txBox="1"/>
-          <p:nvPr/>
-        </p:nvSpPr>
-        <p:spPr>
-          <a:xfrm>
-            <a:off x="10746831" y="3827561"/>
-            <a:ext cx="652526" cy="307777"/>
-          </a:xfrm>
-          <a:prstGeom prst="rect">
-            <a:avLst/>
-          </a:prstGeom>
-          <a:noFill/>
-        </p:spPr>
-        <p:txBody>
-          <a:bodyPr wrap="square">
-            <a:spAutoFit/>
-          </a:bodyPr>
-          <a:lstStyle/>
-          <a:p>
-            <a:r>
-              <a:rPr lang="en-US" altLang="ko-KR" sz="1400" spc="-60" dirty="0">
-                <a:ln w="3175">
-                  <a:solidFill>
-                    <a:schemeClr val="tx1">
-                      <a:lumMod val="75000"/>
-                      <a:lumOff val="25000"/>
-                      <a:alpha val="10000"/>
-                    </a:schemeClr>
-                  </a:solidFill>
-                </a:ln>
-                <a:ea typeface="경기천년제목 Light" panose="02020403020101020101" pitchFamily="18" charset="-127"/>
-              </a:rPr>
-              <a:t>12.9%</a:t>
-            </a:r>
-            <a:endParaRPr lang="ko-KR" altLang="en-US" sz="1400" dirty="0"/>
-          </a:p>
-        </p:txBody>
-      </p:sp>
-      <p:sp>
-        <p:nvSpPr>
-          <p:cNvPr id="30" name="이등변 삼각형 29">
-            <a:extLst>
-              <a:ext uri="{FF2B5EF4-FFF2-40B4-BE49-F238E27FC236}">
-                <a16:creationId xmlns:a16="http://schemas.microsoft.com/office/drawing/2014/main" id="{CEDD3149-4C0D-9071-C40C-53BAC6C51DDE}"/>
-              </a:ext>
-            </a:extLst>
-          </p:cNvPr>
-          <p:cNvSpPr/>
-          <p:nvPr/>
-        </p:nvSpPr>
-        <p:spPr>
-          <a:xfrm flipH="1" flipV="1">
-            <a:off x="7872308" y="3925375"/>
-            <a:ext cx="158496" cy="136634"/>
-          </a:xfrm>
-          <a:prstGeom prst="triangle">
-            <a:avLst/>
-          </a:prstGeom>
-          <a:solidFill>
-            <a:schemeClr val="tx1"/>
-          </a:solidFill>
-        </p:spPr>
-        <p:style>
-          <a:lnRef idx="2">
-            <a:schemeClr val="accent1">
-              <a:shade val="15000"/>
-            </a:schemeClr>
-          </a:lnRef>
-          <a:fillRef idx="1">
-            <a:schemeClr val="accent1"/>
-          </a:fillRef>
-          <a:effectRef idx="0">
-            <a:schemeClr val="accent1"/>
-          </a:effectRef>
-          <a:fontRef idx="minor">
-            <a:schemeClr val="lt1"/>
-          </a:fontRef>
-        </p:style>
-        <p:txBody>
-          <a:bodyPr rtlCol="0" anchor="ctr"/>
-          <a:lstStyle/>
-          <a:p>
-            <a:pPr algn="ctr"/>
-            <a:endParaRPr lang="ko-KR" altLang="en-US"/>
-          </a:p>
-        </p:txBody>
-      </p:sp>
-      <p:sp>
-        <p:nvSpPr>
-          <p:cNvPr id="31" name="TextBox 30">
-            <a:extLst>
-              <a:ext uri="{FF2B5EF4-FFF2-40B4-BE49-F238E27FC236}">
-                <a16:creationId xmlns:a16="http://schemas.microsoft.com/office/drawing/2014/main" id="{5F345714-A2A6-EB62-BDDD-1B9A9A5C1687}"/>
-              </a:ext>
-            </a:extLst>
-          </p:cNvPr>
-          <p:cNvSpPr txBox="1"/>
-          <p:nvPr/>
-        </p:nvSpPr>
-        <p:spPr>
-          <a:xfrm>
-            <a:off x="7997022" y="3827561"/>
-            <a:ext cx="652526" cy="307777"/>
-          </a:xfrm>
-          <a:prstGeom prst="rect">
-            <a:avLst/>
-          </a:prstGeom>
-          <a:noFill/>
-        </p:spPr>
-        <p:txBody>
-          <a:bodyPr wrap="square">
-            <a:spAutoFit/>
-          </a:bodyPr>
-          <a:lstStyle/>
-          <a:p>
-            <a:r>
-              <a:rPr lang="en-US" altLang="ko-KR" sz="1400" spc="-60" dirty="0">
-                <a:ln w="3175">
-                  <a:solidFill>
-                    <a:schemeClr val="tx1">
-                      <a:lumMod val="75000"/>
-                      <a:lumOff val="25000"/>
-                      <a:alpha val="10000"/>
-                    </a:schemeClr>
-                  </a:solidFill>
-                </a:ln>
-                <a:ea typeface="경기천년제목 Light" panose="02020403020101020101" pitchFamily="18" charset="-127"/>
-              </a:rPr>
-              <a:t>17.7%</a:t>
-            </a:r>
-            <a:endParaRPr lang="ko-KR" altLang="en-US" sz="1400" dirty="0"/>
-          </a:p>
-        </p:txBody>
-      </p:sp>
-      <p:sp>
-        <p:nvSpPr>
-          <p:cNvPr id="32" name="이등변 삼각형 31">
-            <a:extLst>
-              <a:ext uri="{FF2B5EF4-FFF2-40B4-BE49-F238E27FC236}">
-                <a16:creationId xmlns:a16="http://schemas.microsoft.com/office/drawing/2014/main" id="{9525F0C7-1A69-49CA-5990-407B4B69FCD5}"/>
-              </a:ext>
-            </a:extLst>
-          </p:cNvPr>
-          <p:cNvSpPr/>
-          <p:nvPr/>
-        </p:nvSpPr>
-        <p:spPr>
-          <a:xfrm flipH="1" flipV="1">
-            <a:off x="4993640" y="3925375"/>
-            <a:ext cx="158496" cy="136634"/>
-          </a:xfrm>
-          <a:prstGeom prst="triangle">
-            <a:avLst/>
-          </a:prstGeom>
-          <a:solidFill>
-            <a:schemeClr val="tx1"/>
-          </a:solidFill>
-        </p:spPr>
-        <p:style>
-          <a:lnRef idx="2">
-            <a:schemeClr val="accent1">
-              <a:shade val="15000"/>
-            </a:schemeClr>
-          </a:lnRef>
-          <a:fillRef idx="1">
-            <a:schemeClr val="accent1"/>
-          </a:fillRef>
-          <a:effectRef idx="0">
-            <a:schemeClr val="accent1"/>
-          </a:effectRef>
-          <a:fontRef idx="minor">
-            <a:schemeClr val="lt1"/>
-          </a:fontRef>
-        </p:style>
-        <p:txBody>
-          <a:bodyPr rtlCol="0" anchor="ctr"/>
-          <a:lstStyle/>
-          <a:p>
-            <a:pPr algn="ctr"/>
-            <a:endParaRPr lang="ko-KR" altLang="en-US"/>
-          </a:p>
-        </p:txBody>
-      </p:sp>
-      <p:sp>
-        <p:nvSpPr>
-          <p:cNvPr id="33" name="TextBox 32">
-            <a:extLst>
-              <a:ext uri="{FF2B5EF4-FFF2-40B4-BE49-F238E27FC236}">
-                <a16:creationId xmlns:a16="http://schemas.microsoft.com/office/drawing/2014/main" id="{3106270F-5317-40E9-FFF9-94EA52E7A504}"/>
-              </a:ext>
-            </a:extLst>
-          </p:cNvPr>
-          <p:cNvSpPr txBox="1"/>
-          <p:nvPr/>
-        </p:nvSpPr>
-        <p:spPr>
-          <a:xfrm>
-            <a:off x="5118354" y="3827561"/>
-            <a:ext cx="652526" cy="307777"/>
-          </a:xfrm>
-          <a:prstGeom prst="rect">
-            <a:avLst/>
-          </a:prstGeom>
-          <a:noFill/>
-        </p:spPr>
-        <p:txBody>
-          <a:bodyPr wrap="square">
-            <a:spAutoFit/>
-          </a:bodyPr>
-          <a:lstStyle/>
-          <a:p>
-            <a:r>
-              <a:rPr lang="en-US" altLang="ko-KR" sz="1400" spc="-60" dirty="0">
-                <a:ln w="3175">
-                  <a:solidFill>
-                    <a:schemeClr val="tx1">
-                      <a:lumMod val="75000"/>
-                      <a:lumOff val="25000"/>
-                      <a:alpha val="10000"/>
-                    </a:schemeClr>
-                  </a:solidFill>
-                </a:ln>
-                <a:ea typeface="경기천년제목 Light" panose="02020403020101020101" pitchFamily="18" charset="-127"/>
-              </a:rPr>
-              <a:t>48.4%</a:t>
-            </a:r>
-            <a:endParaRPr lang="ko-KR" altLang="en-US" sz="1400" dirty="0"/>
-          </a:p>
-        </p:txBody>
-      </p:sp>
-      <p:sp>
-        <p:nvSpPr>
-          <p:cNvPr id="34" name="이등변 삼각형 33">
-            <a:extLst>
-              <a:ext uri="{FF2B5EF4-FFF2-40B4-BE49-F238E27FC236}">
-                <a16:creationId xmlns:a16="http://schemas.microsoft.com/office/drawing/2014/main" id="{93B9689C-B969-A1D6-ACC2-AA25C18CDAE7}"/>
-              </a:ext>
-            </a:extLst>
-          </p:cNvPr>
-          <p:cNvSpPr/>
-          <p:nvPr/>
-        </p:nvSpPr>
-        <p:spPr>
-          <a:xfrm flipH="1" flipV="1">
-            <a:off x="2262210" y="3925375"/>
-            <a:ext cx="158496" cy="136634"/>
-          </a:xfrm>
-          <a:prstGeom prst="triangle">
-            <a:avLst/>
-          </a:prstGeom>
-          <a:solidFill>
-            <a:schemeClr val="tx1"/>
-          </a:solidFill>
-        </p:spPr>
-        <p:style>
-          <a:lnRef idx="2">
-            <a:schemeClr val="accent1">
-              <a:shade val="15000"/>
-            </a:schemeClr>
-          </a:lnRef>
-          <a:fillRef idx="1">
-            <a:schemeClr val="accent1"/>
-          </a:fillRef>
-          <a:effectRef idx="0">
-            <a:schemeClr val="accent1"/>
-          </a:effectRef>
-          <a:fontRef idx="minor">
-            <a:schemeClr val="lt1"/>
-          </a:fontRef>
-        </p:style>
-        <p:txBody>
-          <a:bodyPr rtlCol="0" anchor="ctr"/>
-          <a:lstStyle/>
-          <a:p>
-            <a:pPr algn="ctr"/>
-            <a:endParaRPr lang="ko-KR" altLang="en-US"/>
-          </a:p>
-        </p:txBody>
-      </p:sp>
-      <p:sp>
-        <p:nvSpPr>
-          <p:cNvPr id="35" name="TextBox 34">
-            <a:extLst>
-              <a:ext uri="{FF2B5EF4-FFF2-40B4-BE49-F238E27FC236}">
-                <a16:creationId xmlns:a16="http://schemas.microsoft.com/office/drawing/2014/main" id="{82353BE5-8862-5B7D-B371-A7C707CCCBF5}"/>
-              </a:ext>
-            </a:extLst>
-          </p:cNvPr>
-          <p:cNvSpPr txBox="1"/>
-          <p:nvPr/>
-        </p:nvSpPr>
-        <p:spPr>
-          <a:xfrm>
-            <a:off x="2386924" y="3827561"/>
-            <a:ext cx="652526" cy="307777"/>
-          </a:xfrm>
-          <a:prstGeom prst="rect">
-            <a:avLst/>
-          </a:prstGeom>
-          <a:noFill/>
-        </p:spPr>
-        <p:txBody>
-          <a:bodyPr wrap="square">
-            <a:spAutoFit/>
-          </a:bodyPr>
-          <a:lstStyle/>
-          <a:p>
-            <a:r>
-              <a:rPr lang="en-US" altLang="ko-KR" sz="1400" spc="-60" dirty="0">
-                <a:ln w="3175">
-                  <a:solidFill>
-                    <a:schemeClr val="tx1">
-                      <a:lumMod val="75000"/>
-                      <a:lumOff val="25000"/>
-                      <a:alpha val="10000"/>
-                    </a:schemeClr>
-                  </a:solidFill>
-                </a:ln>
-                <a:ea typeface="경기천년제목 Light" panose="02020403020101020101" pitchFamily="18" charset="-127"/>
-              </a:rPr>
-              <a:t>45.9%</a:t>
-            </a:r>
-            <a:endParaRPr lang="ko-KR" altLang="en-US" sz="1400" dirty="0"/>
-          </a:p>
-        </p:txBody>
-      </p:sp>
     </p:spTree>
     <p:extLst>
       <p:ext uri="{BB962C8B-B14F-4D97-AF65-F5344CB8AC3E}">
-        <p14:creationId xmlns:p14="http://schemas.microsoft.com/office/powerpoint/2010/main" val="2920881228"/>
+        <p14:creationId xmlns:p14="http://schemas.microsoft.com/office/powerpoint/2010/main" val="3037225302"/>
       </p:ext>
     </p:extLst>
   </p:cSld>
@@ -26577,990 +26352,6 @@
 </file>
 
 <file path=ppt/slides/slide6.xml><?xml version="1.0" encoding="utf-8"?>
-<p:sld xmlns:a="http://schemas.openxmlformats.org/drawingml/2006/main" xmlns:r="http://schemas.openxmlformats.org/officeDocument/2006/relationships" xmlns:p="http://schemas.openxmlformats.org/presentationml/2006/main">
-  <p:cSld>
-    <p:spTree>
-      <p:nvGrpSpPr>
-        <p:cNvPr id="1" name=""/>
-        <p:cNvGrpSpPr/>
-        <p:nvPr/>
-      </p:nvGrpSpPr>
-      <p:grpSpPr>
-        <a:xfrm>
-          <a:off x="0" y="0"/>
-          <a:ext cx="0" cy="0"/>
-          <a:chOff x="0" y="0"/>
-          <a:chExt cx="0" cy="0"/>
-        </a:xfrm>
-      </p:grpSpPr>
-      <p:sp>
-        <p:nvSpPr>
-          <p:cNvPr id="13" name="직사각형 12">
-            <a:extLst>
-              <a:ext uri="{FF2B5EF4-FFF2-40B4-BE49-F238E27FC236}">
-                <a16:creationId xmlns:a16="http://schemas.microsoft.com/office/drawing/2014/main" id="{EA05F71D-33F2-0CBA-1B35-CBF63D9C0266}"/>
-              </a:ext>
-            </a:extLst>
-          </p:cNvPr>
-          <p:cNvSpPr/>
-          <p:nvPr/>
-        </p:nvSpPr>
-        <p:spPr>
-          <a:xfrm>
-            <a:off x="340816" y="-203200"/>
-            <a:ext cx="11556543" cy="7533640"/>
-          </a:xfrm>
-          <a:prstGeom prst="rect">
-            <a:avLst/>
-          </a:prstGeom>
-          <a:solidFill>
-            <a:schemeClr val="bg1"/>
-          </a:solidFill>
-          <a:ln>
-            <a:solidFill>
-              <a:schemeClr val="tx1"/>
-            </a:solidFill>
-          </a:ln>
-        </p:spPr>
-        <p:style>
-          <a:lnRef idx="2">
-            <a:schemeClr val="accent1">
-              <a:shade val="15000"/>
-            </a:schemeClr>
-          </a:lnRef>
-          <a:fillRef idx="1">
-            <a:schemeClr val="accent1"/>
-          </a:fillRef>
-          <a:effectRef idx="0">
-            <a:schemeClr val="accent1"/>
-          </a:effectRef>
-          <a:fontRef idx="minor">
-            <a:schemeClr val="lt1"/>
-          </a:fontRef>
-        </p:style>
-        <p:txBody>
-          <a:bodyPr rtlCol="0" anchor="ctr"/>
-          <a:lstStyle/>
-          <a:p>
-            <a:pPr algn="ctr"/>
-            <a:endParaRPr lang="ko-KR" altLang="en-US"/>
-          </a:p>
-        </p:txBody>
-      </p:sp>
-      <p:sp>
-        <p:nvSpPr>
-          <p:cNvPr id="7" name="TextBox 6">
-            <a:extLst>
-              <a:ext uri="{FF2B5EF4-FFF2-40B4-BE49-F238E27FC236}">
-                <a16:creationId xmlns:a16="http://schemas.microsoft.com/office/drawing/2014/main" id="{D028093B-FECC-DA82-AB86-960DDCFFFC4B}"/>
-              </a:ext>
-            </a:extLst>
-          </p:cNvPr>
-          <p:cNvSpPr txBox="1"/>
-          <p:nvPr/>
-        </p:nvSpPr>
-        <p:spPr>
-          <a:xfrm>
-            <a:off x="4719320" y="6840974"/>
-            <a:ext cx="3098800" cy="369332"/>
-          </a:xfrm>
-          <a:prstGeom prst="rect">
-            <a:avLst/>
-          </a:prstGeom>
-          <a:noFill/>
-        </p:spPr>
-        <p:txBody>
-          <a:bodyPr wrap="square">
-            <a:spAutoFit/>
-          </a:bodyPr>
-          <a:lstStyle/>
-          <a:p>
-            <a:r>
-              <a:rPr lang="en-US" altLang="ko-KR" spc="-60" dirty="0">
-                <a:ln w="3175">
-                  <a:solidFill>
-                    <a:schemeClr val="tx1">
-                      <a:lumMod val="75000"/>
-                      <a:lumOff val="25000"/>
-                      <a:alpha val="10000"/>
-                    </a:schemeClr>
-                  </a:solidFill>
-                </a:ln>
-                <a:solidFill>
-                  <a:schemeClr val="tx1">
-                    <a:lumMod val="75000"/>
-                    <a:lumOff val="25000"/>
-                  </a:schemeClr>
-                </a:solidFill>
-                <a:ea typeface="경기천년제목 Light" panose="02020403020101020101" pitchFamily="18" charset="-127"/>
-              </a:rPr>
-              <a:t>Installed capacity of PV (kW)</a:t>
-            </a:r>
-            <a:endParaRPr lang="ko-KR" altLang="en-US" dirty="0"/>
-          </a:p>
-        </p:txBody>
-      </p:sp>
-      <p:sp>
-        <p:nvSpPr>
-          <p:cNvPr id="8" name="TextBox 7">
-            <a:extLst>
-              <a:ext uri="{FF2B5EF4-FFF2-40B4-BE49-F238E27FC236}">
-                <a16:creationId xmlns:a16="http://schemas.microsoft.com/office/drawing/2014/main" id="{A62B0139-A100-3A95-A8B9-5C6B10084AB9}"/>
-              </a:ext>
-            </a:extLst>
-          </p:cNvPr>
-          <p:cNvSpPr txBox="1"/>
-          <p:nvPr/>
-        </p:nvSpPr>
-        <p:spPr>
-          <a:xfrm rot="16200000">
-            <a:off x="-751840" y="2858254"/>
-            <a:ext cx="2875280" cy="369332"/>
-          </a:xfrm>
-          <a:prstGeom prst="rect">
-            <a:avLst/>
-          </a:prstGeom>
-          <a:noFill/>
-        </p:spPr>
-        <p:txBody>
-          <a:bodyPr wrap="square">
-            <a:spAutoFit/>
-          </a:bodyPr>
-          <a:lstStyle/>
-          <a:p>
-            <a:r>
-              <a:rPr lang="en-US" altLang="ko-KR" spc="-60" dirty="0">
-                <a:ln w="3175">
-                  <a:solidFill>
-                    <a:schemeClr val="tx1">
-                      <a:lumMod val="75000"/>
-                      <a:lumOff val="25000"/>
-                      <a:alpha val="10000"/>
-                    </a:schemeClr>
-                  </a:solidFill>
-                </a:ln>
-                <a:solidFill>
-                  <a:schemeClr val="tx1">
-                    <a:lumMod val="75000"/>
-                    <a:lumOff val="25000"/>
-                  </a:schemeClr>
-                </a:solidFill>
-                <a:ea typeface="경기천년제목 Light" panose="02020403020101020101" pitchFamily="18" charset="-127"/>
-              </a:rPr>
-              <a:t>PV installation Area (m</a:t>
-            </a:r>
-            <a:r>
-              <a:rPr lang="en-US" altLang="ko-KR" spc="-60" baseline="30000" dirty="0">
-                <a:ln w="3175">
-                  <a:solidFill>
-                    <a:schemeClr val="tx1">
-                      <a:lumMod val="75000"/>
-                      <a:lumOff val="25000"/>
-                      <a:alpha val="10000"/>
-                    </a:schemeClr>
-                  </a:solidFill>
-                </a:ln>
-                <a:solidFill>
-                  <a:schemeClr val="tx1">
-                    <a:lumMod val="75000"/>
-                    <a:lumOff val="25000"/>
-                  </a:schemeClr>
-                </a:solidFill>
-                <a:ea typeface="경기천년제목 Light" panose="02020403020101020101" pitchFamily="18" charset="-127"/>
-              </a:rPr>
-              <a:t>2</a:t>
-            </a:r>
-            <a:r>
-              <a:rPr lang="en-US" altLang="ko-KR" spc="-60" dirty="0">
-                <a:ln w="3175">
-                  <a:solidFill>
-                    <a:schemeClr val="tx1">
-                      <a:lumMod val="75000"/>
-                      <a:lumOff val="25000"/>
-                      <a:alpha val="10000"/>
-                    </a:schemeClr>
-                  </a:solidFill>
-                </a:ln>
-                <a:solidFill>
-                  <a:schemeClr val="tx1">
-                    <a:lumMod val="75000"/>
-                    <a:lumOff val="25000"/>
-                  </a:schemeClr>
-                </a:solidFill>
-                <a:ea typeface="경기천년제목 Light" panose="02020403020101020101" pitchFamily="18" charset="-127"/>
-              </a:rPr>
-              <a:t>)</a:t>
-            </a:r>
-            <a:endParaRPr lang="ko-KR" altLang="en-US" dirty="0"/>
-          </a:p>
-        </p:txBody>
-      </p:sp>
-      <p:pic>
-        <p:nvPicPr>
-          <p:cNvPr id="3" name="그림 2">
-            <a:extLst>
-              <a:ext uri="{FF2B5EF4-FFF2-40B4-BE49-F238E27FC236}">
-                <a16:creationId xmlns:a16="http://schemas.microsoft.com/office/drawing/2014/main" id="{73D71E1A-4F0D-8830-19EF-51779484F777}"/>
-              </a:ext>
-            </a:extLst>
-          </p:cNvPr>
-          <p:cNvPicPr>
-            <a:picLocks noChangeAspect="1"/>
-          </p:cNvPicPr>
-          <p:nvPr/>
-        </p:nvPicPr>
-        <p:blipFill>
-          <a:blip r:embed="rId3"/>
-          <a:stretch>
-            <a:fillRect/>
-          </a:stretch>
-        </p:blipFill>
-        <p:spPr>
-          <a:xfrm>
-            <a:off x="783715" y="0"/>
-            <a:ext cx="10624570" cy="6858000"/>
-          </a:xfrm>
-          <a:prstGeom prst="rect">
-            <a:avLst/>
-          </a:prstGeom>
-        </p:spPr>
-      </p:pic>
-      <p:cxnSp>
-        <p:nvCxnSpPr>
-          <p:cNvPr id="4" name="직선 연결선 3">
-            <a:extLst>
-              <a:ext uri="{FF2B5EF4-FFF2-40B4-BE49-F238E27FC236}">
-                <a16:creationId xmlns:a16="http://schemas.microsoft.com/office/drawing/2014/main" id="{BCF5F8F0-9B2E-2F62-C116-3599823D3910}"/>
-              </a:ext>
-            </a:extLst>
-          </p:cNvPr>
-          <p:cNvCxnSpPr>
-            <a:cxnSpLocks/>
-          </p:cNvCxnSpPr>
-          <p:nvPr/>
-        </p:nvCxnSpPr>
-        <p:spPr>
-          <a:xfrm flipV="1">
-            <a:off x="4463174" y="5357977"/>
-            <a:ext cx="0" cy="556260"/>
-          </a:xfrm>
-          <a:prstGeom prst="line">
-            <a:avLst/>
-          </a:prstGeom>
-          <a:ln w="31750">
-            <a:solidFill>
-              <a:srgbClr val="F8766D"/>
-            </a:solidFill>
-            <a:headEnd type="triangle" w="lg" len="lg"/>
-            <a:tailEnd type="none" w="lg" len="lg"/>
-          </a:ln>
-        </p:spPr>
-        <p:style>
-          <a:lnRef idx="1">
-            <a:schemeClr val="accent1"/>
-          </a:lnRef>
-          <a:fillRef idx="0">
-            <a:schemeClr val="accent1"/>
-          </a:fillRef>
-          <a:effectRef idx="0">
-            <a:schemeClr val="accent1"/>
-          </a:effectRef>
-          <a:fontRef idx="minor">
-            <a:schemeClr val="tx1"/>
-          </a:fontRef>
-        </p:style>
-      </p:cxnSp>
-      <p:sp>
-        <p:nvSpPr>
-          <p:cNvPr id="5" name="TextBox 4">
-            <a:extLst>
-              <a:ext uri="{FF2B5EF4-FFF2-40B4-BE49-F238E27FC236}">
-                <a16:creationId xmlns:a16="http://schemas.microsoft.com/office/drawing/2014/main" id="{8AC72AB2-0EA5-3654-75AB-D8B2338F0A35}"/>
-              </a:ext>
-            </a:extLst>
-          </p:cNvPr>
-          <p:cNvSpPr txBox="1"/>
-          <p:nvPr/>
-        </p:nvSpPr>
-        <p:spPr>
-          <a:xfrm>
-            <a:off x="4226200" y="5896541"/>
-            <a:ext cx="987678" cy="253916"/>
-          </a:xfrm>
-          <a:prstGeom prst="rect">
-            <a:avLst/>
-          </a:prstGeom>
-          <a:noFill/>
-        </p:spPr>
-        <p:txBody>
-          <a:bodyPr wrap="square">
-            <a:spAutoFit/>
-          </a:bodyPr>
-          <a:lstStyle/>
-          <a:p>
-            <a:pPr algn="ctr"/>
-            <a:r>
-              <a:rPr lang="en-US" altLang="ko-KR" sz="1050" dirty="0">
-                <a:ln w="3175">
-                  <a:solidFill>
-                    <a:schemeClr val="tx1">
-                      <a:lumMod val="75000"/>
-                      <a:lumOff val="25000"/>
-                      <a:alpha val="10000"/>
-                    </a:schemeClr>
-                  </a:solidFill>
-                </a:ln>
-                <a:solidFill>
-                  <a:schemeClr val="tx1">
-                    <a:lumMod val="75000"/>
-                    <a:lumOff val="25000"/>
-                  </a:schemeClr>
-                </a:solidFill>
-                <a:ea typeface="경기천년제목 Light" panose="02020403020101020101" pitchFamily="18" charset="-127"/>
-              </a:rPr>
-              <a:t>Slope : 11.50</a:t>
-            </a:r>
-            <a:endParaRPr lang="ko-KR" altLang="en-US" sz="1050" dirty="0"/>
-          </a:p>
-        </p:txBody>
-      </p:sp>
-      <p:cxnSp>
-        <p:nvCxnSpPr>
-          <p:cNvPr id="6" name="직선 연결선 5">
-            <a:extLst>
-              <a:ext uri="{FF2B5EF4-FFF2-40B4-BE49-F238E27FC236}">
-                <a16:creationId xmlns:a16="http://schemas.microsoft.com/office/drawing/2014/main" id="{BEA97245-3A8F-9C8F-04A4-E75C40C87A98}"/>
-              </a:ext>
-            </a:extLst>
-          </p:cNvPr>
-          <p:cNvCxnSpPr>
-            <a:cxnSpLocks/>
-          </p:cNvCxnSpPr>
-          <p:nvPr/>
-        </p:nvCxnSpPr>
-        <p:spPr>
-          <a:xfrm flipV="1">
-            <a:off x="4094243" y="5776407"/>
-            <a:ext cx="0" cy="504000"/>
-          </a:xfrm>
-          <a:prstGeom prst="line">
-            <a:avLst/>
-          </a:prstGeom>
-          <a:ln w="31750">
-            <a:solidFill>
-              <a:srgbClr val="00BFC4"/>
-            </a:solidFill>
-            <a:headEnd type="triangle" w="lg" len="lg"/>
-            <a:tailEnd type="none" w="lg" len="lg"/>
-          </a:ln>
-        </p:spPr>
-        <p:style>
-          <a:lnRef idx="1">
-            <a:schemeClr val="accent1"/>
-          </a:lnRef>
-          <a:fillRef idx="0">
-            <a:schemeClr val="accent1"/>
-          </a:fillRef>
-          <a:effectRef idx="0">
-            <a:schemeClr val="accent1"/>
-          </a:effectRef>
-          <a:fontRef idx="minor">
-            <a:schemeClr val="tx1"/>
-          </a:fontRef>
-        </p:style>
-      </p:cxnSp>
-      <p:sp>
-        <p:nvSpPr>
-          <p:cNvPr id="9" name="TextBox 8">
-            <a:extLst>
-              <a:ext uri="{FF2B5EF4-FFF2-40B4-BE49-F238E27FC236}">
-                <a16:creationId xmlns:a16="http://schemas.microsoft.com/office/drawing/2014/main" id="{BCECC4BB-C50C-4517-58A0-FC3A5410CDE0}"/>
-              </a:ext>
-            </a:extLst>
-          </p:cNvPr>
-          <p:cNvSpPr txBox="1"/>
-          <p:nvPr/>
-        </p:nvSpPr>
-        <p:spPr>
-          <a:xfrm>
-            <a:off x="3814246" y="6280407"/>
-            <a:ext cx="987678" cy="253916"/>
-          </a:xfrm>
-          <a:prstGeom prst="rect">
-            <a:avLst/>
-          </a:prstGeom>
-          <a:noFill/>
-        </p:spPr>
-        <p:txBody>
-          <a:bodyPr wrap="square">
-            <a:spAutoFit/>
-          </a:bodyPr>
-          <a:lstStyle/>
-          <a:p>
-            <a:pPr algn="ctr"/>
-            <a:r>
-              <a:rPr lang="en-US" altLang="ko-KR" sz="1050" dirty="0">
-                <a:ln w="3175">
-                  <a:solidFill>
-                    <a:schemeClr val="tx1">
-                      <a:lumMod val="75000"/>
-                      <a:lumOff val="25000"/>
-                      <a:alpha val="10000"/>
-                    </a:schemeClr>
-                  </a:solidFill>
-                </a:ln>
-                <a:solidFill>
-                  <a:schemeClr val="tx1">
-                    <a:lumMod val="75000"/>
-                    <a:lumOff val="25000"/>
-                  </a:schemeClr>
-                </a:solidFill>
-                <a:ea typeface="경기천년제목 Light" panose="02020403020101020101" pitchFamily="18" charset="-127"/>
-              </a:rPr>
-              <a:t>Slope : 7.23</a:t>
-            </a:r>
-            <a:endParaRPr lang="ko-KR" altLang="en-US" sz="1050" dirty="0"/>
-          </a:p>
-        </p:txBody>
-      </p:sp>
-      <p:pic>
-        <p:nvPicPr>
-          <p:cNvPr id="15" name="그림 14">
-            <a:extLst>
-              <a:ext uri="{FF2B5EF4-FFF2-40B4-BE49-F238E27FC236}">
-                <a16:creationId xmlns:a16="http://schemas.microsoft.com/office/drawing/2014/main" id="{C508FC98-E720-264A-FA2B-B2E7409D12BF}"/>
-              </a:ext>
-            </a:extLst>
-          </p:cNvPr>
-          <p:cNvPicPr>
-            <a:picLocks noChangeAspect="1"/>
-          </p:cNvPicPr>
-          <p:nvPr/>
-        </p:nvPicPr>
-        <p:blipFill>
-          <a:blip r:embed="rId4"/>
-          <a:stretch>
-            <a:fillRect/>
-          </a:stretch>
-        </p:blipFill>
-        <p:spPr>
-          <a:xfrm>
-            <a:off x="8142634" y="4806363"/>
-            <a:ext cx="2708489" cy="551614"/>
-          </a:xfrm>
-          <a:prstGeom prst="rect">
-            <a:avLst/>
-          </a:prstGeom>
-        </p:spPr>
-      </p:pic>
-    </p:spTree>
-    <p:extLst>
-      <p:ext uri="{BB962C8B-B14F-4D97-AF65-F5344CB8AC3E}">
-        <p14:creationId xmlns:p14="http://schemas.microsoft.com/office/powerpoint/2010/main" val="225102661"/>
-      </p:ext>
-    </p:extLst>
-  </p:cSld>
-  <p:clrMapOvr>
-    <a:masterClrMapping/>
-  </p:clrMapOvr>
-</p:sld>
-</file>
-
-<file path=ppt/slides/slide7.xml><?xml version="1.0" encoding="utf-8"?>
-<p:sld xmlns:a="http://schemas.openxmlformats.org/drawingml/2006/main" xmlns:r="http://schemas.openxmlformats.org/officeDocument/2006/relationships" xmlns:p="http://schemas.openxmlformats.org/presentationml/2006/main">
-  <p:cSld>
-    <p:spTree>
-      <p:nvGrpSpPr>
-        <p:cNvPr id="1" name=""/>
-        <p:cNvGrpSpPr/>
-        <p:nvPr/>
-      </p:nvGrpSpPr>
-      <p:grpSpPr>
-        <a:xfrm>
-          <a:off x="0" y="0"/>
-          <a:ext cx="0" cy="0"/>
-          <a:chOff x="0" y="0"/>
-          <a:chExt cx="0" cy="0"/>
-        </a:xfrm>
-      </p:grpSpPr>
-      <p:sp>
-        <p:nvSpPr>
-          <p:cNvPr id="13" name="직사각형 12">
-            <a:extLst>
-              <a:ext uri="{FF2B5EF4-FFF2-40B4-BE49-F238E27FC236}">
-                <a16:creationId xmlns:a16="http://schemas.microsoft.com/office/drawing/2014/main" id="{EA05F71D-33F2-0CBA-1B35-CBF63D9C0266}"/>
-              </a:ext>
-            </a:extLst>
-          </p:cNvPr>
-          <p:cNvSpPr/>
-          <p:nvPr/>
-        </p:nvSpPr>
-        <p:spPr>
-          <a:xfrm>
-            <a:off x="340816" y="-203200"/>
-            <a:ext cx="11556543" cy="7533640"/>
-          </a:xfrm>
-          <a:prstGeom prst="rect">
-            <a:avLst/>
-          </a:prstGeom>
-          <a:solidFill>
-            <a:schemeClr val="bg1"/>
-          </a:solidFill>
-          <a:ln>
-            <a:solidFill>
-              <a:schemeClr val="tx1"/>
-            </a:solidFill>
-          </a:ln>
-        </p:spPr>
-        <p:style>
-          <a:lnRef idx="2">
-            <a:schemeClr val="accent1">
-              <a:shade val="15000"/>
-            </a:schemeClr>
-          </a:lnRef>
-          <a:fillRef idx="1">
-            <a:schemeClr val="accent1"/>
-          </a:fillRef>
-          <a:effectRef idx="0">
-            <a:schemeClr val="accent1"/>
-          </a:effectRef>
-          <a:fontRef idx="minor">
-            <a:schemeClr val="lt1"/>
-          </a:fontRef>
-        </p:style>
-        <p:txBody>
-          <a:bodyPr rtlCol="0" anchor="ctr"/>
-          <a:lstStyle/>
-          <a:p>
-            <a:pPr algn="ctr"/>
-            <a:endParaRPr lang="ko-KR" altLang="en-US"/>
-          </a:p>
-        </p:txBody>
-      </p:sp>
-      <p:pic>
-        <p:nvPicPr>
-          <p:cNvPr id="10" name="그림 9">
-            <a:extLst>
-              <a:ext uri="{FF2B5EF4-FFF2-40B4-BE49-F238E27FC236}">
-                <a16:creationId xmlns:a16="http://schemas.microsoft.com/office/drawing/2014/main" id="{1955B8DA-1C38-7F25-424D-7C44C758E810}"/>
-              </a:ext>
-            </a:extLst>
-          </p:cNvPr>
-          <p:cNvPicPr>
-            <a:picLocks noChangeAspect="1"/>
-          </p:cNvPicPr>
-          <p:nvPr/>
-        </p:nvPicPr>
-        <p:blipFill>
-          <a:blip r:embed="rId3"/>
-          <a:stretch>
-            <a:fillRect/>
-          </a:stretch>
-        </p:blipFill>
-        <p:spPr>
-          <a:xfrm>
-            <a:off x="775895" y="0"/>
-            <a:ext cx="10640209" cy="6858000"/>
-          </a:xfrm>
-          <a:prstGeom prst="rect">
-            <a:avLst/>
-          </a:prstGeom>
-        </p:spPr>
-      </p:pic>
-      <p:sp>
-        <p:nvSpPr>
-          <p:cNvPr id="7" name="TextBox 6">
-            <a:extLst>
-              <a:ext uri="{FF2B5EF4-FFF2-40B4-BE49-F238E27FC236}">
-                <a16:creationId xmlns:a16="http://schemas.microsoft.com/office/drawing/2014/main" id="{D028093B-FECC-DA82-AB86-960DDCFFFC4B}"/>
-              </a:ext>
-            </a:extLst>
-          </p:cNvPr>
-          <p:cNvSpPr txBox="1"/>
-          <p:nvPr/>
-        </p:nvSpPr>
-        <p:spPr>
-          <a:xfrm>
-            <a:off x="4719320" y="6840974"/>
-            <a:ext cx="3098800" cy="369332"/>
-          </a:xfrm>
-          <a:prstGeom prst="rect">
-            <a:avLst/>
-          </a:prstGeom>
-          <a:noFill/>
-        </p:spPr>
-        <p:txBody>
-          <a:bodyPr wrap="square">
-            <a:spAutoFit/>
-          </a:bodyPr>
-          <a:lstStyle/>
-          <a:p>
-            <a:pPr algn="ctr"/>
-            <a:r>
-              <a:rPr lang="en-US" altLang="ko-KR" spc="-60" dirty="0">
-                <a:ln w="3175">
-                  <a:solidFill>
-                    <a:schemeClr val="tx1">
-                      <a:lumMod val="75000"/>
-                      <a:lumOff val="25000"/>
-                      <a:alpha val="10000"/>
-                    </a:schemeClr>
-                  </a:solidFill>
-                </a:ln>
-                <a:solidFill>
-                  <a:schemeClr val="tx1">
-                    <a:lumMod val="75000"/>
-                    <a:lumOff val="25000"/>
-                  </a:schemeClr>
-                </a:solidFill>
-                <a:ea typeface="경기천년제목 Light" panose="02020403020101020101" pitchFamily="18" charset="-127"/>
-              </a:rPr>
-              <a:t>Installed capacity of PV (kW)</a:t>
-            </a:r>
-            <a:endParaRPr lang="ko-KR" altLang="en-US" dirty="0"/>
-          </a:p>
-        </p:txBody>
-      </p:sp>
-      <p:sp>
-        <p:nvSpPr>
-          <p:cNvPr id="8" name="TextBox 7">
-            <a:extLst>
-              <a:ext uri="{FF2B5EF4-FFF2-40B4-BE49-F238E27FC236}">
-                <a16:creationId xmlns:a16="http://schemas.microsoft.com/office/drawing/2014/main" id="{A62B0139-A100-3A95-A8B9-5C6B10084AB9}"/>
-              </a:ext>
-            </a:extLst>
-          </p:cNvPr>
-          <p:cNvSpPr txBox="1"/>
-          <p:nvPr/>
-        </p:nvSpPr>
-        <p:spPr>
-          <a:xfrm rot="16200000">
-            <a:off x="-858520" y="2888734"/>
-            <a:ext cx="2875280" cy="369332"/>
-          </a:xfrm>
-          <a:prstGeom prst="rect">
-            <a:avLst/>
-          </a:prstGeom>
-          <a:noFill/>
-        </p:spPr>
-        <p:txBody>
-          <a:bodyPr wrap="square">
-            <a:spAutoFit/>
-          </a:bodyPr>
-          <a:lstStyle/>
-          <a:p>
-            <a:pPr algn="ctr"/>
-            <a:r>
-              <a:rPr lang="en-US" altLang="ko-KR" spc="-60" dirty="0">
-                <a:ln w="3175">
-                  <a:solidFill>
-                    <a:schemeClr val="tx1">
-                      <a:lumMod val="75000"/>
-                      <a:lumOff val="25000"/>
-                      <a:alpha val="10000"/>
-                    </a:schemeClr>
-                  </a:solidFill>
-                </a:ln>
-                <a:solidFill>
-                  <a:schemeClr val="tx1">
-                    <a:lumMod val="75000"/>
-                    <a:lumOff val="25000"/>
-                  </a:schemeClr>
-                </a:solidFill>
-                <a:ea typeface="경기천년제목 Light" panose="02020403020101020101" pitchFamily="18" charset="-127"/>
-              </a:rPr>
-              <a:t>PV installation Area (m</a:t>
-            </a:r>
-            <a:r>
-              <a:rPr lang="en-US" altLang="ko-KR" spc="-60" baseline="30000" dirty="0">
-                <a:ln w="3175">
-                  <a:solidFill>
-                    <a:schemeClr val="tx1">
-                      <a:lumMod val="75000"/>
-                      <a:lumOff val="25000"/>
-                      <a:alpha val="10000"/>
-                    </a:schemeClr>
-                  </a:solidFill>
-                </a:ln>
-                <a:solidFill>
-                  <a:schemeClr val="tx1">
-                    <a:lumMod val="75000"/>
-                    <a:lumOff val="25000"/>
-                  </a:schemeClr>
-                </a:solidFill>
-                <a:ea typeface="경기천년제목 Light" panose="02020403020101020101" pitchFamily="18" charset="-127"/>
-              </a:rPr>
-              <a:t>2</a:t>
-            </a:r>
-            <a:r>
-              <a:rPr lang="en-US" altLang="ko-KR" spc="-60" dirty="0">
-                <a:ln w="3175">
-                  <a:solidFill>
-                    <a:schemeClr val="tx1">
-                      <a:lumMod val="75000"/>
-                      <a:lumOff val="25000"/>
-                      <a:alpha val="10000"/>
-                    </a:schemeClr>
-                  </a:solidFill>
-                </a:ln>
-                <a:solidFill>
-                  <a:schemeClr val="tx1">
-                    <a:lumMod val="75000"/>
-                    <a:lumOff val="25000"/>
-                  </a:schemeClr>
-                </a:solidFill>
-                <a:ea typeface="경기천년제목 Light" panose="02020403020101020101" pitchFamily="18" charset="-127"/>
-              </a:rPr>
-              <a:t>)</a:t>
-            </a:r>
-            <a:endParaRPr lang="ko-KR" altLang="en-US" dirty="0"/>
-          </a:p>
-        </p:txBody>
-      </p:sp>
-      <p:cxnSp>
-        <p:nvCxnSpPr>
-          <p:cNvPr id="4" name="직선 연결선 3">
-            <a:extLst>
-              <a:ext uri="{FF2B5EF4-FFF2-40B4-BE49-F238E27FC236}">
-                <a16:creationId xmlns:a16="http://schemas.microsoft.com/office/drawing/2014/main" id="{BCF5F8F0-9B2E-2F62-C116-3599823D3910}"/>
-              </a:ext>
-            </a:extLst>
-          </p:cNvPr>
-          <p:cNvCxnSpPr>
-            <a:cxnSpLocks/>
-          </p:cNvCxnSpPr>
-          <p:nvPr/>
-        </p:nvCxnSpPr>
-        <p:spPr>
-          <a:xfrm flipV="1">
-            <a:off x="10124834" y="3563620"/>
-            <a:ext cx="0" cy="556260"/>
-          </a:xfrm>
-          <a:prstGeom prst="line">
-            <a:avLst/>
-          </a:prstGeom>
-          <a:ln w="31750">
-            <a:solidFill>
-              <a:srgbClr val="F8766D"/>
-            </a:solidFill>
-            <a:prstDash val="sysDot"/>
-            <a:headEnd type="triangle" w="lg" len="med"/>
-            <a:tailEnd type="none" w="lg" len="lg"/>
-          </a:ln>
-        </p:spPr>
-        <p:style>
-          <a:lnRef idx="1">
-            <a:schemeClr val="accent1"/>
-          </a:lnRef>
-          <a:fillRef idx="0">
-            <a:schemeClr val="accent1"/>
-          </a:fillRef>
-          <a:effectRef idx="0">
-            <a:schemeClr val="accent1"/>
-          </a:effectRef>
-          <a:fontRef idx="minor">
-            <a:schemeClr val="tx1"/>
-          </a:fontRef>
-        </p:style>
-      </p:cxnSp>
-      <p:sp>
-        <p:nvSpPr>
-          <p:cNvPr id="5" name="TextBox 4">
-            <a:extLst>
-              <a:ext uri="{FF2B5EF4-FFF2-40B4-BE49-F238E27FC236}">
-                <a16:creationId xmlns:a16="http://schemas.microsoft.com/office/drawing/2014/main" id="{8AC72AB2-0EA5-3654-75AB-D8B2338F0A35}"/>
-              </a:ext>
-            </a:extLst>
-          </p:cNvPr>
-          <p:cNvSpPr txBox="1"/>
-          <p:nvPr/>
-        </p:nvSpPr>
-        <p:spPr>
-          <a:xfrm>
-            <a:off x="9363879" y="3271520"/>
-            <a:ext cx="1349840" cy="307777"/>
-          </a:xfrm>
-          <a:prstGeom prst="rect">
-            <a:avLst/>
-          </a:prstGeom>
-          <a:noFill/>
-        </p:spPr>
-        <p:txBody>
-          <a:bodyPr wrap="square">
-            <a:spAutoFit/>
-          </a:bodyPr>
-          <a:lstStyle/>
-          <a:p>
-            <a:pPr algn="ctr"/>
-            <a:r>
-              <a:rPr lang="en-US" altLang="ko-KR" sz="1400" dirty="0">
-                <a:ln w="3175">
-                  <a:solidFill>
-                    <a:schemeClr val="tx1">
-                      <a:lumMod val="75000"/>
-                      <a:lumOff val="25000"/>
-                      <a:alpha val="10000"/>
-                    </a:schemeClr>
-                  </a:solidFill>
-                </a:ln>
-                <a:solidFill>
-                  <a:schemeClr val="tx1">
-                    <a:lumMod val="75000"/>
-                    <a:lumOff val="25000"/>
-                  </a:schemeClr>
-                </a:solidFill>
-                <a:ea typeface="경기천년제목 Light" panose="02020403020101020101" pitchFamily="18" charset="-127"/>
-              </a:rPr>
-              <a:t>Slope : 11.50</a:t>
-            </a:r>
-            <a:endParaRPr lang="ko-KR" altLang="en-US" sz="1400" dirty="0"/>
-          </a:p>
-        </p:txBody>
-      </p:sp>
-      <p:cxnSp>
-        <p:nvCxnSpPr>
-          <p:cNvPr id="6" name="직선 연결선 5">
-            <a:extLst>
-              <a:ext uri="{FF2B5EF4-FFF2-40B4-BE49-F238E27FC236}">
-                <a16:creationId xmlns:a16="http://schemas.microsoft.com/office/drawing/2014/main" id="{BEA97245-3A8F-9C8F-04A4-E75C40C87A98}"/>
-              </a:ext>
-            </a:extLst>
-          </p:cNvPr>
-          <p:cNvCxnSpPr>
-            <a:cxnSpLocks/>
-          </p:cNvCxnSpPr>
-          <p:nvPr/>
-        </p:nvCxnSpPr>
-        <p:spPr>
-          <a:xfrm>
-            <a:off x="10056342" y="5098227"/>
-            <a:ext cx="0" cy="864000"/>
-          </a:xfrm>
-          <a:prstGeom prst="line">
-            <a:avLst/>
-          </a:prstGeom>
-          <a:ln w="31750">
-            <a:solidFill>
-              <a:srgbClr val="00BFC4"/>
-            </a:solidFill>
-            <a:prstDash val="sysDash"/>
-            <a:headEnd type="triangle" w="lg" len="med"/>
-            <a:tailEnd type="none" w="lg" len="lg"/>
-          </a:ln>
-        </p:spPr>
-        <p:style>
-          <a:lnRef idx="1">
-            <a:schemeClr val="accent1"/>
-          </a:lnRef>
-          <a:fillRef idx="0">
-            <a:schemeClr val="accent1"/>
-          </a:fillRef>
-          <a:effectRef idx="0">
-            <a:schemeClr val="accent1"/>
-          </a:effectRef>
-          <a:fontRef idx="minor">
-            <a:schemeClr val="tx1"/>
-          </a:fontRef>
-        </p:style>
-      </p:cxnSp>
-      <p:sp>
-        <p:nvSpPr>
-          <p:cNvPr id="9" name="TextBox 8">
-            <a:extLst>
-              <a:ext uri="{FF2B5EF4-FFF2-40B4-BE49-F238E27FC236}">
-                <a16:creationId xmlns:a16="http://schemas.microsoft.com/office/drawing/2014/main" id="{BCECC4BB-C50C-4517-58A0-FC3A5410CDE0}"/>
-              </a:ext>
-            </a:extLst>
-          </p:cNvPr>
-          <p:cNvSpPr txBox="1"/>
-          <p:nvPr/>
-        </p:nvSpPr>
-        <p:spPr>
-          <a:xfrm>
-            <a:off x="9359939" y="5962227"/>
-            <a:ext cx="1349840" cy="307777"/>
-          </a:xfrm>
-          <a:prstGeom prst="rect">
-            <a:avLst/>
-          </a:prstGeom>
-          <a:noFill/>
-        </p:spPr>
-        <p:txBody>
-          <a:bodyPr wrap="square">
-            <a:spAutoFit/>
-          </a:bodyPr>
-          <a:lstStyle/>
-          <a:p>
-            <a:pPr algn="ctr"/>
-            <a:r>
-              <a:rPr lang="en-US" altLang="ko-KR" sz="1400" dirty="0">
-                <a:ln w="3175">
-                  <a:solidFill>
-                    <a:schemeClr val="tx1">
-                      <a:lumMod val="75000"/>
-                      <a:lumOff val="25000"/>
-                      <a:alpha val="10000"/>
-                    </a:schemeClr>
-                  </a:solidFill>
-                </a:ln>
-                <a:solidFill>
-                  <a:schemeClr val="tx1">
-                    <a:lumMod val="75000"/>
-                    <a:lumOff val="25000"/>
-                  </a:schemeClr>
-                </a:solidFill>
-                <a:ea typeface="경기천년제목 Light" panose="02020403020101020101" pitchFamily="18" charset="-127"/>
-              </a:rPr>
-              <a:t>Slope : 7.23</a:t>
-            </a:r>
-            <a:endParaRPr lang="ko-KR" altLang="en-US" sz="1400" dirty="0"/>
-          </a:p>
-        </p:txBody>
-      </p:sp>
-      <p:pic>
-        <p:nvPicPr>
-          <p:cNvPr id="15" name="그림 14">
-            <a:extLst>
-              <a:ext uri="{FF2B5EF4-FFF2-40B4-BE49-F238E27FC236}">
-                <a16:creationId xmlns:a16="http://schemas.microsoft.com/office/drawing/2014/main" id="{C508FC98-E720-264A-FA2B-B2E7409D12BF}"/>
-              </a:ext>
-            </a:extLst>
-          </p:cNvPr>
-          <p:cNvPicPr>
-            <a:picLocks noChangeAspect="1"/>
-          </p:cNvPicPr>
-          <p:nvPr/>
-        </p:nvPicPr>
-        <p:blipFill>
-          <a:blip r:embed="rId4"/>
-          <a:stretch>
-            <a:fillRect/>
-          </a:stretch>
-        </p:blipFill>
-        <p:spPr>
-          <a:xfrm>
-            <a:off x="1783371" y="2436873"/>
-            <a:ext cx="2708489" cy="551614"/>
-          </a:xfrm>
-          <a:prstGeom prst="rect">
-            <a:avLst/>
-          </a:prstGeom>
-        </p:spPr>
-      </p:pic>
-    </p:spTree>
-    <p:extLst>
-      <p:ext uri="{BB962C8B-B14F-4D97-AF65-F5344CB8AC3E}">
-        <p14:creationId xmlns:p14="http://schemas.microsoft.com/office/powerpoint/2010/main" val="1697348060"/>
-      </p:ext>
-    </p:extLst>
-  </p:cSld>
-  <p:clrMapOvr>
-    <a:masterClrMapping/>
-  </p:clrMapOvr>
-</p:sld>
-</file>
-
-<file path=ppt/slides/slide8.xml><?xml version="1.0" encoding="utf-8"?>
 <p:sld xmlns:a="http://schemas.openxmlformats.org/drawingml/2006/main" xmlns:r="http://schemas.openxmlformats.org/officeDocument/2006/relationships" xmlns:p="http://schemas.openxmlformats.org/presentationml/2006/main">
   <p:cSld>
     <p:spTree>
@@ -33004,7 +31795,7 @@
 </p:sld>
 </file>
 
-<file path=ppt/slides/slide9.xml><?xml version="1.0" encoding="utf-8"?>
+<file path=ppt/slides/slide7.xml><?xml version="1.0" encoding="utf-8"?>
 <p:sld xmlns:a="http://schemas.openxmlformats.org/drawingml/2006/main" xmlns:r="http://schemas.openxmlformats.org/officeDocument/2006/relationships" xmlns:p="http://schemas.openxmlformats.org/presentationml/2006/main">
   <p:cSld>
     <p:spTree>
@@ -37587,6 +36378,1252 @@
     <p:extLst>
       <p:ext uri="{BB962C8B-B14F-4D97-AF65-F5344CB8AC3E}">
         <p14:creationId xmlns:p14="http://schemas.microsoft.com/office/powerpoint/2010/main" val="1953639318"/>
+      </p:ext>
+    </p:extLst>
+  </p:cSld>
+  <p:clrMapOvr>
+    <a:masterClrMapping/>
+  </p:clrMapOvr>
+</p:sld>
+</file>
+
+<file path=ppt/slides/slide8.xml><?xml version="1.0" encoding="utf-8"?>
+<p:sld xmlns:a="http://schemas.openxmlformats.org/drawingml/2006/main" xmlns:r="http://schemas.openxmlformats.org/officeDocument/2006/relationships" xmlns:p="http://schemas.openxmlformats.org/presentationml/2006/main">
+  <p:cSld>
+    <p:spTree>
+      <p:nvGrpSpPr>
+        <p:cNvPr id="1" name=""/>
+        <p:cNvGrpSpPr/>
+        <p:nvPr/>
+      </p:nvGrpSpPr>
+      <p:grpSpPr>
+        <a:xfrm>
+          <a:off x="0" y="0"/>
+          <a:ext cx="0" cy="0"/>
+          <a:chOff x="0" y="0"/>
+          <a:chExt cx="0" cy="0"/>
+        </a:xfrm>
+      </p:grpSpPr>
+      <p:sp>
+        <p:nvSpPr>
+          <p:cNvPr id="29" name="직사각형 28">
+            <a:extLst>
+              <a:ext uri="{FF2B5EF4-FFF2-40B4-BE49-F238E27FC236}">
+                <a16:creationId xmlns:a16="http://schemas.microsoft.com/office/drawing/2014/main" id="{7D5C7917-964F-EBEC-8A6F-BAF95B4D2F4A}"/>
+              </a:ext>
+            </a:extLst>
+          </p:cNvPr>
+          <p:cNvSpPr/>
+          <p:nvPr/>
+        </p:nvSpPr>
+        <p:spPr>
+          <a:xfrm>
+            <a:off x="-49709" y="-415270"/>
+            <a:ext cx="3897809" cy="7533640"/>
+          </a:xfrm>
+          <a:prstGeom prst="rect">
+            <a:avLst/>
+          </a:prstGeom>
+          <a:solidFill>
+            <a:schemeClr val="bg1"/>
+          </a:solidFill>
+          <a:ln>
+            <a:solidFill>
+              <a:schemeClr val="tx1"/>
+            </a:solidFill>
+          </a:ln>
+        </p:spPr>
+        <p:style>
+          <a:lnRef idx="2">
+            <a:schemeClr val="accent1">
+              <a:shade val="15000"/>
+            </a:schemeClr>
+          </a:lnRef>
+          <a:fillRef idx="1">
+            <a:schemeClr val="accent1"/>
+          </a:fillRef>
+          <a:effectRef idx="0">
+            <a:schemeClr val="accent1"/>
+          </a:effectRef>
+          <a:fontRef idx="minor">
+            <a:schemeClr val="lt1"/>
+          </a:fontRef>
+        </p:style>
+        <p:txBody>
+          <a:bodyPr rtlCol="0" anchor="ctr"/>
+          <a:lstStyle/>
+          <a:p>
+            <a:pPr algn="ctr"/>
+            <a:endParaRPr lang="ko-KR" altLang="en-US"/>
+          </a:p>
+        </p:txBody>
+      </p:sp>
+      <p:pic>
+        <p:nvPicPr>
+          <p:cNvPr id="11" name="그림 10">
+            <a:extLst>
+              <a:ext uri="{FF2B5EF4-FFF2-40B4-BE49-F238E27FC236}">
+                <a16:creationId xmlns:a16="http://schemas.microsoft.com/office/drawing/2014/main" id="{4FF1F429-EB7D-9590-A692-95D4ABD15930}"/>
+              </a:ext>
+            </a:extLst>
+          </p:cNvPr>
+          <p:cNvPicPr>
+            <a:picLocks noChangeAspect="1"/>
+          </p:cNvPicPr>
+          <p:nvPr/>
+        </p:nvPicPr>
+        <p:blipFill>
+          <a:blip r:embed="rId2"/>
+          <a:stretch>
+            <a:fillRect/>
+          </a:stretch>
+        </p:blipFill>
+        <p:spPr>
+          <a:xfrm>
+            <a:off x="203200" y="88900"/>
+            <a:ext cx="2513440" cy="6858000"/>
+          </a:xfrm>
+          <a:prstGeom prst="rect">
+            <a:avLst/>
+          </a:prstGeom>
+        </p:spPr>
+      </p:pic>
+      <p:sp>
+        <p:nvSpPr>
+          <p:cNvPr id="13" name="TextBox 12">
+            <a:extLst>
+              <a:ext uri="{FF2B5EF4-FFF2-40B4-BE49-F238E27FC236}">
+                <a16:creationId xmlns:a16="http://schemas.microsoft.com/office/drawing/2014/main" id="{A0C04691-EC6D-2B87-4199-7DC485AA0B6B}"/>
+              </a:ext>
+            </a:extLst>
+          </p:cNvPr>
+          <p:cNvSpPr txBox="1"/>
+          <p:nvPr/>
+        </p:nvSpPr>
+        <p:spPr>
+          <a:xfrm>
+            <a:off x="203200" y="-1255931"/>
+            <a:ext cx="7404100" cy="369332"/>
+          </a:xfrm>
+          <a:prstGeom prst="rect">
+            <a:avLst/>
+          </a:prstGeom>
+          <a:noFill/>
+        </p:spPr>
+        <p:txBody>
+          <a:bodyPr wrap="square">
+            <a:spAutoFit/>
+          </a:bodyPr>
+          <a:lstStyle/>
+          <a:p>
+            <a:r>
+              <a:rPr lang="ko-KR" altLang="en-US" b="0" i="0" dirty="0">
+                <a:solidFill>
+                  <a:srgbClr val="000000"/>
+                </a:solidFill>
+                <a:effectLst/>
+                <a:highlight>
+                  <a:srgbClr val="F0F0F3"/>
+                </a:highlight>
+                <a:latin typeface="-apple-system"/>
+              </a:rPr>
+              <a:t>경기 시흥시 </a:t>
+            </a:r>
+            <a:r>
+              <a:rPr lang="ko-KR" altLang="en-US" b="0" i="0" dirty="0" err="1">
+                <a:solidFill>
+                  <a:srgbClr val="000000"/>
+                </a:solidFill>
+                <a:effectLst/>
+                <a:highlight>
+                  <a:srgbClr val="F0F0F3"/>
+                </a:highlight>
+                <a:latin typeface="-apple-system"/>
+              </a:rPr>
+              <a:t>옥구천서로</a:t>
+            </a:r>
+            <a:r>
+              <a:rPr lang="en-US" altLang="ko-KR" b="0" i="0" dirty="0">
+                <a:solidFill>
+                  <a:srgbClr val="000000"/>
+                </a:solidFill>
+                <a:effectLst/>
+                <a:highlight>
+                  <a:srgbClr val="F0F0F3"/>
+                </a:highlight>
+                <a:latin typeface="-apple-system"/>
+              </a:rPr>
+              <a:t>131</a:t>
+            </a:r>
+            <a:r>
+              <a:rPr lang="ko-KR" altLang="en-US" b="0" i="0" dirty="0" err="1">
+                <a:solidFill>
+                  <a:srgbClr val="000000"/>
+                </a:solidFill>
+                <a:effectLst/>
+                <a:highlight>
+                  <a:srgbClr val="F0F0F3"/>
+                </a:highlight>
+                <a:latin typeface="-apple-system"/>
+              </a:rPr>
+              <a:t>번길</a:t>
+            </a:r>
+            <a:r>
+              <a:rPr lang="ko-KR" altLang="en-US" b="0" i="0" dirty="0">
+                <a:solidFill>
+                  <a:srgbClr val="000000"/>
+                </a:solidFill>
+                <a:effectLst/>
+                <a:highlight>
+                  <a:srgbClr val="F0F0F3"/>
+                </a:highlight>
+                <a:latin typeface="-apple-system"/>
+              </a:rPr>
+              <a:t> </a:t>
+            </a:r>
+            <a:r>
+              <a:rPr lang="en-US" altLang="ko-KR" b="0" i="0" dirty="0">
+                <a:solidFill>
+                  <a:srgbClr val="000000"/>
+                </a:solidFill>
+                <a:effectLst/>
+                <a:highlight>
+                  <a:srgbClr val="F0F0F3"/>
+                </a:highlight>
+                <a:latin typeface="-apple-system"/>
+              </a:rPr>
+              <a:t>15 </a:t>
+            </a:r>
+            <a:r>
+              <a:rPr lang="ko-KR" altLang="en-US" b="0" i="0" dirty="0">
+                <a:solidFill>
+                  <a:srgbClr val="000000"/>
+                </a:solidFill>
+                <a:effectLst/>
+                <a:highlight>
+                  <a:srgbClr val="F0F0F3"/>
+                </a:highlight>
+                <a:latin typeface="-apple-system"/>
+              </a:rPr>
+              <a:t>시화단지 </a:t>
+            </a:r>
+            <a:r>
+              <a:rPr lang="en-US" altLang="ko-KR" b="0" i="0" dirty="0">
+                <a:solidFill>
+                  <a:srgbClr val="000000"/>
+                </a:solidFill>
+                <a:effectLst/>
+                <a:highlight>
+                  <a:srgbClr val="F0F0F3"/>
+                </a:highlight>
+                <a:latin typeface="-apple-system"/>
+              </a:rPr>
+              <a:t>1</a:t>
+            </a:r>
+            <a:r>
+              <a:rPr lang="ko-KR" altLang="en-US" b="0" i="0" dirty="0">
+                <a:solidFill>
+                  <a:srgbClr val="000000"/>
+                </a:solidFill>
+                <a:effectLst/>
+                <a:highlight>
+                  <a:srgbClr val="F0F0F3"/>
+                </a:highlight>
+                <a:latin typeface="-apple-system"/>
+              </a:rPr>
+              <a:t>라 </a:t>
+            </a:r>
+            <a:r>
+              <a:rPr lang="en-US" altLang="ko-KR" b="0" i="0" dirty="0">
+                <a:solidFill>
+                  <a:srgbClr val="000000"/>
+                </a:solidFill>
+                <a:effectLst/>
+                <a:highlight>
+                  <a:srgbClr val="F0F0F3"/>
+                </a:highlight>
+                <a:latin typeface="-apple-system"/>
+              </a:rPr>
+              <a:t>503</a:t>
+            </a:r>
+            <a:r>
+              <a:rPr lang="ko-KR" altLang="en-US" b="0" i="0" dirty="0">
+                <a:solidFill>
+                  <a:srgbClr val="000000"/>
+                </a:solidFill>
+                <a:effectLst/>
+                <a:highlight>
+                  <a:srgbClr val="F0F0F3"/>
+                </a:highlight>
+                <a:latin typeface="-apple-system"/>
+              </a:rPr>
+              <a:t>호</a:t>
+            </a:r>
+            <a:r>
+              <a:rPr lang="en-US" altLang="ko-KR" b="0" i="0" dirty="0">
+                <a:solidFill>
+                  <a:srgbClr val="000000"/>
+                </a:solidFill>
+                <a:effectLst/>
+                <a:highlight>
+                  <a:srgbClr val="F0F0F3"/>
+                </a:highlight>
+                <a:latin typeface="-apple-system"/>
+              </a:rPr>
+              <a:t>(</a:t>
+            </a:r>
+            <a:r>
+              <a:rPr lang="ko-KR" altLang="en-US" b="0" i="0" dirty="0" err="1">
+                <a:solidFill>
+                  <a:srgbClr val="000000"/>
+                </a:solidFill>
+                <a:effectLst/>
+                <a:highlight>
+                  <a:srgbClr val="F0F0F3"/>
+                </a:highlight>
+                <a:latin typeface="-apple-system"/>
+              </a:rPr>
+              <a:t>정왕동</a:t>
+            </a:r>
+            <a:r>
+              <a:rPr lang="en-US" altLang="ko-KR" b="0" i="0" dirty="0">
+                <a:solidFill>
+                  <a:srgbClr val="000000"/>
+                </a:solidFill>
+                <a:effectLst/>
+                <a:highlight>
+                  <a:srgbClr val="F0F0F3"/>
+                </a:highlight>
+                <a:latin typeface="-apple-system"/>
+              </a:rPr>
+              <a:t>)</a:t>
+            </a:r>
+            <a:endParaRPr lang="ko-KR" altLang="en-US" dirty="0"/>
+          </a:p>
+        </p:txBody>
+      </p:sp>
+      <p:sp>
+        <p:nvSpPr>
+          <p:cNvPr id="14" name="직사각형 13">
+            <a:extLst>
+              <a:ext uri="{FF2B5EF4-FFF2-40B4-BE49-F238E27FC236}">
+                <a16:creationId xmlns:a16="http://schemas.microsoft.com/office/drawing/2014/main" id="{C3424074-0E90-DC8E-3F48-D412FAF9991E}"/>
+              </a:ext>
+            </a:extLst>
+          </p:cNvPr>
+          <p:cNvSpPr/>
+          <p:nvPr/>
+        </p:nvSpPr>
+        <p:spPr>
+          <a:xfrm>
+            <a:off x="419100" y="342900"/>
+            <a:ext cx="2032000" cy="6426200"/>
+          </a:xfrm>
+          <a:prstGeom prst="rect">
+            <a:avLst/>
+          </a:prstGeom>
+          <a:noFill/>
+          <a:ln w="66675">
+            <a:solidFill>
+              <a:srgbClr val="FF0000"/>
+            </a:solidFill>
+          </a:ln>
+        </p:spPr>
+        <p:style>
+          <a:lnRef idx="2">
+            <a:schemeClr val="accent1">
+              <a:shade val="15000"/>
+            </a:schemeClr>
+          </a:lnRef>
+          <a:fillRef idx="1">
+            <a:schemeClr val="accent1"/>
+          </a:fillRef>
+          <a:effectRef idx="0">
+            <a:schemeClr val="accent1"/>
+          </a:effectRef>
+          <a:fontRef idx="minor">
+            <a:schemeClr val="lt1"/>
+          </a:fontRef>
+        </p:style>
+        <p:txBody>
+          <a:bodyPr rtlCol="0" anchor="ctr"/>
+          <a:lstStyle/>
+          <a:p>
+            <a:pPr algn="ctr"/>
+            <a:endParaRPr lang="ko-KR" altLang="en-US"/>
+          </a:p>
+        </p:txBody>
+      </p:sp>
+      <p:sp>
+        <p:nvSpPr>
+          <p:cNvPr id="16" name="TextBox 15">
+            <a:extLst>
+              <a:ext uri="{FF2B5EF4-FFF2-40B4-BE49-F238E27FC236}">
+                <a16:creationId xmlns:a16="http://schemas.microsoft.com/office/drawing/2014/main" id="{C1C8FFD9-DD66-8C4A-F660-582B17AC7627}"/>
+              </a:ext>
+            </a:extLst>
+          </p:cNvPr>
+          <p:cNvSpPr txBox="1"/>
+          <p:nvPr/>
+        </p:nvSpPr>
+        <p:spPr>
+          <a:xfrm>
+            <a:off x="2094340" y="-444258"/>
+            <a:ext cx="622300" cy="523220"/>
+          </a:xfrm>
+          <a:prstGeom prst="rect">
+            <a:avLst/>
+          </a:prstGeom>
+          <a:solidFill>
+            <a:schemeClr val="bg1"/>
+          </a:solidFill>
+        </p:spPr>
+        <p:txBody>
+          <a:bodyPr wrap="square">
+            <a:spAutoFit/>
+          </a:bodyPr>
+          <a:lstStyle/>
+          <a:p>
+            <a:r>
+              <a:rPr lang="en-US" altLang="ko-KR" sz="2800" b="1" dirty="0">
+                <a:solidFill>
+                  <a:srgbClr val="FF0000"/>
+                </a:solidFill>
+              </a:rPr>
+              <a:t>(a)</a:t>
+            </a:r>
+            <a:endParaRPr lang="ko-KR" altLang="en-US" sz="2800" b="1" dirty="0">
+              <a:solidFill>
+                <a:srgbClr val="FF0000"/>
+              </a:solidFill>
+            </a:endParaRPr>
+          </a:p>
+        </p:txBody>
+      </p:sp>
+      <p:sp>
+        <p:nvSpPr>
+          <p:cNvPr id="18" name="직사각형 17">
+            <a:extLst>
+              <a:ext uri="{FF2B5EF4-FFF2-40B4-BE49-F238E27FC236}">
+                <a16:creationId xmlns:a16="http://schemas.microsoft.com/office/drawing/2014/main" id="{BE62DB93-6022-8C4E-6F7B-FC2A76F1F39E}"/>
+              </a:ext>
+            </a:extLst>
+          </p:cNvPr>
+          <p:cNvSpPr/>
+          <p:nvPr/>
+        </p:nvSpPr>
+        <p:spPr>
+          <a:xfrm>
+            <a:off x="465137" y="409575"/>
+            <a:ext cx="1939926" cy="3438525"/>
+          </a:xfrm>
+          <a:prstGeom prst="rect">
+            <a:avLst/>
+          </a:prstGeom>
+          <a:noFill/>
+          <a:ln w="66675">
+            <a:solidFill>
+              <a:schemeClr val="tx1"/>
+            </a:solidFill>
+          </a:ln>
+        </p:spPr>
+        <p:style>
+          <a:lnRef idx="2">
+            <a:schemeClr val="accent1">
+              <a:shade val="15000"/>
+            </a:schemeClr>
+          </a:lnRef>
+          <a:fillRef idx="1">
+            <a:schemeClr val="accent1"/>
+          </a:fillRef>
+          <a:effectRef idx="0">
+            <a:schemeClr val="accent1"/>
+          </a:effectRef>
+          <a:fontRef idx="minor">
+            <a:schemeClr val="lt1"/>
+          </a:fontRef>
+        </p:style>
+        <p:txBody>
+          <a:bodyPr rtlCol="0" anchor="ctr"/>
+          <a:lstStyle/>
+          <a:p>
+            <a:pPr algn="ctr"/>
+            <a:endParaRPr lang="ko-KR" altLang="en-US"/>
+          </a:p>
+        </p:txBody>
+      </p:sp>
+      <p:cxnSp>
+        <p:nvCxnSpPr>
+          <p:cNvPr id="20" name="연결선: 꺾임 19">
+            <a:extLst>
+              <a:ext uri="{FF2B5EF4-FFF2-40B4-BE49-F238E27FC236}">
+                <a16:creationId xmlns:a16="http://schemas.microsoft.com/office/drawing/2014/main" id="{36D1418A-667C-0052-DC76-878B8551B4E0}"/>
+              </a:ext>
+            </a:extLst>
+          </p:cNvPr>
+          <p:cNvCxnSpPr>
+            <a:cxnSpLocks/>
+            <a:stCxn id="14" idx="0"/>
+            <a:endCxn id="16" idx="1"/>
+          </p:cNvCxnSpPr>
+          <p:nvPr/>
+        </p:nvCxnSpPr>
+        <p:spPr>
+          <a:xfrm rot="5400000" flipH="1" flipV="1">
+            <a:off x="1501946" y="-249494"/>
+            <a:ext cx="525548" cy="659240"/>
+          </a:xfrm>
+          <a:prstGeom prst="bentConnector2">
+            <a:avLst/>
+          </a:prstGeom>
+          <a:ln w="66675">
+            <a:solidFill>
+              <a:srgbClr val="FF0000"/>
+            </a:solidFill>
+            <a:tailEnd type="triangle"/>
+          </a:ln>
+        </p:spPr>
+        <p:style>
+          <a:lnRef idx="2">
+            <a:schemeClr val="accent1"/>
+          </a:lnRef>
+          <a:fillRef idx="0">
+            <a:schemeClr val="accent1"/>
+          </a:fillRef>
+          <a:effectRef idx="1">
+            <a:schemeClr val="accent1"/>
+          </a:effectRef>
+          <a:fontRef idx="minor">
+            <a:schemeClr val="tx1"/>
+          </a:fontRef>
+        </p:style>
+      </p:cxnSp>
+      <p:cxnSp>
+        <p:nvCxnSpPr>
+          <p:cNvPr id="23" name="연결선: 꺾임 22">
+            <a:extLst>
+              <a:ext uri="{FF2B5EF4-FFF2-40B4-BE49-F238E27FC236}">
+                <a16:creationId xmlns:a16="http://schemas.microsoft.com/office/drawing/2014/main" id="{13C2B4FF-53D3-3D9E-12D4-10E3BA34FC04}"/>
+              </a:ext>
+            </a:extLst>
+          </p:cNvPr>
+          <p:cNvCxnSpPr>
+            <a:cxnSpLocks/>
+            <a:stCxn id="18" idx="2"/>
+            <a:endCxn id="26" idx="1"/>
+          </p:cNvCxnSpPr>
+          <p:nvPr/>
+        </p:nvCxnSpPr>
+        <p:spPr>
+          <a:xfrm rot="5400000" flipH="1" flipV="1">
+            <a:off x="1944869" y="2841780"/>
+            <a:ext cx="496550" cy="1516089"/>
+          </a:xfrm>
+          <a:prstGeom prst="bentConnector4">
+            <a:avLst>
+              <a:gd name="adj1" fmla="val -46038"/>
+              <a:gd name="adj2" fmla="val 76460"/>
+            </a:avLst>
+          </a:prstGeom>
+          <a:ln w="66675">
+            <a:solidFill>
+              <a:schemeClr val="tx1"/>
+            </a:solidFill>
+            <a:tailEnd type="triangle"/>
+          </a:ln>
+        </p:spPr>
+        <p:style>
+          <a:lnRef idx="2">
+            <a:schemeClr val="accent1"/>
+          </a:lnRef>
+          <a:fillRef idx="0">
+            <a:schemeClr val="accent1"/>
+          </a:fillRef>
+          <a:effectRef idx="1">
+            <a:schemeClr val="accent1"/>
+          </a:effectRef>
+          <a:fontRef idx="minor">
+            <a:schemeClr val="tx1"/>
+          </a:fontRef>
+        </p:style>
+      </p:cxnSp>
+      <p:sp>
+        <p:nvSpPr>
+          <p:cNvPr id="26" name="TextBox 25">
+            <a:extLst>
+              <a:ext uri="{FF2B5EF4-FFF2-40B4-BE49-F238E27FC236}">
+                <a16:creationId xmlns:a16="http://schemas.microsoft.com/office/drawing/2014/main" id="{860E48AC-A900-E9FA-7CF3-2F4AB998D237}"/>
+              </a:ext>
+            </a:extLst>
+          </p:cNvPr>
+          <p:cNvSpPr txBox="1"/>
+          <p:nvPr/>
+        </p:nvSpPr>
+        <p:spPr>
+          <a:xfrm>
+            <a:off x="2951189" y="3089940"/>
+            <a:ext cx="622300" cy="523220"/>
+          </a:xfrm>
+          <a:prstGeom prst="rect">
+            <a:avLst/>
+          </a:prstGeom>
+          <a:solidFill>
+            <a:schemeClr val="bg1"/>
+          </a:solidFill>
+          <a:ln>
+            <a:noFill/>
+          </a:ln>
+        </p:spPr>
+        <p:txBody>
+          <a:bodyPr wrap="square">
+            <a:spAutoFit/>
+          </a:bodyPr>
+          <a:lstStyle/>
+          <a:p>
+            <a:r>
+              <a:rPr lang="en-US" altLang="ko-KR" sz="2800" b="1" dirty="0"/>
+              <a:t>(b)</a:t>
+            </a:r>
+            <a:endParaRPr lang="ko-KR" altLang="en-US" sz="2800" b="1" dirty="0"/>
+          </a:p>
+        </p:txBody>
+      </p:sp>
+    </p:spTree>
+    <p:extLst>
+      <p:ext uri="{BB962C8B-B14F-4D97-AF65-F5344CB8AC3E}">
+        <p14:creationId xmlns:p14="http://schemas.microsoft.com/office/powerpoint/2010/main" val="2613354958"/>
+      </p:ext>
+    </p:extLst>
+  </p:cSld>
+  <p:clrMapOvr>
+    <a:masterClrMapping/>
+  </p:clrMapOvr>
+</p:sld>
+</file>
+
+<file path=ppt/slides/slide9.xml><?xml version="1.0" encoding="utf-8"?>
+<p:sld xmlns:a="http://schemas.openxmlformats.org/drawingml/2006/main" xmlns:r="http://schemas.openxmlformats.org/officeDocument/2006/relationships" xmlns:p="http://schemas.openxmlformats.org/presentationml/2006/main">
+  <p:cSld>
+    <p:spTree>
+      <p:nvGrpSpPr>
+        <p:cNvPr id="1" name=""/>
+        <p:cNvGrpSpPr/>
+        <p:nvPr/>
+      </p:nvGrpSpPr>
+      <p:grpSpPr>
+        <a:xfrm>
+          <a:off x="0" y="0"/>
+          <a:ext cx="0" cy="0"/>
+          <a:chOff x="0" y="0"/>
+          <a:chExt cx="0" cy="0"/>
+        </a:xfrm>
+      </p:grpSpPr>
+      <p:sp>
+        <p:nvSpPr>
+          <p:cNvPr id="10" name="직사각형 9">
+            <a:extLst>
+              <a:ext uri="{FF2B5EF4-FFF2-40B4-BE49-F238E27FC236}">
+                <a16:creationId xmlns:a16="http://schemas.microsoft.com/office/drawing/2014/main" id="{81D67261-C1D5-77F9-19FC-CCD455B29649}"/>
+              </a:ext>
+            </a:extLst>
+          </p:cNvPr>
+          <p:cNvSpPr/>
+          <p:nvPr/>
+        </p:nvSpPr>
+        <p:spPr>
+          <a:xfrm>
+            <a:off x="493216" y="-187960"/>
+            <a:ext cx="11556543" cy="7533640"/>
+          </a:xfrm>
+          <a:prstGeom prst="rect">
+            <a:avLst/>
+          </a:prstGeom>
+          <a:solidFill>
+            <a:schemeClr val="bg1"/>
+          </a:solidFill>
+          <a:ln>
+            <a:solidFill>
+              <a:schemeClr val="tx1"/>
+            </a:solidFill>
+          </a:ln>
+        </p:spPr>
+        <p:style>
+          <a:lnRef idx="2">
+            <a:schemeClr val="accent1">
+              <a:shade val="15000"/>
+            </a:schemeClr>
+          </a:lnRef>
+          <a:fillRef idx="1">
+            <a:schemeClr val="accent1"/>
+          </a:fillRef>
+          <a:effectRef idx="0">
+            <a:schemeClr val="accent1"/>
+          </a:effectRef>
+          <a:fontRef idx="minor">
+            <a:schemeClr val="lt1"/>
+          </a:fontRef>
+        </p:style>
+        <p:txBody>
+          <a:bodyPr rtlCol="0" anchor="ctr"/>
+          <a:lstStyle/>
+          <a:p>
+            <a:pPr algn="ctr"/>
+            <a:endParaRPr lang="ko-KR" altLang="en-US"/>
+          </a:p>
+        </p:txBody>
+      </p:sp>
+      <p:pic>
+        <p:nvPicPr>
+          <p:cNvPr id="3" name="그림 2">
+            <a:extLst>
+              <a:ext uri="{FF2B5EF4-FFF2-40B4-BE49-F238E27FC236}">
+                <a16:creationId xmlns:a16="http://schemas.microsoft.com/office/drawing/2014/main" id="{A280590B-1841-D0BF-444D-98ABD6F451C4}"/>
+              </a:ext>
+            </a:extLst>
+          </p:cNvPr>
+          <p:cNvPicPr>
+            <a:picLocks noChangeAspect="1"/>
+          </p:cNvPicPr>
+          <p:nvPr/>
+        </p:nvPicPr>
+        <p:blipFill>
+          <a:blip r:embed="rId2"/>
+          <a:stretch>
+            <a:fillRect/>
+          </a:stretch>
+        </p:blipFill>
+        <p:spPr>
+          <a:xfrm>
+            <a:off x="1439002" y="0"/>
+            <a:ext cx="9313996" cy="6858000"/>
+          </a:xfrm>
+          <a:prstGeom prst="rect">
+            <a:avLst/>
+          </a:prstGeom>
+        </p:spPr>
+      </p:pic>
+      <p:sp>
+        <p:nvSpPr>
+          <p:cNvPr id="8" name="TextBox 7">
+            <a:extLst>
+              <a:ext uri="{FF2B5EF4-FFF2-40B4-BE49-F238E27FC236}">
+                <a16:creationId xmlns:a16="http://schemas.microsoft.com/office/drawing/2014/main" id="{70791883-B36B-3255-4CFD-2A71C8F7D810}"/>
+              </a:ext>
+            </a:extLst>
+          </p:cNvPr>
+          <p:cNvSpPr txBox="1"/>
+          <p:nvPr/>
+        </p:nvSpPr>
+        <p:spPr>
+          <a:xfrm rot="16200000">
+            <a:off x="-294640" y="2919214"/>
+            <a:ext cx="2875280" cy="369332"/>
+          </a:xfrm>
+          <a:prstGeom prst="rect">
+            <a:avLst/>
+          </a:prstGeom>
+          <a:noFill/>
+        </p:spPr>
+        <p:txBody>
+          <a:bodyPr wrap="square">
+            <a:spAutoFit/>
+          </a:bodyPr>
+          <a:lstStyle/>
+          <a:p>
+            <a:pPr algn="ctr"/>
+            <a:r>
+              <a:rPr lang="en-US" altLang="ko-KR" spc="-60" dirty="0">
+                <a:ln w="3175">
+                  <a:solidFill>
+                    <a:schemeClr val="tx1">
+                      <a:lumMod val="75000"/>
+                      <a:lumOff val="25000"/>
+                      <a:alpha val="10000"/>
+                    </a:schemeClr>
+                  </a:solidFill>
+                </a:ln>
+                <a:solidFill>
+                  <a:schemeClr val="tx1">
+                    <a:lumMod val="75000"/>
+                    <a:lumOff val="25000"/>
+                  </a:schemeClr>
+                </a:solidFill>
+                <a:ea typeface="경기천년제목 Light" panose="02020403020101020101" pitchFamily="18" charset="-127"/>
+              </a:rPr>
+              <a:t>PV installation area (m</a:t>
+            </a:r>
+            <a:r>
+              <a:rPr lang="en-US" altLang="ko-KR" spc="-60" baseline="30000" dirty="0">
+                <a:ln w="3175">
+                  <a:solidFill>
+                    <a:schemeClr val="tx1">
+                      <a:lumMod val="75000"/>
+                      <a:lumOff val="25000"/>
+                      <a:alpha val="10000"/>
+                    </a:schemeClr>
+                  </a:solidFill>
+                </a:ln>
+                <a:solidFill>
+                  <a:schemeClr val="tx1">
+                    <a:lumMod val="75000"/>
+                    <a:lumOff val="25000"/>
+                  </a:schemeClr>
+                </a:solidFill>
+                <a:ea typeface="경기천년제목 Light" panose="02020403020101020101" pitchFamily="18" charset="-127"/>
+              </a:rPr>
+              <a:t>2</a:t>
+            </a:r>
+            <a:r>
+              <a:rPr lang="en-US" altLang="ko-KR" spc="-60" dirty="0">
+                <a:ln w="3175">
+                  <a:solidFill>
+                    <a:schemeClr val="tx1">
+                      <a:lumMod val="75000"/>
+                      <a:lumOff val="25000"/>
+                      <a:alpha val="10000"/>
+                    </a:schemeClr>
+                  </a:solidFill>
+                </a:ln>
+                <a:solidFill>
+                  <a:schemeClr val="tx1">
+                    <a:lumMod val="75000"/>
+                    <a:lumOff val="25000"/>
+                  </a:schemeClr>
+                </a:solidFill>
+                <a:ea typeface="경기천년제목 Light" panose="02020403020101020101" pitchFamily="18" charset="-127"/>
+              </a:rPr>
+              <a:t>)</a:t>
+            </a:r>
+            <a:endParaRPr lang="ko-KR" altLang="en-US" dirty="0"/>
+          </a:p>
+        </p:txBody>
+      </p:sp>
+      <p:sp>
+        <p:nvSpPr>
+          <p:cNvPr id="9" name="TextBox 8">
+            <a:extLst>
+              <a:ext uri="{FF2B5EF4-FFF2-40B4-BE49-F238E27FC236}">
+                <a16:creationId xmlns:a16="http://schemas.microsoft.com/office/drawing/2014/main" id="{50D1CBE8-135C-E4AD-C6D1-1297C9D2282B}"/>
+              </a:ext>
+            </a:extLst>
+          </p:cNvPr>
+          <p:cNvSpPr txBox="1"/>
+          <p:nvPr/>
+        </p:nvSpPr>
+        <p:spPr>
+          <a:xfrm>
+            <a:off x="5435600" y="6872208"/>
+            <a:ext cx="1673860" cy="369332"/>
+          </a:xfrm>
+          <a:prstGeom prst="rect">
+            <a:avLst/>
+          </a:prstGeom>
+          <a:noFill/>
+        </p:spPr>
+        <p:txBody>
+          <a:bodyPr wrap="square">
+            <a:spAutoFit/>
+          </a:bodyPr>
+          <a:lstStyle/>
+          <a:p>
+            <a:pPr algn="ctr"/>
+            <a:r>
+              <a:rPr lang="en-US" altLang="ko-KR" spc="-60" dirty="0">
+                <a:ln w="3175">
+                  <a:solidFill>
+                    <a:schemeClr val="tx1">
+                      <a:lumMod val="75000"/>
+                      <a:lumOff val="25000"/>
+                      <a:alpha val="10000"/>
+                    </a:schemeClr>
+                  </a:solidFill>
+                </a:ln>
+                <a:solidFill>
+                  <a:schemeClr val="tx1">
+                    <a:lumMod val="75000"/>
+                    <a:lumOff val="25000"/>
+                  </a:schemeClr>
+                </a:solidFill>
+                <a:ea typeface="경기천년제목 Light" panose="02020403020101020101" pitchFamily="18" charset="-127"/>
+              </a:rPr>
+              <a:t>Total area (m</a:t>
+            </a:r>
+            <a:r>
+              <a:rPr lang="en-US" altLang="ko-KR" spc="-60" baseline="30000" dirty="0">
+                <a:ln w="3175">
+                  <a:solidFill>
+                    <a:schemeClr val="tx1">
+                      <a:lumMod val="75000"/>
+                      <a:lumOff val="25000"/>
+                      <a:alpha val="10000"/>
+                    </a:schemeClr>
+                  </a:solidFill>
+                </a:ln>
+                <a:solidFill>
+                  <a:schemeClr val="tx1">
+                    <a:lumMod val="75000"/>
+                    <a:lumOff val="25000"/>
+                  </a:schemeClr>
+                </a:solidFill>
+                <a:ea typeface="경기천년제목 Light" panose="02020403020101020101" pitchFamily="18" charset="-127"/>
+              </a:rPr>
+              <a:t>2</a:t>
+            </a:r>
+            <a:r>
+              <a:rPr lang="en-US" altLang="ko-KR" spc="-60" dirty="0">
+                <a:ln w="3175">
+                  <a:solidFill>
+                    <a:schemeClr val="tx1">
+                      <a:lumMod val="75000"/>
+                      <a:lumOff val="25000"/>
+                      <a:alpha val="10000"/>
+                    </a:schemeClr>
+                  </a:solidFill>
+                </a:ln>
+                <a:solidFill>
+                  <a:schemeClr val="tx1">
+                    <a:lumMod val="75000"/>
+                    <a:lumOff val="25000"/>
+                  </a:schemeClr>
+                </a:solidFill>
+                <a:ea typeface="경기천년제목 Light" panose="02020403020101020101" pitchFamily="18" charset="-127"/>
+              </a:rPr>
+              <a:t>)</a:t>
+            </a:r>
+            <a:endParaRPr lang="ko-KR" altLang="en-US" dirty="0"/>
+          </a:p>
+        </p:txBody>
+      </p:sp>
+      <p:cxnSp>
+        <p:nvCxnSpPr>
+          <p:cNvPr id="11" name="직선 연결선 10">
+            <a:extLst>
+              <a:ext uri="{FF2B5EF4-FFF2-40B4-BE49-F238E27FC236}">
+                <a16:creationId xmlns:a16="http://schemas.microsoft.com/office/drawing/2014/main" id="{97EC718E-4115-DC25-E253-CCE5A5E6B122}"/>
+              </a:ext>
+            </a:extLst>
+          </p:cNvPr>
+          <p:cNvCxnSpPr>
+            <a:cxnSpLocks/>
+          </p:cNvCxnSpPr>
+          <p:nvPr/>
+        </p:nvCxnSpPr>
+        <p:spPr>
+          <a:xfrm rot="5400000" flipV="1">
+            <a:off x="5216082" y="2342328"/>
+            <a:ext cx="0" cy="612000"/>
+          </a:xfrm>
+          <a:prstGeom prst="line">
+            <a:avLst/>
+          </a:prstGeom>
+          <a:ln w="31750">
+            <a:solidFill>
+              <a:srgbClr val="619CFF"/>
+            </a:solidFill>
+            <a:headEnd type="triangle" w="lg" len="lg"/>
+            <a:tailEnd type="none" w="lg" len="lg"/>
+          </a:ln>
+        </p:spPr>
+        <p:style>
+          <a:lnRef idx="1">
+            <a:schemeClr val="accent1"/>
+          </a:lnRef>
+          <a:fillRef idx="0">
+            <a:schemeClr val="accent1"/>
+          </a:fillRef>
+          <a:effectRef idx="0">
+            <a:schemeClr val="accent1"/>
+          </a:effectRef>
+          <a:fontRef idx="minor">
+            <a:schemeClr val="tx1"/>
+          </a:fontRef>
+        </p:style>
+      </p:cxnSp>
+      <p:sp>
+        <p:nvSpPr>
+          <p:cNvPr id="13" name="TextBox 12">
+            <a:extLst>
+              <a:ext uri="{FF2B5EF4-FFF2-40B4-BE49-F238E27FC236}">
+                <a16:creationId xmlns:a16="http://schemas.microsoft.com/office/drawing/2014/main" id="{34D834ED-6F69-1057-FC56-6921D17A2022}"/>
+              </a:ext>
+            </a:extLst>
+          </p:cNvPr>
+          <p:cNvSpPr txBox="1"/>
+          <p:nvPr/>
+        </p:nvSpPr>
+        <p:spPr>
+          <a:xfrm>
+            <a:off x="3705598" y="2480426"/>
+            <a:ext cx="1241714" cy="307777"/>
+          </a:xfrm>
+          <a:prstGeom prst="rect">
+            <a:avLst/>
+          </a:prstGeom>
+          <a:noFill/>
+        </p:spPr>
+        <p:txBody>
+          <a:bodyPr wrap="square">
+            <a:spAutoFit/>
+          </a:bodyPr>
+          <a:lstStyle/>
+          <a:p>
+            <a:pPr algn="ctr"/>
+            <a:r>
+              <a:rPr lang="en-US" altLang="ko-KR" sz="1400" dirty="0">
+                <a:ln w="3175">
+                  <a:solidFill>
+                    <a:schemeClr val="tx1">
+                      <a:lumMod val="75000"/>
+                      <a:lumOff val="25000"/>
+                      <a:alpha val="10000"/>
+                    </a:schemeClr>
+                  </a:solidFill>
+                </a:ln>
+                <a:solidFill>
+                  <a:schemeClr val="tx1">
+                    <a:lumMod val="75000"/>
+                    <a:lumOff val="25000"/>
+                  </a:schemeClr>
+                </a:solidFill>
+                <a:ea typeface="경기천년제목 Light" panose="02020403020101020101" pitchFamily="18" charset="-127"/>
+              </a:rPr>
+              <a:t>Slope : 0.545</a:t>
+            </a:r>
+            <a:endParaRPr lang="ko-KR" altLang="en-US" sz="1400" dirty="0"/>
+          </a:p>
+        </p:txBody>
+      </p:sp>
+      <p:cxnSp>
+        <p:nvCxnSpPr>
+          <p:cNvPr id="14" name="직선 연결선 13">
+            <a:extLst>
+              <a:ext uri="{FF2B5EF4-FFF2-40B4-BE49-F238E27FC236}">
+                <a16:creationId xmlns:a16="http://schemas.microsoft.com/office/drawing/2014/main" id="{03DEFADB-FF26-281E-B4BE-776687B5AD01}"/>
+              </a:ext>
+            </a:extLst>
+          </p:cNvPr>
+          <p:cNvCxnSpPr>
+            <a:cxnSpLocks/>
+          </p:cNvCxnSpPr>
+          <p:nvPr/>
+        </p:nvCxnSpPr>
+        <p:spPr>
+          <a:xfrm flipV="1">
+            <a:off x="6792849" y="4640580"/>
+            <a:ext cx="0" cy="556260"/>
+          </a:xfrm>
+          <a:prstGeom prst="line">
+            <a:avLst/>
+          </a:prstGeom>
+          <a:ln w="31750">
+            <a:solidFill>
+              <a:srgbClr val="F8766D"/>
+            </a:solidFill>
+            <a:headEnd type="triangle" w="lg" len="lg"/>
+            <a:tailEnd type="none" w="lg" len="lg"/>
+          </a:ln>
+        </p:spPr>
+        <p:style>
+          <a:lnRef idx="1">
+            <a:schemeClr val="accent1"/>
+          </a:lnRef>
+          <a:fillRef idx="0">
+            <a:schemeClr val="accent1"/>
+          </a:fillRef>
+          <a:effectRef idx="0">
+            <a:schemeClr val="accent1"/>
+          </a:effectRef>
+          <a:fontRef idx="minor">
+            <a:schemeClr val="tx1"/>
+          </a:fontRef>
+        </p:style>
+      </p:cxnSp>
+      <p:sp>
+        <p:nvSpPr>
+          <p:cNvPr id="15" name="TextBox 14">
+            <a:extLst>
+              <a:ext uri="{FF2B5EF4-FFF2-40B4-BE49-F238E27FC236}">
+                <a16:creationId xmlns:a16="http://schemas.microsoft.com/office/drawing/2014/main" id="{D4C9CB4A-BDB4-76A7-8F74-2549E8FB4DFD}"/>
+              </a:ext>
+            </a:extLst>
+          </p:cNvPr>
+          <p:cNvSpPr txBox="1"/>
+          <p:nvPr/>
+        </p:nvSpPr>
+        <p:spPr>
+          <a:xfrm>
+            <a:off x="6171992" y="5186764"/>
+            <a:ext cx="1241714" cy="307777"/>
+          </a:xfrm>
+          <a:prstGeom prst="rect">
+            <a:avLst/>
+          </a:prstGeom>
+          <a:noFill/>
+        </p:spPr>
+        <p:txBody>
+          <a:bodyPr wrap="square">
+            <a:spAutoFit/>
+          </a:bodyPr>
+          <a:lstStyle/>
+          <a:p>
+            <a:pPr algn="ctr"/>
+            <a:r>
+              <a:rPr lang="en-US" altLang="ko-KR" sz="1400" dirty="0">
+                <a:ln w="3175">
+                  <a:solidFill>
+                    <a:schemeClr val="tx1">
+                      <a:lumMod val="75000"/>
+                      <a:lumOff val="25000"/>
+                      <a:alpha val="10000"/>
+                    </a:schemeClr>
+                  </a:solidFill>
+                </a:ln>
+                <a:solidFill>
+                  <a:schemeClr val="tx1">
+                    <a:lumMod val="75000"/>
+                    <a:lumOff val="25000"/>
+                  </a:schemeClr>
+                </a:solidFill>
+                <a:ea typeface="경기천년제목 Light" panose="02020403020101020101" pitchFamily="18" charset="-127"/>
+              </a:rPr>
+              <a:t>Slope : 0.189</a:t>
+            </a:r>
+            <a:endParaRPr lang="ko-KR" altLang="en-US" sz="1400" dirty="0"/>
+          </a:p>
+        </p:txBody>
+      </p:sp>
+      <p:cxnSp>
+        <p:nvCxnSpPr>
+          <p:cNvPr id="16" name="직선 연결선 15">
+            <a:extLst>
+              <a:ext uri="{FF2B5EF4-FFF2-40B4-BE49-F238E27FC236}">
+                <a16:creationId xmlns:a16="http://schemas.microsoft.com/office/drawing/2014/main" id="{E604F276-91FC-CE95-1815-B2B06FB73FFE}"/>
+              </a:ext>
+            </a:extLst>
+          </p:cNvPr>
+          <p:cNvCxnSpPr>
+            <a:cxnSpLocks/>
+          </p:cNvCxnSpPr>
+          <p:nvPr/>
+        </p:nvCxnSpPr>
+        <p:spPr>
+          <a:xfrm flipV="1">
+            <a:off x="8049261" y="3002760"/>
+            <a:ext cx="0" cy="432000"/>
+          </a:xfrm>
+          <a:prstGeom prst="line">
+            <a:avLst/>
+          </a:prstGeom>
+          <a:ln w="31750">
+            <a:solidFill>
+              <a:srgbClr val="00BA38"/>
+            </a:solidFill>
+            <a:headEnd type="triangle" w="lg" len="lg"/>
+            <a:tailEnd type="none" w="lg" len="lg"/>
+          </a:ln>
+        </p:spPr>
+        <p:style>
+          <a:lnRef idx="1">
+            <a:schemeClr val="accent1"/>
+          </a:lnRef>
+          <a:fillRef idx="0">
+            <a:schemeClr val="accent1"/>
+          </a:fillRef>
+          <a:effectRef idx="0">
+            <a:schemeClr val="accent1"/>
+          </a:effectRef>
+          <a:fontRef idx="minor">
+            <a:schemeClr val="tx1"/>
+          </a:fontRef>
+        </p:style>
+      </p:cxnSp>
+      <p:sp>
+        <p:nvSpPr>
+          <p:cNvPr id="17" name="TextBox 16">
+            <a:extLst>
+              <a:ext uri="{FF2B5EF4-FFF2-40B4-BE49-F238E27FC236}">
+                <a16:creationId xmlns:a16="http://schemas.microsoft.com/office/drawing/2014/main" id="{C76089F3-D3D8-98BD-3392-5F54277976E6}"/>
+              </a:ext>
+            </a:extLst>
+          </p:cNvPr>
+          <p:cNvSpPr txBox="1"/>
+          <p:nvPr/>
+        </p:nvSpPr>
+        <p:spPr>
+          <a:xfrm>
+            <a:off x="7428404" y="3429000"/>
+            <a:ext cx="1241714" cy="307777"/>
+          </a:xfrm>
+          <a:prstGeom prst="rect">
+            <a:avLst/>
+          </a:prstGeom>
+          <a:noFill/>
+        </p:spPr>
+        <p:txBody>
+          <a:bodyPr wrap="square">
+            <a:spAutoFit/>
+          </a:bodyPr>
+          <a:lstStyle/>
+          <a:p>
+            <a:pPr algn="ctr"/>
+            <a:r>
+              <a:rPr lang="en-US" altLang="ko-KR" sz="1400" dirty="0">
+                <a:ln w="3175">
+                  <a:solidFill>
+                    <a:schemeClr val="tx1">
+                      <a:lumMod val="75000"/>
+                      <a:lumOff val="25000"/>
+                      <a:alpha val="10000"/>
+                    </a:schemeClr>
+                  </a:solidFill>
+                </a:ln>
+                <a:solidFill>
+                  <a:schemeClr val="tx1">
+                    <a:lumMod val="75000"/>
+                    <a:lumOff val="25000"/>
+                  </a:schemeClr>
+                </a:solidFill>
+                <a:ea typeface="경기천년제목 Light" panose="02020403020101020101" pitchFamily="18" charset="-127"/>
+              </a:rPr>
+              <a:t>Slope : 0.284</a:t>
+            </a:r>
+            <a:endParaRPr lang="ko-KR" altLang="en-US" sz="1400" dirty="0"/>
+          </a:p>
+        </p:txBody>
+      </p:sp>
+      <p:pic>
+        <p:nvPicPr>
+          <p:cNvPr id="19" name="그림 18">
+            <a:extLst>
+              <a:ext uri="{FF2B5EF4-FFF2-40B4-BE49-F238E27FC236}">
+                <a16:creationId xmlns:a16="http://schemas.microsoft.com/office/drawing/2014/main" id="{6394B9C0-D0D1-3A15-6B89-2AD946F89B1D}"/>
+              </a:ext>
+            </a:extLst>
+          </p:cNvPr>
+          <p:cNvPicPr>
+            <a:picLocks noChangeAspect="1"/>
+          </p:cNvPicPr>
+          <p:nvPr/>
+        </p:nvPicPr>
+        <p:blipFill rotWithShape="1">
+          <a:blip r:embed="rId3"/>
+          <a:srcRect t="2101"/>
+          <a:stretch/>
+        </p:blipFill>
+        <p:spPr>
+          <a:xfrm>
+            <a:off x="2294843" y="352349"/>
+            <a:ext cx="4226607" cy="802561"/>
+          </a:xfrm>
+          <a:prstGeom prst="rect">
+            <a:avLst/>
+          </a:prstGeom>
+        </p:spPr>
+      </p:pic>
+    </p:spTree>
+    <p:extLst>
+      <p:ext uri="{BB962C8B-B14F-4D97-AF65-F5344CB8AC3E}">
+        <p14:creationId xmlns:p14="http://schemas.microsoft.com/office/powerpoint/2010/main" val="4043079544"/>
       </p:ext>
     </p:extLst>
   </p:cSld>
